--- a/mcmc_method.pptx
+++ b/mcmc_method.pptx
@@ -3995,367 +3995,44 @@
           <a:chExt cx="0" cy="0"/>
         </a:xfrm>
       </p:grpSpPr>
-      <mc:AlternateContent xmlns:mc="http://schemas.openxmlformats.org/markup-compatibility/2006">
-        <mc:Choice xmlns:a14="http://schemas.microsoft.com/office/drawing/2010/main" Requires="a14">
-          <p:sp>
-            <p:nvSpPr>
-              <p:cNvPr id="2" name="TextBox 1">
-                <a:extLst>
-                  <a:ext uri="{FF2B5EF4-FFF2-40B4-BE49-F238E27FC236}">
-                    <a16:creationId xmlns:a16="http://schemas.microsoft.com/office/drawing/2014/main" id="{6C2B10C5-9FBB-B160-EF82-2177DA7A747F}"/>
-                  </a:ext>
-                </a:extLst>
-              </p:cNvPr>
-              <p:cNvSpPr txBox="1"/>
-              <p:nvPr/>
-            </p:nvSpPr>
-            <p:spPr>
-              <a:xfrm>
-                <a:off x="188890" y="876951"/>
-                <a:ext cx="11638349" cy="2309543"/>
-              </a:xfrm>
-              <a:prstGeom prst="rect">
-                <a:avLst/>
-              </a:prstGeom>
-              <a:noFill/>
-            </p:spPr>
-            <p:txBody>
-              <a:bodyPr wrap="square" rtlCol="0">
-                <a:spAutoFit/>
-              </a:bodyPr>
-              <a:lstStyle/>
-              <a:p>
-                <a:r>
-                  <a:rPr lang="en-FR" dirty="0"/>
-                  <a:t>Entropy is defined as the randomness or uncertainty of a state. High entropy = high uncertainty. </a:t>
-                </a:r>
-              </a:p>
-              <a:p>
-                <a:endParaRPr lang="en-FR" dirty="0"/>
-              </a:p>
-              <a:p>
-                <a:r>
-                  <a:rPr lang="en-FR" dirty="0">
-                    <a:solidFill>
-                      <a:srgbClr val="0070C0"/>
-                    </a:solidFill>
-                  </a:rPr>
-                  <a:t>Entropy in our method will be directly linked to the possible number of transitions in a state:</a:t>
-                </a:r>
-              </a:p>
-              <a:p>
-                <a:r>
-                  <a:rPr lang="en-GB" dirty="0">
-                    <a:solidFill>
-                      <a:srgbClr val="0070C0"/>
-                    </a:solidFill>
-                  </a:rPr>
-                  <a:t>the higher the number of transitions, the higher the entropy, since you’re less sure of what will happen next.</a:t>
-                </a:r>
-              </a:p>
-              <a:p>
-                <a:r>
-                  <a:rPr lang="en-GB" dirty="0">
-                    <a:solidFill>
-                      <a:srgbClr val="0070C0"/>
-                    </a:solidFill>
-                  </a:rPr>
-                  <a:t>Entropy can also be modified if you modify the probability of the transitions: uniform distribution = highest entropy</a:t>
-                </a:r>
-              </a:p>
-              <a:p>
-                <a:endParaRPr lang="en-GB" dirty="0">
-                  <a:solidFill>
-                    <a:srgbClr val="0070C0"/>
-                  </a:solidFill>
-                </a:endParaRPr>
-              </a:p>
-              <a:p>
-                <a:r>
-                  <a:rPr lang="en-GB" dirty="0">
-                    <a:solidFill>
-                      <a:srgbClr val="0070C0"/>
-                    </a:solidFill>
-                  </a:rPr>
-                  <a:t>Entropy of a state: </a:t>
-                </a:r>
-                <a14:m>
-                  <m:oMath xmlns:m="http://schemas.openxmlformats.org/officeDocument/2006/math">
-                    <m:r>
-                      <m:rPr>
-                        <m:sty m:val="p"/>
-                      </m:rPr>
-                      <a:rPr lang="en-US" b="0" i="0" smtClean="0">
-                        <a:solidFill>
-                          <a:srgbClr val="0070C0"/>
-                        </a:solidFill>
-                        <a:latin typeface="Cambria Math" panose="02040503050406030204" pitchFamily="18" charset="0"/>
-                      </a:rPr>
-                      <m:t>S</m:t>
-                    </m:r>
-                    <m:r>
-                      <a:rPr lang="en-US" b="0" i="0" smtClean="0">
-                        <a:solidFill>
-                          <a:srgbClr val="0070C0"/>
-                        </a:solidFill>
-                        <a:latin typeface="Cambria Math" panose="02040503050406030204" pitchFamily="18" charset="0"/>
-                      </a:rPr>
-                      <m:t>=</m:t>
-                    </m:r>
-                    <m:r>
-                      <a:rPr lang="en-US" b="0" i="1" smtClean="0">
-                        <a:solidFill>
-                          <a:srgbClr val="0070C0"/>
-                        </a:solidFill>
-                        <a:latin typeface="Cambria Math" panose="02040503050406030204" pitchFamily="18" charset="0"/>
-                      </a:rPr>
-                      <m:t>−</m:t>
-                    </m:r>
-                    <m:nary>
-                      <m:naryPr>
-                        <m:chr m:val="∑"/>
-                        <m:ctrlPr>
-                          <a:rPr lang="en-GB" i="1" smtClean="0">
-                            <a:solidFill>
-                              <a:srgbClr val="0070C0"/>
-                            </a:solidFill>
-                            <a:latin typeface="Cambria Math" panose="02040503050406030204" pitchFamily="18" charset="0"/>
-                          </a:rPr>
-                        </m:ctrlPr>
-                      </m:naryPr>
-                      <m:sub>
-                        <m:r>
-                          <m:rPr>
-                            <m:brk m:alnAt="23"/>
-                          </m:rPr>
-                          <a:rPr lang="en-US" b="0" i="1" smtClean="0">
-                            <a:solidFill>
-                              <a:srgbClr val="0070C0"/>
-                            </a:solidFill>
-                            <a:latin typeface="Cambria Math" panose="02040503050406030204" pitchFamily="18" charset="0"/>
-                          </a:rPr>
-                          <m:t>𝑖</m:t>
-                        </m:r>
-                        <m:r>
-                          <a:rPr lang="en-GB" i="1" smtClean="0">
-                            <a:solidFill>
-                              <a:srgbClr val="0070C0"/>
-                            </a:solidFill>
-                            <a:latin typeface="Cambria Math" panose="02040503050406030204" pitchFamily="18" charset="0"/>
-                          </a:rPr>
-                          <m:t>=0</m:t>
-                        </m:r>
-                      </m:sub>
-                      <m:sup>
-                        <m:r>
-                          <a:rPr lang="en-GB" i="1" smtClean="0">
-                            <a:solidFill>
-                              <a:srgbClr val="0070C0"/>
-                            </a:solidFill>
-                            <a:latin typeface="Cambria Math" panose="02040503050406030204" pitchFamily="18" charset="0"/>
-                          </a:rPr>
-                          <m:t>𝑛</m:t>
-                        </m:r>
-                      </m:sup>
-                      <m:e>
-                        <m:sSub>
-                          <m:sSubPr>
-                            <m:ctrlPr>
-                              <a:rPr lang="en-GB" i="1" smtClean="0">
-                                <a:solidFill>
-                                  <a:srgbClr val="0070C0"/>
-                                </a:solidFill>
-                                <a:latin typeface="Cambria Math" panose="02040503050406030204" pitchFamily="18" charset="0"/>
-                              </a:rPr>
-                            </m:ctrlPr>
-                          </m:sSubPr>
-                          <m:e>
-                            <m:r>
-                              <a:rPr lang="en-US" b="0" i="1" smtClean="0">
-                                <a:solidFill>
-                                  <a:srgbClr val="0070C0"/>
-                                </a:solidFill>
-                                <a:latin typeface="Cambria Math" panose="02040503050406030204" pitchFamily="18" charset="0"/>
-                              </a:rPr>
-                              <m:t>𝑃</m:t>
-                            </m:r>
-                          </m:e>
-                          <m:sub>
-                            <m:r>
-                              <a:rPr lang="en-US" b="0" i="1" smtClean="0">
-                                <a:solidFill>
-                                  <a:srgbClr val="0070C0"/>
-                                </a:solidFill>
-                                <a:latin typeface="Cambria Math" panose="02040503050406030204" pitchFamily="18" charset="0"/>
-                              </a:rPr>
-                              <m:t>𝑖</m:t>
-                            </m:r>
-                          </m:sub>
-                        </m:sSub>
-                        <m:r>
-                          <a:rPr lang="en-US" b="0" i="1" smtClean="0">
-                            <a:solidFill>
-                              <a:srgbClr val="0070C0"/>
-                            </a:solidFill>
-                            <a:latin typeface="Cambria Math" panose="02040503050406030204" pitchFamily="18" charset="0"/>
-                          </a:rPr>
-                          <m:t> ∗ </m:t>
-                        </m:r>
-                        <m:func>
-                          <m:funcPr>
-                            <m:ctrlPr>
-                              <a:rPr lang="en-US" b="0" i="1" smtClean="0">
-                                <a:solidFill>
-                                  <a:srgbClr val="0070C0"/>
-                                </a:solidFill>
-                                <a:latin typeface="Cambria Math" panose="02040503050406030204" pitchFamily="18" charset="0"/>
-                              </a:rPr>
-                            </m:ctrlPr>
-                          </m:funcPr>
-                          <m:fName>
-                            <m:sSub>
-                              <m:sSubPr>
-                                <m:ctrlPr>
-                                  <a:rPr lang="en-US" b="0" i="1" smtClean="0">
-                                    <a:solidFill>
-                                      <a:srgbClr val="0070C0"/>
-                                    </a:solidFill>
-                                    <a:latin typeface="Cambria Math" panose="02040503050406030204" pitchFamily="18" charset="0"/>
-                                  </a:rPr>
-                                </m:ctrlPr>
-                              </m:sSubPr>
-                              <m:e>
-                                <m:r>
-                                  <m:rPr>
-                                    <m:sty m:val="p"/>
-                                  </m:rPr>
-                                  <a:rPr lang="en-US" b="0" i="0" smtClean="0">
-                                    <a:solidFill>
-                                      <a:srgbClr val="0070C0"/>
-                                    </a:solidFill>
-                                    <a:latin typeface="Cambria Math" panose="02040503050406030204" pitchFamily="18" charset="0"/>
-                                  </a:rPr>
-                                  <m:t>log</m:t>
-                                </m:r>
-                              </m:e>
-                              <m:sub>
-                                <m:r>
-                                  <a:rPr lang="en-US" b="0" i="1" smtClean="0">
-                                    <a:solidFill>
-                                      <a:srgbClr val="0070C0"/>
-                                    </a:solidFill>
-                                    <a:latin typeface="Cambria Math" panose="02040503050406030204" pitchFamily="18" charset="0"/>
-                                  </a:rPr>
-                                  <m:t>2</m:t>
-                                </m:r>
-                              </m:sub>
-                            </m:sSub>
-                          </m:fName>
-                          <m:e>
-                            <m:sSub>
-                              <m:sSubPr>
-                                <m:ctrlPr>
-                                  <a:rPr lang="en-US" b="0" i="1" smtClean="0">
-                                    <a:solidFill>
-                                      <a:srgbClr val="0070C0"/>
-                                    </a:solidFill>
-                                    <a:latin typeface="Cambria Math" panose="02040503050406030204" pitchFamily="18" charset="0"/>
-                                  </a:rPr>
-                                </m:ctrlPr>
-                              </m:sSubPr>
-                              <m:e>
-                                <m:r>
-                                  <a:rPr lang="en-US" b="0" i="1" smtClean="0">
-                                    <a:solidFill>
-                                      <a:srgbClr val="0070C0"/>
-                                    </a:solidFill>
-                                    <a:latin typeface="Cambria Math" panose="02040503050406030204" pitchFamily="18" charset="0"/>
-                                  </a:rPr>
-                                  <m:t>𝑃</m:t>
-                                </m:r>
-                              </m:e>
-                              <m:sub>
-                                <m:r>
-                                  <a:rPr lang="en-US" b="0" i="1" smtClean="0">
-                                    <a:solidFill>
-                                      <a:srgbClr val="0070C0"/>
-                                    </a:solidFill>
-                                    <a:latin typeface="Cambria Math" panose="02040503050406030204" pitchFamily="18" charset="0"/>
-                                  </a:rPr>
-                                  <m:t>𝑖</m:t>
-                                </m:r>
-                              </m:sub>
-                            </m:sSub>
-                          </m:e>
-                        </m:func>
-                      </m:e>
-                    </m:nary>
-                  </m:oMath>
-                </a14:m>
-                <a:endParaRPr lang="en-FR" dirty="0">
-                  <a:solidFill>
-                    <a:srgbClr val="0070C0"/>
-                  </a:solidFill>
-                </a:endParaRPr>
-              </a:p>
-              <a:p>
-                <a:r>
-                  <a:rPr lang="en-FR" dirty="0">
-                    <a:solidFill>
-                      <a:srgbClr val="0070C0"/>
-                    </a:solidFill>
-                  </a:rPr>
-                  <a:t>Examples</a:t>
-                </a:r>
-              </a:p>
-            </p:txBody>
-          </p:sp>
-        </mc:Choice>
-        <mc:Fallback>
-          <p:sp>
-            <p:nvSpPr>
-              <p:cNvPr id="2" name="TextBox 1">
-                <a:extLst>
-                  <a:ext uri="{FF2B5EF4-FFF2-40B4-BE49-F238E27FC236}">
-                    <a16:creationId xmlns:a16="http://schemas.microsoft.com/office/drawing/2014/main" id="{6C2B10C5-9FBB-B160-EF82-2177DA7A747F}"/>
-                  </a:ext>
-                </a:extLst>
-              </p:cNvPr>
-              <p:cNvSpPr txBox="1">
-                <a:spLocks noRot="1" noChangeAspect="1" noMove="1" noResize="1" noEditPoints="1" noAdjustHandles="1" noChangeArrowheads="1" noChangeShapeType="1" noTextEdit="1"/>
-              </p:cNvSpPr>
-              <p:nvPr/>
-            </p:nvSpPr>
-            <p:spPr>
-              <a:xfrm>
-                <a:off x="188890" y="876951"/>
-                <a:ext cx="11638349" cy="2309543"/>
-              </a:xfrm>
-              <a:prstGeom prst="rect">
-                <a:avLst/>
-              </a:prstGeom>
-              <a:blipFill>
-                <a:blip r:embed="rId2"/>
-                <a:stretch>
-                  <a:fillRect l="-327" t="-1639" b="-14208"/>
-                </a:stretch>
-              </a:blipFill>
-            </p:spPr>
-            <p:txBody>
-              <a:bodyPr/>
-              <a:lstStyle/>
-              <a:p>
-                <a:r>
-                  <a:rPr lang="en-FR">
-                    <a:noFill/>
-                  </a:rPr>
-                  <a:t> </a:t>
-                </a:r>
-              </a:p>
-            </p:txBody>
-          </p:sp>
-        </mc:Fallback>
-      </mc:AlternateContent>
+      <p:sp>
+        <p:nvSpPr>
+          <p:cNvPr id="2" name="TextBox 1">
+            <a:extLst>
+              <a:ext uri="{FF2B5EF4-FFF2-40B4-BE49-F238E27FC236}">
+                <a16:creationId xmlns:a16="http://schemas.microsoft.com/office/drawing/2014/main" id="{6C2B10C5-9FBB-B160-EF82-2177DA7A747F}"/>
+              </a:ext>
+            </a:extLst>
+          </p:cNvPr>
+          <p:cNvSpPr txBox="1"/>
+          <p:nvPr/>
+        </p:nvSpPr>
+        <p:spPr>
+          <a:xfrm>
+            <a:off x="188890" y="876951"/>
+            <a:ext cx="11638349" cy="646331"/>
+          </a:xfrm>
+          <a:prstGeom prst="rect">
+            <a:avLst/>
+          </a:prstGeom>
+          <a:noFill/>
+        </p:spPr>
+        <p:txBody>
+          <a:bodyPr wrap="square" rtlCol="0">
+            <a:spAutoFit/>
+          </a:bodyPr>
+          <a:lstStyle/>
+          <a:p>
+            <a:r>
+              <a:rPr lang="en-FR" dirty="0"/>
+              <a:t>Entropy is defined as the randomness or uncertainty of a state. High entropy = high uncertainty. </a:t>
+            </a:r>
+          </a:p>
+          <a:p>
+            <a:endParaRPr lang="en-FR" dirty="0"/>
+          </a:p>
+        </p:txBody>
+      </p:sp>
       <p:sp>
         <p:nvSpPr>
           <p:cNvPr id="7" name="TextBox 6">
@@ -4392,2118 +4069,6 @@
           </a:p>
         </p:txBody>
       </p:sp>
-      <p:grpSp>
-        <p:nvGrpSpPr>
-          <p:cNvPr id="3" name="Group 2">
-            <a:extLst>
-              <a:ext uri="{FF2B5EF4-FFF2-40B4-BE49-F238E27FC236}">
-                <a16:creationId xmlns:a16="http://schemas.microsoft.com/office/drawing/2014/main" id="{23050132-3456-4844-1009-BC27EBE1D0BA}"/>
-              </a:ext>
-            </a:extLst>
-          </p:cNvPr>
-          <p:cNvGrpSpPr/>
-          <p:nvPr/>
-        </p:nvGrpSpPr>
-        <p:grpSpPr>
-          <a:xfrm>
-            <a:off x="1053514" y="3415958"/>
-            <a:ext cx="583561" cy="583561"/>
-            <a:chOff x="5123645" y="775255"/>
-            <a:chExt cx="834604" cy="834604"/>
-          </a:xfrm>
-        </p:grpSpPr>
-        <p:sp>
-          <p:nvSpPr>
-            <p:cNvPr id="4" name="Oval 3">
-              <a:extLst>
-                <a:ext uri="{FF2B5EF4-FFF2-40B4-BE49-F238E27FC236}">
-                  <a16:creationId xmlns:a16="http://schemas.microsoft.com/office/drawing/2014/main" id="{8DDC9700-FD19-2BBD-5D66-7EAAEFA34940}"/>
-                </a:ext>
-              </a:extLst>
-            </p:cNvPr>
-            <p:cNvSpPr/>
-            <p:nvPr/>
-          </p:nvSpPr>
-          <p:spPr>
-            <a:xfrm>
-              <a:off x="5123645" y="775255"/>
-              <a:ext cx="834604" cy="834604"/>
-            </a:xfrm>
-            <a:prstGeom prst="ellipse">
-              <a:avLst/>
-            </a:prstGeom>
-            <a:ln>
-              <a:solidFill>
-                <a:schemeClr val="tx1">
-                  <a:lumMod val="95000"/>
-                  <a:lumOff val="5000"/>
-                </a:schemeClr>
-              </a:solidFill>
-            </a:ln>
-          </p:spPr>
-          <p:style>
-            <a:lnRef idx="2">
-              <a:schemeClr val="accent3"/>
-            </a:lnRef>
-            <a:fillRef idx="1">
-              <a:schemeClr val="lt1"/>
-            </a:fillRef>
-            <a:effectRef idx="0">
-              <a:schemeClr val="accent3"/>
-            </a:effectRef>
-            <a:fontRef idx="minor">
-              <a:schemeClr val="dk1"/>
-            </a:fontRef>
-          </p:style>
-          <p:txBody>
-            <a:bodyPr rtlCol="0" anchor="ctr"/>
-            <a:lstStyle/>
-            <a:p>
-              <a:pPr algn="ctr"/>
-              <a:endParaRPr lang="en-FR"/>
-            </a:p>
-          </p:txBody>
-        </p:sp>
-        <p:sp>
-          <p:nvSpPr>
-            <p:cNvPr id="5" name="TextBox 4">
-              <a:extLst>
-                <a:ext uri="{FF2B5EF4-FFF2-40B4-BE49-F238E27FC236}">
-                  <a16:creationId xmlns:a16="http://schemas.microsoft.com/office/drawing/2014/main" id="{44F5FD34-2598-E63A-6913-A1350FE4D13F}"/>
-                </a:ext>
-              </a:extLst>
-            </p:cNvPr>
-            <p:cNvSpPr txBox="1"/>
-            <p:nvPr/>
-          </p:nvSpPr>
-          <p:spPr>
-            <a:xfrm>
-              <a:off x="5188925" y="1038668"/>
-              <a:ext cx="704045" cy="374152"/>
-            </a:xfrm>
-            <a:prstGeom prst="rect">
-              <a:avLst/>
-            </a:prstGeom>
-            <a:noFill/>
-            <a:ln>
-              <a:noFill/>
-            </a:ln>
-          </p:spPr>
-          <p:style>
-            <a:lnRef idx="2">
-              <a:schemeClr val="dk1"/>
-            </a:lnRef>
-            <a:fillRef idx="1">
-              <a:schemeClr val="lt1"/>
-            </a:fillRef>
-            <a:effectRef idx="0">
-              <a:schemeClr val="dk1"/>
-            </a:effectRef>
-            <a:fontRef idx="minor">
-              <a:schemeClr val="dk1"/>
-            </a:fontRef>
-          </p:style>
-          <p:txBody>
-            <a:bodyPr wrap="square">
-              <a:spAutoFit/>
-            </a:bodyPr>
-            <a:lstStyle/>
-            <a:p>
-              <a:pPr algn="ctr"/>
-              <a:r>
-                <a:rPr lang="en-GB" sz="1100" dirty="0">
-                  <a:latin typeface="Cambria Math" panose="02040503050406030204" pitchFamily="18" charset="0"/>
-                  <a:ea typeface="Cambria Math" panose="02040503050406030204" pitchFamily="18" charset="0"/>
-                  <a:cs typeface="CMU Serif Roman" panose="02000603000000000000" pitchFamily="2" charset="0"/>
-                </a:rPr>
-                <a:t>S1</a:t>
-              </a:r>
-              <a:endParaRPr lang="en-GB" sz="1400" dirty="0">
-                <a:latin typeface="Cambria Math" panose="02040503050406030204" pitchFamily="18" charset="0"/>
-                <a:ea typeface="Cambria Math" panose="02040503050406030204" pitchFamily="18" charset="0"/>
-                <a:cs typeface="CMU Serif Roman" panose="02000603000000000000" pitchFamily="2" charset="0"/>
-              </a:endParaRPr>
-            </a:p>
-          </p:txBody>
-        </p:sp>
-      </p:grpSp>
-      <p:cxnSp>
-        <p:nvCxnSpPr>
-          <p:cNvPr id="14" name="Straight Arrow Connector 13">
-            <a:extLst>
-              <a:ext uri="{FF2B5EF4-FFF2-40B4-BE49-F238E27FC236}">
-                <a16:creationId xmlns:a16="http://schemas.microsoft.com/office/drawing/2014/main" id="{2A69B09D-7C52-C971-597C-D23DDB5891A1}"/>
-              </a:ext>
-            </a:extLst>
-          </p:cNvPr>
-          <p:cNvCxnSpPr>
-            <a:cxnSpLocks/>
-            <a:stCxn id="4" idx="3"/>
-          </p:cNvCxnSpPr>
-          <p:nvPr/>
-        </p:nvCxnSpPr>
-        <p:spPr>
-          <a:xfrm flipH="1">
-            <a:off x="613545" y="3914058"/>
-            <a:ext cx="525430" cy="387870"/>
-          </a:xfrm>
-          <a:prstGeom prst="straightConnector1">
-            <a:avLst/>
-          </a:prstGeom>
-          <a:ln>
-            <a:tailEnd type="triangle"/>
-          </a:ln>
-        </p:spPr>
-        <p:style>
-          <a:lnRef idx="1">
-            <a:schemeClr val="dk1"/>
-          </a:lnRef>
-          <a:fillRef idx="0">
-            <a:schemeClr val="dk1"/>
-          </a:fillRef>
-          <a:effectRef idx="0">
-            <a:schemeClr val="dk1"/>
-          </a:effectRef>
-          <a:fontRef idx="minor">
-            <a:schemeClr val="tx1"/>
-          </a:fontRef>
-        </p:style>
-      </p:cxnSp>
-      <p:cxnSp>
-        <p:nvCxnSpPr>
-          <p:cNvPr id="15" name="Straight Arrow Connector 14">
-            <a:extLst>
-              <a:ext uri="{FF2B5EF4-FFF2-40B4-BE49-F238E27FC236}">
-                <a16:creationId xmlns:a16="http://schemas.microsoft.com/office/drawing/2014/main" id="{CD42829E-EE36-9544-64A4-ECA1105FDC24}"/>
-              </a:ext>
-            </a:extLst>
-          </p:cNvPr>
-          <p:cNvCxnSpPr>
-            <a:cxnSpLocks/>
-            <a:stCxn id="4" idx="4"/>
-          </p:cNvCxnSpPr>
-          <p:nvPr/>
-        </p:nvCxnSpPr>
-        <p:spPr>
-          <a:xfrm>
-            <a:off x="1345295" y="3999519"/>
-            <a:ext cx="0" cy="709545"/>
-          </a:xfrm>
-          <a:prstGeom prst="straightConnector1">
-            <a:avLst/>
-          </a:prstGeom>
-          <a:ln>
-            <a:tailEnd type="triangle"/>
-          </a:ln>
-        </p:spPr>
-        <p:style>
-          <a:lnRef idx="1">
-            <a:schemeClr val="dk1"/>
-          </a:lnRef>
-          <a:fillRef idx="0">
-            <a:schemeClr val="dk1"/>
-          </a:fillRef>
-          <a:effectRef idx="0">
-            <a:schemeClr val="dk1"/>
-          </a:effectRef>
-          <a:fontRef idx="minor">
-            <a:schemeClr val="tx1"/>
-          </a:fontRef>
-        </p:style>
-      </p:cxnSp>
-      <p:cxnSp>
-        <p:nvCxnSpPr>
-          <p:cNvPr id="18" name="Straight Arrow Connector 17">
-            <a:extLst>
-              <a:ext uri="{FF2B5EF4-FFF2-40B4-BE49-F238E27FC236}">
-                <a16:creationId xmlns:a16="http://schemas.microsoft.com/office/drawing/2014/main" id="{6F83757A-225D-5B7E-17A5-4BA911941D08}"/>
-              </a:ext>
-            </a:extLst>
-          </p:cNvPr>
-          <p:cNvCxnSpPr>
-            <a:cxnSpLocks/>
-            <a:stCxn id="4" idx="5"/>
-          </p:cNvCxnSpPr>
-          <p:nvPr/>
-        </p:nvCxnSpPr>
-        <p:spPr>
-          <a:xfrm>
-            <a:off x="1551614" y="3914058"/>
-            <a:ext cx="287801" cy="831684"/>
-          </a:xfrm>
-          <a:prstGeom prst="straightConnector1">
-            <a:avLst/>
-          </a:prstGeom>
-          <a:ln>
-            <a:tailEnd type="triangle"/>
-          </a:ln>
-        </p:spPr>
-        <p:style>
-          <a:lnRef idx="1">
-            <a:schemeClr val="dk1"/>
-          </a:lnRef>
-          <a:fillRef idx="0">
-            <a:schemeClr val="dk1"/>
-          </a:fillRef>
-          <a:effectRef idx="0">
-            <a:schemeClr val="dk1"/>
-          </a:effectRef>
-          <a:fontRef idx="minor">
-            <a:schemeClr val="tx1"/>
-          </a:fontRef>
-        </p:style>
-      </p:cxnSp>
-      <p:grpSp>
-        <p:nvGrpSpPr>
-          <p:cNvPr id="34" name="Group 33">
-            <a:extLst>
-              <a:ext uri="{FF2B5EF4-FFF2-40B4-BE49-F238E27FC236}">
-                <a16:creationId xmlns:a16="http://schemas.microsoft.com/office/drawing/2014/main" id="{C025F379-C2C7-B9D5-0286-87C5CCB312DF}"/>
-              </a:ext>
-            </a:extLst>
-          </p:cNvPr>
-          <p:cNvGrpSpPr/>
-          <p:nvPr/>
-        </p:nvGrpSpPr>
-        <p:grpSpPr>
-          <a:xfrm>
-            <a:off x="1053515" y="5220206"/>
-            <a:ext cx="583561" cy="583561"/>
-            <a:chOff x="5123645" y="775255"/>
-            <a:chExt cx="834604" cy="834604"/>
-          </a:xfrm>
-        </p:grpSpPr>
-        <p:sp>
-          <p:nvSpPr>
-            <p:cNvPr id="35" name="Oval 34">
-              <a:extLst>
-                <a:ext uri="{FF2B5EF4-FFF2-40B4-BE49-F238E27FC236}">
-                  <a16:creationId xmlns:a16="http://schemas.microsoft.com/office/drawing/2014/main" id="{3DE61D5F-8376-89CF-2200-FE28A81EF8E4}"/>
-                </a:ext>
-              </a:extLst>
-            </p:cNvPr>
-            <p:cNvSpPr/>
-            <p:nvPr/>
-          </p:nvSpPr>
-          <p:spPr>
-            <a:xfrm>
-              <a:off x="5123645" y="775255"/>
-              <a:ext cx="834604" cy="834604"/>
-            </a:xfrm>
-            <a:prstGeom prst="ellipse">
-              <a:avLst/>
-            </a:prstGeom>
-            <a:ln>
-              <a:solidFill>
-                <a:schemeClr val="tx1">
-                  <a:lumMod val="95000"/>
-                  <a:lumOff val="5000"/>
-                </a:schemeClr>
-              </a:solidFill>
-            </a:ln>
-          </p:spPr>
-          <p:style>
-            <a:lnRef idx="2">
-              <a:schemeClr val="accent3"/>
-            </a:lnRef>
-            <a:fillRef idx="1">
-              <a:schemeClr val="lt1"/>
-            </a:fillRef>
-            <a:effectRef idx="0">
-              <a:schemeClr val="accent3"/>
-            </a:effectRef>
-            <a:fontRef idx="minor">
-              <a:schemeClr val="dk1"/>
-            </a:fontRef>
-          </p:style>
-          <p:txBody>
-            <a:bodyPr rtlCol="0" anchor="ctr"/>
-            <a:lstStyle/>
-            <a:p>
-              <a:pPr algn="ctr"/>
-              <a:endParaRPr lang="en-FR"/>
-            </a:p>
-          </p:txBody>
-        </p:sp>
-        <p:sp>
-          <p:nvSpPr>
-            <p:cNvPr id="36" name="TextBox 35">
-              <a:extLst>
-                <a:ext uri="{FF2B5EF4-FFF2-40B4-BE49-F238E27FC236}">
-                  <a16:creationId xmlns:a16="http://schemas.microsoft.com/office/drawing/2014/main" id="{436F1480-5A8F-6512-83D1-EE61BA772D8F}"/>
-                </a:ext>
-              </a:extLst>
-            </p:cNvPr>
-            <p:cNvSpPr txBox="1"/>
-            <p:nvPr/>
-          </p:nvSpPr>
-          <p:spPr>
-            <a:xfrm>
-              <a:off x="5188925" y="1038668"/>
-              <a:ext cx="704045" cy="374152"/>
-            </a:xfrm>
-            <a:prstGeom prst="rect">
-              <a:avLst/>
-            </a:prstGeom>
-            <a:noFill/>
-            <a:ln>
-              <a:noFill/>
-            </a:ln>
-          </p:spPr>
-          <p:style>
-            <a:lnRef idx="2">
-              <a:schemeClr val="dk1"/>
-            </a:lnRef>
-            <a:fillRef idx="1">
-              <a:schemeClr val="lt1"/>
-            </a:fillRef>
-            <a:effectRef idx="0">
-              <a:schemeClr val="dk1"/>
-            </a:effectRef>
-            <a:fontRef idx="minor">
-              <a:schemeClr val="dk1"/>
-            </a:fontRef>
-          </p:style>
-          <p:txBody>
-            <a:bodyPr wrap="square">
-              <a:spAutoFit/>
-            </a:bodyPr>
-            <a:lstStyle/>
-            <a:p>
-              <a:pPr algn="ctr"/>
-              <a:r>
-                <a:rPr lang="en-GB" sz="1100" dirty="0">
-                  <a:latin typeface="Cambria Math" panose="02040503050406030204" pitchFamily="18" charset="0"/>
-                  <a:ea typeface="Cambria Math" panose="02040503050406030204" pitchFamily="18" charset="0"/>
-                  <a:cs typeface="CMU Serif Roman" panose="02000603000000000000" pitchFamily="2" charset="0"/>
-                </a:rPr>
-                <a:t>S2</a:t>
-              </a:r>
-              <a:endParaRPr lang="en-GB" sz="1400" dirty="0">
-                <a:latin typeface="Cambria Math" panose="02040503050406030204" pitchFamily="18" charset="0"/>
-                <a:ea typeface="Cambria Math" panose="02040503050406030204" pitchFamily="18" charset="0"/>
-                <a:cs typeface="CMU Serif Roman" panose="02000603000000000000" pitchFamily="2" charset="0"/>
-              </a:endParaRPr>
-            </a:p>
-          </p:txBody>
-        </p:sp>
-      </p:grpSp>
-      <p:cxnSp>
-        <p:nvCxnSpPr>
-          <p:cNvPr id="37" name="Straight Arrow Connector 36">
-            <a:extLst>
-              <a:ext uri="{FF2B5EF4-FFF2-40B4-BE49-F238E27FC236}">
-                <a16:creationId xmlns:a16="http://schemas.microsoft.com/office/drawing/2014/main" id="{320EA9E9-75FF-5A9D-46C1-022F47265C01}"/>
-              </a:ext>
-            </a:extLst>
-          </p:cNvPr>
-          <p:cNvCxnSpPr>
-            <a:cxnSpLocks/>
-            <a:stCxn id="35" idx="3"/>
-          </p:cNvCxnSpPr>
-          <p:nvPr/>
-        </p:nvCxnSpPr>
-        <p:spPr>
-          <a:xfrm flipH="1">
-            <a:off x="341136" y="5718306"/>
-            <a:ext cx="797840" cy="441902"/>
-          </a:xfrm>
-          <a:prstGeom prst="straightConnector1">
-            <a:avLst/>
-          </a:prstGeom>
-          <a:ln>
-            <a:tailEnd type="triangle"/>
-          </a:ln>
-        </p:spPr>
-        <p:style>
-          <a:lnRef idx="1">
-            <a:schemeClr val="dk1"/>
-          </a:lnRef>
-          <a:fillRef idx="0">
-            <a:schemeClr val="dk1"/>
-          </a:fillRef>
-          <a:effectRef idx="0">
-            <a:schemeClr val="dk1"/>
-          </a:effectRef>
-          <a:fontRef idx="minor">
-            <a:schemeClr val="tx1"/>
-          </a:fontRef>
-        </p:style>
-      </p:cxnSp>
-      <p:cxnSp>
-        <p:nvCxnSpPr>
-          <p:cNvPr id="38" name="Straight Arrow Connector 37">
-            <a:extLst>
-              <a:ext uri="{FF2B5EF4-FFF2-40B4-BE49-F238E27FC236}">
-                <a16:creationId xmlns:a16="http://schemas.microsoft.com/office/drawing/2014/main" id="{D88B558F-26C8-A555-1D46-BE77DD7EC3B7}"/>
-              </a:ext>
-            </a:extLst>
-          </p:cNvPr>
-          <p:cNvCxnSpPr>
-            <a:cxnSpLocks/>
-            <a:stCxn id="35" idx="4"/>
-          </p:cNvCxnSpPr>
-          <p:nvPr/>
-        </p:nvCxnSpPr>
-        <p:spPr>
-          <a:xfrm>
-            <a:off x="1345296" y="5803767"/>
-            <a:ext cx="0" cy="709545"/>
-          </a:xfrm>
-          <a:prstGeom prst="straightConnector1">
-            <a:avLst/>
-          </a:prstGeom>
-          <a:ln>
-            <a:tailEnd type="triangle"/>
-          </a:ln>
-        </p:spPr>
-        <p:style>
-          <a:lnRef idx="1">
-            <a:schemeClr val="dk1"/>
-          </a:lnRef>
-          <a:fillRef idx="0">
-            <a:schemeClr val="dk1"/>
-          </a:fillRef>
-          <a:effectRef idx="0">
-            <a:schemeClr val="dk1"/>
-          </a:effectRef>
-          <a:fontRef idx="minor">
-            <a:schemeClr val="tx1"/>
-          </a:fontRef>
-        </p:style>
-      </p:cxnSp>
-      <mc:AlternateContent xmlns:mc="http://schemas.openxmlformats.org/markup-compatibility/2006">
-        <mc:Choice xmlns:a14="http://schemas.microsoft.com/office/drawing/2010/main" Requires="a14">
-          <p:sp>
-            <p:nvSpPr>
-              <p:cNvPr id="44" name="TextBox 43">
-                <a:extLst>
-                  <a:ext uri="{FF2B5EF4-FFF2-40B4-BE49-F238E27FC236}">
-                    <a16:creationId xmlns:a16="http://schemas.microsoft.com/office/drawing/2014/main" id="{E042F218-7AAC-A837-480F-5C677E5106CB}"/>
-                  </a:ext>
-                </a:extLst>
-              </p:cNvPr>
-              <p:cNvSpPr txBox="1"/>
-              <p:nvPr/>
-            </p:nvSpPr>
-            <p:spPr>
-              <a:xfrm>
-                <a:off x="1947044" y="3421434"/>
-                <a:ext cx="3165791" cy="932499"/>
-              </a:xfrm>
-              <a:prstGeom prst="rect">
-                <a:avLst/>
-              </a:prstGeom>
-              <a:noFill/>
-            </p:spPr>
-            <p:txBody>
-              <a:bodyPr wrap="square" rtlCol="0">
-                <a:spAutoFit/>
-              </a:bodyPr>
-              <a:lstStyle/>
-              <a:p>
-                <a:r>
-                  <a:rPr lang="en-FR" sz="1400" dirty="0"/>
-                  <a:t>There are 3 transitions, each has the same chance of being picked, </a:t>
-                </a:r>
-                <a:r>
-                  <a:rPr lang="en-GB" sz="1400" dirty="0"/>
-                  <a:t>i.e. </a:t>
-                </a:r>
-              </a:p>
-              <a:p>
-                <a:pPr/>
-                <a14:m>
-                  <m:oMathPara xmlns:m="http://schemas.openxmlformats.org/officeDocument/2006/math">
-                    <m:oMathParaPr>
-                      <m:jc m:val="centerGroup"/>
-                    </m:oMathParaPr>
-                    <m:oMath xmlns:m="http://schemas.openxmlformats.org/officeDocument/2006/math">
-                      <m:func>
-                        <m:funcPr>
-                          <m:ctrlPr>
-                            <a:rPr lang="en-GB" sz="1400" i="1" smtClean="0">
-                              <a:latin typeface="Cambria Math" panose="02040503050406030204" pitchFamily="18" charset="0"/>
-                            </a:rPr>
-                          </m:ctrlPr>
-                        </m:funcPr>
-                        <m:fName>
-                          <m:r>
-                            <a:rPr lang="en-US" sz="1400" b="0" i="1" smtClean="0">
-                              <a:latin typeface="Cambria Math" panose="02040503050406030204" pitchFamily="18" charset="0"/>
-                            </a:rPr>
-                            <m:t>−</m:t>
-                          </m:r>
-                        </m:fName>
-                        <m:e>
-                          <m:d>
-                            <m:dPr>
-                              <m:ctrlPr>
-                                <a:rPr lang="en-US" sz="1400" b="0" i="1" smtClean="0">
-                                  <a:latin typeface="Cambria Math" panose="02040503050406030204" pitchFamily="18" charset="0"/>
-                                </a:rPr>
-                              </m:ctrlPr>
-                            </m:dPr>
-                            <m:e>
-                              <m:f>
-                                <m:fPr>
-                                  <m:ctrlPr>
-                                    <a:rPr lang="en-US" sz="1400" b="0" i="1" smtClean="0">
-                                      <a:latin typeface="Cambria Math" panose="02040503050406030204" pitchFamily="18" charset="0"/>
-                                    </a:rPr>
-                                  </m:ctrlPr>
-                                </m:fPr>
-                                <m:num>
-                                  <m:r>
-                                    <a:rPr lang="en-US" sz="1400" b="0" i="1" smtClean="0">
-                                      <a:latin typeface="Cambria Math" panose="02040503050406030204" pitchFamily="18" charset="0"/>
-                                    </a:rPr>
-                                    <m:t>1</m:t>
-                                  </m:r>
-                                </m:num>
-                                <m:den>
-                                  <m:r>
-                                    <a:rPr lang="en-US" sz="1400" b="0" i="1" smtClean="0">
-                                      <a:latin typeface="Cambria Math" panose="02040503050406030204" pitchFamily="18" charset="0"/>
-                                    </a:rPr>
-                                    <m:t>3</m:t>
-                                  </m:r>
-                                </m:den>
-                              </m:f>
-                              <m:func>
-                                <m:funcPr>
-                                  <m:ctrlPr>
-                                    <a:rPr lang="en-US" sz="1400" b="0" i="1" smtClean="0">
-                                      <a:latin typeface="Cambria Math" panose="02040503050406030204" pitchFamily="18" charset="0"/>
-                                    </a:rPr>
-                                  </m:ctrlPr>
-                                </m:funcPr>
-                                <m:fName>
-                                  <m:sSub>
-                                    <m:sSubPr>
-                                      <m:ctrlPr>
-                                        <a:rPr lang="en-US" sz="1400" b="0" i="1" smtClean="0">
-                                          <a:latin typeface="Cambria Math" panose="02040503050406030204" pitchFamily="18" charset="0"/>
-                                        </a:rPr>
-                                      </m:ctrlPr>
-                                    </m:sSubPr>
-                                    <m:e>
-                                      <m:r>
-                                        <m:rPr>
-                                          <m:sty m:val="p"/>
-                                        </m:rPr>
-                                        <a:rPr lang="en-US" sz="1400" b="0" i="0" smtClean="0">
-                                          <a:latin typeface="Cambria Math" panose="02040503050406030204" pitchFamily="18" charset="0"/>
-                                        </a:rPr>
-                                        <m:t>log</m:t>
-                                      </m:r>
-                                    </m:e>
-                                    <m:sub>
-                                      <m:r>
-                                        <a:rPr lang="en-US" sz="1400" b="0" i="1" smtClean="0">
-                                          <a:latin typeface="Cambria Math" panose="02040503050406030204" pitchFamily="18" charset="0"/>
-                                        </a:rPr>
-                                        <m:t>2</m:t>
-                                      </m:r>
-                                    </m:sub>
-                                  </m:sSub>
-                                </m:fName>
-                                <m:e>
-                                  <m:f>
-                                    <m:fPr>
-                                      <m:ctrlPr>
-                                        <a:rPr lang="en-US" sz="1400" b="0" i="1" smtClean="0">
-                                          <a:latin typeface="Cambria Math" panose="02040503050406030204" pitchFamily="18" charset="0"/>
-                                        </a:rPr>
-                                      </m:ctrlPr>
-                                    </m:fPr>
-                                    <m:num>
-                                      <m:r>
-                                        <a:rPr lang="en-US" sz="1400" b="0" i="1" smtClean="0">
-                                          <a:latin typeface="Cambria Math" panose="02040503050406030204" pitchFamily="18" charset="0"/>
-                                        </a:rPr>
-                                        <m:t>1</m:t>
-                                      </m:r>
-                                    </m:num>
-                                    <m:den>
-                                      <m:r>
-                                        <a:rPr lang="en-US" sz="1400" b="0" i="1" smtClean="0">
-                                          <a:latin typeface="Cambria Math" panose="02040503050406030204" pitchFamily="18" charset="0"/>
-                                        </a:rPr>
-                                        <m:t>3</m:t>
-                                      </m:r>
-                                    </m:den>
-                                  </m:f>
-                                  <m:r>
-                                    <a:rPr lang="en-US" sz="1400" b="0" i="1" smtClean="0">
-                                      <a:latin typeface="Cambria Math" panose="02040503050406030204" pitchFamily="18" charset="0"/>
-                                    </a:rPr>
-                                    <m:t> ∗3</m:t>
-                                  </m:r>
-                                </m:e>
-                              </m:func>
-                            </m:e>
-                          </m:d>
-                          <m:r>
-                            <a:rPr lang="en-US" sz="1400" b="0" i="1" smtClean="0">
-                              <a:latin typeface="Cambria Math" panose="02040503050406030204" pitchFamily="18" charset="0"/>
-                            </a:rPr>
-                            <m:t>= </m:t>
-                          </m:r>
-                          <m:func>
-                            <m:funcPr>
-                              <m:ctrlPr>
-                                <a:rPr lang="en-US" sz="1400" b="0" i="1" smtClean="0">
-                                  <a:latin typeface="Cambria Math" panose="02040503050406030204" pitchFamily="18" charset="0"/>
-                                </a:rPr>
-                              </m:ctrlPr>
-                            </m:funcPr>
-                            <m:fName>
-                              <m:sSub>
-                                <m:sSubPr>
-                                  <m:ctrlPr>
-                                    <a:rPr lang="en-US" sz="1400" b="0" i="1" smtClean="0">
-                                      <a:latin typeface="Cambria Math" panose="02040503050406030204" pitchFamily="18" charset="0"/>
-                                    </a:rPr>
-                                  </m:ctrlPr>
-                                </m:sSubPr>
-                                <m:e>
-                                  <m:r>
-                                    <m:rPr>
-                                      <m:sty m:val="p"/>
-                                    </m:rPr>
-                                    <a:rPr lang="en-US" sz="1400" b="0" i="0" smtClean="0">
-                                      <a:latin typeface="Cambria Math" panose="02040503050406030204" pitchFamily="18" charset="0"/>
-                                    </a:rPr>
-                                    <m:t>log</m:t>
-                                  </m:r>
-                                </m:e>
-                                <m:sub>
-                                  <m:r>
-                                    <a:rPr lang="en-US" sz="1400" b="0" i="1" smtClean="0">
-                                      <a:latin typeface="Cambria Math" panose="02040503050406030204" pitchFamily="18" charset="0"/>
-                                    </a:rPr>
-                                    <m:t>2</m:t>
-                                  </m:r>
-                                </m:sub>
-                              </m:sSub>
-                            </m:fName>
-                            <m:e>
-                              <m:r>
-                                <a:rPr lang="en-US" sz="1400" b="0" i="1" smtClean="0">
-                                  <a:latin typeface="Cambria Math" panose="02040503050406030204" pitchFamily="18" charset="0"/>
-                                </a:rPr>
-                                <m:t>3</m:t>
-                              </m:r>
-                            </m:e>
-                          </m:func>
-                        </m:e>
-                      </m:func>
-                      <m:r>
-                        <a:rPr lang="en-US" sz="1400" b="0" i="0" smtClean="0">
-                          <a:latin typeface="Cambria Math" panose="02040503050406030204" pitchFamily="18" charset="0"/>
-                        </a:rPr>
-                        <m:t>=</m:t>
-                      </m:r>
-                      <m:r>
-                        <a:rPr lang="en-US" sz="1400" b="1" i="0" smtClean="0">
-                          <a:latin typeface="Cambria Math" panose="02040503050406030204" pitchFamily="18" charset="0"/>
-                        </a:rPr>
-                        <m:t>𝟏</m:t>
-                      </m:r>
-                      <m:r>
-                        <a:rPr lang="en-US" sz="1400" b="1" i="0" smtClean="0">
-                          <a:latin typeface="Cambria Math" panose="02040503050406030204" pitchFamily="18" charset="0"/>
-                        </a:rPr>
-                        <m:t>.</m:t>
-                      </m:r>
-                      <m:r>
-                        <a:rPr lang="en-US" sz="1400" b="1" i="0" smtClean="0">
-                          <a:latin typeface="Cambria Math" panose="02040503050406030204" pitchFamily="18" charset="0"/>
-                        </a:rPr>
-                        <m:t>𝟓𝟖𝟒𝟗𝟔</m:t>
-                      </m:r>
-                    </m:oMath>
-                  </m:oMathPara>
-                </a14:m>
-                <a:endParaRPr lang="en-FR" sz="1400" b="1" dirty="0"/>
-              </a:p>
-            </p:txBody>
-          </p:sp>
-        </mc:Choice>
-        <mc:Fallback>
-          <p:sp>
-            <p:nvSpPr>
-              <p:cNvPr id="44" name="TextBox 43">
-                <a:extLst>
-                  <a:ext uri="{FF2B5EF4-FFF2-40B4-BE49-F238E27FC236}">
-                    <a16:creationId xmlns:a16="http://schemas.microsoft.com/office/drawing/2014/main" id="{E042F218-7AAC-A837-480F-5C677E5106CB}"/>
-                  </a:ext>
-                </a:extLst>
-              </p:cNvPr>
-              <p:cNvSpPr txBox="1">
-                <a:spLocks noRot="1" noChangeAspect="1" noMove="1" noResize="1" noEditPoints="1" noAdjustHandles="1" noChangeArrowheads="1" noChangeShapeType="1" noTextEdit="1"/>
-              </p:cNvSpPr>
-              <p:nvPr/>
-            </p:nvSpPr>
-            <p:spPr>
-              <a:xfrm>
-                <a:off x="1947044" y="3421434"/>
-                <a:ext cx="3165791" cy="932499"/>
-              </a:xfrm>
-              <a:prstGeom prst="rect">
-                <a:avLst/>
-              </a:prstGeom>
-              <a:blipFill>
-                <a:blip r:embed="rId3"/>
-                <a:stretch>
-                  <a:fillRect l="-800" t="-1351" b="-1351"/>
-                </a:stretch>
-              </a:blipFill>
-            </p:spPr>
-            <p:txBody>
-              <a:bodyPr/>
-              <a:lstStyle/>
-              <a:p>
-                <a:r>
-                  <a:rPr lang="en-FR">
-                    <a:noFill/>
-                  </a:rPr>
-                  <a:t> </a:t>
-                </a:r>
-              </a:p>
-            </p:txBody>
-          </p:sp>
-        </mc:Fallback>
-      </mc:AlternateContent>
-      <mc:AlternateContent xmlns:mc="http://schemas.openxmlformats.org/markup-compatibility/2006">
-        <mc:Choice xmlns:a14="http://schemas.microsoft.com/office/drawing/2010/main" Requires="a14">
-          <p:sp>
-            <p:nvSpPr>
-              <p:cNvPr id="45" name="TextBox 44">
-                <a:extLst>
-                  <a:ext uri="{FF2B5EF4-FFF2-40B4-BE49-F238E27FC236}">
-                    <a16:creationId xmlns:a16="http://schemas.microsoft.com/office/drawing/2014/main" id="{A2AC369A-2AEE-829D-76A1-CCDA0309DA34}"/>
-                  </a:ext>
-                </a:extLst>
-              </p:cNvPr>
-              <p:cNvSpPr txBox="1"/>
-              <p:nvPr/>
-            </p:nvSpPr>
-            <p:spPr>
-              <a:xfrm>
-                <a:off x="2048006" y="5255187"/>
-                <a:ext cx="3165791" cy="932499"/>
-              </a:xfrm>
-              <a:prstGeom prst="rect">
-                <a:avLst/>
-              </a:prstGeom>
-              <a:noFill/>
-            </p:spPr>
-            <p:txBody>
-              <a:bodyPr wrap="square" rtlCol="0">
-                <a:spAutoFit/>
-              </a:bodyPr>
-              <a:lstStyle/>
-              <a:p>
-                <a:r>
-                  <a:rPr lang="en-FR" sz="1400" dirty="0"/>
-                  <a:t>There are 2 transitions, each has the same chance of being picked, </a:t>
-                </a:r>
-                <a:r>
-                  <a:rPr lang="en-GB" sz="1400" dirty="0"/>
-                  <a:t>i.e. 1/2 </a:t>
-                </a:r>
-              </a:p>
-              <a:p>
-                <a:pPr/>
-                <a14:m>
-                  <m:oMathPara xmlns:m="http://schemas.openxmlformats.org/officeDocument/2006/math">
-                    <m:oMathParaPr>
-                      <m:jc m:val="centerGroup"/>
-                    </m:oMathParaPr>
-                    <m:oMath xmlns:m="http://schemas.openxmlformats.org/officeDocument/2006/math">
-                      <m:func>
-                        <m:funcPr>
-                          <m:ctrlPr>
-                            <a:rPr lang="en-GB" sz="1400" i="1" smtClean="0">
-                              <a:latin typeface="Cambria Math" panose="02040503050406030204" pitchFamily="18" charset="0"/>
-                            </a:rPr>
-                          </m:ctrlPr>
-                        </m:funcPr>
-                        <m:fName>
-                          <m:r>
-                            <a:rPr lang="en-US" sz="1400" b="0" i="1" smtClean="0">
-                              <a:latin typeface="Cambria Math" panose="02040503050406030204" pitchFamily="18" charset="0"/>
-                            </a:rPr>
-                            <m:t>−</m:t>
-                          </m:r>
-                        </m:fName>
-                        <m:e>
-                          <m:d>
-                            <m:dPr>
-                              <m:ctrlPr>
-                                <a:rPr lang="en-US" sz="1400" b="0" i="1" smtClean="0">
-                                  <a:latin typeface="Cambria Math" panose="02040503050406030204" pitchFamily="18" charset="0"/>
-                                </a:rPr>
-                              </m:ctrlPr>
-                            </m:dPr>
-                            <m:e>
-                              <m:f>
-                                <m:fPr>
-                                  <m:ctrlPr>
-                                    <a:rPr lang="en-US" sz="1400" b="0" i="1" smtClean="0">
-                                      <a:latin typeface="Cambria Math" panose="02040503050406030204" pitchFamily="18" charset="0"/>
-                                    </a:rPr>
-                                  </m:ctrlPr>
-                                </m:fPr>
-                                <m:num>
-                                  <m:r>
-                                    <a:rPr lang="en-US" sz="1400" b="0" i="1" smtClean="0">
-                                      <a:latin typeface="Cambria Math" panose="02040503050406030204" pitchFamily="18" charset="0"/>
-                                    </a:rPr>
-                                    <m:t>1</m:t>
-                                  </m:r>
-                                </m:num>
-                                <m:den>
-                                  <m:r>
-                                    <a:rPr lang="en-US" sz="1400" b="0" i="1" smtClean="0">
-                                      <a:latin typeface="Cambria Math" panose="02040503050406030204" pitchFamily="18" charset="0"/>
-                                    </a:rPr>
-                                    <m:t>2</m:t>
-                                  </m:r>
-                                </m:den>
-                              </m:f>
-                              <m:func>
-                                <m:funcPr>
-                                  <m:ctrlPr>
-                                    <a:rPr lang="en-US" sz="1400" b="0" i="1" smtClean="0">
-                                      <a:latin typeface="Cambria Math" panose="02040503050406030204" pitchFamily="18" charset="0"/>
-                                    </a:rPr>
-                                  </m:ctrlPr>
-                                </m:funcPr>
-                                <m:fName>
-                                  <m:sSub>
-                                    <m:sSubPr>
-                                      <m:ctrlPr>
-                                        <a:rPr lang="en-US" sz="1400" b="0" i="1" smtClean="0">
-                                          <a:latin typeface="Cambria Math" panose="02040503050406030204" pitchFamily="18" charset="0"/>
-                                        </a:rPr>
-                                      </m:ctrlPr>
-                                    </m:sSubPr>
-                                    <m:e>
-                                      <m:r>
-                                        <m:rPr>
-                                          <m:sty m:val="p"/>
-                                        </m:rPr>
-                                        <a:rPr lang="en-US" sz="1400" b="0" i="0" smtClean="0">
-                                          <a:latin typeface="Cambria Math" panose="02040503050406030204" pitchFamily="18" charset="0"/>
-                                        </a:rPr>
-                                        <m:t>log</m:t>
-                                      </m:r>
-                                    </m:e>
-                                    <m:sub>
-                                      <m:r>
-                                        <a:rPr lang="en-US" sz="1400" b="0" i="1" smtClean="0">
-                                          <a:latin typeface="Cambria Math" panose="02040503050406030204" pitchFamily="18" charset="0"/>
-                                        </a:rPr>
-                                        <m:t>2</m:t>
-                                      </m:r>
-                                    </m:sub>
-                                  </m:sSub>
-                                </m:fName>
-                                <m:e>
-                                  <m:f>
-                                    <m:fPr>
-                                      <m:ctrlPr>
-                                        <a:rPr lang="en-US" sz="1400" b="0" i="1" smtClean="0">
-                                          <a:latin typeface="Cambria Math" panose="02040503050406030204" pitchFamily="18" charset="0"/>
-                                        </a:rPr>
-                                      </m:ctrlPr>
-                                    </m:fPr>
-                                    <m:num>
-                                      <m:r>
-                                        <a:rPr lang="en-US" sz="1400" b="0" i="1" smtClean="0">
-                                          <a:latin typeface="Cambria Math" panose="02040503050406030204" pitchFamily="18" charset="0"/>
-                                        </a:rPr>
-                                        <m:t>1</m:t>
-                                      </m:r>
-                                    </m:num>
-                                    <m:den>
-                                      <m:r>
-                                        <a:rPr lang="en-US" sz="1400" b="0" i="1" smtClean="0">
-                                          <a:latin typeface="Cambria Math" panose="02040503050406030204" pitchFamily="18" charset="0"/>
-                                        </a:rPr>
-                                        <m:t>2</m:t>
-                                      </m:r>
-                                    </m:den>
-                                  </m:f>
-                                  <m:r>
-                                    <a:rPr lang="en-US" sz="1400" b="0" i="1" smtClean="0">
-                                      <a:latin typeface="Cambria Math" panose="02040503050406030204" pitchFamily="18" charset="0"/>
-                                    </a:rPr>
-                                    <m:t> ∗2</m:t>
-                                  </m:r>
-                                </m:e>
-                              </m:func>
-                            </m:e>
-                          </m:d>
-                          <m:r>
-                            <a:rPr lang="en-US" sz="1400" b="0" i="1" smtClean="0">
-                              <a:latin typeface="Cambria Math" panose="02040503050406030204" pitchFamily="18" charset="0"/>
-                            </a:rPr>
-                            <m:t>= </m:t>
-                          </m:r>
-                          <m:func>
-                            <m:funcPr>
-                              <m:ctrlPr>
-                                <a:rPr lang="en-US" sz="1400" b="0" i="1" smtClean="0">
-                                  <a:latin typeface="Cambria Math" panose="02040503050406030204" pitchFamily="18" charset="0"/>
-                                </a:rPr>
-                              </m:ctrlPr>
-                            </m:funcPr>
-                            <m:fName>
-                              <m:sSub>
-                                <m:sSubPr>
-                                  <m:ctrlPr>
-                                    <a:rPr lang="en-US" sz="1400" b="0" i="1" smtClean="0">
-                                      <a:latin typeface="Cambria Math" panose="02040503050406030204" pitchFamily="18" charset="0"/>
-                                    </a:rPr>
-                                  </m:ctrlPr>
-                                </m:sSubPr>
-                                <m:e>
-                                  <m:r>
-                                    <m:rPr>
-                                      <m:sty m:val="p"/>
-                                    </m:rPr>
-                                    <a:rPr lang="en-US" sz="1400" b="0" i="0" smtClean="0">
-                                      <a:latin typeface="Cambria Math" panose="02040503050406030204" pitchFamily="18" charset="0"/>
-                                    </a:rPr>
-                                    <m:t>log</m:t>
-                                  </m:r>
-                                </m:e>
-                                <m:sub>
-                                  <m:r>
-                                    <a:rPr lang="en-US" sz="1400" b="0" i="1" smtClean="0">
-                                      <a:latin typeface="Cambria Math" panose="02040503050406030204" pitchFamily="18" charset="0"/>
-                                    </a:rPr>
-                                    <m:t>2</m:t>
-                                  </m:r>
-                                </m:sub>
-                              </m:sSub>
-                            </m:fName>
-                            <m:e>
-                              <m:r>
-                                <a:rPr lang="en-US" sz="1400" b="0" i="1" smtClean="0">
-                                  <a:latin typeface="Cambria Math" panose="02040503050406030204" pitchFamily="18" charset="0"/>
-                                </a:rPr>
-                                <m:t>2</m:t>
-                              </m:r>
-                            </m:e>
-                          </m:func>
-                        </m:e>
-                      </m:func>
-                      <m:r>
-                        <a:rPr lang="en-US" sz="1400" b="0" i="0" smtClean="0">
-                          <a:latin typeface="Cambria Math" panose="02040503050406030204" pitchFamily="18" charset="0"/>
-                        </a:rPr>
-                        <m:t>=</m:t>
-                      </m:r>
-                      <m:r>
-                        <a:rPr lang="en-US" sz="1400" b="1" i="0" smtClean="0">
-                          <a:latin typeface="Cambria Math" panose="02040503050406030204" pitchFamily="18" charset="0"/>
-                        </a:rPr>
-                        <m:t>𝟏</m:t>
-                      </m:r>
-                      <m:r>
-                        <a:rPr lang="en-US" sz="1400" b="1" i="0" smtClean="0">
-                          <a:latin typeface="Cambria Math" panose="02040503050406030204" pitchFamily="18" charset="0"/>
-                        </a:rPr>
-                        <m:t>.</m:t>
-                      </m:r>
-                      <m:r>
-                        <a:rPr lang="en-US" sz="1400" b="1" i="0" smtClean="0">
-                          <a:latin typeface="Cambria Math" panose="02040503050406030204" pitchFamily="18" charset="0"/>
-                        </a:rPr>
-                        <m:t>𝟎</m:t>
-                      </m:r>
-                    </m:oMath>
-                  </m:oMathPara>
-                </a14:m>
-                <a:endParaRPr lang="en-FR" sz="1400" b="1" dirty="0"/>
-              </a:p>
-            </p:txBody>
-          </p:sp>
-        </mc:Choice>
-        <mc:Fallback>
-          <p:sp>
-            <p:nvSpPr>
-              <p:cNvPr id="45" name="TextBox 44">
-                <a:extLst>
-                  <a:ext uri="{FF2B5EF4-FFF2-40B4-BE49-F238E27FC236}">
-                    <a16:creationId xmlns:a16="http://schemas.microsoft.com/office/drawing/2014/main" id="{A2AC369A-2AEE-829D-76A1-CCDA0309DA34}"/>
-                  </a:ext>
-                </a:extLst>
-              </p:cNvPr>
-              <p:cNvSpPr txBox="1">
-                <a:spLocks noRot="1" noChangeAspect="1" noMove="1" noResize="1" noEditPoints="1" noAdjustHandles="1" noChangeArrowheads="1" noChangeShapeType="1" noTextEdit="1"/>
-              </p:cNvSpPr>
-              <p:nvPr/>
-            </p:nvSpPr>
-            <p:spPr>
-              <a:xfrm>
-                <a:off x="2048006" y="5255187"/>
-                <a:ext cx="3165791" cy="932499"/>
-              </a:xfrm>
-              <a:prstGeom prst="rect">
-                <a:avLst/>
-              </a:prstGeom>
-              <a:blipFill>
-                <a:blip r:embed="rId4"/>
-                <a:stretch>
-                  <a:fillRect l="-800" t="-1333" b="-1333"/>
-                </a:stretch>
-              </a:blipFill>
-            </p:spPr>
-            <p:txBody>
-              <a:bodyPr/>
-              <a:lstStyle/>
-              <a:p>
-                <a:r>
-                  <a:rPr lang="en-FR">
-                    <a:noFill/>
-                  </a:rPr>
-                  <a:t> </a:t>
-                </a:r>
-              </a:p>
-            </p:txBody>
-          </p:sp>
-        </mc:Fallback>
-      </mc:AlternateContent>
-      <p:cxnSp>
-        <p:nvCxnSpPr>
-          <p:cNvPr id="49" name="Straight Connector 48">
-            <a:extLst>
-              <a:ext uri="{FF2B5EF4-FFF2-40B4-BE49-F238E27FC236}">
-                <a16:creationId xmlns:a16="http://schemas.microsoft.com/office/drawing/2014/main" id="{686397EB-B881-F4DF-B387-90D1D1ECD95D}"/>
-              </a:ext>
-            </a:extLst>
-          </p:cNvPr>
-          <p:cNvCxnSpPr/>
-          <p:nvPr/>
-        </p:nvCxnSpPr>
-        <p:spPr>
-          <a:xfrm>
-            <a:off x="5496393" y="3268035"/>
-            <a:ext cx="0" cy="3084312"/>
-          </a:xfrm>
-          <a:prstGeom prst="line">
-            <a:avLst/>
-          </a:prstGeom>
-        </p:spPr>
-        <p:style>
-          <a:lnRef idx="1">
-            <a:schemeClr val="dk1"/>
-          </a:lnRef>
-          <a:fillRef idx="0">
-            <a:schemeClr val="dk1"/>
-          </a:fillRef>
-          <a:effectRef idx="0">
-            <a:schemeClr val="dk1"/>
-          </a:effectRef>
-          <a:fontRef idx="minor">
-            <a:schemeClr val="tx1"/>
-          </a:fontRef>
-        </p:style>
-      </p:cxnSp>
-      <p:grpSp>
-        <p:nvGrpSpPr>
-          <p:cNvPr id="53" name="Group 52">
-            <a:extLst>
-              <a:ext uri="{FF2B5EF4-FFF2-40B4-BE49-F238E27FC236}">
-                <a16:creationId xmlns:a16="http://schemas.microsoft.com/office/drawing/2014/main" id="{070606FB-01D7-96B9-E892-07BA1FEAAC8E}"/>
-              </a:ext>
-            </a:extLst>
-          </p:cNvPr>
-          <p:cNvGrpSpPr/>
-          <p:nvPr/>
-        </p:nvGrpSpPr>
-        <p:grpSpPr>
-          <a:xfrm>
-            <a:off x="6695608" y="3335672"/>
-            <a:ext cx="583561" cy="583561"/>
-            <a:chOff x="5123645" y="775255"/>
-            <a:chExt cx="834604" cy="834604"/>
-          </a:xfrm>
-        </p:grpSpPr>
-        <p:sp>
-          <p:nvSpPr>
-            <p:cNvPr id="54" name="Oval 53">
-              <a:extLst>
-                <a:ext uri="{FF2B5EF4-FFF2-40B4-BE49-F238E27FC236}">
-                  <a16:creationId xmlns:a16="http://schemas.microsoft.com/office/drawing/2014/main" id="{3E4C5AA4-48E0-B6E4-86F0-4D48456D8E65}"/>
-                </a:ext>
-              </a:extLst>
-            </p:cNvPr>
-            <p:cNvSpPr/>
-            <p:nvPr/>
-          </p:nvSpPr>
-          <p:spPr>
-            <a:xfrm>
-              <a:off x="5123645" y="775255"/>
-              <a:ext cx="834604" cy="834604"/>
-            </a:xfrm>
-            <a:prstGeom prst="ellipse">
-              <a:avLst/>
-            </a:prstGeom>
-            <a:ln>
-              <a:solidFill>
-                <a:schemeClr val="tx1">
-                  <a:lumMod val="95000"/>
-                  <a:lumOff val="5000"/>
-                </a:schemeClr>
-              </a:solidFill>
-            </a:ln>
-          </p:spPr>
-          <p:style>
-            <a:lnRef idx="2">
-              <a:schemeClr val="accent3"/>
-            </a:lnRef>
-            <a:fillRef idx="1">
-              <a:schemeClr val="lt1"/>
-            </a:fillRef>
-            <a:effectRef idx="0">
-              <a:schemeClr val="accent3"/>
-            </a:effectRef>
-            <a:fontRef idx="minor">
-              <a:schemeClr val="dk1"/>
-            </a:fontRef>
-          </p:style>
-          <p:txBody>
-            <a:bodyPr rtlCol="0" anchor="ctr"/>
-            <a:lstStyle/>
-            <a:p>
-              <a:pPr algn="ctr"/>
-              <a:endParaRPr lang="en-FR"/>
-            </a:p>
-          </p:txBody>
-        </p:sp>
-        <p:sp>
-          <p:nvSpPr>
-            <p:cNvPr id="55" name="TextBox 54">
-              <a:extLst>
-                <a:ext uri="{FF2B5EF4-FFF2-40B4-BE49-F238E27FC236}">
-                  <a16:creationId xmlns:a16="http://schemas.microsoft.com/office/drawing/2014/main" id="{AA1C9640-888A-6F1E-59D5-5C8129164E05}"/>
-                </a:ext>
-              </a:extLst>
-            </p:cNvPr>
-            <p:cNvSpPr txBox="1"/>
-            <p:nvPr/>
-          </p:nvSpPr>
-          <p:spPr>
-            <a:xfrm>
-              <a:off x="5188925" y="1038668"/>
-              <a:ext cx="704045" cy="374152"/>
-            </a:xfrm>
-            <a:prstGeom prst="rect">
-              <a:avLst/>
-            </a:prstGeom>
-            <a:noFill/>
-            <a:ln>
-              <a:noFill/>
-            </a:ln>
-          </p:spPr>
-          <p:style>
-            <a:lnRef idx="2">
-              <a:schemeClr val="dk1"/>
-            </a:lnRef>
-            <a:fillRef idx="1">
-              <a:schemeClr val="lt1"/>
-            </a:fillRef>
-            <a:effectRef idx="0">
-              <a:schemeClr val="dk1"/>
-            </a:effectRef>
-            <a:fontRef idx="minor">
-              <a:schemeClr val="dk1"/>
-            </a:fontRef>
-          </p:style>
-          <p:txBody>
-            <a:bodyPr wrap="square">
-              <a:spAutoFit/>
-            </a:bodyPr>
-            <a:lstStyle/>
-            <a:p>
-              <a:pPr algn="ctr"/>
-              <a:r>
-                <a:rPr lang="en-GB" sz="1100" dirty="0">
-                  <a:latin typeface="Cambria Math" panose="02040503050406030204" pitchFamily="18" charset="0"/>
-                  <a:ea typeface="Cambria Math" panose="02040503050406030204" pitchFamily="18" charset="0"/>
-                  <a:cs typeface="CMU Serif Roman" panose="02000603000000000000" pitchFamily="2" charset="0"/>
-                </a:rPr>
-                <a:t>S1</a:t>
-              </a:r>
-              <a:endParaRPr lang="en-GB" sz="1400" dirty="0">
-                <a:latin typeface="Cambria Math" panose="02040503050406030204" pitchFamily="18" charset="0"/>
-                <a:ea typeface="Cambria Math" panose="02040503050406030204" pitchFamily="18" charset="0"/>
-                <a:cs typeface="CMU Serif Roman" panose="02000603000000000000" pitchFamily="2" charset="0"/>
-              </a:endParaRPr>
-            </a:p>
-          </p:txBody>
-        </p:sp>
-      </p:grpSp>
-      <p:cxnSp>
-        <p:nvCxnSpPr>
-          <p:cNvPr id="56" name="Straight Arrow Connector 55">
-            <a:extLst>
-              <a:ext uri="{FF2B5EF4-FFF2-40B4-BE49-F238E27FC236}">
-                <a16:creationId xmlns:a16="http://schemas.microsoft.com/office/drawing/2014/main" id="{377181C5-02DC-3341-877B-3DB02EB657B5}"/>
-              </a:ext>
-            </a:extLst>
-          </p:cNvPr>
-          <p:cNvCxnSpPr>
-            <a:cxnSpLocks/>
-            <a:stCxn id="54" idx="3"/>
-          </p:cNvCxnSpPr>
-          <p:nvPr/>
-        </p:nvCxnSpPr>
-        <p:spPr>
-          <a:xfrm flipH="1">
-            <a:off x="5983229" y="3833772"/>
-            <a:ext cx="797840" cy="441902"/>
-          </a:xfrm>
-          <a:prstGeom prst="straightConnector1">
-            <a:avLst/>
-          </a:prstGeom>
-          <a:ln>
-            <a:tailEnd type="triangle"/>
-          </a:ln>
-        </p:spPr>
-        <p:style>
-          <a:lnRef idx="1">
-            <a:schemeClr val="dk1"/>
-          </a:lnRef>
-          <a:fillRef idx="0">
-            <a:schemeClr val="dk1"/>
-          </a:fillRef>
-          <a:effectRef idx="0">
-            <a:schemeClr val="dk1"/>
-          </a:effectRef>
-          <a:fontRef idx="minor">
-            <a:schemeClr val="tx1"/>
-          </a:fontRef>
-        </p:style>
-      </p:cxnSp>
-      <p:cxnSp>
-        <p:nvCxnSpPr>
-          <p:cNvPr id="57" name="Straight Arrow Connector 56">
-            <a:extLst>
-              <a:ext uri="{FF2B5EF4-FFF2-40B4-BE49-F238E27FC236}">
-                <a16:creationId xmlns:a16="http://schemas.microsoft.com/office/drawing/2014/main" id="{22116852-EE2F-6952-670D-A4E4852840F7}"/>
-              </a:ext>
-            </a:extLst>
-          </p:cNvPr>
-          <p:cNvCxnSpPr>
-            <a:cxnSpLocks/>
-            <a:stCxn id="54" idx="4"/>
-          </p:cNvCxnSpPr>
-          <p:nvPr/>
-        </p:nvCxnSpPr>
-        <p:spPr>
-          <a:xfrm>
-            <a:off x="6987389" y="3919233"/>
-            <a:ext cx="0" cy="709545"/>
-          </a:xfrm>
-          <a:prstGeom prst="straightConnector1">
-            <a:avLst/>
-          </a:prstGeom>
-          <a:ln>
-            <a:tailEnd type="triangle"/>
-          </a:ln>
-        </p:spPr>
-        <p:style>
-          <a:lnRef idx="1">
-            <a:schemeClr val="dk1"/>
-          </a:lnRef>
-          <a:fillRef idx="0">
-            <a:schemeClr val="dk1"/>
-          </a:fillRef>
-          <a:effectRef idx="0">
-            <a:schemeClr val="dk1"/>
-          </a:effectRef>
-          <a:fontRef idx="minor">
-            <a:schemeClr val="tx1"/>
-          </a:fontRef>
-        </p:style>
-      </p:cxnSp>
-      <p:grpSp>
-        <p:nvGrpSpPr>
-          <p:cNvPr id="58" name="Group 57">
-            <a:extLst>
-              <a:ext uri="{FF2B5EF4-FFF2-40B4-BE49-F238E27FC236}">
-                <a16:creationId xmlns:a16="http://schemas.microsoft.com/office/drawing/2014/main" id="{EB2076BB-3DF6-8773-3AC9-CBFC62BD7891}"/>
-              </a:ext>
-            </a:extLst>
-          </p:cNvPr>
-          <p:cNvGrpSpPr/>
-          <p:nvPr/>
-        </p:nvGrpSpPr>
-        <p:grpSpPr>
-          <a:xfrm>
-            <a:off x="6695608" y="5082435"/>
-            <a:ext cx="583561" cy="583561"/>
-            <a:chOff x="5123645" y="775255"/>
-            <a:chExt cx="834604" cy="834604"/>
-          </a:xfrm>
-        </p:grpSpPr>
-        <p:sp>
-          <p:nvSpPr>
-            <p:cNvPr id="59" name="Oval 58">
-              <a:extLst>
-                <a:ext uri="{FF2B5EF4-FFF2-40B4-BE49-F238E27FC236}">
-                  <a16:creationId xmlns:a16="http://schemas.microsoft.com/office/drawing/2014/main" id="{C44F8A49-ECB0-6638-6379-C5CCBE69E1A3}"/>
-                </a:ext>
-              </a:extLst>
-            </p:cNvPr>
-            <p:cNvSpPr/>
-            <p:nvPr/>
-          </p:nvSpPr>
-          <p:spPr>
-            <a:xfrm>
-              <a:off x="5123645" y="775255"/>
-              <a:ext cx="834604" cy="834604"/>
-            </a:xfrm>
-            <a:prstGeom prst="ellipse">
-              <a:avLst/>
-            </a:prstGeom>
-            <a:ln>
-              <a:solidFill>
-                <a:schemeClr val="tx1">
-                  <a:lumMod val="95000"/>
-                  <a:lumOff val="5000"/>
-                </a:schemeClr>
-              </a:solidFill>
-            </a:ln>
-          </p:spPr>
-          <p:style>
-            <a:lnRef idx="2">
-              <a:schemeClr val="accent3"/>
-            </a:lnRef>
-            <a:fillRef idx="1">
-              <a:schemeClr val="lt1"/>
-            </a:fillRef>
-            <a:effectRef idx="0">
-              <a:schemeClr val="accent3"/>
-            </a:effectRef>
-            <a:fontRef idx="minor">
-              <a:schemeClr val="dk1"/>
-            </a:fontRef>
-          </p:style>
-          <p:txBody>
-            <a:bodyPr rtlCol="0" anchor="ctr"/>
-            <a:lstStyle/>
-            <a:p>
-              <a:pPr algn="ctr"/>
-              <a:endParaRPr lang="en-FR"/>
-            </a:p>
-          </p:txBody>
-        </p:sp>
-        <p:sp>
-          <p:nvSpPr>
-            <p:cNvPr id="60" name="TextBox 59">
-              <a:extLst>
-                <a:ext uri="{FF2B5EF4-FFF2-40B4-BE49-F238E27FC236}">
-                  <a16:creationId xmlns:a16="http://schemas.microsoft.com/office/drawing/2014/main" id="{9F8A1C3C-5783-8BDF-0169-D8A6C47CC840}"/>
-                </a:ext>
-              </a:extLst>
-            </p:cNvPr>
-            <p:cNvSpPr txBox="1"/>
-            <p:nvPr/>
-          </p:nvSpPr>
-          <p:spPr>
-            <a:xfrm>
-              <a:off x="5188925" y="1038668"/>
-              <a:ext cx="704045" cy="374152"/>
-            </a:xfrm>
-            <a:prstGeom prst="rect">
-              <a:avLst/>
-            </a:prstGeom>
-            <a:noFill/>
-            <a:ln>
-              <a:noFill/>
-            </a:ln>
-          </p:spPr>
-          <p:style>
-            <a:lnRef idx="2">
-              <a:schemeClr val="dk1"/>
-            </a:lnRef>
-            <a:fillRef idx="1">
-              <a:schemeClr val="lt1"/>
-            </a:fillRef>
-            <a:effectRef idx="0">
-              <a:schemeClr val="dk1"/>
-            </a:effectRef>
-            <a:fontRef idx="minor">
-              <a:schemeClr val="dk1"/>
-            </a:fontRef>
-          </p:style>
-          <p:txBody>
-            <a:bodyPr wrap="square">
-              <a:spAutoFit/>
-            </a:bodyPr>
-            <a:lstStyle/>
-            <a:p>
-              <a:pPr algn="ctr"/>
-              <a:r>
-                <a:rPr lang="en-GB" sz="1100" dirty="0">
-                  <a:latin typeface="Cambria Math" panose="02040503050406030204" pitchFamily="18" charset="0"/>
-                  <a:ea typeface="Cambria Math" panose="02040503050406030204" pitchFamily="18" charset="0"/>
-                  <a:cs typeface="CMU Serif Roman" panose="02000603000000000000" pitchFamily="2" charset="0"/>
-                </a:rPr>
-                <a:t>S1</a:t>
-              </a:r>
-              <a:endParaRPr lang="en-GB" sz="1400" dirty="0">
-                <a:latin typeface="Cambria Math" panose="02040503050406030204" pitchFamily="18" charset="0"/>
-                <a:ea typeface="Cambria Math" panose="02040503050406030204" pitchFamily="18" charset="0"/>
-                <a:cs typeface="CMU Serif Roman" panose="02000603000000000000" pitchFamily="2" charset="0"/>
-              </a:endParaRPr>
-            </a:p>
-          </p:txBody>
-        </p:sp>
-      </p:grpSp>
-      <p:cxnSp>
-        <p:nvCxnSpPr>
-          <p:cNvPr id="61" name="Straight Arrow Connector 60">
-            <a:extLst>
-              <a:ext uri="{FF2B5EF4-FFF2-40B4-BE49-F238E27FC236}">
-                <a16:creationId xmlns:a16="http://schemas.microsoft.com/office/drawing/2014/main" id="{AB5AD065-392D-0FD9-3A2C-D834C3AE77FA}"/>
-              </a:ext>
-            </a:extLst>
-          </p:cNvPr>
-          <p:cNvCxnSpPr>
-            <a:cxnSpLocks/>
-            <a:stCxn id="59" idx="3"/>
-          </p:cNvCxnSpPr>
-          <p:nvPr/>
-        </p:nvCxnSpPr>
-        <p:spPr>
-          <a:xfrm flipH="1">
-            <a:off x="5983229" y="5580535"/>
-            <a:ext cx="797840" cy="441902"/>
-          </a:xfrm>
-          <a:prstGeom prst="straightConnector1">
-            <a:avLst/>
-          </a:prstGeom>
-          <a:ln>
-            <a:tailEnd type="triangle"/>
-          </a:ln>
-        </p:spPr>
-        <p:style>
-          <a:lnRef idx="1">
-            <a:schemeClr val="dk1"/>
-          </a:lnRef>
-          <a:fillRef idx="0">
-            <a:schemeClr val="dk1"/>
-          </a:fillRef>
-          <a:effectRef idx="0">
-            <a:schemeClr val="dk1"/>
-          </a:effectRef>
-          <a:fontRef idx="minor">
-            <a:schemeClr val="tx1"/>
-          </a:fontRef>
-        </p:style>
-      </p:cxnSp>
-      <p:cxnSp>
-        <p:nvCxnSpPr>
-          <p:cNvPr id="62" name="Straight Arrow Connector 61">
-            <a:extLst>
-              <a:ext uri="{FF2B5EF4-FFF2-40B4-BE49-F238E27FC236}">
-                <a16:creationId xmlns:a16="http://schemas.microsoft.com/office/drawing/2014/main" id="{47BB579E-7BF8-D803-B001-6D3FCD039C86}"/>
-              </a:ext>
-            </a:extLst>
-          </p:cNvPr>
-          <p:cNvCxnSpPr>
-            <a:cxnSpLocks/>
-            <a:stCxn id="59" idx="4"/>
-          </p:cNvCxnSpPr>
-          <p:nvPr/>
-        </p:nvCxnSpPr>
-        <p:spPr>
-          <a:xfrm>
-            <a:off x="6987389" y="5665996"/>
-            <a:ext cx="0" cy="709545"/>
-          </a:xfrm>
-          <a:prstGeom prst="straightConnector1">
-            <a:avLst/>
-          </a:prstGeom>
-          <a:ln>
-            <a:tailEnd type="triangle"/>
-          </a:ln>
-        </p:spPr>
-        <p:style>
-          <a:lnRef idx="1">
-            <a:schemeClr val="dk1"/>
-          </a:lnRef>
-          <a:fillRef idx="0">
-            <a:schemeClr val="dk1"/>
-          </a:fillRef>
-          <a:effectRef idx="0">
-            <a:schemeClr val="dk1"/>
-          </a:effectRef>
-          <a:fontRef idx="minor">
-            <a:schemeClr val="tx1"/>
-          </a:fontRef>
-        </p:style>
-      </p:cxnSp>
-      <mc:AlternateContent xmlns:mc="http://schemas.openxmlformats.org/markup-compatibility/2006">
-        <mc:Choice xmlns:a14="http://schemas.microsoft.com/office/drawing/2010/main" Requires="a14">
-          <p:sp>
-            <p:nvSpPr>
-              <p:cNvPr id="64" name="TextBox 63">
-                <a:extLst>
-                  <a:ext uri="{FF2B5EF4-FFF2-40B4-BE49-F238E27FC236}">
-                    <a16:creationId xmlns:a16="http://schemas.microsoft.com/office/drawing/2014/main" id="{A9C5D653-CE0C-CF45-A3BB-3FDCF743E12A}"/>
-                  </a:ext>
-                </a:extLst>
-              </p:cNvPr>
-              <p:cNvSpPr txBox="1"/>
-              <p:nvPr/>
-            </p:nvSpPr>
-            <p:spPr>
-              <a:xfrm>
-                <a:off x="7313150" y="3260972"/>
-                <a:ext cx="3165791" cy="932499"/>
-              </a:xfrm>
-              <a:prstGeom prst="rect">
-                <a:avLst/>
-              </a:prstGeom>
-              <a:noFill/>
-            </p:spPr>
-            <p:txBody>
-              <a:bodyPr wrap="square" rtlCol="0">
-                <a:spAutoFit/>
-              </a:bodyPr>
-              <a:lstStyle/>
-              <a:p>
-                <a:r>
-                  <a:rPr lang="en-GB" sz="1400" dirty="0"/>
-                  <a:t>If the distribution is uniform (i.e. each one has a probability of  1/2): </a:t>
-                </a:r>
-              </a:p>
-              <a:p>
-                <a:pPr/>
-                <a14:m>
-                  <m:oMathPara xmlns:m="http://schemas.openxmlformats.org/officeDocument/2006/math">
-                    <m:oMathParaPr>
-                      <m:jc m:val="centerGroup"/>
-                    </m:oMathParaPr>
-                    <m:oMath xmlns:m="http://schemas.openxmlformats.org/officeDocument/2006/math">
-                      <m:func>
-                        <m:funcPr>
-                          <m:ctrlPr>
-                            <a:rPr lang="en-GB" sz="1400" i="1" smtClean="0">
-                              <a:latin typeface="Cambria Math" panose="02040503050406030204" pitchFamily="18" charset="0"/>
-                            </a:rPr>
-                          </m:ctrlPr>
-                        </m:funcPr>
-                        <m:fName>
-                          <m:r>
-                            <a:rPr lang="en-US" sz="1400" b="0" i="1" smtClean="0">
-                              <a:latin typeface="Cambria Math" panose="02040503050406030204" pitchFamily="18" charset="0"/>
-                            </a:rPr>
-                            <m:t>−</m:t>
-                          </m:r>
-                        </m:fName>
-                        <m:e>
-                          <m:d>
-                            <m:dPr>
-                              <m:ctrlPr>
-                                <a:rPr lang="en-US" sz="1400" b="0" i="1" smtClean="0">
-                                  <a:latin typeface="Cambria Math" panose="02040503050406030204" pitchFamily="18" charset="0"/>
-                                </a:rPr>
-                              </m:ctrlPr>
-                            </m:dPr>
-                            <m:e>
-                              <m:f>
-                                <m:fPr>
-                                  <m:ctrlPr>
-                                    <a:rPr lang="en-US" sz="1400" b="0" i="1" smtClean="0">
-                                      <a:latin typeface="Cambria Math" panose="02040503050406030204" pitchFamily="18" charset="0"/>
-                                    </a:rPr>
-                                  </m:ctrlPr>
-                                </m:fPr>
-                                <m:num>
-                                  <m:r>
-                                    <a:rPr lang="en-US" sz="1400" b="0" i="1" smtClean="0">
-                                      <a:latin typeface="Cambria Math" panose="02040503050406030204" pitchFamily="18" charset="0"/>
-                                    </a:rPr>
-                                    <m:t>1</m:t>
-                                  </m:r>
-                                </m:num>
-                                <m:den>
-                                  <m:r>
-                                    <a:rPr lang="en-US" sz="1400" b="0" i="1" smtClean="0">
-                                      <a:latin typeface="Cambria Math" panose="02040503050406030204" pitchFamily="18" charset="0"/>
-                                    </a:rPr>
-                                    <m:t>2</m:t>
-                                  </m:r>
-                                </m:den>
-                              </m:f>
-                              <m:func>
-                                <m:funcPr>
-                                  <m:ctrlPr>
-                                    <a:rPr lang="en-US" sz="1400" b="0" i="1" smtClean="0">
-                                      <a:latin typeface="Cambria Math" panose="02040503050406030204" pitchFamily="18" charset="0"/>
-                                    </a:rPr>
-                                  </m:ctrlPr>
-                                </m:funcPr>
-                                <m:fName>
-                                  <m:sSub>
-                                    <m:sSubPr>
-                                      <m:ctrlPr>
-                                        <a:rPr lang="en-US" sz="1400" b="0" i="1" smtClean="0">
-                                          <a:latin typeface="Cambria Math" panose="02040503050406030204" pitchFamily="18" charset="0"/>
-                                        </a:rPr>
-                                      </m:ctrlPr>
-                                    </m:sSubPr>
-                                    <m:e>
-                                      <m:r>
-                                        <m:rPr>
-                                          <m:sty m:val="p"/>
-                                        </m:rPr>
-                                        <a:rPr lang="en-US" sz="1400" b="0" i="0" smtClean="0">
-                                          <a:latin typeface="Cambria Math" panose="02040503050406030204" pitchFamily="18" charset="0"/>
-                                        </a:rPr>
-                                        <m:t>log</m:t>
-                                      </m:r>
-                                    </m:e>
-                                    <m:sub>
-                                      <m:r>
-                                        <a:rPr lang="en-US" sz="1400" b="0" i="1" smtClean="0">
-                                          <a:latin typeface="Cambria Math" panose="02040503050406030204" pitchFamily="18" charset="0"/>
-                                        </a:rPr>
-                                        <m:t>2</m:t>
-                                      </m:r>
-                                    </m:sub>
-                                  </m:sSub>
-                                </m:fName>
-                                <m:e>
-                                  <m:f>
-                                    <m:fPr>
-                                      <m:ctrlPr>
-                                        <a:rPr lang="en-US" sz="1400" b="0" i="1" smtClean="0">
-                                          <a:latin typeface="Cambria Math" panose="02040503050406030204" pitchFamily="18" charset="0"/>
-                                        </a:rPr>
-                                      </m:ctrlPr>
-                                    </m:fPr>
-                                    <m:num>
-                                      <m:r>
-                                        <a:rPr lang="en-US" sz="1400" b="0" i="1" smtClean="0">
-                                          <a:latin typeface="Cambria Math" panose="02040503050406030204" pitchFamily="18" charset="0"/>
-                                        </a:rPr>
-                                        <m:t>1</m:t>
-                                      </m:r>
-                                    </m:num>
-                                    <m:den>
-                                      <m:r>
-                                        <a:rPr lang="en-US" sz="1400" b="0" i="1" smtClean="0">
-                                          <a:latin typeface="Cambria Math" panose="02040503050406030204" pitchFamily="18" charset="0"/>
-                                        </a:rPr>
-                                        <m:t>2</m:t>
-                                      </m:r>
-                                    </m:den>
-                                  </m:f>
-                                  <m:r>
-                                    <a:rPr lang="en-US" sz="1400" b="0" i="1" smtClean="0">
-                                      <a:latin typeface="Cambria Math" panose="02040503050406030204" pitchFamily="18" charset="0"/>
-                                    </a:rPr>
-                                    <m:t> ∗2</m:t>
-                                  </m:r>
-                                </m:e>
-                              </m:func>
-                            </m:e>
-                          </m:d>
-                          <m:r>
-                            <a:rPr lang="en-US" sz="1400" b="0" i="1" smtClean="0">
-                              <a:latin typeface="Cambria Math" panose="02040503050406030204" pitchFamily="18" charset="0"/>
-                            </a:rPr>
-                            <m:t>= </m:t>
-                          </m:r>
-                          <m:func>
-                            <m:funcPr>
-                              <m:ctrlPr>
-                                <a:rPr lang="en-US" sz="1400" b="0" i="1" smtClean="0">
-                                  <a:latin typeface="Cambria Math" panose="02040503050406030204" pitchFamily="18" charset="0"/>
-                                </a:rPr>
-                              </m:ctrlPr>
-                            </m:funcPr>
-                            <m:fName>
-                              <m:sSub>
-                                <m:sSubPr>
-                                  <m:ctrlPr>
-                                    <a:rPr lang="en-US" sz="1400" b="0" i="1" smtClean="0">
-                                      <a:latin typeface="Cambria Math" panose="02040503050406030204" pitchFamily="18" charset="0"/>
-                                    </a:rPr>
-                                  </m:ctrlPr>
-                                </m:sSubPr>
-                                <m:e>
-                                  <m:r>
-                                    <m:rPr>
-                                      <m:sty m:val="p"/>
-                                    </m:rPr>
-                                    <a:rPr lang="en-US" sz="1400" b="0" i="0" smtClean="0">
-                                      <a:latin typeface="Cambria Math" panose="02040503050406030204" pitchFamily="18" charset="0"/>
-                                    </a:rPr>
-                                    <m:t>log</m:t>
-                                  </m:r>
-                                </m:e>
-                                <m:sub>
-                                  <m:r>
-                                    <a:rPr lang="en-US" sz="1400" b="0" i="1" smtClean="0">
-                                      <a:latin typeface="Cambria Math" panose="02040503050406030204" pitchFamily="18" charset="0"/>
-                                    </a:rPr>
-                                    <m:t>2</m:t>
-                                  </m:r>
-                                </m:sub>
-                              </m:sSub>
-                            </m:fName>
-                            <m:e>
-                              <m:r>
-                                <a:rPr lang="en-US" sz="1400" b="0" i="1" smtClean="0">
-                                  <a:latin typeface="Cambria Math" panose="02040503050406030204" pitchFamily="18" charset="0"/>
-                                </a:rPr>
-                                <m:t>2</m:t>
-                              </m:r>
-                            </m:e>
-                          </m:func>
-                        </m:e>
-                      </m:func>
-                      <m:r>
-                        <a:rPr lang="en-US" sz="1400" b="0" i="0" smtClean="0">
-                          <a:latin typeface="Cambria Math" panose="02040503050406030204" pitchFamily="18" charset="0"/>
-                        </a:rPr>
-                        <m:t>=</m:t>
-                      </m:r>
-                      <m:r>
-                        <a:rPr lang="en-US" sz="1400" b="1" i="0" smtClean="0">
-                          <a:latin typeface="Cambria Math" panose="02040503050406030204" pitchFamily="18" charset="0"/>
-                        </a:rPr>
-                        <m:t>𝟏</m:t>
-                      </m:r>
-                      <m:r>
-                        <a:rPr lang="en-US" sz="1400" b="1" i="0" smtClean="0">
-                          <a:latin typeface="Cambria Math" panose="02040503050406030204" pitchFamily="18" charset="0"/>
-                        </a:rPr>
-                        <m:t>.</m:t>
-                      </m:r>
-                      <m:r>
-                        <a:rPr lang="en-US" sz="1400" b="1" i="0" smtClean="0">
-                          <a:latin typeface="Cambria Math" panose="02040503050406030204" pitchFamily="18" charset="0"/>
-                        </a:rPr>
-                        <m:t>𝟎</m:t>
-                      </m:r>
-                    </m:oMath>
-                  </m:oMathPara>
-                </a14:m>
-                <a:endParaRPr lang="en-FR" sz="1400" b="1" dirty="0"/>
-              </a:p>
-            </p:txBody>
-          </p:sp>
-        </mc:Choice>
-        <mc:Fallback>
-          <p:sp>
-            <p:nvSpPr>
-              <p:cNvPr id="64" name="TextBox 63">
-                <a:extLst>
-                  <a:ext uri="{FF2B5EF4-FFF2-40B4-BE49-F238E27FC236}">
-                    <a16:creationId xmlns:a16="http://schemas.microsoft.com/office/drawing/2014/main" id="{A9C5D653-CE0C-CF45-A3BB-3FDCF743E12A}"/>
-                  </a:ext>
-                </a:extLst>
-              </p:cNvPr>
-              <p:cNvSpPr txBox="1">
-                <a:spLocks noRot="1" noChangeAspect="1" noMove="1" noResize="1" noEditPoints="1" noAdjustHandles="1" noChangeArrowheads="1" noChangeShapeType="1" noTextEdit="1"/>
-              </p:cNvSpPr>
-              <p:nvPr/>
-            </p:nvSpPr>
-            <p:spPr>
-              <a:xfrm>
-                <a:off x="7313150" y="3260972"/>
-                <a:ext cx="3165791" cy="932499"/>
-              </a:xfrm>
-              <a:prstGeom prst="rect">
-                <a:avLst/>
-              </a:prstGeom>
-              <a:blipFill>
-                <a:blip r:embed="rId5"/>
-                <a:stretch>
-                  <a:fillRect l="-800" t="-1333" b="-1333"/>
-                </a:stretch>
-              </a:blipFill>
-            </p:spPr>
-            <p:txBody>
-              <a:bodyPr/>
-              <a:lstStyle/>
-              <a:p>
-                <a:r>
-                  <a:rPr lang="en-FR">
-                    <a:noFill/>
-                  </a:rPr>
-                  <a:t> </a:t>
-                </a:r>
-              </a:p>
-            </p:txBody>
-          </p:sp>
-        </mc:Fallback>
-      </mc:AlternateContent>
-      <mc:AlternateContent xmlns:mc="http://schemas.openxmlformats.org/markup-compatibility/2006">
-        <mc:Choice xmlns:a14="http://schemas.microsoft.com/office/drawing/2010/main" Requires="a14">
-          <p:sp>
-            <p:nvSpPr>
-              <p:cNvPr id="65" name="TextBox 64">
-                <a:extLst>
-                  <a:ext uri="{FF2B5EF4-FFF2-40B4-BE49-F238E27FC236}">
-                    <a16:creationId xmlns:a16="http://schemas.microsoft.com/office/drawing/2014/main" id="{E1B8B9FD-0D69-8DCD-485A-343E8A149027}"/>
-                  </a:ext>
-                </a:extLst>
-              </p:cNvPr>
-              <p:cNvSpPr txBox="1"/>
-              <p:nvPr/>
-            </p:nvSpPr>
-            <p:spPr>
-              <a:xfrm>
-                <a:off x="7328981" y="5061379"/>
-                <a:ext cx="4363341" cy="523220"/>
-              </a:xfrm>
-              <a:prstGeom prst="rect">
-                <a:avLst/>
-              </a:prstGeom>
-              <a:noFill/>
-            </p:spPr>
-            <p:txBody>
-              <a:bodyPr wrap="square" rtlCol="0">
-                <a:spAutoFit/>
-              </a:bodyPr>
-              <a:lstStyle/>
-              <a:p>
-                <a:r>
-                  <a:rPr lang="en-GB" sz="1400" dirty="0"/>
-                  <a:t>If the distribution is not uniform, for example: [0.55, 0.45]</a:t>
-                </a:r>
-              </a:p>
-              <a:p>
-                <a:pPr/>
-                <a14:m>
-                  <m:oMathPara xmlns:m="http://schemas.openxmlformats.org/officeDocument/2006/math">
-                    <m:oMathParaPr>
-                      <m:jc m:val="centerGroup"/>
-                    </m:oMathParaPr>
-                    <m:oMath xmlns:m="http://schemas.openxmlformats.org/officeDocument/2006/math">
-                      <m:func>
-                        <m:funcPr>
-                          <m:ctrlPr>
-                            <a:rPr lang="en-GB" sz="1400" i="1" smtClean="0">
-                              <a:latin typeface="Cambria Math" panose="02040503050406030204" pitchFamily="18" charset="0"/>
-                            </a:rPr>
-                          </m:ctrlPr>
-                        </m:funcPr>
-                        <m:fName>
-                          <m:r>
-                            <a:rPr lang="en-US" sz="1400" b="0" i="1" smtClean="0">
-                              <a:latin typeface="Cambria Math" panose="02040503050406030204" pitchFamily="18" charset="0"/>
-                            </a:rPr>
-                            <m:t>−</m:t>
-                          </m:r>
-                        </m:fName>
-                        <m:e>
-                          <m:d>
-                            <m:dPr>
-                              <m:ctrlPr>
-                                <a:rPr lang="en-US" sz="1400" b="0" i="1" smtClean="0">
-                                  <a:latin typeface="Cambria Math" panose="02040503050406030204" pitchFamily="18" charset="0"/>
-                                </a:rPr>
-                              </m:ctrlPr>
-                            </m:dPr>
-                            <m:e>
-                              <m:r>
-                                <a:rPr lang="en-US" sz="1400" b="0" i="1" smtClean="0">
-                                  <a:latin typeface="Cambria Math" panose="02040503050406030204" pitchFamily="18" charset="0"/>
-                                </a:rPr>
-                                <m:t>0.55∗</m:t>
-                              </m:r>
-                              <m:func>
-                                <m:funcPr>
-                                  <m:ctrlPr>
-                                    <a:rPr lang="en-US" sz="1400" b="0" i="1" smtClean="0">
-                                      <a:latin typeface="Cambria Math" panose="02040503050406030204" pitchFamily="18" charset="0"/>
-                                    </a:rPr>
-                                  </m:ctrlPr>
-                                </m:funcPr>
-                                <m:fName>
-                                  <m:sSub>
-                                    <m:sSubPr>
-                                      <m:ctrlPr>
-                                        <a:rPr lang="en-US" sz="1400" b="0" i="1" smtClean="0">
-                                          <a:latin typeface="Cambria Math" panose="02040503050406030204" pitchFamily="18" charset="0"/>
-                                        </a:rPr>
-                                      </m:ctrlPr>
-                                    </m:sSubPr>
-                                    <m:e>
-                                      <m:r>
-                                        <m:rPr>
-                                          <m:sty m:val="p"/>
-                                        </m:rPr>
-                                        <a:rPr lang="en-US" sz="1400" b="0" i="0" smtClean="0">
-                                          <a:latin typeface="Cambria Math" panose="02040503050406030204" pitchFamily="18" charset="0"/>
-                                        </a:rPr>
-                                        <m:t>log</m:t>
-                                      </m:r>
-                                    </m:e>
-                                    <m:sub>
-                                      <m:r>
-                                        <a:rPr lang="en-US" sz="1400" b="0" i="1" smtClean="0">
-                                          <a:latin typeface="Cambria Math" panose="02040503050406030204" pitchFamily="18" charset="0"/>
-                                        </a:rPr>
-                                        <m:t>2</m:t>
-                                      </m:r>
-                                    </m:sub>
-                                  </m:sSub>
-                                </m:fName>
-                                <m:e>
-                                  <m:r>
-                                    <a:rPr lang="en-US" sz="1400" b="0" i="1" smtClean="0">
-                                      <a:latin typeface="Cambria Math" panose="02040503050406030204" pitchFamily="18" charset="0"/>
-                                    </a:rPr>
-                                    <m:t>0.55+0.45 ∗ </m:t>
-                                  </m:r>
-                                  <m:func>
-                                    <m:funcPr>
-                                      <m:ctrlPr>
-                                        <a:rPr lang="en-US" sz="1400" b="0" i="1" smtClean="0">
-                                          <a:latin typeface="Cambria Math" panose="02040503050406030204" pitchFamily="18" charset="0"/>
-                                        </a:rPr>
-                                      </m:ctrlPr>
-                                    </m:funcPr>
-                                    <m:fName>
-                                      <m:sSub>
-                                        <m:sSubPr>
-                                          <m:ctrlPr>
-                                            <a:rPr lang="en-US" sz="1400" b="0" i="1" smtClean="0">
-                                              <a:latin typeface="Cambria Math" panose="02040503050406030204" pitchFamily="18" charset="0"/>
-                                            </a:rPr>
-                                          </m:ctrlPr>
-                                        </m:sSubPr>
-                                        <m:e>
-                                          <m:r>
-                                            <m:rPr>
-                                              <m:sty m:val="p"/>
-                                            </m:rPr>
-                                            <a:rPr lang="en-US" sz="1400" b="0" i="0" smtClean="0">
-                                              <a:latin typeface="Cambria Math" panose="02040503050406030204" pitchFamily="18" charset="0"/>
-                                            </a:rPr>
-                                            <m:t>log</m:t>
-                                          </m:r>
-                                        </m:e>
-                                        <m:sub>
-                                          <m:r>
-                                            <a:rPr lang="en-US" sz="1400" b="0" i="1" smtClean="0">
-                                              <a:latin typeface="Cambria Math" panose="02040503050406030204" pitchFamily="18" charset="0"/>
-                                            </a:rPr>
-                                            <m:t>2</m:t>
-                                          </m:r>
-                                        </m:sub>
-                                      </m:sSub>
-                                    </m:fName>
-                                    <m:e>
-                                      <m:r>
-                                        <a:rPr lang="en-US" sz="1400" b="0" i="1" smtClean="0">
-                                          <a:latin typeface="Cambria Math" panose="02040503050406030204" pitchFamily="18" charset="0"/>
-                                        </a:rPr>
-                                        <m:t>0.45</m:t>
-                                      </m:r>
-                                    </m:e>
-                                  </m:func>
-                                </m:e>
-                              </m:func>
-                            </m:e>
-                          </m:d>
-                          <m:r>
-                            <a:rPr lang="en-US" sz="1400" b="0" i="1" smtClean="0">
-                              <a:latin typeface="Cambria Math" panose="02040503050406030204" pitchFamily="18" charset="0"/>
-                            </a:rPr>
-                            <m:t>= </m:t>
-                          </m:r>
-                        </m:e>
-                      </m:func>
-                      <m:r>
-                        <a:rPr lang="en-US" sz="1400" b="1" i="0" smtClean="0">
-                          <a:latin typeface="Cambria Math" panose="02040503050406030204" pitchFamily="18" charset="0"/>
-                        </a:rPr>
-                        <m:t>𝟎</m:t>
-                      </m:r>
-                      <m:r>
-                        <a:rPr lang="en-US" sz="1400" b="1" i="0" smtClean="0">
-                          <a:latin typeface="Cambria Math" panose="02040503050406030204" pitchFamily="18" charset="0"/>
-                        </a:rPr>
-                        <m:t>.</m:t>
-                      </m:r>
-                      <m:r>
-                        <a:rPr lang="en-US" sz="1400" b="1" i="0" smtClean="0">
-                          <a:latin typeface="Cambria Math" panose="02040503050406030204" pitchFamily="18" charset="0"/>
-                        </a:rPr>
-                        <m:t>𝟗𝟗𝟐𝟕𝟕</m:t>
-                      </m:r>
-                    </m:oMath>
-                  </m:oMathPara>
-                </a14:m>
-                <a:endParaRPr lang="en-FR" sz="1400" b="1" dirty="0"/>
-              </a:p>
-            </p:txBody>
-          </p:sp>
-        </mc:Choice>
-        <mc:Fallback>
-          <p:sp>
-            <p:nvSpPr>
-              <p:cNvPr id="65" name="TextBox 64">
-                <a:extLst>
-                  <a:ext uri="{FF2B5EF4-FFF2-40B4-BE49-F238E27FC236}">
-                    <a16:creationId xmlns:a16="http://schemas.microsoft.com/office/drawing/2014/main" id="{E1B8B9FD-0D69-8DCD-485A-343E8A149027}"/>
-                  </a:ext>
-                </a:extLst>
-              </p:cNvPr>
-              <p:cNvSpPr txBox="1">
-                <a:spLocks noRot="1" noChangeAspect="1" noMove="1" noResize="1" noEditPoints="1" noAdjustHandles="1" noChangeArrowheads="1" noChangeShapeType="1" noTextEdit="1"/>
-              </p:cNvSpPr>
-              <p:nvPr/>
-            </p:nvSpPr>
-            <p:spPr>
-              <a:xfrm>
-                <a:off x="7328981" y="5061379"/>
-                <a:ext cx="4363341" cy="523220"/>
-              </a:xfrm>
-              <a:prstGeom prst="rect">
-                <a:avLst/>
-              </a:prstGeom>
-              <a:blipFill>
-                <a:blip r:embed="rId6"/>
-                <a:stretch>
-                  <a:fillRect l="-290" t="-2381" r="-290" b="-7143"/>
-                </a:stretch>
-              </a:blipFill>
-            </p:spPr>
-            <p:txBody>
-              <a:bodyPr/>
-              <a:lstStyle/>
-              <a:p>
-                <a:r>
-                  <a:rPr lang="en-FR">
-                    <a:noFill/>
-                  </a:rPr>
-                  <a:t> </a:t>
-                </a:r>
-              </a:p>
-            </p:txBody>
-          </p:sp>
-        </mc:Fallback>
-      </mc:AlternateContent>
     </p:spTree>
     <p:extLst>
       <p:ext uri="{BB962C8B-B14F-4D97-AF65-F5344CB8AC3E}">
@@ -10420,7 +7985,7 @@
         <p:spPr>
           <a:xfrm>
             <a:off x="188890" y="876951"/>
-            <a:ext cx="11638349" cy="2031325"/>
+            <a:ext cx="11638349" cy="2154436"/>
           </a:xfrm>
           <a:prstGeom prst="rect">
             <a:avLst/>
@@ -10441,7 +8006,13 @@
           <a:p>
             <a:r>
               <a:rPr lang="en-FR" dirty="0"/>
-              <a:t>During a run, Cubicle will always cycle through the same N states - the transition guards. At any point in time, Cubicle is in a state that satisfies at least 1 transition guard, otherwise Cubicle is deadlocked.</a:t>
+              <a:t>During a run, Cubicle will always cycle through the same N states - the transition guards (with other stuff around that). </a:t>
+            </a:r>
+          </a:p>
+          <a:p>
+            <a:r>
+              <a:rPr lang="en-FR" dirty="0"/>
+              <a:t>At any point in time, Cubicle is in a state that satisfies at least 1 transition guard, otherwise Cubicle is deadlocked.</a:t>
             </a:r>
           </a:p>
           <a:p>
@@ -10455,20 +8026,27 @@
               <a:buAutoNum type="arabicParenBoth"/>
             </a:pPr>
             <a:r>
+              <a:rPr lang="en-GB" dirty="0"/>
+              <a:t>A</a:t>
+            </a:r>
+            <a:r>
               <a:rPr lang="en-FR" dirty="0"/>
-              <a:t>an automaton [pre and post run] and (2) a transition matrix [post run]</a:t>
+              <a:t> sort of automaton [pre and post run] and (2) a transition matrix [post run]</a:t>
             </a:r>
           </a:p>
           <a:p>
             <a:r>
               <a:rPr lang="en-FR" dirty="0"/>
-              <a:t> For example the running example would, </a:t>
-            </a:r>
+              <a:t>For example the running example would look like this: </a:t>
+            </a:r>
+          </a:p>
+          <a:p>
+            <a:endParaRPr lang="en-FR" sz="800" dirty="0"/>
           </a:p>
           <a:p>
             <a:r>
               <a:rPr lang="en-FR" dirty="0"/>
-              <a:t>theoretically, look like this: </a:t>
+              <a:t>In theory:                                                                      In reality:</a:t>
             </a:r>
           </a:p>
         </p:txBody>
@@ -10523,10 +8101,10 @@
         </p:nvGrpSpPr>
         <p:grpSpPr>
           <a:xfrm>
-            <a:off x="4686677" y="3285165"/>
-            <a:ext cx="2958307" cy="2695884"/>
+            <a:off x="770285" y="3429000"/>
+            <a:ext cx="2958307" cy="2695885"/>
             <a:chOff x="804806" y="2857809"/>
-            <a:chExt cx="2958307" cy="2695884"/>
+            <a:chExt cx="2958307" cy="2695885"/>
           </a:xfrm>
         </p:grpSpPr>
         <p:grpSp>
@@ -10569,12 +8147,9 @@
               <a:prstGeom prst="ellipse">
                 <a:avLst/>
               </a:prstGeom>
-              <a:ln>
+              <a:ln w="28575">
                 <a:solidFill>
-                  <a:schemeClr val="tx1">
-                    <a:lumMod val="95000"/>
-                    <a:lumOff val="5000"/>
-                  </a:schemeClr>
+                  <a:srgbClr val="7030A0"/>
                 </a:solidFill>
               </a:ln>
             </p:spPr>
@@ -10699,12 +8274,9 @@
               <a:prstGeom prst="ellipse">
                 <a:avLst/>
               </a:prstGeom>
-              <a:ln>
+              <a:ln w="28575">
                 <a:solidFill>
-                  <a:schemeClr val="tx1">
-                    <a:lumMod val="95000"/>
-                    <a:lumOff val="5000"/>
-                  </a:schemeClr>
+                  <a:srgbClr val="7030A0"/>
                 </a:solidFill>
               </a:ln>
             </p:spPr>
@@ -10917,12 +8489,9 @@
               <a:prstGeom prst="ellipse">
                 <a:avLst/>
               </a:prstGeom>
-              <a:ln>
+              <a:ln w="28575">
                 <a:solidFill>
-                  <a:schemeClr val="tx1">
-                    <a:lumMod val="95000"/>
-                    <a:lumOff val="5000"/>
-                  </a:schemeClr>
+                  <a:srgbClr val="7030A0"/>
                 </a:solidFill>
               </a:ln>
             </p:spPr>
@@ -11047,12 +8616,9 @@
               <a:prstGeom prst="ellipse">
                 <a:avLst/>
               </a:prstGeom>
-              <a:ln>
+              <a:ln w="28575">
                 <a:solidFill>
-                  <a:schemeClr val="tx1">
-                    <a:lumMod val="95000"/>
-                    <a:lumOff val="5000"/>
-                  </a:schemeClr>
+                  <a:srgbClr val="7030A0"/>
                 </a:solidFill>
               </a:ln>
             </p:spPr>
@@ -11489,13 +9055,1117 @@
             </a:fontRef>
           </p:style>
         </p:cxnSp>
+        <p:cxnSp>
+          <p:nvCxnSpPr>
+            <p:cNvPr id="110" name="Curved Connector 109">
+              <a:extLst>
+                <a:ext uri="{FF2B5EF4-FFF2-40B4-BE49-F238E27FC236}">
+                  <a16:creationId xmlns:a16="http://schemas.microsoft.com/office/drawing/2014/main" id="{14F03EF8-73B6-C5FE-E068-198F0FB17A1F}"/>
+                </a:ext>
+              </a:extLst>
+            </p:cNvPr>
+            <p:cNvCxnSpPr>
+              <a:cxnSpLocks/>
+              <a:stCxn id="16" idx="0"/>
+              <a:endCxn id="16" idx="7"/>
+            </p:cNvCxnSpPr>
+            <p:nvPr/>
+          </p:nvCxnSpPr>
+          <p:spPr>
+            <a:xfrm rot="16200000" flipH="1">
+              <a:off x="3419536" y="2771383"/>
+              <a:ext cx="122225" cy="295077"/>
+            </a:xfrm>
+            <a:prstGeom prst="curvedConnector3">
+              <a:avLst>
+                <a:gd name="adj1" fmla="val -356420"/>
+              </a:avLst>
+            </a:prstGeom>
+            <a:ln>
+              <a:tailEnd type="triangle"/>
+            </a:ln>
+          </p:spPr>
+          <p:style>
+            <a:lnRef idx="1">
+              <a:schemeClr val="accent1"/>
+            </a:lnRef>
+            <a:fillRef idx="0">
+              <a:schemeClr val="accent1"/>
+            </a:fillRef>
+            <a:effectRef idx="0">
+              <a:schemeClr val="accent1"/>
+            </a:effectRef>
+            <a:fontRef idx="minor">
+              <a:schemeClr val="tx1"/>
+            </a:fontRef>
+          </p:style>
+        </p:cxnSp>
+        <p:cxnSp>
+          <p:nvCxnSpPr>
+            <p:cNvPr id="115" name="Curved Connector 114">
+              <a:extLst>
+                <a:ext uri="{FF2B5EF4-FFF2-40B4-BE49-F238E27FC236}">
+                  <a16:creationId xmlns:a16="http://schemas.microsoft.com/office/drawing/2014/main" id="{267F8CB8-B093-1E82-07AC-5091F88BBAC3}"/>
+                </a:ext>
+              </a:extLst>
+            </p:cNvPr>
+            <p:cNvCxnSpPr>
+              <a:cxnSpLocks/>
+              <a:stCxn id="47" idx="5"/>
+              <a:endCxn id="47" idx="4"/>
+            </p:cNvCxnSpPr>
+            <p:nvPr/>
+          </p:nvCxnSpPr>
+          <p:spPr>
+            <a:xfrm rot="5400000">
+              <a:off x="3419538" y="5345042"/>
+              <a:ext cx="122225" cy="295077"/>
+            </a:xfrm>
+            <a:prstGeom prst="curvedConnector3">
+              <a:avLst>
+                <a:gd name="adj1" fmla="val 287032"/>
+              </a:avLst>
+            </a:prstGeom>
+            <a:ln>
+              <a:tailEnd type="triangle"/>
+            </a:ln>
+          </p:spPr>
+          <p:style>
+            <a:lnRef idx="1">
+              <a:schemeClr val="accent1"/>
+            </a:lnRef>
+            <a:fillRef idx="0">
+              <a:schemeClr val="accent1"/>
+            </a:fillRef>
+            <a:effectRef idx="0">
+              <a:schemeClr val="accent1"/>
+            </a:effectRef>
+            <a:fontRef idx="minor">
+              <a:schemeClr val="tx1"/>
+            </a:fontRef>
+          </p:style>
+        </p:cxnSp>
+        <p:cxnSp>
+          <p:nvCxnSpPr>
+            <p:cNvPr id="143" name="Curved Connector 142">
+              <a:extLst>
+                <a:ext uri="{FF2B5EF4-FFF2-40B4-BE49-F238E27FC236}">
+                  <a16:creationId xmlns:a16="http://schemas.microsoft.com/office/drawing/2014/main" id="{B0C28569-6CCD-E7FD-940C-6209A65B93BE}"/>
+                </a:ext>
+              </a:extLst>
+            </p:cNvPr>
+            <p:cNvCxnSpPr>
+              <a:cxnSpLocks/>
+              <a:stCxn id="11" idx="1"/>
+              <a:endCxn id="11" idx="0"/>
+            </p:cNvCxnSpPr>
+            <p:nvPr/>
+          </p:nvCxnSpPr>
+          <p:spPr>
+            <a:xfrm rot="5400000" flipH="1" flipV="1">
+              <a:off x="1013457" y="2771384"/>
+              <a:ext cx="122225" cy="295077"/>
+            </a:xfrm>
+            <a:prstGeom prst="curvedConnector3">
+              <a:avLst>
+                <a:gd name="adj1" fmla="val 329379"/>
+              </a:avLst>
+            </a:prstGeom>
+            <a:ln>
+              <a:tailEnd type="triangle"/>
+            </a:ln>
+          </p:spPr>
+          <p:style>
+            <a:lnRef idx="1">
+              <a:schemeClr val="accent1"/>
+            </a:lnRef>
+            <a:fillRef idx="0">
+              <a:schemeClr val="accent1"/>
+            </a:fillRef>
+            <a:effectRef idx="0">
+              <a:schemeClr val="accent1"/>
+            </a:effectRef>
+            <a:fontRef idx="minor">
+              <a:schemeClr val="tx1"/>
+            </a:fontRef>
+          </p:style>
+        </p:cxnSp>
+        <p:cxnSp>
+          <p:nvCxnSpPr>
+            <p:cNvPr id="147" name="Curved Connector 146">
+              <a:extLst>
+                <a:ext uri="{FF2B5EF4-FFF2-40B4-BE49-F238E27FC236}">
+                  <a16:creationId xmlns:a16="http://schemas.microsoft.com/office/drawing/2014/main" id="{D1889833-7063-808E-C816-31A3D2739625}"/>
+                </a:ext>
+              </a:extLst>
+            </p:cNvPr>
+            <p:cNvCxnSpPr>
+              <a:cxnSpLocks/>
+              <a:stCxn id="42" idx="4"/>
+              <a:endCxn id="42" idx="3"/>
+            </p:cNvCxnSpPr>
+            <p:nvPr/>
+          </p:nvCxnSpPr>
+          <p:spPr>
+            <a:xfrm rot="5400000" flipH="1">
+              <a:off x="1013457" y="5345043"/>
+              <a:ext cx="122225" cy="295077"/>
+            </a:xfrm>
+            <a:prstGeom prst="curvedConnector3">
+              <a:avLst>
+                <a:gd name="adj1" fmla="val -187032"/>
+              </a:avLst>
+            </a:prstGeom>
+            <a:ln>
+              <a:tailEnd type="triangle"/>
+            </a:ln>
+          </p:spPr>
+          <p:style>
+            <a:lnRef idx="1">
+              <a:schemeClr val="accent1"/>
+            </a:lnRef>
+            <a:fillRef idx="0">
+              <a:schemeClr val="accent1"/>
+            </a:fillRef>
+            <a:effectRef idx="0">
+              <a:schemeClr val="accent1"/>
+            </a:effectRef>
+            <a:fontRef idx="minor">
+              <a:schemeClr val="tx1"/>
+            </a:fontRef>
+          </p:style>
+        </p:cxnSp>
       </p:grpSp>
+      <p:grpSp>
+        <p:nvGrpSpPr>
+          <p:cNvPr id="87" name="Group 86">
+            <a:extLst>
+              <a:ext uri="{FF2B5EF4-FFF2-40B4-BE49-F238E27FC236}">
+                <a16:creationId xmlns:a16="http://schemas.microsoft.com/office/drawing/2014/main" id="{DAFAD77A-B195-D281-031F-1FDF82F87703}"/>
+              </a:ext>
+            </a:extLst>
+          </p:cNvPr>
+          <p:cNvGrpSpPr/>
+          <p:nvPr/>
+        </p:nvGrpSpPr>
+        <p:grpSpPr>
+          <a:xfrm>
+            <a:off x="5070826" y="3285165"/>
+            <a:ext cx="2945607" cy="2695884"/>
+            <a:chOff x="804806" y="2857809"/>
+            <a:chExt cx="2945607" cy="2695884"/>
+          </a:xfrm>
+        </p:grpSpPr>
+        <p:grpSp>
+          <p:nvGrpSpPr>
+            <p:cNvPr id="88" name="Group 87">
+              <a:extLst>
+                <a:ext uri="{FF2B5EF4-FFF2-40B4-BE49-F238E27FC236}">
+                  <a16:creationId xmlns:a16="http://schemas.microsoft.com/office/drawing/2014/main" id="{268EF4C4-AB67-D627-3A51-E6A313A10613}"/>
+                </a:ext>
+              </a:extLst>
+            </p:cNvPr>
+            <p:cNvGrpSpPr/>
+            <p:nvPr/>
+          </p:nvGrpSpPr>
+          <p:grpSpPr>
+            <a:xfrm>
+              <a:off x="804806" y="2857809"/>
+              <a:ext cx="834604" cy="834604"/>
+              <a:chOff x="5123645" y="775255"/>
+              <a:chExt cx="834604" cy="834604"/>
+            </a:xfrm>
+          </p:grpSpPr>
+          <p:sp>
+            <p:nvSpPr>
+              <p:cNvPr id="108" name="Oval 107">
+                <a:extLst>
+                  <a:ext uri="{FF2B5EF4-FFF2-40B4-BE49-F238E27FC236}">
+                    <a16:creationId xmlns:a16="http://schemas.microsoft.com/office/drawing/2014/main" id="{1278C50C-C9A9-E362-E04C-2752BE0AE675}"/>
+                  </a:ext>
+                </a:extLst>
+              </p:cNvPr>
+              <p:cNvSpPr/>
+              <p:nvPr/>
+            </p:nvSpPr>
+            <p:spPr>
+              <a:xfrm>
+                <a:off x="5123645" y="775255"/>
+                <a:ext cx="834604" cy="834604"/>
+              </a:xfrm>
+              <a:prstGeom prst="ellipse">
+                <a:avLst/>
+              </a:prstGeom>
+              <a:ln w="28575">
+                <a:solidFill>
+                  <a:srgbClr val="7030A0"/>
+                </a:solidFill>
+              </a:ln>
+            </p:spPr>
+            <p:style>
+              <a:lnRef idx="2">
+                <a:schemeClr val="accent3"/>
+              </a:lnRef>
+              <a:fillRef idx="1">
+                <a:schemeClr val="lt1"/>
+              </a:fillRef>
+              <a:effectRef idx="0">
+                <a:schemeClr val="accent3"/>
+              </a:effectRef>
+              <a:fontRef idx="minor">
+                <a:schemeClr val="dk1"/>
+              </a:fontRef>
+            </p:style>
+            <p:txBody>
+              <a:bodyPr rtlCol="0" anchor="ctr"/>
+              <a:lstStyle/>
+              <a:p>
+                <a:pPr algn="ctr"/>
+                <a:endParaRPr lang="en-FR"/>
+              </a:p>
+            </p:txBody>
+          </p:sp>
+          <p:sp>
+            <p:nvSpPr>
+              <p:cNvPr id="109" name="TextBox 108">
+                <a:extLst>
+                  <a:ext uri="{FF2B5EF4-FFF2-40B4-BE49-F238E27FC236}">
+                    <a16:creationId xmlns:a16="http://schemas.microsoft.com/office/drawing/2014/main" id="{CC660375-0845-A4E6-1231-608A391C9D41}"/>
+                  </a:ext>
+                </a:extLst>
+              </p:cNvPr>
+              <p:cNvSpPr txBox="1"/>
+              <p:nvPr/>
+            </p:nvSpPr>
+            <p:spPr>
+              <a:xfrm>
+                <a:off x="5188924" y="1038668"/>
+                <a:ext cx="704045" cy="307777"/>
+              </a:xfrm>
+              <a:prstGeom prst="rect">
+                <a:avLst/>
+              </a:prstGeom>
+              <a:noFill/>
+              <a:ln>
+                <a:noFill/>
+              </a:ln>
+            </p:spPr>
+            <p:style>
+              <a:lnRef idx="2">
+                <a:schemeClr val="dk1"/>
+              </a:lnRef>
+              <a:fillRef idx="1">
+                <a:schemeClr val="lt1"/>
+              </a:fillRef>
+              <a:effectRef idx="0">
+                <a:schemeClr val="dk1"/>
+              </a:effectRef>
+              <a:fontRef idx="minor">
+                <a:schemeClr val="dk1"/>
+              </a:fontRef>
+            </p:style>
+            <p:txBody>
+              <a:bodyPr wrap="square">
+                <a:spAutoFit/>
+              </a:bodyPr>
+              <a:lstStyle/>
+              <a:p>
+                <a:pPr algn="ctr"/>
+                <a:r>
+                  <a:rPr lang="en-GB" sz="1400" dirty="0">
+                    <a:latin typeface="Cambria Math" panose="02040503050406030204" pitchFamily="18" charset="0"/>
+                    <a:ea typeface="Cambria Math" panose="02040503050406030204" pitchFamily="18" charset="0"/>
+                    <a:cs typeface="CMU Serif Roman" panose="02000603000000000000" pitchFamily="2" charset="0"/>
+                  </a:rPr>
+                  <a:t>t1</a:t>
+                </a:r>
+              </a:p>
+            </p:txBody>
+          </p:sp>
+        </p:grpSp>
+        <p:grpSp>
+          <p:nvGrpSpPr>
+            <p:cNvPr id="89" name="Group 88">
+              <a:extLst>
+                <a:ext uri="{FF2B5EF4-FFF2-40B4-BE49-F238E27FC236}">
+                  <a16:creationId xmlns:a16="http://schemas.microsoft.com/office/drawing/2014/main" id="{5809D137-7ACB-3391-6CAE-3697E613522C}"/>
+                </a:ext>
+              </a:extLst>
+            </p:cNvPr>
+            <p:cNvGrpSpPr/>
+            <p:nvPr/>
+          </p:nvGrpSpPr>
+          <p:grpSpPr>
+            <a:xfrm>
+              <a:off x="2915809" y="2857809"/>
+              <a:ext cx="834604" cy="834604"/>
+              <a:chOff x="5123645" y="775255"/>
+              <a:chExt cx="834604" cy="834604"/>
+            </a:xfrm>
+          </p:grpSpPr>
+          <p:sp>
+            <p:nvSpPr>
+              <p:cNvPr id="106" name="Oval 105">
+                <a:extLst>
+                  <a:ext uri="{FF2B5EF4-FFF2-40B4-BE49-F238E27FC236}">
+                    <a16:creationId xmlns:a16="http://schemas.microsoft.com/office/drawing/2014/main" id="{917C9E01-6EE4-A9EF-2C8A-191A5DA3DE10}"/>
+                  </a:ext>
+                </a:extLst>
+              </p:cNvPr>
+              <p:cNvSpPr/>
+              <p:nvPr/>
+            </p:nvSpPr>
+            <p:spPr>
+              <a:xfrm>
+                <a:off x="5123645" y="775255"/>
+                <a:ext cx="834604" cy="834604"/>
+              </a:xfrm>
+              <a:prstGeom prst="ellipse">
+                <a:avLst/>
+              </a:prstGeom>
+              <a:ln w="28575">
+                <a:solidFill>
+                  <a:srgbClr val="7030A0"/>
+                </a:solidFill>
+              </a:ln>
+            </p:spPr>
+            <p:style>
+              <a:lnRef idx="2">
+                <a:schemeClr val="accent3"/>
+              </a:lnRef>
+              <a:fillRef idx="1">
+                <a:schemeClr val="lt1"/>
+              </a:fillRef>
+              <a:effectRef idx="0">
+                <a:schemeClr val="accent3"/>
+              </a:effectRef>
+              <a:fontRef idx="minor">
+                <a:schemeClr val="dk1"/>
+              </a:fontRef>
+            </p:style>
+            <p:txBody>
+              <a:bodyPr rtlCol="0" anchor="ctr"/>
+              <a:lstStyle/>
+              <a:p>
+                <a:pPr algn="ctr"/>
+                <a:endParaRPr lang="en-FR"/>
+              </a:p>
+            </p:txBody>
+          </p:sp>
+          <p:sp>
+            <p:nvSpPr>
+              <p:cNvPr id="107" name="TextBox 106">
+                <a:extLst>
+                  <a:ext uri="{FF2B5EF4-FFF2-40B4-BE49-F238E27FC236}">
+                    <a16:creationId xmlns:a16="http://schemas.microsoft.com/office/drawing/2014/main" id="{38044953-14A1-E6F7-D9D0-6D0AA9140EF6}"/>
+                  </a:ext>
+                </a:extLst>
+              </p:cNvPr>
+              <p:cNvSpPr txBox="1"/>
+              <p:nvPr/>
+            </p:nvSpPr>
+            <p:spPr>
+              <a:xfrm>
+                <a:off x="5188924" y="1038668"/>
+                <a:ext cx="704045" cy="307777"/>
+              </a:xfrm>
+              <a:prstGeom prst="rect">
+                <a:avLst/>
+              </a:prstGeom>
+              <a:noFill/>
+              <a:ln>
+                <a:noFill/>
+              </a:ln>
+            </p:spPr>
+            <p:style>
+              <a:lnRef idx="2">
+                <a:schemeClr val="dk1"/>
+              </a:lnRef>
+              <a:fillRef idx="1">
+                <a:schemeClr val="lt1"/>
+              </a:fillRef>
+              <a:effectRef idx="0">
+                <a:schemeClr val="dk1"/>
+              </a:effectRef>
+              <a:fontRef idx="minor">
+                <a:schemeClr val="dk1"/>
+              </a:fontRef>
+            </p:style>
+            <p:txBody>
+              <a:bodyPr wrap="square">
+                <a:spAutoFit/>
+              </a:bodyPr>
+              <a:lstStyle/>
+              <a:p>
+                <a:pPr algn="ctr"/>
+                <a:r>
+                  <a:rPr lang="en-GB" sz="1400" dirty="0">
+                    <a:latin typeface="Cambria Math" panose="02040503050406030204" pitchFamily="18" charset="0"/>
+                    <a:ea typeface="Cambria Math" panose="02040503050406030204" pitchFamily="18" charset="0"/>
+                    <a:cs typeface="CMU Serif Roman" panose="02000603000000000000" pitchFamily="2" charset="0"/>
+                  </a:rPr>
+                  <a:t>t</a:t>
+                </a:r>
+              </a:p>
+            </p:txBody>
+          </p:sp>
+        </p:grpSp>
+        <p:cxnSp>
+          <p:nvCxnSpPr>
+            <p:cNvPr id="90" name="Curved Connector 89">
+              <a:extLst>
+                <a:ext uri="{FF2B5EF4-FFF2-40B4-BE49-F238E27FC236}">
+                  <a16:creationId xmlns:a16="http://schemas.microsoft.com/office/drawing/2014/main" id="{DA454B32-2E7F-A410-04E4-85593E7F53EF}"/>
+                </a:ext>
+              </a:extLst>
+            </p:cNvPr>
+            <p:cNvCxnSpPr>
+              <a:cxnSpLocks/>
+            </p:cNvCxnSpPr>
+            <p:nvPr/>
+          </p:nvCxnSpPr>
+          <p:spPr>
+            <a:xfrm rot="16200000" flipV="1">
+              <a:off x="2277609" y="2219610"/>
+              <a:ext cx="12700" cy="1520849"/>
+            </a:xfrm>
+            <a:prstGeom prst="curvedConnector3">
+              <a:avLst>
+                <a:gd name="adj1" fmla="val 2762402"/>
+              </a:avLst>
+            </a:prstGeom>
+            <a:ln>
+              <a:tailEnd type="triangle"/>
+            </a:ln>
+          </p:spPr>
+          <p:style>
+            <a:lnRef idx="1">
+              <a:schemeClr val="accent1"/>
+            </a:lnRef>
+            <a:fillRef idx="0">
+              <a:schemeClr val="accent1"/>
+            </a:fillRef>
+            <a:effectRef idx="0">
+              <a:schemeClr val="accent1"/>
+            </a:effectRef>
+            <a:fontRef idx="minor">
+              <a:schemeClr val="tx1"/>
+            </a:fontRef>
+          </p:style>
+        </p:cxnSp>
+        <p:grpSp>
+          <p:nvGrpSpPr>
+            <p:cNvPr id="92" name="Group 91">
+              <a:extLst>
+                <a:ext uri="{FF2B5EF4-FFF2-40B4-BE49-F238E27FC236}">
+                  <a16:creationId xmlns:a16="http://schemas.microsoft.com/office/drawing/2014/main" id="{AB3340DD-6B28-0B14-870B-15DBAB9BC0AC}"/>
+                </a:ext>
+              </a:extLst>
+            </p:cNvPr>
+            <p:cNvGrpSpPr/>
+            <p:nvPr/>
+          </p:nvGrpSpPr>
+          <p:grpSpPr>
+            <a:xfrm>
+              <a:off x="804806" y="4719089"/>
+              <a:ext cx="834604" cy="834604"/>
+              <a:chOff x="5123645" y="775255"/>
+              <a:chExt cx="834604" cy="834604"/>
+            </a:xfrm>
+          </p:grpSpPr>
+          <p:sp>
+            <p:nvSpPr>
+              <p:cNvPr id="104" name="Oval 103">
+                <a:extLst>
+                  <a:ext uri="{FF2B5EF4-FFF2-40B4-BE49-F238E27FC236}">
+                    <a16:creationId xmlns:a16="http://schemas.microsoft.com/office/drawing/2014/main" id="{AF6F82CA-EB58-D107-EC87-5F0F181ECD29}"/>
+                  </a:ext>
+                </a:extLst>
+              </p:cNvPr>
+              <p:cNvSpPr/>
+              <p:nvPr/>
+            </p:nvSpPr>
+            <p:spPr>
+              <a:xfrm>
+                <a:off x="5123645" y="775255"/>
+                <a:ext cx="834604" cy="834604"/>
+              </a:xfrm>
+              <a:prstGeom prst="ellipse">
+                <a:avLst/>
+              </a:prstGeom>
+              <a:ln w="28575">
+                <a:solidFill>
+                  <a:srgbClr val="7030A0"/>
+                </a:solidFill>
+              </a:ln>
+            </p:spPr>
+            <p:style>
+              <a:lnRef idx="2">
+                <a:schemeClr val="accent3"/>
+              </a:lnRef>
+              <a:fillRef idx="1">
+                <a:schemeClr val="lt1"/>
+              </a:fillRef>
+              <a:effectRef idx="0">
+                <a:schemeClr val="accent3"/>
+              </a:effectRef>
+              <a:fontRef idx="minor">
+                <a:schemeClr val="dk1"/>
+              </a:fontRef>
+            </p:style>
+            <p:txBody>
+              <a:bodyPr rtlCol="0" anchor="ctr"/>
+              <a:lstStyle/>
+              <a:p>
+                <a:pPr algn="ctr"/>
+                <a:endParaRPr lang="en-FR"/>
+              </a:p>
+            </p:txBody>
+          </p:sp>
+          <p:sp>
+            <p:nvSpPr>
+              <p:cNvPr id="105" name="TextBox 104">
+                <a:extLst>
+                  <a:ext uri="{FF2B5EF4-FFF2-40B4-BE49-F238E27FC236}">
+                    <a16:creationId xmlns:a16="http://schemas.microsoft.com/office/drawing/2014/main" id="{A50F3969-E7C6-EB29-BDE9-CEB223665B67}"/>
+                  </a:ext>
+                </a:extLst>
+              </p:cNvPr>
+              <p:cNvSpPr txBox="1"/>
+              <p:nvPr/>
+            </p:nvSpPr>
+            <p:spPr>
+              <a:xfrm>
+                <a:off x="5188924" y="1038668"/>
+                <a:ext cx="704045" cy="307777"/>
+              </a:xfrm>
+              <a:prstGeom prst="rect">
+                <a:avLst/>
+              </a:prstGeom>
+              <a:noFill/>
+              <a:ln>
+                <a:noFill/>
+              </a:ln>
+            </p:spPr>
+            <p:style>
+              <a:lnRef idx="2">
+                <a:schemeClr val="dk1"/>
+              </a:lnRef>
+              <a:fillRef idx="1">
+                <a:schemeClr val="lt1"/>
+              </a:fillRef>
+              <a:effectRef idx="0">
+                <a:schemeClr val="dk1"/>
+              </a:effectRef>
+              <a:fontRef idx="minor">
+                <a:schemeClr val="dk1"/>
+              </a:fontRef>
+            </p:style>
+            <p:txBody>
+              <a:bodyPr wrap="square">
+                <a:spAutoFit/>
+              </a:bodyPr>
+              <a:lstStyle/>
+              <a:p>
+                <a:pPr algn="ctr"/>
+                <a:r>
+                  <a:rPr lang="en-GB" sz="1400" dirty="0">
+                    <a:latin typeface="Cambria Math" panose="02040503050406030204" pitchFamily="18" charset="0"/>
+                    <a:ea typeface="Cambria Math" panose="02040503050406030204" pitchFamily="18" charset="0"/>
+                    <a:cs typeface="CMU Serif Roman" panose="02000603000000000000" pitchFamily="2" charset="0"/>
+                  </a:rPr>
+                  <a:t>t2</a:t>
+                </a:r>
+              </a:p>
+            </p:txBody>
+          </p:sp>
+        </p:grpSp>
+        <p:grpSp>
+          <p:nvGrpSpPr>
+            <p:cNvPr id="93" name="Group 92">
+              <a:extLst>
+                <a:ext uri="{FF2B5EF4-FFF2-40B4-BE49-F238E27FC236}">
+                  <a16:creationId xmlns:a16="http://schemas.microsoft.com/office/drawing/2014/main" id="{732162E3-CDFD-4C37-3258-5A4F2DF4EE3A}"/>
+                </a:ext>
+              </a:extLst>
+            </p:cNvPr>
+            <p:cNvGrpSpPr/>
+            <p:nvPr/>
+          </p:nvGrpSpPr>
+          <p:grpSpPr>
+            <a:xfrm>
+              <a:off x="2915809" y="4719089"/>
+              <a:ext cx="834604" cy="834604"/>
+              <a:chOff x="5123645" y="775255"/>
+              <a:chExt cx="834604" cy="834604"/>
+            </a:xfrm>
+          </p:grpSpPr>
+          <p:sp>
+            <p:nvSpPr>
+              <p:cNvPr id="102" name="Oval 101">
+                <a:extLst>
+                  <a:ext uri="{FF2B5EF4-FFF2-40B4-BE49-F238E27FC236}">
+                    <a16:creationId xmlns:a16="http://schemas.microsoft.com/office/drawing/2014/main" id="{3086601A-0846-FAE1-48C2-00EA1102534F}"/>
+                  </a:ext>
+                </a:extLst>
+              </p:cNvPr>
+              <p:cNvSpPr/>
+              <p:nvPr/>
+            </p:nvSpPr>
+            <p:spPr>
+              <a:xfrm>
+                <a:off x="5123645" y="775255"/>
+                <a:ext cx="834604" cy="834604"/>
+              </a:xfrm>
+              <a:prstGeom prst="ellipse">
+                <a:avLst/>
+              </a:prstGeom>
+              <a:ln w="28575">
+                <a:solidFill>
+                  <a:srgbClr val="7030A0"/>
+                </a:solidFill>
+              </a:ln>
+            </p:spPr>
+            <p:style>
+              <a:lnRef idx="2">
+                <a:schemeClr val="accent3"/>
+              </a:lnRef>
+              <a:fillRef idx="1">
+                <a:schemeClr val="lt1"/>
+              </a:fillRef>
+              <a:effectRef idx="0">
+                <a:schemeClr val="accent3"/>
+              </a:effectRef>
+              <a:fontRef idx="minor">
+                <a:schemeClr val="dk1"/>
+              </a:fontRef>
+            </p:style>
+            <p:txBody>
+              <a:bodyPr rtlCol="0" anchor="ctr"/>
+              <a:lstStyle/>
+              <a:p>
+                <a:pPr algn="ctr"/>
+                <a:endParaRPr lang="en-FR"/>
+              </a:p>
+            </p:txBody>
+          </p:sp>
+          <p:sp>
+            <p:nvSpPr>
+              <p:cNvPr id="103" name="TextBox 102">
+                <a:extLst>
+                  <a:ext uri="{FF2B5EF4-FFF2-40B4-BE49-F238E27FC236}">
+                    <a16:creationId xmlns:a16="http://schemas.microsoft.com/office/drawing/2014/main" id="{0C0B7F00-774A-3E58-9D81-520B1B65DE80}"/>
+                  </a:ext>
+                </a:extLst>
+              </p:cNvPr>
+              <p:cNvSpPr txBox="1"/>
+              <p:nvPr/>
+            </p:nvSpPr>
+            <p:spPr>
+              <a:xfrm>
+                <a:off x="5188924" y="1038668"/>
+                <a:ext cx="704045" cy="307777"/>
+              </a:xfrm>
+              <a:prstGeom prst="rect">
+                <a:avLst/>
+              </a:prstGeom>
+              <a:noFill/>
+              <a:ln>
+                <a:noFill/>
+              </a:ln>
+            </p:spPr>
+            <p:style>
+              <a:lnRef idx="2">
+                <a:schemeClr val="dk1"/>
+              </a:lnRef>
+              <a:fillRef idx="1">
+                <a:schemeClr val="lt1"/>
+              </a:fillRef>
+              <a:effectRef idx="0">
+                <a:schemeClr val="dk1"/>
+              </a:effectRef>
+              <a:fontRef idx="minor">
+                <a:schemeClr val="dk1"/>
+              </a:fontRef>
+            </p:style>
+            <p:txBody>
+              <a:bodyPr wrap="square">
+                <a:spAutoFit/>
+              </a:bodyPr>
+              <a:lstStyle/>
+              <a:p>
+                <a:pPr algn="ctr"/>
+                <a:r>
+                  <a:rPr lang="en-GB" sz="1400" dirty="0">
+                    <a:latin typeface="Cambria Math" panose="02040503050406030204" pitchFamily="18" charset="0"/>
+                    <a:ea typeface="Cambria Math" panose="02040503050406030204" pitchFamily="18" charset="0"/>
+                    <a:cs typeface="CMU Serif Roman" panose="02000603000000000000" pitchFamily="2" charset="0"/>
+                  </a:rPr>
+                  <a:t>t4</a:t>
+                </a:r>
+              </a:p>
+            </p:txBody>
+          </p:sp>
+        </p:grpSp>
+        <p:cxnSp>
+          <p:nvCxnSpPr>
+            <p:cNvPr id="94" name="Curved Connector 93">
+              <a:extLst>
+                <a:ext uri="{FF2B5EF4-FFF2-40B4-BE49-F238E27FC236}">
+                  <a16:creationId xmlns:a16="http://schemas.microsoft.com/office/drawing/2014/main" id="{547922F3-8145-9A47-09AB-C3DB91B286B4}"/>
+                </a:ext>
+              </a:extLst>
+            </p:cNvPr>
+            <p:cNvCxnSpPr>
+              <a:cxnSpLocks/>
+              <a:stCxn id="104" idx="7"/>
+              <a:endCxn id="102" idx="1"/>
+            </p:cNvCxnSpPr>
+            <p:nvPr/>
+          </p:nvCxnSpPr>
+          <p:spPr>
+            <a:xfrm rot="5400000" flipH="1" flipV="1">
+              <a:off x="2277609" y="4080890"/>
+              <a:ext cx="12700" cy="1520849"/>
+            </a:xfrm>
+            <a:prstGeom prst="curvedConnector3">
+              <a:avLst>
+                <a:gd name="adj1" fmla="val 2762402"/>
+              </a:avLst>
+            </a:prstGeom>
+            <a:ln>
+              <a:tailEnd type="triangle"/>
+            </a:ln>
+          </p:spPr>
+          <p:style>
+            <a:lnRef idx="1">
+              <a:schemeClr val="accent1"/>
+            </a:lnRef>
+            <a:fillRef idx="0">
+              <a:schemeClr val="accent1"/>
+            </a:fillRef>
+            <a:effectRef idx="0">
+              <a:schemeClr val="accent1"/>
+            </a:effectRef>
+            <a:fontRef idx="minor">
+              <a:schemeClr val="tx1"/>
+            </a:fontRef>
+          </p:style>
+        </p:cxnSp>
+        <p:cxnSp>
+          <p:nvCxnSpPr>
+            <p:cNvPr id="95" name="Curved Connector 94">
+              <a:extLst>
+                <a:ext uri="{FF2B5EF4-FFF2-40B4-BE49-F238E27FC236}">
+                  <a16:creationId xmlns:a16="http://schemas.microsoft.com/office/drawing/2014/main" id="{D4F6E494-00C4-D28D-BB7C-2E06A3159A09}"/>
+                </a:ext>
+              </a:extLst>
+            </p:cNvPr>
+            <p:cNvCxnSpPr>
+              <a:cxnSpLocks/>
+            </p:cNvCxnSpPr>
+            <p:nvPr/>
+          </p:nvCxnSpPr>
+          <p:spPr>
+            <a:xfrm rot="5400000">
+              <a:off x="2277609" y="4671043"/>
+              <a:ext cx="12700" cy="1520849"/>
+            </a:xfrm>
+            <a:prstGeom prst="curvedConnector3">
+              <a:avLst>
+                <a:gd name="adj1" fmla="val 2762402"/>
+              </a:avLst>
+            </a:prstGeom>
+            <a:ln>
+              <a:tailEnd type="triangle"/>
+            </a:ln>
+          </p:spPr>
+          <p:style>
+            <a:lnRef idx="1">
+              <a:schemeClr val="accent1"/>
+            </a:lnRef>
+            <a:fillRef idx="0">
+              <a:schemeClr val="accent1"/>
+            </a:fillRef>
+            <a:effectRef idx="0">
+              <a:schemeClr val="accent1"/>
+            </a:effectRef>
+            <a:fontRef idx="minor">
+              <a:schemeClr val="tx1"/>
+            </a:fontRef>
+          </p:style>
+        </p:cxnSp>
+        <p:cxnSp>
+          <p:nvCxnSpPr>
+            <p:cNvPr id="96" name="Curved Connector 95">
+              <a:extLst>
+                <a:ext uri="{FF2B5EF4-FFF2-40B4-BE49-F238E27FC236}">
+                  <a16:creationId xmlns:a16="http://schemas.microsoft.com/office/drawing/2014/main" id="{B256EDB6-8CD6-30E2-C6E5-65644441C02C}"/>
+                </a:ext>
+              </a:extLst>
+            </p:cNvPr>
+            <p:cNvCxnSpPr>
+              <a:cxnSpLocks/>
+            </p:cNvCxnSpPr>
+            <p:nvPr/>
+          </p:nvCxnSpPr>
+          <p:spPr>
+            <a:xfrm rot="10800000">
+              <a:off x="804806" y="3275111"/>
+              <a:ext cx="12700" cy="1861280"/>
+            </a:xfrm>
+            <a:prstGeom prst="curvedConnector3">
+              <a:avLst>
+                <a:gd name="adj1" fmla="val 1800000"/>
+              </a:avLst>
+            </a:prstGeom>
+            <a:ln>
+              <a:tailEnd type="triangle"/>
+            </a:ln>
+          </p:spPr>
+          <p:style>
+            <a:lnRef idx="1">
+              <a:schemeClr val="accent1"/>
+            </a:lnRef>
+            <a:fillRef idx="0">
+              <a:schemeClr val="accent1"/>
+            </a:fillRef>
+            <a:effectRef idx="0">
+              <a:schemeClr val="accent1"/>
+            </a:effectRef>
+            <a:fontRef idx="minor">
+              <a:schemeClr val="tx1"/>
+            </a:fontRef>
+          </p:style>
+        </p:cxnSp>
+        <p:cxnSp>
+          <p:nvCxnSpPr>
+            <p:cNvPr id="99" name="Curved Connector 98">
+              <a:extLst>
+                <a:ext uri="{FF2B5EF4-FFF2-40B4-BE49-F238E27FC236}">
+                  <a16:creationId xmlns:a16="http://schemas.microsoft.com/office/drawing/2014/main" id="{25360E11-5E96-5CE1-AD51-CB7B1DDFB073}"/>
+                </a:ext>
+              </a:extLst>
+            </p:cNvPr>
+            <p:cNvCxnSpPr>
+              <a:cxnSpLocks/>
+              <a:stCxn id="108" idx="3"/>
+              <a:endCxn id="102" idx="2"/>
+            </p:cNvCxnSpPr>
+            <p:nvPr/>
+          </p:nvCxnSpPr>
+          <p:spPr>
+            <a:xfrm rot="16200000" flipH="1">
+              <a:off x="1138319" y="3358900"/>
+              <a:ext cx="1566203" cy="1988778"/>
+            </a:xfrm>
+            <a:prstGeom prst="curvedConnector2">
+              <a:avLst/>
+            </a:prstGeom>
+            <a:ln>
+              <a:tailEnd type="triangle"/>
+            </a:ln>
+          </p:spPr>
+          <p:style>
+            <a:lnRef idx="1">
+              <a:schemeClr val="accent1"/>
+            </a:lnRef>
+            <a:fillRef idx="0">
+              <a:schemeClr val="accent1"/>
+            </a:fillRef>
+            <a:effectRef idx="0">
+              <a:schemeClr val="accent1"/>
+            </a:effectRef>
+            <a:fontRef idx="minor">
+              <a:schemeClr val="tx1"/>
+            </a:fontRef>
+          </p:style>
+        </p:cxnSp>
+        <p:cxnSp>
+          <p:nvCxnSpPr>
+            <p:cNvPr id="100" name="Curved Connector 99">
+              <a:extLst>
+                <a:ext uri="{FF2B5EF4-FFF2-40B4-BE49-F238E27FC236}">
+                  <a16:creationId xmlns:a16="http://schemas.microsoft.com/office/drawing/2014/main" id="{566E2999-8099-F431-040E-0B61B3D85D6A}"/>
+                </a:ext>
+              </a:extLst>
+            </p:cNvPr>
+            <p:cNvCxnSpPr>
+              <a:cxnSpLocks/>
+              <a:stCxn id="108" idx="6"/>
+              <a:endCxn id="104" idx="6"/>
+            </p:cNvCxnSpPr>
+            <p:nvPr/>
+          </p:nvCxnSpPr>
+          <p:spPr>
+            <a:xfrm>
+              <a:off x="1639410" y="3275111"/>
+              <a:ext cx="12700" cy="1861280"/>
+            </a:xfrm>
+            <a:prstGeom prst="curvedConnector3">
+              <a:avLst>
+                <a:gd name="adj1" fmla="val 1800000"/>
+              </a:avLst>
+            </a:prstGeom>
+            <a:ln>
+              <a:tailEnd type="triangle"/>
+            </a:ln>
+          </p:spPr>
+          <p:style>
+            <a:lnRef idx="1">
+              <a:schemeClr val="accent1"/>
+            </a:lnRef>
+            <a:fillRef idx="0">
+              <a:schemeClr val="accent1"/>
+            </a:fillRef>
+            <a:effectRef idx="0">
+              <a:schemeClr val="accent1"/>
+            </a:effectRef>
+            <a:fontRef idx="minor">
+              <a:schemeClr val="tx1"/>
+            </a:fontRef>
+          </p:style>
+        </p:cxnSp>
+        <p:cxnSp>
+          <p:nvCxnSpPr>
+            <p:cNvPr id="101" name="Curved Connector 100">
+              <a:extLst>
+                <a:ext uri="{FF2B5EF4-FFF2-40B4-BE49-F238E27FC236}">
+                  <a16:creationId xmlns:a16="http://schemas.microsoft.com/office/drawing/2014/main" id="{E876EE2A-C272-1D3A-7FDB-98C8E4A981B6}"/>
+                </a:ext>
+              </a:extLst>
+            </p:cNvPr>
+            <p:cNvCxnSpPr>
+              <a:cxnSpLocks/>
+            </p:cNvCxnSpPr>
+            <p:nvPr/>
+          </p:nvCxnSpPr>
+          <p:spPr>
+            <a:xfrm rot="10800000">
+              <a:off x="2915809" y="3275111"/>
+              <a:ext cx="12700" cy="1861280"/>
+            </a:xfrm>
+            <a:prstGeom prst="curvedConnector3">
+              <a:avLst>
+                <a:gd name="adj1" fmla="val 1800000"/>
+              </a:avLst>
+            </a:prstGeom>
+            <a:ln>
+              <a:tailEnd type="triangle"/>
+            </a:ln>
+          </p:spPr>
+          <p:style>
+            <a:lnRef idx="1">
+              <a:schemeClr val="accent1"/>
+            </a:lnRef>
+            <a:fillRef idx="0">
+              <a:schemeClr val="accent1"/>
+            </a:fillRef>
+            <a:effectRef idx="0">
+              <a:schemeClr val="accent1"/>
+            </a:effectRef>
+            <a:fontRef idx="minor">
+              <a:schemeClr val="tx1"/>
+            </a:fontRef>
+          </p:style>
+        </p:cxnSp>
+      </p:grpSp>
+      <p:cxnSp>
+        <p:nvCxnSpPr>
+          <p:cNvPr id="152" name="Curved Connector 151">
+            <a:extLst>
+              <a:ext uri="{FF2B5EF4-FFF2-40B4-BE49-F238E27FC236}">
+                <a16:creationId xmlns:a16="http://schemas.microsoft.com/office/drawing/2014/main" id="{8DA8F886-032B-EE00-70D5-87C8E3206CD7}"/>
+              </a:ext>
+            </a:extLst>
+          </p:cNvPr>
+          <p:cNvCxnSpPr>
+            <a:cxnSpLocks/>
+            <a:stCxn id="108" idx="1"/>
+            <a:endCxn id="108" idx="0"/>
+          </p:cNvCxnSpPr>
+          <p:nvPr/>
+        </p:nvCxnSpPr>
+        <p:spPr>
+          <a:xfrm rot="5400000" flipH="1" flipV="1">
+            <a:off x="5279477" y="3198740"/>
+            <a:ext cx="122225" cy="295077"/>
+          </a:xfrm>
+          <a:prstGeom prst="curvedConnector3">
+            <a:avLst>
+              <a:gd name="adj1" fmla="val 287032"/>
+            </a:avLst>
+          </a:prstGeom>
+          <a:ln>
+            <a:tailEnd type="triangle"/>
+          </a:ln>
+        </p:spPr>
+        <p:style>
+          <a:lnRef idx="1">
+            <a:schemeClr val="accent1"/>
+          </a:lnRef>
+          <a:fillRef idx="0">
+            <a:schemeClr val="accent1"/>
+          </a:fillRef>
+          <a:effectRef idx="0">
+            <a:schemeClr val="accent1"/>
+          </a:effectRef>
+          <a:fontRef idx="minor">
+            <a:schemeClr val="tx1"/>
+          </a:fontRef>
+        </p:style>
+      </p:cxnSp>
+      <p:cxnSp>
+        <p:nvCxnSpPr>
+          <p:cNvPr id="157" name="Curved Connector 156">
+            <a:extLst>
+              <a:ext uri="{FF2B5EF4-FFF2-40B4-BE49-F238E27FC236}">
+                <a16:creationId xmlns:a16="http://schemas.microsoft.com/office/drawing/2014/main" id="{2CDE3B44-FE22-F402-ABE4-F077630E00AB}"/>
+              </a:ext>
+            </a:extLst>
+          </p:cNvPr>
+          <p:cNvCxnSpPr>
+            <a:cxnSpLocks/>
+            <a:stCxn id="104" idx="4"/>
+            <a:endCxn id="104" idx="3"/>
+          </p:cNvCxnSpPr>
+          <p:nvPr/>
+        </p:nvCxnSpPr>
+        <p:spPr>
+          <a:xfrm rot="5400000" flipH="1">
+            <a:off x="5279477" y="5772399"/>
+            <a:ext cx="122225" cy="295077"/>
+          </a:xfrm>
+          <a:prstGeom prst="curvedConnector3">
+            <a:avLst>
+              <a:gd name="adj1" fmla="val -187032"/>
+            </a:avLst>
+          </a:prstGeom>
+          <a:ln>
+            <a:tailEnd type="triangle"/>
+          </a:ln>
+        </p:spPr>
+        <p:style>
+          <a:lnRef idx="1">
+            <a:schemeClr val="accent1"/>
+          </a:lnRef>
+          <a:fillRef idx="0">
+            <a:schemeClr val="accent1"/>
+          </a:fillRef>
+          <a:effectRef idx="0">
+            <a:schemeClr val="accent1"/>
+          </a:effectRef>
+          <a:fontRef idx="minor">
+            <a:schemeClr val="tx1"/>
+          </a:fontRef>
+        </p:style>
+      </p:cxnSp>
       <p:sp>
         <p:nvSpPr>
-          <p:cNvPr id="86" name="TextBox 85">
-            <a:extLst>
-              <a:ext uri="{FF2B5EF4-FFF2-40B4-BE49-F238E27FC236}">
-                <a16:creationId xmlns:a16="http://schemas.microsoft.com/office/drawing/2014/main" id="{B17A52EA-4CA5-84AE-0DA7-33426FDB7080}"/>
+          <p:cNvPr id="160" name="TextBox 159">
+            <a:extLst>
+              <a:ext uri="{FF2B5EF4-FFF2-40B4-BE49-F238E27FC236}">
+                <a16:creationId xmlns:a16="http://schemas.microsoft.com/office/drawing/2014/main" id="{85BADC35-F735-CB3F-8BF5-EF7B9C0C4C09}"/>
               </a:ext>
             </a:extLst>
           </p:cNvPr>
@@ -11504,8 +10174,8 @@
         </p:nvSpPr>
         <p:spPr>
           <a:xfrm>
-            <a:off x="8189953" y="3285165"/>
-            <a:ext cx="2885061" cy="923330"/>
+            <a:off x="8310865" y="3651829"/>
+            <a:ext cx="3674555" cy="2308324"/>
           </a:xfrm>
           <a:prstGeom prst="rect">
             <a:avLst/>
@@ -11518,9 +10188,45 @@
           </a:bodyPr>
           <a:lstStyle/>
           <a:p>
+            <a:pPr algn="ctr"/>
+            <a:r>
+              <a:rPr lang="en-GB" dirty="0"/>
+              <a:t>T</a:t>
+            </a:r>
             <a:r>
               <a:rPr lang="en-FR" dirty="0"/>
-              <a:t>Where Gt1, Gt2, Gt, Gt4 are states satisfying the guards of t1, t2, t, t4 respectively.</a:t>
+              <a:t>o be read as: </a:t>
+            </a:r>
+          </a:p>
+          <a:p>
+            <a:pPr algn="ctr"/>
+            <a:r>
+              <a:rPr lang="en-GB" dirty="0"/>
+              <a:t>W</a:t>
+            </a:r>
+            <a:r>
+              <a:rPr lang="en-FR" dirty="0"/>
+              <a:t>hen I am in a </a:t>
+            </a:r>
+            <a:r>
+              <a:rPr lang="en-FR" b="1" dirty="0">
+                <a:solidFill>
+                  <a:srgbClr val="7030A0"/>
+                </a:solidFill>
+              </a:rPr>
+              <a:t>state</a:t>
+            </a:r>
+            <a:r>
+              <a:rPr lang="en-FR" dirty="0"/>
+              <a:t> where I have executed t1 (or t,t2,t4), from there I can move via any of the arrows to a state where </a:t>
+            </a:r>
+            <a:r>
+              <a:rPr lang="en-GB" dirty="0"/>
+              <a:t>I</a:t>
+            </a:r>
+            <a:r>
+              <a:rPr lang="en-FR" dirty="0"/>
+              <a:t> have executed another transition. So for example when I have executed transition t, I can only move by executing transition t1</a:t>
             </a:r>
           </a:p>
         </p:txBody>

--- a/mcmc_method.pptx
+++ b/mcmc_method.pptx
@@ -4,6 +4,9 @@
   <p:sldMasterIdLst>
     <p:sldMasterId id="2147483648" r:id="rId1"/>
   </p:sldMasterIdLst>
+  <p:notesMasterIdLst>
+    <p:notesMasterId r:id="rId32"/>
+  </p:notesMasterIdLst>
   <p:sldIdLst>
     <p:sldId id="275" r:id="rId2"/>
     <p:sldId id="256" r:id="rId3"/>
@@ -27,8 +30,14 @@
     <p:sldId id="268" r:id="rId21"/>
     <p:sldId id="264" r:id="rId22"/>
     <p:sldId id="282" r:id="rId23"/>
-    <p:sldId id="266" r:id="rId24"/>
-    <p:sldId id="267" r:id="rId25"/>
+    <p:sldId id="283" r:id="rId24"/>
+    <p:sldId id="266" r:id="rId25"/>
+    <p:sldId id="267" r:id="rId26"/>
+    <p:sldId id="284" r:id="rId27"/>
+    <p:sldId id="285" r:id="rId28"/>
+    <p:sldId id="286" r:id="rId29"/>
+    <p:sldId id="287" r:id="rId30"/>
+    <p:sldId id="288" r:id="rId31"/>
   </p:sldIdLst>
   <p:sldSz cx="12192000" cy="6858000"/>
   <p:notesSz cx="6858000" cy="9144000"/>
@@ -135,6 +144,356 @@
 </p:presentation>
 </file>
 
+<file path=ppt/notesMasters/notesMaster1.xml><?xml version="1.0" encoding="utf-8"?>
+<p:notesMaster xmlns:a="http://schemas.openxmlformats.org/drawingml/2006/main" xmlns:r="http://schemas.openxmlformats.org/officeDocument/2006/relationships" xmlns:p="http://schemas.openxmlformats.org/presentationml/2006/main">
+  <p:cSld>
+    <p:bg>
+      <p:bgRef idx="1001">
+        <a:schemeClr val="bg1"/>
+      </p:bgRef>
+    </p:bg>
+    <p:spTree>
+      <p:nvGrpSpPr>
+        <p:cNvPr id="1" name=""/>
+        <p:cNvGrpSpPr/>
+        <p:nvPr/>
+      </p:nvGrpSpPr>
+      <p:grpSpPr>
+        <a:xfrm>
+          <a:off x="0" y="0"/>
+          <a:ext cx="0" cy="0"/>
+          <a:chOff x="0" y="0"/>
+          <a:chExt cx="0" cy="0"/>
+        </a:xfrm>
+      </p:grpSpPr>
+      <p:sp>
+        <p:nvSpPr>
+          <p:cNvPr id="2" name="Header Placeholder 1"/>
+          <p:cNvSpPr>
+            <a:spLocks noGrp="1"/>
+          </p:cNvSpPr>
+          <p:nvPr>
+            <p:ph type="hdr" sz="quarter"/>
+          </p:nvPr>
+        </p:nvSpPr>
+        <p:spPr>
+          <a:xfrm>
+            <a:off x="0" y="0"/>
+            <a:ext cx="2971800" cy="458788"/>
+          </a:xfrm>
+          <a:prstGeom prst="rect">
+            <a:avLst/>
+          </a:prstGeom>
+        </p:spPr>
+        <p:txBody>
+          <a:bodyPr vert="horz" lIns="91440" tIns="45720" rIns="91440" bIns="45720" rtlCol="0"/>
+          <a:lstStyle>
+            <a:lvl1pPr algn="l">
+              <a:defRPr sz="1200"/>
+            </a:lvl1pPr>
+          </a:lstStyle>
+          <a:p>
+            <a:endParaRPr lang="en-FR"/>
+          </a:p>
+        </p:txBody>
+      </p:sp>
+      <p:sp>
+        <p:nvSpPr>
+          <p:cNvPr id="3" name="Date Placeholder 2"/>
+          <p:cNvSpPr>
+            <a:spLocks noGrp="1"/>
+          </p:cNvSpPr>
+          <p:nvPr>
+            <p:ph type="dt" idx="1"/>
+          </p:nvPr>
+        </p:nvSpPr>
+        <p:spPr>
+          <a:xfrm>
+            <a:off x="3884613" y="0"/>
+            <a:ext cx="2971800" cy="458788"/>
+          </a:xfrm>
+          <a:prstGeom prst="rect">
+            <a:avLst/>
+          </a:prstGeom>
+        </p:spPr>
+        <p:txBody>
+          <a:bodyPr vert="horz" lIns="91440" tIns="45720" rIns="91440" bIns="45720" rtlCol="0"/>
+          <a:lstStyle>
+            <a:lvl1pPr algn="r">
+              <a:defRPr sz="1200"/>
+            </a:lvl1pPr>
+          </a:lstStyle>
+          <a:p>
+            <a:fld id="{F665532D-9515-A447-9C89-932ABF0AFE21}" type="datetimeFigureOut">
+              <a:rPr lang="en-FR" smtClean="0"/>
+              <a:t>07/03/2023</a:t>
+            </a:fld>
+            <a:endParaRPr lang="en-FR"/>
+          </a:p>
+        </p:txBody>
+      </p:sp>
+      <p:sp>
+        <p:nvSpPr>
+          <p:cNvPr id="4" name="Slide Image Placeholder 3"/>
+          <p:cNvSpPr>
+            <a:spLocks noGrp="1" noRot="1" noChangeAspect="1"/>
+          </p:cNvSpPr>
+          <p:nvPr>
+            <p:ph type="sldImg" idx="2"/>
+          </p:nvPr>
+        </p:nvSpPr>
+        <p:spPr>
+          <a:xfrm>
+            <a:off x="685800" y="1143000"/>
+            <a:ext cx="5486400" cy="3086100"/>
+          </a:xfrm>
+          <a:prstGeom prst="rect">
+            <a:avLst/>
+          </a:prstGeom>
+          <a:noFill/>
+          <a:ln w="12700">
+            <a:solidFill>
+              <a:prstClr val="black"/>
+            </a:solidFill>
+          </a:ln>
+        </p:spPr>
+        <p:txBody>
+          <a:bodyPr vert="horz" lIns="91440" tIns="45720" rIns="91440" bIns="45720" rtlCol="0" anchor="ctr"/>
+          <a:lstStyle/>
+          <a:p>
+            <a:endParaRPr lang="en-FR"/>
+          </a:p>
+        </p:txBody>
+      </p:sp>
+      <p:sp>
+        <p:nvSpPr>
+          <p:cNvPr id="5" name="Notes Placeholder 4"/>
+          <p:cNvSpPr>
+            <a:spLocks noGrp="1"/>
+          </p:cNvSpPr>
+          <p:nvPr>
+            <p:ph type="body" sz="quarter" idx="3"/>
+          </p:nvPr>
+        </p:nvSpPr>
+        <p:spPr>
+          <a:xfrm>
+            <a:off x="685800" y="4400550"/>
+            <a:ext cx="5486400" cy="3600450"/>
+          </a:xfrm>
+          <a:prstGeom prst="rect">
+            <a:avLst/>
+          </a:prstGeom>
+        </p:spPr>
+        <p:txBody>
+          <a:bodyPr vert="horz" lIns="91440" tIns="45720" rIns="91440" bIns="45720" rtlCol="0"/>
+          <a:lstStyle/>
+          <a:p>
+            <a:pPr lvl="0"/>
+            <a:r>
+              <a:rPr lang="en-GB"/>
+              <a:t>Click to edit Master text styles</a:t>
+            </a:r>
+          </a:p>
+          <a:p>
+            <a:pPr lvl="1"/>
+            <a:r>
+              <a:rPr lang="en-GB"/>
+              <a:t>Second level</a:t>
+            </a:r>
+          </a:p>
+          <a:p>
+            <a:pPr lvl="2"/>
+            <a:r>
+              <a:rPr lang="en-GB"/>
+              <a:t>Third level</a:t>
+            </a:r>
+          </a:p>
+          <a:p>
+            <a:pPr lvl="3"/>
+            <a:r>
+              <a:rPr lang="en-GB"/>
+              <a:t>Fourth level</a:t>
+            </a:r>
+          </a:p>
+          <a:p>
+            <a:pPr lvl="4"/>
+            <a:r>
+              <a:rPr lang="en-GB"/>
+              <a:t>Fifth level</a:t>
+            </a:r>
+            <a:endParaRPr lang="en-FR"/>
+          </a:p>
+        </p:txBody>
+      </p:sp>
+      <p:sp>
+        <p:nvSpPr>
+          <p:cNvPr id="6" name="Footer Placeholder 5"/>
+          <p:cNvSpPr>
+            <a:spLocks noGrp="1"/>
+          </p:cNvSpPr>
+          <p:nvPr>
+            <p:ph type="ftr" sz="quarter" idx="4"/>
+          </p:nvPr>
+        </p:nvSpPr>
+        <p:spPr>
+          <a:xfrm>
+            <a:off x="0" y="8685213"/>
+            <a:ext cx="2971800" cy="458787"/>
+          </a:xfrm>
+          <a:prstGeom prst="rect">
+            <a:avLst/>
+          </a:prstGeom>
+        </p:spPr>
+        <p:txBody>
+          <a:bodyPr vert="horz" lIns="91440" tIns="45720" rIns="91440" bIns="45720" rtlCol="0" anchor="b"/>
+          <a:lstStyle>
+            <a:lvl1pPr algn="l">
+              <a:defRPr sz="1200"/>
+            </a:lvl1pPr>
+          </a:lstStyle>
+          <a:p>
+            <a:endParaRPr lang="en-FR"/>
+          </a:p>
+        </p:txBody>
+      </p:sp>
+      <p:sp>
+        <p:nvSpPr>
+          <p:cNvPr id="7" name="Slide Number Placeholder 6"/>
+          <p:cNvSpPr>
+            <a:spLocks noGrp="1"/>
+          </p:cNvSpPr>
+          <p:nvPr>
+            <p:ph type="sldNum" sz="quarter" idx="5"/>
+          </p:nvPr>
+        </p:nvSpPr>
+        <p:spPr>
+          <a:xfrm>
+            <a:off x="3884613" y="8685213"/>
+            <a:ext cx="2971800" cy="458787"/>
+          </a:xfrm>
+          <a:prstGeom prst="rect">
+            <a:avLst/>
+          </a:prstGeom>
+        </p:spPr>
+        <p:txBody>
+          <a:bodyPr vert="horz" lIns="91440" tIns="45720" rIns="91440" bIns="45720" rtlCol="0" anchor="b"/>
+          <a:lstStyle>
+            <a:lvl1pPr algn="r">
+              <a:defRPr sz="1200"/>
+            </a:lvl1pPr>
+          </a:lstStyle>
+          <a:p>
+            <a:fld id="{5225A3D9-7F4F-D040-8CC3-BC264619E92D}" type="slidenum">
+              <a:rPr lang="en-FR" smtClean="0"/>
+              <a:t>‹#›</a:t>
+            </a:fld>
+            <a:endParaRPr lang="en-FR"/>
+          </a:p>
+        </p:txBody>
+      </p:sp>
+    </p:spTree>
+    <p:extLst>
+      <p:ext uri="{BB962C8B-B14F-4D97-AF65-F5344CB8AC3E}">
+        <p14:creationId xmlns:p14="http://schemas.microsoft.com/office/powerpoint/2010/main" val="2785195199"/>
+      </p:ext>
+    </p:extLst>
+  </p:cSld>
+  <p:clrMap bg1="lt1" tx1="dk1" bg2="lt2" tx2="dk2" accent1="accent1" accent2="accent2" accent3="accent3" accent4="accent4" accent5="accent5" accent6="accent6" hlink="hlink" folHlink="folHlink"/>
+  <p:notesStyle>
+    <a:lvl1pPr marL="0" algn="l" defTabSz="914400" rtl="0" eaLnBrk="1" latinLnBrk="0" hangingPunct="1">
+      <a:defRPr sz="1200" kern="1200">
+        <a:solidFill>
+          <a:schemeClr val="tx1"/>
+        </a:solidFill>
+        <a:latin typeface="+mn-lt"/>
+        <a:ea typeface="+mn-ea"/>
+        <a:cs typeface="+mn-cs"/>
+      </a:defRPr>
+    </a:lvl1pPr>
+    <a:lvl2pPr marL="457200" algn="l" defTabSz="914400" rtl="0" eaLnBrk="1" latinLnBrk="0" hangingPunct="1">
+      <a:defRPr sz="1200" kern="1200">
+        <a:solidFill>
+          <a:schemeClr val="tx1"/>
+        </a:solidFill>
+        <a:latin typeface="+mn-lt"/>
+        <a:ea typeface="+mn-ea"/>
+        <a:cs typeface="+mn-cs"/>
+      </a:defRPr>
+    </a:lvl2pPr>
+    <a:lvl3pPr marL="914400" algn="l" defTabSz="914400" rtl="0" eaLnBrk="1" latinLnBrk="0" hangingPunct="1">
+      <a:defRPr sz="1200" kern="1200">
+        <a:solidFill>
+          <a:schemeClr val="tx1"/>
+        </a:solidFill>
+        <a:latin typeface="+mn-lt"/>
+        <a:ea typeface="+mn-ea"/>
+        <a:cs typeface="+mn-cs"/>
+      </a:defRPr>
+    </a:lvl3pPr>
+    <a:lvl4pPr marL="1371600" algn="l" defTabSz="914400" rtl="0" eaLnBrk="1" latinLnBrk="0" hangingPunct="1">
+      <a:defRPr sz="1200" kern="1200">
+        <a:solidFill>
+          <a:schemeClr val="tx1"/>
+        </a:solidFill>
+        <a:latin typeface="+mn-lt"/>
+        <a:ea typeface="+mn-ea"/>
+        <a:cs typeface="+mn-cs"/>
+      </a:defRPr>
+    </a:lvl4pPr>
+    <a:lvl5pPr marL="1828800" algn="l" defTabSz="914400" rtl="0" eaLnBrk="1" latinLnBrk="0" hangingPunct="1">
+      <a:defRPr sz="1200" kern="1200">
+        <a:solidFill>
+          <a:schemeClr val="tx1"/>
+        </a:solidFill>
+        <a:latin typeface="+mn-lt"/>
+        <a:ea typeface="+mn-ea"/>
+        <a:cs typeface="+mn-cs"/>
+      </a:defRPr>
+    </a:lvl5pPr>
+    <a:lvl6pPr marL="2286000" algn="l" defTabSz="914400" rtl="0" eaLnBrk="1" latinLnBrk="0" hangingPunct="1">
+      <a:defRPr sz="1200" kern="1200">
+        <a:solidFill>
+          <a:schemeClr val="tx1"/>
+        </a:solidFill>
+        <a:latin typeface="+mn-lt"/>
+        <a:ea typeface="+mn-ea"/>
+        <a:cs typeface="+mn-cs"/>
+      </a:defRPr>
+    </a:lvl6pPr>
+    <a:lvl7pPr marL="2743200" algn="l" defTabSz="914400" rtl="0" eaLnBrk="1" latinLnBrk="0" hangingPunct="1">
+      <a:defRPr sz="1200" kern="1200">
+        <a:solidFill>
+          <a:schemeClr val="tx1"/>
+        </a:solidFill>
+        <a:latin typeface="+mn-lt"/>
+        <a:ea typeface="+mn-ea"/>
+        <a:cs typeface="+mn-cs"/>
+      </a:defRPr>
+    </a:lvl7pPr>
+    <a:lvl8pPr marL="3200400" algn="l" defTabSz="914400" rtl="0" eaLnBrk="1" latinLnBrk="0" hangingPunct="1">
+      <a:defRPr sz="1200" kern="1200">
+        <a:solidFill>
+          <a:schemeClr val="tx1"/>
+        </a:solidFill>
+        <a:latin typeface="+mn-lt"/>
+        <a:ea typeface="+mn-ea"/>
+        <a:cs typeface="+mn-cs"/>
+      </a:defRPr>
+    </a:lvl8pPr>
+    <a:lvl9pPr marL="3657600" algn="l" defTabSz="914400" rtl="0" eaLnBrk="1" latinLnBrk="0" hangingPunct="1">
+      <a:defRPr sz="1200" kern="1200">
+        <a:solidFill>
+          <a:schemeClr val="tx1"/>
+        </a:solidFill>
+        <a:latin typeface="+mn-lt"/>
+        <a:ea typeface="+mn-ea"/>
+        <a:cs typeface="+mn-cs"/>
+      </a:defRPr>
+    </a:lvl9pPr>
+  </p:notesStyle>
+</p:notesMaster>
+</file>
+
 <file path=ppt/slideLayouts/slideLayout1.xml><?xml version="1.0" encoding="utf-8"?>
 <p:sldLayout xmlns:a="http://schemas.openxmlformats.org/drawingml/2006/main" xmlns:r="http://schemas.openxmlformats.org/officeDocument/2006/relationships" xmlns:p="http://schemas.openxmlformats.org/presentationml/2006/main" type="title" preserve="1">
   <p:cSld name="Title Slide">
@@ -282,8 +641,8 @@
           <a:bodyPr/>
           <a:lstStyle/>
           <a:p>
-            <a:fld id="{DBFFBAF6-CB28-224D-9929-C31B77E865DA}" type="datetimeFigureOut">
-              <a:rPr lang="en-FR" smtClean="0"/>
+            <a:fld id="{54BA42DA-DA95-8449-8980-09AEC66987CB}" type="datetime1">
+              <a:rPr lang="fr-FR" smtClean="0"/>
               <a:t>07/03/2023</a:t>
             </a:fld>
             <a:endParaRPr lang="en-FR"/>
@@ -482,8 +841,8 @@
           <a:bodyPr/>
           <a:lstStyle/>
           <a:p>
-            <a:fld id="{DBFFBAF6-CB28-224D-9929-C31B77E865DA}" type="datetimeFigureOut">
-              <a:rPr lang="en-FR" smtClean="0"/>
+            <a:fld id="{7F6A5C21-1A89-DF4A-85E0-A03D4350F203}" type="datetime1">
+              <a:rPr lang="fr-FR" smtClean="0"/>
               <a:t>07/03/2023</a:t>
             </a:fld>
             <a:endParaRPr lang="en-FR"/>
@@ -692,8 +1051,8 @@
           <a:bodyPr/>
           <a:lstStyle/>
           <a:p>
-            <a:fld id="{DBFFBAF6-CB28-224D-9929-C31B77E865DA}" type="datetimeFigureOut">
-              <a:rPr lang="en-FR" smtClean="0"/>
+            <a:fld id="{05E93925-926B-1945-B9CA-9A732A875AAF}" type="datetime1">
+              <a:rPr lang="fr-FR" smtClean="0"/>
               <a:t>07/03/2023</a:t>
             </a:fld>
             <a:endParaRPr lang="en-FR"/>
@@ -892,8 +1251,8 @@
           <a:bodyPr/>
           <a:lstStyle/>
           <a:p>
-            <a:fld id="{DBFFBAF6-CB28-224D-9929-C31B77E865DA}" type="datetimeFigureOut">
-              <a:rPr lang="en-FR" smtClean="0"/>
+            <a:fld id="{E0247FCB-74AB-A24C-8A1B-D0FC7EA3D9F4}" type="datetime1">
+              <a:rPr lang="fr-FR" smtClean="0"/>
               <a:t>07/03/2023</a:t>
             </a:fld>
             <a:endParaRPr lang="en-FR"/>
@@ -1168,8 +1527,8 @@
           <a:bodyPr/>
           <a:lstStyle/>
           <a:p>
-            <a:fld id="{DBFFBAF6-CB28-224D-9929-C31B77E865DA}" type="datetimeFigureOut">
-              <a:rPr lang="en-FR" smtClean="0"/>
+            <a:fld id="{787E801A-18C3-5149-B32A-A508AB557630}" type="datetime1">
+              <a:rPr lang="fr-FR" smtClean="0"/>
               <a:t>07/03/2023</a:t>
             </a:fld>
             <a:endParaRPr lang="en-FR"/>
@@ -1436,8 +1795,8 @@
           <a:bodyPr/>
           <a:lstStyle/>
           <a:p>
-            <a:fld id="{DBFFBAF6-CB28-224D-9929-C31B77E865DA}" type="datetimeFigureOut">
-              <a:rPr lang="en-FR" smtClean="0"/>
+            <a:fld id="{8076E26A-A8C1-3A42-9438-6E19217B065D}" type="datetime1">
+              <a:rPr lang="fr-FR" smtClean="0"/>
               <a:t>07/03/2023</a:t>
             </a:fld>
             <a:endParaRPr lang="en-FR"/>
@@ -1851,8 +2210,8 @@
           <a:bodyPr/>
           <a:lstStyle/>
           <a:p>
-            <a:fld id="{DBFFBAF6-CB28-224D-9929-C31B77E865DA}" type="datetimeFigureOut">
-              <a:rPr lang="en-FR" smtClean="0"/>
+            <a:fld id="{C9FEDFF1-3F10-3A46-ADC1-D537CC37F390}" type="datetime1">
+              <a:rPr lang="fr-FR" smtClean="0"/>
               <a:t>07/03/2023</a:t>
             </a:fld>
             <a:endParaRPr lang="en-FR"/>
@@ -1993,8 +2352,8 @@
           <a:bodyPr/>
           <a:lstStyle/>
           <a:p>
-            <a:fld id="{DBFFBAF6-CB28-224D-9929-C31B77E865DA}" type="datetimeFigureOut">
-              <a:rPr lang="en-FR" smtClean="0"/>
+            <a:fld id="{A08AB4D7-44FD-2F47-8062-C2F06B42AC02}" type="datetime1">
+              <a:rPr lang="fr-FR" smtClean="0"/>
               <a:t>07/03/2023</a:t>
             </a:fld>
             <a:endParaRPr lang="en-FR"/>
@@ -2106,8 +2465,8 @@
           <a:bodyPr/>
           <a:lstStyle/>
           <a:p>
-            <a:fld id="{DBFFBAF6-CB28-224D-9929-C31B77E865DA}" type="datetimeFigureOut">
-              <a:rPr lang="en-FR" smtClean="0"/>
+            <a:fld id="{12822FAA-36F4-0244-815D-515775E17909}" type="datetime1">
+              <a:rPr lang="fr-FR" smtClean="0"/>
               <a:t>07/03/2023</a:t>
             </a:fld>
             <a:endParaRPr lang="en-FR"/>
@@ -2419,8 +2778,8 @@
           <a:bodyPr/>
           <a:lstStyle/>
           <a:p>
-            <a:fld id="{DBFFBAF6-CB28-224D-9929-C31B77E865DA}" type="datetimeFigureOut">
-              <a:rPr lang="en-FR" smtClean="0"/>
+            <a:fld id="{85DAED84-3442-4046-8F8E-AED3CA9DA38B}" type="datetime1">
+              <a:rPr lang="fr-FR" smtClean="0"/>
               <a:t>07/03/2023</a:t>
             </a:fld>
             <a:endParaRPr lang="en-FR"/>
@@ -2708,8 +3067,8 @@
           <a:bodyPr/>
           <a:lstStyle/>
           <a:p>
-            <a:fld id="{DBFFBAF6-CB28-224D-9929-C31B77E865DA}" type="datetimeFigureOut">
-              <a:rPr lang="en-FR" smtClean="0"/>
+            <a:fld id="{3A186636-9FEC-8342-B6AE-6B0D584EC47A}" type="datetime1">
+              <a:rPr lang="fr-FR" smtClean="0"/>
               <a:t>07/03/2023</a:t>
             </a:fld>
             <a:endParaRPr lang="en-FR"/>
@@ -2951,8 +3310,8 @@
             </a:lvl1pPr>
           </a:lstStyle>
           <a:p>
-            <a:fld id="{DBFFBAF6-CB28-224D-9929-C31B77E865DA}" type="datetimeFigureOut">
-              <a:rPr lang="en-FR" smtClean="0"/>
+            <a:fld id="{5F64E3B2-8E5B-BB40-B91D-3C3C9E0DD3C8}" type="datetime1">
+              <a:rPr lang="fr-FR" smtClean="0"/>
               <a:t>07/03/2023</a:t>
             </a:fld>
             <a:endParaRPr lang="en-FR"/>
@@ -3070,6 +3429,7 @@
     <p:sldLayoutId id="2147483658" r:id="rId10"/>
     <p:sldLayoutId id="2147483659" r:id="rId11"/>
   </p:sldLayoutIdLst>
+  <p:hf hdr="0" ftr="0" dt="0"/>
   <p:txStyles>
     <p:titleStyle>
       <a:lvl1pPr algn="l" defTabSz="914400" rtl="0" eaLnBrk="1" latinLnBrk="0" hangingPunct="1">
@@ -3407,6 +3767,35 @@
           </a:p>
         </p:txBody>
       </p:sp>
+      <p:sp>
+        <p:nvSpPr>
+          <p:cNvPr id="4" name="Slide Number Placeholder 3">
+            <a:extLst>
+              <a:ext uri="{FF2B5EF4-FFF2-40B4-BE49-F238E27FC236}">
+                <a16:creationId xmlns:a16="http://schemas.microsoft.com/office/drawing/2014/main" id="{3B580CC0-0468-F7FE-9FE6-E0CFD5A3EAD7}"/>
+              </a:ext>
+            </a:extLst>
+          </p:cNvPr>
+          <p:cNvSpPr>
+            <a:spLocks noGrp="1"/>
+          </p:cNvSpPr>
+          <p:nvPr>
+            <p:ph type="sldNum" sz="quarter" idx="12"/>
+          </p:nvPr>
+        </p:nvSpPr>
+        <p:spPr/>
+        <p:txBody>
+          <a:bodyPr/>
+          <a:lstStyle/>
+          <a:p>
+            <a:fld id="{4A936E34-E911-F947-B710-F12161D09F63}" type="slidenum">
+              <a:rPr lang="en-FR" smtClean="0"/>
+              <a:t>1</a:t>
+            </a:fld>
+            <a:endParaRPr lang="en-FR"/>
+          </a:p>
+        </p:txBody>
+      </p:sp>
     </p:spTree>
     <p:extLst>
       <p:ext uri="{BB962C8B-B14F-4D97-AF65-F5344CB8AC3E}">
@@ -3887,6 +4276,35 @@
               </a:rPr>
               <a:t>* This is not exclusive to the new method and could be implemented for proposition 1</a:t>
             </a:r>
+          </a:p>
+        </p:txBody>
+      </p:sp>
+      <p:sp>
+        <p:nvSpPr>
+          <p:cNvPr id="3" name="Slide Number Placeholder 2">
+            <a:extLst>
+              <a:ext uri="{FF2B5EF4-FFF2-40B4-BE49-F238E27FC236}">
+                <a16:creationId xmlns:a16="http://schemas.microsoft.com/office/drawing/2014/main" id="{E461DB6B-8554-C8A0-65B2-D6121553C78C}"/>
+              </a:ext>
+            </a:extLst>
+          </p:cNvPr>
+          <p:cNvSpPr>
+            <a:spLocks noGrp="1"/>
+          </p:cNvSpPr>
+          <p:nvPr>
+            <p:ph type="sldNum" sz="quarter" idx="12"/>
+          </p:nvPr>
+        </p:nvSpPr>
+        <p:spPr/>
+        <p:txBody>
+          <a:bodyPr/>
+          <a:lstStyle/>
+          <a:p>
+            <a:fld id="{4A936E34-E911-F947-B710-F12161D09F63}" type="slidenum">
+              <a:rPr lang="en-FR" smtClean="0"/>
+              <a:t>10</a:t>
+            </a:fld>
+            <a:endParaRPr lang="en-FR"/>
           </a:p>
         </p:txBody>
       </p:sp>
@@ -3957,6 +4375,35 @@
           </a:p>
         </p:txBody>
       </p:sp>
+      <p:sp>
+        <p:nvSpPr>
+          <p:cNvPr id="5" name="Slide Number Placeholder 4">
+            <a:extLst>
+              <a:ext uri="{FF2B5EF4-FFF2-40B4-BE49-F238E27FC236}">
+                <a16:creationId xmlns:a16="http://schemas.microsoft.com/office/drawing/2014/main" id="{ED104BDF-2F89-FE23-7754-627F4DD4F08A}"/>
+              </a:ext>
+            </a:extLst>
+          </p:cNvPr>
+          <p:cNvSpPr>
+            <a:spLocks noGrp="1"/>
+          </p:cNvSpPr>
+          <p:nvPr>
+            <p:ph type="sldNum" sz="quarter" idx="12"/>
+          </p:nvPr>
+        </p:nvSpPr>
+        <p:spPr/>
+        <p:txBody>
+          <a:bodyPr/>
+          <a:lstStyle/>
+          <a:p>
+            <a:fld id="{4A936E34-E911-F947-B710-F12161D09F63}" type="slidenum">
+              <a:rPr lang="en-FR" smtClean="0"/>
+              <a:t>11</a:t>
+            </a:fld>
+            <a:endParaRPr lang="en-FR"/>
+          </a:p>
+        </p:txBody>
+      </p:sp>
     </p:spTree>
     <p:extLst>
       <p:ext uri="{BB962C8B-B14F-4D97-AF65-F5344CB8AC3E}">
@@ -4364,7 +4811,7 @@
                 <a:latin typeface="Helvetica Neue Thin" panose="020B0403020202020204" pitchFamily="34" charset="0"/>
                 <a:ea typeface="Helvetica Neue Thin" panose="020B0403020202020204" pitchFamily="34" charset="0"/>
               </a:rPr>
-              <a:t>: 0.33332976, </a:t>
+              <a:t>: 0.333, </a:t>
             </a:r>
             <a:r>
               <a:rPr lang="en-GB" b="1" dirty="0">
@@ -4378,7 +4825,7 @@
                 <a:latin typeface="Helvetica Neue Thin" panose="020B0403020202020204" pitchFamily="34" charset="0"/>
                 <a:ea typeface="Helvetica Neue Thin" panose="020B0403020202020204" pitchFamily="34" charset="0"/>
               </a:rPr>
-              <a:t>: 0.33332916, </a:t>
+              <a:t>: 0.333, </a:t>
             </a:r>
             <a:r>
               <a:rPr lang="en-GB" b="1" dirty="0">
@@ -4392,7 +4839,14 @@
                 <a:latin typeface="Helvetica Neue Thin" panose="020B0403020202020204" pitchFamily="34" charset="0"/>
                 <a:ea typeface="Helvetica Neue Thin" panose="020B0403020202020204" pitchFamily="34" charset="0"/>
               </a:rPr>
-              <a:t>: 0.33334108] -&gt; each transition is triggered equally </a:t>
+              <a:t>: 0.333] </a:t>
+            </a:r>
+            <a:r>
+              <a:rPr lang="en-GB" dirty="0">
+                <a:latin typeface="Helvetica Neue Thin" panose="020B0403020202020204" pitchFamily="34" charset="0"/>
+                <a:ea typeface="Helvetica Neue Thin" panose="020B0403020202020204" pitchFamily="34" charset="0"/>
+              </a:rPr>
+              <a:t>-&gt; each transition is triggered equally </a:t>
             </a:r>
             <a:r>
               <a:rPr lang="en-GB" b="1" dirty="0">
@@ -4442,7 +4896,7 @@
                 <a:latin typeface="Helvetica Neue Thin" panose="020B0403020202020204" pitchFamily="34" charset="0"/>
                 <a:ea typeface="Helvetica Neue Thin" panose="020B0403020202020204" pitchFamily="34" charset="0"/>
               </a:rPr>
-              <a:t>: 0.02602247, </a:t>
+              <a:t>: 0.026, </a:t>
             </a:r>
             <a:r>
               <a:rPr lang="en-GB" b="1" dirty="0">
@@ -4456,7 +4910,7 @@
                 <a:latin typeface="Helvetica Neue Thin" panose="020B0403020202020204" pitchFamily="34" charset="0"/>
                 <a:ea typeface="Helvetica Neue Thin" panose="020B0403020202020204" pitchFamily="34" charset="0"/>
               </a:rPr>
-              <a:t>: 0.35068472, </a:t>
+              <a:t>: 0.35, </a:t>
             </a:r>
             <a:r>
               <a:rPr lang="en-GB" b="1" dirty="0">
@@ -4470,7 +4924,7 @@
                 <a:latin typeface="Helvetica Neue Thin" panose="020B0403020202020204" pitchFamily="34" charset="0"/>
                 <a:ea typeface="Helvetica Neue Thin" panose="020B0403020202020204" pitchFamily="34" charset="0"/>
               </a:rPr>
-              <a:t>: 0.35068259, </a:t>
+              <a:t>: 0.35, </a:t>
             </a:r>
             <a:r>
               <a:rPr lang="en-GB" b="1" dirty="0">
@@ -4484,7 +4938,7 @@
                 <a:latin typeface="Helvetica Neue Thin" panose="020B0403020202020204" pitchFamily="34" charset="0"/>
                 <a:ea typeface="Helvetica Neue Thin" panose="020B0403020202020204" pitchFamily="34" charset="0"/>
               </a:rPr>
-              <a:t>: 0.27261022] -&gt; </a:t>
+              <a:t>: 0.272] -&gt; </a:t>
             </a:r>
             <a:r>
               <a:rPr lang="en-GB" b="1" dirty="0">
@@ -4524,6 +4978,35 @@
               <a:latin typeface="Helvetica Neue Thin" panose="020B0403020202020204" pitchFamily="34" charset="0"/>
               <a:ea typeface="Helvetica Neue Thin" panose="020B0403020202020204" pitchFamily="34" charset="0"/>
             </a:endParaRPr>
+          </a:p>
+        </p:txBody>
+      </p:sp>
+      <p:sp>
+        <p:nvSpPr>
+          <p:cNvPr id="4" name="Slide Number Placeholder 3">
+            <a:extLst>
+              <a:ext uri="{FF2B5EF4-FFF2-40B4-BE49-F238E27FC236}">
+                <a16:creationId xmlns:a16="http://schemas.microsoft.com/office/drawing/2014/main" id="{F48070B2-942F-A570-D478-DF492BA1F17C}"/>
+              </a:ext>
+            </a:extLst>
+          </p:cNvPr>
+          <p:cNvSpPr>
+            <a:spLocks noGrp="1"/>
+          </p:cNvSpPr>
+          <p:nvPr>
+            <p:ph type="sldNum" sz="quarter" idx="12"/>
+          </p:nvPr>
+        </p:nvSpPr>
+        <p:spPr/>
+        <p:txBody>
+          <a:bodyPr/>
+          <a:lstStyle/>
+          <a:p>
+            <a:fld id="{4A936E34-E911-F947-B710-F12161D09F63}" type="slidenum">
+              <a:rPr lang="en-FR" smtClean="0"/>
+              <a:t>12</a:t>
+            </a:fld>
+            <a:endParaRPr lang="en-FR"/>
           </a:p>
         </p:txBody>
       </p:sp>
@@ -4938,6 +5421,35 @@
           </a:p>
         </p:txBody>
       </p:sp>
+      <p:sp>
+        <p:nvSpPr>
+          <p:cNvPr id="4" name="Slide Number Placeholder 3">
+            <a:extLst>
+              <a:ext uri="{FF2B5EF4-FFF2-40B4-BE49-F238E27FC236}">
+                <a16:creationId xmlns:a16="http://schemas.microsoft.com/office/drawing/2014/main" id="{68E08050-AAD4-F01B-0182-F2C0B7DE5F9B}"/>
+              </a:ext>
+            </a:extLst>
+          </p:cNvPr>
+          <p:cNvSpPr>
+            <a:spLocks noGrp="1"/>
+          </p:cNvSpPr>
+          <p:nvPr>
+            <p:ph type="sldNum" sz="quarter" idx="12"/>
+          </p:nvPr>
+        </p:nvSpPr>
+        <p:spPr/>
+        <p:txBody>
+          <a:bodyPr/>
+          <a:lstStyle/>
+          <a:p>
+            <a:fld id="{4A936E34-E911-F947-B710-F12161D09F63}" type="slidenum">
+              <a:rPr lang="en-FR" smtClean="0"/>
+              <a:t>13</a:t>
+            </a:fld>
+            <a:endParaRPr lang="en-FR"/>
+          </a:p>
+        </p:txBody>
+      </p:sp>
     </p:spTree>
     <p:extLst>
       <p:ext uri="{BB962C8B-B14F-4D97-AF65-F5344CB8AC3E}">
@@ -5260,7 +5772,7 @@
                 <a:latin typeface="Helvetica Neue Thin" panose="020B0403020202020204" pitchFamily="34" charset="0"/>
                 <a:ea typeface="Helvetica Neue Thin" panose="020B0403020202020204" pitchFamily="34" charset="0"/>
               </a:rPr>
-              <a:t>: 0.12078434, </a:t>
+              <a:t>: 0.12, </a:t>
             </a:r>
             <a:r>
               <a:rPr lang="en-FR" b="1" dirty="0">
@@ -5274,7 +5786,7 @@
                 <a:latin typeface="Helvetica Neue Thin" panose="020B0403020202020204" pitchFamily="34" charset="0"/>
                 <a:ea typeface="Helvetica Neue Thin" panose="020B0403020202020204" pitchFamily="34" charset="0"/>
               </a:rPr>
-              <a:t>: 0.41385883, </a:t>
+              <a:t>: 0.41, </a:t>
             </a:r>
             <a:r>
               <a:rPr lang="en-FR" b="1" dirty="0">
@@ -5288,7 +5800,7 @@
                 <a:latin typeface="Helvetica Neue Thin" panose="020B0403020202020204" pitchFamily="34" charset="0"/>
                 <a:ea typeface="Helvetica Neue Thin" panose="020B0403020202020204" pitchFamily="34" charset="0"/>
               </a:rPr>
-              <a:t>: 0.41386351, </a:t>
+              <a:t>: 0.41, </a:t>
             </a:r>
             <a:r>
               <a:rPr lang="en-FR" b="1" dirty="0">
@@ -5302,16 +5814,20 @@
                 <a:latin typeface="Helvetica Neue Thin" panose="020B0403020202020204" pitchFamily="34" charset="0"/>
                 <a:ea typeface="Helvetica Neue Thin" panose="020B0403020202020204" pitchFamily="34" charset="0"/>
               </a:rPr>
-              <a:t>:0.05149332]</a:t>
-            </a:r>
-          </a:p>
-          <a:p>
+              <a:t>:0.05]</a:t>
+            </a:r>
             <a:endParaRPr lang="en-FR" dirty="0">
               <a:latin typeface="Helvetica Neue Thin" panose="020B0403020202020204" pitchFamily="34" charset="0"/>
               <a:ea typeface="Helvetica Neue Thin" panose="020B0403020202020204" pitchFamily="34" charset="0"/>
             </a:endParaRPr>
           </a:p>
           <a:p>
+            <a:endParaRPr lang="en-FR" dirty="0">
+              <a:latin typeface="Helvetica Neue Thin" panose="020B0403020202020204" pitchFamily="34" charset="0"/>
+              <a:ea typeface="Helvetica Neue Thin" panose="020B0403020202020204" pitchFamily="34" charset="0"/>
+            </a:endParaRPr>
+          </a:p>
+          <a:p>
             <a:r>
               <a:rPr lang="en-FR" b="1" dirty="0">
                 <a:latin typeface="HELVETICA NEUE THIN" panose="020B0403020202020204" pitchFamily="34" charset="0"/>
@@ -5555,7 +6071,21 @@
                 <a:latin typeface="Helvetica Neue Thin" panose="020B0403020202020204" pitchFamily="34" charset="0"/>
                 <a:ea typeface="Helvetica Neue Thin" panose="020B0403020202020204" pitchFamily="34" charset="0"/>
               </a:rPr>
-              <a:t>: 0.10037053, </a:t>
+              <a:t>:</a:t>
+            </a:r>
+            <a:r>
+              <a:rPr lang="en-FR" dirty="0">
+                <a:latin typeface="Helvetica Neue Thin" panose="020B0403020202020204" pitchFamily="34" charset="0"/>
+                <a:ea typeface="Helvetica Neue Thin" panose="020B0403020202020204" pitchFamily="34" charset="0"/>
+              </a:rPr>
+              <a:t> </a:t>
+            </a:r>
+            <a:r>
+              <a:rPr lang="en-FR" dirty="0">
+                <a:latin typeface="Helvetica Neue Thin" panose="020B0403020202020204" pitchFamily="34" charset="0"/>
+                <a:ea typeface="Helvetica Neue Thin" panose="020B0403020202020204" pitchFamily="34" charset="0"/>
+              </a:rPr>
+              <a:t>0.100, </a:t>
             </a:r>
             <a:r>
               <a:rPr lang="en-FR" b="1" dirty="0">
@@ -5569,7 +6099,7 @@
                 <a:latin typeface="Helvetica Neue Thin" panose="020B0403020202020204" pitchFamily="34" charset="0"/>
                 <a:ea typeface="Helvetica Neue Thin" panose="020B0403020202020204" pitchFamily="34" charset="0"/>
               </a:rPr>
-              <a:t>: 0.40024891, </a:t>
+              <a:t>: 0.400, </a:t>
             </a:r>
             <a:r>
               <a:rPr lang="en-FR" b="1" dirty="0">
@@ -5583,7 +6113,14 @@
                 <a:latin typeface="Helvetica Neue Thin" panose="020B0403020202020204" pitchFamily="34" charset="0"/>
                 <a:ea typeface="Helvetica Neue Thin" panose="020B0403020202020204" pitchFamily="34" charset="0"/>
               </a:rPr>
-              <a:t>: 0.4002464 , </a:t>
+              <a:t>: 0.400 </a:t>
+            </a:r>
+            <a:r>
+              <a:rPr lang="en-FR" dirty="0">
+                <a:latin typeface="Helvetica Neue Thin" panose="020B0403020202020204" pitchFamily="34" charset="0"/>
+                <a:ea typeface="Helvetica Neue Thin" panose="020B0403020202020204" pitchFamily="34" charset="0"/>
+              </a:rPr>
+              <a:t>, </a:t>
             </a:r>
             <a:r>
               <a:rPr lang="en-FR" b="1" dirty="0">
@@ -5597,55 +6134,88 @@
                 <a:latin typeface="Helvetica Neue Thin" panose="020B0403020202020204" pitchFamily="34" charset="0"/>
                 <a:ea typeface="Helvetica Neue Thin" panose="020B0403020202020204" pitchFamily="34" charset="0"/>
               </a:rPr>
-              <a:t>: 0.09913416] </a:t>
-            </a:r>
-          </a:p>
-          <a:p>
+              <a:t>: 0.099] </a:t>
+            </a:r>
             <a:endParaRPr lang="en-FR" dirty="0">
               <a:latin typeface="Helvetica Neue Thin" panose="020B0403020202020204" pitchFamily="34" charset="0"/>
               <a:ea typeface="Helvetica Neue Thin" panose="020B0403020202020204" pitchFamily="34" charset="0"/>
             </a:endParaRPr>
           </a:p>
           <a:p>
-            <a:r>
-              <a:rPr lang="en-FR" dirty="0">
-                <a:latin typeface="Helvetica Neue Thin" panose="020B0403020202020204" pitchFamily="34" charset="0"/>
-                <a:ea typeface="Helvetica Neue Thin" panose="020B0403020202020204" pitchFamily="34" charset="0"/>
-              </a:rPr>
-              <a:t>So </a:t>
-            </a:r>
-            <a:r>
-              <a:rPr lang="en-FR" b="1" dirty="0">
-                <a:latin typeface="Helvetica Neue Thin" panose="020B0403020202020204" pitchFamily="34" charset="0"/>
-                <a:ea typeface="Helvetica Neue Thin" panose="020B0403020202020204" pitchFamily="34" charset="0"/>
-              </a:rPr>
-              <a:t>t</a:t>
-            </a:r>
-            <a:r>
-              <a:rPr lang="en-FR" dirty="0">
-                <a:latin typeface="Helvetica Neue Thin" panose="020B0403020202020204" pitchFamily="34" charset="0"/>
-                <a:ea typeface="Helvetica Neue Thin" panose="020B0403020202020204" pitchFamily="34" charset="0"/>
-              </a:rPr>
-              <a:t> and </a:t>
-            </a:r>
-            <a:r>
-              <a:rPr lang="en-FR" b="1" dirty="0">
-                <a:latin typeface="HELVETICA NEUE THIN" panose="020B0403020202020204" pitchFamily="34" charset="0"/>
-                <a:ea typeface="HELVETICA NEUE THIN" panose="020B0403020202020204" pitchFamily="34" charset="0"/>
-              </a:rPr>
-              <a:t>t4</a:t>
-            </a:r>
-            <a:r>
-              <a:rPr lang="en-FR" dirty="0">
-                <a:latin typeface="Helvetica Neue Thin" panose="020B0403020202020204" pitchFamily="34" charset="0"/>
-                <a:ea typeface="Helvetica Neue Thin" panose="020B0403020202020204" pitchFamily="34" charset="0"/>
-              </a:rPr>
-              <a:t> now appear (more or less) equally. </a:t>
-            </a:r>
             <a:endParaRPr lang="en-FR" dirty="0">
               <a:latin typeface="Helvetica Neue Thin" panose="020B0403020202020204" pitchFamily="34" charset="0"/>
               <a:ea typeface="Helvetica Neue Thin" panose="020B0403020202020204" pitchFamily="34" charset="0"/>
             </a:endParaRPr>
+          </a:p>
+          <a:p>
+            <a:r>
+              <a:rPr lang="en-FR" dirty="0">
+                <a:latin typeface="Helvetica Neue Thin" panose="020B0403020202020204" pitchFamily="34" charset="0"/>
+                <a:ea typeface="Helvetica Neue Thin" panose="020B0403020202020204" pitchFamily="34" charset="0"/>
+              </a:rPr>
+              <a:t>So </a:t>
+            </a:r>
+            <a:r>
+              <a:rPr lang="en-FR" b="1" dirty="0">
+                <a:latin typeface="Helvetica Neue Thin" panose="020B0403020202020204" pitchFamily="34" charset="0"/>
+                <a:ea typeface="Helvetica Neue Thin" panose="020B0403020202020204" pitchFamily="34" charset="0"/>
+              </a:rPr>
+              <a:t>t</a:t>
+            </a:r>
+            <a:r>
+              <a:rPr lang="en-FR" dirty="0">
+                <a:latin typeface="Helvetica Neue Thin" panose="020B0403020202020204" pitchFamily="34" charset="0"/>
+                <a:ea typeface="Helvetica Neue Thin" panose="020B0403020202020204" pitchFamily="34" charset="0"/>
+              </a:rPr>
+              <a:t> and </a:t>
+            </a:r>
+            <a:r>
+              <a:rPr lang="en-FR" b="1" dirty="0">
+                <a:latin typeface="HELVETICA NEUE THIN" panose="020B0403020202020204" pitchFamily="34" charset="0"/>
+                <a:ea typeface="HELVETICA NEUE THIN" panose="020B0403020202020204" pitchFamily="34" charset="0"/>
+              </a:rPr>
+              <a:t>t4</a:t>
+            </a:r>
+            <a:r>
+              <a:rPr lang="en-FR" dirty="0">
+                <a:latin typeface="Helvetica Neue Thin" panose="020B0403020202020204" pitchFamily="34" charset="0"/>
+                <a:ea typeface="Helvetica Neue Thin" panose="020B0403020202020204" pitchFamily="34" charset="0"/>
+              </a:rPr>
+              <a:t> now appear (more or less) equally. </a:t>
+            </a:r>
+            <a:endParaRPr lang="en-FR" dirty="0">
+              <a:latin typeface="Helvetica Neue Thin" panose="020B0403020202020204" pitchFamily="34" charset="0"/>
+              <a:ea typeface="Helvetica Neue Thin" panose="020B0403020202020204" pitchFamily="34" charset="0"/>
+            </a:endParaRPr>
+          </a:p>
+        </p:txBody>
+      </p:sp>
+      <p:sp>
+        <p:nvSpPr>
+          <p:cNvPr id="4" name="Slide Number Placeholder 3">
+            <a:extLst>
+              <a:ext uri="{FF2B5EF4-FFF2-40B4-BE49-F238E27FC236}">
+                <a16:creationId xmlns:a16="http://schemas.microsoft.com/office/drawing/2014/main" id="{A3B802EC-9AD0-BC37-011B-AF486944E6B8}"/>
+              </a:ext>
+            </a:extLst>
+          </p:cNvPr>
+          <p:cNvSpPr>
+            <a:spLocks noGrp="1"/>
+          </p:cNvSpPr>
+          <p:nvPr>
+            <p:ph type="sldNum" sz="quarter" idx="12"/>
+          </p:nvPr>
+        </p:nvSpPr>
+        <p:spPr/>
+        <p:txBody>
+          <a:bodyPr/>
+          <a:lstStyle/>
+          <a:p>
+            <a:fld id="{4A936E34-E911-F947-B710-F12161D09F63}" type="slidenum">
+              <a:rPr lang="en-FR" smtClean="0"/>
+              <a:t>14</a:t>
+            </a:fld>
+            <a:endParaRPr lang="en-FR"/>
           </a:p>
         </p:txBody>
       </p:sp>
@@ -5720,6 +6290,35 @@
           </a:p>
         </p:txBody>
       </p:sp>
+      <p:sp>
+        <p:nvSpPr>
+          <p:cNvPr id="2" name="Slide Number Placeholder 1">
+            <a:extLst>
+              <a:ext uri="{FF2B5EF4-FFF2-40B4-BE49-F238E27FC236}">
+                <a16:creationId xmlns:a16="http://schemas.microsoft.com/office/drawing/2014/main" id="{15912553-7681-5AB4-52C1-232E24D72306}"/>
+              </a:ext>
+            </a:extLst>
+          </p:cNvPr>
+          <p:cNvSpPr>
+            <a:spLocks noGrp="1"/>
+          </p:cNvSpPr>
+          <p:nvPr>
+            <p:ph type="sldNum" sz="quarter" idx="12"/>
+          </p:nvPr>
+        </p:nvSpPr>
+        <p:spPr/>
+        <p:txBody>
+          <a:bodyPr/>
+          <a:lstStyle/>
+          <a:p>
+            <a:fld id="{4A936E34-E911-F947-B710-F12161D09F63}" type="slidenum">
+              <a:rPr lang="en-FR" smtClean="0"/>
+              <a:t>15</a:t>
+            </a:fld>
+            <a:endParaRPr lang="en-FR"/>
+          </a:p>
+        </p:txBody>
+      </p:sp>
     </p:spTree>
     <p:extLst>
       <p:ext uri="{BB962C8B-B14F-4D97-AF65-F5344CB8AC3E}">
@@ -5765,7 +6364,7 @@
         <p:spPr>
           <a:xfrm>
             <a:off x="188890" y="876951"/>
-            <a:ext cx="11638349" cy="4524315"/>
+            <a:ext cx="11638349" cy="5632311"/>
           </a:xfrm>
           <a:prstGeom prst="rect">
             <a:avLst/>
@@ -5780,6 +6379,18 @@
           <a:p>
             <a:r>
               <a:rPr lang="en-FR" b="1" dirty="0">
+                <a:solidFill>
+                  <a:srgbClr val="FF0000"/>
+                </a:solidFill>
+                <a:latin typeface="Helvetica Neue Thin" panose="020B0403020202020204" pitchFamily="34" charset="0"/>
+                <a:ea typeface="Helvetica Neue Thin" panose="020B0403020202020204" pitchFamily="34" charset="0"/>
+              </a:rPr>
+              <a:t>DEFINITION</a:t>
+            </a:r>
+          </a:p>
+          <a:p>
+            <a:r>
+              <a:rPr lang="en-FR" b="1" dirty="0">
                 <a:latin typeface="Helvetica Neue Thin" panose="020B0403020202020204" pitchFamily="34" charset="0"/>
                 <a:ea typeface="Helvetica Neue Thin" panose="020B0403020202020204" pitchFamily="34" charset="0"/>
               </a:rPr>
@@ -5841,6 +6452,25 @@
           <a:p>
             <a:r>
               <a:rPr lang="en-FR" b="1" dirty="0">
+                <a:solidFill>
+                  <a:srgbClr val="FF0000"/>
+                </a:solidFill>
+                <a:latin typeface="Helvetica Neue Thin" panose="020B0403020202020204" pitchFamily="34" charset="0"/>
+                <a:ea typeface="Helvetica Neue Thin" panose="020B0403020202020204" pitchFamily="34" charset="0"/>
+              </a:rPr>
+              <a:t>DEFINITION</a:t>
+            </a:r>
+            <a:endParaRPr lang="en-FR" b="1" dirty="0">
+              <a:solidFill>
+                <a:srgbClr val="FF0000"/>
+              </a:solidFill>
+              <a:latin typeface="HELVETICA NEUE THIN" panose="020B0403020202020204" pitchFamily="34" charset="0"/>
+              <a:ea typeface="HELVETICA NEUE THIN" panose="020B0403020202020204" pitchFamily="34" charset="0"/>
+            </a:endParaRPr>
+          </a:p>
+          <a:p>
+            <a:r>
+              <a:rPr lang="en-FR" b="1" dirty="0">
                 <a:latin typeface="HELVETICA NEUE THIN" panose="020B0403020202020204" pitchFamily="34" charset="0"/>
                 <a:ea typeface="HELVETICA NEUE THIN" panose="020B0403020202020204" pitchFamily="34" charset="0"/>
               </a:rPr>
@@ -5858,6 +6488,25 @@
             <a:endParaRPr lang="en-FR" dirty="0">
               <a:latin typeface="Helvetica Neue Thin" panose="020B0403020202020204" pitchFamily="34" charset="0"/>
               <a:ea typeface="Helvetica Neue Thin" panose="020B0403020202020204" pitchFamily="34" charset="0"/>
+            </a:endParaRPr>
+          </a:p>
+          <a:p>
+            <a:r>
+              <a:rPr lang="en-FR" b="1" dirty="0">
+                <a:solidFill>
+                  <a:srgbClr val="FF0000"/>
+                </a:solidFill>
+                <a:latin typeface="Helvetica Neue Thin" panose="020B0403020202020204" pitchFamily="34" charset="0"/>
+                <a:ea typeface="Helvetica Neue Thin" panose="020B0403020202020204" pitchFamily="34" charset="0"/>
+              </a:rPr>
+              <a:t>DEFINITION</a:t>
+            </a:r>
+            <a:endParaRPr lang="en-FR" b="1" dirty="0">
+              <a:solidFill>
+                <a:srgbClr val="FF0000"/>
+              </a:solidFill>
+              <a:latin typeface="HELVETICA NEUE THIN" panose="020B0403020202020204" pitchFamily="34" charset="0"/>
+              <a:ea typeface="HELVETICA NEUE THIN" panose="020B0403020202020204" pitchFamily="34" charset="0"/>
             </a:endParaRPr>
           </a:p>
           <a:p>
@@ -5905,11 +6554,44 @@
           </a:p>
           <a:p>
             <a:r>
+              <a:rPr lang="en-GB" b="1" dirty="0">
+                <a:latin typeface="Helvetica Neue Thin" panose="020B0403020202020204" pitchFamily="34" charset="0"/>
+                <a:ea typeface="Helvetica Neue Thin" panose="020B0403020202020204" pitchFamily="34" charset="0"/>
+              </a:rPr>
+              <a:t>﻿</a:t>
+            </a:r>
+            <a:r>
+              <a:rPr lang="en-FR" b="1" dirty="0">
+                <a:solidFill>
+                  <a:srgbClr val="FF0000"/>
+                </a:solidFill>
+                <a:latin typeface="Helvetica Neue Thin" panose="020B0403020202020204" pitchFamily="34" charset="0"/>
+                <a:ea typeface="Helvetica Neue Thin" panose="020B0403020202020204" pitchFamily="34" charset="0"/>
+              </a:rPr>
+              <a:t>DEFINITION</a:t>
+            </a:r>
+            <a:endParaRPr lang="en-GB" b="1" dirty="0">
+              <a:solidFill>
+                <a:srgbClr val="FF0000"/>
+              </a:solidFill>
+              <a:latin typeface="Helvetica Neue Thin" panose="020B0403020202020204" pitchFamily="34" charset="0"/>
+              <a:ea typeface="Helvetica Neue Thin" panose="020B0403020202020204" pitchFamily="34" charset="0"/>
+            </a:endParaRPr>
+          </a:p>
+          <a:p>
+            <a:r>
+              <a:rPr lang="en-GB" b="1" dirty="0">
+                <a:latin typeface="Helvetica Neue Thin" panose="020B0403020202020204" pitchFamily="34" charset="0"/>
+                <a:ea typeface="Helvetica Neue Thin" panose="020B0403020202020204" pitchFamily="34" charset="0"/>
+              </a:rPr>
+              <a:t>Metropolis-Hastings</a:t>
+            </a:r>
+            <a:r>
               <a:rPr lang="en-GB" dirty="0">
                 <a:latin typeface="Helvetica Neue Thin" panose="020B0403020202020204" pitchFamily="34" charset="0"/>
                 <a:ea typeface="Helvetica Neue Thin" panose="020B0403020202020204" pitchFamily="34" charset="0"/>
               </a:rPr>
-              <a:t>﻿Metropolis-Hastings: a method in MCMC used to generate a sequence of samples and bias the exploration. </a:t>
+              <a:t>: a method in MCMC used to generate a sequence of samples and bias the exploration. </a:t>
             </a:r>
             <a:endParaRPr lang="en-FR" dirty="0">
               <a:latin typeface="Helvetica Neue Thin" panose="020B0403020202020204" pitchFamily="34" charset="0"/>
@@ -5957,6 +6639,35 @@
               <a:latin typeface="Helvetica Neue Thin" panose="020B0403020202020204" pitchFamily="34" charset="0"/>
               <a:ea typeface="Helvetica Neue Thin" panose="020B0403020202020204" pitchFamily="34" charset="0"/>
             </a:endParaRPr>
+          </a:p>
+        </p:txBody>
+      </p:sp>
+      <p:sp>
+        <p:nvSpPr>
+          <p:cNvPr id="3" name="Slide Number Placeholder 2">
+            <a:extLst>
+              <a:ext uri="{FF2B5EF4-FFF2-40B4-BE49-F238E27FC236}">
+                <a16:creationId xmlns:a16="http://schemas.microsoft.com/office/drawing/2014/main" id="{9247EE46-0C93-D8D6-1900-001836B10AD5}"/>
+              </a:ext>
+            </a:extLst>
+          </p:cNvPr>
+          <p:cNvSpPr>
+            <a:spLocks noGrp="1"/>
+          </p:cNvSpPr>
+          <p:nvPr>
+            <p:ph type="sldNum" sz="quarter" idx="12"/>
+          </p:nvPr>
+        </p:nvSpPr>
+        <p:spPr/>
+        <p:txBody>
+          <a:bodyPr/>
+          <a:lstStyle/>
+          <a:p>
+            <a:fld id="{4A936E34-E911-F947-B710-F12161D09F63}" type="slidenum">
+              <a:rPr lang="en-FR" smtClean="0"/>
+              <a:t>16</a:t>
+            </a:fld>
+            <a:endParaRPr lang="en-FR"/>
           </a:p>
         </p:txBody>
       </p:sp>
@@ -6172,14 +6883,14 @@
                 <a:latin typeface="Helvetica Neue Thin" panose="020B0403020202020204" pitchFamily="34" charset="0"/>
                 <a:ea typeface="Helvetica Neue Thin" panose="020B0403020202020204" pitchFamily="34" charset="0"/>
               </a:rPr>
-              <a:t>, since in </a:t>
-            </a:r>
-            <a:r>
-              <a:rPr lang="en-FR" dirty="0">
-                <a:latin typeface="Helvetica Neue Thin" panose="020B0403020202020204" pitchFamily="34" charset="0"/>
-                <a:ea typeface="Helvetica Neue Thin" panose="020B0403020202020204" pitchFamily="34" charset="0"/>
-              </a:rPr>
-              <a:t>theory this could be  true [could probably run a static analysis to see if some transitions openly contradict some guards to filter out edges without having to run Cubicle]</a:t>
+              <a:t>, since you could expect this to be true </a:t>
+            </a:r>
+            <a:r>
+              <a:rPr lang="en-FR" dirty="0">
+                <a:latin typeface="Helvetica Neue Thin" panose="020B0403020202020204" pitchFamily="34" charset="0"/>
+                <a:ea typeface="Helvetica Neue Thin" panose="020B0403020202020204" pitchFamily="34" charset="0"/>
+              </a:rPr>
+              <a:t>[could probably run a static analysis to see if some transitions openly contradict some guards to filter out edges without having to run Cubicle]</a:t>
             </a:r>
           </a:p>
           <a:p>
@@ -6277,6 +6988,35 @@
               <a:latin typeface="Helvetica Neue Thin" panose="020B0403020202020204" pitchFamily="34" charset="0"/>
               <a:ea typeface="Helvetica Neue Thin" panose="020B0403020202020204" pitchFamily="34" charset="0"/>
             </a:endParaRPr>
+          </a:p>
+        </p:txBody>
+      </p:sp>
+      <p:sp>
+        <p:nvSpPr>
+          <p:cNvPr id="3" name="Slide Number Placeholder 2">
+            <a:extLst>
+              <a:ext uri="{FF2B5EF4-FFF2-40B4-BE49-F238E27FC236}">
+                <a16:creationId xmlns:a16="http://schemas.microsoft.com/office/drawing/2014/main" id="{9B1C4608-A6EE-673B-84DC-C221D355AB00}"/>
+              </a:ext>
+            </a:extLst>
+          </p:cNvPr>
+          <p:cNvSpPr>
+            <a:spLocks noGrp="1"/>
+          </p:cNvSpPr>
+          <p:nvPr>
+            <p:ph type="sldNum" sz="quarter" idx="12"/>
+          </p:nvPr>
+        </p:nvSpPr>
+        <p:spPr/>
+        <p:txBody>
+          <a:bodyPr/>
+          <a:lstStyle/>
+          <a:p>
+            <a:fld id="{4A936E34-E911-F947-B710-F12161D09F63}" type="slidenum">
+              <a:rPr lang="en-FR" smtClean="0"/>
+              <a:t>17</a:t>
+            </a:fld>
+            <a:endParaRPr lang="en-FR"/>
           </a:p>
         </p:txBody>
       </p:sp>
@@ -6358,7 +7098,14 @@
                 <a:latin typeface="Helvetica Neue Thin" panose="020B0403020202020204" pitchFamily="34" charset="0"/>
                 <a:ea typeface="Helvetica Neue Thin" panose="020B0403020202020204" pitchFamily="34" charset="0"/>
               </a:rPr>
-              <a:t>In theory:                                                                      In reality:</a:t>
+              <a:t>Expectation:                                                        Reality</a:t>
+            </a:r>
+            <a:r>
+              <a:rPr lang="en-FR" dirty="0">
+                <a:latin typeface="Helvetica Neue Thin" panose="020B0403020202020204" pitchFamily="34" charset="0"/>
+                <a:ea typeface="Helvetica Neue Thin" panose="020B0403020202020204" pitchFamily="34" charset="0"/>
+              </a:rPr>
+              <a:t>:</a:t>
             </a:r>
           </a:p>
         </p:txBody>
@@ -9129,6 +9876,35 @@
           </a:p>
         </p:txBody>
       </p:sp>
+      <p:sp>
+        <p:nvSpPr>
+          <p:cNvPr id="14" name="Slide Number Placeholder 13">
+            <a:extLst>
+              <a:ext uri="{FF2B5EF4-FFF2-40B4-BE49-F238E27FC236}">
+                <a16:creationId xmlns:a16="http://schemas.microsoft.com/office/drawing/2014/main" id="{A58F2588-8C43-F00E-BEB8-E773BF43CCF1}"/>
+              </a:ext>
+            </a:extLst>
+          </p:cNvPr>
+          <p:cNvSpPr>
+            <a:spLocks noGrp="1"/>
+          </p:cNvSpPr>
+          <p:nvPr>
+            <p:ph type="sldNum" sz="quarter" idx="12"/>
+          </p:nvPr>
+        </p:nvSpPr>
+        <p:spPr/>
+        <p:txBody>
+          <a:bodyPr/>
+          <a:lstStyle/>
+          <a:p>
+            <a:fld id="{4A936E34-E911-F947-B710-F12161D09F63}" type="slidenum">
+              <a:rPr lang="en-FR" smtClean="0"/>
+              <a:t>18</a:t>
+            </a:fld>
+            <a:endParaRPr lang="en-FR"/>
+          </a:p>
+        </p:txBody>
+      </p:sp>
     </p:spTree>
     <p:extLst>
       <p:ext uri="{BB962C8B-B14F-4D97-AF65-F5344CB8AC3E}">
@@ -10092,14 +10868,14 @@
                 <a:latin typeface="Helvetica Neue Thin" panose="020B0403020202020204" pitchFamily="34" charset="0"/>
                 <a:ea typeface="Helvetica Neue Thin" panose="020B0403020202020204" pitchFamily="34" charset="0"/>
               </a:rPr>
-              <a:t>in the running example, after a test-run (1 000 000 steps</a:t>
-            </a:r>
-            <a:r>
-              <a:rPr lang="en-FR" dirty="0">
-                <a:latin typeface="Helvetica Neue Thin" panose="020B0403020202020204" pitchFamily="34" charset="0"/>
-                <a:ea typeface="Helvetica Neue Thin" panose="020B0403020202020204" pitchFamily="34" charset="0"/>
-              </a:rPr>
-              <a:t>)</a:t>
+              <a:t>in the running example, after a test-run (1 000 </a:t>
+            </a:r>
+            <a:r>
+              <a:rPr lang="en-FR" dirty="0">
+                <a:latin typeface="Helvetica Neue Thin" panose="020B0403020202020204" pitchFamily="34" charset="0"/>
+                <a:ea typeface="Helvetica Neue Thin" panose="020B0403020202020204" pitchFamily="34" charset="0"/>
+              </a:rPr>
+              <a:t>000 Monte Carlo steps)</a:t>
             </a:r>
           </a:p>
           <a:p>
@@ -10382,6 +11158,35 @@
               <a:latin typeface="Helvetica Neue Thin" panose="020B0403020202020204" pitchFamily="34" charset="0"/>
               <a:ea typeface="Helvetica Neue Thin" panose="020B0403020202020204" pitchFamily="34" charset="0"/>
             </a:endParaRPr>
+          </a:p>
+        </p:txBody>
+      </p:sp>
+      <p:sp>
+        <p:nvSpPr>
+          <p:cNvPr id="10" name="Slide Number Placeholder 9">
+            <a:extLst>
+              <a:ext uri="{FF2B5EF4-FFF2-40B4-BE49-F238E27FC236}">
+                <a16:creationId xmlns:a16="http://schemas.microsoft.com/office/drawing/2014/main" id="{A82DDD0F-DA7E-91CC-ADED-D1A8398E56A5}"/>
+              </a:ext>
+            </a:extLst>
+          </p:cNvPr>
+          <p:cNvSpPr>
+            <a:spLocks noGrp="1"/>
+          </p:cNvSpPr>
+          <p:nvPr>
+            <p:ph type="sldNum" sz="quarter" idx="12"/>
+          </p:nvPr>
+        </p:nvSpPr>
+        <p:spPr/>
+        <p:txBody>
+          <a:bodyPr/>
+          <a:lstStyle/>
+          <a:p>
+            <a:fld id="{4A936E34-E911-F947-B710-F12161D09F63}" type="slidenum">
+              <a:rPr lang="en-FR" smtClean="0"/>
+              <a:t>19</a:t>
+            </a:fld>
+            <a:endParaRPr lang="en-FR"/>
           </a:p>
         </p:txBody>
       </p:sp>
@@ -10450,8 +11255,23 @@
                 <a:ea typeface="Helvetica Neue Thin" panose="020B0403020202020204" pitchFamily="34" charset="0"/>
                 <a:cs typeface="Times New Roman" panose="02020603050405020304" pitchFamily="18" charset="0"/>
               </a:rPr>
-              <a:t>Run Cubicle forward to explore the model fairly.</a:t>
-            </a:r>
+              <a:t>Run Cubicle forward to explore </a:t>
+            </a:r>
+            <a:r>
+              <a:rPr lang="en-US" sz="1800" dirty="0">
+                <a:effectLst/>
+                <a:latin typeface="Helvetica Neue Thin" panose="020B0403020202020204" pitchFamily="34" charset="0"/>
+                <a:ea typeface="Helvetica Neue Thin" panose="020B0403020202020204" pitchFamily="34" charset="0"/>
+                <a:cs typeface="Times New Roman" panose="02020603050405020304" pitchFamily="18" charset="0"/>
+              </a:rPr>
+              <a:t>the model evenly.</a:t>
+            </a:r>
+            <a:endParaRPr lang="en-US" sz="1800" dirty="0">
+              <a:effectLst/>
+              <a:latin typeface="Helvetica Neue Thin" panose="020B0403020202020204" pitchFamily="34" charset="0"/>
+              <a:ea typeface="Helvetica Neue Thin" panose="020B0403020202020204" pitchFamily="34" charset="0"/>
+              <a:cs typeface="Times New Roman" panose="02020603050405020304" pitchFamily="18" charset="0"/>
+            </a:endParaRPr>
           </a:p>
           <a:p>
             <a:endParaRPr lang="en-US" sz="800" dirty="0">
@@ -10477,7 +11297,16 @@
                 <a:ea typeface="Helvetica Neue Thin" panose="020B0403020202020204" pitchFamily="34" charset="0"/>
                 <a:cs typeface="Times New Roman" panose="02020603050405020304" pitchFamily="18" charset="0"/>
               </a:rPr>
-              <a:t>f a behavior that leads to a transition is rare then a simple random generation might not go that way enough times. The exploration is unfair. </a:t>
+              <a:t>f a behavior that leads to a transition is rare then a simple random generation might not go that way enough times. The exploration </a:t>
+            </a:r>
+            <a:r>
+              <a:rPr lang="en-US" sz="1800" dirty="0">
+                <a:effectLst/>
+                <a:latin typeface="Helvetica Neue Thin" panose="020B0403020202020204" pitchFamily="34" charset="0"/>
+                <a:ea typeface="Helvetica Neue Thin" panose="020B0403020202020204" pitchFamily="34" charset="0"/>
+                <a:cs typeface="Times New Roman" panose="02020603050405020304" pitchFamily="18" charset="0"/>
+              </a:rPr>
+              <a:t>is uneven. </a:t>
             </a:r>
             <a:endParaRPr lang="en-FR" sz="1800" dirty="0">
               <a:effectLst/>
@@ -10522,25 +11351,22 @@
             <a:r>
               <a:rPr lang="en-FR" dirty="0">
                 <a:solidFill>
-                  <a:srgbClr val="00FA00"/>
+                  <a:srgbClr val="00B050"/>
                 </a:solidFill>
                 <a:latin typeface="Helvetica Neue Thin" panose="020B0403020202020204" pitchFamily="34" charset="0"/>
                 <a:ea typeface="Helvetica Neue Thin" panose="020B0403020202020204" pitchFamily="34" charset="0"/>
                 <a:cs typeface="Helvetica Neue" panose="02000503000000020004" pitchFamily="2" charset="0"/>
               </a:rPr>
-              <a:t>Running example: </a:t>
-            </a:r>
-            <a:r>
-              <a:rPr lang="en-FR" dirty="0">
-                <a:solidFill>
-                  <a:srgbClr val="00FA00"/>
-                </a:solidFill>
-                <a:latin typeface="Helvetica Neue Thin" panose="020B0403020202020204" pitchFamily="34" charset="0"/>
-                <a:ea typeface="Helvetica Neue Thin" panose="020B0403020202020204" pitchFamily="34" charset="0"/>
-                <a:cs typeface="Helvetica Neue" panose="02000503000000020004" pitchFamily="2" charset="0"/>
-              </a:rPr>
-              <a:t>cascading if </a:t>
-            </a:r>
+              <a:t>Running example: cascading if </a:t>
+            </a:r>
+            <a:endParaRPr lang="en-FR" dirty="0">
+              <a:solidFill>
+                <a:srgbClr val="00B050"/>
+              </a:solidFill>
+              <a:latin typeface="Helvetica Neue Thin" panose="020B0403020202020204" pitchFamily="34" charset="0"/>
+              <a:ea typeface="Helvetica Neue Thin" panose="020B0403020202020204" pitchFamily="34" charset="0"/>
+              <a:cs typeface="Helvetica Neue" panose="02000503000000020004" pitchFamily="2" charset="0"/>
+            </a:endParaRPr>
           </a:p>
         </p:txBody>
       </p:sp>
@@ -10926,28 +11752,39 @@
             </a:r>
             <a:r>
               <a:rPr lang="en-FR" dirty="0">
+                <a:latin typeface="Cambria Math" panose="02040503050406030204" pitchFamily="18" charset="0"/>
+                <a:ea typeface="Cambria Math" panose="02040503050406030204" pitchFamily="18" charset="0"/>
+              </a:rPr>
+              <a:t>t</a:t>
+            </a:r>
+            <a:r>
+              <a:rPr lang="en-FR" dirty="0">
                 <a:solidFill>
                   <a:srgbClr val="00B050"/>
                 </a:solidFill>
+              </a:rPr>
+              <a:t> </a:t>
+            </a:r>
+            <a:r>
+              <a:rPr lang="en-FR" dirty="0">
+                <a:latin typeface="Helvetica Neue Thin" panose="020B0403020202020204" pitchFamily="34" charset="0"/>
+                <a:ea typeface="Helvetica Neue Thin" panose="020B0403020202020204" pitchFamily="34" charset="0"/>
+              </a:rPr>
+              <a:t>has a harder to reach </a:t>
+            </a:r>
+            <a:r>
+              <a:rPr lang="en-FR" dirty="0">
                 <a:latin typeface="Cambria Math" panose="02040503050406030204" pitchFamily="18" charset="0"/>
                 <a:ea typeface="Cambria Math" panose="02040503050406030204" pitchFamily="18" charset="0"/>
               </a:rPr>
-              <a:t>t</a:t>
-            </a:r>
-            <a:r>
-              <a:rPr lang="en-FR" dirty="0">
-                <a:solidFill>
-                  <a:srgbClr val="00B050"/>
-                </a:solidFill>
-              </a:rPr>
-              <a:t> </a:t>
-            </a:r>
-            <a:r>
-              <a:rPr lang="en-FR" dirty="0">
-                <a:latin typeface="Helvetica Neue Thin" panose="020B0403020202020204" pitchFamily="34" charset="0"/>
-                <a:ea typeface="Helvetica Neue Thin" panose="020B0403020202020204" pitchFamily="34" charset="0"/>
-              </a:rPr>
-              <a:t>has a harder to reach require than </a:t>
+              <a:t>require</a:t>
+            </a:r>
+            <a:r>
+              <a:rPr lang="en-FR" dirty="0">
+                <a:latin typeface="Helvetica Neue Thin" panose="020B0403020202020204" pitchFamily="34" charset="0"/>
+                <a:ea typeface="Helvetica Neue Thin" panose="020B0403020202020204" pitchFamily="34" charset="0"/>
+              </a:rPr>
+              <a:t> than </a:t>
             </a:r>
             <a:r>
               <a:rPr lang="en-FR" dirty="0">
@@ -10974,7 +11811,21 @@
                 <a:latin typeface="Helvetica Neue Thin" panose="020B0403020202020204" pitchFamily="34" charset="0"/>
                 <a:ea typeface="Helvetica Neue Thin" panose="020B0403020202020204" pitchFamily="34" charset="0"/>
               </a:rPr>
-              <a:t>Final count: t is taken </a:t>
+              <a:t>Final count: </a:t>
+            </a:r>
+            <a:r>
+              <a:rPr lang="en-FR" dirty="0">
+                <a:latin typeface="Cambria Math" panose="02040503050406030204" pitchFamily="18" charset="0"/>
+                <a:ea typeface="Cambria Math" panose="02040503050406030204" pitchFamily="18" charset="0"/>
+              </a:rPr>
+              <a:t>t</a:t>
+            </a:r>
+            <a:r>
+              <a:rPr lang="en-FR" dirty="0">
+                <a:latin typeface="Helvetica Neue Thin" panose="020B0403020202020204" pitchFamily="34" charset="0"/>
+                <a:ea typeface="Helvetica Neue Thin" panose="020B0403020202020204" pitchFamily="34" charset="0"/>
+              </a:rPr>
+              <a:t> is taken </a:t>
             </a:r>
             <a:r>
               <a:rPr lang="en-FR" dirty="0">
@@ -11216,6 +12067,35 @@
               </a:rPr>
               <a:t>.</a:t>
             </a:r>
+          </a:p>
+        </p:txBody>
+      </p:sp>
+      <p:sp>
+        <p:nvSpPr>
+          <p:cNvPr id="2" name="Slide Number Placeholder 1">
+            <a:extLst>
+              <a:ext uri="{FF2B5EF4-FFF2-40B4-BE49-F238E27FC236}">
+                <a16:creationId xmlns:a16="http://schemas.microsoft.com/office/drawing/2014/main" id="{9123FEC0-9572-F18C-4C62-73A4414C5C82}"/>
+              </a:ext>
+            </a:extLst>
+          </p:cNvPr>
+          <p:cNvSpPr>
+            <a:spLocks noGrp="1"/>
+          </p:cNvSpPr>
+          <p:nvPr>
+            <p:ph type="sldNum" sz="quarter" idx="12"/>
+          </p:nvPr>
+        </p:nvSpPr>
+        <p:spPr/>
+        <p:txBody>
+          <a:bodyPr/>
+          <a:lstStyle/>
+          <a:p>
+            <a:fld id="{4A936E34-E911-F947-B710-F12161D09F63}" type="slidenum">
+              <a:rPr lang="en-FR" smtClean="0"/>
+              <a:t>2</a:t>
+            </a:fld>
+            <a:endParaRPr lang="en-FR"/>
           </a:p>
         </p:txBody>
       </p:sp>
@@ -11654,6 +12534,35 @@
               <a:latin typeface="Helvetica Neue Thin" panose="020B0403020202020204" pitchFamily="34" charset="0"/>
               <a:ea typeface="Helvetica Neue Thin" panose="020B0403020202020204" pitchFamily="34" charset="0"/>
             </a:endParaRPr>
+          </a:p>
+        </p:txBody>
+      </p:sp>
+      <p:sp>
+        <p:nvSpPr>
+          <p:cNvPr id="8" name="Slide Number Placeholder 7">
+            <a:extLst>
+              <a:ext uri="{FF2B5EF4-FFF2-40B4-BE49-F238E27FC236}">
+                <a16:creationId xmlns:a16="http://schemas.microsoft.com/office/drawing/2014/main" id="{1F1E6766-A413-0D4A-2A17-C1065495A092}"/>
+              </a:ext>
+            </a:extLst>
+          </p:cNvPr>
+          <p:cNvSpPr>
+            <a:spLocks noGrp="1"/>
+          </p:cNvSpPr>
+          <p:nvPr>
+            <p:ph type="sldNum" sz="quarter" idx="12"/>
+          </p:nvPr>
+        </p:nvSpPr>
+        <p:spPr/>
+        <p:txBody>
+          <a:bodyPr/>
+          <a:lstStyle/>
+          <a:p>
+            <a:fld id="{4A936E34-E911-F947-B710-F12161D09F63}" type="slidenum">
+              <a:rPr lang="en-FR" smtClean="0"/>
+              <a:t>20</a:t>
+            </a:fld>
+            <a:endParaRPr lang="en-FR"/>
           </a:p>
         </p:txBody>
       </p:sp>
@@ -12118,7 +13027,7 @@
                 <a:ea typeface="Helvetica Neue Thin" panose="020B0403020202020204" pitchFamily="34" charset="0"/>
                 <a:cs typeface="Helvetica Neue" panose="02000503000000020004" pitchFamily="2" charset="0"/>
               </a:rPr>
-              <a:t>Entropy</a:t>
+              <a:t>Information Entropy</a:t>
             </a:r>
             <a:endParaRPr lang="en-FR" sz="2000" dirty="0">
               <a:latin typeface="Helvetica Neue Thin" panose="020B0403020202020204" pitchFamily="34" charset="0"/>
@@ -14230,6 +15139,35 @@
           </p:sp>
         </mc:Fallback>
       </mc:AlternateContent>
+      <p:sp>
+        <p:nvSpPr>
+          <p:cNvPr id="6" name="Slide Number Placeholder 5">
+            <a:extLst>
+              <a:ext uri="{FF2B5EF4-FFF2-40B4-BE49-F238E27FC236}">
+                <a16:creationId xmlns:a16="http://schemas.microsoft.com/office/drawing/2014/main" id="{87C166E6-C4EF-7737-38CD-C978B99BD510}"/>
+              </a:ext>
+            </a:extLst>
+          </p:cNvPr>
+          <p:cNvSpPr>
+            <a:spLocks noGrp="1"/>
+          </p:cNvSpPr>
+          <p:nvPr>
+            <p:ph type="sldNum" sz="quarter" idx="12"/>
+          </p:nvPr>
+        </p:nvSpPr>
+        <p:spPr/>
+        <p:txBody>
+          <a:bodyPr/>
+          <a:lstStyle/>
+          <a:p>
+            <a:fld id="{4A936E34-E911-F947-B710-F12161D09F63}" type="slidenum">
+              <a:rPr lang="en-FR" smtClean="0"/>
+              <a:t>21</a:t>
+            </a:fld>
+            <a:endParaRPr lang="en-FR"/>
+          </a:p>
+        </p:txBody>
+      </p:sp>
     </p:spTree>
     <p:extLst>
       <p:ext uri="{BB962C8B-B14F-4D97-AF65-F5344CB8AC3E}">
@@ -14274,8 +15212,8 @@
         </p:nvSpPr>
         <p:spPr>
           <a:xfrm>
-            <a:off x="188890" y="876951"/>
-            <a:ext cx="11638349" cy="4801314"/>
+            <a:off x="188891" y="586610"/>
+            <a:ext cx="11638349" cy="5909310"/>
           </a:xfrm>
           <a:prstGeom prst="rect">
             <a:avLst/>
@@ -14385,6 +15323,19 @@
             </a:r>
           </a:p>
           <a:p>
+            <a:pPr marL="742950" lvl="1" indent="-285750">
+              <a:buFont typeface="Arial" panose="020B0604020202020204" pitchFamily="34" charset="0"/>
+              <a:buChar char="•"/>
+            </a:pPr>
+            <a:r>
+              <a:rPr lang="en-FR" dirty="0">
+                <a:latin typeface="Helvetica Neue Thin" panose="020B0403020202020204" pitchFamily="34" charset="0"/>
+                <a:ea typeface="Helvetica Neue Thin" panose="020B0403020202020204" pitchFamily="34" charset="0"/>
+              </a:rPr>
+              <a:t>Stable / Stationary state: over time, this is how the transition distribution will look like</a:t>
+            </a:r>
+          </a:p>
+          <a:p>
             <a:pPr lvl="1"/>
             <a:endParaRPr lang="en-FR" dirty="0">
               <a:latin typeface="Helvetica Neue Thin" panose="020B0403020202020204" pitchFamily="34" charset="0"/>
@@ -14486,7 +15437,27 @@
                 <a:latin typeface="Helvetica Neue Thin" panose="020B0403020202020204" pitchFamily="34" charset="0"/>
                 <a:ea typeface="Helvetica Neue Thin" panose="020B0403020202020204" pitchFamily="34" charset="0"/>
               </a:rPr>
-              <a:t>How entropy evolves </a:t>
+              <a:t>How entropy evolves</a:t>
+            </a:r>
+          </a:p>
+          <a:p>
+            <a:pPr marL="742950" lvl="1" indent="-285750">
+              <a:buFont typeface="Arial" panose="020B0604020202020204" pitchFamily="34" charset="0"/>
+              <a:buChar char="•"/>
+            </a:pPr>
+            <a:r>
+              <a:rPr lang="en-GB" dirty="0">
+                <a:latin typeface="Helvetica Neue Thin" panose="020B0403020202020204" pitchFamily="34" charset="0"/>
+                <a:ea typeface="Helvetica Neue Thin" panose="020B0403020202020204" pitchFamily="34" charset="0"/>
+              </a:rPr>
+              <a:t>T</a:t>
+            </a:r>
+            <a:r>
+              <a:rPr lang="en-FR" dirty="0">
+                <a:latin typeface="Helvetica Neue Thin" panose="020B0403020202020204" pitchFamily="34" charset="0"/>
+                <a:ea typeface="Helvetica Neue Thin" panose="020B0403020202020204" pitchFamily="34" charset="0"/>
+              </a:rPr>
+              <a:t>racking the entropy of each transition will allow you to deduce whether or not the transition is succeptible to the order of execution. If the entropy is more or less stable, then the transition doesn’t depend on its history. If the entropy fluctuates, then you might need to consider Memory-Enhanced Metropolis.</a:t>
             </a:r>
             <a:endParaRPr lang="en-GB" dirty="0">
               <a:latin typeface="Helvetica Neue Thin" panose="020B0403020202020204" pitchFamily="34" charset="0"/>
@@ -14534,6 +15505,35 @@
               <a:latin typeface="Helvetica Neue Thin" panose="020B0403020202020204" pitchFamily="34" charset="0"/>
               <a:ea typeface="Helvetica Neue Thin" panose="020B0403020202020204" pitchFamily="34" charset="0"/>
             </a:endParaRPr>
+          </a:p>
+        </p:txBody>
+      </p:sp>
+      <p:sp>
+        <p:nvSpPr>
+          <p:cNvPr id="3" name="Slide Number Placeholder 2">
+            <a:extLst>
+              <a:ext uri="{FF2B5EF4-FFF2-40B4-BE49-F238E27FC236}">
+                <a16:creationId xmlns:a16="http://schemas.microsoft.com/office/drawing/2014/main" id="{33D5C72B-E230-3A3A-8C54-D6076FC14789}"/>
+              </a:ext>
+            </a:extLst>
+          </p:cNvPr>
+          <p:cNvSpPr>
+            <a:spLocks noGrp="1"/>
+          </p:cNvSpPr>
+          <p:nvPr>
+            <p:ph type="sldNum" sz="quarter" idx="12"/>
+          </p:nvPr>
+        </p:nvSpPr>
+        <p:spPr/>
+        <p:txBody>
+          <a:bodyPr/>
+          <a:lstStyle/>
+          <a:p>
+            <a:fld id="{4A936E34-E911-F947-B710-F12161D09F63}" type="slidenum">
+              <a:rPr lang="en-FR" smtClean="0"/>
+              <a:t>22</a:t>
+            </a:fld>
+            <a:endParaRPr lang="en-FR"/>
           </a:p>
         </p:txBody>
       </p:sp>
@@ -14569,228 +15569,78 @@
       </p:grpSpPr>
       <p:sp>
         <p:nvSpPr>
-          <p:cNvPr id="4" name="TextBox 3">
-            <a:extLst>
-              <a:ext uri="{FF2B5EF4-FFF2-40B4-BE49-F238E27FC236}">
-                <a16:creationId xmlns:a16="http://schemas.microsoft.com/office/drawing/2014/main" id="{10DEA0E4-DA7F-E905-D91F-6C01DD4C8C81}"/>
-              </a:ext>
-            </a:extLst>
-          </p:cNvPr>
-          <p:cNvSpPr txBox="1"/>
-          <p:nvPr/>
+          <p:cNvPr id="4" name="Title 3">
+            <a:extLst>
+              <a:ext uri="{FF2B5EF4-FFF2-40B4-BE49-F238E27FC236}">
+                <a16:creationId xmlns:a16="http://schemas.microsoft.com/office/drawing/2014/main" id="{7C5D90E7-82C4-D596-1080-E4071F572EF8}"/>
+              </a:ext>
+            </a:extLst>
+          </p:cNvPr>
+          <p:cNvSpPr>
+            <a:spLocks noGrp="1"/>
+          </p:cNvSpPr>
+          <p:nvPr>
+            <p:ph type="title"/>
+          </p:nvPr>
         </p:nvSpPr>
         <p:spPr>
           <a:xfrm>
-            <a:off x="188891" y="124945"/>
-            <a:ext cx="7456093" cy="461665"/>
+            <a:off x="838200" y="2766218"/>
+            <a:ext cx="10515600" cy="1325563"/>
           </a:xfrm>
-          <a:prstGeom prst="rect">
-            <a:avLst/>
-          </a:prstGeom>
-          <a:noFill/>
         </p:spPr>
         <p:txBody>
-          <a:bodyPr wrap="square" rtlCol="0">
-            <a:spAutoFit/>
-          </a:bodyPr>
+          <a:bodyPr/>
           <a:lstStyle/>
           <a:p>
-            <a:r>
-              <a:rPr lang="en-US" sz="2400" dirty="0" err="1"/>
-              <a:t>Dekker.cub</a:t>
-            </a:r>
-            <a:r>
-              <a:rPr lang="en-US" sz="2400" dirty="0"/>
-              <a:t> [maximizing entropy] [grouped transitions]</a:t>
-            </a:r>
-            <a:endParaRPr lang="en-FR" sz="2000" dirty="0"/>
+            <a:pPr algn="ctr"/>
+            <a:r>
+              <a:rPr lang="en-FR" dirty="0">
+                <a:latin typeface="Helvetica Neue Thin" panose="020B0403020202020204" pitchFamily="34" charset="0"/>
+                <a:ea typeface="Helvetica Neue Thin" panose="020B0403020202020204" pitchFamily="34" charset="0"/>
+              </a:rPr>
+              <a:t>The method with various Cubicle models</a:t>
+            </a:r>
+            <a:endParaRPr lang="en-FR" dirty="0">
+              <a:latin typeface="Helvetica Neue Thin" panose="020B0403020202020204" pitchFamily="34" charset="0"/>
+              <a:ea typeface="Helvetica Neue Thin" panose="020B0403020202020204" pitchFamily="34" charset="0"/>
+            </a:endParaRPr>
           </a:p>
         </p:txBody>
       </p:sp>
       <p:sp>
         <p:nvSpPr>
-          <p:cNvPr id="5" name="TextBox 4">
-            <a:extLst>
-              <a:ext uri="{FF2B5EF4-FFF2-40B4-BE49-F238E27FC236}">
-                <a16:creationId xmlns:a16="http://schemas.microsoft.com/office/drawing/2014/main" id="{D51E0414-BA4B-94E1-C01E-E0863EDB6501}"/>
-              </a:ext>
-            </a:extLst>
-          </p:cNvPr>
-          <p:cNvSpPr txBox="1"/>
-          <p:nvPr/>
+          <p:cNvPr id="2" name="Slide Number Placeholder 1">
+            <a:extLst>
+              <a:ext uri="{FF2B5EF4-FFF2-40B4-BE49-F238E27FC236}">
+                <a16:creationId xmlns:a16="http://schemas.microsoft.com/office/drawing/2014/main" id="{8AA93F7D-F086-707A-3DB0-1C2E2EEA4CA0}"/>
+              </a:ext>
+            </a:extLst>
+          </p:cNvPr>
+          <p:cNvSpPr>
+            <a:spLocks noGrp="1"/>
+          </p:cNvSpPr>
+          <p:nvPr>
+            <p:ph type="sldNum" sz="quarter" idx="12"/>
+          </p:nvPr>
         </p:nvSpPr>
-        <p:spPr>
-          <a:xfrm>
-            <a:off x="188890" y="876951"/>
-            <a:ext cx="11638349" cy="3970318"/>
-          </a:xfrm>
-          <a:prstGeom prst="rect">
-            <a:avLst/>
-          </a:prstGeom>
-          <a:noFill/>
-        </p:spPr>
+        <p:spPr/>
         <p:txBody>
-          <a:bodyPr wrap="square" rtlCol="0">
-            <a:spAutoFit/>
-          </a:bodyPr>
+          <a:bodyPr/>
           <a:lstStyle/>
           <a:p>
-            <a:r>
-              <a:rPr lang="en-FR" dirty="0">
-                <a:latin typeface="Helvetica Neue Thin" panose="020B0403020202020204" pitchFamily="34" charset="0"/>
-                <a:ea typeface="Helvetica Neue Thin" panose="020B0403020202020204" pitchFamily="34" charset="0"/>
-              </a:rPr>
-              <a:t>Data log file: </a:t>
-            </a:r>
-            <a:r>
-              <a:rPr lang="en-GB" dirty="0">
-                <a:latin typeface="Helvetica Neue Thin" panose="020B0403020202020204" pitchFamily="34" charset="0"/>
-                <a:ea typeface="Helvetica Neue Thin" panose="020B0403020202020204" pitchFamily="34" charset="0"/>
-              </a:rPr>
-              <a:t>dekker.cub1678120844.data</a:t>
-            </a:r>
-          </a:p>
-          <a:p>
-            <a:endParaRPr lang="en-FR" dirty="0">
-              <a:latin typeface="Helvetica Neue Thin" panose="020B0403020202020204" pitchFamily="34" charset="0"/>
-              <a:ea typeface="Helvetica Neue Thin" panose="020B0403020202020204" pitchFamily="34" charset="0"/>
-            </a:endParaRPr>
-          </a:p>
-          <a:p>
-            <a:r>
-              <a:rPr lang="en-FR" dirty="0">
-                <a:latin typeface="Helvetica Neue Thin" panose="020B0403020202020204" pitchFamily="34" charset="0"/>
-                <a:ea typeface="Helvetica Neue Thin" panose="020B0403020202020204" pitchFamily="34" charset="0"/>
-              </a:rPr>
-              <a:t>Transition matrix</a:t>
-            </a:r>
-          </a:p>
-          <a:p>
-            <a:r>
-              <a:rPr lang="en-GB" dirty="0"/>
-              <a:t>+----------------+-----------------+----------------+----------------+</a:t>
-            </a:r>
-          </a:p>
-          <a:p>
-            <a:r>
-              <a:rPr lang="en-GB" dirty="0"/>
-              <a:t>|                      |   enter          |    exit           |     </a:t>
-            </a:r>
-            <a:r>
-              <a:rPr lang="en-GB" dirty="0" err="1"/>
-              <a:t>req</a:t>
-            </a:r>
-            <a:r>
-              <a:rPr lang="en-GB" dirty="0"/>
-              <a:t>           |</a:t>
-            </a:r>
-          </a:p>
-          <a:p>
-            <a:r>
-              <a:rPr lang="en-GB" dirty="0"/>
-              <a:t>+==========+==========+==========+==========+</a:t>
-            </a:r>
-          </a:p>
-          <a:p>
-            <a:r>
-              <a:rPr lang="en-GB" dirty="0"/>
-              <a:t>| enter           | 0                   | 0.834687    | 0.165313     |</a:t>
-            </a:r>
-          </a:p>
-          <a:p>
-            <a:r>
-              <a:rPr lang="en-GB" dirty="0"/>
-              <a:t>+----------------+-----------------+----------------+----------------+</a:t>
-            </a:r>
-          </a:p>
-          <a:p>
-            <a:r>
-              <a:rPr lang="en-GB" dirty="0"/>
-              <a:t>| exit              | 0.346006     | 0                   | 0.653994    |</a:t>
-            </a:r>
-          </a:p>
-          <a:p>
-            <a:r>
-              <a:rPr lang="en-GB" dirty="0"/>
-              <a:t>+----------------+-----------------+----------------+----------------+</a:t>
-            </a:r>
-          </a:p>
-          <a:p>
-            <a:r>
-              <a:rPr lang="en-GB" dirty="0"/>
-              <a:t>| </a:t>
-            </a:r>
-            <a:r>
-              <a:rPr lang="en-GB" dirty="0" err="1"/>
-              <a:t>req</a:t>
-            </a:r>
-            <a:r>
-              <a:rPr lang="en-GB" dirty="0"/>
-              <a:t>               | 0.653972.    | 0.165305    | 0.180723.   |</a:t>
-            </a:r>
-          </a:p>
-          <a:p>
-            <a:r>
-              <a:rPr lang="en-GB" dirty="0"/>
-              <a:t>+----------------+-----------------+----------------+----------------+</a:t>
-            </a:r>
-          </a:p>
-          <a:p>
-            <a:endParaRPr lang="en-GB" dirty="0"/>
-          </a:p>
-          <a:p>
-            <a:r>
-              <a:rPr lang="en-GB" dirty="0"/>
-              <a:t>Steady states: [0.33332976, 0.33332916, 0.33334108] -&gt; every transition is hit more or less the same amount of times</a:t>
-            </a:r>
-          </a:p>
-        </p:txBody>
-      </p:sp>
-      <p:sp>
-        <p:nvSpPr>
-          <p:cNvPr id="6" name="TextBox 5">
-            <a:extLst>
-              <a:ext uri="{FF2B5EF4-FFF2-40B4-BE49-F238E27FC236}">
-                <a16:creationId xmlns:a16="http://schemas.microsoft.com/office/drawing/2014/main" id="{8FA419B3-7055-0B65-8D3F-D64BC0C8E450}"/>
-              </a:ext>
-            </a:extLst>
-          </p:cNvPr>
-          <p:cNvSpPr txBox="1"/>
-          <p:nvPr/>
-        </p:nvSpPr>
-        <p:spPr>
-          <a:xfrm>
-            <a:off x="5546361" y="1836322"/>
-            <a:ext cx="5921114" cy="1477328"/>
-          </a:xfrm>
-          <a:prstGeom prst="rect">
-            <a:avLst/>
-          </a:prstGeom>
-          <a:noFill/>
-        </p:spPr>
-        <p:txBody>
-          <a:bodyPr wrap="square" rtlCol="0">
-            <a:spAutoFit/>
-          </a:bodyPr>
-          <a:lstStyle/>
-          <a:p>
-            <a:r>
-              <a:rPr lang="en-FR" dirty="0"/>
-              <a:t>The matrix describes expected behaviors, for example you can’t have two enters following each other.</a:t>
-            </a:r>
-          </a:p>
-          <a:p>
-            <a:r>
-              <a:rPr lang="en-FR" dirty="0"/>
-              <a:t>Sometimes grouped transitions aren’t clear enough about the behavior, so a more detailed transition matrix can be built [see next slide]</a:t>
-            </a:r>
+            <a:fld id="{4A936E34-E911-F947-B710-F12161D09F63}" type="slidenum">
+              <a:rPr lang="en-FR" smtClean="0"/>
+              <a:t>23</a:t>
+            </a:fld>
+            <a:endParaRPr lang="en-FR"/>
           </a:p>
         </p:txBody>
       </p:sp>
     </p:spTree>
     <p:extLst>
       <p:ext uri="{BB962C8B-B14F-4D97-AF65-F5344CB8AC3E}">
-        <p14:creationId xmlns:p14="http://schemas.microsoft.com/office/powerpoint/2010/main" val="639856334"/>
+        <p14:creationId xmlns:p14="http://schemas.microsoft.com/office/powerpoint/2010/main" val="2191757298"/>
       </p:ext>
     </p:extLst>
   </p:cSld>
@@ -14832,6 +15682,741 @@
         <p:spPr>
           <a:xfrm>
             <a:off x="188891" y="124945"/>
+            <a:ext cx="9379652" cy="461665"/>
+          </a:xfrm>
+          <a:prstGeom prst="rect">
+            <a:avLst/>
+          </a:prstGeom>
+          <a:noFill/>
+        </p:spPr>
+        <p:txBody>
+          <a:bodyPr wrap="square" rtlCol="0">
+            <a:spAutoFit/>
+          </a:bodyPr>
+          <a:lstStyle/>
+          <a:p>
+            <a:r>
+              <a:rPr lang="en-US" sz="2400" dirty="0" err="1">
+                <a:latin typeface="Helvetica Neue Thin" panose="020B0403020202020204" pitchFamily="34" charset="0"/>
+                <a:ea typeface="Helvetica Neue Thin" panose="020B0403020202020204" pitchFamily="34" charset="0"/>
+              </a:rPr>
+              <a:t>Dekker.cub</a:t>
+            </a:r>
+            <a:r>
+              <a:rPr lang="en-US" sz="2400" dirty="0">
+                <a:latin typeface="Helvetica Neue Thin" panose="020B0403020202020204" pitchFamily="34" charset="0"/>
+                <a:ea typeface="Helvetica Neue Thin" panose="020B0403020202020204" pitchFamily="34" charset="0"/>
+              </a:rPr>
+              <a:t> [test-</a:t>
+            </a:r>
+            <a:r>
+              <a:rPr lang="en-US" sz="2400" dirty="0" err="1">
+                <a:latin typeface="Helvetica Neue Thin" panose="020B0403020202020204" pitchFamily="34" charset="0"/>
+                <a:ea typeface="Helvetica Neue Thin" panose="020B0403020202020204" pitchFamily="34" charset="0"/>
+              </a:rPr>
+              <a:t>runmaximizing</a:t>
+            </a:r>
+            <a:r>
+              <a:rPr lang="en-US" sz="2400" dirty="0">
+                <a:latin typeface="Helvetica Neue Thin" panose="020B0403020202020204" pitchFamily="34" charset="0"/>
+                <a:ea typeface="Helvetica Neue Thin" panose="020B0403020202020204" pitchFamily="34" charset="0"/>
+              </a:rPr>
+              <a:t> </a:t>
+            </a:r>
+            <a:r>
+              <a:rPr lang="en-US" sz="2400" dirty="0">
+                <a:latin typeface="Helvetica Neue Thin" panose="020B0403020202020204" pitchFamily="34" charset="0"/>
+                <a:ea typeface="Helvetica Neue Thin" panose="020B0403020202020204" pitchFamily="34" charset="0"/>
+              </a:rPr>
+              <a:t>entropy] [grouped </a:t>
+            </a:r>
+            <a:r>
+              <a:rPr lang="en-US" sz="2400" dirty="0">
+                <a:latin typeface="Helvetica Neue Thin" panose="020B0403020202020204" pitchFamily="34" charset="0"/>
+                <a:ea typeface="Helvetica Neue Thin" panose="020B0403020202020204" pitchFamily="34" charset="0"/>
+              </a:rPr>
+              <a:t>transitions]</a:t>
+            </a:r>
+            <a:endParaRPr lang="en-FR" sz="2000" dirty="0">
+              <a:latin typeface="Helvetica Neue Thin" panose="020B0403020202020204" pitchFamily="34" charset="0"/>
+              <a:ea typeface="Helvetica Neue Thin" panose="020B0403020202020204" pitchFamily="34" charset="0"/>
+            </a:endParaRPr>
+          </a:p>
+        </p:txBody>
+      </p:sp>
+      <p:sp>
+        <p:nvSpPr>
+          <p:cNvPr id="5" name="TextBox 4">
+            <a:extLst>
+              <a:ext uri="{FF2B5EF4-FFF2-40B4-BE49-F238E27FC236}">
+                <a16:creationId xmlns:a16="http://schemas.microsoft.com/office/drawing/2014/main" id="{D51E0414-BA4B-94E1-C01E-E0863EDB6501}"/>
+              </a:ext>
+            </a:extLst>
+          </p:cNvPr>
+          <p:cNvSpPr txBox="1"/>
+          <p:nvPr/>
+        </p:nvSpPr>
+        <p:spPr>
+          <a:xfrm>
+            <a:off x="188890" y="876951"/>
+            <a:ext cx="11638349" cy="4801314"/>
+          </a:xfrm>
+          <a:prstGeom prst="rect">
+            <a:avLst/>
+          </a:prstGeom>
+          <a:noFill/>
+        </p:spPr>
+        <p:txBody>
+          <a:bodyPr wrap="square" rtlCol="0">
+            <a:spAutoFit/>
+          </a:bodyPr>
+          <a:lstStyle/>
+          <a:p>
+            <a:r>
+              <a:rPr lang="en-FR" dirty="0">
+                <a:latin typeface="Helvetica Neue Thin" panose="020B0403020202020204" pitchFamily="34" charset="0"/>
+                <a:ea typeface="Helvetica Neue Thin" panose="020B0403020202020204" pitchFamily="34" charset="0"/>
+              </a:rPr>
+              <a:t>Data log file: </a:t>
+            </a:r>
+            <a:r>
+              <a:rPr lang="en-GB" dirty="0">
+                <a:latin typeface="Helvetica Neue Thin" panose="020B0403020202020204" pitchFamily="34" charset="0"/>
+                <a:ea typeface="Helvetica Neue Thin" panose="020B0403020202020204" pitchFamily="34" charset="0"/>
+              </a:rPr>
+              <a:t>dekker.cub1678120844.data</a:t>
+            </a:r>
+          </a:p>
+          <a:p>
+            <a:endParaRPr lang="en-FR" dirty="0">
+              <a:latin typeface="Helvetica Neue Thin" panose="020B0403020202020204" pitchFamily="34" charset="0"/>
+              <a:ea typeface="Helvetica Neue Thin" panose="020B0403020202020204" pitchFamily="34" charset="0"/>
+            </a:endParaRPr>
+          </a:p>
+          <a:p>
+            <a:r>
+              <a:rPr lang="en-FR" dirty="0">
+                <a:latin typeface="Helvetica Neue Thin" panose="020B0403020202020204" pitchFamily="34" charset="0"/>
+                <a:ea typeface="Helvetica Neue Thin" panose="020B0403020202020204" pitchFamily="34" charset="0"/>
+              </a:rPr>
+              <a:t>Transition matrix</a:t>
+            </a:r>
+          </a:p>
+          <a:p>
+            <a:r>
+              <a:rPr lang="en-GB" dirty="0"/>
+              <a:t>+----------------+-----------------+----------------+----------------+</a:t>
+            </a:r>
+          </a:p>
+          <a:p>
+            <a:r>
+              <a:rPr lang="en-GB" dirty="0"/>
+              <a:t>|                      |   enter          |    exit           |     </a:t>
+            </a:r>
+            <a:r>
+              <a:rPr lang="en-GB" dirty="0" err="1"/>
+              <a:t>req</a:t>
+            </a:r>
+            <a:r>
+              <a:rPr lang="en-GB" dirty="0"/>
+              <a:t>           |</a:t>
+            </a:r>
+          </a:p>
+          <a:p>
+            <a:r>
+              <a:rPr lang="en-GB" dirty="0"/>
+              <a:t>+==========+==========+==========+==========+</a:t>
+            </a:r>
+          </a:p>
+          <a:p>
+            <a:r>
+              <a:rPr lang="en-GB" dirty="0"/>
+              <a:t>| enter           | 0                   | 0.834687    | 0.165313     |</a:t>
+            </a:r>
+          </a:p>
+          <a:p>
+            <a:r>
+              <a:rPr lang="en-GB" dirty="0"/>
+              <a:t>+----------------+-----------------+----------------+----------------+</a:t>
+            </a:r>
+          </a:p>
+          <a:p>
+            <a:r>
+              <a:rPr lang="en-GB" dirty="0"/>
+              <a:t>| exit              | 0.346006     | 0                   | 0.653994    |</a:t>
+            </a:r>
+          </a:p>
+          <a:p>
+            <a:r>
+              <a:rPr lang="en-GB" dirty="0"/>
+              <a:t>+----------------+-----------------+----------------+----------------+</a:t>
+            </a:r>
+          </a:p>
+          <a:p>
+            <a:r>
+              <a:rPr lang="en-GB" dirty="0"/>
+              <a:t>| </a:t>
+            </a:r>
+            <a:r>
+              <a:rPr lang="en-GB" dirty="0" err="1"/>
+              <a:t>req</a:t>
+            </a:r>
+            <a:r>
+              <a:rPr lang="en-GB" dirty="0"/>
+              <a:t>               | 0.653972.    | 0.165305    | 0.180723.   |</a:t>
+            </a:r>
+          </a:p>
+          <a:p>
+            <a:r>
+              <a:rPr lang="en-GB" dirty="0"/>
+              <a:t>+----------------+-----------------+----------------+----------------+</a:t>
+            </a:r>
+          </a:p>
+          <a:p>
+            <a:endParaRPr lang="en-GB" dirty="0"/>
+          </a:p>
+          <a:p>
+            <a:r>
+              <a:rPr lang="en-GB" dirty="0">
+                <a:latin typeface="Helvetica Neue Thin" panose="020B0403020202020204" pitchFamily="34" charset="0"/>
+                <a:ea typeface="Helvetica Neue Thin" panose="020B0403020202020204" pitchFamily="34" charset="0"/>
+              </a:rPr>
+              <a:t>Steady states: [0.33332976, 0.33332916, 0.33334108] -&gt; every transition is hit more or less the same amount of times</a:t>
+            </a:r>
+          </a:p>
+          <a:p>
+            <a:endParaRPr lang="en-GB" dirty="0">
+              <a:latin typeface="Helvetica Neue Thin" panose="020B0403020202020204" pitchFamily="34" charset="0"/>
+              <a:ea typeface="Helvetica Neue Thin" panose="020B0403020202020204" pitchFamily="34" charset="0"/>
+            </a:endParaRPr>
+          </a:p>
+          <a:p>
+            <a:r>
+              <a:rPr lang="en-GB" dirty="0">
+                <a:latin typeface="Helvetica Neue Thin" panose="020B0403020202020204" pitchFamily="34" charset="0"/>
+                <a:ea typeface="Helvetica Neue Thin" panose="020B0403020202020204" pitchFamily="34" charset="0"/>
+              </a:rPr>
+              <a:t>Studying this matrix, it might seem weird that the transition exit -&gt; enter is possible directly. We can generate a detailed matrix to the system in more detail [next slide]</a:t>
+            </a:r>
+            <a:endParaRPr lang="en-GB" dirty="0">
+              <a:latin typeface="Helvetica Neue Thin" panose="020B0403020202020204" pitchFamily="34" charset="0"/>
+              <a:ea typeface="Helvetica Neue Thin" panose="020B0403020202020204" pitchFamily="34" charset="0"/>
+            </a:endParaRPr>
+          </a:p>
+        </p:txBody>
+      </p:sp>
+      <p:sp>
+        <p:nvSpPr>
+          <p:cNvPr id="6" name="TextBox 5">
+            <a:extLst>
+              <a:ext uri="{FF2B5EF4-FFF2-40B4-BE49-F238E27FC236}">
+                <a16:creationId xmlns:a16="http://schemas.microsoft.com/office/drawing/2014/main" id="{8FA419B3-7055-0B65-8D3F-D64BC0C8E450}"/>
+              </a:ext>
+            </a:extLst>
+          </p:cNvPr>
+          <p:cNvSpPr txBox="1"/>
+          <p:nvPr/>
+        </p:nvSpPr>
+        <p:spPr>
+          <a:xfrm>
+            <a:off x="5562689" y="2123446"/>
+            <a:ext cx="5921114" cy="1477328"/>
+          </a:xfrm>
+          <a:prstGeom prst="rect">
+            <a:avLst/>
+          </a:prstGeom>
+          <a:noFill/>
+        </p:spPr>
+        <p:txBody>
+          <a:bodyPr wrap="square" rtlCol="0">
+            <a:spAutoFit/>
+          </a:bodyPr>
+          <a:lstStyle/>
+          <a:p>
+            <a:r>
+              <a:rPr lang="en-FR" dirty="0">
+                <a:latin typeface="Helvetica Neue Thin" panose="020B0403020202020204" pitchFamily="34" charset="0"/>
+                <a:ea typeface="Helvetica Neue Thin" panose="020B0403020202020204" pitchFamily="34" charset="0"/>
+              </a:rPr>
+              <a:t>The matrix describes expected behaviors, for example you can’t have two enters following each other.</a:t>
+            </a:r>
+          </a:p>
+          <a:p>
+            <a:r>
+              <a:rPr lang="en-FR" dirty="0">
+                <a:latin typeface="Helvetica Neue Thin" panose="020B0403020202020204" pitchFamily="34" charset="0"/>
+                <a:ea typeface="Helvetica Neue Thin" panose="020B0403020202020204" pitchFamily="34" charset="0"/>
+              </a:rPr>
+              <a:t>Sometimes grouped transitions aren’t clear enough about the behavior, so a more detailed transition matrix can be built [see next slide]</a:t>
+            </a:r>
+          </a:p>
+        </p:txBody>
+      </p:sp>
+      <p:sp>
+        <p:nvSpPr>
+          <p:cNvPr id="2" name="Slide Number Placeholder 1">
+            <a:extLst>
+              <a:ext uri="{FF2B5EF4-FFF2-40B4-BE49-F238E27FC236}">
+                <a16:creationId xmlns:a16="http://schemas.microsoft.com/office/drawing/2014/main" id="{8B21B0D5-7034-7F06-9C99-BDAD5EA0A57C}"/>
+              </a:ext>
+            </a:extLst>
+          </p:cNvPr>
+          <p:cNvSpPr>
+            <a:spLocks noGrp="1"/>
+          </p:cNvSpPr>
+          <p:nvPr>
+            <p:ph type="sldNum" sz="quarter" idx="12"/>
+          </p:nvPr>
+        </p:nvSpPr>
+        <p:spPr/>
+        <p:txBody>
+          <a:bodyPr/>
+          <a:lstStyle/>
+          <a:p>
+            <a:fld id="{4A936E34-E911-F947-B710-F12161D09F63}" type="slidenum">
+              <a:rPr lang="en-FR" smtClean="0"/>
+              <a:t>24</a:t>
+            </a:fld>
+            <a:endParaRPr lang="en-FR"/>
+          </a:p>
+        </p:txBody>
+      </p:sp>
+    </p:spTree>
+    <p:extLst>
+      <p:ext uri="{BB962C8B-B14F-4D97-AF65-F5344CB8AC3E}">
+        <p14:creationId xmlns:p14="http://schemas.microsoft.com/office/powerpoint/2010/main" val="639856334"/>
+      </p:ext>
+    </p:extLst>
+  </p:cSld>
+  <p:clrMapOvr>
+    <a:masterClrMapping/>
+  </p:clrMapOvr>
+</p:sld>
+</file>
+
+<file path=ppt/slides/slide25.xml><?xml version="1.0" encoding="utf-8"?>
+<p:sld xmlns:a="http://schemas.openxmlformats.org/drawingml/2006/main" xmlns:r="http://schemas.openxmlformats.org/officeDocument/2006/relationships" xmlns:p="http://schemas.openxmlformats.org/presentationml/2006/main">
+  <p:cSld>
+    <p:spTree>
+      <p:nvGrpSpPr>
+        <p:cNvPr id="1" name=""/>
+        <p:cNvGrpSpPr/>
+        <p:nvPr/>
+      </p:nvGrpSpPr>
+      <p:grpSpPr>
+        <a:xfrm>
+          <a:off x="0" y="0"/>
+          <a:ext cx="0" cy="0"/>
+          <a:chOff x="0" y="0"/>
+          <a:chExt cx="0" cy="0"/>
+        </a:xfrm>
+      </p:grpSpPr>
+      <p:sp>
+        <p:nvSpPr>
+          <p:cNvPr id="4" name="TextBox 3">
+            <a:extLst>
+              <a:ext uri="{FF2B5EF4-FFF2-40B4-BE49-F238E27FC236}">
+                <a16:creationId xmlns:a16="http://schemas.microsoft.com/office/drawing/2014/main" id="{10DEA0E4-DA7F-E905-D91F-6C01DD4C8C81}"/>
+              </a:ext>
+            </a:extLst>
+          </p:cNvPr>
+          <p:cNvSpPr txBox="1"/>
+          <p:nvPr/>
+        </p:nvSpPr>
+        <p:spPr>
+          <a:xfrm>
+            <a:off x="188891" y="124945"/>
+            <a:ext cx="9640909" cy="461665"/>
+          </a:xfrm>
+          <a:prstGeom prst="rect">
+            <a:avLst/>
+          </a:prstGeom>
+          <a:noFill/>
+        </p:spPr>
+        <p:txBody>
+          <a:bodyPr wrap="square" rtlCol="0">
+            <a:spAutoFit/>
+          </a:bodyPr>
+          <a:lstStyle/>
+          <a:p>
+            <a:r>
+              <a:rPr lang="en-US" sz="2400" dirty="0" err="1">
+                <a:latin typeface="Helvetica Neue Thin" panose="020B0403020202020204" pitchFamily="34" charset="0"/>
+                <a:ea typeface="Helvetica Neue Thin" panose="020B0403020202020204" pitchFamily="34" charset="0"/>
+              </a:rPr>
+              <a:t>Dekker.cub</a:t>
+            </a:r>
+            <a:r>
+              <a:rPr lang="en-US" sz="2400" dirty="0">
+                <a:latin typeface="Helvetica Neue Thin" panose="020B0403020202020204" pitchFamily="34" charset="0"/>
+                <a:ea typeface="Helvetica Neue Thin" panose="020B0403020202020204" pitchFamily="34" charset="0"/>
+              </a:rPr>
+              <a:t> [test-run maximizing </a:t>
+            </a:r>
+            <a:r>
+              <a:rPr lang="en-US" sz="2400" dirty="0">
+                <a:latin typeface="Helvetica Neue Thin" panose="020B0403020202020204" pitchFamily="34" charset="0"/>
+                <a:ea typeface="Helvetica Neue Thin" panose="020B0403020202020204" pitchFamily="34" charset="0"/>
+              </a:rPr>
+              <a:t>entropy] [detailed transitions]</a:t>
+            </a:r>
+            <a:endParaRPr lang="en-FR" sz="2000" dirty="0">
+              <a:latin typeface="Helvetica Neue Thin" panose="020B0403020202020204" pitchFamily="34" charset="0"/>
+              <a:ea typeface="Helvetica Neue Thin" panose="020B0403020202020204" pitchFamily="34" charset="0"/>
+            </a:endParaRPr>
+          </a:p>
+        </p:txBody>
+      </p:sp>
+      <p:sp>
+        <p:nvSpPr>
+          <p:cNvPr id="5" name="TextBox 4">
+            <a:extLst>
+              <a:ext uri="{FF2B5EF4-FFF2-40B4-BE49-F238E27FC236}">
+                <a16:creationId xmlns:a16="http://schemas.microsoft.com/office/drawing/2014/main" id="{D51E0414-BA4B-94E1-C01E-E0863EDB6501}"/>
+              </a:ext>
+            </a:extLst>
+          </p:cNvPr>
+          <p:cNvSpPr txBox="1"/>
+          <p:nvPr/>
+        </p:nvSpPr>
+        <p:spPr>
+          <a:xfrm>
+            <a:off x="94445" y="586610"/>
+            <a:ext cx="12003110" cy="6370975"/>
+          </a:xfrm>
+          <a:prstGeom prst="rect">
+            <a:avLst/>
+          </a:prstGeom>
+          <a:noFill/>
+        </p:spPr>
+        <p:txBody>
+          <a:bodyPr wrap="square" rtlCol="0">
+            <a:spAutoFit/>
+          </a:bodyPr>
+          <a:lstStyle/>
+          <a:p>
+            <a:endParaRPr lang="en-FR" dirty="0"/>
+          </a:p>
+          <a:p>
+            <a:r>
+              <a:rPr lang="en-FR" sz="1400" dirty="0">
+                <a:latin typeface="Helvetica Neue Thin" panose="020B0403020202020204" pitchFamily="34" charset="0"/>
+                <a:ea typeface="Helvetica Neue Thin" panose="020B0403020202020204" pitchFamily="34" charset="0"/>
+              </a:rPr>
+              <a:t>Transition matrix</a:t>
+            </a:r>
+          </a:p>
+          <a:p>
+            <a:r>
+              <a:rPr lang="en-GB" sz="1200" dirty="0"/>
+              <a:t>+-------------------+-----------------------+-----------------------+-----------------------+---------------------+----------------------+---------------------+--------------------+--------------------+--------------------+</a:t>
+            </a:r>
+          </a:p>
+          <a:p>
+            <a:r>
+              <a:rPr lang="en-GB" sz="1200" dirty="0"/>
+              <a:t>| source            |   enter(#1)           |   enter(#2)           |   enter(#3)           |   exit(#1)            |   exit(#2)            |         exit(#3)      |           </a:t>
+            </a:r>
+            <a:r>
+              <a:rPr lang="en-GB" sz="1200" dirty="0" err="1"/>
+              <a:t>req</a:t>
+            </a:r>
+            <a:r>
+              <a:rPr lang="en-GB" sz="1200" dirty="0"/>
+              <a:t>(#1)  |          </a:t>
+            </a:r>
+            <a:r>
+              <a:rPr lang="en-GB" sz="1200" dirty="0" err="1"/>
+              <a:t>req</a:t>
+            </a:r>
+            <a:r>
+              <a:rPr lang="en-GB" sz="1200" dirty="0"/>
+              <a:t>(#2)    |          </a:t>
+            </a:r>
+            <a:r>
+              <a:rPr lang="en-GB" sz="1200" dirty="0" err="1"/>
+              <a:t>req</a:t>
+            </a:r>
+            <a:r>
+              <a:rPr lang="en-GB" sz="1200" dirty="0"/>
+              <a:t>(#3)   |</a:t>
+            </a:r>
+          </a:p>
+          <a:p>
+            <a:r>
+              <a:rPr lang="en-GB" sz="1200" dirty="0"/>
+              <a:t>+===========+==============+==============+==============+=============+=============+=============+============+============+============+</a:t>
+            </a:r>
+          </a:p>
+          <a:p>
+            <a:r>
+              <a:rPr lang="en-GB" sz="1200" dirty="0"/>
+              <a:t>| enter(#1)       |     0                       |     0                        |     0                       |   0.843004         |   0                        |   0                      |  0                       |  0.0774727     |  0.0795229      |</a:t>
+            </a:r>
+          </a:p>
+          <a:p>
+            <a:r>
+              <a:rPr lang="en-GB" sz="1200" dirty="0"/>
+              <a:t>+-------------------+----------------------+------------------------+-----------------------+---------------------+----------------------+---------------------+--------------------+--------------------+--------------------+</a:t>
+            </a:r>
+          </a:p>
+          <a:p>
+            <a:r>
+              <a:rPr lang="en-GB" sz="1200" dirty="0"/>
+              <a:t>| enter(#2)        |     0                      |     0                        |     0                        |   0                      |   0.830604          |   0                      |  0.0887046      |  0                      |  0.0806912      |</a:t>
+            </a:r>
+          </a:p>
+          <a:p>
+            <a:r>
+              <a:rPr lang="en-GB" sz="1200" dirty="0"/>
+              <a:t>+-------------------+----------------------+------------------------+-----------------------+---------------------+----------------------+---------------------+--------------------+--------------------+--------------------+</a:t>
+            </a:r>
+          </a:p>
+          <a:p>
+            <a:r>
+              <a:rPr lang="en-GB" sz="1200" dirty="0"/>
+              <a:t>| enter(#3)        |     0                      |     0                        |     0                        |   0                      |   0                        |   0.831935        |  0.0865703      |  0.0814945      |  0                      |</a:t>
+            </a:r>
+          </a:p>
+          <a:p>
+            <a:r>
+              <a:rPr lang="en-GB" sz="1200" dirty="0"/>
+              <a:t>+-------------------+----------------------+------------------------+-----------------------+---------------------+----------------------+---------------------+--------------------+--------------------+--------------------+</a:t>
+            </a:r>
+          </a:p>
+          <a:p>
+            <a:r>
+              <a:rPr lang="en-GB" sz="1200" dirty="0"/>
+              <a:t>| exit(#1)           |     0                      |     0.169297          |     0.169732         |   0                      |   0                        |   0                       |  0.489066        |  0.0908921      |  0.0810139     |</a:t>
+            </a:r>
+          </a:p>
+          <a:p>
+            <a:r>
+              <a:rPr lang="en-GB" sz="1200" dirty="0"/>
+              <a:t>+-------------------+----------------------+------------------------+-----------------------+---------------------+----------------------+---------------------+--------------------+--------------------+--------------------+</a:t>
+            </a:r>
+          </a:p>
+          <a:p>
+            <a:r>
+              <a:rPr lang="en-GB" sz="1200" dirty="0"/>
+              <a:t>| exit(#2)           |     0.189185       |     0                         |     0.162985         |   0                      |   0                        |   0                       |  0.0985297      |  0.464288        |  0.0850115     |</a:t>
+            </a:r>
+          </a:p>
+          <a:p>
+            <a:r>
+              <a:rPr lang="en-GB" sz="1200" dirty="0"/>
+              <a:t>+-------------------+----------------------+------------------------+-----------------------+---------------------+----------------------+---------------------+--------------------+--------------------+--------------------+</a:t>
+            </a:r>
+          </a:p>
+          <a:p>
+            <a:r>
+              <a:rPr lang="en-GB" sz="1200" dirty="0"/>
+              <a:t>| exit(#3)           |     0.180754       |     0.169334          |     0                        |   0                      |   0                        |   0                       |  0.104759        |  0.0842439      |  0.460909       |</a:t>
+            </a:r>
+          </a:p>
+          <a:p>
+            <a:r>
+              <a:rPr lang="en-GB" sz="1200" dirty="0"/>
+              <a:t>+-------------------+----------------------+------------------------+-----------------------+---------------------+----------------------+---------------------+--------------------+--------------------+--------------------+</a:t>
+            </a:r>
+          </a:p>
+          <a:p>
+            <a:r>
+              <a:rPr lang="en-GB" sz="1200" dirty="0"/>
+              <a:t>| </a:t>
+            </a:r>
+            <a:r>
+              <a:rPr lang="en-GB" sz="1200" dirty="0" err="1"/>
+              <a:t>req</a:t>
+            </a:r>
+            <a:r>
+              <a:rPr lang="en-GB" sz="1200" dirty="0"/>
+              <a:t>(#1)           |     0.447661        |     0.115177          |     0.105672         |   0                       |   0.0786482       |   0.0772194      |  0                      |  0.0880288      |  0.087594        |</a:t>
+            </a:r>
+          </a:p>
+          <a:p>
+            <a:r>
+              <a:rPr lang="en-GB" sz="1200" dirty="0"/>
+              <a:t>+-------------------+----------------------+------------------------+-----------------------+---------------------+----------------------+---------------------+--------------------+--------------------+--------------------+</a:t>
+            </a:r>
+          </a:p>
+          <a:p>
+            <a:r>
+              <a:rPr lang="en-GB" sz="1200" dirty="0"/>
+              <a:t>| </a:t>
+            </a:r>
+            <a:r>
+              <a:rPr lang="en-GB" sz="1200" dirty="0" err="1"/>
+              <a:t>req</a:t>
+            </a:r>
+            <a:r>
+              <a:rPr lang="en-GB" sz="1200" dirty="0"/>
+              <a:t>(#2)           |     0.123676        |     0.406982          |     0.113434         |   0.085981        |   0                        |   0.0795011      |  0.101519        |  0                      |  0.0889075      |</a:t>
+            </a:r>
+          </a:p>
+          <a:p>
+            <a:r>
+              <a:rPr lang="en-GB" sz="1200" dirty="0"/>
+              <a:t>+-------------------+----------------------+------------------------+-----------------------+---------------------+----------------------+---------------------+--------------------+--------------------+--------------------+</a:t>
+            </a:r>
+          </a:p>
+          <a:p>
+            <a:r>
+              <a:rPr lang="en-GB" sz="1200" dirty="0"/>
+              <a:t>| </a:t>
+            </a:r>
+            <a:r>
+              <a:rPr lang="en-GB" sz="1200" dirty="0" err="1"/>
+              <a:t>req</a:t>
+            </a:r>
+            <a:r>
+              <a:rPr lang="en-GB" sz="1200" dirty="0"/>
+              <a:t>(#3)           |     0.129432        |     0.10779            |     0.407825         |   0.0911526      |   0.082129          |   0                      |  0.0962989      |  0.0853719     |  0                       |</a:t>
+            </a:r>
+          </a:p>
+          <a:p>
+            <a:r>
+              <a:rPr lang="en-GB" sz="1200" dirty="0"/>
+              <a:t>+-------------------+----------------------+------------------------+-----------------------+---------------------+----------------------+---------------------+--------------------+--------------------+--------------------+</a:t>
+            </a:r>
+          </a:p>
+          <a:p>
+            <a:endParaRPr lang="en-GB" sz="1200" dirty="0"/>
+          </a:p>
+          <a:p>
+            <a:r>
+              <a:rPr lang="en-GB" sz="1600" dirty="0">
+                <a:latin typeface="Helvetica Neue Thin" panose="020B0403020202020204" pitchFamily="34" charset="0"/>
+                <a:ea typeface="Helvetica Neue Thin" panose="020B0403020202020204" pitchFamily="34" charset="0"/>
+              </a:rPr>
+              <a:t>Stable state: [0.12020888, 0.10717856, 0.10594082, 0.12020984, 0.10717859, 0.10593995, 0.12021135, 0.10718605, 0.10594596]</a:t>
+            </a:r>
+          </a:p>
+          <a:p>
+            <a:endParaRPr lang="en-GB" sz="1600" dirty="0">
+              <a:latin typeface="Helvetica Neue Thin" panose="020B0403020202020204" pitchFamily="34" charset="0"/>
+              <a:ea typeface="Helvetica Neue Thin" panose="020B0403020202020204" pitchFamily="34" charset="0"/>
+            </a:endParaRPr>
+          </a:p>
+          <a:p>
+            <a:r>
+              <a:rPr lang="en-GB" sz="1600" dirty="0">
+                <a:latin typeface="Helvetica Neue Thin" panose="020B0403020202020204" pitchFamily="34" charset="0"/>
+                <a:ea typeface="Helvetica Neue Thin" panose="020B0403020202020204" pitchFamily="34" charset="0"/>
+              </a:rPr>
+              <a:t>The detailed matrix shows that exit -&gt; enter is an acceptable pair, because it is always between 2 different processes. </a:t>
+            </a:r>
+          </a:p>
+          <a:p>
+            <a:endParaRPr lang="en-GB" sz="1600" dirty="0">
+              <a:latin typeface="Helvetica Neue Thin" panose="020B0403020202020204" pitchFamily="34" charset="0"/>
+              <a:ea typeface="Helvetica Neue Thin" panose="020B0403020202020204" pitchFamily="34" charset="0"/>
+            </a:endParaRPr>
+          </a:p>
+          <a:p>
+            <a:endParaRPr lang="en-GB" sz="1600" dirty="0">
+              <a:latin typeface="Helvetica Neue Thin" panose="020B0403020202020204" pitchFamily="34" charset="0"/>
+              <a:ea typeface="Helvetica Neue Thin" panose="020B0403020202020204" pitchFamily="34" charset="0"/>
+            </a:endParaRPr>
+          </a:p>
+          <a:p>
+            <a:r>
+              <a:rPr lang="en-FR" sz="1600" dirty="0">
+                <a:latin typeface="Helvetica Neue Thin" panose="020B0403020202020204" pitchFamily="34" charset="0"/>
+                <a:ea typeface="Helvetica Neue Thin" panose="020B0403020202020204" pitchFamily="34" charset="0"/>
+              </a:rPr>
+              <a:t>Data log file:</a:t>
+            </a:r>
+            <a:r>
+              <a:rPr lang="en-GB" sz="1600" dirty="0">
+                <a:latin typeface="Helvetica Neue Thin" panose="020B0403020202020204" pitchFamily="34" charset="0"/>
+                <a:ea typeface="Helvetica Neue Thin" panose="020B0403020202020204" pitchFamily="34" charset="0"/>
+              </a:rPr>
+              <a:t> dekker.cub1678123227.data</a:t>
+            </a:r>
+          </a:p>
+          <a:p>
+            <a:endParaRPr lang="en-GB" sz="1600" dirty="0">
+              <a:latin typeface="Helvetica Neue Thin" panose="020B0403020202020204" pitchFamily="34" charset="0"/>
+              <a:ea typeface="Helvetica Neue Thin" panose="020B0403020202020204" pitchFamily="34" charset="0"/>
+            </a:endParaRPr>
+          </a:p>
+        </p:txBody>
+      </p:sp>
+      <p:sp>
+        <p:nvSpPr>
+          <p:cNvPr id="2" name="Slide Number Placeholder 1">
+            <a:extLst>
+              <a:ext uri="{FF2B5EF4-FFF2-40B4-BE49-F238E27FC236}">
+                <a16:creationId xmlns:a16="http://schemas.microsoft.com/office/drawing/2014/main" id="{DC209C3E-8E19-F5C9-4688-85A7EDBEF755}"/>
+              </a:ext>
+            </a:extLst>
+          </p:cNvPr>
+          <p:cNvSpPr>
+            <a:spLocks noGrp="1"/>
+          </p:cNvSpPr>
+          <p:nvPr>
+            <p:ph type="sldNum" sz="quarter" idx="12"/>
+          </p:nvPr>
+        </p:nvSpPr>
+        <p:spPr/>
+        <p:txBody>
+          <a:bodyPr/>
+          <a:lstStyle/>
+          <a:p>
+            <a:fld id="{4A936E34-E911-F947-B710-F12161D09F63}" type="slidenum">
+              <a:rPr lang="en-FR" smtClean="0"/>
+              <a:t>25</a:t>
+            </a:fld>
+            <a:endParaRPr lang="en-FR"/>
+          </a:p>
+        </p:txBody>
+      </p:sp>
+    </p:spTree>
+    <p:extLst>
+      <p:ext uri="{BB962C8B-B14F-4D97-AF65-F5344CB8AC3E}">
+        <p14:creationId xmlns:p14="http://schemas.microsoft.com/office/powerpoint/2010/main" val="4257490243"/>
+      </p:ext>
+    </p:extLst>
+  </p:cSld>
+  <p:clrMapOvr>
+    <a:masterClrMapping/>
+  </p:clrMapOvr>
+</p:sld>
+</file>
+
+<file path=ppt/slides/slide26.xml><?xml version="1.0" encoding="utf-8"?>
+<p:sld xmlns:a="http://schemas.openxmlformats.org/drawingml/2006/main" xmlns:r="http://schemas.openxmlformats.org/officeDocument/2006/relationships" xmlns:p="http://schemas.openxmlformats.org/presentationml/2006/main">
+  <p:cSld>
+    <p:spTree>
+      <p:nvGrpSpPr>
+        <p:cNvPr id="1" name=""/>
+        <p:cNvGrpSpPr/>
+        <p:nvPr/>
+      </p:nvGrpSpPr>
+      <p:grpSpPr>
+        <a:xfrm>
+          <a:off x="0" y="0"/>
+          <a:ext cx="0" cy="0"/>
+          <a:chOff x="0" y="0"/>
+          <a:chExt cx="0" cy="0"/>
+        </a:xfrm>
+      </p:grpSpPr>
+      <p:sp>
+        <p:nvSpPr>
+          <p:cNvPr id="4" name="TextBox 3">
+            <a:extLst>
+              <a:ext uri="{FF2B5EF4-FFF2-40B4-BE49-F238E27FC236}">
+                <a16:creationId xmlns:a16="http://schemas.microsoft.com/office/drawing/2014/main" id="{10DEA0E4-DA7F-E905-D91F-6C01DD4C8C81}"/>
+              </a:ext>
+            </a:extLst>
+          </p:cNvPr>
+          <p:cNvSpPr txBox="1"/>
+          <p:nvPr/>
+        </p:nvSpPr>
+        <p:spPr>
+          <a:xfrm>
+            <a:off x="188891" y="124945"/>
             <a:ext cx="7456093" cy="461665"/>
           </a:xfrm>
           <a:prstGeom prst="rect">
@@ -14846,14 +16431,30 @@
           <a:lstStyle/>
           <a:p>
             <a:r>
-              <a:rPr lang="en-US" sz="2400" dirty="0" err="1"/>
+              <a:rPr lang="en-US" sz="2400" dirty="0">
+                <a:latin typeface="Helvetica Neue Thin" panose="020B0403020202020204" pitchFamily="34" charset="0"/>
+                <a:ea typeface="Helvetica Neue Thin" panose="020B0403020202020204" pitchFamily="34" charset="0"/>
+              </a:rPr>
+              <a:t>Buggy </a:t>
+            </a:r>
+            <a:r>
+              <a:rPr lang="en-US" sz="2400" dirty="0" err="1">
+                <a:latin typeface="Helvetica Neue Thin" panose="020B0403020202020204" pitchFamily="34" charset="0"/>
+                <a:ea typeface="Helvetica Neue Thin" panose="020B0403020202020204" pitchFamily="34" charset="0"/>
+              </a:rPr>
               <a:t>Dekker.cub</a:t>
             </a:r>
             <a:r>
-              <a:rPr lang="en-US" sz="2400" dirty="0"/>
-              <a:t> [maximizing entropy] [detailed transitions]</a:t>
-            </a:r>
-            <a:endParaRPr lang="en-FR" sz="2000" dirty="0"/>
+              <a:rPr lang="en-US" sz="2400" dirty="0">
+                <a:latin typeface="Helvetica Neue Thin" panose="020B0403020202020204" pitchFamily="34" charset="0"/>
+                <a:ea typeface="Helvetica Neue Thin" panose="020B0403020202020204" pitchFamily="34" charset="0"/>
+              </a:rPr>
+              <a:t> [original deadlocking example]</a:t>
+            </a:r>
+            <a:endParaRPr lang="en-FR" sz="2000" dirty="0">
+              <a:latin typeface="Helvetica Neue Thin" panose="020B0403020202020204" pitchFamily="34" charset="0"/>
+              <a:ea typeface="Helvetica Neue Thin" panose="020B0403020202020204" pitchFamily="34" charset="0"/>
+            </a:endParaRPr>
           </a:p>
         </p:txBody>
       </p:sp>
@@ -14871,8 +16472,8 @@
         </p:nvSpPr>
         <p:spPr>
           <a:xfrm>
-            <a:off x="188890" y="876951"/>
-            <a:ext cx="11638349" cy="5170646"/>
+            <a:off x="94445" y="586610"/>
+            <a:ext cx="12003110" cy="4185761"/>
           </a:xfrm>
           <a:prstGeom prst="rect">
             <a:avLst/>
@@ -14886,212 +16487,1119 @@
           <a:lstStyle/>
           <a:p>
             <a:r>
-              <a:rPr lang="en-FR" dirty="0"/>
-              <a:t>Data log file:</a:t>
-            </a:r>
-            <a:r>
-              <a:rPr lang="en-GB" dirty="0"/>
-              <a:t> dekker.cub1678123227.data</a:t>
-            </a:r>
-          </a:p>
-          <a:p>
-            <a:endParaRPr lang="en-FR" dirty="0"/>
-          </a:p>
-          <a:p>
-            <a:r>
-              <a:rPr lang="en-FR" sz="1400" dirty="0"/>
-              <a:t>Transition matrix</a:t>
-            </a:r>
-          </a:p>
-          <a:p>
-            <a:r>
-              <a:rPr lang="en-GB" sz="1200" dirty="0"/>
-              <a:t>+-------------------+-----------------------+-----------------------+-----------------------+---------------------+----------------------+---------------------+--------------------+--------------------+--------------------+</a:t>
-            </a:r>
-          </a:p>
-          <a:p>
-            <a:r>
-              <a:rPr lang="en-GB" sz="1200" dirty="0"/>
-              <a:t>| source            |   enter(#1)           |   enter(#2)           |   enter(#3)           |   exit(#1)            |   exit(#2)            |         exit(#3)      |           </a:t>
-            </a:r>
-            <a:r>
-              <a:rPr lang="en-GB" sz="1200" dirty="0" err="1"/>
+              <a:rPr lang="en-FR" dirty="0">
+                <a:latin typeface="Helvetica Neue Thin" panose="020B0403020202020204" pitchFamily="34" charset="0"/>
+                <a:ea typeface="Helvetica Neue Thin" panose="020B0403020202020204" pitchFamily="34" charset="0"/>
+              </a:rPr>
+              <a:t>Log file: </a:t>
+            </a:r>
+            <a:r>
+              <a:rPr lang="en-GB" dirty="0">
+                <a:latin typeface="Helvetica Neue Thin" panose="020B0403020202020204" pitchFamily="34" charset="0"/>
+                <a:ea typeface="Helvetica Neue Thin" panose="020B0403020202020204" pitchFamily="34" charset="0"/>
+              </a:rPr>
+              <a:t>buggy.cub1678220204.data</a:t>
+            </a:r>
+            <a:endParaRPr lang="en-FR" dirty="0">
+              <a:latin typeface="Helvetica Neue Thin" panose="020B0403020202020204" pitchFamily="34" charset="0"/>
+              <a:ea typeface="Helvetica Neue Thin" panose="020B0403020202020204" pitchFamily="34" charset="0"/>
+            </a:endParaRPr>
+          </a:p>
+          <a:p>
+            <a:endParaRPr lang="en-FR" dirty="0">
+              <a:latin typeface="Helvetica Neue Thin" panose="020B0403020202020204" pitchFamily="34" charset="0"/>
+              <a:ea typeface="Helvetica Neue Thin" panose="020B0403020202020204" pitchFamily="34" charset="0"/>
+            </a:endParaRPr>
+          </a:p>
+          <a:p>
+            <a:r>
+              <a:rPr lang="en-FR" dirty="0">
+                <a:latin typeface="Helvetica Neue Thin" panose="020B0403020202020204" pitchFamily="34" charset="0"/>
+                <a:ea typeface="Helvetica Neue Thin" panose="020B0403020202020204" pitchFamily="34" charset="0"/>
+              </a:rPr>
+              <a:t>Out of 1 000 000 steps, it only took 3. No need to even try anything else, the model is clearly odd.</a:t>
+            </a:r>
+          </a:p>
+          <a:p>
+            <a:r>
+              <a:rPr lang="en-FR" dirty="0">
+                <a:latin typeface="Helvetica Neue Thin" panose="020B0403020202020204" pitchFamily="34" charset="0"/>
+                <a:ea typeface="Helvetica Neue Thin" panose="020B0403020202020204" pitchFamily="34" charset="0"/>
+              </a:rPr>
+              <a:t>The transition matrix clearly shows that going 100% from req to req killed the system: </a:t>
+            </a:r>
+          </a:p>
+          <a:p>
+            <a:r>
+              <a:rPr lang="en-GB" dirty="0">
+                <a:ea typeface="Helvetica Neue Thin" panose="020B0403020202020204" pitchFamily="34" charset="0"/>
+              </a:rPr>
+              <a:t>+----------------+-----------------+--------------+-------------+</a:t>
+            </a:r>
+          </a:p>
+          <a:p>
+            <a:r>
+              <a:rPr lang="en-GB" dirty="0">
+                <a:ea typeface="Helvetica Neue Thin" panose="020B0403020202020204" pitchFamily="34" charset="0"/>
+              </a:rPr>
+              <a:t>| source         |   enter          |   exit          |   </a:t>
+            </a:r>
+            <a:r>
+              <a:rPr lang="en-GB" dirty="0" err="1">
+                <a:ea typeface="Helvetica Neue Thin" panose="020B0403020202020204" pitchFamily="34" charset="0"/>
+              </a:rPr>
               <a:t>req</a:t>
             </a:r>
             <a:r>
-              <a:rPr lang="en-GB" sz="1200" dirty="0"/>
-              <a:t>(#1)  |          </a:t>
-            </a:r>
-            <a:r>
-              <a:rPr lang="en-GB" sz="1200" dirty="0" err="1"/>
+              <a:rPr lang="en-GB" dirty="0">
+                <a:ea typeface="Helvetica Neue Thin" panose="020B0403020202020204" pitchFamily="34" charset="0"/>
+              </a:rPr>
+              <a:t>        |</a:t>
+            </a:r>
+          </a:p>
+          <a:p>
+            <a:r>
+              <a:rPr lang="en-GB" dirty="0">
+                <a:ea typeface="Helvetica Neue Thin" panose="020B0403020202020204" pitchFamily="34" charset="0"/>
+              </a:rPr>
+              <a:t>+==========+==========+=========+========+</a:t>
+            </a:r>
+          </a:p>
+          <a:p>
+            <a:r>
+              <a:rPr lang="en-GB" dirty="0">
+                <a:ea typeface="Helvetica Neue Thin" panose="020B0403020202020204" pitchFamily="34" charset="0"/>
+              </a:rPr>
+              <a:t>| enter           |        0            |       0          |      0          |</a:t>
+            </a:r>
+          </a:p>
+          <a:p>
+            <a:r>
+              <a:rPr lang="en-GB" dirty="0">
+                <a:ea typeface="Helvetica Neue Thin" panose="020B0403020202020204" pitchFamily="34" charset="0"/>
+              </a:rPr>
+              <a:t>+----------------+-----------------+--------------+-------------+</a:t>
+            </a:r>
+          </a:p>
+          <a:p>
+            <a:r>
+              <a:rPr lang="en-GB" dirty="0">
+                <a:ea typeface="Helvetica Neue Thin" panose="020B0403020202020204" pitchFamily="34" charset="0"/>
+              </a:rPr>
+              <a:t>| exit              |        0             |       0         |      0          |</a:t>
+            </a:r>
+          </a:p>
+          <a:p>
+            <a:r>
+              <a:rPr lang="en-GB" dirty="0">
+                <a:ea typeface="Helvetica Neue Thin" panose="020B0403020202020204" pitchFamily="34" charset="0"/>
+              </a:rPr>
+              <a:t>+----------------+-----------------+--------------+-------------+</a:t>
+            </a:r>
+          </a:p>
+          <a:p>
+            <a:r>
+              <a:rPr lang="en-GB" dirty="0">
+                <a:ea typeface="Helvetica Neue Thin" panose="020B0403020202020204" pitchFamily="34" charset="0"/>
+              </a:rPr>
+              <a:t>| </a:t>
+            </a:r>
+            <a:r>
+              <a:rPr lang="en-GB" dirty="0" err="1">
+                <a:ea typeface="Helvetica Neue Thin" panose="020B0403020202020204" pitchFamily="34" charset="0"/>
+              </a:rPr>
               <a:t>req</a:t>
             </a:r>
             <a:r>
-              <a:rPr lang="en-GB" sz="1200" dirty="0"/>
-              <a:t>(#2)    |          </a:t>
-            </a:r>
-            <a:r>
-              <a:rPr lang="en-GB" sz="1200" dirty="0" err="1"/>
-              <a:t>req</a:t>
-            </a:r>
-            <a:r>
-              <a:rPr lang="en-GB" sz="1200" dirty="0"/>
-              <a:t>(#3)   |</a:t>
-            </a:r>
-          </a:p>
-          <a:p>
-            <a:r>
-              <a:rPr lang="en-GB" sz="1200" dirty="0"/>
-              <a:t>+===========+==============+==============+==============+=============+=============+=============+============+============+============+</a:t>
-            </a:r>
-          </a:p>
-          <a:p>
-            <a:r>
-              <a:rPr lang="en-GB" sz="1200" dirty="0"/>
-              <a:t>| enter(#1)       |     0                       |     0                        |     0                       |   0.843004         |   0                        |   0                      |  0                       |  0.0774727     |  0.0795229      |</a:t>
-            </a:r>
-          </a:p>
-          <a:p>
-            <a:r>
-              <a:rPr lang="en-GB" sz="1200" dirty="0"/>
-              <a:t>+-------------------+----------------------+------------------------+-----------------------+---------------------+----------------------+---------------------+--------------------+--------------------+--------------------+</a:t>
-            </a:r>
-          </a:p>
-          <a:p>
-            <a:r>
-              <a:rPr lang="en-GB" sz="1200" dirty="0"/>
-              <a:t>| enter(#2)        |     0                      |     0                        |     0                        |   0                      |   0.830604          |   0                      |  0.0887046      |  0                      |  0.0806912      |</a:t>
-            </a:r>
-          </a:p>
-          <a:p>
-            <a:r>
-              <a:rPr lang="en-GB" sz="1200" dirty="0"/>
-              <a:t>+-------------------+----------------------+------------------------+-----------------------+---------------------+----------------------+---------------------+--------------------+--------------------+--------------------+</a:t>
-            </a:r>
-          </a:p>
-          <a:p>
-            <a:r>
-              <a:rPr lang="en-GB" sz="1200" dirty="0"/>
-              <a:t>| enter(#3)        |     0                      |     0                        |     0                        |   0                      |   0                        |   0.831935        |  0.0865703      |  0.0814945      |  0                      |</a:t>
-            </a:r>
-          </a:p>
-          <a:p>
-            <a:r>
-              <a:rPr lang="en-GB" sz="1200" dirty="0"/>
-              <a:t>+-------------------+----------------------+------------------------+-----------------------+---------------------+----------------------+---------------------+--------------------+--------------------+--------------------+</a:t>
-            </a:r>
-          </a:p>
-          <a:p>
-            <a:r>
-              <a:rPr lang="en-GB" sz="1200" dirty="0"/>
-              <a:t>| exit(#1)           |     0                      |     0.169297          |     0.169732         |   0                      |   0                        |   0                       |  0.489066        |  0.0908921      |  0.0810139     |</a:t>
-            </a:r>
-          </a:p>
-          <a:p>
-            <a:r>
-              <a:rPr lang="en-GB" sz="1200" dirty="0"/>
-              <a:t>+-------------------+----------------------+------------------------+-----------------------+---------------------+----------------------+---------------------+--------------------+--------------------+--------------------+</a:t>
-            </a:r>
-          </a:p>
-          <a:p>
-            <a:r>
-              <a:rPr lang="en-GB" sz="1200" dirty="0"/>
-              <a:t>| exit(#2)           |     0.189185       |     0                         |     0.162985         |   0                      |   0                        |   0                       |  0.0985297      |  0.464288        |  0.0850115     |</a:t>
-            </a:r>
-          </a:p>
-          <a:p>
-            <a:r>
-              <a:rPr lang="en-GB" sz="1200" dirty="0"/>
-              <a:t>+-------------------+----------------------+------------------------+-----------------------+---------------------+----------------------+---------------------+--------------------+--------------------+--------------------+</a:t>
-            </a:r>
-          </a:p>
-          <a:p>
-            <a:r>
-              <a:rPr lang="en-GB" sz="1200" dirty="0"/>
-              <a:t>| exit(#3)           |     0.180754       |     0.169334          |     0                        |   0                      |   0                        |   0                       |  0.104759        |  0.0842439      |  0.460909       |</a:t>
-            </a:r>
-          </a:p>
-          <a:p>
-            <a:r>
-              <a:rPr lang="en-GB" sz="1200" dirty="0"/>
-              <a:t>+-------------------+----------------------+------------------------+-----------------------+---------------------+----------------------+---------------------+--------------------+--------------------+--------------------+</a:t>
-            </a:r>
-          </a:p>
-          <a:p>
-            <a:r>
-              <a:rPr lang="en-GB" sz="1200" dirty="0"/>
-              <a:t>| </a:t>
-            </a:r>
-            <a:r>
-              <a:rPr lang="en-GB" sz="1200" dirty="0" err="1"/>
-              <a:t>req</a:t>
-            </a:r>
-            <a:r>
-              <a:rPr lang="en-GB" sz="1200" dirty="0"/>
-              <a:t>(#1)           |     0.447661        |     0.115177          |     0.105672         |   0                       |   0.0786482       |   0.0772194      |  0                      |  0.0880288      |  0.087594        |</a:t>
-            </a:r>
-          </a:p>
-          <a:p>
-            <a:r>
-              <a:rPr lang="en-GB" sz="1200" dirty="0"/>
-              <a:t>+-------------------+----------------------+------------------------+-----------------------+---------------------+----------------------+---------------------+--------------------+--------------------+--------------------+</a:t>
-            </a:r>
-          </a:p>
-          <a:p>
-            <a:r>
-              <a:rPr lang="en-GB" sz="1200" dirty="0"/>
-              <a:t>| </a:t>
-            </a:r>
-            <a:r>
-              <a:rPr lang="en-GB" sz="1200" dirty="0" err="1"/>
-              <a:t>req</a:t>
-            </a:r>
-            <a:r>
-              <a:rPr lang="en-GB" sz="1200" dirty="0"/>
-              <a:t>(#2)           |     0.123676        |     0.406982          |     0.113434         |   0.085981        |   0                        |   0.0795011      |  0.101519        |  0                      |  0.0889075      |</a:t>
-            </a:r>
-          </a:p>
-          <a:p>
-            <a:r>
-              <a:rPr lang="en-GB" sz="1200" dirty="0"/>
-              <a:t>+-------------------+----------------------+------------------------+-----------------------+---------------------+----------------------+---------------------+--------------------+--------------------+--------------------+</a:t>
-            </a:r>
-          </a:p>
-          <a:p>
-            <a:r>
-              <a:rPr lang="en-GB" sz="1200" dirty="0"/>
-              <a:t>| </a:t>
-            </a:r>
-            <a:r>
-              <a:rPr lang="en-GB" sz="1200" dirty="0" err="1"/>
-              <a:t>req</a:t>
-            </a:r>
-            <a:r>
-              <a:rPr lang="en-GB" sz="1200" dirty="0"/>
-              <a:t>(#3)           |     0.129432        |     0.10779            |     0.407825         |   0.0911526      |   0.082129          |   0                      |  0.0962989      |  0.0853719     |  0                       |</a:t>
-            </a:r>
-          </a:p>
-          <a:p>
-            <a:r>
-              <a:rPr lang="en-GB" sz="1200" dirty="0"/>
-              <a:t>+-------------------+----------------------+------------------------+-----------------------+---------------------+----------------------+---------------------+--------------------+--------------------+--------------------+</a:t>
-            </a:r>
-          </a:p>
-          <a:p>
-            <a:endParaRPr lang="en-GB" sz="1200" dirty="0"/>
-          </a:p>
-          <a:p>
-            <a:r>
-              <a:rPr lang="en-GB" sz="1600" dirty="0"/>
-              <a:t>Stable state: [0.12020888, 0.10717856, 0.10594082, 0.12020984, 0.10717859, 0.10593995, 0.12021135, 0.10718605, 0.10594596]</a:t>
-            </a:r>
+              <a:rPr lang="en-GB" dirty="0">
+                <a:ea typeface="Helvetica Neue Thin" panose="020B0403020202020204" pitchFamily="34" charset="0"/>
+              </a:rPr>
+              <a:t>               |        0            |       0          |      1         |</a:t>
+            </a:r>
+          </a:p>
+          <a:p>
+            <a:r>
+              <a:rPr lang="en-GB" dirty="0">
+                <a:ea typeface="Helvetica Neue Thin" panose="020B0403020202020204" pitchFamily="34" charset="0"/>
+              </a:rPr>
+              <a:t>+----------------+-----------------+--------------+-------------+</a:t>
+            </a:r>
+          </a:p>
+          <a:p>
+            <a:endParaRPr lang="en-GB" sz="1600" dirty="0">
+              <a:latin typeface="Helvetica Neue Thin" panose="020B0403020202020204" pitchFamily="34" charset="0"/>
+              <a:ea typeface="Helvetica Neue Thin" panose="020B0403020202020204" pitchFamily="34" charset="0"/>
+            </a:endParaRPr>
+          </a:p>
+          <a:p>
+            <a:endParaRPr lang="en-GB" sz="1600" dirty="0">
+              <a:latin typeface="Helvetica Neue Thin" panose="020B0403020202020204" pitchFamily="34" charset="0"/>
+              <a:ea typeface="Helvetica Neue Thin" panose="020B0403020202020204" pitchFamily="34" charset="0"/>
+            </a:endParaRPr>
+          </a:p>
+        </p:txBody>
+      </p:sp>
+      <p:sp>
+        <p:nvSpPr>
+          <p:cNvPr id="2" name="Slide Number Placeholder 1">
+            <a:extLst>
+              <a:ext uri="{FF2B5EF4-FFF2-40B4-BE49-F238E27FC236}">
+                <a16:creationId xmlns:a16="http://schemas.microsoft.com/office/drawing/2014/main" id="{6E02610C-2956-E369-0F3D-8F5466DF514F}"/>
+              </a:ext>
+            </a:extLst>
+          </p:cNvPr>
+          <p:cNvSpPr>
+            <a:spLocks noGrp="1"/>
+          </p:cNvSpPr>
+          <p:nvPr>
+            <p:ph type="sldNum" sz="quarter" idx="12"/>
+          </p:nvPr>
+        </p:nvSpPr>
+        <p:spPr/>
+        <p:txBody>
+          <a:bodyPr/>
+          <a:lstStyle/>
+          <a:p>
+            <a:fld id="{4A936E34-E911-F947-B710-F12161D09F63}" type="slidenum">
+              <a:rPr lang="en-FR" smtClean="0"/>
+              <a:t>26</a:t>
+            </a:fld>
+            <a:endParaRPr lang="en-FR"/>
           </a:p>
         </p:txBody>
       </p:sp>
     </p:spTree>
     <p:extLst>
       <p:ext uri="{BB962C8B-B14F-4D97-AF65-F5344CB8AC3E}">
-        <p14:creationId xmlns:p14="http://schemas.microsoft.com/office/powerpoint/2010/main" val="4257490243"/>
+        <p14:creationId xmlns:p14="http://schemas.microsoft.com/office/powerpoint/2010/main" val="1356879358"/>
+      </p:ext>
+    </p:extLst>
+  </p:cSld>
+  <p:clrMapOvr>
+    <a:masterClrMapping/>
+  </p:clrMapOvr>
+</p:sld>
+</file>
+
+<file path=ppt/slides/slide27.xml><?xml version="1.0" encoding="utf-8"?>
+<p:sld xmlns:a="http://schemas.openxmlformats.org/drawingml/2006/main" xmlns:r="http://schemas.openxmlformats.org/officeDocument/2006/relationships" xmlns:p="http://schemas.openxmlformats.org/presentationml/2006/main">
+  <p:cSld>
+    <p:spTree>
+      <p:nvGrpSpPr>
+        <p:cNvPr id="1" name=""/>
+        <p:cNvGrpSpPr/>
+        <p:nvPr/>
+      </p:nvGrpSpPr>
+      <p:grpSpPr>
+        <a:xfrm>
+          <a:off x="0" y="0"/>
+          <a:ext cx="0" cy="0"/>
+          <a:chOff x="0" y="0"/>
+          <a:chExt cx="0" cy="0"/>
+        </a:xfrm>
+      </p:grpSpPr>
+      <p:sp>
+        <p:nvSpPr>
+          <p:cNvPr id="4" name="TextBox 3">
+            <a:extLst>
+              <a:ext uri="{FF2B5EF4-FFF2-40B4-BE49-F238E27FC236}">
+                <a16:creationId xmlns:a16="http://schemas.microsoft.com/office/drawing/2014/main" id="{10DEA0E4-DA7F-E905-D91F-6C01DD4C8C81}"/>
+              </a:ext>
+            </a:extLst>
+          </p:cNvPr>
+          <p:cNvSpPr txBox="1"/>
+          <p:nvPr/>
+        </p:nvSpPr>
+        <p:spPr>
+          <a:xfrm>
+            <a:off x="94445" y="123726"/>
+            <a:ext cx="7456093" cy="461665"/>
+          </a:xfrm>
+          <a:prstGeom prst="rect">
+            <a:avLst/>
+          </a:prstGeom>
+          <a:noFill/>
+        </p:spPr>
+        <p:txBody>
+          <a:bodyPr wrap="square" rtlCol="0">
+            <a:spAutoFit/>
+          </a:bodyPr>
+          <a:lstStyle/>
+          <a:p>
+            <a:r>
+              <a:rPr lang="en-US" sz="2400" dirty="0">
+                <a:latin typeface="Helvetica Neue Thin" panose="020B0403020202020204" pitchFamily="34" charset="0"/>
+                <a:ea typeface="Helvetica Neue Thin" panose="020B0403020202020204" pitchFamily="34" charset="0"/>
+              </a:rPr>
+              <a:t>Buggy </a:t>
+            </a:r>
+            <a:r>
+              <a:rPr lang="en-US" sz="2400" dirty="0" err="1">
+                <a:latin typeface="Helvetica Neue Thin" panose="020B0403020202020204" pitchFamily="34" charset="0"/>
+                <a:ea typeface="Helvetica Neue Thin" panose="020B0403020202020204" pitchFamily="34" charset="0"/>
+              </a:rPr>
+              <a:t>Dekker.cub</a:t>
+            </a:r>
+            <a:r>
+              <a:rPr lang="en-US" sz="2400" dirty="0">
+                <a:latin typeface="Helvetica Neue Thin" panose="020B0403020202020204" pitchFamily="34" charset="0"/>
+                <a:ea typeface="Helvetica Neue Thin" panose="020B0403020202020204" pitchFamily="34" charset="0"/>
+              </a:rPr>
+              <a:t> [original deadlocking example]</a:t>
+            </a:r>
+            <a:endParaRPr lang="en-FR" sz="2000" dirty="0">
+              <a:latin typeface="Helvetica Neue Thin" panose="020B0403020202020204" pitchFamily="34" charset="0"/>
+              <a:ea typeface="Helvetica Neue Thin" panose="020B0403020202020204" pitchFamily="34" charset="0"/>
+            </a:endParaRPr>
+          </a:p>
+        </p:txBody>
+      </p:sp>
+      <p:sp>
+        <p:nvSpPr>
+          <p:cNvPr id="5" name="TextBox 4">
+            <a:extLst>
+              <a:ext uri="{FF2B5EF4-FFF2-40B4-BE49-F238E27FC236}">
+                <a16:creationId xmlns:a16="http://schemas.microsoft.com/office/drawing/2014/main" id="{D51E0414-BA4B-94E1-C01E-E0863EDB6501}"/>
+              </a:ext>
+            </a:extLst>
+          </p:cNvPr>
+          <p:cNvSpPr txBox="1"/>
+          <p:nvPr/>
+        </p:nvSpPr>
+        <p:spPr>
+          <a:xfrm>
+            <a:off x="94445" y="586610"/>
+            <a:ext cx="12003110" cy="1169551"/>
+          </a:xfrm>
+          <a:prstGeom prst="rect">
+            <a:avLst/>
+          </a:prstGeom>
+          <a:noFill/>
+        </p:spPr>
+        <p:txBody>
+          <a:bodyPr wrap="square" rtlCol="0">
+            <a:spAutoFit/>
+          </a:bodyPr>
+          <a:lstStyle/>
+          <a:p>
+            <a:r>
+              <a:rPr lang="en-FR" dirty="0">
+                <a:latin typeface="Helvetica Neue Thin" panose="020B0403020202020204" pitchFamily="34" charset="0"/>
+                <a:ea typeface="Helvetica Neue Thin" panose="020B0403020202020204" pitchFamily="34" charset="0"/>
+              </a:rPr>
+              <a:t>Log file: </a:t>
+            </a:r>
+            <a:r>
+              <a:rPr lang="en-GB" dirty="0">
+                <a:latin typeface="Helvetica Neue Thin" panose="020B0403020202020204" pitchFamily="34" charset="0"/>
+                <a:ea typeface="Helvetica Neue Thin" panose="020B0403020202020204" pitchFamily="34" charset="0"/>
+              </a:rPr>
+              <a:t>buggy.cub1678198010.data</a:t>
+            </a:r>
+            <a:endParaRPr lang="en-FR" dirty="0">
+              <a:latin typeface="Helvetica Neue Thin" panose="020B0403020202020204" pitchFamily="34" charset="0"/>
+              <a:ea typeface="Helvetica Neue Thin" panose="020B0403020202020204" pitchFamily="34" charset="0"/>
+            </a:endParaRPr>
+          </a:p>
+          <a:p>
+            <a:endParaRPr lang="en-FR" dirty="0">
+              <a:latin typeface="Helvetica Neue Thin" panose="020B0403020202020204" pitchFamily="34" charset="0"/>
+              <a:ea typeface="Helvetica Neue Thin" panose="020B0403020202020204" pitchFamily="34" charset="0"/>
+            </a:endParaRPr>
+          </a:p>
+          <a:p>
+            <a:r>
+              <a:rPr lang="en-GB" dirty="0">
+                <a:latin typeface="Helvetica Neue Thin" panose="020B0403020202020204" pitchFamily="34" charset="0"/>
+                <a:ea typeface="Helvetica Neue Thin" panose="020B0403020202020204" pitchFamily="34" charset="0"/>
+              </a:rPr>
+              <a:t>You can try a different run and maybe try a more detailed matrix:</a:t>
+            </a:r>
+          </a:p>
+          <a:p>
+            <a:endParaRPr lang="en-GB" sz="1600" dirty="0">
+              <a:latin typeface="Helvetica Neue Thin" panose="020B0403020202020204" pitchFamily="34" charset="0"/>
+              <a:ea typeface="Helvetica Neue Thin" panose="020B0403020202020204" pitchFamily="34" charset="0"/>
+            </a:endParaRPr>
+          </a:p>
+        </p:txBody>
+      </p:sp>
+      <p:pic>
+        <p:nvPicPr>
+          <p:cNvPr id="2" name="Picture 1">
+            <a:extLst>
+              <a:ext uri="{FF2B5EF4-FFF2-40B4-BE49-F238E27FC236}">
+                <a16:creationId xmlns:a16="http://schemas.microsoft.com/office/drawing/2014/main" id="{0BA9B44B-A068-B49F-BF27-B3B7A895BA08}"/>
+              </a:ext>
+            </a:extLst>
+          </p:cNvPr>
+          <p:cNvPicPr>
+            <a:picLocks noChangeAspect="1"/>
+          </p:cNvPicPr>
+          <p:nvPr/>
+        </p:nvPicPr>
+        <p:blipFill>
+          <a:blip r:embed="rId2"/>
+          <a:stretch>
+            <a:fillRect/>
+          </a:stretch>
+        </p:blipFill>
+        <p:spPr>
+          <a:xfrm>
+            <a:off x="188890" y="1510053"/>
+            <a:ext cx="11952401" cy="3591787"/>
+          </a:xfrm>
+          <a:prstGeom prst="rect">
+            <a:avLst/>
+          </a:prstGeom>
+        </p:spPr>
+      </p:pic>
+      <p:sp>
+        <p:nvSpPr>
+          <p:cNvPr id="3" name="TextBox 2">
+            <a:extLst>
+              <a:ext uri="{FF2B5EF4-FFF2-40B4-BE49-F238E27FC236}">
+                <a16:creationId xmlns:a16="http://schemas.microsoft.com/office/drawing/2014/main" id="{7A1EDE53-6561-5FB0-758B-A7E4A2D6FD90}"/>
+              </a:ext>
+            </a:extLst>
+          </p:cNvPr>
+          <p:cNvSpPr txBox="1"/>
+          <p:nvPr/>
+        </p:nvSpPr>
+        <p:spPr>
+          <a:xfrm>
+            <a:off x="138181" y="5101840"/>
+            <a:ext cx="12003110" cy="892552"/>
+          </a:xfrm>
+          <a:prstGeom prst="rect">
+            <a:avLst/>
+          </a:prstGeom>
+          <a:noFill/>
+        </p:spPr>
+        <p:txBody>
+          <a:bodyPr wrap="square" rtlCol="0">
+            <a:spAutoFit/>
+          </a:bodyPr>
+          <a:lstStyle/>
+          <a:p>
+            <a:r>
+              <a:rPr lang="en-FR" dirty="0">
+                <a:latin typeface="Helvetica Neue Thin" panose="020B0403020202020204" pitchFamily="34" charset="0"/>
+                <a:ea typeface="Helvetica Neue Thin" panose="020B0403020202020204" pitchFamily="34" charset="0"/>
+              </a:rPr>
+              <a:t>Although it is also useless, since the simple information gathered from the run, i.e. how often processes/transitions appear etc is enough to deduce that something is wrong with the model.</a:t>
+            </a:r>
+          </a:p>
+          <a:p>
+            <a:endParaRPr lang="en-GB" sz="1600" dirty="0">
+              <a:latin typeface="Helvetica Neue Thin" panose="020B0403020202020204" pitchFamily="34" charset="0"/>
+              <a:ea typeface="Helvetica Neue Thin" panose="020B0403020202020204" pitchFamily="34" charset="0"/>
+            </a:endParaRPr>
+          </a:p>
+        </p:txBody>
+      </p:sp>
+      <p:sp>
+        <p:nvSpPr>
+          <p:cNvPr id="6" name="Slide Number Placeholder 5">
+            <a:extLst>
+              <a:ext uri="{FF2B5EF4-FFF2-40B4-BE49-F238E27FC236}">
+                <a16:creationId xmlns:a16="http://schemas.microsoft.com/office/drawing/2014/main" id="{5A7826FE-8F73-CDD0-2816-DA23ABE31E76}"/>
+              </a:ext>
+            </a:extLst>
+          </p:cNvPr>
+          <p:cNvSpPr>
+            <a:spLocks noGrp="1"/>
+          </p:cNvSpPr>
+          <p:nvPr>
+            <p:ph type="sldNum" sz="quarter" idx="12"/>
+          </p:nvPr>
+        </p:nvSpPr>
+        <p:spPr/>
+        <p:txBody>
+          <a:bodyPr/>
+          <a:lstStyle/>
+          <a:p>
+            <a:fld id="{4A936E34-E911-F947-B710-F12161D09F63}" type="slidenum">
+              <a:rPr lang="en-FR" smtClean="0"/>
+              <a:t>27</a:t>
+            </a:fld>
+            <a:endParaRPr lang="en-FR"/>
+          </a:p>
+        </p:txBody>
+      </p:sp>
+    </p:spTree>
+    <p:extLst>
+      <p:ext uri="{BB962C8B-B14F-4D97-AF65-F5344CB8AC3E}">
+        <p14:creationId xmlns:p14="http://schemas.microsoft.com/office/powerpoint/2010/main" val="2350080130"/>
+      </p:ext>
+    </p:extLst>
+  </p:cSld>
+  <p:clrMapOvr>
+    <a:masterClrMapping/>
+  </p:clrMapOvr>
+</p:sld>
+</file>
+
+<file path=ppt/slides/slide28.xml><?xml version="1.0" encoding="utf-8"?>
+<p:sld xmlns:a="http://schemas.openxmlformats.org/drawingml/2006/main" xmlns:r="http://schemas.openxmlformats.org/officeDocument/2006/relationships" xmlns:p="http://schemas.openxmlformats.org/presentationml/2006/main">
+  <p:cSld>
+    <p:spTree>
+      <p:nvGrpSpPr>
+        <p:cNvPr id="1" name=""/>
+        <p:cNvGrpSpPr/>
+        <p:nvPr/>
+      </p:nvGrpSpPr>
+      <p:grpSpPr>
+        <a:xfrm>
+          <a:off x="0" y="0"/>
+          <a:ext cx="0" cy="0"/>
+          <a:chOff x="0" y="0"/>
+          <a:chExt cx="0" cy="0"/>
+        </a:xfrm>
+      </p:grpSpPr>
+      <p:sp>
+        <p:nvSpPr>
+          <p:cNvPr id="4" name="TextBox 3">
+            <a:extLst>
+              <a:ext uri="{FF2B5EF4-FFF2-40B4-BE49-F238E27FC236}">
+                <a16:creationId xmlns:a16="http://schemas.microsoft.com/office/drawing/2014/main" id="{10DEA0E4-DA7F-E905-D91F-6C01DD4C8C81}"/>
+              </a:ext>
+            </a:extLst>
+          </p:cNvPr>
+          <p:cNvSpPr txBox="1"/>
+          <p:nvPr/>
+        </p:nvSpPr>
+        <p:spPr>
+          <a:xfrm>
+            <a:off x="94445" y="123726"/>
+            <a:ext cx="7456093" cy="461665"/>
+          </a:xfrm>
+          <a:prstGeom prst="rect">
+            <a:avLst/>
+          </a:prstGeom>
+          <a:noFill/>
+        </p:spPr>
+        <p:txBody>
+          <a:bodyPr wrap="square" rtlCol="0">
+            <a:spAutoFit/>
+          </a:bodyPr>
+          <a:lstStyle/>
+          <a:p>
+            <a:r>
+              <a:rPr lang="en-US" sz="2400" dirty="0" err="1">
+                <a:latin typeface="Helvetica Neue Thin" panose="020B0403020202020204" pitchFamily="34" charset="0"/>
+                <a:ea typeface="Helvetica Neue Thin" panose="020B0403020202020204" pitchFamily="34" charset="0"/>
+              </a:rPr>
+              <a:t>Germanish</a:t>
+            </a:r>
+            <a:r>
+              <a:rPr lang="en-US" sz="2400" dirty="0">
+                <a:latin typeface="Helvetica Neue Thin" panose="020B0403020202020204" pitchFamily="34" charset="0"/>
+                <a:ea typeface="Helvetica Neue Thin" panose="020B0403020202020204" pitchFamily="34" charset="0"/>
+              </a:rPr>
+              <a:t> [test-run maximizing entropy]</a:t>
+            </a:r>
+            <a:endParaRPr lang="en-FR" sz="2000" dirty="0">
+              <a:latin typeface="Helvetica Neue Thin" panose="020B0403020202020204" pitchFamily="34" charset="0"/>
+              <a:ea typeface="Helvetica Neue Thin" panose="020B0403020202020204" pitchFamily="34" charset="0"/>
+            </a:endParaRPr>
+          </a:p>
+        </p:txBody>
+      </p:sp>
+      <p:sp>
+        <p:nvSpPr>
+          <p:cNvPr id="5" name="TextBox 4">
+            <a:extLst>
+              <a:ext uri="{FF2B5EF4-FFF2-40B4-BE49-F238E27FC236}">
+                <a16:creationId xmlns:a16="http://schemas.microsoft.com/office/drawing/2014/main" id="{D51E0414-BA4B-94E1-C01E-E0863EDB6501}"/>
+              </a:ext>
+            </a:extLst>
+          </p:cNvPr>
+          <p:cNvSpPr txBox="1"/>
+          <p:nvPr/>
+        </p:nvSpPr>
+        <p:spPr>
+          <a:xfrm>
+            <a:off x="94445" y="586610"/>
+            <a:ext cx="12003110" cy="892552"/>
+          </a:xfrm>
+          <a:prstGeom prst="rect">
+            <a:avLst/>
+          </a:prstGeom>
+          <a:noFill/>
+        </p:spPr>
+        <p:txBody>
+          <a:bodyPr wrap="square" rtlCol="0">
+            <a:spAutoFit/>
+          </a:bodyPr>
+          <a:lstStyle/>
+          <a:p>
+            <a:r>
+              <a:rPr lang="en-FR" dirty="0">
+                <a:latin typeface="Helvetica Neue Thin" panose="020B0403020202020204" pitchFamily="34" charset="0"/>
+                <a:ea typeface="Helvetica Neue Thin" panose="020B0403020202020204" pitchFamily="34" charset="0"/>
+              </a:rPr>
+              <a:t>Log file: </a:t>
+            </a:r>
+            <a:r>
+              <a:rPr lang="en-GB" dirty="0">
+                <a:latin typeface="Helvetica Neue Thin" panose="020B0403020202020204" pitchFamily="34" charset="0"/>
+                <a:ea typeface="Helvetica Neue Thin" panose="020B0403020202020204" pitchFamily="34" charset="0"/>
+              </a:rPr>
+              <a:t>germanish.cub1678226749.data</a:t>
+            </a:r>
+            <a:endParaRPr lang="en-FR" dirty="0">
+              <a:latin typeface="Helvetica Neue Thin" panose="020B0403020202020204" pitchFamily="34" charset="0"/>
+              <a:ea typeface="Helvetica Neue Thin" panose="020B0403020202020204" pitchFamily="34" charset="0"/>
+            </a:endParaRPr>
+          </a:p>
+          <a:p>
+            <a:endParaRPr lang="en-FR" dirty="0">
+              <a:latin typeface="Helvetica Neue Thin" panose="020B0403020202020204" pitchFamily="34" charset="0"/>
+              <a:ea typeface="Helvetica Neue Thin" panose="020B0403020202020204" pitchFamily="34" charset="0"/>
+            </a:endParaRPr>
+          </a:p>
+          <a:p>
+            <a:endParaRPr lang="en-GB" sz="1600" dirty="0">
+              <a:latin typeface="Helvetica Neue Thin" panose="020B0403020202020204" pitchFamily="34" charset="0"/>
+              <a:ea typeface="Helvetica Neue Thin" panose="020B0403020202020204" pitchFamily="34" charset="0"/>
+            </a:endParaRPr>
+          </a:p>
+        </p:txBody>
+      </p:sp>
+      <p:sp>
+        <p:nvSpPr>
+          <p:cNvPr id="6" name="Slide Number Placeholder 5">
+            <a:extLst>
+              <a:ext uri="{FF2B5EF4-FFF2-40B4-BE49-F238E27FC236}">
+                <a16:creationId xmlns:a16="http://schemas.microsoft.com/office/drawing/2014/main" id="{959BDB26-40E4-9CF6-297E-539B90F4FB2E}"/>
+              </a:ext>
+            </a:extLst>
+          </p:cNvPr>
+          <p:cNvSpPr>
+            <a:spLocks noGrp="1"/>
+          </p:cNvSpPr>
+          <p:nvPr>
+            <p:ph type="sldNum" sz="quarter" idx="12"/>
+          </p:nvPr>
+        </p:nvSpPr>
+        <p:spPr/>
+        <p:txBody>
+          <a:bodyPr/>
+          <a:lstStyle/>
+          <a:p>
+            <a:fld id="{4A936E34-E911-F947-B710-F12161D09F63}" type="slidenum">
+              <a:rPr lang="en-FR" smtClean="0"/>
+              <a:t>28</a:t>
+            </a:fld>
+            <a:endParaRPr lang="en-FR"/>
+          </a:p>
+        </p:txBody>
+      </p:sp>
+      <p:pic>
+        <p:nvPicPr>
+          <p:cNvPr id="7" name="Picture 6">
+            <a:extLst>
+              <a:ext uri="{FF2B5EF4-FFF2-40B4-BE49-F238E27FC236}">
+                <a16:creationId xmlns:a16="http://schemas.microsoft.com/office/drawing/2014/main" id="{F9EE66E7-21D5-39DE-88CE-8F6672410B75}"/>
+              </a:ext>
+            </a:extLst>
+          </p:cNvPr>
+          <p:cNvPicPr>
+            <a:picLocks noChangeAspect="1"/>
+          </p:cNvPicPr>
+          <p:nvPr/>
+        </p:nvPicPr>
+        <p:blipFill>
+          <a:blip r:embed="rId2"/>
+          <a:stretch>
+            <a:fillRect/>
+          </a:stretch>
+        </p:blipFill>
+        <p:spPr>
+          <a:xfrm>
+            <a:off x="94444" y="1032886"/>
+            <a:ext cx="11739369" cy="3196214"/>
+          </a:xfrm>
+          <a:prstGeom prst="rect">
+            <a:avLst/>
+          </a:prstGeom>
+        </p:spPr>
+      </p:pic>
+      <p:sp>
+        <p:nvSpPr>
+          <p:cNvPr id="8" name="TextBox 7">
+            <a:extLst>
+              <a:ext uri="{FF2B5EF4-FFF2-40B4-BE49-F238E27FC236}">
+                <a16:creationId xmlns:a16="http://schemas.microsoft.com/office/drawing/2014/main" id="{27A447D3-D98D-C71D-E512-B1FF0F72F452}"/>
+              </a:ext>
+            </a:extLst>
+          </p:cNvPr>
+          <p:cNvSpPr txBox="1"/>
+          <p:nvPr/>
+        </p:nvSpPr>
+        <p:spPr>
+          <a:xfrm>
+            <a:off x="94445" y="4233324"/>
+            <a:ext cx="12003110" cy="2831544"/>
+          </a:xfrm>
+          <a:prstGeom prst="rect">
+            <a:avLst/>
+          </a:prstGeom>
+          <a:noFill/>
+        </p:spPr>
+        <p:txBody>
+          <a:bodyPr wrap="square" rtlCol="0">
+            <a:spAutoFit/>
+          </a:bodyPr>
+          <a:lstStyle/>
+          <a:p>
+            <a:r>
+              <a:rPr lang="en-GB" dirty="0">
+                <a:latin typeface="Helvetica Neue Thin" panose="020B0403020202020204" pitchFamily="34" charset="0"/>
+                <a:ea typeface="Helvetica Neue Thin" panose="020B0403020202020204" pitchFamily="34" charset="0"/>
+              </a:rPr>
+              <a:t>Proc 1 : 14774 times</a:t>
+            </a:r>
+          </a:p>
+          <a:p>
+            <a:r>
+              <a:rPr lang="en-GB" dirty="0">
+                <a:latin typeface="Helvetica Neue Thin" panose="020B0403020202020204" pitchFamily="34" charset="0"/>
+                <a:ea typeface="Helvetica Neue Thin" panose="020B0403020202020204" pitchFamily="34" charset="0"/>
+              </a:rPr>
+              <a:t>Proc 2 : 14501 times</a:t>
+            </a:r>
+          </a:p>
+          <a:p>
+            <a:r>
+              <a:rPr lang="en-GB" dirty="0">
+                <a:latin typeface="Helvetica Neue Thin" panose="020B0403020202020204" pitchFamily="34" charset="0"/>
+                <a:ea typeface="Helvetica Neue Thin" panose="020B0403020202020204" pitchFamily="34" charset="0"/>
+              </a:rPr>
+              <a:t>Proc 3 : 14367 times</a:t>
+            </a:r>
+          </a:p>
+          <a:p>
+            <a:r>
+              <a:rPr lang="en-GB" dirty="0">
+                <a:latin typeface="Helvetica Neue Thin" panose="020B0403020202020204" pitchFamily="34" charset="0"/>
+                <a:ea typeface="Helvetica Neue Thin" panose="020B0403020202020204" pitchFamily="34" charset="0"/>
+              </a:rPr>
+              <a:t>Transition inv_2 : 4248 times</a:t>
+            </a:r>
+          </a:p>
+          <a:p>
+            <a:r>
+              <a:rPr lang="en-GB" dirty="0">
+                <a:latin typeface="Helvetica Neue Thin" panose="020B0403020202020204" pitchFamily="34" charset="0"/>
+                <a:ea typeface="Helvetica Neue Thin" panose="020B0403020202020204" pitchFamily="34" charset="0"/>
+              </a:rPr>
+              <a:t>Transition inv_1 : 10298 times</a:t>
+            </a:r>
+          </a:p>
+          <a:p>
+            <a:r>
+              <a:rPr lang="en-GB" dirty="0">
+                <a:latin typeface="Helvetica Neue Thin" panose="020B0403020202020204" pitchFamily="34" charset="0"/>
+                <a:ea typeface="Helvetica Neue Thin" panose="020B0403020202020204" pitchFamily="34" charset="0"/>
+              </a:rPr>
+              <a:t>Transition </a:t>
+            </a:r>
+            <a:r>
+              <a:rPr lang="en-GB" dirty="0" err="1">
+                <a:latin typeface="Helvetica Neue Thin" panose="020B0403020202020204" pitchFamily="34" charset="0"/>
+                <a:ea typeface="Helvetica Neue Thin" panose="020B0403020202020204" pitchFamily="34" charset="0"/>
+              </a:rPr>
+              <a:t>req_shared</a:t>
+            </a:r>
+            <a:r>
+              <a:rPr lang="en-GB" dirty="0">
+                <a:latin typeface="Helvetica Neue Thin" panose="020B0403020202020204" pitchFamily="34" charset="0"/>
+                <a:ea typeface="Helvetica Neue Thin" panose="020B0403020202020204" pitchFamily="34" charset="0"/>
+              </a:rPr>
+              <a:t> : 6117 times</a:t>
+            </a:r>
+          </a:p>
+          <a:p>
+            <a:r>
+              <a:rPr lang="en-GB" dirty="0">
+                <a:latin typeface="Helvetica Neue Thin" panose="020B0403020202020204" pitchFamily="34" charset="0"/>
+                <a:ea typeface="Helvetica Neue Thin" panose="020B0403020202020204" pitchFamily="34" charset="0"/>
+              </a:rPr>
+              <a:t>Transition </a:t>
+            </a:r>
+            <a:r>
+              <a:rPr lang="en-GB" dirty="0" err="1">
+                <a:latin typeface="Helvetica Neue Thin" panose="020B0403020202020204" pitchFamily="34" charset="0"/>
+                <a:ea typeface="Helvetica Neue Thin" panose="020B0403020202020204" pitchFamily="34" charset="0"/>
+              </a:rPr>
+              <a:t>req_exclusive</a:t>
+            </a:r>
+            <a:r>
+              <a:rPr lang="en-GB" dirty="0">
+                <a:latin typeface="Helvetica Neue Thin" panose="020B0403020202020204" pitchFamily="34" charset="0"/>
+                <a:ea typeface="Helvetica Neue Thin" panose="020B0403020202020204" pitchFamily="34" charset="0"/>
+              </a:rPr>
+              <a:t> : 8431 times</a:t>
+            </a:r>
+          </a:p>
+          <a:p>
+            <a:r>
+              <a:rPr lang="en-GB" dirty="0">
+                <a:latin typeface="Helvetica Neue Thin" panose="020B0403020202020204" pitchFamily="34" charset="0"/>
+                <a:ea typeface="Helvetica Neue Thin" panose="020B0403020202020204" pitchFamily="34" charset="0"/>
+              </a:rPr>
+              <a:t>Transition </a:t>
+            </a:r>
+            <a:r>
+              <a:rPr lang="en-GB" dirty="0" err="1">
+                <a:latin typeface="Helvetica Neue Thin" panose="020B0403020202020204" pitchFamily="34" charset="0"/>
+                <a:ea typeface="Helvetica Neue Thin" panose="020B0403020202020204" pitchFamily="34" charset="0"/>
+              </a:rPr>
+              <a:t>gnt_exclusive</a:t>
+            </a:r>
+            <a:r>
+              <a:rPr lang="en-GB" dirty="0">
+                <a:latin typeface="Helvetica Neue Thin" panose="020B0403020202020204" pitchFamily="34" charset="0"/>
+                <a:ea typeface="Helvetica Neue Thin" panose="020B0403020202020204" pitchFamily="34" charset="0"/>
+              </a:rPr>
+              <a:t> : 8431 times</a:t>
+            </a:r>
+          </a:p>
+          <a:p>
+            <a:r>
+              <a:rPr lang="en-GB" dirty="0">
+                <a:latin typeface="Helvetica Neue Thin" panose="020B0403020202020204" pitchFamily="34" charset="0"/>
+                <a:ea typeface="Helvetica Neue Thin" panose="020B0403020202020204" pitchFamily="34" charset="0"/>
+              </a:rPr>
+              <a:t>Transition </a:t>
+            </a:r>
+            <a:r>
+              <a:rPr lang="en-GB" dirty="0" err="1">
+                <a:latin typeface="Helvetica Neue Thin" panose="020B0403020202020204" pitchFamily="34" charset="0"/>
+                <a:ea typeface="Helvetica Neue Thin" panose="020B0403020202020204" pitchFamily="34" charset="0"/>
+              </a:rPr>
+              <a:t>gnt_shared</a:t>
+            </a:r>
+            <a:r>
+              <a:rPr lang="en-GB" dirty="0">
+                <a:latin typeface="Helvetica Neue Thin" panose="020B0403020202020204" pitchFamily="34" charset="0"/>
+                <a:ea typeface="Helvetica Neue Thin" panose="020B0403020202020204" pitchFamily="34" charset="0"/>
+              </a:rPr>
+              <a:t> : 6117 times</a:t>
+            </a:r>
+            <a:endParaRPr lang="en-FR" dirty="0">
+              <a:latin typeface="Helvetica Neue Thin" panose="020B0403020202020204" pitchFamily="34" charset="0"/>
+              <a:ea typeface="Helvetica Neue Thin" panose="020B0403020202020204" pitchFamily="34" charset="0"/>
+            </a:endParaRPr>
+          </a:p>
+          <a:p>
+            <a:endParaRPr lang="en-GB" sz="1600" dirty="0">
+              <a:latin typeface="Helvetica Neue Thin" panose="020B0403020202020204" pitchFamily="34" charset="0"/>
+              <a:ea typeface="Helvetica Neue Thin" panose="020B0403020202020204" pitchFamily="34" charset="0"/>
+            </a:endParaRPr>
+          </a:p>
+        </p:txBody>
+      </p:sp>
+      <p:sp>
+        <p:nvSpPr>
+          <p:cNvPr id="9" name="TextBox 8">
+            <a:extLst>
+              <a:ext uri="{FF2B5EF4-FFF2-40B4-BE49-F238E27FC236}">
+                <a16:creationId xmlns:a16="http://schemas.microsoft.com/office/drawing/2014/main" id="{037C8E69-1F48-6DFA-71E7-D6205D67E09E}"/>
+              </a:ext>
+            </a:extLst>
+          </p:cNvPr>
+          <p:cNvSpPr txBox="1"/>
+          <p:nvPr/>
+        </p:nvSpPr>
+        <p:spPr>
+          <a:xfrm>
+            <a:off x="4650116" y="4229100"/>
+            <a:ext cx="12003110" cy="338554"/>
+          </a:xfrm>
+          <a:prstGeom prst="rect">
+            <a:avLst/>
+          </a:prstGeom>
+          <a:noFill/>
+        </p:spPr>
+        <p:txBody>
+          <a:bodyPr wrap="square" rtlCol="0">
+            <a:spAutoFit/>
+          </a:bodyPr>
+          <a:lstStyle/>
+          <a:p>
+            <a:r>
+              <a:rPr lang="en-GB" sz="1600" dirty="0">
+                <a:latin typeface="Helvetica Neue Thin" panose="020B0403020202020204" pitchFamily="34" charset="0"/>
+                <a:ea typeface="Helvetica Neue Thin" panose="020B0403020202020204" pitchFamily="34" charset="0"/>
+              </a:rPr>
+              <a:t>0.19319739, 0.14014888, 0.23597992, 0.09732752, 0.19319739, 0.14014888]</a:t>
+            </a:r>
+          </a:p>
+        </p:txBody>
+      </p:sp>
+    </p:spTree>
+    <p:extLst>
+      <p:ext uri="{BB962C8B-B14F-4D97-AF65-F5344CB8AC3E}">
+        <p14:creationId xmlns:p14="http://schemas.microsoft.com/office/powerpoint/2010/main" val="470401157"/>
+      </p:ext>
+    </p:extLst>
+  </p:cSld>
+  <p:clrMapOvr>
+    <a:masterClrMapping/>
+  </p:clrMapOvr>
+</p:sld>
+</file>
+
+<file path=ppt/slides/slide29.xml><?xml version="1.0" encoding="utf-8"?>
+<p:sld xmlns:a="http://schemas.openxmlformats.org/drawingml/2006/main" xmlns:r="http://schemas.openxmlformats.org/officeDocument/2006/relationships" xmlns:p="http://schemas.openxmlformats.org/presentationml/2006/main">
+  <p:cSld>
+    <p:spTree>
+      <p:nvGrpSpPr>
+        <p:cNvPr id="1" name=""/>
+        <p:cNvGrpSpPr/>
+        <p:nvPr/>
+      </p:nvGrpSpPr>
+      <p:grpSpPr>
+        <a:xfrm>
+          <a:off x="0" y="0"/>
+          <a:ext cx="0" cy="0"/>
+          <a:chOff x="0" y="0"/>
+          <a:chExt cx="0" cy="0"/>
+        </a:xfrm>
+      </p:grpSpPr>
+      <p:sp>
+        <p:nvSpPr>
+          <p:cNvPr id="4" name="TextBox 3">
+            <a:extLst>
+              <a:ext uri="{FF2B5EF4-FFF2-40B4-BE49-F238E27FC236}">
+                <a16:creationId xmlns:a16="http://schemas.microsoft.com/office/drawing/2014/main" id="{10DEA0E4-DA7F-E905-D91F-6C01DD4C8C81}"/>
+              </a:ext>
+            </a:extLst>
+          </p:cNvPr>
+          <p:cNvSpPr txBox="1"/>
+          <p:nvPr/>
+        </p:nvSpPr>
+        <p:spPr>
+          <a:xfrm>
+            <a:off x="94445" y="123726"/>
+            <a:ext cx="7456093" cy="461665"/>
+          </a:xfrm>
+          <a:prstGeom prst="rect">
+            <a:avLst/>
+          </a:prstGeom>
+          <a:noFill/>
+        </p:spPr>
+        <p:txBody>
+          <a:bodyPr wrap="square" rtlCol="0">
+            <a:spAutoFit/>
+          </a:bodyPr>
+          <a:lstStyle/>
+          <a:p>
+            <a:r>
+              <a:rPr lang="en-US" sz="2400" dirty="0" err="1">
+                <a:latin typeface="Helvetica Neue Thin" panose="020B0403020202020204" pitchFamily="34" charset="0"/>
+                <a:ea typeface="Helvetica Neue Thin" panose="020B0403020202020204" pitchFamily="34" charset="0"/>
+              </a:rPr>
+              <a:t>Germanish</a:t>
+            </a:r>
+            <a:r>
+              <a:rPr lang="en-US" sz="2400" dirty="0">
+                <a:latin typeface="Helvetica Neue Thin" panose="020B0403020202020204" pitchFamily="34" charset="0"/>
+                <a:ea typeface="Helvetica Neue Thin" panose="020B0403020202020204" pitchFamily="34" charset="0"/>
+              </a:rPr>
+              <a:t> [test-run maximizing entropy]</a:t>
+            </a:r>
+            <a:endParaRPr lang="en-FR" sz="2000" dirty="0">
+              <a:latin typeface="Helvetica Neue Thin" panose="020B0403020202020204" pitchFamily="34" charset="0"/>
+              <a:ea typeface="Helvetica Neue Thin" panose="020B0403020202020204" pitchFamily="34" charset="0"/>
+            </a:endParaRPr>
+          </a:p>
+        </p:txBody>
+      </p:sp>
+      <p:sp>
+        <p:nvSpPr>
+          <p:cNvPr id="5" name="TextBox 4">
+            <a:extLst>
+              <a:ext uri="{FF2B5EF4-FFF2-40B4-BE49-F238E27FC236}">
+                <a16:creationId xmlns:a16="http://schemas.microsoft.com/office/drawing/2014/main" id="{D51E0414-BA4B-94E1-C01E-E0863EDB6501}"/>
+              </a:ext>
+            </a:extLst>
+          </p:cNvPr>
+          <p:cNvSpPr txBox="1"/>
+          <p:nvPr/>
+        </p:nvSpPr>
+        <p:spPr>
+          <a:xfrm>
+            <a:off x="94445" y="586610"/>
+            <a:ext cx="12003110" cy="369332"/>
+          </a:xfrm>
+          <a:prstGeom prst="rect">
+            <a:avLst/>
+          </a:prstGeom>
+          <a:noFill/>
+        </p:spPr>
+        <p:txBody>
+          <a:bodyPr wrap="square" rtlCol="0">
+            <a:spAutoFit/>
+          </a:bodyPr>
+          <a:lstStyle/>
+          <a:p>
+            <a:r>
+              <a:rPr lang="en-FR" dirty="0">
+                <a:latin typeface="Helvetica Neue Thin" panose="020B0403020202020204" pitchFamily="34" charset="0"/>
+                <a:ea typeface="Helvetica Neue Thin" panose="020B0403020202020204" pitchFamily="34" charset="0"/>
+              </a:rPr>
+              <a:t>Log file: </a:t>
+            </a:r>
+            <a:r>
+              <a:rPr lang="en-GB" dirty="0">
+                <a:latin typeface="Helvetica Neue Thin" panose="020B0403020202020204" pitchFamily="34" charset="0"/>
+                <a:ea typeface="Helvetica Neue Thin" panose="020B0403020202020204" pitchFamily="34" charset="0"/>
+              </a:rPr>
+              <a:t>germanish.cub1678226953.data</a:t>
+            </a:r>
+            <a:endParaRPr lang="en-GB" sz="1600" dirty="0">
+              <a:latin typeface="Helvetica Neue Thin" panose="020B0403020202020204" pitchFamily="34" charset="0"/>
+              <a:ea typeface="Helvetica Neue Thin" panose="020B0403020202020204" pitchFamily="34" charset="0"/>
+            </a:endParaRPr>
+          </a:p>
+        </p:txBody>
+      </p:sp>
+      <p:sp>
+        <p:nvSpPr>
+          <p:cNvPr id="6" name="Slide Number Placeholder 5">
+            <a:extLst>
+              <a:ext uri="{FF2B5EF4-FFF2-40B4-BE49-F238E27FC236}">
+                <a16:creationId xmlns:a16="http://schemas.microsoft.com/office/drawing/2014/main" id="{959BDB26-40E4-9CF6-297E-539B90F4FB2E}"/>
+              </a:ext>
+            </a:extLst>
+          </p:cNvPr>
+          <p:cNvSpPr>
+            <a:spLocks noGrp="1"/>
+          </p:cNvSpPr>
+          <p:nvPr>
+            <p:ph type="sldNum" sz="quarter" idx="12"/>
+          </p:nvPr>
+        </p:nvSpPr>
+        <p:spPr/>
+        <p:txBody>
+          <a:bodyPr/>
+          <a:lstStyle/>
+          <a:p>
+            <a:fld id="{4A936E34-E911-F947-B710-F12161D09F63}" type="slidenum">
+              <a:rPr lang="en-FR" smtClean="0"/>
+              <a:t>29</a:t>
+            </a:fld>
+            <a:endParaRPr lang="en-FR"/>
+          </a:p>
+        </p:txBody>
+      </p:sp>
+      <p:pic>
+        <p:nvPicPr>
+          <p:cNvPr id="2" name="Picture 1">
+            <a:extLst>
+              <a:ext uri="{FF2B5EF4-FFF2-40B4-BE49-F238E27FC236}">
+                <a16:creationId xmlns:a16="http://schemas.microsoft.com/office/drawing/2014/main" id="{79C17C9C-DD52-1622-9D50-E77CB560D9C0}"/>
+              </a:ext>
+            </a:extLst>
+          </p:cNvPr>
+          <p:cNvPicPr>
+            <a:picLocks noChangeAspect="1"/>
+          </p:cNvPicPr>
+          <p:nvPr/>
+        </p:nvPicPr>
+        <p:blipFill>
+          <a:blip r:embed="rId2"/>
+          <a:stretch>
+            <a:fillRect/>
+          </a:stretch>
+        </p:blipFill>
+        <p:spPr>
+          <a:xfrm>
+            <a:off x="94444" y="1173587"/>
+            <a:ext cx="12048843" cy="2565656"/>
+          </a:xfrm>
+          <a:prstGeom prst="rect">
+            <a:avLst/>
+          </a:prstGeom>
+        </p:spPr>
+      </p:pic>
+      <p:sp>
+        <p:nvSpPr>
+          <p:cNvPr id="3" name="TextBox 2">
+            <a:extLst>
+              <a:ext uri="{FF2B5EF4-FFF2-40B4-BE49-F238E27FC236}">
+                <a16:creationId xmlns:a16="http://schemas.microsoft.com/office/drawing/2014/main" id="{584C6ED6-D2FF-7195-BF7C-7E9060A51E58}"/>
+              </a:ext>
+            </a:extLst>
+          </p:cNvPr>
+          <p:cNvSpPr txBox="1"/>
+          <p:nvPr/>
+        </p:nvSpPr>
+        <p:spPr>
+          <a:xfrm>
+            <a:off x="48711" y="3956888"/>
+            <a:ext cx="12003110" cy="1200329"/>
+          </a:xfrm>
+          <a:prstGeom prst="rect">
+            <a:avLst/>
+          </a:prstGeom>
+          <a:noFill/>
+        </p:spPr>
+        <p:txBody>
+          <a:bodyPr wrap="square" rtlCol="0">
+            <a:spAutoFit/>
+          </a:bodyPr>
+          <a:lstStyle/>
+          <a:p>
+            <a:r>
+              <a:rPr lang="en-FR" dirty="0">
+                <a:latin typeface="Helvetica Neue Thin" panose="020B0403020202020204" pitchFamily="34" charset="0"/>
+                <a:ea typeface="Helvetica Neue Thin" panose="020B0403020202020204" pitchFamily="34" charset="0"/>
+              </a:rPr>
+              <a:t>0.0653145 , 0.06464634, 0.0649695 , 0.04611472, 0.04581588,</a:t>
+            </a:r>
+          </a:p>
+          <a:p>
+            <a:r>
+              <a:rPr lang="en-FR" dirty="0">
+                <a:latin typeface="Helvetica Neue Thin" panose="020B0403020202020204" pitchFamily="34" charset="0"/>
+                <a:ea typeface="Helvetica Neue Thin" panose="020B0403020202020204" pitchFamily="34" charset="0"/>
+              </a:rPr>
+              <a:t>       0.04648112, 0.07927201, 0.07812757, 0.07973191, 0.03215312,</a:t>
+            </a:r>
+          </a:p>
+          <a:p>
+            <a:r>
+              <a:rPr lang="en-FR" dirty="0">
+                <a:latin typeface="Helvetica Neue Thin" panose="020B0403020202020204" pitchFamily="34" charset="0"/>
+                <a:ea typeface="Helvetica Neue Thin" panose="020B0403020202020204" pitchFamily="34" charset="0"/>
+              </a:rPr>
+              <a:t>       0.032337  , 0.03169428, 0.0653217 , 0.06463193, 0.06497671,</a:t>
+            </a:r>
+          </a:p>
+          <a:p>
+            <a:r>
+              <a:rPr lang="en-FR" dirty="0">
+                <a:latin typeface="Helvetica Neue Thin" panose="020B0403020202020204" pitchFamily="34" charset="0"/>
+                <a:ea typeface="Helvetica Neue Thin" panose="020B0403020202020204" pitchFamily="34" charset="0"/>
+              </a:rPr>
+              <a:t>       0.04611525, 0.04581657, 0.0464799 ]</a:t>
+            </a:r>
+            <a:endParaRPr lang="en-GB" sz="1600" dirty="0">
+              <a:latin typeface="Helvetica Neue Thin" panose="020B0403020202020204" pitchFamily="34" charset="0"/>
+              <a:ea typeface="Helvetica Neue Thin" panose="020B0403020202020204" pitchFamily="34" charset="0"/>
+            </a:endParaRPr>
+          </a:p>
+        </p:txBody>
+      </p:sp>
+    </p:spTree>
+    <p:extLst>
+      <p:ext uri="{BB962C8B-B14F-4D97-AF65-F5344CB8AC3E}">
+        <p14:creationId xmlns:p14="http://schemas.microsoft.com/office/powerpoint/2010/main" val="590287067"/>
       </p:ext>
     </p:extLst>
   </p:cSld>
@@ -15159,10 +17667,203 @@
           </a:p>
         </p:txBody>
       </p:sp>
+      <p:sp>
+        <p:nvSpPr>
+          <p:cNvPr id="3" name="Slide Number Placeholder 2">
+            <a:extLst>
+              <a:ext uri="{FF2B5EF4-FFF2-40B4-BE49-F238E27FC236}">
+                <a16:creationId xmlns:a16="http://schemas.microsoft.com/office/drawing/2014/main" id="{96741407-8F4A-40AE-B6BD-FB7FA9EAAB08}"/>
+              </a:ext>
+            </a:extLst>
+          </p:cNvPr>
+          <p:cNvSpPr>
+            <a:spLocks noGrp="1"/>
+          </p:cNvSpPr>
+          <p:nvPr>
+            <p:ph type="sldNum" sz="quarter" idx="12"/>
+          </p:nvPr>
+        </p:nvSpPr>
+        <p:spPr/>
+        <p:txBody>
+          <a:bodyPr/>
+          <a:lstStyle/>
+          <a:p>
+            <a:fld id="{4A936E34-E911-F947-B710-F12161D09F63}" type="slidenum">
+              <a:rPr lang="en-FR" smtClean="0"/>
+              <a:t>3</a:t>
+            </a:fld>
+            <a:endParaRPr lang="en-FR"/>
+          </a:p>
+        </p:txBody>
+      </p:sp>
     </p:spTree>
     <p:extLst>
       <p:ext uri="{BB962C8B-B14F-4D97-AF65-F5344CB8AC3E}">
         <p14:creationId xmlns:p14="http://schemas.microsoft.com/office/powerpoint/2010/main" val="2580666730"/>
+      </p:ext>
+    </p:extLst>
+  </p:cSld>
+  <p:clrMapOvr>
+    <a:masterClrMapping/>
+  </p:clrMapOvr>
+</p:sld>
+</file>
+
+<file path=ppt/slides/slide30.xml><?xml version="1.0" encoding="utf-8"?>
+<p:sld xmlns:a="http://schemas.openxmlformats.org/drawingml/2006/main" xmlns:r="http://schemas.openxmlformats.org/officeDocument/2006/relationships" xmlns:p="http://schemas.openxmlformats.org/presentationml/2006/main">
+  <p:cSld>
+    <p:spTree>
+      <p:nvGrpSpPr>
+        <p:cNvPr id="1" name=""/>
+        <p:cNvGrpSpPr/>
+        <p:nvPr/>
+      </p:nvGrpSpPr>
+      <p:grpSpPr>
+        <a:xfrm>
+          <a:off x="0" y="0"/>
+          <a:ext cx="0" cy="0"/>
+          <a:chOff x="0" y="0"/>
+          <a:chExt cx="0" cy="0"/>
+        </a:xfrm>
+      </p:grpSpPr>
+      <p:sp>
+        <p:nvSpPr>
+          <p:cNvPr id="4" name="TextBox 3">
+            <a:extLst>
+              <a:ext uri="{FF2B5EF4-FFF2-40B4-BE49-F238E27FC236}">
+                <a16:creationId xmlns:a16="http://schemas.microsoft.com/office/drawing/2014/main" id="{10DEA0E4-DA7F-E905-D91F-6C01DD4C8C81}"/>
+              </a:ext>
+            </a:extLst>
+          </p:cNvPr>
+          <p:cNvSpPr txBox="1"/>
+          <p:nvPr/>
+        </p:nvSpPr>
+        <p:spPr>
+          <a:xfrm>
+            <a:off x="94445" y="123726"/>
+            <a:ext cx="7456093" cy="461665"/>
+          </a:xfrm>
+          <a:prstGeom prst="rect">
+            <a:avLst/>
+          </a:prstGeom>
+          <a:noFill/>
+        </p:spPr>
+        <p:txBody>
+          <a:bodyPr wrap="square" rtlCol="0">
+            <a:spAutoFit/>
+          </a:bodyPr>
+          <a:lstStyle/>
+          <a:p>
+            <a:r>
+              <a:rPr lang="en-US" sz="2400" dirty="0">
+                <a:latin typeface="Helvetica Neue Thin" panose="020B0403020202020204" pitchFamily="34" charset="0"/>
+                <a:ea typeface="Helvetica Neue Thin" panose="020B0403020202020204" pitchFamily="34" charset="0"/>
+              </a:rPr>
+              <a:t>Deadlocking </a:t>
+            </a:r>
+            <a:r>
+              <a:rPr lang="en-US" sz="2400" dirty="0" err="1">
+                <a:latin typeface="Helvetica Neue Thin" panose="020B0403020202020204" pitchFamily="34" charset="0"/>
+                <a:ea typeface="Helvetica Neue Thin" panose="020B0403020202020204" pitchFamily="34" charset="0"/>
+              </a:rPr>
+              <a:t>Germanish</a:t>
+            </a:r>
+            <a:r>
+              <a:rPr lang="en-US" sz="2400" dirty="0">
+                <a:latin typeface="Helvetica Neue Thin" panose="020B0403020202020204" pitchFamily="34" charset="0"/>
+                <a:ea typeface="Helvetica Neue Thin" panose="020B0403020202020204" pitchFamily="34" charset="0"/>
+              </a:rPr>
+              <a:t> [test-run maximizing entropy]</a:t>
+            </a:r>
+            <a:endParaRPr lang="en-FR" sz="2000" dirty="0">
+              <a:latin typeface="Helvetica Neue Thin" panose="020B0403020202020204" pitchFamily="34" charset="0"/>
+              <a:ea typeface="Helvetica Neue Thin" panose="020B0403020202020204" pitchFamily="34" charset="0"/>
+            </a:endParaRPr>
+          </a:p>
+        </p:txBody>
+      </p:sp>
+      <p:sp>
+        <p:nvSpPr>
+          <p:cNvPr id="5" name="TextBox 4">
+            <a:extLst>
+              <a:ext uri="{FF2B5EF4-FFF2-40B4-BE49-F238E27FC236}">
+                <a16:creationId xmlns:a16="http://schemas.microsoft.com/office/drawing/2014/main" id="{D51E0414-BA4B-94E1-C01E-E0863EDB6501}"/>
+              </a:ext>
+            </a:extLst>
+          </p:cNvPr>
+          <p:cNvSpPr txBox="1"/>
+          <p:nvPr/>
+        </p:nvSpPr>
+        <p:spPr>
+          <a:xfrm>
+            <a:off x="94445" y="586610"/>
+            <a:ext cx="12003110" cy="369332"/>
+          </a:xfrm>
+          <a:prstGeom prst="rect">
+            <a:avLst/>
+          </a:prstGeom>
+          <a:noFill/>
+        </p:spPr>
+        <p:txBody>
+          <a:bodyPr wrap="square" rtlCol="0">
+            <a:spAutoFit/>
+          </a:bodyPr>
+          <a:lstStyle/>
+          <a:p>
+            <a:r>
+              <a:rPr lang="en-FR" dirty="0">
+                <a:latin typeface="Helvetica Neue Thin" panose="020B0403020202020204" pitchFamily="34" charset="0"/>
+                <a:ea typeface="Helvetica Neue Thin" panose="020B0403020202020204" pitchFamily="34" charset="0"/>
+              </a:rPr>
+              <a:t>Log file: </a:t>
+            </a:r>
+            <a:r>
+              <a:rPr lang="en-GB" dirty="0">
+                <a:latin typeface="Helvetica Neue Thin" panose="020B0403020202020204" pitchFamily="34" charset="0"/>
+                <a:ea typeface="Helvetica Neue Thin" panose="020B0403020202020204" pitchFamily="34" charset="0"/>
+              </a:rPr>
+              <a:t>germanish.cub1678226953.data</a:t>
+            </a:r>
+            <a:endParaRPr lang="en-GB" sz="1600" dirty="0">
+              <a:latin typeface="Helvetica Neue Thin" panose="020B0403020202020204" pitchFamily="34" charset="0"/>
+              <a:ea typeface="Helvetica Neue Thin" panose="020B0403020202020204" pitchFamily="34" charset="0"/>
+            </a:endParaRPr>
+          </a:p>
+        </p:txBody>
+      </p:sp>
+      <p:sp>
+        <p:nvSpPr>
+          <p:cNvPr id="6" name="Slide Number Placeholder 5">
+            <a:extLst>
+              <a:ext uri="{FF2B5EF4-FFF2-40B4-BE49-F238E27FC236}">
+                <a16:creationId xmlns:a16="http://schemas.microsoft.com/office/drawing/2014/main" id="{959BDB26-40E4-9CF6-297E-539B90F4FB2E}"/>
+              </a:ext>
+            </a:extLst>
+          </p:cNvPr>
+          <p:cNvSpPr>
+            <a:spLocks noGrp="1"/>
+          </p:cNvSpPr>
+          <p:nvPr>
+            <p:ph type="sldNum" sz="quarter" idx="12"/>
+          </p:nvPr>
+        </p:nvSpPr>
+        <p:spPr/>
+        <p:txBody>
+          <a:bodyPr/>
+          <a:lstStyle/>
+          <a:p>
+            <a:fld id="{4A936E34-E911-F947-B710-F12161D09F63}" type="slidenum">
+              <a:rPr lang="en-FR" smtClean="0"/>
+              <a:t>30</a:t>
+            </a:fld>
+            <a:endParaRPr lang="en-FR"/>
+          </a:p>
+        </p:txBody>
+      </p:sp>
+    </p:spTree>
+    <p:extLst>
+      <p:ext uri="{BB962C8B-B14F-4D97-AF65-F5344CB8AC3E}">
+        <p14:creationId xmlns:p14="http://schemas.microsoft.com/office/powerpoint/2010/main" val="3082168645"/>
       </p:ext>
     </p:extLst>
   </p:cSld>
@@ -15254,7 +17955,7 @@
                 <a:latin typeface="Helvetica Neue Thin" panose="020B0403020202020204" pitchFamily="34" charset="0"/>
                 <a:ea typeface="Helvetica Neue Thin" panose="020B0403020202020204" pitchFamily="34" charset="0"/>
               </a:rPr>
-              <a:t>[Slide 7]</a:t>
+              <a:t>[Slide 12]</a:t>
             </a:r>
           </a:p>
           <a:p>
@@ -15293,7 +17994,7 @@
                 <a:latin typeface="Helvetica Neue Thin" panose="020B0403020202020204" pitchFamily="34" charset="0"/>
                 <a:ea typeface="Helvetica Neue Thin" panose="020B0403020202020204" pitchFamily="34" charset="0"/>
               </a:rPr>
-              <a:t> from run [Slide 7]</a:t>
+              <a:t> from run [Slide 12]</a:t>
             </a:r>
           </a:p>
           <a:p>
@@ -15325,7 +18026,7 @@
                 <a:latin typeface="Helvetica Neue Thin" panose="020B0403020202020204" pitchFamily="34" charset="0"/>
                 <a:ea typeface="Helvetica Neue Thin" panose="020B0403020202020204" pitchFamily="34" charset="0"/>
               </a:rPr>
-              <a:t> on data [Slide 7]</a:t>
+              <a:t> on data [Slide 12]</a:t>
             </a:r>
           </a:p>
           <a:p>
@@ -15340,7 +18041,7 @@
                 <a:latin typeface="Helvetica Neue Thin" panose="020B0403020202020204" pitchFamily="34" charset="0"/>
                 <a:ea typeface="Helvetica Neue Thin" panose="020B0403020202020204" pitchFamily="34" charset="0"/>
               </a:rPr>
-              <a:t>Step 4: If analytics satisfactory then stop, else continue to Step 5</a:t>
+              <a:t>Step 4: If analytics satisfactory then stop, else continue to Step 5 [Slide 13]</a:t>
             </a:r>
           </a:p>
           <a:p>
@@ -15362,7 +18063,7 @@
                 <a:latin typeface="Helvetica Neue Thin" panose="020B0403020202020204" pitchFamily="34" charset="0"/>
                 <a:ea typeface="Helvetica Neue Thin" panose="020B0403020202020204" pitchFamily="34" charset="0"/>
               </a:rPr>
-              <a:t> 5: Rerun model exploration modifying how the system is explored using one of the proposed methods</a:t>
+              <a:t> 5: Rerun model exploration modifying how the system is explored using one of the proposed methods [Slide 13]</a:t>
             </a:r>
           </a:p>
           <a:p>
@@ -15446,7 +18147,7 @@
                 <a:latin typeface="Helvetica Neue Thin" panose="020B0403020202020204" pitchFamily="34" charset="0"/>
                 <a:ea typeface="Helvetica Neue Thin" panose="020B0403020202020204" pitchFamily="34" charset="0"/>
               </a:rPr>
-              <a:t>and analyze it </a:t>
+              <a:t>and analyze it [Slide 14]</a:t>
             </a:r>
           </a:p>
           <a:p>
@@ -15461,7 +18162,14 @@
                 <a:latin typeface="Helvetica Neue Thin" panose="020B0403020202020204" pitchFamily="34" charset="0"/>
                 <a:ea typeface="Helvetica Neue Thin" panose="020B0403020202020204" pitchFamily="34" charset="0"/>
               </a:rPr>
-              <a:t>Step 7: If new analytics satisfactory, stop. Else go back to Step 5, modifying bias parameters</a:t>
+              <a:t>Step 7: If new analytics </a:t>
+            </a:r>
+            <a:r>
+              <a:rPr lang="en-US" dirty="0">
+                <a:latin typeface="Helvetica Neue Thin" panose="020B0403020202020204" pitchFamily="34" charset="0"/>
+                <a:ea typeface="Helvetica Neue Thin" panose="020B0403020202020204" pitchFamily="34" charset="0"/>
+              </a:rPr>
+              <a:t>satisfactory, stop. Else go back to Step 5, modifying bias parameters [Slide 14]</a:t>
             </a:r>
           </a:p>
         </p:txBody>
@@ -15504,6 +18212,35 @@
               </a:rPr>
               <a:t>Detailed description in following slides. </a:t>
             </a:r>
+          </a:p>
+        </p:txBody>
+      </p:sp>
+      <p:sp>
+        <p:nvSpPr>
+          <p:cNvPr id="7" name="Slide Number Placeholder 6">
+            <a:extLst>
+              <a:ext uri="{FF2B5EF4-FFF2-40B4-BE49-F238E27FC236}">
+                <a16:creationId xmlns:a16="http://schemas.microsoft.com/office/drawing/2014/main" id="{51F1C4DF-4E43-A865-A2A8-6BCE841C3BA4}"/>
+              </a:ext>
+            </a:extLst>
+          </p:cNvPr>
+          <p:cNvSpPr>
+            <a:spLocks noGrp="1"/>
+          </p:cNvSpPr>
+          <p:nvPr>
+            <p:ph type="sldNum" sz="quarter" idx="12"/>
+          </p:nvPr>
+        </p:nvSpPr>
+        <p:spPr/>
+        <p:txBody>
+          <a:bodyPr/>
+          <a:lstStyle/>
+          <a:p>
+            <a:fld id="{4A936E34-E911-F947-B710-F12161D09F63}" type="slidenum">
+              <a:rPr lang="en-FR" smtClean="0"/>
+              <a:t>4</a:t>
+            </a:fld>
+            <a:endParaRPr lang="en-FR"/>
           </a:p>
         </p:txBody>
       </p:sp>
@@ -15578,6 +18315,35 @@
           </a:p>
         </p:txBody>
       </p:sp>
+      <p:sp>
+        <p:nvSpPr>
+          <p:cNvPr id="3" name="Slide Number Placeholder 2">
+            <a:extLst>
+              <a:ext uri="{FF2B5EF4-FFF2-40B4-BE49-F238E27FC236}">
+                <a16:creationId xmlns:a16="http://schemas.microsoft.com/office/drawing/2014/main" id="{D0D8D36B-A683-334A-D2C1-08C6FCFC1451}"/>
+              </a:ext>
+            </a:extLst>
+          </p:cNvPr>
+          <p:cNvSpPr>
+            <a:spLocks noGrp="1"/>
+          </p:cNvSpPr>
+          <p:nvPr>
+            <p:ph type="sldNum" sz="quarter" idx="12"/>
+          </p:nvPr>
+        </p:nvSpPr>
+        <p:spPr/>
+        <p:txBody>
+          <a:bodyPr/>
+          <a:lstStyle/>
+          <a:p>
+            <a:fld id="{4A936E34-E911-F947-B710-F12161D09F63}" type="slidenum">
+              <a:rPr lang="en-FR" smtClean="0"/>
+              <a:t>5</a:t>
+            </a:fld>
+            <a:endParaRPr lang="en-FR"/>
+          </a:p>
+        </p:txBody>
+      </p:sp>
     </p:spTree>
     <p:extLst>
       <p:ext uri="{BB962C8B-B14F-4D97-AF65-F5344CB8AC3E}">
@@ -16050,17 +18816,7 @@
                 <a:latin typeface="Cambria Math" panose="02040503050406030204" pitchFamily="18" charset="0"/>
                 <a:ea typeface="Cambria Math" panose="02040503050406030204" pitchFamily="18" charset="0"/>
               </a:rPr>
-              <a:t> </a:t>
-            </a:r>
-            <a:r>
-              <a:rPr lang="en-US" dirty="0">
-                <a:solidFill>
-                  <a:srgbClr val="00B050"/>
-                </a:solidFill>
-                <a:latin typeface="Cambria Math" panose="02040503050406030204" pitchFamily="18" charset="0"/>
-                <a:ea typeface="Cambria Math" panose="02040503050406030204" pitchFamily="18" charset="0"/>
-              </a:rPr>
-              <a:t>t </a:t>
+              <a:t> t </a:t>
             </a:r>
             <a:r>
               <a:rPr lang="en-US" dirty="0">
@@ -16110,7 +18866,7 @@
         <p:spPr>
           <a:xfrm>
             <a:off x="188891" y="124945"/>
-            <a:ext cx="7405353" cy="461665"/>
+            <a:ext cx="9624580" cy="461665"/>
           </a:xfrm>
           <a:prstGeom prst="rect">
             <a:avLst/>
@@ -16124,9 +18880,42 @@
           <a:lstStyle/>
           <a:p>
             <a:r>
-              <a:rPr lang="en-US" sz="2400" dirty="0"/>
+              <a:rPr lang="en-US" sz="2400" dirty="0">
+                <a:latin typeface="Helvetica Neue Thin" panose="020B0403020202020204" pitchFamily="34" charset="0"/>
+                <a:ea typeface="Helvetica Neue Thin" panose="020B0403020202020204" pitchFamily="34" charset="0"/>
+                <a:cs typeface="Helvetica Neue" panose="02000503000000020004" pitchFamily="2" charset="0"/>
+              </a:rPr>
               <a:t>Proposition 1: Target the desired transition specifically </a:t>
             </a:r>
+          </a:p>
+        </p:txBody>
+      </p:sp>
+      <p:sp>
+        <p:nvSpPr>
+          <p:cNvPr id="6" name="Slide Number Placeholder 5">
+            <a:extLst>
+              <a:ext uri="{FF2B5EF4-FFF2-40B4-BE49-F238E27FC236}">
+                <a16:creationId xmlns:a16="http://schemas.microsoft.com/office/drawing/2014/main" id="{18B9B651-AFA8-2FC5-BADC-65B9C568FFEC}"/>
+              </a:ext>
+            </a:extLst>
+          </p:cNvPr>
+          <p:cNvSpPr>
+            <a:spLocks noGrp="1"/>
+          </p:cNvSpPr>
+          <p:nvPr>
+            <p:ph type="sldNum" sz="quarter" idx="12"/>
+          </p:nvPr>
+        </p:nvSpPr>
+        <p:spPr/>
+        <p:txBody>
+          <a:bodyPr/>
+          <a:lstStyle/>
+          <a:p>
+            <a:fld id="{4A936E34-E911-F947-B710-F12161D09F63}" type="slidenum">
+              <a:rPr lang="en-FR" smtClean="0"/>
+              <a:t>6</a:t>
+            </a:fld>
+            <a:endParaRPr lang="en-FR"/>
           </a:p>
         </p:txBody>
       </p:sp>
@@ -17833,8 +20622,8 @@
         </p:nvSpPr>
         <p:spPr>
           <a:xfrm>
-            <a:off x="6918308" y="1831498"/>
-            <a:ext cx="5273692" cy="1938992"/>
+            <a:off x="6822854" y="1415380"/>
+            <a:ext cx="5273692" cy="2246769"/>
           </a:xfrm>
           <a:prstGeom prst="rect">
             <a:avLst/>
@@ -17852,7 +20641,48 @@
                 <a:latin typeface="Helvetica Neue Thin" panose="020B0403020202020204" pitchFamily="34" charset="0"/>
                 <a:ea typeface="Helvetica Neue Thin" panose="020B0403020202020204" pitchFamily="34" charset="0"/>
               </a:rPr>
-              <a:t>The system weighs each state resulting from a possible transition. It picks the transition leading to the state with the biggest weight, i.e. the closest to chosen transition </a:t>
+              <a:t>With</a:t>
+            </a:r>
+            <a:r>
+              <a:rPr lang="en-GB" sz="2000" dirty="0">
+                <a:latin typeface="Helvetica Neue Thin" panose="020B0403020202020204" pitchFamily="34" charset="0"/>
+                <a:ea typeface="Helvetica Neue Thin" panose="020B0403020202020204" pitchFamily="34" charset="0"/>
+              </a:rPr>
+              <a:t> probability </a:t>
+            </a:r>
+            <a:r>
+              <a:rPr lang="en-GB" sz="2000" dirty="0">
+                <a:latin typeface="Cambria Math" panose="02040503050406030204" pitchFamily="18" charset="0"/>
+                <a:ea typeface="Cambria Math" panose="02040503050406030204" pitchFamily="18" charset="0"/>
+              </a:rPr>
+              <a:t>p</a:t>
+            </a:r>
+            <a:r>
+              <a:rPr lang="en-GB" sz="2000" dirty="0">
+                <a:latin typeface="Helvetica Neue Thin" panose="020B0403020202020204" pitchFamily="34" charset="0"/>
+                <a:ea typeface="Helvetica Neue Thin" panose="020B0403020202020204" pitchFamily="34" charset="0"/>
+              </a:rPr>
+              <a:t>:</a:t>
+            </a:r>
+            <a:endParaRPr lang="en-FR" sz="2000" dirty="0">
+              <a:latin typeface="Helvetica Neue Thin" panose="020B0403020202020204" pitchFamily="34" charset="0"/>
+              <a:ea typeface="Helvetica Neue Thin" panose="020B0403020202020204" pitchFamily="34" charset="0"/>
+            </a:endParaRPr>
+          </a:p>
+          <a:p>
+            <a:r>
+              <a:rPr lang="en-FR" sz="2000" dirty="0">
+                <a:latin typeface="Helvetica Neue Thin" panose="020B0403020202020204" pitchFamily="34" charset="0"/>
+                <a:ea typeface="Helvetica Neue Thin" panose="020B0403020202020204" pitchFamily="34" charset="0"/>
+              </a:rPr>
+              <a:t>The </a:t>
+            </a:r>
+            <a:r>
+              <a:rPr lang="en-FR" sz="2000" dirty="0">
+                <a:latin typeface="Helvetica Neue Thin" panose="020B0403020202020204" pitchFamily="34" charset="0"/>
+                <a:ea typeface="Helvetica Neue Thin" panose="020B0403020202020204" pitchFamily="34" charset="0"/>
+              </a:rPr>
+              <a:t>system weighs each state resulting from a possible transition. It picks the transition leading to the state with the biggest weight, i.e. the closest to chosen transition </a:t>
             </a:r>
             <a:r>
               <a:rPr lang="en-FR" sz="2000" b="1" dirty="0">
@@ -18303,7 +21133,7 @@
         <p:spPr>
           <a:xfrm>
             <a:off x="5268864" y="4351929"/>
-            <a:ext cx="5273692" cy="1015663"/>
+            <a:ext cx="5273692" cy="1323439"/>
           </a:xfrm>
           <a:prstGeom prst="rect">
             <a:avLst/>
@@ -18321,8 +21151,67 @@
                 <a:latin typeface="Helvetica Neue Thin" panose="020B0403020202020204" pitchFamily="34" charset="0"/>
                 <a:ea typeface="Helvetica Neue Thin" panose="020B0403020202020204" pitchFamily="34" charset="0"/>
               </a:rPr>
-              <a:t>The system randomly picks from all of the possible transitions without considering what happens after taking that transition</a:t>
-            </a:r>
+              <a:t>With probability 1-</a:t>
+            </a:r>
+            <a:r>
+              <a:rPr lang="en-FR" sz="2000" dirty="0">
+                <a:latin typeface="Cambria Math" panose="02040503050406030204" pitchFamily="18" charset="0"/>
+                <a:ea typeface="Cambria Math" panose="02040503050406030204" pitchFamily="18" charset="0"/>
+              </a:rPr>
+              <a:t>p</a:t>
+            </a:r>
+            <a:r>
+              <a:rPr lang="en-FR" sz="2000" dirty="0">
+                <a:latin typeface="Helvetica Neue Thin" panose="020B0403020202020204" pitchFamily="34" charset="0"/>
+                <a:ea typeface="Helvetica Neue Thin" panose="020B0403020202020204" pitchFamily="34" charset="0"/>
+              </a:rPr>
+              <a:t>:</a:t>
+            </a:r>
+          </a:p>
+          <a:p>
+            <a:r>
+              <a:rPr lang="en-FR" sz="2000" dirty="0">
+                <a:latin typeface="Helvetica Neue Thin" panose="020B0403020202020204" pitchFamily="34" charset="0"/>
+                <a:ea typeface="Helvetica Neue Thin" panose="020B0403020202020204" pitchFamily="34" charset="0"/>
+              </a:rPr>
+              <a:t>The </a:t>
+            </a:r>
+            <a:r>
+              <a:rPr lang="en-FR" sz="2000" dirty="0">
+                <a:latin typeface="Helvetica Neue Thin" panose="020B0403020202020204" pitchFamily="34" charset="0"/>
+                <a:ea typeface="Helvetica Neue Thin" panose="020B0403020202020204" pitchFamily="34" charset="0"/>
+              </a:rPr>
+              <a:t>system randomly picks from all of the possible transitions without considering what happens after taking that transition</a:t>
+            </a:r>
+          </a:p>
+        </p:txBody>
+      </p:sp>
+      <p:sp>
+        <p:nvSpPr>
+          <p:cNvPr id="2" name="Slide Number Placeholder 1">
+            <a:extLst>
+              <a:ext uri="{FF2B5EF4-FFF2-40B4-BE49-F238E27FC236}">
+                <a16:creationId xmlns:a16="http://schemas.microsoft.com/office/drawing/2014/main" id="{D63B7E06-58BF-7D2E-6674-64F9732BA535}"/>
+              </a:ext>
+            </a:extLst>
+          </p:cNvPr>
+          <p:cNvSpPr>
+            <a:spLocks noGrp="1"/>
+          </p:cNvSpPr>
+          <p:nvPr>
+            <p:ph type="sldNum" sz="quarter" idx="12"/>
+          </p:nvPr>
+        </p:nvSpPr>
+        <p:spPr/>
+        <p:txBody>
+          <a:bodyPr/>
+          <a:lstStyle/>
+          <a:p>
+            <a:fld id="{4A936E34-E911-F947-B710-F12161D09F63}" type="slidenum">
+              <a:rPr lang="en-FR" smtClean="0"/>
+              <a:t>7</a:t>
+            </a:fld>
+            <a:endParaRPr lang="en-FR"/>
           </a:p>
         </p:txBody>
       </p:sp>
@@ -18385,10 +21274,16 @@
           <a:lstStyle/>
           <a:p>
             <a:r>
-              <a:rPr lang="en-US" sz="2400" dirty="0"/>
+              <a:rPr lang="en-US" sz="2400" dirty="0">
+                <a:latin typeface="Helvetica Neue Thin" panose="020B0403020202020204" pitchFamily="34" charset="0"/>
+                <a:ea typeface="Helvetica Neue Thin" panose="020B0403020202020204" pitchFamily="34" charset="0"/>
+              </a:rPr>
               <a:t>Proposition 1: weights &amp; probabilities </a:t>
             </a:r>
-            <a:endParaRPr lang="en-FR" sz="2000" dirty="0"/>
+            <a:endParaRPr lang="en-FR" sz="2000" dirty="0">
+              <a:latin typeface="Helvetica Neue Thin" panose="020B0403020202020204" pitchFamily="34" charset="0"/>
+              <a:ea typeface="Helvetica Neue Thin" panose="020B0403020202020204" pitchFamily="34" charset="0"/>
+            </a:endParaRPr>
           </a:p>
         </p:txBody>
       </p:sp>
@@ -18963,6 +21858,35 @@
               </a:rPr>
               <a:t>The 71% in the running example was a lucky (educated) guess.</a:t>
             </a:r>
+          </a:p>
+        </p:txBody>
+      </p:sp>
+      <p:sp>
+        <p:nvSpPr>
+          <p:cNvPr id="8" name="Slide Number Placeholder 7">
+            <a:extLst>
+              <a:ext uri="{FF2B5EF4-FFF2-40B4-BE49-F238E27FC236}">
+                <a16:creationId xmlns:a16="http://schemas.microsoft.com/office/drawing/2014/main" id="{0464A853-0083-427D-626B-CEC60007D8F6}"/>
+              </a:ext>
+            </a:extLst>
+          </p:cNvPr>
+          <p:cNvSpPr>
+            <a:spLocks noGrp="1"/>
+          </p:cNvSpPr>
+          <p:nvPr>
+            <p:ph type="sldNum" sz="quarter" idx="12"/>
+          </p:nvPr>
+        </p:nvSpPr>
+        <p:spPr/>
+        <p:txBody>
+          <a:bodyPr/>
+          <a:lstStyle/>
+          <a:p>
+            <a:fld id="{4A936E34-E911-F947-B710-F12161D09F63}" type="slidenum">
+              <a:rPr lang="en-FR" smtClean="0"/>
+              <a:t>8</a:t>
+            </a:fld>
+            <a:endParaRPr lang="en-FR"/>
           </a:p>
         </p:txBody>
       </p:sp>
@@ -19034,6 +21958,35 @@
               <a:latin typeface="Helvetica Neue Thin" panose="020B0403020202020204" pitchFamily="34" charset="0"/>
               <a:ea typeface="Helvetica Neue Thin" panose="020B0403020202020204" pitchFamily="34" charset="0"/>
             </a:endParaRPr>
+          </a:p>
+        </p:txBody>
+      </p:sp>
+      <p:sp>
+        <p:nvSpPr>
+          <p:cNvPr id="3" name="Slide Number Placeholder 2">
+            <a:extLst>
+              <a:ext uri="{FF2B5EF4-FFF2-40B4-BE49-F238E27FC236}">
+                <a16:creationId xmlns:a16="http://schemas.microsoft.com/office/drawing/2014/main" id="{6D4CDCBB-0273-AC7F-F9BF-21AFCCA050F8}"/>
+              </a:ext>
+            </a:extLst>
+          </p:cNvPr>
+          <p:cNvSpPr>
+            <a:spLocks noGrp="1"/>
+          </p:cNvSpPr>
+          <p:nvPr>
+            <p:ph type="sldNum" sz="quarter" idx="12"/>
+          </p:nvPr>
+        </p:nvSpPr>
+        <p:spPr/>
+        <p:txBody>
+          <a:bodyPr/>
+          <a:lstStyle/>
+          <a:p>
+            <a:fld id="{4A936E34-E911-F947-B710-F12161D09F63}" type="slidenum">
+              <a:rPr lang="en-FR" smtClean="0"/>
+              <a:t>9</a:t>
+            </a:fld>
+            <a:endParaRPr lang="en-FR"/>
           </a:p>
         </p:txBody>
       </p:sp>
@@ -19343,4 +22296,299 @@
     </a:ext>
   </a:extLst>
 </a:theme>
+</file>
+
+<file path=ppt/theme/theme2.xml><?xml version="1.0" encoding="utf-8"?>
+<a:theme xmlns:a="http://schemas.openxmlformats.org/drawingml/2006/main" name="Office Theme">
+  <a:themeElements>
+    <a:clrScheme name="Office">
+      <a:dk1>
+        <a:sysClr val="windowText" lastClr="000000"/>
+      </a:dk1>
+      <a:lt1>
+        <a:sysClr val="window" lastClr="FFFFFF"/>
+      </a:lt1>
+      <a:dk2>
+        <a:srgbClr val="44546A"/>
+      </a:dk2>
+      <a:lt2>
+        <a:srgbClr val="E7E6E6"/>
+      </a:lt2>
+      <a:accent1>
+        <a:srgbClr val="4472C4"/>
+      </a:accent1>
+      <a:accent2>
+        <a:srgbClr val="ED7D31"/>
+      </a:accent2>
+      <a:accent3>
+        <a:srgbClr val="A5A5A5"/>
+      </a:accent3>
+      <a:accent4>
+        <a:srgbClr val="FFC000"/>
+      </a:accent4>
+      <a:accent5>
+        <a:srgbClr val="5B9BD5"/>
+      </a:accent5>
+      <a:accent6>
+        <a:srgbClr val="70AD47"/>
+      </a:accent6>
+      <a:hlink>
+        <a:srgbClr val="0563C1"/>
+      </a:hlink>
+      <a:folHlink>
+        <a:srgbClr val="954F72"/>
+      </a:folHlink>
+    </a:clrScheme>
+    <a:fontScheme name="Office">
+      <a:majorFont>
+        <a:latin typeface="Calibri Light" panose="020F0302020204030204"/>
+        <a:ea typeface=""/>
+        <a:cs typeface=""/>
+        <a:font script="Jpan" typeface="游ゴシック Light"/>
+        <a:font script="Hang" typeface="맑은 고딕"/>
+        <a:font script="Hans" typeface="等线 Light"/>
+        <a:font script="Hant" typeface="新細明體"/>
+        <a:font script="Arab" typeface="Times New Roman"/>
+        <a:font script="Hebr" typeface="Times New Roman"/>
+        <a:font script="Thai" typeface="Angsana New"/>
+        <a:font script="Ethi" typeface="Nyala"/>
+        <a:font script="Beng" typeface="Vrinda"/>
+        <a:font script="Gujr" typeface="Shruti"/>
+        <a:font script="Khmr" typeface="MoolBoran"/>
+        <a:font script="Knda" typeface="Tunga"/>
+        <a:font script="Guru" typeface="Raavi"/>
+        <a:font script="Cans" typeface="Euphemia"/>
+        <a:font script="Cher" typeface="Plantagenet Cherokee"/>
+        <a:font script="Yiii" typeface="Microsoft Yi Baiti"/>
+        <a:font script="Tibt" typeface="Microsoft Himalaya"/>
+        <a:font script="Thaa" typeface="MV Boli"/>
+        <a:font script="Deva" typeface="Mangal"/>
+        <a:font script="Telu" typeface="Gautami"/>
+        <a:font script="Taml" typeface="Latha"/>
+        <a:font script="Syrc" typeface="Estrangelo Edessa"/>
+        <a:font script="Orya" typeface="Kalinga"/>
+        <a:font script="Mlym" typeface="Kartika"/>
+        <a:font script="Laoo" typeface="DokChampa"/>
+        <a:font script="Sinh" typeface="Iskoola Pota"/>
+        <a:font script="Mong" typeface="Mongolian Baiti"/>
+        <a:font script="Viet" typeface="Times New Roman"/>
+        <a:font script="Uigh" typeface="Microsoft Uighur"/>
+        <a:font script="Geor" typeface="Sylfaen"/>
+        <a:font script="Armn" typeface="Arial"/>
+        <a:font script="Bugi" typeface="Leelawadee UI"/>
+        <a:font script="Bopo" typeface="Microsoft JhengHei"/>
+        <a:font script="Java" typeface="Javanese Text"/>
+        <a:font script="Lisu" typeface="Segoe UI"/>
+        <a:font script="Mymr" typeface="Myanmar Text"/>
+        <a:font script="Nkoo" typeface="Ebrima"/>
+        <a:font script="Olck" typeface="Nirmala UI"/>
+        <a:font script="Osma" typeface="Ebrima"/>
+        <a:font script="Phag" typeface="Phagspa"/>
+        <a:font script="Syrn" typeface="Estrangelo Edessa"/>
+        <a:font script="Syrj" typeface="Estrangelo Edessa"/>
+        <a:font script="Syre" typeface="Estrangelo Edessa"/>
+        <a:font script="Sora" typeface="Nirmala UI"/>
+        <a:font script="Tale" typeface="Microsoft Tai Le"/>
+        <a:font script="Talu" typeface="Microsoft New Tai Lue"/>
+        <a:font script="Tfng" typeface="Ebrima"/>
+      </a:majorFont>
+      <a:minorFont>
+        <a:latin typeface="Calibri" panose="020F0502020204030204"/>
+        <a:ea typeface=""/>
+        <a:cs typeface=""/>
+        <a:font script="Jpan" typeface="游ゴシック"/>
+        <a:font script="Hang" typeface="맑은 고딕"/>
+        <a:font script="Hans" typeface="等线"/>
+        <a:font script="Hant" typeface="新細明體"/>
+        <a:font script="Arab" typeface="Arial"/>
+        <a:font script="Hebr" typeface="Arial"/>
+        <a:font script="Thai" typeface="Cordia New"/>
+        <a:font script="Ethi" typeface="Nyala"/>
+        <a:font script="Beng" typeface="Vrinda"/>
+        <a:font script="Gujr" typeface="Shruti"/>
+        <a:font script="Khmr" typeface="DaunPenh"/>
+        <a:font script="Knda" typeface="Tunga"/>
+        <a:font script="Guru" typeface="Raavi"/>
+        <a:font script="Cans" typeface="Euphemia"/>
+        <a:font script="Cher" typeface="Plantagenet Cherokee"/>
+        <a:font script="Yiii" typeface="Microsoft Yi Baiti"/>
+        <a:font script="Tibt" typeface="Microsoft Himalaya"/>
+        <a:font script="Thaa" typeface="MV Boli"/>
+        <a:font script="Deva" typeface="Mangal"/>
+        <a:font script="Telu" typeface="Gautami"/>
+        <a:font script="Taml" typeface="Latha"/>
+        <a:font script="Syrc" typeface="Estrangelo Edessa"/>
+        <a:font script="Orya" typeface="Kalinga"/>
+        <a:font script="Mlym" typeface="Kartika"/>
+        <a:font script="Laoo" typeface="DokChampa"/>
+        <a:font script="Sinh" typeface="Iskoola Pota"/>
+        <a:font script="Mong" typeface="Mongolian Baiti"/>
+        <a:font script="Viet" typeface="Arial"/>
+        <a:font script="Uigh" typeface="Microsoft Uighur"/>
+        <a:font script="Geor" typeface="Sylfaen"/>
+        <a:font script="Armn" typeface="Arial"/>
+        <a:font script="Bugi" typeface="Leelawadee UI"/>
+        <a:font script="Bopo" typeface="Microsoft JhengHei"/>
+        <a:font script="Java" typeface="Javanese Text"/>
+        <a:font script="Lisu" typeface="Segoe UI"/>
+        <a:font script="Mymr" typeface="Myanmar Text"/>
+        <a:font script="Nkoo" typeface="Ebrima"/>
+        <a:font script="Olck" typeface="Nirmala UI"/>
+        <a:font script="Osma" typeface="Ebrima"/>
+        <a:font script="Phag" typeface="Phagspa"/>
+        <a:font script="Syrn" typeface="Estrangelo Edessa"/>
+        <a:font script="Syrj" typeface="Estrangelo Edessa"/>
+        <a:font script="Syre" typeface="Estrangelo Edessa"/>
+        <a:font script="Sora" typeface="Nirmala UI"/>
+        <a:font script="Tale" typeface="Microsoft Tai Le"/>
+        <a:font script="Talu" typeface="Microsoft New Tai Lue"/>
+        <a:font script="Tfng" typeface="Ebrima"/>
+      </a:minorFont>
+    </a:fontScheme>
+    <a:fmtScheme name="Office">
+      <a:fillStyleLst>
+        <a:solidFill>
+          <a:schemeClr val="phClr"/>
+        </a:solidFill>
+        <a:gradFill rotWithShape="1">
+          <a:gsLst>
+            <a:gs pos="0">
+              <a:schemeClr val="phClr">
+                <a:lumMod val="110000"/>
+                <a:satMod val="105000"/>
+                <a:tint val="67000"/>
+              </a:schemeClr>
+            </a:gs>
+            <a:gs pos="50000">
+              <a:schemeClr val="phClr">
+                <a:lumMod val="105000"/>
+                <a:satMod val="103000"/>
+                <a:tint val="73000"/>
+              </a:schemeClr>
+            </a:gs>
+            <a:gs pos="100000">
+              <a:schemeClr val="phClr">
+                <a:lumMod val="105000"/>
+                <a:satMod val="109000"/>
+                <a:tint val="81000"/>
+              </a:schemeClr>
+            </a:gs>
+          </a:gsLst>
+          <a:lin ang="5400000" scaled="0"/>
+        </a:gradFill>
+        <a:gradFill rotWithShape="1">
+          <a:gsLst>
+            <a:gs pos="0">
+              <a:schemeClr val="phClr">
+                <a:satMod val="103000"/>
+                <a:lumMod val="102000"/>
+                <a:tint val="94000"/>
+              </a:schemeClr>
+            </a:gs>
+            <a:gs pos="50000">
+              <a:schemeClr val="phClr">
+                <a:satMod val="110000"/>
+                <a:lumMod val="100000"/>
+                <a:shade val="100000"/>
+              </a:schemeClr>
+            </a:gs>
+            <a:gs pos="100000">
+              <a:schemeClr val="phClr">
+                <a:lumMod val="99000"/>
+                <a:satMod val="120000"/>
+                <a:shade val="78000"/>
+              </a:schemeClr>
+            </a:gs>
+          </a:gsLst>
+          <a:lin ang="5400000" scaled="0"/>
+        </a:gradFill>
+      </a:fillStyleLst>
+      <a:lnStyleLst>
+        <a:ln w="6350" cap="flat" cmpd="sng" algn="ctr">
+          <a:solidFill>
+            <a:schemeClr val="phClr"/>
+          </a:solidFill>
+          <a:prstDash val="solid"/>
+          <a:miter lim="800000"/>
+        </a:ln>
+        <a:ln w="12700" cap="flat" cmpd="sng" algn="ctr">
+          <a:solidFill>
+            <a:schemeClr val="phClr"/>
+          </a:solidFill>
+          <a:prstDash val="solid"/>
+          <a:miter lim="800000"/>
+        </a:ln>
+        <a:ln w="19050" cap="flat" cmpd="sng" algn="ctr">
+          <a:solidFill>
+            <a:schemeClr val="phClr"/>
+          </a:solidFill>
+          <a:prstDash val="solid"/>
+          <a:miter lim="800000"/>
+        </a:ln>
+      </a:lnStyleLst>
+      <a:effectStyleLst>
+        <a:effectStyle>
+          <a:effectLst/>
+        </a:effectStyle>
+        <a:effectStyle>
+          <a:effectLst/>
+        </a:effectStyle>
+        <a:effectStyle>
+          <a:effectLst>
+            <a:outerShdw blurRad="57150" dist="19050" dir="5400000" algn="ctr" rotWithShape="0">
+              <a:srgbClr val="000000">
+                <a:alpha val="63000"/>
+              </a:srgbClr>
+            </a:outerShdw>
+          </a:effectLst>
+        </a:effectStyle>
+      </a:effectStyleLst>
+      <a:bgFillStyleLst>
+        <a:solidFill>
+          <a:schemeClr val="phClr"/>
+        </a:solidFill>
+        <a:solidFill>
+          <a:schemeClr val="phClr">
+            <a:tint val="95000"/>
+            <a:satMod val="170000"/>
+          </a:schemeClr>
+        </a:solidFill>
+        <a:gradFill rotWithShape="1">
+          <a:gsLst>
+            <a:gs pos="0">
+              <a:schemeClr val="phClr">
+                <a:tint val="93000"/>
+                <a:satMod val="150000"/>
+                <a:shade val="98000"/>
+                <a:lumMod val="102000"/>
+              </a:schemeClr>
+            </a:gs>
+            <a:gs pos="50000">
+              <a:schemeClr val="phClr">
+                <a:tint val="98000"/>
+                <a:satMod val="130000"/>
+                <a:shade val="90000"/>
+                <a:lumMod val="103000"/>
+              </a:schemeClr>
+            </a:gs>
+            <a:gs pos="100000">
+              <a:schemeClr val="phClr">
+                <a:shade val="63000"/>
+                <a:satMod val="120000"/>
+              </a:schemeClr>
+            </a:gs>
+          </a:gsLst>
+          <a:lin ang="5400000" scaled="0"/>
+        </a:gradFill>
+      </a:bgFillStyleLst>
+    </a:fmtScheme>
+  </a:themeElements>
+  <a:objectDefaults/>
+  <a:extraClrSchemeLst/>
+  <a:extLst>
+    <a:ext uri="{05A4C25C-085E-4340-85A3-A5531E510DB2}">
+      <thm15:themeFamily xmlns:thm15="http://schemas.microsoft.com/office/thememl/2012/main" name="Office Theme" id="{62F939B6-93AF-4DB8-9C6B-D6C7DFDC589F}" vid="{4A3C46E8-61CC-4603-A589-7422A47A8E4A}"/>
+    </a:ext>
+  </a:extLst>
+</a:theme>
 </file>
--- a/mcmc_method.pptx
+++ b/mcmc_method.pptx
@@ -5,7 +5,7 @@
     <p:sldMasterId id="2147483648" r:id="rId1"/>
   </p:sldMasterIdLst>
   <p:notesMasterIdLst>
-    <p:notesMasterId r:id="rId32"/>
+    <p:notesMasterId r:id="rId37"/>
   </p:notesMasterIdLst>
   <p:sldIdLst>
     <p:sldId id="275" r:id="rId2"/>
@@ -30,14 +30,19 @@
     <p:sldId id="268" r:id="rId21"/>
     <p:sldId id="264" r:id="rId22"/>
     <p:sldId id="282" r:id="rId23"/>
-    <p:sldId id="283" r:id="rId24"/>
-    <p:sldId id="266" r:id="rId25"/>
-    <p:sldId id="267" r:id="rId26"/>
-    <p:sldId id="284" r:id="rId27"/>
-    <p:sldId id="285" r:id="rId28"/>
-    <p:sldId id="286" r:id="rId29"/>
-    <p:sldId id="287" r:id="rId30"/>
-    <p:sldId id="288" r:id="rId31"/>
+    <p:sldId id="289" r:id="rId24"/>
+    <p:sldId id="290" r:id="rId25"/>
+    <p:sldId id="283" r:id="rId26"/>
+    <p:sldId id="266" r:id="rId27"/>
+    <p:sldId id="267" r:id="rId28"/>
+    <p:sldId id="284" r:id="rId29"/>
+    <p:sldId id="285" r:id="rId30"/>
+    <p:sldId id="286" r:id="rId31"/>
+    <p:sldId id="287" r:id="rId32"/>
+    <p:sldId id="291" r:id="rId33"/>
+    <p:sldId id="293" r:id="rId34"/>
+    <p:sldId id="292" r:id="rId35"/>
+    <p:sldId id="288" r:id="rId36"/>
   </p:sldIdLst>
   <p:sldSz cx="12192000" cy="6858000"/>
   <p:notesSz cx="6858000" cy="9144000"/>
@@ -15306,7 +15311,7 @@
                 <a:latin typeface="Helvetica Neue Thin" panose="020B0403020202020204" pitchFamily="34" charset="0"/>
                 <a:ea typeface="Helvetica Neue Thin" panose="020B0403020202020204" pitchFamily="34" charset="0"/>
               </a:rPr>
-              <a:t>If the matrix is not stochastic that means the system hit a state it couldn’t get out of </a:t>
+              <a:t>If the matrix is not stochastic that means the system hit a state it couldn’t get out of</a:t>
             </a:r>
           </a:p>
           <a:p>
@@ -15378,7 +15383,7 @@
                 <a:latin typeface="Helvetica Neue Thin" panose="020B0403020202020204" pitchFamily="34" charset="0"/>
                 <a:ea typeface="Helvetica Neue Thin" panose="020B0403020202020204" pitchFamily="34" charset="0"/>
               </a:rPr>
-              <a:t>Irreducible: any state can be reached from any other </a:t>
+              <a:t>Irreducible: any state can be reached from any other (directly or indirectly)</a:t>
             </a:r>
           </a:p>
           <a:p>
@@ -15391,7 +15396,7 @@
                 <a:latin typeface="Helvetica Neue Thin" panose="020B0403020202020204" pitchFamily="34" charset="0"/>
                 <a:ea typeface="Helvetica Neue Thin" panose="020B0403020202020204" pitchFamily="34" charset="0"/>
               </a:rPr>
-              <a:t>Aperiodic: the system doesn’t end up in a loop </a:t>
+              <a:t>Aperiodic: the system doesn’t end up in a loop (any state can be returned to at any time)</a:t>
             </a:r>
           </a:p>
           <a:p>
@@ -15569,51 +15574,173 @@
       </p:grpSpPr>
       <p:sp>
         <p:nvSpPr>
-          <p:cNvPr id="4" name="Title 3">
-            <a:extLst>
-              <a:ext uri="{FF2B5EF4-FFF2-40B4-BE49-F238E27FC236}">
-                <a16:creationId xmlns:a16="http://schemas.microsoft.com/office/drawing/2014/main" id="{7C5D90E7-82C4-D596-1080-E4071F572EF8}"/>
-              </a:ext>
-            </a:extLst>
-          </p:cNvPr>
-          <p:cNvSpPr>
-            <a:spLocks noGrp="1"/>
-          </p:cNvSpPr>
-          <p:nvPr>
-            <p:ph type="title"/>
-          </p:nvPr>
+          <p:cNvPr id="2" name="TextBox 1">
+            <a:extLst>
+              <a:ext uri="{FF2B5EF4-FFF2-40B4-BE49-F238E27FC236}">
+                <a16:creationId xmlns:a16="http://schemas.microsoft.com/office/drawing/2014/main" id="{6C2B10C5-9FBB-B160-EF82-2177DA7A747F}"/>
+              </a:ext>
+            </a:extLst>
+          </p:cNvPr>
+          <p:cNvSpPr txBox="1"/>
+          <p:nvPr/>
         </p:nvSpPr>
         <p:spPr>
           <a:xfrm>
-            <a:off x="838200" y="2766218"/>
-            <a:ext cx="10515600" cy="1325563"/>
+            <a:off x="188891" y="586610"/>
+            <a:ext cx="11638349" cy="2031325"/>
           </a:xfrm>
+          <a:prstGeom prst="rect">
+            <a:avLst/>
+          </a:prstGeom>
+          <a:noFill/>
         </p:spPr>
         <p:txBody>
-          <a:bodyPr/>
+          <a:bodyPr wrap="square" rtlCol="0">
+            <a:spAutoFit/>
+          </a:bodyPr>
           <a:lstStyle/>
           <a:p>
-            <a:pPr algn="ctr"/>
-            <a:r>
-              <a:rPr lang="en-FR" dirty="0">
-                <a:latin typeface="Helvetica Neue Thin" panose="020B0403020202020204" pitchFamily="34" charset="0"/>
-                <a:ea typeface="Helvetica Neue Thin" panose="020B0403020202020204" pitchFamily="34" charset="0"/>
-              </a:rPr>
-              <a:t>The method with various Cubicle models</a:t>
-            </a:r>
-            <a:endParaRPr lang="en-FR" dirty="0">
-              <a:latin typeface="Helvetica Neue Thin" panose="020B0403020202020204" pitchFamily="34" charset="0"/>
-              <a:ea typeface="Helvetica Neue Thin" panose="020B0403020202020204" pitchFamily="34" charset="0"/>
-            </a:endParaRPr>
+            <a:pPr marL="285750" indent="-285750">
+              <a:buFont typeface="Arial" panose="020B0604020202020204" pitchFamily="34" charset="0"/>
+              <a:buChar char="•"/>
+            </a:pPr>
+            <a:r>
+              <a:rPr lang="en-GB" dirty="0">
+                <a:latin typeface="Helvetica Neue Thin" panose="020B0403020202020204" pitchFamily="34" charset="0"/>
+                <a:ea typeface="Helvetica Neue Thin" panose="020B0403020202020204" pitchFamily="34" charset="0"/>
+              </a:rPr>
+              <a:t>Implement entropy tracking [in progress] </a:t>
+            </a:r>
+          </a:p>
+          <a:p>
+            <a:pPr marL="285750" indent="-285750">
+              <a:buFont typeface="Arial" panose="020B0604020202020204" pitchFamily="34" charset="0"/>
+              <a:buChar char="•"/>
+            </a:pPr>
+            <a:r>
+              <a:rPr lang="en-GB" dirty="0">
+                <a:latin typeface="Helvetica Neue Thin" panose="020B0403020202020204" pitchFamily="34" charset="0"/>
+                <a:ea typeface="Helvetica Neue Thin" panose="020B0403020202020204" pitchFamily="34" charset="0"/>
+              </a:rPr>
+              <a:t>Choice between vector bias and full matrix bias + best format for user input </a:t>
+            </a:r>
+          </a:p>
+          <a:p>
+            <a:pPr marL="285750" indent="-285750">
+              <a:buFont typeface="Arial" panose="020B0604020202020204" pitchFamily="34" charset="0"/>
+              <a:buChar char="•"/>
+            </a:pPr>
+            <a:r>
+              <a:rPr lang="en-GB" dirty="0">
+                <a:latin typeface="Helvetica Neue Thin" panose="020B0403020202020204" pitchFamily="34" charset="0"/>
+                <a:ea typeface="Helvetica Neue Thin" panose="020B0403020202020204" pitchFamily="34" charset="0"/>
+              </a:rPr>
+              <a:t>Have runs track both detailed and grouped matrix and either (</a:t>
+            </a:r>
+            <a:r>
+              <a:rPr lang="en-GB" dirty="0" err="1">
+                <a:latin typeface="Helvetica Neue Thin" panose="020B0403020202020204" pitchFamily="34" charset="0"/>
+                <a:ea typeface="Helvetica Neue Thin" panose="020B0403020202020204" pitchFamily="34" charset="0"/>
+              </a:rPr>
+              <a:t>i</a:t>
+            </a:r>
+            <a:r>
+              <a:rPr lang="en-GB" dirty="0">
+                <a:latin typeface="Helvetica Neue Thin" panose="020B0403020202020204" pitchFamily="34" charset="0"/>
+                <a:ea typeface="Helvetica Neue Thin" panose="020B0403020202020204" pitchFamily="34" charset="0"/>
+              </a:rPr>
+              <a:t>) create two files or (ii) choose what you want to see during the analysis </a:t>
+            </a:r>
+          </a:p>
+          <a:p>
+            <a:pPr marL="285750" indent="-285750">
+              <a:buFont typeface="Arial" panose="020B0604020202020204" pitchFamily="34" charset="0"/>
+              <a:buChar char="•"/>
+            </a:pPr>
+            <a:r>
+              <a:rPr lang="en-GB" dirty="0">
+                <a:latin typeface="Helvetica Neue Thin" panose="020B0403020202020204" pitchFamily="34" charset="0"/>
+                <a:ea typeface="Helvetica Neue Thin" panose="020B0403020202020204" pitchFamily="34" charset="0"/>
+              </a:rPr>
+              <a:t>Figure out an automatic way to propose biases</a:t>
+            </a:r>
+          </a:p>
+          <a:p>
+            <a:pPr marL="285750" indent="-285750">
+              <a:buFont typeface="Arial" panose="020B0604020202020204" pitchFamily="34" charset="0"/>
+              <a:buChar char="•"/>
+            </a:pPr>
+            <a:r>
+              <a:rPr lang="en-GB" dirty="0">
+                <a:latin typeface="Helvetica Neue Thin" panose="020B0403020202020204" pitchFamily="34" charset="0"/>
+                <a:ea typeface="Helvetica Neue Thin" panose="020B0403020202020204" pitchFamily="34" charset="0"/>
+              </a:rPr>
+              <a:t>Output matrix in browser – some of them are way too big for the terminal and its unreadable</a:t>
+            </a:r>
+          </a:p>
+          <a:p>
+            <a:pPr marL="285750" indent="-285750">
+              <a:buFont typeface="Arial" panose="020B0604020202020204" pitchFamily="34" charset="0"/>
+              <a:buChar char="•"/>
+            </a:pPr>
+            <a:r>
+              <a:rPr lang="en-GB" dirty="0">
+                <a:latin typeface="Helvetica Neue Thin" panose="020B0403020202020204" pitchFamily="34" charset="0"/>
+                <a:ea typeface="Helvetica Neue Thin" panose="020B0403020202020204" pitchFamily="34" charset="0"/>
+              </a:rPr>
+              <a:t>Deal with floats </a:t>
+            </a:r>
           </a:p>
         </p:txBody>
       </p:sp>
       <p:sp>
         <p:nvSpPr>
-          <p:cNvPr id="2" name="Slide Number Placeholder 1">
-            <a:extLst>
-              <a:ext uri="{FF2B5EF4-FFF2-40B4-BE49-F238E27FC236}">
-                <a16:creationId xmlns:a16="http://schemas.microsoft.com/office/drawing/2014/main" id="{8AA93F7D-F086-707A-3DB0-1C2E2EEA4CA0}"/>
+          <p:cNvPr id="7" name="TextBox 6">
+            <a:extLst>
+              <a:ext uri="{FF2B5EF4-FFF2-40B4-BE49-F238E27FC236}">
+                <a16:creationId xmlns:a16="http://schemas.microsoft.com/office/drawing/2014/main" id="{A1296553-2849-7B47-5626-14E9E7F0160C}"/>
+              </a:ext>
+            </a:extLst>
+          </p:cNvPr>
+          <p:cNvSpPr txBox="1"/>
+          <p:nvPr/>
+        </p:nvSpPr>
+        <p:spPr>
+          <a:xfrm>
+            <a:off x="188891" y="124945"/>
+            <a:ext cx="7456093" cy="461665"/>
+          </a:xfrm>
+          <a:prstGeom prst="rect">
+            <a:avLst/>
+          </a:prstGeom>
+          <a:noFill/>
+        </p:spPr>
+        <p:txBody>
+          <a:bodyPr wrap="square" rtlCol="0">
+            <a:spAutoFit/>
+          </a:bodyPr>
+          <a:lstStyle/>
+          <a:p>
+            <a:r>
+              <a:rPr lang="en-US" sz="2400" dirty="0">
+                <a:latin typeface="Helvetica Neue Thin" panose="020B0403020202020204" pitchFamily="34" charset="0"/>
+                <a:ea typeface="Helvetica Neue Thin" panose="020B0403020202020204" pitchFamily="34" charset="0"/>
+              </a:rPr>
+              <a:t>To Do</a:t>
+            </a:r>
+            <a:endParaRPr lang="en-FR" sz="2000" dirty="0">
+              <a:latin typeface="Helvetica Neue Thin" panose="020B0403020202020204" pitchFamily="34" charset="0"/>
+              <a:ea typeface="Helvetica Neue Thin" panose="020B0403020202020204" pitchFamily="34" charset="0"/>
+            </a:endParaRPr>
+          </a:p>
+        </p:txBody>
+      </p:sp>
+      <p:sp>
+        <p:nvSpPr>
+          <p:cNvPr id="3" name="Slide Number Placeholder 2">
+            <a:extLst>
+              <a:ext uri="{FF2B5EF4-FFF2-40B4-BE49-F238E27FC236}">
+                <a16:creationId xmlns:a16="http://schemas.microsoft.com/office/drawing/2014/main" id="{33D5C72B-E230-3A3A-8C54-D6076FC14789}"/>
               </a:ext>
             </a:extLst>
           </p:cNvPr>
@@ -15640,7 +15767,7 @@
     </p:spTree>
     <p:extLst>
       <p:ext uri="{BB962C8B-B14F-4D97-AF65-F5344CB8AC3E}">
-        <p14:creationId xmlns:p14="http://schemas.microsoft.com/office/powerpoint/2010/main" val="2191757298"/>
+        <p14:creationId xmlns:p14="http://schemas.microsoft.com/office/powerpoint/2010/main" val="4246474834"/>
       </p:ext>
     </p:extLst>
   </p:cSld>
@@ -15669,10 +15796,10 @@
       </p:grpSpPr>
       <p:sp>
         <p:nvSpPr>
-          <p:cNvPr id="4" name="TextBox 3">
-            <a:extLst>
-              <a:ext uri="{FF2B5EF4-FFF2-40B4-BE49-F238E27FC236}">
-                <a16:creationId xmlns:a16="http://schemas.microsoft.com/office/drawing/2014/main" id="{10DEA0E4-DA7F-E905-D91F-6C01DD4C8C81}"/>
+          <p:cNvPr id="2" name="TextBox 1">
+            <a:extLst>
+              <a:ext uri="{FF2B5EF4-FFF2-40B4-BE49-F238E27FC236}">
+                <a16:creationId xmlns:a16="http://schemas.microsoft.com/office/drawing/2014/main" id="{6C2B10C5-9FBB-B160-EF82-2177DA7A747F}"/>
               </a:ext>
             </a:extLst>
           </p:cNvPr>
@@ -15681,8 +15808,8 @@
         </p:nvSpPr>
         <p:spPr>
           <a:xfrm>
-            <a:off x="188891" y="124945"/>
-            <a:ext cx="9379652" cy="461665"/>
+            <a:off x="188891" y="586610"/>
+            <a:ext cx="11814218" cy="1754326"/>
           </a:xfrm>
           <a:prstGeom prst="rect">
             <a:avLst/>
@@ -15695,61 +15822,119 @@
           </a:bodyPr>
           <a:lstStyle/>
           <a:p>
-            <a:r>
-              <a:rPr lang="en-US" sz="2400" dirty="0" err="1">
-                <a:latin typeface="Helvetica Neue Thin" panose="020B0403020202020204" pitchFamily="34" charset="0"/>
-                <a:ea typeface="Helvetica Neue Thin" panose="020B0403020202020204" pitchFamily="34" charset="0"/>
-              </a:rPr>
-              <a:t>Dekker.cub</a:t>
-            </a:r>
-            <a:r>
-              <a:rPr lang="en-US" sz="2400" dirty="0">
-                <a:latin typeface="Helvetica Neue Thin" panose="020B0403020202020204" pitchFamily="34" charset="0"/>
-                <a:ea typeface="Helvetica Neue Thin" panose="020B0403020202020204" pitchFamily="34" charset="0"/>
-              </a:rPr>
-              <a:t> [test-</a:t>
-            </a:r>
-            <a:r>
-              <a:rPr lang="en-US" sz="2400" dirty="0" err="1">
-                <a:latin typeface="Helvetica Neue Thin" panose="020B0403020202020204" pitchFamily="34" charset="0"/>
-                <a:ea typeface="Helvetica Neue Thin" panose="020B0403020202020204" pitchFamily="34" charset="0"/>
-              </a:rPr>
-              <a:t>runmaximizing</a:t>
-            </a:r>
-            <a:r>
-              <a:rPr lang="en-US" sz="2400" dirty="0">
-                <a:latin typeface="Helvetica Neue Thin" panose="020B0403020202020204" pitchFamily="34" charset="0"/>
-                <a:ea typeface="Helvetica Neue Thin" panose="020B0403020202020204" pitchFamily="34" charset="0"/>
-              </a:rPr>
-              <a:t> </a:t>
-            </a:r>
-            <a:r>
-              <a:rPr lang="en-US" sz="2400" dirty="0">
-                <a:latin typeface="Helvetica Neue Thin" panose="020B0403020202020204" pitchFamily="34" charset="0"/>
-                <a:ea typeface="Helvetica Neue Thin" panose="020B0403020202020204" pitchFamily="34" charset="0"/>
-              </a:rPr>
-              <a:t>entropy] [grouped </a:t>
-            </a:r>
-            <a:r>
-              <a:rPr lang="en-US" sz="2400" dirty="0">
-                <a:latin typeface="Helvetica Neue Thin" panose="020B0403020202020204" pitchFamily="34" charset="0"/>
-                <a:ea typeface="Helvetica Neue Thin" panose="020B0403020202020204" pitchFamily="34" charset="0"/>
-              </a:rPr>
-              <a:t>transitions]</a:t>
-            </a:r>
-            <a:endParaRPr lang="en-FR" sz="2000" dirty="0">
-              <a:latin typeface="Helvetica Neue Thin" panose="020B0403020202020204" pitchFamily="34" charset="0"/>
-              <a:ea typeface="Helvetica Neue Thin" panose="020B0403020202020204" pitchFamily="34" charset="0"/>
-            </a:endParaRPr>
+            <a:pPr marL="285750" indent="-285750">
+              <a:buFont typeface="Arial" panose="020B0604020202020204" pitchFamily="34" charset="0"/>
+              <a:buChar char="•"/>
+            </a:pPr>
+            <a:r>
+              <a:rPr lang="en-GB" dirty="0">
+                <a:latin typeface="Helvetica Neue Thin" panose="020B0403020202020204" pitchFamily="34" charset="0"/>
+                <a:ea typeface="Helvetica Neue Thin" panose="020B0403020202020204" pitchFamily="34" charset="0"/>
+              </a:rPr>
+              <a:t>Transitions with more processes have a higher probability of being picked after if procs &gt;= 3 </a:t>
+            </a:r>
+          </a:p>
+          <a:p>
+            <a:pPr marL="285750" indent="-285750">
+              <a:buFont typeface="Arial" panose="020B0604020202020204" pitchFamily="34" charset="0"/>
+              <a:buChar char="•"/>
+            </a:pPr>
+            <a:r>
+              <a:rPr lang="en-GB" dirty="0">
+                <a:latin typeface="Helvetica Neue Thin" panose="020B0403020202020204" pitchFamily="34" charset="0"/>
+                <a:ea typeface="Helvetica Neue Thin" panose="020B0403020202020204" pitchFamily="34" charset="0"/>
+              </a:rPr>
+              <a:t>A full transition matrix (</a:t>
+            </a:r>
+            <a:r>
+              <a:rPr lang="en-GB" dirty="0" err="1">
+                <a:latin typeface="Helvetica Neue Thin" panose="020B0403020202020204" pitchFamily="34" charset="0"/>
+                <a:ea typeface="Helvetica Neue Thin" panose="020B0403020202020204" pitchFamily="34" charset="0"/>
+              </a:rPr>
+              <a:t>transition+process</a:t>
+            </a:r>
+            <a:r>
+              <a:rPr lang="en-GB" dirty="0">
+                <a:latin typeface="Helvetica Neue Thin" panose="020B0403020202020204" pitchFamily="34" charset="0"/>
+                <a:ea typeface="Helvetica Neue Thin" panose="020B0403020202020204" pitchFamily="34" charset="0"/>
+              </a:rPr>
+              <a:t> couple) has a better chance of influencing the system</a:t>
+            </a:r>
+          </a:p>
+          <a:p>
+            <a:pPr marL="285750" indent="-285750">
+              <a:buFont typeface="Arial" panose="020B0604020202020204" pitchFamily="34" charset="0"/>
+              <a:buChar char="•"/>
+            </a:pPr>
+            <a:r>
+              <a:rPr lang="en-GB" dirty="0">
+                <a:latin typeface="Helvetica Neue Thin" panose="020B0403020202020204" pitchFamily="34" charset="0"/>
+                <a:ea typeface="Helvetica Neue Thin" panose="020B0403020202020204" pitchFamily="34" charset="0"/>
+              </a:rPr>
+              <a:t>Deadlocking/</a:t>
+            </a:r>
+            <a:r>
+              <a:rPr lang="en-GB" dirty="0" err="1">
+                <a:latin typeface="Helvetica Neue Thin" panose="020B0403020202020204" pitchFamily="34" charset="0"/>
+                <a:ea typeface="Helvetica Neue Thin" panose="020B0403020202020204" pitchFamily="34" charset="0"/>
+              </a:rPr>
+              <a:t>livelocking</a:t>
+            </a:r>
+            <a:r>
+              <a:rPr lang="en-GB" dirty="0">
+                <a:latin typeface="Helvetica Neue Thin" panose="020B0403020202020204" pitchFamily="34" charset="0"/>
+                <a:ea typeface="Helvetica Neue Thin" panose="020B0403020202020204" pitchFamily="34" charset="0"/>
+              </a:rPr>
+              <a:t> systems could be expected to have weird transition matrixes</a:t>
+            </a:r>
+          </a:p>
+          <a:p>
+            <a:pPr marL="285750" indent="-285750">
+              <a:buFont typeface="Arial" panose="020B0604020202020204" pitchFamily="34" charset="0"/>
+              <a:buChar char="•"/>
+            </a:pPr>
+            <a:r>
+              <a:rPr lang="en-GB" dirty="0">
+                <a:latin typeface="Helvetica Neue Thin" panose="020B0403020202020204" pitchFamily="34" charset="0"/>
+                <a:ea typeface="Helvetica Neue Thin" panose="020B0403020202020204" pitchFamily="34" charset="0"/>
+              </a:rPr>
+              <a:t>Stochastic matrix: if a transition matrix from a Markov Chain is not stochastic (meaning that the rows don’t sum up to 1</a:t>
+            </a:r>
+          </a:p>
+          <a:p>
+            <a:pPr marL="742950" lvl="1" indent="-285750">
+              <a:buFont typeface="Arial" panose="020B0604020202020204" pitchFamily="34" charset="0"/>
+              <a:buChar char="•"/>
+            </a:pPr>
+            <a:r>
+              <a:rPr lang="en-GB" dirty="0">
+                <a:latin typeface="Helvetica Neue Thin" panose="020B0403020202020204" pitchFamily="34" charset="0"/>
+                <a:ea typeface="Helvetica Neue Thin" panose="020B0403020202020204" pitchFamily="34" charset="0"/>
+              </a:rPr>
+              <a:t>This violates one of the main properties of the Markov Chain</a:t>
+            </a:r>
+          </a:p>
+          <a:p>
+            <a:pPr marL="742950" lvl="1" indent="-285750">
+              <a:buFont typeface="Arial" panose="020B0604020202020204" pitchFamily="34" charset="0"/>
+              <a:buChar char="•"/>
+            </a:pPr>
+            <a:r>
+              <a:rPr lang="en-GB" dirty="0">
+                <a:latin typeface="Helvetica Neue Thin" panose="020B0403020202020204" pitchFamily="34" charset="0"/>
+                <a:ea typeface="Helvetica Neue Thin" panose="020B0403020202020204" pitchFamily="34" charset="0"/>
+              </a:rPr>
+              <a:t>Indicates that there is a problem with the data or with the model itself (a missing transition or a redundant transition)</a:t>
+            </a:r>
           </a:p>
         </p:txBody>
       </p:sp>
       <p:sp>
         <p:nvSpPr>
-          <p:cNvPr id="5" name="TextBox 4">
-            <a:extLst>
-              <a:ext uri="{FF2B5EF4-FFF2-40B4-BE49-F238E27FC236}">
-                <a16:creationId xmlns:a16="http://schemas.microsoft.com/office/drawing/2014/main" id="{D51E0414-BA4B-94E1-C01E-E0863EDB6501}"/>
+          <p:cNvPr id="7" name="TextBox 6">
+            <a:extLst>
+              <a:ext uri="{FF2B5EF4-FFF2-40B4-BE49-F238E27FC236}">
+                <a16:creationId xmlns:a16="http://schemas.microsoft.com/office/drawing/2014/main" id="{A1296553-2849-7B47-5626-14E9E7F0160C}"/>
               </a:ext>
             </a:extLst>
           </p:cNvPr>
@@ -15758,8 +15943,8 @@
         </p:nvSpPr>
         <p:spPr>
           <a:xfrm>
-            <a:off x="188890" y="876951"/>
-            <a:ext cx="11638349" cy="4801314"/>
+            <a:off x="188891" y="124945"/>
+            <a:ext cx="7456093" cy="461665"/>
           </a:xfrm>
           <a:prstGeom prst="rect">
             <a:avLst/>
@@ -15773,132 +15958,13 @@
           <a:lstStyle/>
           <a:p>
             <a:r>
-              <a:rPr lang="en-FR" dirty="0">
-                <a:latin typeface="Helvetica Neue Thin" panose="020B0403020202020204" pitchFamily="34" charset="0"/>
-                <a:ea typeface="Helvetica Neue Thin" panose="020B0403020202020204" pitchFamily="34" charset="0"/>
-              </a:rPr>
-              <a:t>Data log file: </a:t>
-            </a:r>
-            <a:r>
-              <a:rPr lang="en-GB" dirty="0">
-                <a:latin typeface="Helvetica Neue Thin" panose="020B0403020202020204" pitchFamily="34" charset="0"/>
-                <a:ea typeface="Helvetica Neue Thin" panose="020B0403020202020204" pitchFamily="34" charset="0"/>
-              </a:rPr>
-              <a:t>dekker.cub1678120844.data</a:t>
-            </a:r>
-          </a:p>
-          <a:p>
-            <a:endParaRPr lang="en-FR" dirty="0">
-              <a:latin typeface="Helvetica Neue Thin" panose="020B0403020202020204" pitchFamily="34" charset="0"/>
-              <a:ea typeface="Helvetica Neue Thin" panose="020B0403020202020204" pitchFamily="34" charset="0"/>
-            </a:endParaRPr>
-          </a:p>
-          <a:p>
-            <a:r>
-              <a:rPr lang="en-FR" dirty="0">
-                <a:latin typeface="Helvetica Neue Thin" panose="020B0403020202020204" pitchFamily="34" charset="0"/>
-                <a:ea typeface="Helvetica Neue Thin" panose="020B0403020202020204" pitchFamily="34" charset="0"/>
-              </a:rPr>
-              <a:t>Transition matrix</a:t>
-            </a:r>
-          </a:p>
-          <a:p>
-            <a:r>
-              <a:rPr lang="en-GB" dirty="0"/>
-              <a:t>+----------------+-----------------+----------------+----------------+</a:t>
-            </a:r>
-          </a:p>
-          <a:p>
-            <a:r>
-              <a:rPr lang="en-GB" dirty="0"/>
-              <a:t>|                      |   enter          |    exit           |     </a:t>
-            </a:r>
-            <a:r>
-              <a:rPr lang="en-GB" dirty="0" err="1"/>
-              <a:t>req</a:t>
-            </a:r>
-            <a:r>
-              <a:rPr lang="en-GB" dirty="0"/>
-              <a:t>           |</a:t>
-            </a:r>
-          </a:p>
-          <a:p>
-            <a:r>
-              <a:rPr lang="en-GB" dirty="0"/>
-              <a:t>+==========+==========+==========+==========+</a:t>
-            </a:r>
-          </a:p>
-          <a:p>
-            <a:r>
-              <a:rPr lang="en-GB" dirty="0"/>
-              <a:t>| enter           | 0                   | 0.834687    | 0.165313     |</a:t>
-            </a:r>
-          </a:p>
-          <a:p>
-            <a:r>
-              <a:rPr lang="en-GB" dirty="0"/>
-              <a:t>+----------------+-----------------+----------------+----------------+</a:t>
-            </a:r>
-          </a:p>
-          <a:p>
-            <a:r>
-              <a:rPr lang="en-GB" dirty="0"/>
-              <a:t>| exit              | 0.346006     | 0                   | 0.653994    |</a:t>
-            </a:r>
-          </a:p>
-          <a:p>
-            <a:r>
-              <a:rPr lang="en-GB" dirty="0"/>
-              <a:t>+----------------+-----------------+----------------+----------------+</a:t>
-            </a:r>
-          </a:p>
-          <a:p>
-            <a:r>
-              <a:rPr lang="en-GB" dirty="0"/>
-              <a:t>| </a:t>
-            </a:r>
-            <a:r>
-              <a:rPr lang="en-GB" dirty="0" err="1"/>
-              <a:t>req</a:t>
-            </a:r>
-            <a:r>
-              <a:rPr lang="en-GB" dirty="0"/>
-              <a:t>               | 0.653972.    | 0.165305    | 0.180723.   |</a:t>
-            </a:r>
-          </a:p>
-          <a:p>
-            <a:r>
-              <a:rPr lang="en-GB" dirty="0"/>
-              <a:t>+----------------+-----------------+----------------+----------------+</a:t>
-            </a:r>
-          </a:p>
-          <a:p>
-            <a:endParaRPr lang="en-GB" dirty="0"/>
-          </a:p>
-          <a:p>
-            <a:r>
-              <a:rPr lang="en-GB" dirty="0">
-                <a:latin typeface="Helvetica Neue Thin" panose="020B0403020202020204" pitchFamily="34" charset="0"/>
-                <a:ea typeface="Helvetica Neue Thin" panose="020B0403020202020204" pitchFamily="34" charset="0"/>
-              </a:rPr>
-              <a:t>Steady states: [0.33332976, 0.33332916, 0.33334108] -&gt; every transition is hit more or less the same amount of times</a:t>
-            </a:r>
-          </a:p>
-          <a:p>
-            <a:endParaRPr lang="en-GB" dirty="0">
-              <a:latin typeface="Helvetica Neue Thin" panose="020B0403020202020204" pitchFamily="34" charset="0"/>
-              <a:ea typeface="Helvetica Neue Thin" panose="020B0403020202020204" pitchFamily="34" charset="0"/>
-            </a:endParaRPr>
-          </a:p>
-          <a:p>
-            <a:r>
-              <a:rPr lang="en-GB" dirty="0">
-                <a:latin typeface="Helvetica Neue Thin" panose="020B0403020202020204" pitchFamily="34" charset="0"/>
-                <a:ea typeface="Helvetica Neue Thin" panose="020B0403020202020204" pitchFamily="34" charset="0"/>
-              </a:rPr>
-              <a:t>Studying this matrix, it might seem weird that the transition exit -&gt; enter is possible directly. We can generate a detailed matrix to the system in more detail [next slide]</a:t>
-            </a:r>
-            <a:endParaRPr lang="en-GB" dirty="0">
+              <a:rPr lang="en-US" sz="2400" dirty="0">
+                <a:latin typeface="Helvetica Neue Thin" panose="020B0403020202020204" pitchFamily="34" charset="0"/>
+                <a:ea typeface="Helvetica Neue Thin" panose="020B0403020202020204" pitchFamily="34" charset="0"/>
+              </a:rPr>
+              <a:t>Random Notes</a:t>
+            </a:r>
+            <a:endParaRPr lang="en-FR" sz="2000" dirty="0">
               <a:latin typeface="Helvetica Neue Thin" panose="020B0403020202020204" pitchFamily="34" charset="0"/>
               <a:ea typeface="Helvetica Neue Thin" panose="020B0403020202020204" pitchFamily="34" charset="0"/>
             </a:endParaRPr>
@@ -15907,57 +15973,10 @@
       </p:sp>
       <p:sp>
         <p:nvSpPr>
-          <p:cNvPr id="6" name="TextBox 5">
-            <a:extLst>
-              <a:ext uri="{FF2B5EF4-FFF2-40B4-BE49-F238E27FC236}">
-                <a16:creationId xmlns:a16="http://schemas.microsoft.com/office/drawing/2014/main" id="{8FA419B3-7055-0B65-8D3F-D64BC0C8E450}"/>
-              </a:ext>
-            </a:extLst>
-          </p:cNvPr>
-          <p:cNvSpPr txBox="1"/>
-          <p:nvPr/>
-        </p:nvSpPr>
-        <p:spPr>
-          <a:xfrm>
-            <a:off x="5562689" y="2123446"/>
-            <a:ext cx="5921114" cy="1477328"/>
-          </a:xfrm>
-          <a:prstGeom prst="rect">
-            <a:avLst/>
-          </a:prstGeom>
-          <a:noFill/>
-        </p:spPr>
-        <p:txBody>
-          <a:bodyPr wrap="square" rtlCol="0">
-            <a:spAutoFit/>
-          </a:bodyPr>
-          <a:lstStyle/>
-          <a:p>
-            <a:r>
-              <a:rPr lang="en-FR" dirty="0">
-                <a:latin typeface="Helvetica Neue Thin" panose="020B0403020202020204" pitchFamily="34" charset="0"/>
-                <a:ea typeface="Helvetica Neue Thin" panose="020B0403020202020204" pitchFamily="34" charset="0"/>
-              </a:rPr>
-              <a:t>The matrix describes expected behaviors, for example you can’t have two enters following each other.</a:t>
-            </a:r>
-          </a:p>
-          <a:p>
-            <a:r>
-              <a:rPr lang="en-FR" dirty="0">
-                <a:latin typeface="Helvetica Neue Thin" panose="020B0403020202020204" pitchFamily="34" charset="0"/>
-                <a:ea typeface="Helvetica Neue Thin" panose="020B0403020202020204" pitchFamily="34" charset="0"/>
-              </a:rPr>
-              <a:t>Sometimes grouped transitions aren’t clear enough about the behavior, so a more detailed transition matrix can be built [see next slide]</a:t>
-            </a:r>
-          </a:p>
-        </p:txBody>
-      </p:sp>
-      <p:sp>
-        <p:nvSpPr>
-          <p:cNvPr id="2" name="Slide Number Placeholder 1">
-            <a:extLst>
-              <a:ext uri="{FF2B5EF4-FFF2-40B4-BE49-F238E27FC236}">
-                <a16:creationId xmlns:a16="http://schemas.microsoft.com/office/drawing/2014/main" id="{8B21B0D5-7034-7F06-9C99-BDAD5EA0A57C}"/>
+          <p:cNvPr id="3" name="Slide Number Placeholder 2">
+            <a:extLst>
+              <a:ext uri="{FF2B5EF4-FFF2-40B4-BE49-F238E27FC236}">
+                <a16:creationId xmlns:a16="http://schemas.microsoft.com/office/drawing/2014/main" id="{33D5C72B-E230-3A3A-8C54-D6076FC14789}"/>
               </a:ext>
             </a:extLst>
           </p:cNvPr>
@@ -15984,7 +16003,7 @@
     </p:spTree>
     <p:extLst>
       <p:ext uri="{BB962C8B-B14F-4D97-AF65-F5344CB8AC3E}">
-        <p14:creationId xmlns:p14="http://schemas.microsoft.com/office/powerpoint/2010/main" val="639856334"/>
+        <p14:creationId xmlns:p14="http://schemas.microsoft.com/office/powerpoint/2010/main" val="2225990726"/>
       </p:ext>
     </p:extLst>
   </p:cSld>
@@ -16013,330 +16032,39 @@
       </p:grpSpPr>
       <p:sp>
         <p:nvSpPr>
-          <p:cNvPr id="4" name="TextBox 3">
-            <a:extLst>
-              <a:ext uri="{FF2B5EF4-FFF2-40B4-BE49-F238E27FC236}">
-                <a16:creationId xmlns:a16="http://schemas.microsoft.com/office/drawing/2014/main" id="{10DEA0E4-DA7F-E905-D91F-6C01DD4C8C81}"/>
-              </a:ext>
-            </a:extLst>
-          </p:cNvPr>
-          <p:cNvSpPr txBox="1"/>
-          <p:nvPr/>
+          <p:cNvPr id="4" name="Title 3">
+            <a:extLst>
+              <a:ext uri="{FF2B5EF4-FFF2-40B4-BE49-F238E27FC236}">
+                <a16:creationId xmlns:a16="http://schemas.microsoft.com/office/drawing/2014/main" id="{7C5D90E7-82C4-D596-1080-E4071F572EF8}"/>
+              </a:ext>
+            </a:extLst>
+          </p:cNvPr>
+          <p:cNvSpPr>
+            <a:spLocks noGrp="1"/>
+          </p:cNvSpPr>
+          <p:nvPr>
+            <p:ph type="title"/>
+          </p:nvPr>
         </p:nvSpPr>
         <p:spPr>
           <a:xfrm>
-            <a:off x="188891" y="124945"/>
-            <a:ext cx="9640909" cy="461665"/>
+            <a:off x="838200" y="2766218"/>
+            <a:ext cx="10515600" cy="1325563"/>
           </a:xfrm>
-          <a:prstGeom prst="rect">
-            <a:avLst/>
-          </a:prstGeom>
-          <a:noFill/>
         </p:spPr>
         <p:txBody>
-          <a:bodyPr wrap="square" rtlCol="0">
-            <a:spAutoFit/>
-          </a:bodyPr>
+          <a:bodyPr/>
           <a:lstStyle/>
           <a:p>
-            <a:r>
-              <a:rPr lang="en-US" sz="2400" dirty="0" err="1">
-                <a:latin typeface="Helvetica Neue Thin" panose="020B0403020202020204" pitchFamily="34" charset="0"/>
-                <a:ea typeface="Helvetica Neue Thin" panose="020B0403020202020204" pitchFamily="34" charset="0"/>
-              </a:rPr>
-              <a:t>Dekker.cub</a:t>
-            </a:r>
-            <a:r>
-              <a:rPr lang="en-US" sz="2400" dirty="0">
-                <a:latin typeface="Helvetica Neue Thin" panose="020B0403020202020204" pitchFamily="34" charset="0"/>
-                <a:ea typeface="Helvetica Neue Thin" panose="020B0403020202020204" pitchFamily="34" charset="0"/>
-              </a:rPr>
-              <a:t> [test-run maximizing </a:t>
-            </a:r>
-            <a:r>
-              <a:rPr lang="en-US" sz="2400" dirty="0">
-                <a:latin typeface="Helvetica Neue Thin" panose="020B0403020202020204" pitchFamily="34" charset="0"/>
-                <a:ea typeface="Helvetica Neue Thin" panose="020B0403020202020204" pitchFamily="34" charset="0"/>
-              </a:rPr>
-              <a:t>entropy] [detailed transitions]</a:t>
-            </a:r>
-            <a:endParaRPr lang="en-FR" sz="2000" dirty="0">
-              <a:latin typeface="Helvetica Neue Thin" panose="020B0403020202020204" pitchFamily="34" charset="0"/>
-              <a:ea typeface="Helvetica Neue Thin" panose="020B0403020202020204" pitchFamily="34" charset="0"/>
-            </a:endParaRPr>
-          </a:p>
-        </p:txBody>
-      </p:sp>
-      <p:sp>
-        <p:nvSpPr>
-          <p:cNvPr id="5" name="TextBox 4">
-            <a:extLst>
-              <a:ext uri="{FF2B5EF4-FFF2-40B4-BE49-F238E27FC236}">
-                <a16:creationId xmlns:a16="http://schemas.microsoft.com/office/drawing/2014/main" id="{D51E0414-BA4B-94E1-C01E-E0863EDB6501}"/>
-              </a:ext>
-            </a:extLst>
-          </p:cNvPr>
-          <p:cNvSpPr txBox="1"/>
-          <p:nvPr/>
-        </p:nvSpPr>
-        <p:spPr>
-          <a:xfrm>
-            <a:off x="94445" y="586610"/>
-            <a:ext cx="12003110" cy="6370975"/>
-          </a:xfrm>
-          <a:prstGeom prst="rect">
-            <a:avLst/>
-          </a:prstGeom>
-          <a:noFill/>
-        </p:spPr>
-        <p:txBody>
-          <a:bodyPr wrap="square" rtlCol="0">
-            <a:spAutoFit/>
-          </a:bodyPr>
-          <a:lstStyle/>
-          <a:p>
-            <a:endParaRPr lang="en-FR" dirty="0"/>
-          </a:p>
-          <a:p>
-            <a:r>
-              <a:rPr lang="en-FR" sz="1400" dirty="0">
-                <a:latin typeface="Helvetica Neue Thin" panose="020B0403020202020204" pitchFamily="34" charset="0"/>
-                <a:ea typeface="Helvetica Neue Thin" panose="020B0403020202020204" pitchFamily="34" charset="0"/>
-              </a:rPr>
-              <a:t>Transition matrix</a:t>
-            </a:r>
-          </a:p>
-          <a:p>
-            <a:r>
-              <a:rPr lang="en-GB" sz="1200" dirty="0"/>
-              <a:t>+-------------------+-----------------------+-----------------------+-----------------------+---------------------+----------------------+---------------------+--------------------+--------------------+--------------------+</a:t>
-            </a:r>
-          </a:p>
-          <a:p>
-            <a:r>
-              <a:rPr lang="en-GB" sz="1200" dirty="0"/>
-              <a:t>| source            |   enter(#1)           |   enter(#2)           |   enter(#3)           |   exit(#1)            |   exit(#2)            |         exit(#3)      |           </a:t>
-            </a:r>
-            <a:r>
-              <a:rPr lang="en-GB" sz="1200" dirty="0" err="1"/>
-              <a:t>req</a:t>
-            </a:r>
-            <a:r>
-              <a:rPr lang="en-GB" sz="1200" dirty="0"/>
-              <a:t>(#1)  |          </a:t>
-            </a:r>
-            <a:r>
-              <a:rPr lang="en-GB" sz="1200" dirty="0" err="1"/>
-              <a:t>req</a:t>
-            </a:r>
-            <a:r>
-              <a:rPr lang="en-GB" sz="1200" dirty="0"/>
-              <a:t>(#2)    |          </a:t>
-            </a:r>
-            <a:r>
-              <a:rPr lang="en-GB" sz="1200" dirty="0" err="1"/>
-              <a:t>req</a:t>
-            </a:r>
-            <a:r>
-              <a:rPr lang="en-GB" sz="1200" dirty="0"/>
-              <a:t>(#3)   |</a:t>
-            </a:r>
-          </a:p>
-          <a:p>
-            <a:r>
-              <a:rPr lang="en-GB" sz="1200" dirty="0"/>
-              <a:t>+===========+==============+==============+==============+=============+=============+=============+============+============+============+</a:t>
-            </a:r>
-          </a:p>
-          <a:p>
-            <a:r>
-              <a:rPr lang="en-GB" sz="1200" dirty="0"/>
-              <a:t>| enter(#1)       |     0                       |     0                        |     0                       |   0.843004         |   0                        |   0                      |  0                       |  0.0774727     |  0.0795229      |</a:t>
-            </a:r>
-          </a:p>
-          <a:p>
-            <a:r>
-              <a:rPr lang="en-GB" sz="1200" dirty="0"/>
-              <a:t>+-------------------+----------------------+------------------------+-----------------------+---------------------+----------------------+---------------------+--------------------+--------------------+--------------------+</a:t>
-            </a:r>
-          </a:p>
-          <a:p>
-            <a:r>
-              <a:rPr lang="en-GB" sz="1200" dirty="0"/>
-              <a:t>| enter(#2)        |     0                      |     0                        |     0                        |   0                      |   0.830604          |   0                      |  0.0887046      |  0                      |  0.0806912      |</a:t>
-            </a:r>
-          </a:p>
-          <a:p>
-            <a:r>
-              <a:rPr lang="en-GB" sz="1200" dirty="0"/>
-              <a:t>+-------------------+----------------------+------------------------+-----------------------+---------------------+----------------------+---------------------+--------------------+--------------------+--------------------+</a:t>
-            </a:r>
-          </a:p>
-          <a:p>
-            <a:r>
-              <a:rPr lang="en-GB" sz="1200" dirty="0"/>
-              <a:t>| enter(#3)        |     0                      |     0                        |     0                        |   0                      |   0                        |   0.831935        |  0.0865703      |  0.0814945      |  0                      |</a:t>
-            </a:r>
-          </a:p>
-          <a:p>
-            <a:r>
-              <a:rPr lang="en-GB" sz="1200" dirty="0"/>
-              <a:t>+-------------------+----------------------+------------------------+-----------------------+---------------------+----------------------+---------------------+--------------------+--------------------+--------------------+</a:t>
-            </a:r>
-          </a:p>
-          <a:p>
-            <a:r>
-              <a:rPr lang="en-GB" sz="1200" dirty="0"/>
-              <a:t>| exit(#1)           |     0                      |     0.169297          |     0.169732         |   0                      |   0                        |   0                       |  0.489066        |  0.0908921      |  0.0810139     |</a:t>
-            </a:r>
-          </a:p>
-          <a:p>
-            <a:r>
-              <a:rPr lang="en-GB" sz="1200" dirty="0"/>
-              <a:t>+-------------------+----------------------+------------------------+-----------------------+---------------------+----------------------+---------------------+--------------------+--------------------+--------------------+</a:t>
-            </a:r>
-          </a:p>
-          <a:p>
-            <a:r>
-              <a:rPr lang="en-GB" sz="1200" dirty="0"/>
-              <a:t>| exit(#2)           |     0.189185       |     0                         |     0.162985         |   0                      |   0                        |   0                       |  0.0985297      |  0.464288        |  0.0850115     |</a:t>
-            </a:r>
-          </a:p>
-          <a:p>
-            <a:r>
-              <a:rPr lang="en-GB" sz="1200" dirty="0"/>
-              <a:t>+-------------------+----------------------+------------------------+-----------------------+---------------------+----------------------+---------------------+--------------------+--------------------+--------------------+</a:t>
-            </a:r>
-          </a:p>
-          <a:p>
-            <a:r>
-              <a:rPr lang="en-GB" sz="1200" dirty="0"/>
-              <a:t>| exit(#3)           |     0.180754       |     0.169334          |     0                        |   0                      |   0                        |   0                       |  0.104759        |  0.0842439      |  0.460909       |</a:t>
-            </a:r>
-          </a:p>
-          <a:p>
-            <a:r>
-              <a:rPr lang="en-GB" sz="1200" dirty="0"/>
-              <a:t>+-------------------+----------------------+------------------------+-----------------------+---------------------+----------------------+---------------------+--------------------+--------------------+--------------------+</a:t>
-            </a:r>
-          </a:p>
-          <a:p>
-            <a:r>
-              <a:rPr lang="en-GB" sz="1200" dirty="0"/>
-              <a:t>| </a:t>
-            </a:r>
-            <a:r>
-              <a:rPr lang="en-GB" sz="1200" dirty="0" err="1"/>
-              <a:t>req</a:t>
-            </a:r>
-            <a:r>
-              <a:rPr lang="en-GB" sz="1200" dirty="0"/>
-              <a:t>(#1)           |     0.447661        |     0.115177          |     0.105672         |   0                       |   0.0786482       |   0.0772194      |  0                      |  0.0880288      |  0.087594        |</a:t>
-            </a:r>
-          </a:p>
-          <a:p>
-            <a:r>
-              <a:rPr lang="en-GB" sz="1200" dirty="0"/>
-              <a:t>+-------------------+----------------------+------------------------+-----------------------+---------------------+----------------------+---------------------+--------------------+--------------------+--------------------+</a:t>
-            </a:r>
-          </a:p>
-          <a:p>
-            <a:r>
-              <a:rPr lang="en-GB" sz="1200" dirty="0"/>
-              <a:t>| </a:t>
-            </a:r>
-            <a:r>
-              <a:rPr lang="en-GB" sz="1200" dirty="0" err="1"/>
-              <a:t>req</a:t>
-            </a:r>
-            <a:r>
-              <a:rPr lang="en-GB" sz="1200" dirty="0"/>
-              <a:t>(#2)           |     0.123676        |     0.406982          |     0.113434         |   0.085981        |   0                        |   0.0795011      |  0.101519        |  0                      |  0.0889075      |</a:t>
-            </a:r>
-          </a:p>
-          <a:p>
-            <a:r>
-              <a:rPr lang="en-GB" sz="1200" dirty="0"/>
-              <a:t>+-------------------+----------------------+------------------------+-----------------------+---------------------+----------------------+---------------------+--------------------+--------------------+--------------------+</a:t>
-            </a:r>
-          </a:p>
-          <a:p>
-            <a:r>
-              <a:rPr lang="en-GB" sz="1200" dirty="0"/>
-              <a:t>| </a:t>
-            </a:r>
-            <a:r>
-              <a:rPr lang="en-GB" sz="1200" dirty="0" err="1"/>
-              <a:t>req</a:t>
-            </a:r>
-            <a:r>
-              <a:rPr lang="en-GB" sz="1200" dirty="0"/>
-              <a:t>(#3)           |     0.129432        |     0.10779            |     0.407825         |   0.0911526      |   0.082129          |   0                      |  0.0962989      |  0.0853719     |  0                       |</a:t>
-            </a:r>
-          </a:p>
-          <a:p>
-            <a:r>
-              <a:rPr lang="en-GB" sz="1200" dirty="0"/>
-              <a:t>+-------------------+----------------------+------------------------+-----------------------+---------------------+----------------------+---------------------+--------------------+--------------------+--------------------+</a:t>
-            </a:r>
-          </a:p>
-          <a:p>
-            <a:endParaRPr lang="en-GB" sz="1200" dirty="0"/>
-          </a:p>
-          <a:p>
-            <a:r>
-              <a:rPr lang="en-GB" sz="1600" dirty="0">
-                <a:latin typeface="Helvetica Neue Thin" panose="020B0403020202020204" pitchFamily="34" charset="0"/>
-                <a:ea typeface="Helvetica Neue Thin" panose="020B0403020202020204" pitchFamily="34" charset="0"/>
-              </a:rPr>
-              <a:t>Stable state: [0.12020888, 0.10717856, 0.10594082, 0.12020984, 0.10717859, 0.10593995, 0.12021135, 0.10718605, 0.10594596]</a:t>
-            </a:r>
-          </a:p>
-          <a:p>
-            <a:endParaRPr lang="en-GB" sz="1600" dirty="0">
-              <a:latin typeface="Helvetica Neue Thin" panose="020B0403020202020204" pitchFamily="34" charset="0"/>
-              <a:ea typeface="Helvetica Neue Thin" panose="020B0403020202020204" pitchFamily="34" charset="0"/>
-            </a:endParaRPr>
-          </a:p>
-          <a:p>
-            <a:r>
-              <a:rPr lang="en-GB" sz="1600" dirty="0">
-                <a:latin typeface="Helvetica Neue Thin" panose="020B0403020202020204" pitchFamily="34" charset="0"/>
-                <a:ea typeface="Helvetica Neue Thin" panose="020B0403020202020204" pitchFamily="34" charset="0"/>
-              </a:rPr>
-              <a:t>The detailed matrix shows that exit -&gt; enter is an acceptable pair, because it is always between 2 different processes. </a:t>
-            </a:r>
-          </a:p>
-          <a:p>
-            <a:endParaRPr lang="en-GB" sz="1600" dirty="0">
-              <a:latin typeface="Helvetica Neue Thin" panose="020B0403020202020204" pitchFamily="34" charset="0"/>
-              <a:ea typeface="Helvetica Neue Thin" panose="020B0403020202020204" pitchFamily="34" charset="0"/>
-            </a:endParaRPr>
-          </a:p>
-          <a:p>
-            <a:endParaRPr lang="en-GB" sz="1600" dirty="0">
-              <a:latin typeface="Helvetica Neue Thin" panose="020B0403020202020204" pitchFamily="34" charset="0"/>
-              <a:ea typeface="Helvetica Neue Thin" panose="020B0403020202020204" pitchFamily="34" charset="0"/>
-            </a:endParaRPr>
-          </a:p>
-          <a:p>
-            <a:r>
-              <a:rPr lang="en-FR" sz="1600" dirty="0">
-                <a:latin typeface="Helvetica Neue Thin" panose="020B0403020202020204" pitchFamily="34" charset="0"/>
-                <a:ea typeface="Helvetica Neue Thin" panose="020B0403020202020204" pitchFamily="34" charset="0"/>
-              </a:rPr>
-              <a:t>Data log file:</a:t>
-            </a:r>
-            <a:r>
-              <a:rPr lang="en-GB" sz="1600" dirty="0">
-                <a:latin typeface="Helvetica Neue Thin" panose="020B0403020202020204" pitchFamily="34" charset="0"/>
-                <a:ea typeface="Helvetica Neue Thin" panose="020B0403020202020204" pitchFamily="34" charset="0"/>
-              </a:rPr>
-              <a:t> dekker.cub1678123227.data</a:t>
-            </a:r>
-          </a:p>
-          <a:p>
-            <a:endParaRPr lang="en-GB" sz="1600" dirty="0">
+            <a:pPr algn="ctr"/>
+            <a:r>
+              <a:rPr lang="en-FR" dirty="0">
+                <a:latin typeface="Helvetica Neue Thin" panose="020B0403020202020204" pitchFamily="34" charset="0"/>
+                <a:ea typeface="Helvetica Neue Thin" panose="020B0403020202020204" pitchFamily="34" charset="0"/>
+              </a:rPr>
+              <a:t>The method with various Cubicle models</a:t>
+            </a:r>
+            <a:endParaRPr lang="en-FR" dirty="0">
               <a:latin typeface="Helvetica Neue Thin" panose="020B0403020202020204" pitchFamily="34" charset="0"/>
               <a:ea typeface="Helvetica Neue Thin" panose="020B0403020202020204" pitchFamily="34" charset="0"/>
             </a:endParaRPr>
@@ -16348,7 +16076,7 @@
           <p:cNvPr id="2" name="Slide Number Placeholder 1">
             <a:extLst>
               <a:ext uri="{FF2B5EF4-FFF2-40B4-BE49-F238E27FC236}">
-                <a16:creationId xmlns:a16="http://schemas.microsoft.com/office/drawing/2014/main" id="{DC209C3E-8E19-F5C9-4688-85A7EDBEF755}"/>
+                <a16:creationId xmlns:a16="http://schemas.microsoft.com/office/drawing/2014/main" id="{8AA93F7D-F086-707A-3DB0-1C2E2EEA4CA0}"/>
               </a:ext>
             </a:extLst>
           </p:cNvPr>
@@ -16375,7 +16103,7 @@
     </p:spTree>
     <p:extLst>
       <p:ext uri="{BB962C8B-B14F-4D97-AF65-F5344CB8AC3E}">
-        <p14:creationId xmlns:p14="http://schemas.microsoft.com/office/powerpoint/2010/main" val="4257490243"/>
+        <p14:creationId xmlns:p14="http://schemas.microsoft.com/office/powerpoint/2010/main" val="2191757298"/>
       </p:ext>
     </p:extLst>
   </p:cSld>
@@ -16417,7 +16145,7 @@
         <p:spPr>
           <a:xfrm>
             <a:off x="188891" y="124945"/>
-            <a:ext cx="7456093" cy="461665"/>
+            <a:ext cx="9379652" cy="461665"/>
           </a:xfrm>
           <a:prstGeom prst="rect">
             <a:avLst/>
@@ -16431,25 +16159,46 @@
           <a:lstStyle/>
           <a:p>
             <a:r>
+              <a:rPr lang="en-US" sz="2400" dirty="0" err="1">
+                <a:latin typeface="Helvetica Neue Thin" panose="020B0403020202020204" pitchFamily="34" charset="0"/>
+                <a:ea typeface="Helvetica Neue Thin" panose="020B0403020202020204" pitchFamily="34" charset="0"/>
+              </a:rPr>
+              <a:t>Dekker.cub</a:t>
+            </a:r>
+            <a:r>
               <a:rPr lang="en-US" sz="2400" dirty="0">
                 <a:latin typeface="Helvetica Neue Thin" panose="020B0403020202020204" pitchFamily="34" charset="0"/>
                 <a:ea typeface="Helvetica Neue Thin" panose="020B0403020202020204" pitchFamily="34" charset="0"/>
               </a:rPr>
-              <a:t>Buggy </a:t>
+              <a:t> [test-</a:t>
             </a:r>
             <a:r>
               <a:rPr lang="en-US" sz="2400" dirty="0" err="1">
                 <a:latin typeface="Helvetica Neue Thin" panose="020B0403020202020204" pitchFamily="34" charset="0"/>
                 <a:ea typeface="Helvetica Neue Thin" panose="020B0403020202020204" pitchFamily="34" charset="0"/>
               </a:rPr>
-              <a:t>Dekker.cub</a:t>
+              <a:t>runmaximizing</a:t>
             </a:r>
             <a:r>
               <a:rPr lang="en-US" sz="2400" dirty="0">
                 <a:latin typeface="Helvetica Neue Thin" panose="020B0403020202020204" pitchFamily="34" charset="0"/>
                 <a:ea typeface="Helvetica Neue Thin" panose="020B0403020202020204" pitchFamily="34" charset="0"/>
               </a:rPr>
-              <a:t> [original deadlocking example]</a:t>
+              <a:t> </a:t>
+            </a:r>
+            <a:r>
+              <a:rPr lang="en-US" sz="2400" dirty="0">
+                <a:latin typeface="Helvetica Neue Thin" panose="020B0403020202020204" pitchFamily="34" charset="0"/>
+                <a:ea typeface="Helvetica Neue Thin" panose="020B0403020202020204" pitchFamily="34" charset="0"/>
+              </a:rPr>
+              <a:t>entropy] [grouped </a:t>
+            </a:r>
+            <a:r>
+              <a:rPr lang="en-US" sz="2400" dirty="0">
+                <a:latin typeface="Helvetica Neue Thin" panose="020B0403020202020204" pitchFamily="34" charset="0"/>
+                <a:ea typeface="Helvetica Neue Thin" panose="020B0403020202020204" pitchFamily="34" charset="0"/>
+              </a:rPr>
+              <a:t>transitions]</a:t>
             </a:r>
             <a:endParaRPr lang="en-FR" sz="2000" dirty="0">
               <a:latin typeface="Helvetica Neue Thin" panose="020B0403020202020204" pitchFamily="34" charset="0"/>
@@ -16472,8 +16221,8 @@
         </p:nvSpPr>
         <p:spPr>
           <a:xfrm>
-            <a:off x="94445" y="586610"/>
-            <a:ext cx="12003110" cy="4185761"/>
+            <a:off x="188890" y="876951"/>
+            <a:ext cx="11638349" cy="4801314"/>
           </a:xfrm>
           <a:prstGeom prst="rect">
             <a:avLst/>
@@ -16491,151 +16240,178 @@
                 <a:latin typeface="Helvetica Neue Thin" panose="020B0403020202020204" pitchFamily="34" charset="0"/>
                 <a:ea typeface="Helvetica Neue Thin" panose="020B0403020202020204" pitchFamily="34" charset="0"/>
               </a:rPr>
-              <a:t>Log file: </a:t>
+              <a:t>Data log file: </a:t>
             </a:r>
             <a:r>
               <a:rPr lang="en-GB" dirty="0">
                 <a:latin typeface="Helvetica Neue Thin" panose="020B0403020202020204" pitchFamily="34" charset="0"/>
                 <a:ea typeface="Helvetica Neue Thin" panose="020B0403020202020204" pitchFamily="34" charset="0"/>
               </a:rPr>
-              <a:t>buggy.cub1678220204.data</a:t>
-            </a:r>
+              <a:t>dekker.cub1678120844.data</a:t>
+            </a:r>
+          </a:p>
+          <a:p>
             <a:endParaRPr lang="en-FR" dirty="0">
               <a:latin typeface="Helvetica Neue Thin" panose="020B0403020202020204" pitchFamily="34" charset="0"/>
               <a:ea typeface="Helvetica Neue Thin" panose="020B0403020202020204" pitchFamily="34" charset="0"/>
             </a:endParaRPr>
           </a:p>
           <a:p>
-            <a:endParaRPr lang="en-FR" dirty="0">
+            <a:r>
+              <a:rPr lang="en-FR" dirty="0">
+                <a:latin typeface="Helvetica Neue Thin" panose="020B0403020202020204" pitchFamily="34" charset="0"/>
+                <a:ea typeface="Helvetica Neue Thin" panose="020B0403020202020204" pitchFamily="34" charset="0"/>
+              </a:rPr>
+              <a:t>Transition matrix</a:t>
+            </a:r>
+          </a:p>
+          <a:p>
+            <a:r>
+              <a:rPr lang="en-GB" dirty="0"/>
+              <a:t>+----------------+-----------------+----------------+----------------+</a:t>
+            </a:r>
+          </a:p>
+          <a:p>
+            <a:r>
+              <a:rPr lang="en-GB" dirty="0"/>
+              <a:t>|                      |   enter          |    exit           |     </a:t>
+            </a:r>
+            <a:r>
+              <a:rPr lang="en-GB" dirty="0" err="1"/>
+              <a:t>req</a:t>
+            </a:r>
+            <a:r>
+              <a:rPr lang="en-GB" dirty="0"/>
+              <a:t>           |</a:t>
+            </a:r>
+          </a:p>
+          <a:p>
+            <a:r>
+              <a:rPr lang="en-GB" dirty="0"/>
+              <a:t>+==========+==========+==========+==========+</a:t>
+            </a:r>
+          </a:p>
+          <a:p>
+            <a:r>
+              <a:rPr lang="en-GB" dirty="0"/>
+              <a:t>| enter           | 0                   | 0.834687    | 0.165313     |</a:t>
+            </a:r>
+          </a:p>
+          <a:p>
+            <a:r>
+              <a:rPr lang="en-GB" dirty="0"/>
+              <a:t>+----------------+-----------------+----------------+----------------+</a:t>
+            </a:r>
+          </a:p>
+          <a:p>
+            <a:r>
+              <a:rPr lang="en-GB" dirty="0"/>
+              <a:t>| exit              | 0.346006     | 0                   | 0.653994    |</a:t>
+            </a:r>
+          </a:p>
+          <a:p>
+            <a:r>
+              <a:rPr lang="en-GB" dirty="0"/>
+              <a:t>+----------------+-----------------+----------------+----------------+</a:t>
+            </a:r>
+          </a:p>
+          <a:p>
+            <a:r>
+              <a:rPr lang="en-GB" dirty="0"/>
+              <a:t>| </a:t>
+            </a:r>
+            <a:r>
+              <a:rPr lang="en-GB" dirty="0" err="1"/>
+              <a:t>req</a:t>
+            </a:r>
+            <a:r>
+              <a:rPr lang="en-GB" dirty="0"/>
+              <a:t>               | 0.653972.    | 0.165305    | 0.180723.   |</a:t>
+            </a:r>
+          </a:p>
+          <a:p>
+            <a:r>
+              <a:rPr lang="en-GB" dirty="0"/>
+              <a:t>+----------------+-----------------+----------------+----------------+</a:t>
+            </a:r>
+          </a:p>
+          <a:p>
+            <a:endParaRPr lang="en-GB" dirty="0"/>
+          </a:p>
+          <a:p>
+            <a:r>
+              <a:rPr lang="en-GB" dirty="0">
+                <a:latin typeface="Helvetica Neue Thin" panose="020B0403020202020204" pitchFamily="34" charset="0"/>
+                <a:ea typeface="Helvetica Neue Thin" panose="020B0403020202020204" pitchFamily="34" charset="0"/>
+              </a:rPr>
+              <a:t>Steady states: [0.33332976, 0.33332916, 0.33334108] -&gt; every transition is hit more or less the same amount of times</a:t>
+            </a:r>
+          </a:p>
+          <a:p>
+            <a:endParaRPr lang="en-GB" dirty="0">
               <a:latin typeface="Helvetica Neue Thin" panose="020B0403020202020204" pitchFamily="34" charset="0"/>
               <a:ea typeface="Helvetica Neue Thin" panose="020B0403020202020204" pitchFamily="34" charset="0"/>
             </a:endParaRPr>
           </a:p>
           <a:p>
             <a:r>
-              <a:rPr lang="en-FR" dirty="0">
-                <a:latin typeface="Helvetica Neue Thin" panose="020B0403020202020204" pitchFamily="34" charset="0"/>
-                <a:ea typeface="Helvetica Neue Thin" panose="020B0403020202020204" pitchFamily="34" charset="0"/>
-              </a:rPr>
-              <a:t>Out of 1 000 000 steps, it only took 3. No need to even try anything else, the model is clearly odd.</a:t>
-            </a:r>
-          </a:p>
-          <a:p>
-            <a:r>
-              <a:rPr lang="en-FR" dirty="0">
-                <a:latin typeface="Helvetica Neue Thin" panose="020B0403020202020204" pitchFamily="34" charset="0"/>
-                <a:ea typeface="Helvetica Neue Thin" panose="020B0403020202020204" pitchFamily="34" charset="0"/>
-              </a:rPr>
-              <a:t>The transition matrix clearly shows that going 100% from req to req killed the system: </a:t>
-            </a:r>
-          </a:p>
-          <a:p>
-            <a:r>
               <a:rPr lang="en-GB" dirty="0">
-                <a:ea typeface="Helvetica Neue Thin" panose="020B0403020202020204" pitchFamily="34" charset="0"/>
-              </a:rPr>
-              <a:t>+----------------+-----------------+--------------+-------------+</a:t>
-            </a:r>
-          </a:p>
-          <a:p>
-            <a:r>
-              <a:rPr lang="en-GB" dirty="0">
-                <a:ea typeface="Helvetica Neue Thin" panose="020B0403020202020204" pitchFamily="34" charset="0"/>
-              </a:rPr>
-              <a:t>| source         |   enter          |   exit          |   </a:t>
-            </a:r>
-            <a:r>
-              <a:rPr lang="en-GB" dirty="0" err="1">
-                <a:ea typeface="Helvetica Neue Thin" panose="020B0403020202020204" pitchFamily="34" charset="0"/>
-              </a:rPr>
-              <a:t>req</a:t>
-            </a:r>
-            <a:r>
-              <a:rPr lang="en-GB" dirty="0">
-                <a:ea typeface="Helvetica Neue Thin" panose="020B0403020202020204" pitchFamily="34" charset="0"/>
-              </a:rPr>
-              <a:t>        |</a:t>
-            </a:r>
-          </a:p>
-          <a:p>
-            <a:r>
-              <a:rPr lang="en-GB" dirty="0">
-                <a:ea typeface="Helvetica Neue Thin" panose="020B0403020202020204" pitchFamily="34" charset="0"/>
-              </a:rPr>
-              <a:t>+==========+==========+=========+========+</a:t>
-            </a:r>
-          </a:p>
-          <a:p>
-            <a:r>
-              <a:rPr lang="en-GB" dirty="0">
-                <a:ea typeface="Helvetica Neue Thin" panose="020B0403020202020204" pitchFamily="34" charset="0"/>
-              </a:rPr>
-              <a:t>| enter           |        0            |       0          |      0          |</a:t>
-            </a:r>
-          </a:p>
-          <a:p>
-            <a:r>
-              <a:rPr lang="en-GB" dirty="0">
-                <a:ea typeface="Helvetica Neue Thin" panose="020B0403020202020204" pitchFamily="34" charset="0"/>
-              </a:rPr>
-              <a:t>+----------------+-----------------+--------------+-------------+</a:t>
-            </a:r>
-          </a:p>
-          <a:p>
-            <a:r>
-              <a:rPr lang="en-GB" dirty="0">
-                <a:ea typeface="Helvetica Neue Thin" panose="020B0403020202020204" pitchFamily="34" charset="0"/>
-              </a:rPr>
-              <a:t>| exit              |        0             |       0         |      0          |</a:t>
-            </a:r>
-          </a:p>
-          <a:p>
-            <a:r>
-              <a:rPr lang="en-GB" dirty="0">
-                <a:ea typeface="Helvetica Neue Thin" panose="020B0403020202020204" pitchFamily="34" charset="0"/>
-              </a:rPr>
-              <a:t>+----------------+-----------------+--------------+-------------+</a:t>
-            </a:r>
-          </a:p>
-          <a:p>
-            <a:r>
-              <a:rPr lang="en-GB" dirty="0">
-                <a:ea typeface="Helvetica Neue Thin" panose="020B0403020202020204" pitchFamily="34" charset="0"/>
-              </a:rPr>
-              <a:t>| </a:t>
-            </a:r>
-            <a:r>
-              <a:rPr lang="en-GB" dirty="0" err="1">
-                <a:ea typeface="Helvetica Neue Thin" panose="020B0403020202020204" pitchFamily="34" charset="0"/>
-              </a:rPr>
-              <a:t>req</a:t>
-            </a:r>
-            <a:r>
-              <a:rPr lang="en-GB" dirty="0">
-                <a:ea typeface="Helvetica Neue Thin" panose="020B0403020202020204" pitchFamily="34" charset="0"/>
-              </a:rPr>
-              <a:t>               |        0            |       0          |      1         |</a:t>
-            </a:r>
-          </a:p>
-          <a:p>
-            <a:r>
-              <a:rPr lang="en-GB" dirty="0">
-                <a:ea typeface="Helvetica Neue Thin" panose="020B0403020202020204" pitchFamily="34" charset="0"/>
-              </a:rPr>
-              <a:t>+----------------+-----------------+--------------+-------------+</a:t>
-            </a:r>
-          </a:p>
-          <a:p>
-            <a:endParaRPr lang="en-GB" sz="1600" dirty="0">
+                <a:latin typeface="Helvetica Neue Thin" panose="020B0403020202020204" pitchFamily="34" charset="0"/>
+                <a:ea typeface="Helvetica Neue Thin" panose="020B0403020202020204" pitchFamily="34" charset="0"/>
+              </a:rPr>
+              <a:t>Studying this matrix, it might seem weird that the transition exit -&gt; enter is possible directly. We can generate a detailed matrix to the system in more detail [next slide]</a:t>
+            </a:r>
+            <a:endParaRPr lang="en-GB" dirty="0">
               <a:latin typeface="Helvetica Neue Thin" panose="020B0403020202020204" pitchFamily="34" charset="0"/>
               <a:ea typeface="Helvetica Neue Thin" panose="020B0403020202020204" pitchFamily="34" charset="0"/>
             </a:endParaRPr>
           </a:p>
-          <a:p>
-            <a:endParaRPr lang="en-GB" sz="1600" dirty="0">
-              <a:latin typeface="Helvetica Neue Thin" panose="020B0403020202020204" pitchFamily="34" charset="0"/>
-              <a:ea typeface="Helvetica Neue Thin" panose="020B0403020202020204" pitchFamily="34" charset="0"/>
-            </a:endParaRPr>
+        </p:txBody>
+      </p:sp>
+      <p:sp>
+        <p:nvSpPr>
+          <p:cNvPr id="6" name="TextBox 5">
+            <a:extLst>
+              <a:ext uri="{FF2B5EF4-FFF2-40B4-BE49-F238E27FC236}">
+                <a16:creationId xmlns:a16="http://schemas.microsoft.com/office/drawing/2014/main" id="{8FA419B3-7055-0B65-8D3F-D64BC0C8E450}"/>
+              </a:ext>
+            </a:extLst>
+          </p:cNvPr>
+          <p:cNvSpPr txBox="1"/>
+          <p:nvPr/>
+        </p:nvSpPr>
+        <p:spPr>
+          <a:xfrm>
+            <a:off x="5562689" y="2123446"/>
+            <a:ext cx="5921114" cy="1477328"/>
+          </a:xfrm>
+          <a:prstGeom prst="rect">
+            <a:avLst/>
+          </a:prstGeom>
+          <a:noFill/>
+        </p:spPr>
+        <p:txBody>
+          <a:bodyPr wrap="square" rtlCol="0">
+            <a:spAutoFit/>
+          </a:bodyPr>
+          <a:lstStyle/>
+          <a:p>
+            <a:r>
+              <a:rPr lang="en-FR" dirty="0">
+                <a:latin typeface="Helvetica Neue Thin" panose="020B0403020202020204" pitchFamily="34" charset="0"/>
+                <a:ea typeface="Helvetica Neue Thin" panose="020B0403020202020204" pitchFamily="34" charset="0"/>
+              </a:rPr>
+              <a:t>The matrix describes expected behaviors, for example you can’t have two enters following each other.</a:t>
+            </a:r>
+          </a:p>
+          <a:p>
+            <a:r>
+              <a:rPr lang="en-FR" dirty="0">
+                <a:latin typeface="Helvetica Neue Thin" panose="020B0403020202020204" pitchFamily="34" charset="0"/>
+                <a:ea typeface="Helvetica Neue Thin" panose="020B0403020202020204" pitchFamily="34" charset="0"/>
+              </a:rPr>
+              <a:t>Sometimes grouped transitions aren’t clear enough about the behavior, so a more detailed transition matrix can be built [see next slide]</a:t>
+            </a:r>
           </a:p>
         </p:txBody>
       </p:sp>
@@ -16644,7 +16420,7 @@
           <p:cNvPr id="2" name="Slide Number Placeholder 1">
             <a:extLst>
               <a:ext uri="{FF2B5EF4-FFF2-40B4-BE49-F238E27FC236}">
-                <a16:creationId xmlns:a16="http://schemas.microsoft.com/office/drawing/2014/main" id="{6E02610C-2956-E369-0F3D-8F5466DF514F}"/>
+                <a16:creationId xmlns:a16="http://schemas.microsoft.com/office/drawing/2014/main" id="{8B21B0D5-7034-7F06-9C99-BDAD5EA0A57C}"/>
               </a:ext>
             </a:extLst>
           </p:cNvPr>
@@ -16671,7 +16447,7 @@
     </p:spTree>
     <p:extLst>
       <p:ext uri="{BB962C8B-B14F-4D97-AF65-F5344CB8AC3E}">
-        <p14:creationId xmlns:p14="http://schemas.microsoft.com/office/powerpoint/2010/main" val="1356879358"/>
+        <p14:creationId xmlns:p14="http://schemas.microsoft.com/office/powerpoint/2010/main" val="639856334"/>
       </p:ext>
     </p:extLst>
   </p:cSld>
@@ -16712,8 +16488,8 @@
         </p:nvSpPr>
         <p:spPr>
           <a:xfrm>
-            <a:off x="94445" y="123726"/>
-            <a:ext cx="7456093" cy="461665"/>
+            <a:off x="188891" y="124945"/>
+            <a:ext cx="9640909" cy="461665"/>
           </a:xfrm>
           <a:prstGeom prst="rect">
             <a:avLst/>
@@ -16727,25 +16503,25 @@
           <a:lstStyle/>
           <a:p>
             <a:r>
+              <a:rPr lang="en-US" sz="2400" dirty="0" err="1">
+                <a:latin typeface="Helvetica Neue Thin" panose="020B0403020202020204" pitchFamily="34" charset="0"/>
+                <a:ea typeface="Helvetica Neue Thin" panose="020B0403020202020204" pitchFamily="34" charset="0"/>
+              </a:rPr>
+              <a:t>Dekker.cub</a:t>
+            </a:r>
+            <a:r>
               <a:rPr lang="en-US" sz="2400" dirty="0">
                 <a:latin typeface="Helvetica Neue Thin" panose="020B0403020202020204" pitchFamily="34" charset="0"/>
                 <a:ea typeface="Helvetica Neue Thin" panose="020B0403020202020204" pitchFamily="34" charset="0"/>
               </a:rPr>
-              <a:t>Buggy </a:t>
-            </a:r>
-            <a:r>
-              <a:rPr lang="en-US" sz="2400" dirty="0" err="1">
-                <a:latin typeface="Helvetica Neue Thin" panose="020B0403020202020204" pitchFamily="34" charset="0"/>
-                <a:ea typeface="Helvetica Neue Thin" panose="020B0403020202020204" pitchFamily="34" charset="0"/>
-              </a:rPr>
-              <a:t>Dekker.cub</a:t>
+              <a:t> [test-run maximizing </a:t>
             </a:r>
             <a:r>
               <a:rPr lang="en-US" sz="2400" dirty="0">
                 <a:latin typeface="Helvetica Neue Thin" panose="020B0403020202020204" pitchFamily="34" charset="0"/>
                 <a:ea typeface="Helvetica Neue Thin" panose="020B0403020202020204" pitchFamily="34" charset="0"/>
               </a:rPr>
-              <a:t> [original deadlocking example]</a:t>
+              <a:t>entropy] [detailed transitions]</a:t>
             </a:r>
             <a:endParaRPr lang="en-FR" sz="2000" dirty="0">
               <a:latin typeface="Helvetica Neue Thin" panose="020B0403020202020204" pitchFamily="34" charset="0"/>
@@ -16769,7 +16545,7 @@
         <p:spPr>
           <a:xfrm>
             <a:off x="94445" y="586610"/>
-            <a:ext cx="12003110" cy="1169551"/>
+            <a:ext cx="12003110" cy="6370975"/>
           </a:xfrm>
           <a:prstGeom prst="rect">
             <a:avLst/>
@@ -16782,38 +16558,201 @@
           </a:bodyPr>
           <a:lstStyle/>
           <a:p>
-            <a:r>
-              <a:rPr lang="en-FR" dirty="0">
-                <a:latin typeface="Helvetica Neue Thin" panose="020B0403020202020204" pitchFamily="34" charset="0"/>
-                <a:ea typeface="Helvetica Neue Thin" panose="020B0403020202020204" pitchFamily="34" charset="0"/>
-              </a:rPr>
-              <a:t>Log file: </a:t>
-            </a:r>
-            <a:r>
-              <a:rPr lang="en-GB" dirty="0">
-                <a:latin typeface="Helvetica Neue Thin" panose="020B0403020202020204" pitchFamily="34" charset="0"/>
-                <a:ea typeface="Helvetica Neue Thin" panose="020B0403020202020204" pitchFamily="34" charset="0"/>
-              </a:rPr>
-              <a:t>buggy.cub1678198010.data</a:t>
-            </a:r>
-            <a:endParaRPr lang="en-FR" dirty="0">
-              <a:latin typeface="Helvetica Neue Thin" panose="020B0403020202020204" pitchFamily="34" charset="0"/>
-              <a:ea typeface="Helvetica Neue Thin" panose="020B0403020202020204" pitchFamily="34" charset="0"/>
-            </a:endParaRPr>
-          </a:p>
-          <a:p>
-            <a:endParaRPr lang="en-FR" dirty="0">
-              <a:latin typeface="Helvetica Neue Thin" panose="020B0403020202020204" pitchFamily="34" charset="0"/>
-              <a:ea typeface="Helvetica Neue Thin" panose="020B0403020202020204" pitchFamily="34" charset="0"/>
-            </a:endParaRPr>
-          </a:p>
-          <a:p>
-            <a:r>
-              <a:rPr lang="en-GB" dirty="0">
-                <a:latin typeface="Helvetica Neue Thin" panose="020B0403020202020204" pitchFamily="34" charset="0"/>
-                <a:ea typeface="Helvetica Neue Thin" panose="020B0403020202020204" pitchFamily="34" charset="0"/>
-              </a:rPr>
-              <a:t>You can try a different run and maybe try a more detailed matrix:</a:t>
+            <a:endParaRPr lang="en-FR" dirty="0"/>
+          </a:p>
+          <a:p>
+            <a:r>
+              <a:rPr lang="en-FR" sz="1400" dirty="0">
+                <a:latin typeface="Helvetica Neue Thin" panose="020B0403020202020204" pitchFamily="34" charset="0"/>
+                <a:ea typeface="Helvetica Neue Thin" panose="020B0403020202020204" pitchFamily="34" charset="0"/>
+              </a:rPr>
+              <a:t>Transition matrix</a:t>
+            </a:r>
+          </a:p>
+          <a:p>
+            <a:r>
+              <a:rPr lang="en-GB" sz="1200" dirty="0"/>
+              <a:t>+-------------------+-----------------------+-----------------------+-----------------------+---------------------+----------------------+---------------------+--------------------+--------------------+--------------------+</a:t>
+            </a:r>
+          </a:p>
+          <a:p>
+            <a:r>
+              <a:rPr lang="en-GB" sz="1200" dirty="0"/>
+              <a:t>| source            |   enter(#1)           |   enter(#2)           |   enter(#3)           |   exit(#1)            |   exit(#2)            |         exit(#3)      |           </a:t>
+            </a:r>
+            <a:r>
+              <a:rPr lang="en-GB" sz="1200" dirty="0" err="1"/>
+              <a:t>req</a:t>
+            </a:r>
+            <a:r>
+              <a:rPr lang="en-GB" sz="1200" dirty="0"/>
+              <a:t>(#1)  |          </a:t>
+            </a:r>
+            <a:r>
+              <a:rPr lang="en-GB" sz="1200" dirty="0" err="1"/>
+              <a:t>req</a:t>
+            </a:r>
+            <a:r>
+              <a:rPr lang="en-GB" sz="1200" dirty="0"/>
+              <a:t>(#2)    |          </a:t>
+            </a:r>
+            <a:r>
+              <a:rPr lang="en-GB" sz="1200" dirty="0" err="1"/>
+              <a:t>req</a:t>
+            </a:r>
+            <a:r>
+              <a:rPr lang="en-GB" sz="1200" dirty="0"/>
+              <a:t>(#3)   |</a:t>
+            </a:r>
+          </a:p>
+          <a:p>
+            <a:r>
+              <a:rPr lang="en-GB" sz="1200" dirty="0"/>
+              <a:t>+===========+==============+==============+==============+=============+=============+=============+============+============+============+</a:t>
+            </a:r>
+          </a:p>
+          <a:p>
+            <a:r>
+              <a:rPr lang="en-GB" sz="1200" dirty="0"/>
+              <a:t>| enter(#1)       |     0                       |     0                        |     0                       |   0.843004         |   0                        |   0                      |  0                       |  0.0774727     |  0.0795229      |</a:t>
+            </a:r>
+          </a:p>
+          <a:p>
+            <a:r>
+              <a:rPr lang="en-GB" sz="1200" dirty="0"/>
+              <a:t>+-------------------+----------------------+------------------------+-----------------------+---------------------+----------------------+---------------------+--------------------+--------------------+--------------------+</a:t>
+            </a:r>
+          </a:p>
+          <a:p>
+            <a:r>
+              <a:rPr lang="en-GB" sz="1200" dirty="0"/>
+              <a:t>| enter(#2)        |     0                      |     0                        |     0                        |   0                      |   0.830604          |   0                      |  0.0887046      |  0                      |  0.0806912      |</a:t>
+            </a:r>
+          </a:p>
+          <a:p>
+            <a:r>
+              <a:rPr lang="en-GB" sz="1200" dirty="0"/>
+              <a:t>+-------------------+----------------------+------------------------+-----------------------+---------------------+----------------------+---------------------+--------------------+--------------------+--------------------+</a:t>
+            </a:r>
+          </a:p>
+          <a:p>
+            <a:r>
+              <a:rPr lang="en-GB" sz="1200" dirty="0"/>
+              <a:t>| enter(#3)        |     0                      |     0                        |     0                        |   0                      |   0                        |   0.831935        |  0.0865703      |  0.0814945      |  0                      |</a:t>
+            </a:r>
+          </a:p>
+          <a:p>
+            <a:r>
+              <a:rPr lang="en-GB" sz="1200" dirty="0"/>
+              <a:t>+-------------------+----------------------+------------------------+-----------------------+---------------------+----------------------+---------------------+--------------------+--------------------+--------------------+</a:t>
+            </a:r>
+          </a:p>
+          <a:p>
+            <a:r>
+              <a:rPr lang="en-GB" sz="1200" dirty="0"/>
+              <a:t>| exit(#1)           |     0                      |     0.169297          |     0.169732         |   0                      |   0                        |   0                       |  0.489066        |  0.0908921      |  0.0810139     |</a:t>
+            </a:r>
+          </a:p>
+          <a:p>
+            <a:r>
+              <a:rPr lang="en-GB" sz="1200" dirty="0"/>
+              <a:t>+-------------------+----------------------+------------------------+-----------------------+---------------------+----------------------+---------------------+--------------------+--------------------+--------------------+</a:t>
+            </a:r>
+          </a:p>
+          <a:p>
+            <a:r>
+              <a:rPr lang="en-GB" sz="1200" dirty="0"/>
+              <a:t>| exit(#2)           |     0.189185       |     0                         |     0.162985         |   0                      |   0                        |   0                       |  0.0985297      |  0.464288        |  0.0850115     |</a:t>
+            </a:r>
+          </a:p>
+          <a:p>
+            <a:r>
+              <a:rPr lang="en-GB" sz="1200" dirty="0"/>
+              <a:t>+-------------------+----------------------+------------------------+-----------------------+---------------------+----------------------+---------------------+--------------------+--------------------+--------------------+</a:t>
+            </a:r>
+          </a:p>
+          <a:p>
+            <a:r>
+              <a:rPr lang="en-GB" sz="1200" dirty="0"/>
+              <a:t>| exit(#3)           |     0.180754       |     0.169334          |     0                        |   0                      |   0                        |   0                       |  0.104759        |  0.0842439      |  0.460909       |</a:t>
+            </a:r>
+          </a:p>
+          <a:p>
+            <a:r>
+              <a:rPr lang="en-GB" sz="1200" dirty="0"/>
+              <a:t>+-------------------+----------------------+------------------------+-----------------------+---------------------+----------------------+---------------------+--------------------+--------------------+--------------------+</a:t>
+            </a:r>
+          </a:p>
+          <a:p>
+            <a:r>
+              <a:rPr lang="en-GB" sz="1200" dirty="0"/>
+              <a:t>| </a:t>
+            </a:r>
+            <a:r>
+              <a:rPr lang="en-GB" sz="1200" dirty="0" err="1"/>
+              <a:t>req</a:t>
+            </a:r>
+            <a:r>
+              <a:rPr lang="en-GB" sz="1200" dirty="0"/>
+              <a:t>(#1)           |     0.447661        |     0.115177          |     0.105672         |   0                       |   0.0786482       |   0.0772194      |  0                      |  0.0880288      |  0.087594        |</a:t>
+            </a:r>
+          </a:p>
+          <a:p>
+            <a:r>
+              <a:rPr lang="en-GB" sz="1200" dirty="0"/>
+              <a:t>+-------------------+----------------------+------------------------+-----------------------+---------------------+----------------------+---------------------+--------------------+--------------------+--------------------+</a:t>
+            </a:r>
+          </a:p>
+          <a:p>
+            <a:r>
+              <a:rPr lang="en-GB" sz="1200" dirty="0"/>
+              <a:t>| </a:t>
+            </a:r>
+            <a:r>
+              <a:rPr lang="en-GB" sz="1200" dirty="0" err="1"/>
+              <a:t>req</a:t>
+            </a:r>
+            <a:r>
+              <a:rPr lang="en-GB" sz="1200" dirty="0"/>
+              <a:t>(#2)           |     0.123676        |     0.406982          |     0.113434         |   0.085981        |   0                        |   0.0795011      |  0.101519        |  0                      |  0.0889075      |</a:t>
+            </a:r>
+          </a:p>
+          <a:p>
+            <a:r>
+              <a:rPr lang="en-GB" sz="1200" dirty="0"/>
+              <a:t>+-------------------+----------------------+------------------------+-----------------------+---------------------+----------------------+---------------------+--------------------+--------------------+--------------------+</a:t>
+            </a:r>
+          </a:p>
+          <a:p>
+            <a:r>
+              <a:rPr lang="en-GB" sz="1200" dirty="0"/>
+              <a:t>| </a:t>
+            </a:r>
+            <a:r>
+              <a:rPr lang="en-GB" sz="1200" dirty="0" err="1"/>
+              <a:t>req</a:t>
+            </a:r>
+            <a:r>
+              <a:rPr lang="en-GB" sz="1200" dirty="0"/>
+              <a:t>(#3)           |     0.129432        |     0.10779            |     0.407825         |   0.0911526      |   0.082129          |   0                      |  0.0962989      |  0.0853719     |  0                       |</a:t>
+            </a:r>
+          </a:p>
+          <a:p>
+            <a:r>
+              <a:rPr lang="en-GB" sz="1200" dirty="0"/>
+              <a:t>+-------------------+----------------------+------------------------+-----------------------+---------------------+----------------------+---------------------+--------------------+--------------------+--------------------+</a:t>
+            </a:r>
+          </a:p>
+          <a:p>
+            <a:endParaRPr lang="en-GB" sz="1200" dirty="0"/>
+          </a:p>
+          <a:p>
+            <a:r>
+              <a:rPr lang="en-GB" sz="1600" dirty="0">
+                <a:latin typeface="Helvetica Neue Thin" panose="020B0403020202020204" pitchFamily="34" charset="0"/>
+                <a:ea typeface="Helvetica Neue Thin" panose="020B0403020202020204" pitchFamily="34" charset="0"/>
+              </a:rPr>
+              <a:t>Stable state: [0.12020888, 0.10717856, 0.10594082, 0.12020984, 0.10717859, 0.10593995, 0.12021135, 0.10718605, 0.10594596]</a:t>
             </a:r>
           </a:p>
           <a:p>
@@ -16822,72 +16761,13 @@
               <a:ea typeface="Helvetica Neue Thin" panose="020B0403020202020204" pitchFamily="34" charset="0"/>
             </a:endParaRPr>
           </a:p>
-        </p:txBody>
-      </p:sp>
-      <p:pic>
-        <p:nvPicPr>
-          <p:cNvPr id="2" name="Picture 1">
-            <a:extLst>
-              <a:ext uri="{FF2B5EF4-FFF2-40B4-BE49-F238E27FC236}">
-                <a16:creationId xmlns:a16="http://schemas.microsoft.com/office/drawing/2014/main" id="{0BA9B44B-A068-B49F-BF27-B3B7A895BA08}"/>
-              </a:ext>
-            </a:extLst>
-          </p:cNvPr>
-          <p:cNvPicPr>
-            <a:picLocks noChangeAspect="1"/>
-          </p:cNvPicPr>
-          <p:nvPr/>
-        </p:nvPicPr>
-        <p:blipFill>
-          <a:blip r:embed="rId2"/>
-          <a:stretch>
-            <a:fillRect/>
-          </a:stretch>
-        </p:blipFill>
-        <p:spPr>
-          <a:xfrm>
-            <a:off x="188890" y="1510053"/>
-            <a:ext cx="11952401" cy="3591787"/>
-          </a:xfrm>
-          <a:prstGeom prst="rect">
-            <a:avLst/>
-          </a:prstGeom>
-        </p:spPr>
-      </p:pic>
-      <p:sp>
-        <p:nvSpPr>
-          <p:cNvPr id="3" name="TextBox 2">
-            <a:extLst>
-              <a:ext uri="{FF2B5EF4-FFF2-40B4-BE49-F238E27FC236}">
-                <a16:creationId xmlns:a16="http://schemas.microsoft.com/office/drawing/2014/main" id="{7A1EDE53-6561-5FB0-758B-A7E4A2D6FD90}"/>
-              </a:ext>
-            </a:extLst>
-          </p:cNvPr>
-          <p:cNvSpPr txBox="1"/>
-          <p:nvPr/>
-        </p:nvSpPr>
-        <p:spPr>
-          <a:xfrm>
-            <a:off x="138181" y="5101840"/>
-            <a:ext cx="12003110" cy="892552"/>
-          </a:xfrm>
-          <a:prstGeom prst="rect">
-            <a:avLst/>
-          </a:prstGeom>
-          <a:noFill/>
-        </p:spPr>
-        <p:txBody>
-          <a:bodyPr wrap="square" rtlCol="0">
-            <a:spAutoFit/>
-          </a:bodyPr>
-          <a:lstStyle/>
-          <a:p>
-            <a:r>
-              <a:rPr lang="en-FR" dirty="0">
-                <a:latin typeface="Helvetica Neue Thin" panose="020B0403020202020204" pitchFamily="34" charset="0"/>
-                <a:ea typeface="Helvetica Neue Thin" panose="020B0403020202020204" pitchFamily="34" charset="0"/>
-              </a:rPr>
-              <a:t>Although it is also useless, since the simple information gathered from the run, i.e. how often processes/transitions appear etc is enough to deduce that something is wrong with the model.</a:t>
+          <a:p>
+            <a:r>
+              <a:rPr lang="en-GB" sz="1600" dirty="0">
+                <a:latin typeface="Helvetica Neue Thin" panose="020B0403020202020204" pitchFamily="34" charset="0"/>
+                <a:ea typeface="Helvetica Neue Thin" panose="020B0403020202020204" pitchFamily="34" charset="0"/>
+              </a:rPr>
+              <a:t>The detailed matrix shows that exit -&gt; enter is an acceptable pair, because it is always between 2 different processes. </a:t>
             </a:r>
           </a:p>
           <a:p>
@@ -16896,14 +16776,42 @@
               <a:ea typeface="Helvetica Neue Thin" panose="020B0403020202020204" pitchFamily="34" charset="0"/>
             </a:endParaRPr>
           </a:p>
+          <a:p>
+            <a:endParaRPr lang="en-GB" sz="1600" dirty="0">
+              <a:latin typeface="Helvetica Neue Thin" panose="020B0403020202020204" pitchFamily="34" charset="0"/>
+              <a:ea typeface="Helvetica Neue Thin" panose="020B0403020202020204" pitchFamily="34" charset="0"/>
+            </a:endParaRPr>
+          </a:p>
+          <a:p>
+            <a:r>
+              <a:rPr lang="en-FR" sz="1600" dirty="0">
+                <a:latin typeface="Helvetica Neue Thin" panose="020B0403020202020204" pitchFamily="34" charset="0"/>
+                <a:ea typeface="Helvetica Neue Thin" panose="020B0403020202020204" pitchFamily="34" charset="0"/>
+              </a:rPr>
+              <a:t>Data log file:</a:t>
+            </a:r>
+            <a:r>
+              <a:rPr lang="en-GB" sz="1600" dirty="0">
+                <a:latin typeface="Helvetica Neue Thin" panose="020B0403020202020204" pitchFamily="34" charset="0"/>
+                <a:ea typeface="Helvetica Neue Thin" panose="020B0403020202020204" pitchFamily="34" charset="0"/>
+              </a:rPr>
+              <a:t> dekker.cub1678123227.data</a:t>
+            </a:r>
+          </a:p>
+          <a:p>
+            <a:endParaRPr lang="en-GB" sz="1600" dirty="0">
+              <a:latin typeface="Helvetica Neue Thin" panose="020B0403020202020204" pitchFamily="34" charset="0"/>
+              <a:ea typeface="Helvetica Neue Thin" panose="020B0403020202020204" pitchFamily="34" charset="0"/>
+            </a:endParaRPr>
+          </a:p>
         </p:txBody>
       </p:sp>
       <p:sp>
         <p:nvSpPr>
-          <p:cNvPr id="6" name="Slide Number Placeholder 5">
-            <a:extLst>
-              <a:ext uri="{FF2B5EF4-FFF2-40B4-BE49-F238E27FC236}">
-                <a16:creationId xmlns:a16="http://schemas.microsoft.com/office/drawing/2014/main" id="{5A7826FE-8F73-CDD0-2816-DA23ABE31E76}"/>
+          <p:cNvPr id="2" name="Slide Number Placeholder 1">
+            <a:extLst>
+              <a:ext uri="{FF2B5EF4-FFF2-40B4-BE49-F238E27FC236}">
+                <a16:creationId xmlns:a16="http://schemas.microsoft.com/office/drawing/2014/main" id="{DC209C3E-8E19-F5C9-4688-85A7EDBEF755}"/>
               </a:ext>
             </a:extLst>
           </p:cNvPr>
@@ -16930,7 +16838,7 @@
     </p:spTree>
     <p:extLst>
       <p:ext uri="{BB962C8B-B14F-4D97-AF65-F5344CB8AC3E}">
-        <p14:creationId xmlns:p14="http://schemas.microsoft.com/office/powerpoint/2010/main" val="2350080130"/>
+        <p14:creationId xmlns:p14="http://schemas.microsoft.com/office/powerpoint/2010/main" val="4257490243"/>
       </p:ext>
     </p:extLst>
   </p:cSld>
@@ -16971,7 +16879,7 @@
         </p:nvSpPr>
         <p:spPr>
           <a:xfrm>
-            <a:off x="94445" y="123726"/>
+            <a:off x="188891" y="124945"/>
             <a:ext cx="7456093" cy="461665"/>
           </a:xfrm>
           <a:prstGeom prst="rect">
@@ -16986,18 +16894,25 @@
           <a:lstStyle/>
           <a:p>
             <a:r>
+              <a:rPr lang="en-US" sz="2400" dirty="0">
+                <a:latin typeface="Helvetica Neue Thin" panose="020B0403020202020204" pitchFamily="34" charset="0"/>
+                <a:ea typeface="Helvetica Neue Thin" panose="020B0403020202020204" pitchFamily="34" charset="0"/>
+              </a:rPr>
+              <a:t>Buggy </a:t>
+            </a:r>
+            <a:r>
               <a:rPr lang="en-US" sz="2400" dirty="0" err="1">
                 <a:latin typeface="Helvetica Neue Thin" panose="020B0403020202020204" pitchFamily="34" charset="0"/>
                 <a:ea typeface="Helvetica Neue Thin" panose="020B0403020202020204" pitchFamily="34" charset="0"/>
               </a:rPr>
-              <a:t>Germanish</a:t>
+              <a:t>Dekker.cub</a:t>
             </a:r>
             <a:r>
               <a:rPr lang="en-US" sz="2400" dirty="0">
                 <a:latin typeface="Helvetica Neue Thin" panose="020B0403020202020204" pitchFamily="34" charset="0"/>
                 <a:ea typeface="Helvetica Neue Thin" panose="020B0403020202020204" pitchFamily="34" charset="0"/>
               </a:rPr>
-              <a:t> [test-run maximizing entropy]</a:t>
+              <a:t> [original deadlocking example]</a:t>
             </a:r>
             <a:endParaRPr lang="en-FR" sz="2000" dirty="0">
               <a:latin typeface="Helvetica Neue Thin" panose="020B0403020202020204" pitchFamily="34" charset="0"/>
@@ -17021,7 +16936,7 @@
         <p:spPr>
           <a:xfrm>
             <a:off x="94445" y="586610"/>
-            <a:ext cx="12003110" cy="892552"/>
+            <a:ext cx="12003110" cy="4185761"/>
           </a:xfrm>
           <a:prstGeom prst="rect">
             <a:avLst/>
@@ -17046,7 +16961,7 @@
                 <a:latin typeface="Helvetica Neue Thin" panose="020B0403020202020204" pitchFamily="34" charset="0"/>
                 <a:ea typeface="Helvetica Neue Thin" panose="020B0403020202020204" pitchFamily="34" charset="0"/>
               </a:rPr>
-              <a:t>germanish.cub1678226749.data</a:t>
+              <a:t>buggy.cub1678220204.data</a:t>
             </a:r>
             <a:endParaRPr lang="en-FR" dirty="0">
               <a:latin typeface="Helvetica Neue Thin" panose="020B0403020202020204" pitchFamily="34" charset="0"/>
@@ -17060,19 +16975,139 @@
             </a:endParaRPr>
           </a:p>
           <a:p>
+            <a:r>
+              <a:rPr lang="en-FR" dirty="0">
+                <a:latin typeface="Helvetica Neue Thin" panose="020B0403020202020204" pitchFamily="34" charset="0"/>
+                <a:ea typeface="Helvetica Neue Thin" panose="020B0403020202020204" pitchFamily="34" charset="0"/>
+              </a:rPr>
+              <a:t>Out of 1 000 000 steps, it only took 3. No need to even try anything else, the model is clearly odd.</a:t>
+            </a:r>
+          </a:p>
+          <a:p>
+            <a:r>
+              <a:rPr lang="en-FR" dirty="0">
+                <a:latin typeface="Helvetica Neue Thin" panose="020B0403020202020204" pitchFamily="34" charset="0"/>
+                <a:ea typeface="Helvetica Neue Thin" panose="020B0403020202020204" pitchFamily="34" charset="0"/>
+              </a:rPr>
+              <a:t>The transition matrix clearly shows that going 100% from req to req killed the system: </a:t>
+            </a:r>
+          </a:p>
+          <a:p>
+            <a:r>
+              <a:rPr lang="en-GB" dirty="0">
+                <a:ea typeface="Helvetica Neue Thin" panose="020B0403020202020204" pitchFamily="34" charset="0"/>
+              </a:rPr>
+              <a:t>+----------------+-----------------+--------------+-------------+</a:t>
+            </a:r>
+          </a:p>
+          <a:p>
+            <a:r>
+              <a:rPr lang="en-GB" dirty="0">
+                <a:ea typeface="Helvetica Neue Thin" panose="020B0403020202020204" pitchFamily="34" charset="0"/>
+              </a:rPr>
+              <a:t>| source         |   enter          |   exit          |   </a:t>
+            </a:r>
+            <a:r>
+              <a:rPr lang="en-GB" dirty="0" err="1">
+                <a:ea typeface="Helvetica Neue Thin" panose="020B0403020202020204" pitchFamily="34" charset="0"/>
+              </a:rPr>
+              <a:t>req</a:t>
+            </a:r>
+            <a:r>
+              <a:rPr lang="en-GB" dirty="0">
+                <a:ea typeface="Helvetica Neue Thin" panose="020B0403020202020204" pitchFamily="34" charset="0"/>
+              </a:rPr>
+              <a:t>        |</a:t>
+            </a:r>
+          </a:p>
+          <a:p>
+            <a:r>
+              <a:rPr lang="en-GB" dirty="0">
+                <a:ea typeface="Helvetica Neue Thin" panose="020B0403020202020204" pitchFamily="34" charset="0"/>
+              </a:rPr>
+              <a:t>+==========+==========+=========+========+</a:t>
+            </a:r>
+          </a:p>
+          <a:p>
+            <a:r>
+              <a:rPr lang="en-GB" dirty="0">
+                <a:ea typeface="Helvetica Neue Thin" panose="020B0403020202020204" pitchFamily="34" charset="0"/>
+              </a:rPr>
+              <a:t>| enter           |        0            |       0          |      0          |</a:t>
+            </a:r>
+          </a:p>
+          <a:p>
+            <a:r>
+              <a:rPr lang="en-GB" dirty="0">
+                <a:ea typeface="Helvetica Neue Thin" panose="020B0403020202020204" pitchFamily="34" charset="0"/>
+              </a:rPr>
+              <a:t>+----------------+-----------------+--------------+-------------+</a:t>
+            </a:r>
+          </a:p>
+          <a:p>
+            <a:r>
+              <a:rPr lang="en-GB" dirty="0">
+                <a:ea typeface="Helvetica Neue Thin" panose="020B0403020202020204" pitchFamily="34" charset="0"/>
+              </a:rPr>
+              <a:t>| exit              |        0             |       0         |      0          |</a:t>
+            </a:r>
+          </a:p>
+          <a:p>
+            <a:r>
+              <a:rPr lang="en-GB" dirty="0">
+                <a:ea typeface="Helvetica Neue Thin" panose="020B0403020202020204" pitchFamily="34" charset="0"/>
+              </a:rPr>
+              <a:t>+----------------+-----------------+--------------+-------------+</a:t>
+            </a:r>
+          </a:p>
+          <a:p>
+            <a:r>
+              <a:rPr lang="en-GB" dirty="0">
+                <a:ea typeface="Helvetica Neue Thin" panose="020B0403020202020204" pitchFamily="34" charset="0"/>
+              </a:rPr>
+              <a:t>| </a:t>
+            </a:r>
+            <a:r>
+              <a:rPr lang="en-GB" dirty="0" err="1">
+                <a:ea typeface="Helvetica Neue Thin" panose="020B0403020202020204" pitchFamily="34" charset="0"/>
+              </a:rPr>
+              <a:t>req</a:t>
+            </a:r>
+            <a:r>
+              <a:rPr lang="en-GB" dirty="0">
+                <a:ea typeface="Helvetica Neue Thin" panose="020B0403020202020204" pitchFamily="34" charset="0"/>
+              </a:rPr>
+              <a:t>               |        0            |       0          |      1         |</a:t>
+            </a:r>
+          </a:p>
+          <a:p>
+            <a:r>
+              <a:rPr lang="en-GB" dirty="0">
+                <a:ea typeface="Helvetica Neue Thin" panose="020B0403020202020204" pitchFamily="34" charset="0"/>
+              </a:rPr>
+              <a:t>+----------------+-----------------+--------------+-------------+</a:t>
+            </a:r>
+          </a:p>
+          <a:p>
             <a:endParaRPr lang="en-GB" sz="1600" dirty="0">
               <a:latin typeface="Helvetica Neue Thin" panose="020B0403020202020204" pitchFamily="34" charset="0"/>
               <a:ea typeface="Helvetica Neue Thin" panose="020B0403020202020204" pitchFamily="34" charset="0"/>
             </a:endParaRPr>
           </a:p>
+          <a:p>
+            <a:endParaRPr lang="en-GB" sz="1600" dirty="0">
+              <a:latin typeface="Helvetica Neue Thin" panose="020B0403020202020204" pitchFamily="34" charset="0"/>
+              <a:ea typeface="Helvetica Neue Thin" panose="020B0403020202020204" pitchFamily="34" charset="0"/>
+            </a:endParaRPr>
+          </a:p>
         </p:txBody>
       </p:sp>
       <p:sp>
         <p:nvSpPr>
-          <p:cNvPr id="6" name="Slide Number Placeholder 5">
-            <a:extLst>
-              <a:ext uri="{FF2B5EF4-FFF2-40B4-BE49-F238E27FC236}">
-                <a16:creationId xmlns:a16="http://schemas.microsoft.com/office/drawing/2014/main" id="{959BDB26-40E4-9CF6-297E-539B90F4FB2E}"/>
+          <p:cNvPr id="2" name="Slide Number Placeholder 1">
+            <a:extLst>
+              <a:ext uri="{FF2B5EF4-FFF2-40B4-BE49-F238E27FC236}">
+                <a16:creationId xmlns:a16="http://schemas.microsoft.com/office/drawing/2014/main" id="{6E02610C-2956-E369-0F3D-8F5466DF514F}"/>
               </a:ext>
             </a:extLst>
           </p:cNvPr>
@@ -17096,254 +17131,10 @@
           </a:p>
         </p:txBody>
       </p:sp>
-      <p:pic>
-        <p:nvPicPr>
-          <p:cNvPr id="7" name="Picture 6">
-            <a:extLst>
-              <a:ext uri="{FF2B5EF4-FFF2-40B4-BE49-F238E27FC236}">
-                <a16:creationId xmlns:a16="http://schemas.microsoft.com/office/drawing/2014/main" id="{F9EE66E7-21D5-39DE-88CE-8F6672410B75}"/>
-              </a:ext>
-            </a:extLst>
-          </p:cNvPr>
-          <p:cNvPicPr>
-            <a:picLocks noChangeAspect="1"/>
-          </p:cNvPicPr>
-          <p:nvPr/>
-        </p:nvPicPr>
-        <p:blipFill>
-          <a:blip r:embed="rId2"/>
-          <a:stretch>
-            <a:fillRect/>
-          </a:stretch>
-        </p:blipFill>
-        <p:spPr>
-          <a:xfrm>
-            <a:off x="94444" y="1032886"/>
-            <a:ext cx="11739369" cy="3196214"/>
-          </a:xfrm>
-          <a:prstGeom prst="rect">
-            <a:avLst/>
-          </a:prstGeom>
-        </p:spPr>
-      </p:pic>
-      <p:sp>
-        <p:nvSpPr>
-          <p:cNvPr id="8" name="TextBox 7">
-            <a:extLst>
-              <a:ext uri="{FF2B5EF4-FFF2-40B4-BE49-F238E27FC236}">
-                <a16:creationId xmlns:a16="http://schemas.microsoft.com/office/drawing/2014/main" id="{27A447D3-D98D-C71D-E512-B1FF0F72F452}"/>
-              </a:ext>
-            </a:extLst>
-          </p:cNvPr>
-          <p:cNvSpPr txBox="1"/>
-          <p:nvPr/>
-        </p:nvSpPr>
-        <p:spPr>
-          <a:xfrm>
-            <a:off x="94445" y="4233324"/>
-            <a:ext cx="12003110" cy="2831544"/>
-          </a:xfrm>
-          <a:prstGeom prst="rect">
-            <a:avLst/>
-          </a:prstGeom>
-          <a:noFill/>
-        </p:spPr>
-        <p:txBody>
-          <a:bodyPr wrap="square" rtlCol="0">
-            <a:spAutoFit/>
-          </a:bodyPr>
-          <a:lstStyle/>
-          <a:p>
-            <a:r>
-              <a:rPr lang="en-GB" dirty="0">
-                <a:latin typeface="Helvetica Neue Thin" panose="020B0403020202020204" pitchFamily="34" charset="0"/>
-                <a:ea typeface="Helvetica Neue Thin" panose="020B0403020202020204" pitchFamily="34" charset="0"/>
-              </a:rPr>
-              <a:t>Proc 1 : 14774 times</a:t>
-            </a:r>
-          </a:p>
-          <a:p>
-            <a:r>
-              <a:rPr lang="en-GB" dirty="0">
-                <a:latin typeface="Helvetica Neue Thin" panose="020B0403020202020204" pitchFamily="34" charset="0"/>
-                <a:ea typeface="Helvetica Neue Thin" panose="020B0403020202020204" pitchFamily="34" charset="0"/>
-              </a:rPr>
-              <a:t>Proc 2 : 14501 times</a:t>
-            </a:r>
-          </a:p>
-          <a:p>
-            <a:r>
-              <a:rPr lang="en-GB" dirty="0">
-                <a:latin typeface="Helvetica Neue Thin" panose="020B0403020202020204" pitchFamily="34" charset="0"/>
-                <a:ea typeface="Helvetica Neue Thin" panose="020B0403020202020204" pitchFamily="34" charset="0"/>
-              </a:rPr>
-              <a:t>Proc 3 : 14367 times</a:t>
-            </a:r>
-          </a:p>
-          <a:p>
-            <a:r>
-              <a:rPr lang="en-GB" dirty="0">
-                <a:latin typeface="Helvetica Neue Thin" panose="020B0403020202020204" pitchFamily="34" charset="0"/>
-                <a:ea typeface="Helvetica Neue Thin" panose="020B0403020202020204" pitchFamily="34" charset="0"/>
-              </a:rPr>
-              <a:t>Transition inv_2 : 4248 times</a:t>
-            </a:r>
-          </a:p>
-          <a:p>
-            <a:r>
-              <a:rPr lang="en-GB" dirty="0">
-                <a:latin typeface="Helvetica Neue Thin" panose="020B0403020202020204" pitchFamily="34" charset="0"/>
-                <a:ea typeface="Helvetica Neue Thin" panose="020B0403020202020204" pitchFamily="34" charset="0"/>
-              </a:rPr>
-              <a:t>Transition inv_1 : 10298 times</a:t>
-            </a:r>
-          </a:p>
-          <a:p>
-            <a:r>
-              <a:rPr lang="en-GB" dirty="0">
-                <a:latin typeface="Helvetica Neue Thin" panose="020B0403020202020204" pitchFamily="34" charset="0"/>
-                <a:ea typeface="Helvetica Neue Thin" panose="020B0403020202020204" pitchFamily="34" charset="0"/>
-              </a:rPr>
-              <a:t>Transition </a:t>
-            </a:r>
-            <a:r>
-              <a:rPr lang="en-GB" dirty="0" err="1">
-                <a:latin typeface="Helvetica Neue Thin" panose="020B0403020202020204" pitchFamily="34" charset="0"/>
-                <a:ea typeface="Helvetica Neue Thin" panose="020B0403020202020204" pitchFamily="34" charset="0"/>
-              </a:rPr>
-              <a:t>req_shared</a:t>
-            </a:r>
-            <a:r>
-              <a:rPr lang="en-GB" dirty="0">
-                <a:latin typeface="Helvetica Neue Thin" panose="020B0403020202020204" pitchFamily="34" charset="0"/>
-                <a:ea typeface="Helvetica Neue Thin" panose="020B0403020202020204" pitchFamily="34" charset="0"/>
-              </a:rPr>
-              <a:t> : 6117 times</a:t>
-            </a:r>
-          </a:p>
-          <a:p>
-            <a:r>
-              <a:rPr lang="en-GB" dirty="0">
-                <a:latin typeface="Helvetica Neue Thin" panose="020B0403020202020204" pitchFamily="34" charset="0"/>
-                <a:ea typeface="Helvetica Neue Thin" panose="020B0403020202020204" pitchFamily="34" charset="0"/>
-              </a:rPr>
-              <a:t>Transition </a:t>
-            </a:r>
-            <a:r>
-              <a:rPr lang="en-GB" dirty="0" err="1">
-                <a:latin typeface="Helvetica Neue Thin" panose="020B0403020202020204" pitchFamily="34" charset="0"/>
-                <a:ea typeface="Helvetica Neue Thin" panose="020B0403020202020204" pitchFamily="34" charset="0"/>
-              </a:rPr>
-              <a:t>req_exclusive</a:t>
-            </a:r>
-            <a:r>
-              <a:rPr lang="en-GB" dirty="0">
-                <a:latin typeface="Helvetica Neue Thin" panose="020B0403020202020204" pitchFamily="34" charset="0"/>
-                <a:ea typeface="Helvetica Neue Thin" panose="020B0403020202020204" pitchFamily="34" charset="0"/>
-              </a:rPr>
-              <a:t> : 8431 times</a:t>
-            </a:r>
-          </a:p>
-          <a:p>
-            <a:r>
-              <a:rPr lang="en-GB" dirty="0">
-                <a:latin typeface="Helvetica Neue Thin" panose="020B0403020202020204" pitchFamily="34" charset="0"/>
-                <a:ea typeface="Helvetica Neue Thin" panose="020B0403020202020204" pitchFamily="34" charset="0"/>
-              </a:rPr>
-              <a:t>Transition </a:t>
-            </a:r>
-            <a:r>
-              <a:rPr lang="en-GB" dirty="0" err="1">
-                <a:latin typeface="Helvetica Neue Thin" panose="020B0403020202020204" pitchFamily="34" charset="0"/>
-                <a:ea typeface="Helvetica Neue Thin" panose="020B0403020202020204" pitchFamily="34" charset="0"/>
-              </a:rPr>
-              <a:t>gnt_exclusive</a:t>
-            </a:r>
-            <a:r>
-              <a:rPr lang="en-GB" dirty="0">
-                <a:latin typeface="Helvetica Neue Thin" panose="020B0403020202020204" pitchFamily="34" charset="0"/>
-                <a:ea typeface="Helvetica Neue Thin" panose="020B0403020202020204" pitchFamily="34" charset="0"/>
-              </a:rPr>
-              <a:t> : 8431 times</a:t>
-            </a:r>
-          </a:p>
-          <a:p>
-            <a:r>
-              <a:rPr lang="en-GB" dirty="0">
-                <a:latin typeface="Helvetica Neue Thin" panose="020B0403020202020204" pitchFamily="34" charset="0"/>
-                <a:ea typeface="Helvetica Neue Thin" panose="020B0403020202020204" pitchFamily="34" charset="0"/>
-              </a:rPr>
-              <a:t>Transition </a:t>
-            </a:r>
-            <a:r>
-              <a:rPr lang="en-GB" dirty="0" err="1">
-                <a:latin typeface="Helvetica Neue Thin" panose="020B0403020202020204" pitchFamily="34" charset="0"/>
-                <a:ea typeface="Helvetica Neue Thin" panose="020B0403020202020204" pitchFamily="34" charset="0"/>
-              </a:rPr>
-              <a:t>gnt_shared</a:t>
-            </a:r>
-            <a:r>
-              <a:rPr lang="en-GB" dirty="0">
-                <a:latin typeface="Helvetica Neue Thin" panose="020B0403020202020204" pitchFamily="34" charset="0"/>
-                <a:ea typeface="Helvetica Neue Thin" panose="020B0403020202020204" pitchFamily="34" charset="0"/>
-              </a:rPr>
-              <a:t> : 6117 times</a:t>
-            </a:r>
-            <a:endParaRPr lang="en-FR" dirty="0">
-              <a:latin typeface="Helvetica Neue Thin" panose="020B0403020202020204" pitchFamily="34" charset="0"/>
-              <a:ea typeface="Helvetica Neue Thin" panose="020B0403020202020204" pitchFamily="34" charset="0"/>
-            </a:endParaRPr>
-          </a:p>
-          <a:p>
-            <a:endParaRPr lang="en-GB" sz="1600" dirty="0">
-              <a:latin typeface="Helvetica Neue Thin" panose="020B0403020202020204" pitchFamily="34" charset="0"/>
-              <a:ea typeface="Helvetica Neue Thin" panose="020B0403020202020204" pitchFamily="34" charset="0"/>
-            </a:endParaRPr>
-          </a:p>
-        </p:txBody>
-      </p:sp>
-      <p:sp>
-        <p:nvSpPr>
-          <p:cNvPr id="9" name="TextBox 8">
-            <a:extLst>
-              <a:ext uri="{FF2B5EF4-FFF2-40B4-BE49-F238E27FC236}">
-                <a16:creationId xmlns:a16="http://schemas.microsoft.com/office/drawing/2014/main" id="{037C8E69-1F48-6DFA-71E7-D6205D67E09E}"/>
-              </a:ext>
-            </a:extLst>
-          </p:cNvPr>
-          <p:cNvSpPr txBox="1"/>
-          <p:nvPr/>
-        </p:nvSpPr>
-        <p:spPr>
-          <a:xfrm>
-            <a:off x="4650116" y="4229100"/>
-            <a:ext cx="12003110" cy="338554"/>
-          </a:xfrm>
-          <a:prstGeom prst="rect">
-            <a:avLst/>
-          </a:prstGeom>
-          <a:noFill/>
-        </p:spPr>
-        <p:txBody>
-          <a:bodyPr wrap="square" rtlCol="0">
-            <a:spAutoFit/>
-          </a:bodyPr>
-          <a:lstStyle/>
-          <a:p>
-            <a:r>
-              <a:rPr lang="en-GB" sz="1600" dirty="0">
-                <a:latin typeface="Helvetica Neue Thin" panose="020B0403020202020204" pitchFamily="34" charset="0"/>
-                <a:ea typeface="Helvetica Neue Thin" panose="020B0403020202020204" pitchFamily="34" charset="0"/>
-              </a:rPr>
-              <a:t>0.19319739, 0.14014888, 0.23597992, 0.09732752, 0.19319739, 0.14014888]</a:t>
-            </a:r>
-          </a:p>
-        </p:txBody>
-      </p:sp>
     </p:spTree>
     <p:extLst>
       <p:ext uri="{BB962C8B-B14F-4D97-AF65-F5344CB8AC3E}">
-        <p14:creationId xmlns:p14="http://schemas.microsoft.com/office/powerpoint/2010/main" val="470401157"/>
+        <p14:creationId xmlns:p14="http://schemas.microsoft.com/office/powerpoint/2010/main" val="1356879358"/>
       </p:ext>
     </p:extLst>
   </p:cSld>
@@ -17399,18 +17190,25 @@
           <a:lstStyle/>
           <a:p>
             <a:r>
+              <a:rPr lang="en-US" sz="2400" dirty="0">
+                <a:latin typeface="Helvetica Neue Thin" panose="020B0403020202020204" pitchFamily="34" charset="0"/>
+                <a:ea typeface="Helvetica Neue Thin" panose="020B0403020202020204" pitchFamily="34" charset="0"/>
+              </a:rPr>
+              <a:t>Buggy </a:t>
+            </a:r>
+            <a:r>
               <a:rPr lang="en-US" sz="2400" dirty="0" err="1">
                 <a:latin typeface="Helvetica Neue Thin" panose="020B0403020202020204" pitchFamily="34" charset="0"/>
                 <a:ea typeface="Helvetica Neue Thin" panose="020B0403020202020204" pitchFamily="34" charset="0"/>
               </a:rPr>
-              <a:t>Germanish</a:t>
+              <a:t>Dekker.cub</a:t>
             </a:r>
             <a:r>
               <a:rPr lang="en-US" sz="2400" dirty="0">
                 <a:latin typeface="Helvetica Neue Thin" panose="020B0403020202020204" pitchFamily="34" charset="0"/>
                 <a:ea typeface="Helvetica Neue Thin" panose="020B0403020202020204" pitchFamily="34" charset="0"/>
               </a:rPr>
-              <a:t> [test-run maximizing entropy]</a:t>
+              <a:t> [original deadlocking example]</a:t>
             </a:r>
             <a:endParaRPr lang="en-FR" sz="2000" dirty="0">
               <a:latin typeface="Helvetica Neue Thin" panose="020B0403020202020204" pitchFamily="34" charset="0"/>
@@ -17434,7 +17232,7 @@
         <p:spPr>
           <a:xfrm>
             <a:off x="94445" y="586610"/>
-            <a:ext cx="12003110" cy="369332"/>
+            <a:ext cx="12003110" cy="1169551"/>
           </a:xfrm>
           <a:prstGeom prst="rect">
             <a:avLst/>
@@ -17459,41 +17257,33 @@
                 <a:latin typeface="Helvetica Neue Thin" panose="020B0403020202020204" pitchFamily="34" charset="0"/>
                 <a:ea typeface="Helvetica Neue Thin" panose="020B0403020202020204" pitchFamily="34" charset="0"/>
               </a:rPr>
-              <a:t>germanish.cub1678226953.data</a:t>
-            </a:r>
+              <a:t>buggy.cub1678198010.data</a:t>
+            </a:r>
+            <a:endParaRPr lang="en-FR" dirty="0">
+              <a:latin typeface="Helvetica Neue Thin" panose="020B0403020202020204" pitchFamily="34" charset="0"/>
+              <a:ea typeface="Helvetica Neue Thin" panose="020B0403020202020204" pitchFamily="34" charset="0"/>
+            </a:endParaRPr>
+          </a:p>
+          <a:p>
+            <a:endParaRPr lang="en-FR" dirty="0">
+              <a:latin typeface="Helvetica Neue Thin" panose="020B0403020202020204" pitchFamily="34" charset="0"/>
+              <a:ea typeface="Helvetica Neue Thin" panose="020B0403020202020204" pitchFamily="34" charset="0"/>
+            </a:endParaRPr>
+          </a:p>
+          <a:p>
+            <a:r>
+              <a:rPr lang="en-GB" dirty="0">
+                <a:latin typeface="Helvetica Neue Thin" panose="020B0403020202020204" pitchFamily="34" charset="0"/>
+                <a:ea typeface="Helvetica Neue Thin" panose="020B0403020202020204" pitchFamily="34" charset="0"/>
+              </a:rPr>
+              <a:t>You can try a different run and maybe try a more detailed matrix:</a:t>
+            </a:r>
+          </a:p>
+          <a:p>
             <a:endParaRPr lang="en-GB" sz="1600" dirty="0">
               <a:latin typeface="Helvetica Neue Thin" panose="020B0403020202020204" pitchFamily="34" charset="0"/>
               <a:ea typeface="Helvetica Neue Thin" panose="020B0403020202020204" pitchFamily="34" charset="0"/>
             </a:endParaRPr>
-          </a:p>
-        </p:txBody>
-      </p:sp>
-      <p:sp>
-        <p:nvSpPr>
-          <p:cNvPr id="6" name="Slide Number Placeholder 5">
-            <a:extLst>
-              <a:ext uri="{FF2B5EF4-FFF2-40B4-BE49-F238E27FC236}">
-                <a16:creationId xmlns:a16="http://schemas.microsoft.com/office/drawing/2014/main" id="{959BDB26-40E4-9CF6-297E-539B90F4FB2E}"/>
-              </a:ext>
-            </a:extLst>
-          </p:cNvPr>
-          <p:cNvSpPr>
-            <a:spLocks noGrp="1"/>
-          </p:cNvSpPr>
-          <p:nvPr>
-            <p:ph type="sldNum" sz="quarter" idx="12"/>
-          </p:nvPr>
-        </p:nvSpPr>
-        <p:spPr/>
-        <p:txBody>
-          <a:bodyPr/>
-          <a:lstStyle/>
-          <a:p>
-            <a:fld id="{4A936E34-E911-F947-B710-F12161D09F63}" type="slidenum">
-              <a:rPr lang="en-FR" smtClean="0"/>
-              <a:t>29</a:t>
-            </a:fld>
-            <a:endParaRPr lang="en-FR"/>
           </a:p>
         </p:txBody>
       </p:sp>
@@ -17502,7 +17292,7 @@
           <p:cNvPr id="2" name="Picture 1">
             <a:extLst>
               <a:ext uri="{FF2B5EF4-FFF2-40B4-BE49-F238E27FC236}">
-                <a16:creationId xmlns:a16="http://schemas.microsoft.com/office/drawing/2014/main" id="{79C17C9C-DD52-1622-9D50-E77CB560D9C0}"/>
+                <a16:creationId xmlns:a16="http://schemas.microsoft.com/office/drawing/2014/main" id="{0BA9B44B-A068-B49F-BF27-B3B7A895BA08}"/>
               </a:ext>
             </a:extLst>
           </p:cNvPr>
@@ -17519,8 +17309,8 @@
         </p:blipFill>
         <p:spPr>
           <a:xfrm>
-            <a:off x="94444" y="1173587"/>
-            <a:ext cx="12048843" cy="2565656"/>
+            <a:off x="188890" y="1510053"/>
+            <a:ext cx="11952401" cy="3591787"/>
           </a:xfrm>
           <a:prstGeom prst="rect">
             <a:avLst/>
@@ -17532,7 +17322,7 @@
           <p:cNvPr id="3" name="TextBox 2">
             <a:extLst>
               <a:ext uri="{FF2B5EF4-FFF2-40B4-BE49-F238E27FC236}">
-                <a16:creationId xmlns:a16="http://schemas.microsoft.com/office/drawing/2014/main" id="{584C6ED6-D2FF-7195-BF7C-7E9060A51E58}"/>
+                <a16:creationId xmlns:a16="http://schemas.microsoft.com/office/drawing/2014/main" id="{7A1EDE53-6561-5FB0-758B-A7E4A2D6FD90}"/>
               </a:ext>
             </a:extLst>
           </p:cNvPr>
@@ -17541,8 +17331,8 @@
         </p:nvSpPr>
         <p:spPr>
           <a:xfrm>
-            <a:off x="48711" y="3956888"/>
-            <a:ext cx="12003110" cy="1200329"/>
+            <a:off x="138181" y="5101840"/>
+            <a:ext cx="12003110" cy="892552"/>
           </a:xfrm>
           <a:prstGeom prst="rect">
             <a:avLst/>
@@ -17560,46 +17350,50 @@
                 <a:latin typeface="Helvetica Neue Thin" panose="020B0403020202020204" pitchFamily="34" charset="0"/>
                 <a:ea typeface="Helvetica Neue Thin" panose="020B0403020202020204" pitchFamily="34" charset="0"/>
               </a:rPr>
-              <a:t>0.0653145 , 0.06464634, 0.0649695 , 0.04611472, 0.04581588,</a:t>
-            </a:r>
-          </a:p>
-          <a:p>
-            <a:r>
-              <a:rPr lang="en-FR" dirty="0">
-                <a:latin typeface="Helvetica Neue Thin" panose="020B0403020202020204" pitchFamily="34" charset="0"/>
-                <a:ea typeface="Helvetica Neue Thin" panose="020B0403020202020204" pitchFamily="34" charset="0"/>
-              </a:rPr>
-              <a:t>       0.04648112, 0.07927201, 0.07812757, 0.07973191, 0.03215312,</a:t>
-            </a:r>
-          </a:p>
-          <a:p>
-            <a:r>
-              <a:rPr lang="en-FR" dirty="0">
-                <a:latin typeface="Helvetica Neue Thin" panose="020B0403020202020204" pitchFamily="34" charset="0"/>
-                <a:ea typeface="Helvetica Neue Thin" panose="020B0403020202020204" pitchFamily="34" charset="0"/>
-              </a:rPr>
-              <a:t>       0.032337  , 0.03169428, 0.0653217 , 0.06463193, 0.06497671,</a:t>
-            </a:r>
-          </a:p>
-          <a:p>
-            <a:r>
-              <a:rPr lang="en-FR" dirty="0">
-                <a:latin typeface="Helvetica Neue Thin" panose="020B0403020202020204" pitchFamily="34" charset="0"/>
-                <a:ea typeface="Helvetica Neue Thin" panose="020B0403020202020204" pitchFamily="34" charset="0"/>
-              </a:rPr>
-              <a:t>       0.04611525, 0.04581657, 0.0464799 ]</a:t>
-            </a:r>
+              <a:t>Although it is also useless, since the simple information gathered from the run, i.e. how often processes/transitions appear etc is enough to deduce that something is wrong with the model.</a:t>
+            </a:r>
+          </a:p>
+          <a:p>
             <a:endParaRPr lang="en-GB" sz="1600" dirty="0">
               <a:latin typeface="Helvetica Neue Thin" panose="020B0403020202020204" pitchFamily="34" charset="0"/>
               <a:ea typeface="Helvetica Neue Thin" panose="020B0403020202020204" pitchFamily="34" charset="0"/>
             </a:endParaRPr>
+          </a:p>
+        </p:txBody>
+      </p:sp>
+      <p:sp>
+        <p:nvSpPr>
+          <p:cNvPr id="6" name="Slide Number Placeholder 5">
+            <a:extLst>
+              <a:ext uri="{FF2B5EF4-FFF2-40B4-BE49-F238E27FC236}">
+                <a16:creationId xmlns:a16="http://schemas.microsoft.com/office/drawing/2014/main" id="{5A7826FE-8F73-CDD0-2816-DA23ABE31E76}"/>
+              </a:ext>
+            </a:extLst>
+          </p:cNvPr>
+          <p:cNvSpPr>
+            <a:spLocks noGrp="1"/>
+          </p:cNvSpPr>
+          <p:nvPr>
+            <p:ph type="sldNum" sz="quarter" idx="12"/>
+          </p:nvPr>
+        </p:nvSpPr>
+        <p:spPr/>
+        <p:txBody>
+          <a:bodyPr/>
+          <a:lstStyle/>
+          <a:p>
+            <a:fld id="{4A936E34-E911-F947-B710-F12161D09F63}" type="slidenum">
+              <a:rPr lang="en-FR" smtClean="0"/>
+              <a:t>29</a:t>
+            </a:fld>
+            <a:endParaRPr lang="en-FR"/>
           </a:p>
         </p:txBody>
       </p:sp>
     </p:spTree>
     <p:extLst>
       <p:ext uri="{BB962C8B-B14F-4D97-AF65-F5344CB8AC3E}">
-        <p14:creationId xmlns:p14="http://schemas.microsoft.com/office/powerpoint/2010/main" val="590287067"/>
+        <p14:creationId xmlns:p14="http://schemas.microsoft.com/office/powerpoint/2010/main" val="2350080130"/>
       </p:ext>
     </p:extLst>
   </p:cSld>
@@ -17755,12 +17549,418 @@
           <a:lstStyle/>
           <a:p>
             <a:r>
+              <a:rPr lang="en-US" sz="2400" dirty="0" err="1">
+                <a:latin typeface="Helvetica Neue Thin" panose="020B0403020202020204" pitchFamily="34" charset="0"/>
+                <a:ea typeface="Helvetica Neue Thin" panose="020B0403020202020204" pitchFamily="34" charset="0"/>
+              </a:rPr>
+              <a:t>Germanish</a:t>
+            </a:r>
+            <a:r>
               <a:rPr lang="en-US" sz="2400" dirty="0">
                 <a:latin typeface="Helvetica Neue Thin" panose="020B0403020202020204" pitchFamily="34" charset="0"/>
                 <a:ea typeface="Helvetica Neue Thin" panose="020B0403020202020204" pitchFamily="34" charset="0"/>
               </a:rPr>
-              <a:t>Deadlocking </a:t>
-            </a:r>
+              <a:t> [test-run maximizing entropy]</a:t>
+            </a:r>
+            <a:endParaRPr lang="en-FR" sz="2000" dirty="0">
+              <a:latin typeface="Helvetica Neue Thin" panose="020B0403020202020204" pitchFamily="34" charset="0"/>
+              <a:ea typeface="Helvetica Neue Thin" panose="020B0403020202020204" pitchFamily="34" charset="0"/>
+            </a:endParaRPr>
+          </a:p>
+        </p:txBody>
+      </p:sp>
+      <p:sp>
+        <p:nvSpPr>
+          <p:cNvPr id="5" name="TextBox 4">
+            <a:extLst>
+              <a:ext uri="{FF2B5EF4-FFF2-40B4-BE49-F238E27FC236}">
+                <a16:creationId xmlns:a16="http://schemas.microsoft.com/office/drawing/2014/main" id="{D51E0414-BA4B-94E1-C01E-E0863EDB6501}"/>
+              </a:ext>
+            </a:extLst>
+          </p:cNvPr>
+          <p:cNvSpPr txBox="1"/>
+          <p:nvPr/>
+        </p:nvSpPr>
+        <p:spPr>
+          <a:xfrm>
+            <a:off x="94445" y="586610"/>
+            <a:ext cx="12003110" cy="892552"/>
+          </a:xfrm>
+          <a:prstGeom prst="rect">
+            <a:avLst/>
+          </a:prstGeom>
+          <a:noFill/>
+        </p:spPr>
+        <p:txBody>
+          <a:bodyPr wrap="square" rtlCol="0">
+            <a:spAutoFit/>
+          </a:bodyPr>
+          <a:lstStyle/>
+          <a:p>
+            <a:r>
+              <a:rPr lang="en-FR" dirty="0">
+                <a:latin typeface="Helvetica Neue Thin" panose="020B0403020202020204" pitchFamily="34" charset="0"/>
+                <a:ea typeface="Helvetica Neue Thin" panose="020B0403020202020204" pitchFamily="34" charset="0"/>
+              </a:rPr>
+              <a:t>Log file: </a:t>
+            </a:r>
+            <a:r>
+              <a:rPr lang="en-GB" dirty="0">
+                <a:latin typeface="Helvetica Neue Thin" panose="020B0403020202020204" pitchFamily="34" charset="0"/>
+                <a:ea typeface="Helvetica Neue Thin" panose="020B0403020202020204" pitchFamily="34" charset="0"/>
+              </a:rPr>
+              <a:t>germanish.cub1678226749.data</a:t>
+            </a:r>
+            <a:endParaRPr lang="en-FR" dirty="0">
+              <a:latin typeface="Helvetica Neue Thin" panose="020B0403020202020204" pitchFamily="34" charset="0"/>
+              <a:ea typeface="Helvetica Neue Thin" panose="020B0403020202020204" pitchFamily="34" charset="0"/>
+            </a:endParaRPr>
+          </a:p>
+          <a:p>
+            <a:endParaRPr lang="en-FR" dirty="0">
+              <a:latin typeface="Helvetica Neue Thin" panose="020B0403020202020204" pitchFamily="34" charset="0"/>
+              <a:ea typeface="Helvetica Neue Thin" panose="020B0403020202020204" pitchFamily="34" charset="0"/>
+            </a:endParaRPr>
+          </a:p>
+          <a:p>
+            <a:endParaRPr lang="en-GB" sz="1600" dirty="0">
+              <a:latin typeface="Helvetica Neue Thin" panose="020B0403020202020204" pitchFamily="34" charset="0"/>
+              <a:ea typeface="Helvetica Neue Thin" panose="020B0403020202020204" pitchFamily="34" charset="0"/>
+            </a:endParaRPr>
+          </a:p>
+        </p:txBody>
+      </p:sp>
+      <p:sp>
+        <p:nvSpPr>
+          <p:cNvPr id="6" name="Slide Number Placeholder 5">
+            <a:extLst>
+              <a:ext uri="{FF2B5EF4-FFF2-40B4-BE49-F238E27FC236}">
+                <a16:creationId xmlns:a16="http://schemas.microsoft.com/office/drawing/2014/main" id="{959BDB26-40E4-9CF6-297E-539B90F4FB2E}"/>
+              </a:ext>
+            </a:extLst>
+          </p:cNvPr>
+          <p:cNvSpPr>
+            <a:spLocks noGrp="1"/>
+          </p:cNvSpPr>
+          <p:nvPr>
+            <p:ph type="sldNum" sz="quarter" idx="12"/>
+          </p:nvPr>
+        </p:nvSpPr>
+        <p:spPr/>
+        <p:txBody>
+          <a:bodyPr/>
+          <a:lstStyle/>
+          <a:p>
+            <a:fld id="{4A936E34-E911-F947-B710-F12161D09F63}" type="slidenum">
+              <a:rPr lang="en-FR" smtClean="0"/>
+              <a:t>30</a:t>
+            </a:fld>
+            <a:endParaRPr lang="en-FR"/>
+          </a:p>
+        </p:txBody>
+      </p:sp>
+      <p:pic>
+        <p:nvPicPr>
+          <p:cNvPr id="7" name="Picture 6">
+            <a:extLst>
+              <a:ext uri="{FF2B5EF4-FFF2-40B4-BE49-F238E27FC236}">
+                <a16:creationId xmlns:a16="http://schemas.microsoft.com/office/drawing/2014/main" id="{F9EE66E7-21D5-39DE-88CE-8F6672410B75}"/>
+              </a:ext>
+            </a:extLst>
+          </p:cNvPr>
+          <p:cNvPicPr>
+            <a:picLocks noChangeAspect="1"/>
+          </p:cNvPicPr>
+          <p:nvPr/>
+        </p:nvPicPr>
+        <p:blipFill>
+          <a:blip r:embed="rId2"/>
+          <a:stretch>
+            <a:fillRect/>
+          </a:stretch>
+        </p:blipFill>
+        <p:spPr>
+          <a:xfrm>
+            <a:off x="94444" y="1032886"/>
+            <a:ext cx="11739369" cy="3196214"/>
+          </a:xfrm>
+          <a:prstGeom prst="rect">
+            <a:avLst/>
+          </a:prstGeom>
+        </p:spPr>
+      </p:pic>
+      <p:sp>
+        <p:nvSpPr>
+          <p:cNvPr id="8" name="TextBox 7">
+            <a:extLst>
+              <a:ext uri="{FF2B5EF4-FFF2-40B4-BE49-F238E27FC236}">
+                <a16:creationId xmlns:a16="http://schemas.microsoft.com/office/drawing/2014/main" id="{27A447D3-D98D-C71D-E512-B1FF0F72F452}"/>
+              </a:ext>
+            </a:extLst>
+          </p:cNvPr>
+          <p:cNvSpPr txBox="1"/>
+          <p:nvPr/>
+        </p:nvSpPr>
+        <p:spPr>
+          <a:xfrm>
+            <a:off x="94445" y="4233324"/>
+            <a:ext cx="12003110" cy="2831544"/>
+          </a:xfrm>
+          <a:prstGeom prst="rect">
+            <a:avLst/>
+          </a:prstGeom>
+          <a:noFill/>
+        </p:spPr>
+        <p:txBody>
+          <a:bodyPr wrap="square" rtlCol="0">
+            <a:spAutoFit/>
+          </a:bodyPr>
+          <a:lstStyle/>
+          <a:p>
+            <a:r>
+              <a:rPr lang="en-GB" dirty="0">
+                <a:latin typeface="Helvetica Neue Thin" panose="020B0403020202020204" pitchFamily="34" charset="0"/>
+                <a:ea typeface="Helvetica Neue Thin" panose="020B0403020202020204" pitchFamily="34" charset="0"/>
+              </a:rPr>
+              <a:t>Proc 1 : 14774 times</a:t>
+            </a:r>
+          </a:p>
+          <a:p>
+            <a:r>
+              <a:rPr lang="en-GB" dirty="0">
+                <a:latin typeface="Helvetica Neue Thin" panose="020B0403020202020204" pitchFamily="34" charset="0"/>
+                <a:ea typeface="Helvetica Neue Thin" panose="020B0403020202020204" pitchFamily="34" charset="0"/>
+              </a:rPr>
+              <a:t>Proc 2 : 14501 times</a:t>
+            </a:r>
+          </a:p>
+          <a:p>
+            <a:r>
+              <a:rPr lang="en-GB" dirty="0">
+                <a:latin typeface="Helvetica Neue Thin" panose="020B0403020202020204" pitchFamily="34" charset="0"/>
+                <a:ea typeface="Helvetica Neue Thin" panose="020B0403020202020204" pitchFamily="34" charset="0"/>
+              </a:rPr>
+              <a:t>Proc 3 : 14367 times</a:t>
+            </a:r>
+          </a:p>
+          <a:p>
+            <a:r>
+              <a:rPr lang="en-GB" dirty="0">
+                <a:latin typeface="Helvetica Neue Thin" panose="020B0403020202020204" pitchFamily="34" charset="0"/>
+                <a:ea typeface="Helvetica Neue Thin" panose="020B0403020202020204" pitchFamily="34" charset="0"/>
+              </a:rPr>
+              <a:t>Transition inv_2 : 4248 times</a:t>
+            </a:r>
+          </a:p>
+          <a:p>
+            <a:r>
+              <a:rPr lang="en-GB" dirty="0">
+                <a:latin typeface="Helvetica Neue Thin" panose="020B0403020202020204" pitchFamily="34" charset="0"/>
+                <a:ea typeface="Helvetica Neue Thin" panose="020B0403020202020204" pitchFamily="34" charset="0"/>
+              </a:rPr>
+              <a:t>Transition inv_1 : 10298 times</a:t>
+            </a:r>
+          </a:p>
+          <a:p>
+            <a:r>
+              <a:rPr lang="en-GB" dirty="0">
+                <a:latin typeface="Helvetica Neue Thin" panose="020B0403020202020204" pitchFamily="34" charset="0"/>
+                <a:ea typeface="Helvetica Neue Thin" panose="020B0403020202020204" pitchFamily="34" charset="0"/>
+              </a:rPr>
+              <a:t>Transition </a:t>
+            </a:r>
+            <a:r>
+              <a:rPr lang="en-GB" dirty="0" err="1">
+                <a:latin typeface="Helvetica Neue Thin" panose="020B0403020202020204" pitchFamily="34" charset="0"/>
+                <a:ea typeface="Helvetica Neue Thin" panose="020B0403020202020204" pitchFamily="34" charset="0"/>
+              </a:rPr>
+              <a:t>req_shared</a:t>
+            </a:r>
+            <a:r>
+              <a:rPr lang="en-GB" dirty="0">
+                <a:latin typeface="Helvetica Neue Thin" panose="020B0403020202020204" pitchFamily="34" charset="0"/>
+                <a:ea typeface="Helvetica Neue Thin" panose="020B0403020202020204" pitchFamily="34" charset="0"/>
+              </a:rPr>
+              <a:t> : 6117 times</a:t>
+            </a:r>
+          </a:p>
+          <a:p>
+            <a:r>
+              <a:rPr lang="en-GB" dirty="0">
+                <a:latin typeface="Helvetica Neue Thin" panose="020B0403020202020204" pitchFamily="34" charset="0"/>
+                <a:ea typeface="Helvetica Neue Thin" panose="020B0403020202020204" pitchFamily="34" charset="0"/>
+              </a:rPr>
+              <a:t>Transition </a:t>
+            </a:r>
+            <a:r>
+              <a:rPr lang="en-GB" dirty="0" err="1">
+                <a:latin typeface="Helvetica Neue Thin" panose="020B0403020202020204" pitchFamily="34" charset="0"/>
+                <a:ea typeface="Helvetica Neue Thin" panose="020B0403020202020204" pitchFamily="34" charset="0"/>
+              </a:rPr>
+              <a:t>req_exclusive</a:t>
+            </a:r>
+            <a:r>
+              <a:rPr lang="en-GB" dirty="0">
+                <a:latin typeface="Helvetica Neue Thin" panose="020B0403020202020204" pitchFamily="34" charset="0"/>
+                <a:ea typeface="Helvetica Neue Thin" panose="020B0403020202020204" pitchFamily="34" charset="0"/>
+              </a:rPr>
+              <a:t> : 8431 times</a:t>
+            </a:r>
+          </a:p>
+          <a:p>
+            <a:r>
+              <a:rPr lang="en-GB" dirty="0">
+                <a:latin typeface="Helvetica Neue Thin" panose="020B0403020202020204" pitchFamily="34" charset="0"/>
+                <a:ea typeface="Helvetica Neue Thin" panose="020B0403020202020204" pitchFamily="34" charset="0"/>
+              </a:rPr>
+              <a:t>Transition </a:t>
+            </a:r>
+            <a:r>
+              <a:rPr lang="en-GB" dirty="0" err="1">
+                <a:latin typeface="Helvetica Neue Thin" panose="020B0403020202020204" pitchFamily="34" charset="0"/>
+                <a:ea typeface="Helvetica Neue Thin" panose="020B0403020202020204" pitchFamily="34" charset="0"/>
+              </a:rPr>
+              <a:t>gnt_exclusive</a:t>
+            </a:r>
+            <a:r>
+              <a:rPr lang="en-GB" dirty="0">
+                <a:latin typeface="Helvetica Neue Thin" panose="020B0403020202020204" pitchFamily="34" charset="0"/>
+                <a:ea typeface="Helvetica Neue Thin" panose="020B0403020202020204" pitchFamily="34" charset="0"/>
+              </a:rPr>
+              <a:t> : 8431 times</a:t>
+            </a:r>
+          </a:p>
+          <a:p>
+            <a:r>
+              <a:rPr lang="en-GB" dirty="0">
+                <a:latin typeface="Helvetica Neue Thin" panose="020B0403020202020204" pitchFamily="34" charset="0"/>
+                <a:ea typeface="Helvetica Neue Thin" panose="020B0403020202020204" pitchFamily="34" charset="0"/>
+              </a:rPr>
+              <a:t>Transition </a:t>
+            </a:r>
+            <a:r>
+              <a:rPr lang="en-GB" dirty="0" err="1">
+                <a:latin typeface="Helvetica Neue Thin" panose="020B0403020202020204" pitchFamily="34" charset="0"/>
+                <a:ea typeface="Helvetica Neue Thin" panose="020B0403020202020204" pitchFamily="34" charset="0"/>
+              </a:rPr>
+              <a:t>gnt_shared</a:t>
+            </a:r>
+            <a:r>
+              <a:rPr lang="en-GB" dirty="0">
+                <a:latin typeface="Helvetica Neue Thin" panose="020B0403020202020204" pitchFamily="34" charset="0"/>
+                <a:ea typeface="Helvetica Neue Thin" panose="020B0403020202020204" pitchFamily="34" charset="0"/>
+              </a:rPr>
+              <a:t> : 6117 times</a:t>
+            </a:r>
+            <a:endParaRPr lang="en-FR" dirty="0">
+              <a:latin typeface="Helvetica Neue Thin" panose="020B0403020202020204" pitchFamily="34" charset="0"/>
+              <a:ea typeface="Helvetica Neue Thin" panose="020B0403020202020204" pitchFamily="34" charset="0"/>
+            </a:endParaRPr>
+          </a:p>
+          <a:p>
+            <a:endParaRPr lang="en-GB" sz="1600" dirty="0">
+              <a:latin typeface="Helvetica Neue Thin" panose="020B0403020202020204" pitchFamily="34" charset="0"/>
+              <a:ea typeface="Helvetica Neue Thin" panose="020B0403020202020204" pitchFamily="34" charset="0"/>
+            </a:endParaRPr>
+          </a:p>
+        </p:txBody>
+      </p:sp>
+      <p:sp>
+        <p:nvSpPr>
+          <p:cNvPr id="9" name="TextBox 8">
+            <a:extLst>
+              <a:ext uri="{FF2B5EF4-FFF2-40B4-BE49-F238E27FC236}">
+                <a16:creationId xmlns:a16="http://schemas.microsoft.com/office/drawing/2014/main" id="{037C8E69-1F48-6DFA-71E7-D6205D67E09E}"/>
+              </a:ext>
+            </a:extLst>
+          </p:cNvPr>
+          <p:cNvSpPr txBox="1"/>
+          <p:nvPr/>
+        </p:nvSpPr>
+        <p:spPr>
+          <a:xfrm>
+            <a:off x="4650116" y="4229100"/>
+            <a:ext cx="12003110" cy="338554"/>
+          </a:xfrm>
+          <a:prstGeom prst="rect">
+            <a:avLst/>
+          </a:prstGeom>
+          <a:noFill/>
+        </p:spPr>
+        <p:txBody>
+          <a:bodyPr wrap="square" rtlCol="0">
+            <a:spAutoFit/>
+          </a:bodyPr>
+          <a:lstStyle/>
+          <a:p>
+            <a:r>
+              <a:rPr lang="en-GB" sz="1600" dirty="0">
+                <a:latin typeface="Helvetica Neue Thin" panose="020B0403020202020204" pitchFamily="34" charset="0"/>
+                <a:ea typeface="Helvetica Neue Thin" panose="020B0403020202020204" pitchFamily="34" charset="0"/>
+              </a:rPr>
+              <a:t>0.19319739, 0.14014888, 0.23597992, 0.09732752, 0.19319739, 0.14014888]</a:t>
+            </a:r>
+          </a:p>
+        </p:txBody>
+      </p:sp>
+    </p:spTree>
+    <p:extLst>
+      <p:ext uri="{BB962C8B-B14F-4D97-AF65-F5344CB8AC3E}">
+        <p14:creationId xmlns:p14="http://schemas.microsoft.com/office/powerpoint/2010/main" val="470401157"/>
+      </p:ext>
+    </p:extLst>
+  </p:cSld>
+  <p:clrMapOvr>
+    <a:masterClrMapping/>
+  </p:clrMapOvr>
+</p:sld>
+</file>
+
+<file path=ppt/slides/slide31.xml><?xml version="1.0" encoding="utf-8"?>
+<p:sld xmlns:a="http://schemas.openxmlformats.org/drawingml/2006/main" xmlns:r="http://schemas.openxmlformats.org/officeDocument/2006/relationships" xmlns:p="http://schemas.openxmlformats.org/presentationml/2006/main">
+  <p:cSld>
+    <p:spTree>
+      <p:nvGrpSpPr>
+        <p:cNvPr id="1" name=""/>
+        <p:cNvGrpSpPr/>
+        <p:nvPr/>
+      </p:nvGrpSpPr>
+      <p:grpSpPr>
+        <a:xfrm>
+          <a:off x="0" y="0"/>
+          <a:ext cx="0" cy="0"/>
+          <a:chOff x="0" y="0"/>
+          <a:chExt cx="0" cy="0"/>
+        </a:xfrm>
+      </p:grpSpPr>
+      <p:sp>
+        <p:nvSpPr>
+          <p:cNvPr id="4" name="TextBox 3">
+            <a:extLst>
+              <a:ext uri="{FF2B5EF4-FFF2-40B4-BE49-F238E27FC236}">
+                <a16:creationId xmlns:a16="http://schemas.microsoft.com/office/drawing/2014/main" id="{10DEA0E4-DA7F-E905-D91F-6C01DD4C8C81}"/>
+              </a:ext>
+            </a:extLst>
+          </p:cNvPr>
+          <p:cNvSpPr txBox="1"/>
+          <p:nvPr/>
+        </p:nvSpPr>
+        <p:spPr>
+          <a:xfrm>
+            <a:off x="94445" y="123726"/>
+            <a:ext cx="7456093" cy="461665"/>
+          </a:xfrm>
+          <a:prstGeom prst="rect">
+            <a:avLst/>
+          </a:prstGeom>
+          <a:noFill/>
+        </p:spPr>
+        <p:txBody>
+          <a:bodyPr wrap="square" rtlCol="0">
+            <a:spAutoFit/>
+          </a:bodyPr>
+          <a:lstStyle/>
+          <a:p>
             <a:r>
               <a:rPr lang="en-US" sz="2400" dirty="0" err="1">
                 <a:latin typeface="Helvetica Neue Thin" panose="020B0403020202020204" pitchFamily="34" charset="0"/>
@@ -17854,7 +18054,1039 @@
           <a:p>
             <a:fld id="{4A936E34-E911-F947-B710-F12161D09F63}" type="slidenum">
               <a:rPr lang="en-FR" smtClean="0"/>
-              <a:t>30</a:t>
+              <a:t>31</a:t>
+            </a:fld>
+            <a:endParaRPr lang="en-FR"/>
+          </a:p>
+        </p:txBody>
+      </p:sp>
+      <p:pic>
+        <p:nvPicPr>
+          <p:cNvPr id="2" name="Picture 1">
+            <a:extLst>
+              <a:ext uri="{FF2B5EF4-FFF2-40B4-BE49-F238E27FC236}">
+                <a16:creationId xmlns:a16="http://schemas.microsoft.com/office/drawing/2014/main" id="{79C17C9C-DD52-1622-9D50-E77CB560D9C0}"/>
+              </a:ext>
+            </a:extLst>
+          </p:cNvPr>
+          <p:cNvPicPr>
+            <a:picLocks noChangeAspect="1"/>
+          </p:cNvPicPr>
+          <p:nvPr/>
+        </p:nvPicPr>
+        <p:blipFill>
+          <a:blip r:embed="rId2"/>
+          <a:stretch>
+            <a:fillRect/>
+          </a:stretch>
+        </p:blipFill>
+        <p:spPr>
+          <a:xfrm>
+            <a:off x="94444" y="1173587"/>
+            <a:ext cx="12048843" cy="2565656"/>
+          </a:xfrm>
+          <a:prstGeom prst="rect">
+            <a:avLst/>
+          </a:prstGeom>
+        </p:spPr>
+      </p:pic>
+      <p:sp>
+        <p:nvSpPr>
+          <p:cNvPr id="3" name="TextBox 2">
+            <a:extLst>
+              <a:ext uri="{FF2B5EF4-FFF2-40B4-BE49-F238E27FC236}">
+                <a16:creationId xmlns:a16="http://schemas.microsoft.com/office/drawing/2014/main" id="{584C6ED6-D2FF-7195-BF7C-7E9060A51E58}"/>
+              </a:ext>
+            </a:extLst>
+          </p:cNvPr>
+          <p:cNvSpPr txBox="1"/>
+          <p:nvPr/>
+        </p:nvSpPr>
+        <p:spPr>
+          <a:xfrm>
+            <a:off x="48711" y="3956888"/>
+            <a:ext cx="12003110" cy="1200329"/>
+          </a:xfrm>
+          <a:prstGeom prst="rect">
+            <a:avLst/>
+          </a:prstGeom>
+          <a:noFill/>
+        </p:spPr>
+        <p:txBody>
+          <a:bodyPr wrap="square" rtlCol="0">
+            <a:spAutoFit/>
+          </a:bodyPr>
+          <a:lstStyle/>
+          <a:p>
+            <a:r>
+              <a:rPr lang="en-FR" dirty="0">
+                <a:latin typeface="Helvetica Neue Thin" panose="020B0403020202020204" pitchFamily="34" charset="0"/>
+                <a:ea typeface="Helvetica Neue Thin" panose="020B0403020202020204" pitchFamily="34" charset="0"/>
+              </a:rPr>
+              <a:t>0.0653145 , 0.06464634, 0.0649695 , 0.04611472, 0.04581588,</a:t>
+            </a:r>
+          </a:p>
+          <a:p>
+            <a:r>
+              <a:rPr lang="en-FR" dirty="0">
+                <a:latin typeface="Helvetica Neue Thin" panose="020B0403020202020204" pitchFamily="34" charset="0"/>
+                <a:ea typeface="Helvetica Neue Thin" panose="020B0403020202020204" pitchFamily="34" charset="0"/>
+              </a:rPr>
+              <a:t>       0.04648112, 0.07927201, 0.07812757, 0.07973191, 0.03215312,</a:t>
+            </a:r>
+          </a:p>
+          <a:p>
+            <a:r>
+              <a:rPr lang="en-FR" dirty="0">
+                <a:latin typeface="Helvetica Neue Thin" panose="020B0403020202020204" pitchFamily="34" charset="0"/>
+                <a:ea typeface="Helvetica Neue Thin" panose="020B0403020202020204" pitchFamily="34" charset="0"/>
+              </a:rPr>
+              <a:t>       0.032337  , 0.03169428, 0.0653217 , 0.06463193, 0.06497671,</a:t>
+            </a:r>
+          </a:p>
+          <a:p>
+            <a:r>
+              <a:rPr lang="en-FR" dirty="0">
+                <a:latin typeface="Helvetica Neue Thin" panose="020B0403020202020204" pitchFamily="34" charset="0"/>
+                <a:ea typeface="Helvetica Neue Thin" panose="020B0403020202020204" pitchFamily="34" charset="0"/>
+              </a:rPr>
+              <a:t>       0.04611525, 0.04581657, 0.0464799 ]</a:t>
+            </a:r>
+            <a:endParaRPr lang="en-GB" sz="1600" dirty="0">
+              <a:latin typeface="Helvetica Neue Thin" panose="020B0403020202020204" pitchFamily="34" charset="0"/>
+              <a:ea typeface="Helvetica Neue Thin" panose="020B0403020202020204" pitchFamily="34" charset="0"/>
+            </a:endParaRPr>
+          </a:p>
+        </p:txBody>
+      </p:sp>
+    </p:spTree>
+    <p:extLst>
+      <p:ext uri="{BB962C8B-B14F-4D97-AF65-F5344CB8AC3E}">
+        <p14:creationId xmlns:p14="http://schemas.microsoft.com/office/powerpoint/2010/main" val="590287067"/>
+      </p:ext>
+    </p:extLst>
+  </p:cSld>
+  <p:clrMapOvr>
+    <a:masterClrMapping/>
+  </p:clrMapOvr>
+</p:sld>
+</file>
+
+<file path=ppt/slides/slide32.xml><?xml version="1.0" encoding="utf-8"?>
+<p:sld xmlns:a="http://schemas.openxmlformats.org/drawingml/2006/main" xmlns:r="http://schemas.openxmlformats.org/officeDocument/2006/relationships" xmlns:p="http://schemas.openxmlformats.org/presentationml/2006/main">
+  <p:cSld>
+    <p:spTree>
+      <p:nvGrpSpPr>
+        <p:cNvPr id="1" name=""/>
+        <p:cNvGrpSpPr/>
+        <p:nvPr/>
+      </p:nvGrpSpPr>
+      <p:grpSpPr>
+        <a:xfrm>
+          <a:off x="0" y="0"/>
+          <a:ext cx="0" cy="0"/>
+          <a:chOff x="0" y="0"/>
+          <a:chExt cx="0" cy="0"/>
+        </a:xfrm>
+      </p:grpSpPr>
+      <p:sp>
+        <p:nvSpPr>
+          <p:cNvPr id="4" name="TextBox 3">
+            <a:extLst>
+              <a:ext uri="{FF2B5EF4-FFF2-40B4-BE49-F238E27FC236}">
+                <a16:creationId xmlns:a16="http://schemas.microsoft.com/office/drawing/2014/main" id="{10DEA0E4-DA7F-E905-D91F-6C01DD4C8C81}"/>
+              </a:ext>
+            </a:extLst>
+          </p:cNvPr>
+          <p:cNvSpPr txBox="1"/>
+          <p:nvPr/>
+        </p:nvSpPr>
+        <p:spPr>
+          <a:xfrm>
+            <a:off x="94445" y="123726"/>
+            <a:ext cx="7456093" cy="400110"/>
+          </a:xfrm>
+          <a:prstGeom prst="rect">
+            <a:avLst/>
+          </a:prstGeom>
+          <a:noFill/>
+        </p:spPr>
+        <p:txBody>
+          <a:bodyPr wrap="square" rtlCol="0">
+            <a:spAutoFit/>
+          </a:bodyPr>
+          <a:lstStyle/>
+          <a:p>
+            <a:r>
+              <a:rPr lang="en-FR" sz="2000" dirty="0">
+                <a:latin typeface="Helvetica Neue Thin" panose="020B0403020202020204" pitchFamily="34" charset="0"/>
+                <a:ea typeface="Helvetica Neue Thin" panose="020B0403020202020204" pitchFamily="34" charset="0"/>
+              </a:rPr>
+              <a:t>Non-ergodic [random example of a non-ergodic system]</a:t>
+            </a:r>
+          </a:p>
+        </p:txBody>
+      </p:sp>
+      <p:sp>
+        <p:nvSpPr>
+          <p:cNvPr id="5" name="TextBox 4">
+            <a:extLst>
+              <a:ext uri="{FF2B5EF4-FFF2-40B4-BE49-F238E27FC236}">
+                <a16:creationId xmlns:a16="http://schemas.microsoft.com/office/drawing/2014/main" id="{D51E0414-BA4B-94E1-C01E-E0863EDB6501}"/>
+              </a:ext>
+            </a:extLst>
+          </p:cNvPr>
+          <p:cNvSpPr txBox="1"/>
+          <p:nvPr/>
+        </p:nvSpPr>
+        <p:spPr>
+          <a:xfrm>
+            <a:off x="94445" y="586610"/>
+            <a:ext cx="12003110" cy="369332"/>
+          </a:xfrm>
+          <a:prstGeom prst="rect">
+            <a:avLst/>
+          </a:prstGeom>
+          <a:noFill/>
+        </p:spPr>
+        <p:txBody>
+          <a:bodyPr wrap="square" rtlCol="0">
+            <a:spAutoFit/>
+          </a:bodyPr>
+          <a:lstStyle/>
+          <a:p>
+            <a:r>
+              <a:rPr lang="en-FR" dirty="0">
+                <a:latin typeface="Helvetica Neue Thin" panose="020B0403020202020204" pitchFamily="34" charset="0"/>
+                <a:ea typeface="Helvetica Neue Thin" panose="020B0403020202020204" pitchFamily="34" charset="0"/>
+              </a:rPr>
+              <a:t>Log file: </a:t>
+            </a:r>
+            <a:r>
+              <a:rPr lang="en-GB" dirty="0">
+                <a:latin typeface="Helvetica Neue Thin" panose="020B0403020202020204" pitchFamily="34" charset="0"/>
+                <a:ea typeface="Helvetica Neue Thin" panose="020B0403020202020204" pitchFamily="34" charset="0"/>
+              </a:rPr>
+              <a:t>non_ergodic2.cub1678280563.data</a:t>
+            </a:r>
+            <a:endParaRPr lang="en-GB" sz="1600" dirty="0">
+              <a:latin typeface="Helvetica Neue Thin" panose="020B0403020202020204" pitchFamily="34" charset="0"/>
+              <a:ea typeface="Helvetica Neue Thin" panose="020B0403020202020204" pitchFamily="34" charset="0"/>
+            </a:endParaRPr>
+          </a:p>
+        </p:txBody>
+      </p:sp>
+      <p:sp>
+        <p:nvSpPr>
+          <p:cNvPr id="6" name="Slide Number Placeholder 5">
+            <a:extLst>
+              <a:ext uri="{FF2B5EF4-FFF2-40B4-BE49-F238E27FC236}">
+                <a16:creationId xmlns:a16="http://schemas.microsoft.com/office/drawing/2014/main" id="{959BDB26-40E4-9CF6-297E-539B90F4FB2E}"/>
+              </a:ext>
+            </a:extLst>
+          </p:cNvPr>
+          <p:cNvSpPr>
+            <a:spLocks noGrp="1"/>
+          </p:cNvSpPr>
+          <p:nvPr>
+            <p:ph type="sldNum" sz="quarter" idx="12"/>
+          </p:nvPr>
+        </p:nvSpPr>
+        <p:spPr/>
+        <p:txBody>
+          <a:bodyPr/>
+          <a:lstStyle/>
+          <a:p>
+            <a:fld id="{4A936E34-E911-F947-B710-F12161D09F63}" type="slidenum">
+              <a:rPr lang="en-FR" smtClean="0"/>
+              <a:t>32</a:t>
+            </a:fld>
+            <a:endParaRPr lang="en-FR"/>
+          </a:p>
+        </p:txBody>
+      </p:sp>
+      <p:pic>
+        <p:nvPicPr>
+          <p:cNvPr id="7" name="Picture 6">
+            <a:extLst>
+              <a:ext uri="{FF2B5EF4-FFF2-40B4-BE49-F238E27FC236}">
+                <a16:creationId xmlns:a16="http://schemas.microsoft.com/office/drawing/2014/main" id="{B4012DE6-EED0-78A6-DB82-A3BA3D6A533D}"/>
+              </a:ext>
+            </a:extLst>
+          </p:cNvPr>
+          <p:cNvPicPr>
+            <a:picLocks noChangeAspect="1"/>
+          </p:cNvPicPr>
+          <p:nvPr/>
+        </p:nvPicPr>
+        <p:blipFill>
+          <a:blip r:embed="rId2"/>
+          <a:stretch>
+            <a:fillRect/>
+          </a:stretch>
+        </p:blipFill>
+        <p:spPr>
+          <a:xfrm>
+            <a:off x="241091" y="1094673"/>
+            <a:ext cx="8733576" cy="3282834"/>
+          </a:xfrm>
+          <a:prstGeom prst="rect">
+            <a:avLst/>
+          </a:prstGeom>
+        </p:spPr>
+      </p:pic>
+      <p:sp>
+        <p:nvSpPr>
+          <p:cNvPr id="8" name="TextBox 7">
+            <a:extLst>
+              <a:ext uri="{FF2B5EF4-FFF2-40B4-BE49-F238E27FC236}">
+                <a16:creationId xmlns:a16="http://schemas.microsoft.com/office/drawing/2014/main" id="{6B852C8C-F92D-66DA-4353-E17D339A95C8}"/>
+              </a:ext>
+            </a:extLst>
+          </p:cNvPr>
+          <p:cNvSpPr txBox="1"/>
+          <p:nvPr/>
+        </p:nvSpPr>
+        <p:spPr>
+          <a:xfrm>
+            <a:off x="241091" y="5276329"/>
+            <a:ext cx="10968776" cy="923330"/>
+          </a:xfrm>
+          <a:prstGeom prst="rect">
+            <a:avLst/>
+          </a:prstGeom>
+          <a:noFill/>
+        </p:spPr>
+        <p:txBody>
+          <a:bodyPr wrap="square" rtlCol="0">
+            <a:spAutoFit/>
+          </a:bodyPr>
+          <a:lstStyle/>
+          <a:p>
+            <a:r>
+              <a:rPr lang="en-GB" dirty="0">
+                <a:latin typeface="Helvetica Neue Thin" panose="020B0403020202020204" pitchFamily="34" charset="0"/>
+                <a:ea typeface="Helvetica Neue Thin" panose="020B0403020202020204" pitchFamily="34" charset="0"/>
+              </a:rPr>
+              <a:t>Irreducible: any state can be reached from any other</a:t>
+            </a:r>
+          </a:p>
+          <a:p>
+            <a:r>
+              <a:rPr lang="en-GB" dirty="0">
+                <a:latin typeface="Helvetica Neue Thin" panose="020B0403020202020204" pitchFamily="34" charset="0"/>
+                <a:ea typeface="Helvetica Neue Thin" panose="020B0403020202020204" pitchFamily="34" charset="0"/>
+              </a:rPr>
+              <a:t>In this model, processes have a choice in the beginning which splits the state space in two. Once you’ve decided you can never again change spaces. </a:t>
+            </a:r>
+          </a:p>
+        </p:txBody>
+      </p:sp>
+      <p:pic>
+        <p:nvPicPr>
+          <p:cNvPr id="9" name="Picture 8">
+            <a:extLst>
+              <a:ext uri="{FF2B5EF4-FFF2-40B4-BE49-F238E27FC236}">
+                <a16:creationId xmlns:a16="http://schemas.microsoft.com/office/drawing/2014/main" id="{6F5A6CB7-7491-F321-B1D4-A3115B4DAF4B}"/>
+              </a:ext>
+            </a:extLst>
+          </p:cNvPr>
+          <p:cNvPicPr>
+            <a:picLocks noChangeAspect="1"/>
+          </p:cNvPicPr>
+          <p:nvPr/>
+        </p:nvPicPr>
+        <p:blipFill>
+          <a:blip r:embed="rId3"/>
+          <a:stretch>
+            <a:fillRect/>
+          </a:stretch>
+        </p:blipFill>
+        <p:spPr>
+          <a:xfrm>
+            <a:off x="241091" y="4516239"/>
+            <a:ext cx="2146509" cy="621358"/>
+          </a:xfrm>
+          <a:prstGeom prst="rect">
+            <a:avLst/>
+          </a:prstGeom>
+        </p:spPr>
+      </p:pic>
+    </p:spTree>
+    <p:extLst>
+      <p:ext uri="{BB962C8B-B14F-4D97-AF65-F5344CB8AC3E}">
+        <p14:creationId xmlns:p14="http://schemas.microsoft.com/office/powerpoint/2010/main" val="998251179"/>
+      </p:ext>
+    </p:extLst>
+  </p:cSld>
+  <p:clrMapOvr>
+    <a:masterClrMapping/>
+  </p:clrMapOvr>
+</p:sld>
+</file>
+
+<file path=ppt/slides/slide33.xml><?xml version="1.0" encoding="utf-8"?>
+<p:sld xmlns:a="http://schemas.openxmlformats.org/drawingml/2006/main" xmlns:r="http://schemas.openxmlformats.org/officeDocument/2006/relationships" xmlns:p="http://schemas.openxmlformats.org/presentationml/2006/main">
+  <p:cSld>
+    <p:spTree>
+      <p:nvGrpSpPr>
+        <p:cNvPr id="1" name=""/>
+        <p:cNvGrpSpPr/>
+        <p:nvPr/>
+      </p:nvGrpSpPr>
+      <p:grpSpPr>
+        <a:xfrm>
+          <a:off x="0" y="0"/>
+          <a:ext cx="0" cy="0"/>
+          <a:chOff x="0" y="0"/>
+          <a:chExt cx="0" cy="0"/>
+        </a:xfrm>
+      </p:grpSpPr>
+      <p:sp>
+        <p:nvSpPr>
+          <p:cNvPr id="4" name="TextBox 3">
+            <a:extLst>
+              <a:ext uri="{FF2B5EF4-FFF2-40B4-BE49-F238E27FC236}">
+                <a16:creationId xmlns:a16="http://schemas.microsoft.com/office/drawing/2014/main" id="{10DEA0E4-DA7F-E905-D91F-6C01DD4C8C81}"/>
+              </a:ext>
+            </a:extLst>
+          </p:cNvPr>
+          <p:cNvSpPr txBox="1"/>
+          <p:nvPr/>
+        </p:nvSpPr>
+        <p:spPr>
+          <a:xfrm>
+            <a:off x="94445" y="123726"/>
+            <a:ext cx="7456093" cy="400110"/>
+          </a:xfrm>
+          <a:prstGeom prst="rect">
+            <a:avLst/>
+          </a:prstGeom>
+          <a:noFill/>
+        </p:spPr>
+        <p:txBody>
+          <a:bodyPr wrap="square" rtlCol="0">
+            <a:spAutoFit/>
+          </a:bodyPr>
+          <a:lstStyle/>
+          <a:p>
+            <a:r>
+              <a:rPr lang="en-FR" sz="2000" dirty="0">
+                <a:latin typeface="Helvetica Neue Thin" panose="020B0403020202020204" pitchFamily="34" charset="0"/>
+                <a:ea typeface="Helvetica Neue Thin" panose="020B0403020202020204" pitchFamily="34" charset="0"/>
+              </a:rPr>
+              <a:t>Mesi [correct protocol from Cubicle examples]</a:t>
+            </a:r>
+          </a:p>
+        </p:txBody>
+      </p:sp>
+      <p:sp>
+        <p:nvSpPr>
+          <p:cNvPr id="5" name="TextBox 4">
+            <a:extLst>
+              <a:ext uri="{FF2B5EF4-FFF2-40B4-BE49-F238E27FC236}">
+                <a16:creationId xmlns:a16="http://schemas.microsoft.com/office/drawing/2014/main" id="{D51E0414-BA4B-94E1-C01E-E0863EDB6501}"/>
+              </a:ext>
+            </a:extLst>
+          </p:cNvPr>
+          <p:cNvSpPr txBox="1"/>
+          <p:nvPr/>
+        </p:nvSpPr>
+        <p:spPr>
+          <a:xfrm>
+            <a:off x="94445" y="586610"/>
+            <a:ext cx="12003110" cy="369332"/>
+          </a:xfrm>
+          <a:prstGeom prst="rect">
+            <a:avLst/>
+          </a:prstGeom>
+          <a:noFill/>
+        </p:spPr>
+        <p:txBody>
+          <a:bodyPr wrap="square" rtlCol="0">
+            <a:spAutoFit/>
+          </a:bodyPr>
+          <a:lstStyle/>
+          <a:p>
+            <a:r>
+              <a:rPr lang="en-FR" dirty="0">
+                <a:latin typeface="Helvetica Neue Thin" panose="020B0403020202020204" pitchFamily="34" charset="0"/>
+                <a:ea typeface="Helvetica Neue Thin" panose="020B0403020202020204" pitchFamily="34" charset="0"/>
+              </a:rPr>
+              <a:t>Log file: </a:t>
+            </a:r>
+            <a:r>
+              <a:rPr lang="en-GB" dirty="0">
+                <a:latin typeface="Helvetica Neue Thin" panose="020B0403020202020204" pitchFamily="34" charset="0"/>
+                <a:ea typeface="Helvetica Neue Thin" panose="020B0403020202020204" pitchFamily="34" charset="0"/>
+              </a:rPr>
+              <a:t>mesi.cub1678286734.data</a:t>
+            </a:r>
+            <a:endParaRPr lang="en-GB" sz="1600" dirty="0">
+              <a:latin typeface="Helvetica Neue Thin" panose="020B0403020202020204" pitchFamily="34" charset="0"/>
+              <a:ea typeface="Helvetica Neue Thin" panose="020B0403020202020204" pitchFamily="34" charset="0"/>
+            </a:endParaRPr>
+          </a:p>
+        </p:txBody>
+      </p:sp>
+      <p:sp>
+        <p:nvSpPr>
+          <p:cNvPr id="6" name="Slide Number Placeholder 5">
+            <a:extLst>
+              <a:ext uri="{FF2B5EF4-FFF2-40B4-BE49-F238E27FC236}">
+                <a16:creationId xmlns:a16="http://schemas.microsoft.com/office/drawing/2014/main" id="{959BDB26-40E4-9CF6-297E-539B90F4FB2E}"/>
+              </a:ext>
+            </a:extLst>
+          </p:cNvPr>
+          <p:cNvSpPr>
+            <a:spLocks noGrp="1"/>
+          </p:cNvSpPr>
+          <p:nvPr>
+            <p:ph type="sldNum" sz="quarter" idx="12"/>
+          </p:nvPr>
+        </p:nvSpPr>
+        <p:spPr/>
+        <p:txBody>
+          <a:bodyPr/>
+          <a:lstStyle/>
+          <a:p>
+            <a:fld id="{4A936E34-E911-F947-B710-F12161D09F63}" type="slidenum">
+              <a:rPr lang="en-FR" smtClean="0"/>
+              <a:t>33</a:t>
+            </a:fld>
+            <a:endParaRPr lang="en-FR"/>
+          </a:p>
+        </p:txBody>
+      </p:sp>
+      <p:pic>
+        <p:nvPicPr>
+          <p:cNvPr id="2" name="Picture 1">
+            <a:extLst>
+              <a:ext uri="{FF2B5EF4-FFF2-40B4-BE49-F238E27FC236}">
+                <a16:creationId xmlns:a16="http://schemas.microsoft.com/office/drawing/2014/main" id="{96944DED-B86F-83FB-A841-001EE3B00450}"/>
+              </a:ext>
+            </a:extLst>
+          </p:cNvPr>
+          <p:cNvPicPr>
+            <a:picLocks noChangeAspect="1"/>
+          </p:cNvPicPr>
+          <p:nvPr/>
+        </p:nvPicPr>
+        <p:blipFill>
+          <a:blip r:embed="rId2"/>
+          <a:stretch>
+            <a:fillRect/>
+          </a:stretch>
+        </p:blipFill>
+        <p:spPr>
+          <a:xfrm>
+            <a:off x="228600" y="955941"/>
+            <a:ext cx="6189133" cy="5077232"/>
+          </a:xfrm>
+          <a:prstGeom prst="rect">
+            <a:avLst/>
+          </a:prstGeom>
+        </p:spPr>
+      </p:pic>
+      <p:sp>
+        <p:nvSpPr>
+          <p:cNvPr id="3" name="TextBox 2">
+            <a:extLst>
+              <a:ext uri="{FF2B5EF4-FFF2-40B4-BE49-F238E27FC236}">
+                <a16:creationId xmlns:a16="http://schemas.microsoft.com/office/drawing/2014/main" id="{4533C8BF-8EA8-8A8D-68D6-BACA7E06835B}"/>
+              </a:ext>
+            </a:extLst>
+          </p:cNvPr>
+          <p:cNvSpPr txBox="1"/>
+          <p:nvPr/>
+        </p:nvSpPr>
+        <p:spPr>
+          <a:xfrm>
+            <a:off x="188890" y="6214323"/>
+            <a:ext cx="12003110" cy="369332"/>
+          </a:xfrm>
+          <a:prstGeom prst="rect">
+            <a:avLst/>
+          </a:prstGeom>
+          <a:noFill/>
+        </p:spPr>
+        <p:txBody>
+          <a:bodyPr wrap="square" rtlCol="0">
+            <a:spAutoFit/>
+          </a:bodyPr>
+          <a:lstStyle/>
+          <a:p>
+            <a:r>
+              <a:rPr lang="en-FR" dirty="0">
+                <a:latin typeface="Helvetica Neue Thin" panose="020B0403020202020204" pitchFamily="34" charset="0"/>
+                <a:ea typeface="Helvetica Neue Thin" panose="020B0403020202020204" pitchFamily="34" charset="0"/>
+              </a:rPr>
+              <a:t>Log file:</a:t>
+            </a:r>
+            <a:r>
+              <a:rPr lang="en-GB" dirty="0">
+                <a:latin typeface="Helvetica Neue Thin" panose="020B0403020202020204" pitchFamily="34" charset="0"/>
+                <a:ea typeface="Helvetica Neue Thin" panose="020B0403020202020204" pitchFamily="34" charset="0"/>
+              </a:rPr>
+              <a:t>mesi.cub1678286836.data for detailed matrix, but matrix too big to paste</a:t>
+            </a:r>
+            <a:endParaRPr lang="en-GB" sz="1600" dirty="0">
+              <a:latin typeface="Helvetica Neue Thin" panose="020B0403020202020204" pitchFamily="34" charset="0"/>
+              <a:ea typeface="Helvetica Neue Thin" panose="020B0403020202020204" pitchFamily="34" charset="0"/>
+            </a:endParaRPr>
+          </a:p>
+        </p:txBody>
+      </p:sp>
+    </p:spTree>
+    <p:extLst>
+      <p:ext uri="{BB962C8B-B14F-4D97-AF65-F5344CB8AC3E}">
+        <p14:creationId xmlns:p14="http://schemas.microsoft.com/office/powerpoint/2010/main" val="196940392"/>
+      </p:ext>
+    </p:extLst>
+  </p:cSld>
+  <p:clrMapOvr>
+    <a:masterClrMapping/>
+  </p:clrMapOvr>
+</p:sld>
+</file>
+
+<file path=ppt/slides/slide34.xml><?xml version="1.0" encoding="utf-8"?>
+<p:sld xmlns:a="http://schemas.openxmlformats.org/drawingml/2006/main" xmlns:r="http://schemas.openxmlformats.org/officeDocument/2006/relationships" xmlns:p="http://schemas.openxmlformats.org/presentationml/2006/main">
+  <p:cSld>
+    <p:spTree>
+      <p:nvGrpSpPr>
+        <p:cNvPr id="1" name=""/>
+        <p:cNvGrpSpPr/>
+        <p:nvPr/>
+      </p:nvGrpSpPr>
+      <p:grpSpPr>
+        <a:xfrm>
+          <a:off x="0" y="0"/>
+          <a:ext cx="0" cy="0"/>
+          <a:chOff x="0" y="0"/>
+          <a:chExt cx="0" cy="0"/>
+        </a:xfrm>
+      </p:grpSpPr>
+      <p:sp>
+        <p:nvSpPr>
+          <p:cNvPr id="4" name="TextBox 3">
+            <a:extLst>
+              <a:ext uri="{FF2B5EF4-FFF2-40B4-BE49-F238E27FC236}">
+                <a16:creationId xmlns:a16="http://schemas.microsoft.com/office/drawing/2014/main" id="{10DEA0E4-DA7F-E905-D91F-6C01DD4C8C81}"/>
+              </a:ext>
+            </a:extLst>
+          </p:cNvPr>
+          <p:cNvSpPr txBox="1"/>
+          <p:nvPr/>
+        </p:nvSpPr>
+        <p:spPr>
+          <a:xfrm>
+            <a:off x="94445" y="123726"/>
+            <a:ext cx="12003110" cy="461665"/>
+          </a:xfrm>
+          <a:prstGeom prst="rect">
+            <a:avLst/>
+          </a:prstGeom>
+          <a:noFill/>
+        </p:spPr>
+        <p:txBody>
+          <a:bodyPr wrap="square" rtlCol="0">
+            <a:spAutoFit/>
+          </a:bodyPr>
+          <a:lstStyle/>
+          <a:p>
+            <a:r>
+              <a:rPr lang="en-US" sz="2400" dirty="0">
+                <a:effectLst/>
+                <a:latin typeface="Abadi Extra Light" panose="020B0204020104020204" pitchFamily="34" charset="0"/>
+                <a:ea typeface="Calibri" panose="020F0502020204030204" pitchFamily="34" charset="0"/>
+                <a:cs typeface="Times New Roman" panose="02020603050405020304" pitchFamily="18" charset="0"/>
+              </a:rPr>
+              <a:t>Consensus_V9.cub [the </a:t>
+            </a:r>
+            <a:r>
+              <a:rPr lang="en-US" sz="2400" dirty="0" err="1">
+                <a:effectLst/>
+                <a:latin typeface="Abadi Extra Light" panose="020B0204020104020204" pitchFamily="34" charset="0"/>
+                <a:ea typeface="Calibri" panose="020F0502020204030204" pitchFamily="34" charset="0"/>
+                <a:cs typeface="Times New Roman" panose="02020603050405020304" pitchFamily="18" charset="0"/>
+              </a:rPr>
+              <a:t>livelock</a:t>
+            </a:r>
+            <a:r>
+              <a:rPr lang="en-US" sz="2400" dirty="0">
+                <a:effectLst/>
+                <a:latin typeface="Abadi Extra Light" panose="020B0204020104020204" pitchFamily="34" charset="0"/>
+                <a:ea typeface="Calibri" panose="020F0502020204030204" pitchFamily="34" charset="0"/>
+                <a:cs typeface="Times New Roman" panose="02020603050405020304" pitchFamily="18" charset="0"/>
+              </a:rPr>
+              <a:t> consensus algorithm from when we were looking for deadlocks]</a:t>
+            </a:r>
+            <a:endParaRPr lang="en-FR" sz="2400" dirty="0">
+              <a:effectLst/>
+              <a:latin typeface="Calibri" panose="020F0502020204030204" pitchFamily="34" charset="0"/>
+              <a:ea typeface="Calibri" panose="020F0502020204030204" pitchFamily="34" charset="0"/>
+              <a:cs typeface="Times New Roman" panose="02020603050405020304" pitchFamily="18" charset="0"/>
+            </a:endParaRPr>
+          </a:p>
+        </p:txBody>
+      </p:sp>
+      <p:sp>
+        <p:nvSpPr>
+          <p:cNvPr id="5" name="TextBox 4">
+            <a:extLst>
+              <a:ext uri="{FF2B5EF4-FFF2-40B4-BE49-F238E27FC236}">
+                <a16:creationId xmlns:a16="http://schemas.microsoft.com/office/drawing/2014/main" id="{D51E0414-BA4B-94E1-C01E-E0863EDB6501}"/>
+              </a:ext>
+            </a:extLst>
+          </p:cNvPr>
+          <p:cNvSpPr txBox="1"/>
+          <p:nvPr/>
+        </p:nvSpPr>
+        <p:spPr>
+          <a:xfrm>
+            <a:off x="94445" y="586610"/>
+            <a:ext cx="12003110" cy="369332"/>
+          </a:xfrm>
+          <a:prstGeom prst="rect">
+            <a:avLst/>
+          </a:prstGeom>
+          <a:noFill/>
+        </p:spPr>
+        <p:txBody>
+          <a:bodyPr wrap="square" rtlCol="0">
+            <a:spAutoFit/>
+          </a:bodyPr>
+          <a:lstStyle/>
+          <a:p>
+            <a:r>
+              <a:rPr lang="en-FR" dirty="0">
+                <a:latin typeface="Helvetica Neue Thin" panose="020B0403020202020204" pitchFamily="34" charset="0"/>
+                <a:ea typeface="Helvetica Neue Thin" panose="020B0403020202020204" pitchFamily="34" charset="0"/>
+              </a:rPr>
+              <a:t>Log file: </a:t>
+            </a:r>
+            <a:r>
+              <a:rPr lang="en-GB" dirty="0">
+                <a:latin typeface="Helvetica Neue Thin" panose="020B0403020202020204" pitchFamily="34" charset="0"/>
+                <a:ea typeface="Helvetica Neue Thin" panose="020B0403020202020204" pitchFamily="34" charset="0"/>
+              </a:rPr>
+              <a:t>consensus_V9.cub1678282461.data  consensus_V9.cub1678282688.data</a:t>
+            </a:r>
+            <a:endParaRPr lang="en-GB" sz="1600" dirty="0">
+              <a:latin typeface="Helvetica Neue Thin" panose="020B0403020202020204" pitchFamily="34" charset="0"/>
+              <a:ea typeface="Helvetica Neue Thin" panose="020B0403020202020204" pitchFamily="34" charset="0"/>
+            </a:endParaRPr>
+          </a:p>
+        </p:txBody>
+      </p:sp>
+      <p:sp>
+        <p:nvSpPr>
+          <p:cNvPr id="6" name="Slide Number Placeholder 5">
+            <a:extLst>
+              <a:ext uri="{FF2B5EF4-FFF2-40B4-BE49-F238E27FC236}">
+                <a16:creationId xmlns:a16="http://schemas.microsoft.com/office/drawing/2014/main" id="{959BDB26-40E4-9CF6-297E-539B90F4FB2E}"/>
+              </a:ext>
+            </a:extLst>
+          </p:cNvPr>
+          <p:cNvSpPr>
+            <a:spLocks noGrp="1"/>
+          </p:cNvSpPr>
+          <p:nvPr>
+            <p:ph type="sldNum" sz="quarter" idx="12"/>
+          </p:nvPr>
+        </p:nvSpPr>
+        <p:spPr/>
+        <p:txBody>
+          <a:bodyPr/>
+          <a:lstStyle/>
+          <a:p>
+            <a:fld id="{4A936E34-E911-F947-B710-F12161D09F63}" type="slidenum">
+              <a:rPr lang="en-FR" smtClean="0"/>
+              <a:t>34</a:t>
+            </a:fld>
+            <a:endParaRPr lang="en-FR"/>
+          </a:p>
+        </p:txBody>
+      </p:sp>
+      <p:sp>
+        <p:nvSpPr>
+          <p:cNvPr id="8" name="TextBox 7">
+            <a:extLst>
+              <a:ext uri="{FF2B5EF4-FFF2-40B4-BE49-F238E27FC236}">
+                <a16:creationId xmlns:a16="http://schemas.microsoft.com/office/drawing/2014/main" id="{6B852C8C-F92D-66DA-4353-E17D339A95C8}"/>
+              </a:ext>
+            </a:extLst>
+          </p:cNvPr>
+          <p:cNvSpPr txBox="1"/>
+          <p:nvPr/>
+        </p:nvSpPr>
+        <p:spPr>
+          <a:xfrm>
+            <a:off x="94445" y="1195395"/>
+            <a:ext cx="10968776" cy="1477328"/>
+          </a:xfrm>
+          <a:prstGeom prst="rect">
+            <a:avLst/>
+          </a:prstGeom>
+          <a:noFill/>
+        </p:spPr>
+        <p:txBody>
+          <a:bodyPr wrap="square" rtlCol="0">
+            <a:spAutoFit/>
+          </a:bodyPr>
+          <a:lstStyle/>
+          <a:p>
+            <a:r>
+              <a:rPr lang="en-GB" dirty="0">
+                <a:latin typeface="Helvetica Neue Thin" panose="020B0403020202020204" pitchFamily="34" charset="0"/>
+                <a:ea typeface="Helvetica Neue Thin" panose="020B0403020202020204" pitchFamily="34" charset="0"/>
+              </a:rPr>
+              <a:t>When you build an overview of the system, i.e. the grouped transitions – the matrix is fine, the Markov Chain is fine, everything looks correct. </a:t>
+            </a:r>
+          </a:p>
+          <a:p>
+            <a:endParaRPr lang="en-GB" dirty="0">
+              <a:latin typeface="Helvetica Neue Thin" panose="020B0403020202020204" pitchFamily="34" charset="0"/>
+              <a:ea typeface="Helvetica Neue Thin" panose="020B0403020202020204" pitchFamily="34" charset="0"/>
+            </a:endParaRPr>
+          </a:p>
+          <a:p>
+            <a:r>
+              <a:rPr lang="en-GB" dirty="0">
+                <a:latin typeface="Helvetica Neue Thin" panose="020B0403020202020204" pitchFamily="34" charset="0"/>
+                <a:ea typeface="Helvetica Neue Thin" panose="020B0403020202020204" pitchFamily="34" charset="0"/>
+              </a:rPr>
+              <a:t>If you build the transition matrix from the individual </a:t>
+            </a:r>
+            <a:r>
+              <a:rPr lang="en-GB" dirty="0" err="1">
+                <a:latin typeface="Helvetica Neue Thin" panose="020B0403020202020204" pitchFamily="34" charset="0"/>
+                <a:ea typeface="Helvetica Neue Thin" panose="020B0403020202020204" pitchFamily="34" charset="0"/>
+              </a:rPr>
+              <a:t>transition+process</a:t>
+            </a:r>
+            <a:r>
+              <a:rPr lang="en-GB" dirty="0">
+                <a:latin typeface="Helvetica Neue Thin" panose="020B0403020202020204" pitchFamily="34" charset="0"/>
+                <a:ea typeface="Helvetica Neue Thin" panose="020B0403020202020204" pitchFamily="34" charset="0"/>
+              </a:rPr>
+              <a:t> pairs, the matrix is not stochastic [matrix too big to copy/paste]. Somewhere something in the model goes wrong. </a:t>
+            </a:r>
+          </a:p>
+        </p:txBody>
+      </p:sp>
+    </p:spTree>
+    <p:extLst>
+      <p:ext uri="{BB962C8B-B14F-4D97-AF65-F5344CB8AC3E}">
+        <p14:creationId xmlns:p14="http://schemas.microsoft.com/office/powerpoint/2010/main" val="3294937880"/>
+      </p:ext>
+    </p:extLst>
+  </p:cSld>
+  <p:clrMapOvr>
+    <a:masterClrMapping/>
+  </p:clrMapOvr>
+</p:sld>
+</file>
+
+<file path=ppt/slides/slide35.xml><?xml version="1.0" encoding="utf-8"?>
+<p:sld xmlns:a="http://schemas.openxmlformats.org/drawingml/2006/main" xmlns:r="http://schemas.openxmlformats.org/officeDocument/2006/relationships" xmlns:p="http://schemas.openxmlformats.org/presentationml/2006/main">
+  <p:cSld>
+    <p:spTree>
+      <p:nvGrpSpPr>
+        <p:cNvPr id="1" name=""/>
+        <p:cNvGrpSpPr/>
+        <p:nvPr/>
+      </p:nvGrpSpPr>
+      <p:grpSpPr>
+        <a:xfrm>
+          <a:off x="0" y="0"/>
+          <a:ext cx="0" cy="0"/>
+          <a:chOff x="0" y="0"/>
+          <a:chExt cx="0" cy="0"/>
+        </a:xfrm>
+      </p:grpSpPr>
+      <p:sp>
+        <p:nvSpPr>
+          <p:cNvPr id="4" name="TextBox 3">
+            <a:extLst>
+              <a:ext uri="{FF2B5EF4-FFF2-40B4-BE49-F238E27FC236}">
+                <a16:creationId xmlns:a16="http://schemas.microsoft.com/office/drawing/2014/main" id="{10DEA0E4-DA7F-E905-D91F-6C01DD4C8C81}"/>
+              </a:ext>
+            </a:extLst>
+          </p:cNvPr>
+          <p:cNvSpPr txBox="1"/>
+          <p:nvPr/>
+        </p:nvSpPr>
+        <p:spPr>
+          <a:xfrm>
+            <a:off x="94445" y="123726"/>
+            <a:ext cx="7456093" cy="461665"/>
+          </a:xfrm>
+          <a:prstGeom prst="rect">
+            <a:avLst/>
+          </a:prstGeom>
+          <a:noFill/>
+        </p:spPr>
+        <p:txBody>
+          <a:bodyPr wrap="square" rtlCol="0">
+            <a:spAutoFit/>
+          </a:bodyPr>
+          <a:lstStyle/>
+          <a:p>
+            <a:r>
+              <a:rPr lang="en-US" sz="2400" dirty="0">
+                <a:latin typeface="Helvetica Neue Thin" panose="020B0403020202020204" pitchFamily="34" charset="0"/>
+                <a:ea typeface="Helvetica Neue Thin" panose="020B0403020202020204" pitchFamily="34" charset="0"/>
+              </a:rPr>
+              <a:t>Deadlocking </a:t>
+            </a:r>
+            <a:r>
+              <a:rPr lang="en-US" sz="2400" dirty="0" err="1">
+                <a:latin typeface="Helvetica Neue Thin" panose="020B0403020202020204" pitchFamily="34" charset="0"/>
+                <a:ea typeface="Helvetica Neue Thin" panose="020B0403020202020204" pitchFamily="34" charset="0"/>
+              </a:rPr>
+              <a:t>Germanish</a:t>
+            </a:r>
+            <a:r>
+              <a:rPr lang="en-US" sz="2400" dirty="0">
+                <a:latin typeface="Helvetica Neue Thin" panose="020B0403020202020204" pitchFamily="34" charset="0"/>
+                <a:ea typeface="Helvetica Neue Thin" panose="020B0403020202020204" pitchFamily="34" charset="0"/>
+              </a:rPr>
+              <a:t> [</a:t>
+            </a:r>
+            <a:r>
+              <a:rPr lang="en-US" sz="2400" dirty="0" err="1">
+                <a:latin typeface="Helvetica Neue Thin" panose="020B0403020202020204" pitchFamily="34" charset="0"/>
+                <a:ea typeface="Helvetica Neue Thin" panose="020B0403020202020204" pitchFamily="34" charset="0"/>
+              </a:rPr>
+              <a:t>germanish_bug_simple.cub</a:t>
+            </a:r>
+            <a:r>
+              <a:rPr lang="en-US" sz="2400" dirty="0">
+                <a:latin typeface="Helvetica Neue Thin" panose="020B0403020202020204" pitchFamily="34" charset="0"/>
+                <a:ea typeface="Helvetica Neue Thin" panose="020B0403020202020204" pitchFamily="34" charset="0"/>
+              </a:rPr>
+              <a:t>]</a:t>
+            </a:r>
+            <a:endParaRPr lang="en-FR" sz="2000" dirty="0">
+              <a:latin typeface="Helvetica Neue Thin" panose="020B0403020202020204" pitchFamily="34" charset="0"/>
+              <a:ea typeface="Helvetica Neue Thin" panose="020B0403020202020204" pitchFamily="34" charset="0"/>
+            </a:endParaRPr>
+          </a:p>
+        </p:txBody>
+      </p:sp>
+      <p:sp>
+        <p:nvSpPr>
+          <p:cNvPr id="5" name="TextBox 4">
+            <a:extLst>
+              <a:ext uri="{FF2B5EF4-FFF2-40B4-BE49-F238E27FC236}">
+                <a16:creationId xmlns:a16="http://schemas.microsoft.com/office/drawing/2014/main" id="{D51E0414-BA4B-94E1-C01E-E0863EDB6501}"/>
+              </a:ext>
+            </a:extLst>
+          </p:cNvPr>
+          <p:cNvSpPr txBox="1"/>
+          <p:nvPr/>
+        </p:nvSpPr>
+        <p:spPr>
+          <a:xfrm>
+            <a:off x="94445" y="586610"/>
+            <a:ext cx="12003110" cy="2215991"/>
+          </a:xfrm>
+          <a:prstGeom prst="rect">
+            <a:avLst/>
+          </a:prstGeom>
+          <a:noFill/>
+        </p:spPr>
+        <p:txBody>
+          <a:bodyPr wrap="square" rtlCol="0">
+            <a:spAutoFit/>
+          </a:bodyPr>
+          <a:lstStyle/>
+          <a:p>
+            <a:r>
+              <a:rPr lang="en-FR" dirty="0">
+                <a:latin typeface="Helvetica Neue Thin" panose="020B0403020202020204" pitchFamily="34" charset="0"/>
+                <a:ea typeface="Helvetica Neue Thin" panose="020B0403020202020204" pitchFamily="34" charset="0"/>
+              </a:rPr>
+              <a:t>Log file: </a:t>
+            </a:r>
+            <a:r>
+              <a:rPr lang="en-GB" dirty="0">
+                <a:latin typeface="Helvetica Neue Thin" panose="020B0403020202020204" pitchFamily="34" charset="0"/>
+                <a:ea typeface="Helvetica Neue Thin" panose="020B0403020202020204" pitchFamily="34" charset="0"/>
+              </a:rPr>
+              <a:t>germanish.cub1678226953.data</a:t>
+            </a:r>
+          </a:p>
+          <a:p>
+            <a:r>
+              <a:rPr lang="en-GB" dirty="0">
+                <a:latin typeface="Helvetica Neue Thin" panose="020B0403020202020204" pitchFamily="34" charset="0"/>
+                <a:ea typeface="Helvetica Neue Thin" panose="020B0403020202020204" pitchFamily="34" charset="0"/>
+              </a:rPr>
+              <a:t>germanish_bug_simple.cub1678286989.data</a:t>
+            </a:r>
+          </a:p>
+          <a:p>
+            <a:endParaRPr lang="en-GB" dirty="0">
+              <a:latin typeface="Helvetica Neue Thin" panose="020B0403020202020204" pitchFamily="34" charset="0"/>
+              <a:ea typeface="Helvetica Neue Thin" panose="020B0403020202020204" pitchFamily="34" charset="0"/>
+            </a:endParaRPr>
+          </a:p>
+          <a:p>
+            <a:r>
+              <a:rPr lang="en-GB" dirty="0">
+                <a:latin typeface="Helvetica Neue Thin" panose="020B0403020202020204" pitchFamily="34" charset="0"/>
+                <a:ea typeface="Helvetica Neue Thin" panose="020B0403020202020204" pitchFamily="34" charset="0"/>
+              </a:rPr>
+              <a:t>The matrix isn’t stochastic. But also it takes like 5 steps out of the 1000000 possible, so there’s obvs something wrong with it. </a:t>
+            </a:r>
+          </a:p>
+          <a:p>
+            <a:endParaRPr lang="en-GB" sz="1600" dirty="0">
+              <a:latin typeface="Helvetica Neue Thin" panose="020B0403020202020204" pitchFamily="34" charset="0"/>
+              <a:ea typeface="Helvetica Neue Thin" panose="020B0403020202020204" pitchFamily="34" charset="0"/>
+            </a:endParaRPr>
+          </a:p>
+          <a:p>
+            <a:endParaRPr lang="en-GB" sz="1600" dirty="0">
+              <a:latin typeface="Helvetica Neue Thin" panose="020B0403020202020204" pitchFamily="34" charset="0"/>
+              <a:ea typeface="Helvetica Neue Thin" panose="020B0403020202020204" pitchFamily="34" charset="0"/>
+            </a:endParaRPr>
+          </a:p>
+          <a:p>
+            <a:endParaRPr lang="en-GB" sz="1600" dirty="0">
+              <a:latin typeface="Helvetica Neue Thin" panose="020B0403020202020204" pitchFamily="34" charset="0"/>
+              <a:ea typeface="Helvetica Neue Thin" panose="020B0403020202020204" pitchFamily="34" charset="0"/>
+            </a:endParaRPr>
+          </a:p>
+        </p:txBody>
+      </p:sp>
+      <p:sp>
+        <p:nvSpPr>
+          <p:cNvPr id="6" name="Slide Number Placeholder 5">
+            <a:extLst>
+              <a:ext uri="{FF2B5EF4-FFF2-40B4-BE49-F238E27FC236}">
+                <a16:creationId xmlns:a16="http://schemas.microsoft.com/office/drawing/2014/main" id="{959BDB26-40E4-9CF6-297E-539B90F4FB2E}"/>
+              </a:ext>
+            </a:extLst>
+          </p:cNvPr>
+          <p:cNvSpPr>
+            <a:spLocks noGrp="1"/>
+          </p:cNvSpPr>
+          <p:nvPr>
+            <p:ph type="sldNum" sz="quarter" idx="12"/>
+          </p:nvPr>
+        </p:nvSpPr>
+        <p:spPr/>
+        <p:txBody>
+          <a:bodyPr/>
+          <a:lstStyle/>
+          <a:p>
+            <a:fld id="{4A936E34-E911-F947-B710-F12161D09F63}" type="slidenum">
+              <a:rPr lang="en-FR" smtClean="0"/>
+              <a:t>35</a:t>
             </a:fld>
             <a:endParaRPr lang="en-FR"/>
           </a:p>
@@ -17955,7 +19187,22 @@
                 <a:latin typeface="Helvetica Neue Thin" panose="020B0403020202020204" pitchFamily="34" charset="0"/>
                 <a:ea typeface="Helvetica Neue Thin" panose="020B0403020202020204" pitchFamily="34" charset="0"/>
               </a:rPr>
-              <a:t>[Slide 12]</a:t>
+              <a:t>[</a:t>
+            </a:r>
+            <a:r>
+              <a:rPr lang="en-US" dirty="0">
+                <a:latin typeface="Helvetica Neue Thin" panose="020B0403020202020204" pitchFamily="34" charset="0"/>
+                <a:ea typeface="Helvetica Neue Thin" panose="020B0403020202020204" pitchFamily="34" charset="0"/>
+                <a:hlinkClick r:id="rId2" action="ppaction://hlinksldjump"/>
+              </a:rPr>
+              <a:t>Slide 12</a:t>
+            </a:r>
+            <a:r>
+              <a:rPr lang="en-US" dirty="0">
+                <a:latin typeface="Helvetica Neue Thin" panose="020B0403020202020204" pitchFamily="34" charset="0"/>
+                <a:ea typeface="Helvetica Neue Thin" panose="020B0403020202020204" pitchFamily="34" charset="0"/>
+              </a:rPr>
+              <a:t>]</a:t>
             </a:r>
           </a:p>
           <a:p>
@@ -17994,7 +19241,22 @@
                 <a:latin typeface="Helvetica Neue Thin" panose="020B0403020202020204" pitchFamily="34" charset="0"/>
                 <a:ea typeface="Helvetica Neue Thin" panose="020B0403020202020204" pitchFamily="34" charset="0"/>
               </a:rPr>
-              <a:t> from run [Slide 12]</a:t>
+              <a:t> from run [</a:t>
+            </a:r>
+            <a:r>
+              <a:rPr lang="en-US" dirty="0">
+                <a:latin typeface="Helvetica Neue Thin" panose="020B0403020202020204" pitchFamily="34" charset="0"/>
+                <a:ea typeface="Helvetica Neue Thin" panose="020B0403020202020204" pitchFamily="34" charset="0"/>
+                <a:hlinkClick r:id="rId2" action="ppaction://hlinksldjump"/>
+              </a:rPr>
+              <a:t>Slide 12</a:t>
+            </a:r>
+            <a:r>
+              <a:rPr lang="en-US" dirty="0">
+                <a:latin typeface="Helvetica Neue Thin" panose="020B0403020202020204" pitchFamily="34" charset="0"/>
+                <a:ea typeface="Helvetica Neue Thin" panose="020B0403020202020204" pitchFamily="34" charset="0"/>
+              </a:rPr>
+              <a:t>]</a:t>
             </a:r>
           </a:p>
           <a:p>
@@ -18026,7 +19288,22 @@
                 <a:latin typeface="Helvetica Neue Thin" panose="020B0403020202020204" pitchFamily="34" charset="0"/>
                 <a:ea typeface="Helvetica Neue Thin" panose="020B0403020202020204" pitchFamily="34" charset="0"/>
               </a:rPr>
-              <a:t> on data [Slide 12]</a:t>
+              <a:t> on data [</a:t>
+            </a:r>
+            <a:r>
+              <a:rPr lang="en-US" dirty="0">
+                <a:latin typeface="Helvetica Neue Thin" panose="020B0403020202020204" pitchFamily="34" charset="0"/>
+                <a:ea typeface="Helvetica Neue Thin" panose="020B0403020202020204" pitchFamily="34" charset="0"/>
+                <a:hlinkClick r:id="rId2" action="ppaction://hlinksldjump"/>
+              </a:rPr>
+              <a:t>Slide 12</a:t>
+            </a:r>
+            <a:r>
+              <a:rPr lang="en-US" dirty="0">
+                <a:latin typeface="Helvetica Neue Thin" panose="020B0403020202020204" pitchFamily="34" charset="0"/>
+                <a:ea typeface="Helvetica Neue Thin" panose="020B0403020202020204" pitchFamily="34" charset="0"/>
+              </a:rPr>
+              <a:t>]</a:t>
             </a:r>
           </a:p>
           <a:p>
@@ -18041,7 +19318,22 @@
                 <a:latin typeface="Helvetica Neue Thin" panose="020B0403020202020204" pitchFamily="34" charset="0"/>
                 <a:ea typeface="Helvetica Neue Thin" panose="020B0403020202020204" pitchFamily="34" charset="0"/>
               </a:rPr>
-              <a:t>Step 4: If analytics satisfactory then stop, else continue to Step 5 [Slide 13]</a:t>
+              <a:t>Step 4: If analytics satisfactory then stop, else continue to Step 5 [</a:t>
+            </a:r>
+            <a:r>
+              <a:rPr lang="en-US" dirty="0">
+                <a:latin typeface="Helvetica Neue Thin" panose="020B0403020202020204" pitchFamily="34" charset="0"/>
+                <a:ea typeface="Helvetica Neue Thin" panose="020B0403020202020204" pitchFamily="34" charset="0"/>
+                <a:hlinkClick r:id="rId3" action="ppaction://hlinksldjump"/>
+              </a:rPr>
+              <a:t>Slide 13</a:t>
+            </a:r>
+            <a:r>
+              <a:rPr lang="en-US" dirty="0">
+                <a:latin typeface="Helvetica Neue Thin" panose="020B0403020202020204" pitchFamily="34" charset="0"/>
+                <a:ea typeface="Helvetica Neue Thin" panose="020B0403020202020204" pitchFamily="34" charset="0"/>
+              </a:rPr>
+              <a:t>]</a:t>
             </a:r>
           </a:p>
           <a:p>
@@ -18063,7 +19355,29 @@
                 <a:latin typeface="Helvetica Neue Thin" panose="020B0403020202020204" pitchFamily="34" charset="0"/>
                 <a:ea typeface="Helvetica Neue Thin" panose="020B0403020202020204" pitchFamily="34" charset="0"/>
               </a:rPr>
-              <a:t> 5: Rerun model exploration modifying how the system is explored using one of the proposed methods [Slide 13]</a:t>
+              <a:t> 5: </a:t>
+            </a:r>
+            <a:r>
+              <a:rPr lang="en-US" dirty="0">
+                <a:latin typeface="Helvetica Neue Thin" panose="020B0403020202020204" pitchFamily="34" charset="0"/>
+                <a:ea typeface="Helvetica Neue Thin" panose="020B0403020202020204" pitchFamily="34" charset="0"/>
+              </a:rPr>
+              <a:t>Rerun model exploration modifying how the system is explored using one of the proposed methods [</a:t>
+            </a:r>
+            <a:r>
+              <a:rPr lang="en-US" dirty="0">
+                <a:latin typeface="Helvetica Neue Thin" panose="020B0403020202020204" pitchFamily="34" charset="0"/>
+                <a:ea typeface="Helvetica Neue Thin" panose="020B0403020202020204" pitchFamily="34" charset="0"/>
+                <a:hlinkClick r:id="rId3" action="ppaction://hlinksldjump"/>
+              </a:rPr>
+              <a:t>Slide 13</a:t>
+            </a:r>
+            <a:r>
+              <a:rPr lang="en-US" dirty="0">
+                <a:latin typeface="Helvetica Neue Thin" panose="020B0403020202020204" pitchFamily="34" charset="0"/>
+                <a:ea typeface="Helvetica Neue Thin" panose="020B0403020202020204" pitchFamily="34" charset="0"/>
+              </a:rPr>
+              <a:t>]</a:t>
             </a:r>
           </a:p>
           <a:p>
@@ -18147,7 +19461,22 @@
                 <a:latin typeface="Helvetica Neue Thin" panose="020B0403020202020204" pitchFamily="34" charset="0"/>
                 <a:ea typeface="Helvetica Neue Thin" panose="020B0403020202020204" pitchFamily="34" charset="0"/>
               </a:rPr>
-              <a:t>and analyze it [Slide 14]</a:t>
+              <a:t>and analyze it [</a:t>
+            </a:r>
+            <a:r>
+              <a:rPr lang="en-US" dirty="0">
+                <a:latin typeface="Helvetica Neue Thin" panose="020B0403020202020204" pitchFamily="34" charset="0"/>
+                <a:ea typeface="Helvetica Neue Thin" panose="020B0403020202020204" pitchFamily="34" charset="0"/>
+                <a:hlinkClick r:id="rId4" action="ppaction://hlinksldjump"/>
+              </a:rPr>
+              <a:t>Slide 14</a:t>
+            </a:r>
+            <a:r>
+              <a:rPr lang="en-US" dirty="0">
+                <a:latin typeface="Helvetica Neue Thin" panose="020B0403020202020204" pitchFamily="34" charset="0"/>
+                <a:ea typeface="Helvetica Neue Thin" panose="020B0403020202020204" pitchFamily="34" charset="0"/>
+              </a:rPr>
+              <a:t>]</a:t>
             </a:r>
           </a:p>
           <a:p>
@@ -18169,7 +19498,22 @@
                 <a:latin typeface="Helvetica Neue Thin" panose="020B0403020202020204" pitchFamily="34" charset="0"/>
                 <a:ea typeface="Helvetica Neue Thin" panose="020B0403020202020204" pitchFamily="34" charset="0"/>
               </a:rPr>
-              <a:t>satisfactory, stop. Else go back to Step 5, modifying bias parameters [Slide 14]</a:t>
+              <a:t>satisfactory, stop. Else go back to Step 5, modifying bias parameters [</a:t>
+            </a:r>
+            <a:r>
+              <a:rPr lang="en-US" dirty="0">
+                <a:latin typeface="Helvetica Neue Thin" panose="020B0403020202020204" pitchFamily="34" charset="0"/>
+                <a:ea typeface="Helvetica Neue Thin" panose="020B0403020202020204" pitchFamily="34" charset="0"/>
+                <a:hlinkClick r:id="rId4" action="ppaction://hlinksldjump"/>
+              </a:rPr>
+              <a:t>Slide 14</a:t>
+            </a:r>
+            <a:r>
+              <a:rPr lang="en-US" dirty="0">
+                <a:latin typeface="Helvetica Neue Thin" panose="020B0403020202020204" pitchFamily="34" charset="0"/>
+                <a:ea typeface="Helvetica Neue Thin" panose="020B0403020202020204" pitchFamily="34" charset="0"/>
+              </a:rPr>
+              <a:t>]</a:t>
             </a:r>
           </a:p>
         </p:txBody>

--- a/mcmc_method.pptx
+++ b/mcmc_method.pptx
@@ -5,7 +5,7 @@
     <p:sldMasterId id="2147483648" r:id="rId1"/>
   </p:sldMasterIdLst>
   <p:notesMasterIdLst>
-    <p:notesMasterId r:id="rId37"/>
+    <p:notesMasterId r:id="rId38"/>
   </p:notesMasterIdLst>
   <p:sldIdLst>
     <p:sldId id="275" r:id="rId2"/>
@@ -22,27 +22,28 @@
     <p:sldId id="272" r:id="rId13"/>
     <p:sldId id="273" r:id="rId14"/>
     <p:sldId id="274" r:id="rId15"/>
-    <p:sldId id="280" r:id="rId16"/>
-    <p:sldId id="263" r:id="rId17"/>
-    <p:sldId id="281" r:id="rId18"/>
-    <p:sldId id="270" r:id="rId19"/>
-    <p:sldId id="265" r:id="rId20"/>
-    <p:sldId id="268" r:id="rId21"/>
-    <p:sldId id="264" r:id="rId22"/>
-    <p:sldId id="282" r:id="rId23"/>
-    <p:sldId id="289" r:id="rId24"/>
-    <p:sldId id="290" r:id="rId25"/>
-    <p:sldId id="283" r:id="rId26"/>
-    <p:sldId id="266" r:id="rId27"/>
-    <p:sldId id="267" r:id="rId28"/>
-    <p:sldId id="284" r:id="rId29"/>
-    <p:sldId id="285" r:id="rId30"/>
-    <p:sldId id="286" r:id="rId31"/>
-    <p:sldId id="287" r:id="rId32"/>
-    <p:sldId id="291" r:id="rId33"/>
-    <p:sldId id="293" r:id="rId34"/>
-    <p:sldId id="292" r:id="rId35"/>
-    <p:sldId id="288" r:id="rId36"/>
+    <p:sldId id="294" r:id="rId16"/>
+    <p:sldId id="280" r:id="rId17"/>
+    <p:sldId id="263" r:id="rId18"/>
+    <p:sldId id="281" r:id="rId19"/>
+    <p:sldId id="270" r:id="rId20"/>
+    <p:sldId id="265" r:id="rId21"/>
+    <p:sldId id="268" r:id="rId22"/>
+    <p:sldId id="264" r:id="rId23"/>
+    <p:sldId id="282" r:id="rId24"/>
+    <p:sldId id="289" r:id="rId25"/>
+    <p:sldId id="290" r:id="rId26"/>
+    <p:sldId id="283" r:id="rId27"/>
+    <p:sldId id="266" r:id="rId28"/>
+    <p:sldId id="267" r:id="rId29"/>
+    <p:sldId id="284" r:id="rId30"/>
+    <p:sldId id="285" r:id="rId31"/>
+    <p:sldId id="286" r:id="rId32"/>
+    <p:sldId id="287" r:id="rId33"/>
+    <p:sldId id="291" r:id="rId34"/>
+    <p:sldId id="293" r:id="rId35"/>
+    <p:sldId id="292" r:id="rId36"/>
+    <p:sldId id="288" r:id="rId37"/>
   </p:sldIdLst>
   <p:sldSz cx="12192000" cy="6858000"/>
   <p:notesSz cx="6858000" cy="9144000"/>
@@ -4566,7 +4567,7 @@
                 <a:latin typeface="HELVETICA NEUE THIN" panose="020B0403020202020204" pitchFamily="34" charset="0"/>
                 <a:ea typeface="HELVETICA NEUE THIN" panose="020B0403020202020204" pitchFamily="34" charset="0"/>
               </a:rPr>
-              <a:t>maximizing entropy</a:t>
+              <a:t>maximizing entropy [1][2]</a:t>
             </a:r>
           </a:p>
           <a:p>
@@ -5012,6 +5013,113 @@
               <a:t>12</a:t>
             </a:fld>
             <a:endParaRPr lang="en-FR"/>
+          </a:p>
+        </p:txBody>
+      </p:sp>
+      <p:sp>
+        <p:nvSpPr>
+          <p:cNvPr id="5" name="TextBox 4">
+            <a:extLst>
+              <a:ext uri="{FF2B5EF4-FFF2-40B4-BE49-F238E27FC236}">
+                <a16:creationId xmlns:a16="http://schemas.microsoft.com/office/drawing/2014/main" id="{7D44F626-F518-E7E3-57C5-0E6F00D71171}"/>
+              </a:ext>
+            </a:extLst>
+          </p:cNvPr>
+          <p:cNvSpPr txBox="1"/>
+          <p:nvPr/>
+        </p:nvSpPr>
+        <p:spPr>
+          <a:xfrm>
+            <a:off x="0" y="6310183"/>
+            <a:ext cx="12003110" cy="523220"/>
+          </a:xfrm>
+          <a:prstGeom prst="rect">
+            <a:avLst/>
+          </a:prstGeom>
+          <a:noFill/>
+        </p:spPr>
+        <p:txBody>
+          <a:bodyPr wrap="square" rtlCol="0">
+            <a:spAutoFit/>
+          </a:bodyPr>
+          <a:lstStyle/>
+          <a:p>
+            <a:r>
+              <a:rPr lang="en-US" sz="1400" dirty="0">
+                <a:latin typeface="Helvetica Neue Thin" panose="020B0403020202020204" pitchFamily="34" charset="0"/>
+                <a:ea typeface="Helvetica Neue Thin" panose="020B0403020202020204" pitchFamily="34" charset="0"/>
+              </a:rPr>
+              <a:t>[1] Uniform Sampling for Timed Automata with Application to Language </a:t>
+            </a:r>
+            <a:r>
+              <a:rPr lang="en-US" sz="1400" dirty="0">
+                <a:latin typeface="Helvetica Neue Thin" panose="020B0403020202020204" pitchFamily="34" charset="0"/>
+                <a:ea typeface="Helvetica Neue Thin" panose="020B0403020202020204" pitchFamily="34" charset="0"/>
+              </a:rPr>
+              <a:t>Inclusion </a:t>
+            </a:r>
+            <a:r>
+              <a:rPr lang="en-US" sz="1400" dirty="0" err="1">
+                <a:latin typeface="Helvetica Neue Thin" panose="020B0403020202020204" pitchFamily="34" charset="0"/>
+                <a:ea typeface="Helvetica Neue Thin" panose="020B0403020202020204" pitchFamily="34" charset="0"/>
+              </a:rPr>
+              <a:t>Measurment</a:t>
+            </a:r>
+            <a:r>
+              <a:rPr lang="en-US" sz="1400" dirty="0">
+                <a:latin typeface="Helvetica Neue Thin" panose="020B0403020202020204" pitchFamily="34" charset="0"/>
+                <a:ea typeface="Helvetica Neue Thin" panose="020B0403020202020204" pitchFamily="34" charset="0"/>
+              </a:rPr>
+              <a:t> – B. </a:t>
+            </a:r>
+            <a:r>
+              <a:rPr lang="en-US" sz="1400" dirty="0" err="1">
+                <a:latin typeface="Helvetica Neue Thin" panose="020B0403020202020204" pitchFamily="34" charset="0"/>
+                <a:ea typeface="Helvetica Neue Thin" panose="020B0403020202020204" pitchFamily="34" charset="0"/>
+              </a:rPr>
+              <a:t>Barbot</a:t>
+            </a:r>
+            <a:r>
+              <a:rPr lang="en-US" sz="1400" dirty="0">
+                <a:latin typeface="Helvetica Neue Thin" panose="020B0403020202020204" pitchFamily="34" charset="0"/>
+                <a:ea typeface="Helvetica Neue Thin" panose="020B0403020202020204" pitchFamily="34" charset="0"/>
+              </a:rPr>
+              <a:t>, N. Basset, M. </a:t>
+            </a:r>
+            <a:r>
+              <a:rPr lang="en-US" sz="1400" dirty="0" err="1">
+                <a:latin typeface="Helvetica Neue Thin" panose="020B0403020202020204" pitchFamily="34" charset="0"/>
+                <a:ea typeface="Helvetica Neue Thin" panose="020B0403020202020204" pitchFamily="34" charset="0"/>
+              </a:rPr>
+              <a:t>Beunardeau</a:t>
+            </a:r>
+            <a:r>
+              <a:rPr lang="en-US" sz="1400" dirty="0">
+                <a:latin typeface="Helvetica Neue Thin" panose="020B0403020202020204" pitchFamily="34" charset="0"/>
+                <a:ea typeface="Helvetica Neue Thin" panose="020B0403020202020204" pitchFamily="34" charset="0"/>
+              </a:rPr>
+              <a:t>, M. </a:t>
+            </a:r>
+            <a:r>
+              <a:rPr lang="en-US" sz="1400" dirty="0" err="1">
+                <a:latin typeface="Helvetica Neue Thin" panose="020B0403020202020204" pitchFamily="34" charset="0"/>
+                <a:ea typeface="Helvetica Neue Thin" panose="020B0403020202020204" pitchFamily="34" charset="0"/>
+              </a:rPr>
+              <a:t>Kwiatkowska</a:t>
+            </a:r>
+            <a:endParaRPr lang="en-US" sz="1400" dirty="0">
+              <a:latin typeface="Helvetica Neue Thin" panose="020B0403020202020204" pitchFamily="34" charset="0"/>
+              <a:ea typeface="Helvetica Neue Thin" panose="020B0403020202020204" pitchFamily="34" charset="0"/>
+            </a:endParaRPr>
+          </a:p>
+          <a:p>
+            <a:r>
+              <a:rPr lang="en-US" sz="1400" dirty="0">
+                <a:latin typeface="Helvetica Neue Thin" panose="020B0403020202020204" pitchFamily="34" charset="0"/>
+                <a:ea typeface="Helvetica Neue Thin" panose="020B0403020202020204" pitchFamily="34" charset="0"/>
+              </a:rPr>
+              <a:t>[2] Information Theory and Statistical Mechanics. II.  E.T. Jaynes</a:t>
+            </a:r>
           </a:p>
         </p:txBody>
       </p:sp>
@@ -6256,38 +6364,32 @@
       </p:grpSpPr>
       <p:sp>
         <p:nvSpPr>
-          <p:cNvPr id="4" name="Title 3">
-            <a:extLst>
-              <a:ext uri="{FF2B5EF4-FFF2-40B4-BE49-F238E27FC236}">
-                <a16:creationId xmlns:a16="http://schemas.microsoft.com/office/drawing/2014/main" id="{7C5D90E7-82C4-D596-1080-E4071F572EF8}"/>
-              </a:ext>
-            </a:extLst>
-          </p:cNvPr>
-          <p:cNvSpPr>
-            <a:spLocks noGrp="1"/>
-          </p:cNvSpPr>
-          <p:nvPr>
-            <p:ph type="title"/>
-          </p:nvPr>
+          <p:cNvPr id="2" name="TextBox 1">
+            <a:extLst>
+              <a:ext uri="{FF2B5EF4-FFF2-40B4-BE49-F238E27FC236}">
+                <a16:creationId xmlns:a16="http://schemas.microsoft.com/office/drawing/2014/main" id="{6C2B10C5-9FBB-B160-EF82-2177DA7A747F}"/>
+              </a:ext>
+            </a:extLst>
+          </p:cNvPr>
+          <p:cNvSpPr txBox="1"/>
+          <p:nvPr/>
         </p:nvSpPr>
         <p:spPr>
           <a:xfrm>
-            <a:off x="838200" y="2766218"/>
-            <a:ext cx="10515600" cy="1325563"/>
+            <a:off x="188890" y="876951"/>
+            <a:ext cx="11638349" cy="369332"/>
           </a:xfrm>
+          <a:prstGeom prst="rect">
+            <a:avLst/>
+          </a:prstGeom>
+          <a:noFill/>
         </p:spPr>
         <p:txBody>
-          <a:bodyPr/>
+          <a:bodyPr wrap="square" rtlCol="0">
+            <a:spAutoFit/>
+          </a:bodyPr>
           <a:lstStyle/>
           <a:p>
-            <a:pPr algn="ctr"/>
-            <a:r>
-              <a:rPr lang="en-FR" dirty="0">
-                <a:latin typeface="Helvetica Neue Thin" panose="020B0403020202020204" pitchFamily="34" charset="0"/>
-                <a:ea typeface="Helvetica Neue Thin" panose="020B0403020202020204" pitchFamily="34" charset="0"/>
-              </a:rPr>
-              <a:t>More detailed explanations</a:t>
-            </a:r>
             <a:endParaRPr lang="en-FR" dirty="0">
               <a:latin typeface="Helvetica Neue Thin" panose="020B0403020202020204" pitchFamily="34" charset="0"/>
               <a:ea typeface="Helvetica Neue Thin" panose="020B0403020202020204" pitchFamily="34" charset="0"/>
@@ -6297,10 +6399,143 @@
       </p:sp>
       <p:sp>
         <p:nvSpPr>
-          <p:cNvPr id="2" name="Slide Number Placeholder 1">
-            <a:extLst>
-              <a:ext uri="{FF2B5EF4-FFF2-40B4-BE49-F238E27FC236}">
-                <a16:creationId xmlns:a16="http://schemas.microsoft.com/office/drawing/2014/main" id="{15912553-7681-5AB4-52C1-232E24D72306}"/>
+          <p:cNvPr id="7" name="TextBox 6">
+            <a:extLst>
+              <a:ext uri="{FF2B5EF4-FFF2-40B4-BE49-F238E27FC236}">
+                <a16:creationId xmlns:a16="http://schemas.microsoft.com/office/drawing/2014/main" id="{A1296553-2849-7B47-5626-14E9E7F0160C}"/>
+              </a:ext>
+            </a:extLst>
+          </p:cNvPr>
+          <p:cNvSpPr txBox="1"/>
+          <p:nvPr/>
+        </p:nvSpPr>
+        <p:spPr>
+          <a:xfrm>
+            <a:off x="188891" y="124945"/>
+            <a:ext cx="7456093" cy="461665"/>
+          </a:xfrm>
+          <a:prstGeom prst="rect">
+            <a:avLst/>
+          </a:prstGeom>
+          <a:noFill/>
+        </p:spPr>
+        <p:txBody>
+          <a:bodyPr wrap="square" rtlCol="0">
+            <a:spAutoFit/>
+          </a:bodyPr>
+          <a:lstStyle/>
+          <a:p>
+            <a:r>
+              <a:rPr lang="en-US" sz="2400" dirty="0">
+                <a:latin typeface="Helvetica Neue Thin" panose="020B0403020202020204" pitchFamily="34" charset="0"/>
+                <a:ea typeface="Helvetica Neue Thin" panose="020B0403020202020204" pitchFamily="34" charset="0"/>
+              </a:rPr>
+              <a:t>Fuzz &amp; BRAB</a:t>
+            </a:r>
+          </a:p>
+        </p:txBody>
+      </p:sp>
+      <p:sp>
+        <p:nvSpPr>
+          <p:cNvPr id="3" name="TextBox 2">
+            <a:extLst>
+              <a:ext uri="{FF2B5EF4-FFF2-40B4-BE49-F238E27FC236}">
+                <a16:creationId xmlns:a16="http://schemas.microsoft.com/office/drawing/2014/main" id="{2CB0B975-507C-1CBA-668D-601EA2AEF4CD}"/>
+              </a:ext>
+            </a:extLst>
+          </p:cNvPr>
+          <p:cNvSpPr txBox="1"/>
+          <p:nvPr/>
+        </p:nvSpPr>
+        <p:spPr>
+          <a:xfrm>
+            <a:off x="188890" y="630804"/>
+            <a:ext cx="11638349" cy="2862322"/>
+          </a:xfrm>
+          <a:prstGeom prst="rect">
+            <a:avLst/>
+          </a:prstGeom>
+          <a:noFill/>
+        </p:spPr>
+        <p:txBody>
+          <a:bodyPr wrap="square" rtlCol="0">
+            <a:spAutoFit/>
+          </a:bodyPr>
+          <a:lstStyle/>
+          <a:p>
+            <a:r>
+              <a:rPr lang="en-FR" dirty="0">
+                <a:latin typeface="Helvetica Neue Thin" panose="020B0403020202020204" pitchFamily="34" charset="0"/>
+                <a:ea typeface="Helvetica Neue Thin" panose="020B0403020202020204" pitchFamily="34" charset="0"/>
+              </a:rPr>
+              <a:t>Standalone [fuzz]: </a:t>
+            </a:r>
+          </a:p>
+          <a:p>
+            <a:r>
+              <a:rPr lang="en-FR" dirty="0">
+                <a:latin typeface="Helvetica Neue Thin" panose="020B0403020202020204" pitchFamily="34" charset="0"/>
+                <a:ea typeface="Helvetica Neue Thin" panose="020B0403020202020204" pitchFamily="34" charset="0"/>
+              </a:rPr>
+              <a:t>The standalone version is trying to explore the system in a smarter fashion. </a:t>
+            </a:r>
+          </a:p>
+          <a:p>
+            <a:r>
+              <a:rPr lang="en-FR" dirty="0">
+                <a:latin typeface="Helvetica Neue Thin" panose="020B0403020202020204" pitchFamily="34" charset="0"/>
+                <a:ea typeface="Helvetica Neue Thin" panose="020B0403020202020204" pitchFamily="34" charset="0"/>
+              </a:rPr>
+              <a:t>It either tries to cover the most interesting parts of the system, the ones which lead to more outcomes, ones which favor certain transitions, etc. </a:t>
+            </a:r>
+          </a:p>
+          <a:p>
+            <a:r>
+              <a:rPr lang="en-FR" dirty="0">
+                <a:latin typeface="Helvetica Neue Thin" panose="020B0403020202020204" pitchFamily="34" charset="0"/>
+                <a:ea typeface="Helvetica Neue Thin" panose="020B0403020202020204" pitchFamily="34" charset="0"/>
+              </a:rPr>
+              <a:t>The probabilities are an easy way to compare runs and are easy to read and interpret and can signal weird behavior.</a:t>
+            </a:r>
+          </a:p>
+          <a:p>
+            <a:endParaRPr lang="en-FR" dirty="0">
+              <a:latin typeface="Helvetica Neue Thin" panose="020B0403020202020204" pitchFamily="34" charset="0"/>
+              <a:ea typeface="Helvetica Neue Thin" panose="020B0403020202020204" pitchFamily="34" charset="0"/>
+            </a:endParaRPr>
+          </a:p>
+          <a:p>
+            <a:endParaRPr lang="en-FR" dirty="0">
+              <a:latin typeface="Helvetica Neue Thin" panose="020B0403020202020204" pitchFamily="34" charset="0"/>
+              <a:ea typeface="Helvetica Neue Thin" panose="020B0403020202020204" pitchFamily="34" charset="0"/>
+            </a:endParaRPr>
+          </a:p>
+          <a:p>
+            <a:r>
+              <a:rPr lang="en-FR" dirty="0">
+                <a:latin typeface="Helvetica Neue Thin" panose="020B0403020202020204" pitchFamily="34" charset="0"/>
+                <a:ea typeface="Helvetica Neue Thin" panose="020B0403020202020204" pitchFamily="34" charset="0"/>
+              </a:rPr>
+              <a:t>BRAB: </a:t>
+            </a:r>
+          </a:p>
+          <a:p>
+            <a:r>
+              <a:rPr lang="en-FR" dirty="0">
+                <a:latin typeface="Helvetica Neue Thin" panose="020B0403020202020204" pitchFamily="34" charset="0"/>
+                <a:ea typeface="Helvetica Neue Thin" panose="020B0403020202020204" pitchFamily="34" charset="0"/>
+              </a:rPr>
+              <a:t>Plug this exploration method into BRAB. The method tries to explore a variety of states while going down. BRAB can’t go deep because it covers breadth. This tries to go deep but ~intelligently. </a:t>
+            </a:r>
+          </a:p>
+        </p:txBody>
+      </p:sp>
+      <p:sp>
+        <p:nvSpPr>
+          <p:cNvPr id="4" name="Slide Number Placeholder 3">
+            <a:extLst>
+              <a:ext uri="{FF2B5EF4-FFF2-40B4-BE49-F238E27FC236}">
+                <a16:creationId xmlns:a16="http://schemas.microsoft.com/office/drawing/2014/main" id="{A3B802EC-9AD0-BC37-011B-AF486944E6B8}"/>
               </a:ext>
             </a:extLst>
           </p:cNvPr>
@@ -6327,7 +6562,7 @@
     </p:spTree>
     <p:extLst>
       <p:ext uri="{BB962C8B-B14F-4D97-AF65-F5344CB8AC3E}">
-        <p14:creationId xmlns:p14="http://schemas.microsoft.com/office/powerpoint/2010/main" val="3203066701"/>
+        <p14:creationId xmlns:p14="http://schemas.microsoft.com/office/powerpoint/2010/main" val="503028586"/>
       </p:ext>
     </p:extLst>
   </p:cSld>
@@ -6356,303 +6591,51 @@
       </p:grpSpPr>
       <p:sp>
         <p:nvSpPr>
-          <p:cNvPr id="2" name="TextBox 1">
-            <a:extLst>
-              <a:ext uri="{FF2B5EF4-FFF2-40B4-BE49-F238E27FC236}">
-                <a16:creationId xmlns:a16="http://schemas.microsoft.com/office/drawing/2014/main" id="{6C2B10C5-9FBB-B160-EF82-2177DA7A747F}"/>
-              </a:ext>
-            </a:extLst>
-          </p:cNvPr>
-          <p:cNvSpPr txBox="1"/>
-          <p:nvPr/>
+          <p:cNvPr id="4" name="Title 3">
+            <a:extLst>
+              <a:ext uri="{FF2B5EF4-FFF2-40B4-BE49-F238E27FC236}">
+                <a16:creationId xmlns:a16="http://schemas.microsoft.com/office/drawing/2014/main" id="{7C5D90E7-82C4-D596-1080-E4071F572EF8}"/>
+              </a:ext>
+            </a:extLst>
+          </p:cNvPr>
+          <p:cNvSpPr>
+            <a:spLocks noGrp="1"/>
+          </p:cNvSpPr>
+          <p:nvPr>
+            <p:ph type="title"/>
+          </p:nvPr>
         </p:nvSpPr>
         <p:spPr>
           <a:xfrm>
-            <a:off x="188890" y="876951"/>
-            <a:ext cx="11638349" cy="5632311"/>
+            <a:off x="838200" y="2766218"/>
+            <a:ext cx="10515600" cy="1325563"/>
           </a:xfrm>
-          <a:prstGeom prst="rect">
-            <a:avLst/>
-          </a:prstGeom>
-          <a:noFill/>
         </p:spPr>
         <p:txBody>
-          <a:bodyPr wrap="square" rtlCol="0">
-            <a:spAutoFit/>
-          </a:bodyPr>
+          <a:bodyPr/>
           <a:lstStyle/>
           <a:p>
-            <a:r>
-              <a:rPr lang="en-FR" b="1" dirty="0">
-                <a:solidFill>
-                  <a:srgbClr val="FF0000"/>
-                </a:solidFill>
-                <a:latin typeface="Helvetica Neue Thin" panose="020B0403020202020204" pitchFamily="34" charset="0"/>
-                <a:ea typeface="Helvetica Neue Thin" panose="020B0403020202020204" pitchFamily="34" charset="0"/>
-              </a:rPr>
-              <a:t>DEFINITION</a:t>
-            </a:r>
-          </a:p>
-          <a:p>
-            <a:r>
-              <a:rPr lang="en-FR" b="1" dirty="0">
-                <a:latin typeface="Helvetica Neue Thin" panose="020B0403020202020204" pitchFamily="34" charset="0"/>
-                <a:ea typeface="Helvetica Neue Thin" panose="020B0403020202020204" pitchFamily="34" charset="0"/>
-              </a:rPr>
-              <a:t>Markov Chain: a</a:t>
-            </a:r>
-            <a:r>
-              <a:rPr lang="en-FR" dirty="0">
-                <a:latin typeface="Helvetica Neue Thin" panose="020B0403020202020204" pitchFamily="34" charset="0"/>
-                <a:ea typeface="Helvetica Neue Thin" panose="020B0403020202020204" pitchFamily="34" charset="0"/>
-              </a:rPr>
-              <a:t> Markov chain describes a system that transitions between different </a:t>
-            </a:r>
-            <a:r>
-              <a:rPr lang="en-FR" dirty="0">
-                <a:latin typeface="Helvetica Neue Thin" panose="020B0403020202020204" pitchFamily="34" charset="0"/>
-                <a:ea typeface="Helvetica Neue Thin" panose="020B0403020202020204" pitchFamily="34" charset="0"/>
-              </a:rPr>
-              <a:t>states, where transitioning </a:t>
-            </a:r>
-            <a:r>
-              <a:rPr lang="en-FR" dirty="0">
-                <a:latin typeface="Helvetica Neue Thin" panose="020B0403020202020204" pitchFamily="34" charset="0"/>
-                <a:ea typeface="Helvetica Neue Thin" panose="020B0403020202020204" pitchFamily="34" charset="0"/>
-              </a:rPr>
-              <a:t>to the next state depends only on the current state.</a:t>
+            <a:pPr algn="ctr"/>
+            <a:r>
+              <a:rPr lang="en-FR" dirty="0">
+                <a:latin typeface="Helvetica Neue Thin" panose="020B0403020202020204" pitchFamily="34" charset="0"/>
+                <a:ea typeface="Helvetica Neue Thin" panose="020B0403020202020204" pitchFamily="34" charset="0"/>
+              </a:rPr>
+              <a:t>More detailed explanations</a:t>
             </a:r>
             <a:endParaRPr lang="en-FR" dirty="0">
               <a:latin typeface="Helvetica Neue Thin" panose="020B0403020202020204" pitchFamily="34" charset="0"/>
               <a:ea typeface="Helvetica Neue Thin" panose="020B0403020202020204" pitchFamily="34" charset="0"/>
             </a:endParaRPr>
           </a:p>
-          <a:p>
-            <a:endParaRPr lang="en-FR" dirty="0">
-              <a:solidFill>
-                <a:srgbClr val="0432FF"/>
-              </a:solidFill>
-              <a:latin typeface="Helvetica Neue Thin" panose="020B0403020202020204" pitchFamily="34" charset="0"/>
-              <a:ea typeface="Helvetica Neue Thin" panose="020B0403020202020204" pitchFamily="34" charset="0"/>
-            </a:endParaRPr>
-          </a:p>
-          <a:p>
-            <a:r>
-              <a:rPr lang="en-FR" dirty="0">
-                <a:solidFill>
-                  <a:srgbClr val="0432FF"/>
-                </a:solidFill>
-                <a:latin typeface="Helvetica Neue Thin" panose="020B0403020202020204" pitchFamily="34" charset="0"/>
-                <a:ea typeface="Helvetica Neue Thin" panose="020B0403020202020204" pitchFamily="34" charset="0"/>
-              </a:rPr>
-              <a:t>In our case this works because if you are in state S1, whether or not you can take transition t to move to S2 depends only on the state of S1 [S1 reflects the entire history]. The opposite can also be argued (that memory is needed) and is discussed in a later slide. </a:t>
-            </a:r>
-          </a:p>
-          <a:p>
-            <a:endParaRPr lang="en-FR" dirty="0">
-              <a:latin typeface="Helvetica Neue Thin" panose="020B0403020202020204" pitchFamily="34" charset="0"/>
-              <a:ea typeface="Helvetica Neue Thin" panose="020B0403020202020204" pitchFamily="34" charset="0"/>
-            </a:endParaRPr>
-          </a:p>
-          <a:p>
-            <a:r>
-              <a:rPr lang="en-FR" b="1" dirty="0">
-                <a:solidFill>
-                  <a:srgbClr val="FF0000"/>
-                </a:solidFill>
-                <a:latin typeface="Helvetica Neue Thin" panose="020B0403020202020204" pitchFamily="34" charset="0"/>
-                <a:ea typeface="Helvetica Neue Thin" panose="020B0403020202020204" pitchFamily="34" charset="0"/>
-              </a:rPr>
-              <a:t>DEFINITION</a:t>
-            </a:r>
-            <a:endParaRPr lang="en-FR" b="1" dirty="0">
-              <a:solidFill>
-                <a:srgbClr val="FF0000"/>
-              </a:solidFill>
-              <a:latin typeface="HELVETICA NEUE THIN" panose="020B0403020202020204" pitchFamily="34" charset="0"/>
-              <a:ea typeface="HELVETICA NEUE THIN" panose="020B0403020202020204" pitchFamily="34" charset="0"/>
-            </a:endParaRPr>
-          </a:p>
-          <a:p>
-            <a:r>
-              <a:rPr lang="en-FR" b="1" dirty="0">
-                <a:latin typeface="HELVETICA NEUE THIN" panose="020B0403020202020204" pitchFamily="34" charset="0"/>
-                <a:ea typeface="HELVETICA NEUE THIN" panose="020B0403020202020204" pitchFamily="34" charset="0"/>
-              </a:rPr>
-              <a:t>Monte Carlo</a:t>
-            </a:r>
-            <a:r>
-              <a:rPr lang="en-FR" dirty="0">
-                <a:latin typeface="Helvetica Neue Thin" panose="020B0403020202020204" pitchFamily="34" charset="0"/>
-                <a:ea typeface="Helvetica Neue Thin" panose="020B0403020202020204" pitchFamily="34" charset="0"/>
-              </a:rPr>
-              <a:t>: a class of algorithms that rely on random sampling to obtain a result</a:t>
-            </a:r>
-          </a:p>
-          <a:p>
-            <a:endParaRPr lang="en-FR" dirty="0">
-              <a:latin typeface="Helvetica Neue Thin" panose="020B0403020202020204" pitchFamily="34" charset="0"/>
-              <a:ea typeface="Helvetica Neue Thin" panose="020B0403020202020204" pitchFamily="34" charset="0"/>
-            </a:endParaRPr>
-          </a:p>
-          <a:p>
-            <a:r>
-              <a:rPr lang="en-FR" b="1" dirty="0">
-                <a:solidFill>
-                  <a:srgbClr val="FF0000"/>
-                </a:solidFill>
-                <a:latin typeface="Helvetica Neue Thin" panose="020B0403020202020204" pitchFamily="34" charset="0"/>
-                <a:ea typeface="Helvetica Neue Thin" panose="020B0403020202020204" pitchFamily="34" charset="0"/>
-              </a:rPr>
-              <a:t>DEFINITION</a:t>
-            </a:r>
-            <a:endParaRPr lang="en-FR" b="1" dirty="0">
-              <a:solidFill>
-                <a:srgbClr val="FF0000"/>
-              </a:solidFill>
-              <a:latin typeface="HELVETICA NEUE THIN" panose="020B0403020202020204" pitchFamily="34" charset="0"/>
-              <a:ea typeface="HELVETICA NEUE THIN" panose="020B0403020202020204" pitchFamily="34" charset="0"/>
-            </a:endParaRPr>
-          </a:p>
-          <a:p>
-            <a:r>
-              <a:rPr lang="en-FR" b="1" dirty="0">
-                <a:latin typeface="HELVETICA NEUE THIN" panose="020B0403020202020204" pitchFamily="34" charset="0"/>
-                <a:ea typeface="HELVETICA NEUE THIN" panose="020B0403020202020204" pitchFamily="34" charset="0"/>
-              </a:rPr>
-              <a:t>MCMC</a:t>
-            </a:r>
-            <a:r>
-              <a:rPr lang="en-FR" dirty="0">
-                <a:latin typeface="Helvetica Neue Thin" panose="020B0403020202020204" pitchFamily="34" charset="0"/>
-                <a:ea typeface="Helvetica Neue Thin" panose="020B0403020202020204" pitchFamily="34" charset="0"/>
-              </a:rPr>
-              <a:t>: Markov Chain Monte Carlo is a way to use randomness to simulate a process that you wish to study. It works by targetting a probability distribution and building a Markov chain according to that distribution. </a:t>
-            </a:r>
-          </a:p>
-          <a:p>
-            <a:endParaRPr lang="en-FR" dirty="0">
-              <a:latin typeface="Helvetica Neue Thin" panose="020B0403020202020204" pitchFamily="34" charset="0"/>
-              <a:ea typeface="Helvetica Neue Thin" panose="020B0403020202020204" pitchFamily="34" charset="0"/>
-            </a:endParaRPr>
-          </a:p>
-          <a:p>
-            <a:r>
-              <a:rPr lang="en-FR" dirty="0">
-                <a:solidFill>
-                  <a:srgbClr val="0432FF"/>
-                </a:solidFill>
-                <a:latin typeface="Helvetica Neue Thin" panose="020B0403020202020204" pitchFamily="34" charset="0"/>
-                <a:ea typeface="Helvetica Neue Thin" panose="020B0403020202020204" pitchFamily="34" charset="0"/>
-              </a:rPr>
-              <a:t>In our case, we tell the system to maximize entropy, so we’re targetting a distribution that maximizes entropy (i.e. provides the best exploration)</a:t>
-            </a:r>
-          </a:p>
-          <a:p>
-            <a:endParaRPr lang="en-FR" dirty="0">
-              <a:solidFill>
-                <a:srgbClr val="0432FF"/>
-              </a:solidFill>
-              <a:latin typeface="Helvetica Neue Thin" panose="020B0403020202020204" pitchFamily="34" charset="0"/>
-              <a:ea typeface="Helvetica Neue Thin" panose="020B0403020202020204" pitchFamily="34" charset="0"/>
-            </a:endParaRPr>
-          </a:p>
-          <a:p>
-            <a:r>
-              <a:rPr lang="en-GB" b="1" dirty="0">
-                <a:latin typeface="Helvetica Neue Thin" panose="020B0403020202020204" pitchFamily="34" charset="0"/>
-                <a:ea typeface="Helvetica Neue Thin" panose="020B0403020202020204" pitchFamily="34" charset="0"/>
-              </a:rPr>
-              <a:t>﻿</a:t>
-            </a:r>
-            <a:r>
-              <a:rPr lang="en-FR" b="1" dirty="0">
-                <a:solidFill>
-                  <a:srgbClr val="FF0000"/>
-                </a:solidFill>
-                <a:latin typeface="Helvetica Neue Thin" panose="020B0403020202020204" pitchFamily="34" charset="0"/>
-                <a:ea typeface="Helvetica Neue Thin" panose="020B0403020202020204" pitchFamily="34" charset="0"/>
-              </a:rPr>
-              <a:t>DEFINITION</a:t>
-            </a:r>
-            <a:endParaRPr lang="en-GB" b="1" dirty="0">
-              <a:solidFill>
-                <a:srgbClr val="FF0000"/>
-              </a:solidFill>
-              <a:latin typeface="Helvetica Neue Thin" panose="020B0403020202020204" pitchFamily="34" charset="0"/>
-              <a:ea typeface="Helvetica Neue Thin" panose="020B0403020202020204" pitchFamily="34" charset="0"/>
-            </a:endParaRPr>
-          </a:p>
-          <a:p>
-            <a:r>
-              <a:rPr lang="en-GB" b="1" dirty="0">
-                <a:latin typeface="Helvetica Neue Thin" panose="020B0403020202020204" pitchFamily="34" charset="0"/>
-                <a:ea typeface="Helvetica Neue Thin" panose="020B0403020202020204" pitchFamily="34" charset="0"/>
-              </a:rPr>
-              <a:t>Metropolis-Hastings</a:t>
-            </a:r>
-            <a:r>
-              <a:rPr lang="en-GB" dirty="0">
-                <a:latin typeface="Helvetica Neue Thin" panose="020B0403020202020204" pitchFamily="34" charset="0"/>
-                <a:ea typeface="Helvetica Neue Thin" panose="020B0403020202020204" pitchFamily="34" charset="0"/>
-              </a:rPr>
-              <a:t>: a method in MCMC used to generate a sequence of samples and bias the exploration. </a:t>
-            </a:r>
-            <a:endParaRPr lang="en-FR" dirty="0">
-              <a:latin typeface="Helvetica Neue Thin" panose="020B0403020202020204" pitchFamily="34" charset="0"/>
-              <a:ea typeface="Helvetica Neue Thin" panose="020B0403020202020204" pitchFamily="34" charset="0"/>
-            </a:endParaRPr>
-          </a:p>
         </p:txBody>
       </p:sp>
       <p:sp>
         <p:nvSpPr>
-          <p:cNvPr id="7" name="TextBox 6">
-            <a:extLst>
-              <a:ext uri="{FF2B5EF4-FFF2-40B4-BE49-F238E27FC236}">
-                <a16:creationId xmlns:a16="http://schemas.microsoft.com/office/drawing/2014/main" id="{A1296553-2849-7B47-5626-14E9E7F0160C}"/>
-              </a:ext>
-            </a:extLst>
-          </p:cNvPr>
-          <p:cNvSpPr txBox="1"/>
-          <p:nvPr/>
-        </p:nvSpPr>
-        <p:spPr>
-          <a:xfrm>
-            <a:off x="188891" y="124945"/>
-            <a:ext cx="7456093" cy="400110"/>
-          </a:xfrm>
-          <a:prstGeom prst="rect">
-            <a:avLst/>
-          </a:prstGeom>
-          <a:noFill/>
-        </p:spPr>
-        <p:txBody>
-          <a:bodyPr wrap="square" rtlCol="0">
-            <a:spAutoFit/>
-          </a:bodyPr>
-          <a:lstStyle/>
-          <a:p>
-            <a:r>
-              <a:rPr lang="en-FR" sz="2000" dirty="0">
-                <a:latin typeface="Helvetica Neue Thin" panose="020B0403020202020204" pitchFamily="34" charset="0"/>
-                <a:ea typeface="Helvetica Neue Thin" panose="020B0403020202020204" pitchFamily="34" charset="0"/>
-              </a:rPr>
-              <a:t>Markov Chain Monte Carlo (MCMC)</a:t>
-            </a:r>
-            <a:endParaRPr lang="en-FR" sz="2000" dirty="0">
-              <a:latin typeface="Helvetica Neue Thin" panose="020B0403020202020204" pitchFamily="34" charset="0"/>
-              <a:ea typeface="Helvetica Neue Thin" panose="020B0403020202020204" pitchFamily="34" charset="0"/>
-            </a:endParaRPr>
-          </a:p>
-        </p:txBody>
-      </p:sp>
-      <p:sp>
-        <p:nvSpPr>
-          <p:cNvPr id="3" name="Slide Number Placeholder 2">
-            <a:extLst>
-              <a:ext uri="{FF2B5EF4-FFF2-40B4-BE49-F238E27FC236}">
-                <a16:creationId xmlns:a16="http://schemas.microsoft.com/office/drawing/2014/main" id="{9247EE46-0C93-D8D6-1900-001836B10AD5}"/>
+          <p:cNvPr id="2" name="Slide Number Placeholder 1">
+            <a:extLst>
+              <a:ext uri="{FF2B5EF4-FFF2-40B4-BE49-F238E27FC236}">
+                <a16:creationId xmlns:a16="http://schemas.microsoft.com/office/drawing/2014/main" id="{15912553-7681-5AB4-52C1-232E24D72306}"/>
               </a:ext>
             </a:extLst>
           </p:cNvPr>
@@ -6679,7 +6662,7 @@
     </p:spTree>
     <p:extLst>
       <p:ext uri="{BB962C8B-B14F-4D97-AF65-F5344CB8AC3E}">
-        <p14:creationId xmlns:p14="http://schemas.microsoft.com/office/powerpoint/2010/main" val="3722454136"/>
+        <p14:creationId xmlns:p14="http://schemas.microsoft.com/office/powerpoint/2010/main" val="3203066701"/>
       </p:ext>
     </p:extLst>
   </p:cSld>
@@ -6721,6 +6704,358 @@
         <p:spPr>
           <a:xfrm>
             <a:off x="188890" y="876951"/>
+            <a:ext cx="11638349" cy="5632311"/>
+          </a:xfrm>
+          <a:prstGeom prst="rect">
+            <a:avLst/>
+          </a:prstGeom>
+          <a:noFill/>
+        </p:spPr>
+        <p:txBody>
+          <a:bodyPr wrap="square" rtlCol="0">
+            <a:spAutoFit/>
+          </a:bodyPr>
+          <a:lstStyle/>
+          <a:p>
+            <a:r>
+              <a:rPr lang="en-FR" b="1" dirty="0">
+                <a:solidFill>
+                  <a:srgbClr val="FF0000"/>
+                </a:solidFill>
+                <a:latin typeface="Helvetica Neue Thin" panose="020B0403020202020204" pitchFamily="34" charset="0"/>
+                <a:ea typeface="Helvetica Neue Thin" panose="020B0403020202020204" pitchFamily="34" charset="0"/>
+              </a:rPr>
+              <a:t>DEFINITION</a:t>
+            </a:r>
+          </a:p>
+          <a:p>
+            <a:r>
+              <a:rPr lang="en-FR" b="1" dirty="0">
+                <a:latin typeface="Helvetica Neue Thin" panose="020B0403020202020204" pitchFamily="34" charset="0"/>
+                <a:ea typeface="Helvetica Neue Thin" panose="020B0403020202020204" pitchFamily="34" charset="0"/>
+              </a:rPr>
+              <a:t>Markov Chain: a</a:t>
+            </a:r>
+            <a:r>
+              <a:rPr lang="en-FR" dirty="0">
+                <a:latin typeface="Helvetica Neue Thin" panose="020B0403020202020204" pitchFamily="34" charset="0"/>
+                <a:ea typeface="Helvetica Neue Thin" panose="020B0403020202020204" pitchFamily="34" charset="0"/>
+              </a:rPr>
+              <a:t> Markov chain describes a system that transitions between different </a:t>
+            </a:r>
+            <a:r>
+              <a:rPr lang="en-FR" dirty="0">
+                <a:latin typeface="Helvetica Neue Thin" panose="020B0403020202020204" pitchFamily="34" charset="0"/>
+                <a:ea typeface="Helvetica Neue Thin" panose="020B0403020202020204" pitchFamily="34" charset="0"/>
+              </a:rPr>
+              <a:t>states, where transitioning </a:t>
+            </a:r>
+            <a:r>
+              <a:rPr lang="en-FR" dirty="0">
+                <a:latin typeface="Helvetica Neue Thin" panose="020B0403020202020204" pitchFamily="34" charset="0"/>
+                <a:ea typeface="Helvetica Neue Thin" panose="020B0403020202020204" pitchFamily="34" charset="0"/>
+              </a:rPr>
+              <a:t>to the next state depends only on the current state.</a:t>
+            </a:r>
+            <a:endParaRPr lang="en-FR" dirty="0">
+              <a:latin typeface="Helvetica Neue Thin" panose="020B0403020202020204" pitchFamily="34" charset="0"/>
+              <a:ea typeface="Helvetica Neue Thin" panose="020B0403020202020204" pitchFamily="34" charset="0"/>
+            </a:endParaRPr>
+          </a:p>
+          <a:p>
+            <a:endParaRPr lang="en-FR" dirty="0">
+              <a:solidFill>
+                <a:srgbClr val="0432FF"/>
+              </a:solidFill>
+              <a:latin typeface="Helvetica Neue Thin" panose="020B0403020202020204" pitchFamily="34" charset="0"/>
+              <a:ea typeface="Helvetica Neue Thin" panose="020B0403020202020204" pitchFamily="34" charset="0"/>
+            </a:endParaRPr>
+          </a:p>
+          <a:p>
+            <a:r>
+              <a:rPr lang="en-FR" dirty="0">
+                <a:solidFill>
+                  <a:srgbClr val="0432FF"/>
+                </a:solidFill>
+                <a:latin typeface="Helvetica Neue Thin" panose="020B0403020202020204" pitchFamily="34" charset="0"/>
+                <a:ea typeface="Helvetica Neue Thin" panose="020B0403020202020204" pitchFamily="34" charset="0"/>
+              </a:rPr>
+              <a:t>In our case this works because if you are in state S1, whether or not you can take transition t to move to S2 depends only on the state of S1 [S1 reflects the entire history]. The opposite can also be argued (that memory is needed) and is discussed in a later slide. </a:t>
+            </a:r>
+          </a:p>
+          <a:p>
+            <a:endParaRPr lang="en-FR" dirty="0">
+              <a:latin typeface="Helvetica Neue Thin" panose="020B0403020202020204" pitchFamily="34" charset="0"/>
+              <a:ea typeface="Helvetica Neue Thin" panose="020B0403020202020204" pitchFamily="34" charset="0"/>
+            </a:endParaRPr>
+          </a:p>
+          <a:p>
+            <a:r>
+              <a:rPr lang="en-FR" b="1" dirty="0">
+                <a:solidFill>
+                  <a:srgbClr val="FF0000"/>
+                </a:solidFill>
+                <a:latin typeface="Helvetica Neue Thin" panose="020B0403020202020204" pitchFamily="34" charset="0"/>
+                <a:ea typeface="Helvetica Neue Thin" panose="020B0403020202020204" pitchFamily="34" charset="0"/>
+              </a:rPr>
+              <a:t>DEFINITION</a:t>
+            </a:r>
+            <a:endParaRPr lang="en-FR" b="1" dirty="0">
+              <a:solidFill>
+                <a:srgbClr val="FF0000"/>
+              </a:solidFill>
+              <a:latin typeface="HELVETICA NEUE THIN" panose="020B0403020202020204" pitchFamily="34" charset="0"/>
+              <a:ea typeface="HELVETICA NEUE THIN" panose="020B0403020202020204" pitchFamily="34" charset="0"/>
+            </a:endParaRPr>
+          </a:p>
+          <a:p>
+            <a:r>
+              <a:rPr lang="en-FR" b="1" dirty="0">
+                <a:latin typeface="HELVETICA NEUE THIN" panose="020B0403020202020204" pitchFamily="34" charset="0"/>
+                <a:ea typeface="HELVETICA NEUE THIN" panose="020B0403020202020204" pitchFamily="34" charset="0"/>
+              </a:rPr>
+              <a:t>Monte Carlo</a:t>
+            </a:r>
+            <a:r>
+              <a:rPr lang="en-FR" dirty="0">
+                <a:latin typeface="Helvetica Neue Thin" panose="020B0403020202020204" pitchFamily="34" charset="0"/>
+                <a:ea typeface="Helvetica Neue Thin" panose="020B0403020202020204" pitchFamily="34" charset="0"/>
+              </a:rPr>
+              <a:t>: a class of algorithms that rely on random sampling to obtain a result</a:t>
+            </a:r>
+          </a:p>
+          <a:p>
+            <a:endParaRPr lang="en-FR" dirty="0">
+              <a:latin typeface="Helvetica Neue Thin" panose="020B0403020202020204" pitchFamily="34" charset="0"/>
+              <a:ea typeface="Helvetica Neue Thin" panose="020B0403020202020204" pitchFamily="34" charset="0"/>
+            </a:endParaRPr>
+          </a:p>
+          <a:p>
+            <a:r>
+              <a:rPr lang="en-FR" b="1" dirty="0">
+                <a:solidFill>
+                  <a:srgbClr val="FF0000"/>
+                </a:solidFill>
+                <a:latin typeface="Helvetica Neue Thin" panose="020B0403020202020204" pitchFamily="34" charset="0"/>
+                <a:ea typeface="Helvetica Neue Thin" panose="020B0403020202020204" pitchFamily="34" charset="0"/>
+              </a:rPr>
+              <a:t>DEFINITION</a:t>
+            </a:r>
+            <a:endParaRPr lang="en-FR" b="1" dirty="0">
+              <a:solidFill>
+                <a:srgbClr val="FF0000"/>
+              </a:solidFill>
+              <a:latin typeface="HELVETICA NEUE THIN" panose="020B0403020202020204" pitchFamily="34" charset="0"/>
+              <a:ea typeface="HELVETICA NEUE THIN" panose="020B0403020202020204" pitchFamily="34" charset="0"/>
+            </a:endParaRPr>
+          </a:p>
+          <a:p>
+            <a:r>
+              <a:rPr lang="en-FR" b="1" dirty="0">
+                <a:latin typeface="HELVETICA NEUE THIN" panose="020B0403020202020204" pitchFamily="34" charset="0"/>
+                <a:ea typeface="HELVETICA NEUE THIN" panose="020B0403020202020204" pitchFamily="34" charset="0"/>
+              </a:rPr>
+              <a:t>MCMC</a:t>
+            </a:r>
+            <a:r>
+              <a:rPr lang="en-FR" dirty="0">
+                <a:latin typeface="Helvetica Neue Thin" panose="020B0403020202020204" pitchFamily="34" charset="0"/>
+                <a:ea typeface="Helvetica Neue Thin" panose="020B0403020202020204" pitchFamily="34" charset="0"/>
+              </a:rPr>
+              <a:t>: Markov Chain Monte Carlo is a way to use randomness to simulate a process that you wish to study. It works by targetting a probability distribution and building a Markov chain according to that distribution. </a:t>
+            </a:r>
+          </a:p>
+          <a:p>
+            <a:endParaRPr lang="en-FR" dirty="0">
+              <a:latin typeface="Helvetica Neue Thin" panose="020B0403020202020204" pitchFamily="34" charset="0"/>
+              <a:ea typeface="Helvetica Neue Thin" panose="020B0403020202020204" pitchFamily="34" charset="0"/>
+            </a:endParaRPr>
+          </a:p>
+          <a:p>
+            <a:r>
+              <a:rPr lang="en-FR" dirty="0">
+                <a:solidFill>
+                  <a:srgbClr val="0432FF"/>
+                </a:solidFill>
+                <a:latin typeface="Helvetica Neue Thin" panose="020B0403020202020204" pitchFamily="34" charset="0"/>
+                <a:ea typeface="Helvetica Neue Thin" panose="020B0403020202020204" pitchFamily="34" charset="0"/>
+              </a:rPr>
+              <a:t>In our case, we tell the system to maximize entropy, so we’re targetting a distribution that maximizes entropy (i.e. provides the best exploration)</a:t>
+            </a:r>
+          </a:p>
+          <a:p>
+            <a:endParaRPr lang="en-FR" dirty="0">
+              <a:solidFill>
+                <a:srgbClr val="0432FF"/>
+              </a:solidFill>
+              <a:latin typeface="Helvetica Neue Thin" panose="020B0403020202020204" pitchFamily="34" charset="0"/>
+              <a:ea typeface="Helvetica Neue Thin" panose="020B0403020202020204" pitchFamily="34" charset="0"/>
+            </a:endParaRPr>
+          </a:p>
+          <a:p>
+            <a:r>
+              <a:rPr lang="en-GB" b="1" dirty="0">
+                <a:latin typeface="Helvetica Neue Thin" panose="020B0403020202020204" pitchFamily="34" charset="0"/>
+                <a:ea typeface="Helvetica Neue Thin" panose="020B0403020202020204" pitchFamily="34" charset="0"/>
+              </a:rPr>
+              <a:t>﻿</a:t>
+            </a:r>
+            <a:r>
+              <a:rPr lang="en-FR" b="1" dirty="0">
+                <a:solidFill>
+                  <a:srgbClr val="FF0000"/>
+                </a:solidFill>
+                <a:latin typeface="Helvetica Neue Thin" panose="020B0403020202020204" pitchFamily="34" charset="0"/>
+                <a:ea typeface="Helvetica Neue Thin" panose="020B0403020202020204" pitchFamily="34" charset="0"/>
+              </a:rPr>
+              <a:t>DEFINITION</a:t>
+            </a:r>
+            <a:endParaRPr lang="en-GB" b="1" dirty="0">
+              <a:solidFill>
+                <a:srgbClr val="FF0000"/>
+              </a:solidFill>
+              <a:latin typeface="Helvetica Neue Thin" panose="020B0403020202020204" pitchFamily="34" charset="0"/>
+              <a:ea typeface="Helvetica Neue Thin" panose="020B0403020202020204" pitchFamily="34" charset="0"/>
+            </a:endParaRPr>
+          </a:p>
+          <a:p>
+            <a:r>
+              <a:rPr lang="en-GB" b="1" dirty="0">
+                <a:latin typeface="Helvetica Neue Thin" panose="020B0403020202020204" pitchFamily="34" charset="0"/>
+                <a:ea typeface="Helvetica Neue Thin" panose="020B0403020202020204" pitchFamily="34" charset="0"/>
+              </a:rPr>
+              <a:t>Metropolis-Hastings</a:t>
+            </a:r>
+            <a:r>
+              <a:rPr lang="en-GB" dirty="0">
+                <a:latin typeface="Helvetica Neue Thin" panose="020B0403020202020204" pitchFamily="34" charset="0"/>
+                <a:ea typeface="Helvetica Neue Thin" panose="020B0403020202020204" pitchFamily="34" charset="0"/>
+              </a:rPr>
+              <a:t>: a method in MCMC used to generate a sequence of samples and bias the exploration. </a:t>
+            </a:r>
+            <a:endParaRPr lang="en-FR" dirty="0">
+              <a:latin typeface="Helvetica Neue Thin" panose="020B0403020202020204" pitchFamily="34" charset="0"/>
+              <a:ea typeface="Helvetica Neue Thin" panose="020B0403020202020204" pitchFamily="34" charset="0"/>
+            </a:endParaRPr>
+          </a:p>
+        </p:txBody>
+      </p:sp>
+      <p:sp>
+        <p:nvSpPr>
+          <p:cNvPr id="7" name="TextBox 6">
+            <a:extLst>
+              <a:ext uri="{FF2B5EF4-FFF2-40B4-BE49-F238E27FC236}">
+                <a16:creationId xmlns:a16="http://schemas.microsoft.com/office/drawing/2014/main" id="{A1296553-2849-7B47-5626-14E9E7F0160C}"/>
+              </a:ext>
+            </a:extLst>
+          </p:cNvPr>
+          <p:cNvSpPr txBox="1"/>
+          <p:nvPr/>
+        </p:nvSpPr>
+        <p:spPr>
+          <a:xfrm>
+            <a:off x="188891" y="124945"/>
+            <a:ext cx="7456093" cy="400110"/>
+          </a:xfrm>
+          <a:prstGeom prst="rect">
+            <a:avLst/>
+          </a:prstGeom>
+          <a:noFill/>
+        </p:spPr>
+        <p:txBody>
+          <a:bodyPr wrap="square" rtlCol="0">
+            <a:spAutoFit/>
+          </a:bodyPr>
+          <a:lstStyle/>
+          <a:p>
+            <a:r>
+              <a:rPr lang="en-FR" sz="2000" dirty="0">
+                <a:latin typeface="Helvetica Neue Thin" panose="020B0403020202020204" pitchFamily="34" charset="0"/>
+                <a:ea typeface="Helvetica Neue Thin" panose="020B0403020202020204" pitchFamily="34" charset="0"/>
+              </a:rPr>
+              <a:t>Markov Chain Monte Carlo (MCMC)</a:t>
+            </a:r>
+            <a:endParaRPr lang="en-FR" sz="2000" dirty="0">
+              <a:latin typeface="Helvetica Neue Thin" panose="020B0403020202020204" pitchFamily="34" charset="0"/>
+              <a:ea typeface="Helvetica Neue Thin" panose="020B0403020202020204" pitchFamily="34" charset="0"/>
+            </a:endParaRPr>
+          </a:p>
+        </p:txBody>
+      </p:sp>
+      <p:sp>
+        <p:nvSpPr>
+          <p:cNvPr id="3" name="Slide Number Placeholder 2">
+            <a:extLst>
+              <a:ext uri="{FF2B5EF4-FFF2-40B4-BE49-F238E27FC236}">
+                <a16:creationId xmlns:a16="http://schemas.microsoft.com/office/drawing/2014/main" id="{9247EE46-0C93-D8D6-1900-001836B10AD5}"/>
+              </a:ext>
+            </a:extLst>
+          </p:cNvPr>
+          <p:cNvSpPr>
+            <a:spLocks noGrp="1"/>
+          </p:cNvSpPr>
+          <p:nvPr>
+            <p:ph type="sldNum" sz="quarter" idx="12"/>
+          </p:nvPr>
+        </p:nvSpPr>
+        <p:spPr/>
+        <p:txBody>
+          <a:bodyPr/>
+          <a:lstStyle/>
+          <a:p>
+            <a:fld id="{4A936E34-E911-F947-B710-F12161D09F63}" type="slidenum">
+              <a:rPr lang="en-FR" smtClean="0"/>
+              <a:t>17</a:t>
+            </a:fld>
+            <a:endParaRPr lang="en-FR"/>
+          </a:p>
+        </p:txBody>
+      </p:sp>
+    </p:spTree>
+    <p:extLst>
+      <p:ext uri="{BB962C8B-B14F-4D97-AF65-F5344CB8AC3E}">
+        <p14:creationId xmlns:p14="http://schemas.microsoft.com/office/powerpoint/2010/main" val="3722454136"/>
+      </p:ext>
+    </p:extLst>
+  </p:cSld>
+  <p:clrMapOvr>
+    <a:masterClrMapping/>
+  </p:clrMapOvr>
+</p:sld>
+</file>
+
+<file path=ppt/slides/slide18.xml><?xml version="1.0" encoding="utf-8"?>
+<p:sld xmlns:a="http://schemas.openxmlformats.org/drawingml/2006/main" xmlns:r="http://schemas.openxmlformats.org/officeDocument/2006/relationships" xmlns:p="http://schemas.openxmlformats.org/presentationml/2006/main">
+  <p:cSld>
+    <p:spTree>
+      <p:nvGrpSpPr>
+        <p:cNvPr id="1" name=""/>
+        <p:cNvGrpSpPr/>
+        <p:nvPr/>
+      </p:nvGrpSpPr>
+      <p:grpSpPr>
+        <a:xfrm>
+          <a:off x="0" y="0"/>
+          <a:ext cx="0" cy="0"/>
+          <a:chOff x="0" y="0"/>
+          <a:chExt cx="0" cy="0"/>
+        </a:xfrm>
+      </p:grpSpPr>
+      <p:sp>
+        <p:nvSpPr>
+          <p:cNvPr id="2" name="TextBox 1">
+            <a:extLst>
+              <a:ext uri="{FF2B5EF4-FFF2-40B4-BE49-F238E27FC236}">
+                <a16:creationId xmlns:a16="http://schemas.microsoft.com/office/drawing/2014/main" id="{6C2B10C5-9FBB-B160-EF82-2177DA7A747F}"/>
+              </a:ext>
+            </a:extLst>
+          </p:cNvPr>
+          <p:cNvSpPr txBox="1"/>
+          <p:nvPr/>
+        </p:nvSpPr>
+        <p:spPr>
+          <a:xfrm>
+            <a:off x="188890" y="876951"/>
             <a:ext cx="11638349" cy="5355312"/>
           </a:xfrm>
           <a:prstGeom prst="rect">
@@ -7019,7 +7354,7 @@
           <a:p>
             <a:fld id="{4A936E34-E911-F947-B710-F12161D09F63}" type="slidenum">
               <a:rPr lang="en-FR" smtClean="0"/>
-              <a:t>17</a:t>
+              <a:t>18</a:t>
             </a:fld>
             <a:endParaRPr lang="en-FR"/>
           </a:p>
@@ -7038,7 +7373,7 @@
 </p:sld>
 </file>
 
-<file path=ppt/slides/slide18.xml><?xml version="1.0" encoding="utf-8"?>
+<file path=ppt/slides/slide19.xml><?xml version="1.0" encoding="utf-8"?>
 <p:sld xmlns:a="http://schemas.openxmlformats.org/drawingml/2006/main" xmlns:r="http://schemas.openxmlformats.org/officeDocument/2006/relationships" xmlns:p="http://schemas.openxmlformats.org/presentationml/2006/main">
   <p:cSld>
     <p:spTree>
@@ -9904,7 +10239,7 @@
           <a:p>
             <a:fld id="{4A936E34-E911-F947-B710-F12161D09F63}" type="slidenum">
               <a:rPr lang="en-FR" smtClean="0"/>
-              <a:t>18</a:t>
+              <a:t>19</a:t>
             </a:fld>
             <a:endParaRPr lang="en-FR"/>
           </a:p>
@@ -9923,7 +10258,976 @@
 </p:sld>
 </file>
 
-<file path=ppt/slides/slide19.xml><?xml version="1.0" encoding="utf-8"?>
+<file path=ppt/slides/slide2.xml><?xml version="1.0" encoding="utf-8"?>
+<p:sld xmlns:a="http://schemas.openxmlformats.org/drawingml/2006/main" xmlns:r="http://schemas.openxmlformats.org/officeDocument/2006/relationships" xmlns:p="http://schemas.openxmlformats.org/presentationml/2006/main">
+  <p:cSld>
+    <p:spTree>
+      <p:nvGrpSpPr>
+        <p:cNvPr id="1" name=""/>
+        <p:cNvGrpSpPr/>
+        <p:nvPr/>
+      </p:nvGrpSpPr>
+      <p:grpSpPr>
+        <a:xfrm>
+          <a:off x="0" y="0"/>
+          <a:ext cx="0" cy="0"/>
+          <a:chOff x="0" y="0"/>
+          <a:chExt cx="0" cy="0"/>
+        </a:xfrm>
+      </p:grpSpPr>
+      <p:sp>
+        <p:nvSpPr>
+          <p:cNvPr id="4" name="TextBox 3">
+            <a:extLst>
+              <a:ext uri="{FF2B5EF4-FFF2-40B4-BE49-F238E27FC236}">
+                <a16:creationId xmlns:a16="http://schemas.microsoft.com/office/drawing/2014/main" id="{F5F73896-F4EB-E849-80F9-177FCC2DDE24}"/>
+              </a:ext>
+            </a:extLst>
+          </p:cNvPr>
+          <p:cNvSpPr txBox="1"/>
+          <p:nvPr/>
+        </p:nvSpPr>
+        <p:spPr>
+          <a:xfrm>
+            <a:off x="314792" y="509666"/>
+            <a:ext cx="11688317" cy="1323439"/>
+          </a:xfrm>
+          <a:prstGeom prst="rect">
+            <a:avLst/>
+          </a:prstGeom>
+          <a:noFill/>
+        </p:spPr>
+        <p:txBody>
+          <a:bodyPr wrap="square" rtlCol="0">
+            <a:spAutoFit/>
+          </a:bodyPr>
+          <a:lstStyle/>
+          <a:p>
+            <a:r>
+              <a:rPr lang="en-US" sz="1800" dirty="0">
+                <a:effectLst/>
+                <a:latin typeface="Helvetica Neue Thin" panose="020B0403020202020204" pitchFamily="34" charset="0"/>
+                <a:ea typeface="Helvetica Neue Thin" panose="020B0403020202020204" pitchFamily="34" charset="0"/>
+                <a:cs typeface="Times New Roman" panose="02020603050405020304" pitchFamily="18" charset="0"/>
+              </a:rPr>
+              <a:t>Run Cubicle forward to explore </a:t>
+            </a:r>
+            <a:r>
+              <a:rPr lang="en-US" sz="1800" dirty="0">
+                <a:effectLst/>
+                <a:latin typeface="Helvetica Neue Thin" panose="020B0403020202020204" pitchFamily="34" charset="0"/>
+                <a:ea typeface="Helvetica Neue Thin" panose="020B0403020202020204" pitchFamily="34" charset="0"/>
+                <a:cs typeface="Times New Roman" panose="02020603050405020304" pitchFamily="18" charset="0"/>
+              </a:rPr>
+              <a:t>the model </a:t>
+            </a:r>
+            <a:r>
+              <a:rPr lang="en-US" sz="1800" strike="sngStrike" dirty="0">
+                <a:effectLst/>
+                <a:latin typeface="Helvetica Neue Thin" panose="020B0403020202020204" pitchFamily="34" charset="0"/>
+                <a:ea typeface="Helvetica Neue Thin" panose="020B0403020202020204" pitchFamily="34" charset="0"/>
+                <a:cs typeface="Times New Roman" panose="02020603050405020304" pitchFamily="18" charset="0"/>
+              </a:rPr>
+              <a:t>evenly</a:t>
+            </a:r>
+            <a:r>
+              <a:rPr lang="en-US" sz="1800" dirty="0">
+                <a:effectLst/>
+                <a:latin typeface="Helvetica Neue Thin" panose="020B0403020202020204" pitchFamily="34" charset="0"/>
+                <a:ea typeface="Helvetica Neue Thin" panose="020B0403020202020204" pitchFamily="34" charset="0"/>
+                <a:cs typeface="Times New Roman" panose="02020603050405020304" pitchFamily="18" charset="0"/>
+              </a:rPr>
+              <a:t>.</a:t>
+            </a:r>
+            <a:endParaRPr lang="en-US" sz="1800" dirty="0">
+              <a:effectLst/>
+              <a:latin typeface="Helvetica Neue Thin" panose="020B0403020202020204" pitchFamily="34" charset="0"/>
+              <a:ea typeface="Helvetica Neue Thin" panose="020B0403020202020204" pitchFamily="34" charset="0"/>
+              <a:cs typeface="Times New Roman" panose="02020603050405020304" pitchFamily="18" charset="0"/>
+            </a:endParaRPr>
+          </a:p>
+          <a:p>
+            <a:endParaRPr lang="en-US" sz="800" dirty="0">
+              <a:effectLst/>
+              <a:latin typeface="Helvetica Neue Thin" panose="020B0403020202020204" pitchFamily="34" charset="0"/>
+              <a:ea typeface="Helvetica Neue Thin" panose="020B0403020202020204" pitchFamily="34" charset="0"/>
+              <a:cs typeface="Times New Roman" panose="02020603050405020304" pitchFamily="18" charset="0"/>
+            </a:endParaRPr>
+          </a:p>
+          <a:p>
+            <a:r>
+              <a:rPr lang="en-US" dirty="0">
+                <a:latin typeface="Helvetica Neue Thin" panose="020B0403020202020204" pitchFamily="34" charset="0"/>
+                <a:ea typeface="Helvetica Neue Thin" panose="020B0403020202020204" pitchFamily="34" charset="0"/>
+                <a:cs typeface="Times New Roman" panose="02020603050405020304" pitchFamily="18" charset="0"/>
+              </a:rPr>
+              <a:t>I</a:t>
+            </a:r>
+            <a:r>
+              <a:rPr lang="en-US" sz="1800" dirty="0">
+                <a:effectLst/>
+                <a:latin typeface="Helvetica Neue Thin" panose="020B0403020202020204" pitchFamily="34" charset="0"/>
+                <a:ea typeface="Helvetica Neue Thin" panose="020B0403020202020204" pitchFamily="34" charset="0"/>
+                <a:cs typeface="Times New Roman" panose="02020603050405020304" pitchFamily="18" charset="0"/>
+              </a:rPr>
+              <a:t>f a behavior that leads to a transition is rare then a simple random generation might not go that way enough times. The exploration </a:t>
+            </a:r>
+            <a:r>
+              <a:rPr lang="en-US" sz="1800" dirty="0">
+                <a:effectLst/>
+                <a:latin typeface="Helvetica Neue Thin" panose="020B0403020202020204" pitchFamily="34" charset="0"/>
+                <a:ea typeface="Helvetica Neue Thin" panose="020B0403020202020204" pitchFamily="34" charset="0"/>
+                <a:cs typeface="Times New Roman" panose="02020603050405020304" pitchFamily="18" charset="0"/>
+              </a:rPr>
+              <a:t>is uneven. </a:t>
+            </a:r>
+            <a:endParaRPr lang="en-FR" sz="1800" dirty="0">
+              <a:effectLst/>
+              <a:latin typeface="Helvetica Neue Thin" panose="020B0403020202020204" pitchFamily="34" charset="0"/>
+              <a:ea typeface="Helvetica Neue Thin" panose="020B0403020202020204" pitchFamily="34" charset="0"/>
+              <a:cs typeface="Times New Roman" panose="02020603050405020304" pitchFamily="18" charset="0"/>
+            </a:endParaRPr>
+          </a:p>
+          <a:p>
+            <a:endParaRPr lang="en-FR" dirty="0"/>
+          </a:p>
+        </p:txBody>
+      </p:sp>
+      <p:sp>
+        <p:nvSpPr>
+          <p:cNvPr id="5" name="TextBox 4">
+            <a:extLst>
+              <a:ext uri="{FF2B5EF4-FFF2-40B4-BE49-F238E27FC236}">
+                <a16:creationId xmlns:a16="http://schemas.microsoft.com/office/drawing/2014/main" id="{0E55E15F-F2F8-5082-08A8-B25CA078916A}"/>
+              </a:ext>
+            </a:extLst>
+          </p:cNvPr>
+          <p:cNvSpPr txBox="1"/>
+          <p:nvPr/>
+        </p:nvSpPr>
+        <p:spPr>
+          <a:xfrm>
+            <a:off x="314792" y="1802328"/>
+            <a:ext cx="11688317" cy="369332"/>
+          </a:xfrm>
+          <a:prstGeom prst="rect">
+            <a:avLst/>
+          </a:prstGeom>
+          <a:noFill/>
+        </p:spPr>
+        <p:txBody>
+          <a:bodyPr wrap="square" rtlCol="0">
+            <a:spAutoFit/>
+          </a:bodyPr>
+          <a:lstStyle/>
+          <a:p>
+            <a:r>
+              <a:rPr lang="en-FR" dirty="0">
+                <a:solidFill>
+                  <a:srgbClr val="00B050"/>
+                </a:solidFill>
+                <a:latin typeface="Helvetica Neue Thin" panose="020B0403020202020204" pitchFamily="34" charset="0"/>
+                <a:ea typeface="Helvetica Neue Thin" panose="020B0403020202020204" pitchFamily="34" charset="0"/>
+                <a:cs typeface="Helvetica Neue" panose="02000503000000020004" pitchFamily="2" charset="0"/>
+              </a:rPr>
+              <a:t>Running example: cascading if </a:t>
+            </a:r>
+            <a:endParaRPr lang="en-FR" dirty="0">
+              <a:solidFill>
+                <a:srgbClr val="00B050"/>
+              </a:solidFill>
+              <a:latin typeface="Helvetica Neue Thin" panose="020B0403020202020204" pitchFamily="34" charset="0"/>
+              <a:ea typeface="Helvetica Neue Thin" panose="020B0403020202020204" pitchFamily="34" charset="0"/>
+              <a:cs typeface="Helvetica Neue" panose="02000503000000020004" pitchFamily="2" charset="0"/>
+            </a:endParaRPr>
+          </a:p>
+        </p:txBody>
+      </p:sp>
+      <p:sp>
+        <p:nvSpPr>
+          <p:cNvPr id="6" name="TextBox 5">
+            <a:extLst>
+              <a:ext uri="{FF2B5EF4-FFF2-40B4-BE49-F238E27FC236}">
+                <a16:creationId xmlns:a16="http://schemas.microsoft.com/office/drawing/2014/main" id="{7C323C4D-8313-8D67-3C67-D0C6A22DF5C3}"/>
+              </a:ext>
+            </a:extLst>
+          </p:cNvPr>
+          <p:cNvSpPr txBox="1"/>
+          <p:nvPr/>
+        </p:nvSpPr>
+        <p:spPr>
+          <a:xfrm>
+            <a:off x="314791" y="2217827"/>
+            <a:ext cx="11688317" cy="2123658"/>
+          </a:xfrm>
+          <a:prstGeom prst="rect">
+            <a:avLst/>
+          </a:prstGeom>
+          <a:noFill/>
+        </p:spPr>
+        <p:txBody>
+          <a:bodyPr wrap="square" rtlCol="0">
+            <a:spAutoFit/>
+          </a:bodyPr>
+          <a:lstStyle/>
+          <a:p>
+            <a:r>
+              <a:rPr lang="en-GB" sz="1200" dirty="0">
+                <a:latin typeface="Cambria Math" panose="02040503050406030204" pitchFamily="18" charset="0"/>
+                <a:ea typeface="Cambria Math" panose="02040503050406030204" pitchFamily="18" charset="0"/>
+                <a:cs typeface="CMU Serif Roman" panose="02000603000000000000" pitchFamily="2" charset="0"/>
+              </a:rPr>
+              <a:t>transition t1(</a:t>
+            </a:r>
+            <a:r>
+              <a:rPr lang="en-GB" sz="1200" dirty="0" err="1">
+                <a:latin typeface="Cambria Math" panose="02040503050406030204" pitchFamily="18" charset="0"/>
+                <a:ea typeface="Cambria Math" panose="02040503050406030204" pitchFamily="18" charset="0"/>
+                <a:cs typeface="CMU Serif Roman" panose="02000603000000000000" pitchFamily="2" charset="0"/>
+              </a:rPr>
+              <a:t>i</a:t>
+            </a:r>
+            <a:r>
+              <a:rPr lang="en-GB" sz="1200" dirty="0">
+                <a:latin typeface="Cambria Math" panose="02040503050406030204" pitchFamily="18" charset="0"/>
+                <a:ea typeface="Cambria Math" panose="02040503050406030204" pitchFamily="18" charset="0"/>
+                <a:cs typeface="CMU Serif Roman" panose="02000603000000000000" pitchFamily="2" charset="0"/>
+              </a:rPr>
+              <a:t>)</a:t>
+            </a:r>
+          </a:p>
+          <a:p>
+            <a:r>
+              <a:rPr lang="en-GB" sz="1200" dirty="0">
+                <a:latin typeface="Cambria Math" panose="02040503050406030204" pitchFamily="18" charset="0"/>
+                <a:ea typeface="Cambria Math" panose="02040503050406030204" pitchFamily="18" charset="0"/>
+                <a:cs typeface="CMU Serif Roman" panose="02000603000000000000" pitchFamily="2" charset="0"/>
+              </a:rPr>
+              <a:t>requires {PC[</a:t>
+            </a:r>
+            <a:r>
+              <a:rPr lang="en-GB" sz="1200" dirty="0" err="1">
+                <a:latin typeface="Cambria Math" panose="02040503050406030204" pitchFamily="18" charset="0"/>
+                <a:ea typeface="Cambria Math" panose="02040503050406030204" pitchFamily="18" charset="0"/>
+                <a:cs typeface="CMU Serif Roman" panose="02000603000000000000" pitchFamily="2" charset="0"/>
+              </a:rPr>
+              <a:t>i</a:t>
+            </a:r>
+            <a:r>
+              <a:rPr lang="en-GB" sz="1200" dirty="0">
+                <a:latin typeface="Cambria Math" panose="02040503050406030204" pitchFamily="18" charset="0"/>
+                <a:ea typeface="Cambria Math" panose="02040503050406030204" pitchFamily="18" charset="0"/>
+                <a:cs typeface="CMU Serif Roman" panose="02000603000000000000" pitchFamily="2" charset="0"/>
+              </a:rPr>
+              <a:t>] = A1} {PC[</a:t>
+            </a:r>
+            <a:r>
+              <a:rPr lang="en-GB" sz="1200" dirty="0" err="1">
+                <a:latin typeface="Cambria Math" panose="02040503050406030204" pitchFamily="18" charset="0"/>
+                <a:ea typeface="Cambria Math" panose="02040503050406030204" pitchFamily="18" charset="0"/>
+                <a:cs typeface="CMU Serif Roman" panose="02000603000000000000" pitchFamily="2" charset="0"/>
+              </a:rPr>
+              <a:t>i</a:t>
+            </a:r>
+            <a:r>
+              <a:rPr lang="en-GB" sz="1200" dirty="0">
+                <a:latin typeface="Cambria Math" panose="02040503050406030204" pitchFamily="18" charset="0"/>
+                <a:ea typeface="Cambria Math" panose="02040503050406030204" pitchFamily="18" charset="0"/>
+                <a:cs typeface="CMU Serif Roman" panose="02000603000000000000" pitchFamily="2" charset="0"/>
+              </a:rPr>
+              <a:t>] := A2}</a:t>
+            </a:r>
+          </a:p>
+          <a:p>
+            <a:endParaRPr lang="en-GB" sz="1200" dirty="0">
+              <a:latin typeface="Cambria Math" panose="02040503050406030204" pitchFamily="18" charset="0"/>
+              <a:ea typeface="Cambria Math" panose="02040503050406030204" pitchFamily="18" charset="0"/>
+              <a:cs typeface="CMU Serif Roman" panose="02000603000000000000" pitchFamily="2" charset="0"/>
+            </a:endParaRPr>
+          </a:p>
+          <a:p>
+            <a:r>
+              <a:rPr lang="en-GB" sz="1200" dirty="0">
+                <a:latin typeface="Cambria Math" panose="02040503050406030204" pitchFamily="18" charset="0"/>
+                <a:ea typeface="Cambria Math" panose="02040503050406030204" pitchFamily="18" charset="0"/>
+                <a:cs typeface="CMU Serif Roman" panose="02000603000000000000" pitchFamily="2" charset="0"/>
+              </a:rPr>
+              <a:t>transition t2(</a:t>
+            </a:r>
+            <a:r>
+              <a:rPr lang="en-GB" sz="1200" dirty="0" err="1">
+                <a:latin typeface="Cambria Math" panose="02040503050406030204" pitchFamily="18" charset="0"/>
+                <a:ea typeface="Cambria Math" panose="02040503050406030204" pitchFamily="18" charset="0"/>
+                <a:cs typeface="CMU Serif Roman" panose="02000603000000000000" pitchFamily="2" charset="0"/>
+              </a:rPr>
+              <a:t>i</a:t>
+            </a:r>
+            <a:r>
+              <a:rPr lang="en-GB" sz="1200" dirty="0">
+                <a:latin typeface="Cambria Math" panose="02040503050406030204" pitchFamily="18" charset="0"/>
+                <a:ea typeface="Cambria Math" panose="02040503050406030204" pitchFamily="18" charset="0"/>
+                <a:cs typeface="CMU Serif Roman" panose="02000603000000000000" pitchFamily="2" charset="0"/>
+              </a:rPr>
+              <a:t>)</a:t>
+            </a:r>
+          </a:p>
+          <a:p>
+            <a:r>
+              <a:rPr lang="en-GB" sz="1200" dirty="0">
+                <a:latin typeface="Cambria Math" panose="02040503050406030204" pitchFamily="18" charset="0"/>
+                <a:ea typeface="Cambria Math" panose="02040503050406030204" pitchFamily="18" charset="0"/>
+                <a:cs typeface="CMU Serif Roman" panose="02000603000000000000" pitchFamily="2" charset="0"/>
+              </a:rPr>
+              <a:t>requires {PC[</a:t>
+            </a:r>
+            <a:r>
+              <a:rPr lang="en-GB" sz="1200" dirty="0" err="1">
+                <a:latin typeface="Cambria Math" panose="02040503050406030204" pitchFamily="18" charset="0"/>
+                <a:ea typeface="Cambria Math" panose="02040503050406030204" pitchFamily="18" charset="0"/>
+                <a:cs typeface="CMU Serif Roman" panose="02000603000000000000" pitchFamily="2" charset="0"/>
+              </a:rPr>
+              <a:t>i</a:t>
+            </a:r>
+            <a:r>
+              <a:rPr lang="en-GB" sz="1200" dirty="0">
+                <a:latin typeface="Cambria Math" panose="02040503050406030204" pitchFamily="18" charset="0"/>
+                <a:ea typeface="Cambria Math" panose="02040503050406030204" pitchFamily="18" charset="0"/>
+                <a:cs typeface="CMU Serif Roman" panose="02000603000000000000" pitchFamily="2" charset="0"/>
+              </a:rPr>
+              <a:t>] = A2} {PC[</a:t>
+            </a:r>
+            <a:r>
+              <a:rPr lang="en-GB" sz="1200" dirty="0" err="1">
+                <a:latin typeface="Cambria Math" panose="02040503050406030204" pitchFamily="18" charset="0"/>
+                <a:ea typeface="Cambria Math" panose="02040503050406030204" pitchFamily="18" charset="0"/>
+                <a:cs typeface="CMU Serif Roman" panose="02000603000000000000" pitchFamily="2" charset="0"/>
+              </a:rPr>
+              <a:t>i</a:t>
+            </a:r>
+            <a:r>
+              <a:rPr lang="en-GB" sz="1200" dirty="0">
+                <a:latin typeface="Cambria Math" panose="02040503050406030204" pitchFamily="18" charset="0"/>
+                <a:ea typeface="Cambria Math" panose="02040503050406030204" pitchFamily="18" charset="0"/>
+                <a:cs typeface="CMU Serif Roman" panose="02000603000000000000" pitchFamily="2" charset="0"/>
+              </a:rPr>
+              <a:t>] := A3}</a:t>
+            </a:r>
+          </a:p>
+          <a:p>
+            <a:endParaRPr lang="en-GB" sz="1200" dirty="0">
+              <a:latin typeface="Cambria Math" panose="02040503050406030204" pitchFamily="18" charset="0"/>
+              <a:ea typeface="Cambria Math" panose="02040503050406030204" pitchFamily="18" charset="0"/>
+              <a:cs typeface="CMU Serif Roman" panose="02000603000000000000" pitchFamily="2" charset="0"/>
+            </a:endParaRPr>
+          </a:p>
+          <a:p>
+            <a:r>
+              <a:rPr lang="en-GB" sz="1200" dirty="0">
+                <a:latin typeface="Cambria Math" panose="02040503050406030204" pitchFamily="18" charset="0"/>
+                <a:ea typeface="Cambria Math" panose="02040503050406030204" pitchFamily="18" charset="0"/>
+                <a:cs typeface="CMU Serif Roman" panose="02000603000000000000" pitchFamily="2" charset="0"/>
+              </a:rPr>
+              <a:t>transition t(</a:t>
+            </a:r>
+            <a:r>
+              <a:rPr lang="en-GB" sz="1200" dirty="0" err="1">
+                <a:latin typeface="Cambria Math" panose="02040503050406030204" pitchFamily="18" charset="0"/>
+                <a:ea typeface="Cambria Math" panose="02040503050406030204" pitchFamily="18" charset="0"/>
+                <a:cs typeface="CMU Serif Roman" panose="02000603000000000000" pitchFamily="2" charset="0"/>
+              </a:rPr>
+              <a:t>i</a:t>
+            </a:r>
+            <a:r>
+              <a:rPr lang="en-GB" sz="1200" dirty="0">
+                <a:latin typeface="Cambria Math" panose="02040503050406030204" pitchFamily="18" charset="0"/>
+                <a:ea typeface="Cambria Math" panose="02040503050406030204" pitchFamily="18" charset="0"/>
+                <a:cs typeface="CMU Serif Roman" panose="02000603000000000000" pitchFamily="2" charset="0"/>
+              </a:rPr>
+              <a:t>)</a:t>
+            </a:r>
+          </a:p>
+          <a:p>
+            <a:r>
+              <a:rPr lang="en-GB" sz="1200" dirty="0">
+                <a:latin typeface="Cambria Math" panose="02040503050406030204" pitchFamily="18" charset="0"/>
+                <a:ea typeface="Cambria Math" panose="02040503050406030204" pitchFamily="18" charset="0"/>
+                <a:cs typeface="CMU Serif Roman" panose="02000603000000000000" pitchFamily="2" charset="0"/>
+              </a:rPr>
+              <a:t>requires {PC[</a:t>
+            </a:r>
+            <a:r>
+              <a:rPr lang="en-GB" sz="1200" dirty="0" err="1">
+                <a:latin typeface="Cambria Math" panose="02040503050406030204" pitchFamily="18" charset="0"/>
+                <a:ea typeface="Cambria Math" panose="02040503050406030204" pitchFamily="18" charset="0"/>
+                <a:cs typeface="CMU Serif Roman" panose="02000603000000000000" pitchFamily="2" charset="0"/>
+              </a:rPr>
+              <a:t>i</a:t>
+            </a:r>
+            <a:r>
+              <a:rPr lang="en-GB" sz="1200" dirty="0">
+                <a:latin typeface="Cambria Math" panose="02040503050406030204" pitchFamily="18" charset="0"/>
+                <a:ea typeface="Cambria Math" panose="02040503050406030204" pitchFamily="18" charset="0"/>
+                <a:cs typeface="CMU Serif Roman" panose="02000603000000000000" pitchFamily="2" charset="0"/>
+              </a:rPr>
+              <a:t>] = A3 &amp;&amp; </a:t>
+            </a:r>
+            <a:r>
+              <a:rPr lang="en-GB" sz="1200" dirty="0" err="1">
+                <a:latin typeface="Cambria Math" panose="02040503050406030204" pitchFamily="18" charset="0"/>
+                <a:ea typeface="Cambria Math" panose="02040503050406030204" pitchFamily="18" charset="0"/>
+                <a:cs typeface="CMU Serif Roman" panose="02000603000000000000" pitchFamily="2" charset="0"/>
+              </a:rPr>
+              <a:t>forall_other</a:t>
+            </a:r>
+            <a:r>
+              <a:rPr lang="en-GB" sz="1200" dirty="0">
+                <a:latin typeface="Cambria Math" panose="02040503050406030204" pitchFamily="18" charset="0"/>
+                <a:ea typeface="Cambria Math" panose="02040503050406030204" pitchFamily="18" charset="0"/>
+                <a:cs typeface="CMU Serif Roman" panose="02000603000000000000" pitchFamily="2" charset="0"/>
+              </a:rPr>
+              <a:t> j. PC[j] = A3} { X := X+1; PC[k] := case | _ : A1}</a:t>
+            </a:r>
+          </a:p>
+          <a:p>
+            <a:endParaRPr lang="en-GB" sz="1200" dirty="0">
+              <a:latin typeface="Cambria Math" panose="02040503050406030204" pitchFamily="18" charset="0"/>
+              <a:ea typeface="Cambria Math" panose="02040503050406030204" pitchFamily="18" charset="0"/>
+              <a:cs typeface="CMU Serif Roman" panose="02000603000000000000" pitchFamily="2" charset="0"/>
+            </a:endParaRPr>
+          </a:p>
+          <a:p>
+            <a:r>
+              <a:rPr lang="en-GB" sz="1200" dirty="0">
+                <a:latin typeface="Cambria Math" panose="02040503050406030204" pitchFamily="18" charset="0"/>
+                <a:ea typeface="Cambria Math" panose="02040503050406030204" pitchFamily="18" charset="0"/>
+                <a:cs typeface="CMU Serif Roman" panose="02000603000000000000" pitchFamily="2" charset="0"/>
+              </a:rPr>
+              <a:t>transition t4(</a:t>
+            </a:r>
+            <a:r>
+              <a:rPr lang="en-GB" sz="1200" dirty="0" err="1">
+                <a:latin typeface="Cambria Math" panose="02040503050406030204" pitchFamily="18" charset="0"/>
+                <a:ea typeface="Cambria Math" panose="02040503050406030204" pitchFamily="18" charset="0"/>
+                <a:cs typeface="CMU Serif Roman" panose="02000603000000000000" pitchFamily="2" charset="0"/>
+              </a:rPr>
+              <a:t>i</a:t>
+            </a:r>
+            <a:r>
+              <a:rPr lang="en-GB" sz="1200" dirty="0">
+                <a:latin typeface="Cambria Math" panose="02040503050406030204" pitchFamily="18" charset="0"/>
+                <a:ea typeface="Cambria Math" panose="02040503050406030204" pitchFamily="18" charset="0"/>
+                <a:cs typeface="CMU Serif Roman" panose="02000603000000000000" pitchFamily="2" charset="0"/>
+              </a:rPr>
+              <a:t> j)</a:t>
+            </a:r>
+          </a:p>
+          <a:p>
+            <a:r>
+              <a:rPr lang="en-GB" sz="1200" dirty="0">
+                <a:latin typeface="Cambria Math" panose="02040503050406030204" pitchFamily="18" charset="0"/>
+                <a:ea typeface="Cambria Math" panose="02040503050406030204" pitchFamily="18" charset="0"/>
+                <a:cs typeface="CMU Serif Roman" panose="02000603000000000000" pitchFamily="2" charset="0"/>
+              </a:rPr>
+              <a:t>requires {PC[</a:t>
+            </a:r>
+            <a:r>
+              <a:rPr lang="en-GB" sz="1200" dirty="0" err="1">
+                <a:latin typeface="Cambria Math" panose="02040503050406030204" pitchFamily="18" charset="0"/>
+                <a:ea typeface="Cambria Math" panose="02040503050406030204" pitchFamily="18" charset="0"/>
+                <a:cs typeface="CMU Serif Roman" panose="02000603000000000000" pitchFamily="2" charset="0"/>
+              </a:rPr>
+              <a:t>i</a:t>
+            </a:r>
+            <a:r>
+              <a:rPr lang="en-GB" sz="1200" dirty="0">
+                <a:latin typeface="Cambria Math" panose="02040503050406030204" pitchFamily="18" charset="0"/>
+                <a:ea typeface="Cambria Math" panose="02040503050406030204" pitchFamily="18" charset="0"/>
+                <a:cs typeface="CMU Serif Roman" panose="02000603000000000000" pitchFamily="2" charset="0"/>
+              </a:rPr>
+              <a:t>] = A3 &amp;&amp; PC[j] &lt;&gt; A3} { Y := Y + 1; PC[</a:t>
+            </a:r>
+            <a:r>
+              <a:rPr lang="en-GB" sz="1200" dirty="0" err="1">
+                <a:latin typeface="Cambria Math" panose="02040503050406030204" pitchFamily="18" charset="0"/>
+                <a:ea typeface="Cambria Math" panose="02040503050406030204" pitchFamily="18" charset="0"/>
+                <a:cs typeface="CMU Serif Roman" panose="02000603000000000000" pitchFamily="2" charset="0"/>
+              </a:rPr>
+              <a:t>i</a:t>
+            </a:r>
+            <a:r>
+              <a:rPr lang="en-GB" sz="1200" dirty="0">
+                <a:latin typeface="Cambria Math" panose="02040503050406030204" pitchFamily="18" charset="0"/>
+                <a:ea typeface="Cambria Math" panose="02040503050406030204" pitchFamily="18" charset="0"/>
+                <a:cs typeface="CMU Serif Roman" panose="02000603000000000000" pitchFamily="2" charset="0"/>
+              </a:rPr>
+              <a:t>] := A1 }</a:t>
+            </a:r>
+            <a:r>
+              <a:rPr lang="en-FR" sz="1200" dirty="0">
+                <a:latin typeface="Cambria Math" panose="02040503050406030204" pitchFamily="18" charset="0"/>
+                <a:ea typeface="Cambria Math" panose="02040503050406030204" pitchFamily="18" charset="0"/>
+                <a:cs typeface="CMU Serif Roman" panose="02000603000000000000" pitchFamily="2" charset="0"/>
+              </a:rPr>
+              <a:t> </a:t>
+            </a:r>
+            <a:endParaRPr lang="en-FR" dirty="0">
+              <a:latin typeface="Cambria Math" panose="02040503050406030204" pitchFamily="18" charset="0"/>
+              <a:ea typeface="Cambria Math" panose="02040503050406030204" pitchFamily="18" charset="0"/>
+              <a:cs typeface="CMU Serif Roman" panose="02000603000000000000" pitchFamily="2" charset="0"/>
+            </a:endParaRPr>
+          </a:p>
+        </p:txBody>
+      </p:sp>
+      <p:sp>
+        <p:nvSpPr>
+          <p:cNvPr id="7" name="TextBox 6">
+            <a:extLst>
+              <a:ext uri="{FF2B5EF4-FFF2-40B4-BE49-F238E27FC236}">
+                <a16:creationId xmlns:a16="http://schemas.microsoft.com/office/drawing/2014/main" id="{52A57F66-818C-BF7C-3DE7-A1D1237ED96E}"/>
+              </a:ext>
+            </a:extLst>
+          </p:cNvPr>
+          <p:cNvSpPr txBox="1"/>
+          <p:nvPr/>
+        </p:nvSpPr>
+        <p:spPr>
+          <a:xfrm>
+            <a:off x="314791" y="4427063"/>
+            <a:ext cx="11688317" cy="1754326"/>
+          </a:xfrm>
+          <a:prstGeom prst="rect">
+            <a:avLst/>
+          </a:prstGeom>
+          <a:noFill/>
+        </p:spPr>
+        <p:txBody>
+          <a:bodyPr wrap="square" rtlCol="0">
+            <a:spAutoFit/>
+          </a:bodyPr>
+          <a:lstStyle/>
+          <a:p>
+            <a:r>
+              <a:rPr lang="en-FR" dirty="0">
+                <a:latin typeface="Helvetica Neue Light" panose="02000403000000020004" pitchFamily="2" charset="0"/>
+                <a:ea typeface="Helvetica Neue Light" panose="02000403000000020004" pitchFamily="2" charset="0"/>
+              </a:rPr>
+              <a:t>In this example,</a:t>
+            </a:r>
+            <a:r>
+              <a:rPr lang="en-FR" dirty="0">
+                <a:solidFill>
+                  <a:srgbClr val="00B050"/>
+                </a:solidFill>
+                <a:latin typeface="Helvetica Neue Light" panose="02000403000000020004" pitchFamily="2" charset="0"/>
+                <a:ea typeface="Helvetica Neue Light" panose="02000403000000020004" pitchFamily="2" charset="0"/>
+              </a:rPr>
+              <a:t> </a:t>
+            </a:r>
+            <a:r>
+              <a:rPr lang="en-FR" dirty="0">
+                <a:latin typeface="Cambria Math" panose="02040503050406030204" pitchFamily="18" charset="0"/>
+                <a:ea typeface="Cambria Math" panose="02040503050406030204" pitchFamily="18" charset="0"/>
+              </a:rPr>
+              <a:t>t</a:t>
+            </a:r>
+            <a:r>
+              <a:rPr lang="en-FR" dirty="0">
+                <a:solidFill>
+                  <a:srgbClr val="00B050"/>
+                </a:solidFill>
+              </a:rPr>
+              <a:t> </a:t>
+            </a:r>
+            <a:r>
+              <a:rPr lang="en-FR" dirty="0">
+                <a:latin typeface="Helvetica Neue Thin" panose="020B0403020202020204" pitchFamily="34" charset="0"/>
+                <a:ea typeface="Helvetica Neue Thin" panose="020B0403020202020204" pitchFamily="34" charset="0"/>
+              </a:rPr>
+              <a:t>has a harder to reach </a:t>
+            </a:r>
+            <a:r>
+              <a:rPr lang="en-FR" dirty="0">
+                <a:latin typeface="Cambria Math" panose="02040503050406030204" pitchFamily="18" charset="0"/>
+                <a:ea typeface="Cambria Math" panose="02040503050406030204" pitchFamily="18" charset="0"/>
+              </a:rPr>
+              <a:t>require</a:t>
+            </a:r>
+            <a:r>
+              <a:rPr lang="en-FR" dirty="0">
+                <a:latin typeface="Helvetica Neue Thin" panose="020B0403020202020204" pitchFamily="34" charset="0"/>
+                <a:ea typeface="Helvetica Neue Thin" panose="020B0403020202020204" pitchFamily="34" charset="0"/>
+              </a:rPr>
+              <a:t> than </a:t>
+            </a:r>
+            <a:r>
+              <a:rPr lang="en-FR" dirty="0">
+                <a:latin typeface="Cambria Math" panose="02040503050406030204" pitchFamily="18" charset="0"/>
+                <a:ea typeface="Cambria Math" panose="02040503050406030204" pitchFamily="18" charset="0"/>
+              </a:rPr>
+              <a:t>t4</a:t>
+            </a:r>
+            <a:r>
+              <a:rPr lang="en-FR" dirty="0"/>
+              <a:t> </a:t>
+            </a:r>
+            <a:r>
+              <a:rPr lang="en-FR" dirty="0">
+                <a:latin typeface="Helvetica Neue Thin" panose="020B0403020202020204" pitchFamily="34" charset="0"/>
+                <a:ea typeface="Helvetica Neue Thin" panose="020B0403020202020204" pitchFamily="34" charset="0"/>
+              </a:rPr>
+              <a:t>and is proposed and taken less often</a:t>
+            </a:r>
+          </a:p>
+          <a:p>
+            <a:r>
+              <a:rPr lang="en-FR" dirty="0">
+                <a:latin typeface="Helvetica Neue Thin" panose="020B0403020202020204" pitchFamily="34" charset="0"/>
+                <a:ea typeface="Helvetica Neue Thin" panose="020B0403020202020204" pitchFamily="34" charset="0"/>
+              </a:rPr>
+              <a:t>Final count: </a:t>
+            </a:r>
+            <a:r>
+              <a:rPr lang="en-FR" dirty="0">
+                <a:latin typeface="Cambria Math" panose="02040503050406030204" pitchFamily="18" charset="0"/>
+                <a:ea typeface="Cambria Math" panose="02040503050406030204" pitchFamily="18" charset="0"/>
+              </a:rPr>
+              <a:t>t</a:t>
+            </a:r>
+            <a:r>
+              <a:rPr lang="en-FR" dirty="0">
+                <a:latin typeface="Helvetica Neue Thin" panose="020B0403020202020204" pitchFamily="34" charset="0"/>
+                <a:ea typeface="Helvetica Neue Thin" panose="020B0403020202020204" pitchFamily="34" charset="0"/>
+              </a:rPr>
+              <a:t> is taken </a:t>
+            </a:r>
+            <a:r>
+              <a:rPr lang="en-FR" dirty="0">
+                <a:solidFill>
+                  <a:srgbClr val="FF40FF"/>
+                </a:solidFill>
+                <a:latin typeface="Helvetica Neue Thin" panose="020B0403020202020204" pitchFamily="34" charset="0"/>
+                <a:ea typeface="Helvetica Neue Thin" panose="020B0403020202020204" pitchFamily="34" charset="0"/>
+              </a:rPr>
+              <a:t>~2%</a:t>
+            </a:r>
+            <a:r>
+              <a:rPr lang="en-FR" dirty="0">
+                <a:solidFill>
+                  <a:srgbClr val="FF0000"/>
+                </a:solidFill>
+                <a:latin typeface="Helvetica Neue Thin" panose="020B0403020202020204" pitchFamily="34" charset="0"/>
+                <a:ea typeface="Helvetica Neue Thin" panose="020B0403020202020204" pitchFamily="34" charset="0"/>
+              </a:rPr>
+              <a:t> </a:t>
+            </a:r>
+            <a:r>
+              <a:rPr lang="en-FR" dirty="0">
+                <a:latin typeface="Helvetica Neue Thin" panose="020B0403020202020204" pitchFamily="34" charset="0"/>
+                <a:ea typeface="Helvetica Neue Thin" panose="020B0403020202020204" pitchFamily="34" charset="0"/>
+              </a:rPr>
+              <a:t>of the time, vs. </a:t>
+            </a:r>
+            <a:r>
+              <a:rPr lang="en-FR" dirty="0">
+                <a:latin typeface="Cambria Math" panose="02040503050406030204" pitchFamily="18" charset="0"/>
+                <a:ea typeface="Cambria Math" panose="02040503050406030204" pitchFamily="18" charset="0"/>
+              </a:rPr>
+              <a:t>t4</a:t>
+            </a:r>
+            <a:r>
+              <a:rPr lang="en-FR" dirty="0">
+                <a:latin typeface="Helvetica Neue Thin" panose="020B0403020202020204" pitchFamily="34" charset="0"/>
+                <a:ea typeface="Helvetica Neue Thin" panose="020B0403020202020204" pitchFamily="34" charset="0"/>
+              </a:rPr>
+              <a:t>, taken </a:t>
+            </a:r>
+            <a:r>
+              <a:rPr lang="en-FR" dirty="0">
+                <a:solidFill>
+                  <a:srgbClr val="FF40FF"/>
+                </a:solidFill>
+                <a:latin typeface="Helvetica Neue Thin" panose="020B0403020202020204" pitchFamily="34" charset="0"/>
+                <a:ea typeface="Helvetica Neue Thin" panose="020B0403020202020204" pitchFamily="34" charset="0"/>
+              </a:rPr>
+              <a:t>~28% </a:t>
+            </a:r>
+            <a:r>
+              <a:rPr lang="en-FR" dirty="0">
+                <a:latin typeface="Helvetica Neue Thin" panose="020B0403020202020204" pitchFamily="34" charset="0"/>
+                <a:ea typeface="Helvetica Neue Thin" panose="020B0403020202020204" pitchFamily="34" charset="0"/>
+              </a:rPr>
+              <a:t>of the time</a:t>
+            </a:r>
+          </a:p>
+          <a:p>
+            <a:endParaRPr lang="en-FR" dirty="0"/>
+          </a:p>
+          <a:p>
+            <a:r>
+              <a:rPr lang="en-FR" dirty="0">
+                <a:latin typeface="Helvetica Neue Thin" panose="020B0403020202020204" pitchFamily="34" charset="0"/>
+                <a:ea typeface="Helvetica Neue Thin" panose="020B0403020202020204" pitchFamily="34" charset="0"/>
+              </a:rPr>
+              <a:t>The goal is to get the system to run in a way where </a:t>
+            </a:r>
+            <a:r>
+              <a:rPr lang="en-FR" dirty="0"/>
+              <a:t>t </a:t>
+            </a:r>
+            <a:r>
+              <a:rPr lang="en-FR" dirty="0">
+                <a:latin typeface="Helvetica Neue Thin" panose="020B0403020202020204" pitchFamily="34" charset="0"/>
+                <a:ea typeface="Helvetica Neue Thin" panose="020B0403020202020204" pitchFamily="34" charset="0"/>
+              </a:rPr>
+              <a:t>and</a:t>
+            </a:r>
+            <a:r>
+              <a:rPr lang="en-FR" dirty="0"/>
+              <a:t> t4 </a:t>
+            </a:r>
+            <a:r>
+              <a:rPr lang="en-FR" dirty="0">
+                <a:latin typeface="Helvetica Neue Thin" panose="020B0403020202020204" pitchFamily="34" charset="0"/>
+                <a:ea typeface="Helvetica Neue Thin" panose="020B0403020202020204" pitchFamily="34" charset="0"/>
+              </a:rPr>
+              <a:t>appear an equal amount of time </a:t>
+            </a:r>
+          </a:p>
+          <a:p>
+            <a:endParaRPr lang="en-FR" dirty="0"/>
+          </a:p>
+          <a:p>
+            <a:r>
+              <a:rPr lang="en-FR" dirty="0">
+                <a:latin typeface="Helvetica Neue Thin" panose="020B0403020202020204" pitchFamily="34" charset="0"/>
+                <a:ea typeface="Helvetica Neue Thin" panose="020B0403020202020204" pitchFamily="34" charset="0"/>
+              </a:rPr>
+              <a:t>In this case a solution will be :</a:t>
+            </a:r>
+            <a:r>
+              <a:rPr lang="en-FR" dirty="0"/>
+              <a:t> </a:t>
+            </a:r>
+            <a:r>
+              <a:rPr lang="en-FR" dirty="0">
+                <a:latin typeface="Cambria Math" panose="02040503050406030204" pitchFamily="18" charset="0"/>
+                <a:ea typeface="Cambria Math" panose="02040503050406030204" pitchFamily="18" charset="0"/>
+              </a:rPr>
+              <a:t>t1</a:t>
+            </a:r>
+            <a:r>
+              <a:rPr lang="en-FR" dirty="0"/>
+              <a:t> </a:t>
+            </a:r>
+            <a:r>
+              <a:rPr lang="en-FR" dirty="0">
+                <a:latin typeface="Helvetica Neue Thin" panose="020B0403020202020204" pitchFamily="34" charset="0"/>
+                <a:ea typeface="Helvetica Neue Thin" panose="020B0403020202020204" pitchFamily="34" charset="0"/>
+              </a:rPr>
+              <a:t>is taken </a:t>
+            </a:r>
+            <a:r>
+              <a:rPr lang="en-FR" dirty="0">
+                <a:solidFill>
+                  <a:srgbClr val="FF40FF"/>
+                </a:solidFill>
+                <a:latin typeface="Helvetica Neue Thin" panose="020B0403020202020204" pitchFamily="34" charset="0"/>
+                <a:ea typeface="Helvetica Neue Thin" panose="020B0403020202020204" pitchFamily="34" charset="0"/>
+              </a:rPr>
+              <a:t>40%</a:t>
+            </a:r>
+            <a:r>
+              <a:rPr lang="en-FR" dirty="0">
+                <a:latin typeface="Helvetica Neue Thin" panose="020B0403020202020204" pitchFamily="34" charset="0"/>
+                <a:ea typeface="Helvetica Neue Thin" panose="020B0403020202020204" pitchFamily="34" charset="0"/>
+              </a:rPr>
+              <a:t> of the time, </a:t>
+            </a:r>
+            <a:r>
+              <a:rPr lang="en-FR" dirty="0">
+                <a:latin typeface="Cambria Math" panose="02040503050406030204" pitchFamily="18" charset="0"/>
+                <a:ea typeface="Cambria Math" panose="02040503050406030204" pitchFamily="18" charset="0"/>
+              </a:rPr>
+              <a:t>t2</a:t>
+            </a:r>
+            <a:r>
+              <a:rPr lang="en-FR" dirty="0">
+                <a:latin typeface="Helvetica Neue Thin" panose="020B0403020202020204" pitchFamily="34" charset="0"/>
+                <a:ea typeface="Helvetica Neue Thin" panose="020B0403020202020204" pitchFamily="34" charset="0"/>
+              </a:rPr>
+              <a:t>: </a:t>
+            </a:r>
+            <a:r>
+              <a:rPr lang="en-FR" dirty="0">
+                <a:solidFill>
+                  <a:srgbClr val="FF40FF"/>
+                </a:solidFill>
+                <a:latin typeface="Helvetica Neue Thin" panose="020B0403020202020204" pitchFamily="34" charset="0"/>
+                <a:ea typeface="Helvetica Neue Thin" panose="020B0403020202020204" pitchFamily="34" charset="0"/>
+              </a:rPr>
+              <a:t>40%</a:t>
+            </a:r>
+            <a:r>
+              <a:rPr lang="en-FR" dirty="0">
+                <a:latin typeface="Helvetica Neue Thin" panose="020B0403020202020204" pitchFamily="34" charset="0"/>
+                <a:ea typeface="Helvetica Neue Thin" panose="020B0403020202020204" pitchFamily="34" charset="0"/>
+              </a:rPr>
+              <a:t>,</a:t>
+            </a:r>
+            <a:r>
+              <a:rPr lang="en-FR" dirty="0"/>
+              <a:t> </a:t>
+            </a:r>
+            <a:r>
+              <a:rPr lang="en-FR" dirty="0">
+                <a:latin typeface="Cambria Math" panose="02040503050406030204" pitchFamily="18" charset="0"/>
+                <a:ea typeface="Cambria Math" panose="02040503050406030204" pitchFamily="18" charset="0"/>
+              </a:rPr>
+              <a:t>t</a:t>
+            </a:r>
+            <a:r>
+              <a:rPr lang="en-FR" dirty="0">
+                <a:latin typeface="Helvetica Neue Thin" panose="020B0403020202020204" pitchFamily="34" charset="0"/>
+                <a:ea typeface="Helvetica Neue Thin" panose="020B0403020202020204" pitchFamily="34" charset="0"/>
+              </a:rPr>
+              <a:t>: </a:t>
+            </a:r>
+            <a:r>
+              <a:rPr lang="en-FR" dirty="0">
+                <a:solidFill>
+                  <a:srgbClr val="FF40FF"/>
+                </a:solidFill>
+                <a:latin typeface="Helvetica Neue Thin" panose="020B0403020202020204" pitchFamily="34" charset="0"/>
+                <a:ea typeface="Helvetica Neue Thin" panose="020B0403020202020204" pitchFamily="34" charset="0"/>
+              </a:rPr>
+              <a:t>10%</a:t>
+            </a:r>
+            <a:r>
+              <a:rPr lang="en-FR" dirty="0">
+                <a:latin typeface="Helvetica Neue Thin" panose="020B0403020202020204" pitchFamily="34" charset="0"/>
+                <a:ea typeface="Helvetica Neue Thin" panose="020B0403020202020204" pitchFamily="34" charset="0"/>
+              </a:rPr>
+              <a:t>, </a:t>
+            </a:r>
+            <a:r>
+              <a:rPr lang="en-FR" dirty="0">
+                <a:latin typeface="Cambria Math" panose="02040503050406030204" pitchFamily="18" charset="0"/>
+                <a:ea typeface="Cambria Math" panose="02040503050406030204" pitchFamily="18" charset="0"/>
+              </a:rPr>
+              <a:t>t4</a:t>
+            </a:r>
+            <a:r>
+              <a:rPr lang="en-FR" dirty="0">
+                <a:latin typeface="Helvetica Neue Thin" panose="020B0403020202020204" pitchFamily="34" charset="0"/>
+                <a:ea typeface="Helvetica Neue Thin" panose="020B0403020202020204" pitchFamily="34" charset="0"/>
+              </a:rPr>
+              <a:t>: </a:t>
+            </a:r>
+            <a:r>
+              <a:rPr lang="en-FR" dirty="0">
+                <a:solidFill>
+                  <a:srgbClr val="FF40FF"/>
+                </a:solidFill>
+                <a:latin typeface="Helvetica Neue Thin" panose="020B0403020202020204" pitchFamily="34" charset="0"/>
+                <a:ea typeface="Helvetica Neue Thin" panose="020B0403020202020204" pitchFamily="34" charset="0"/>
+              </a:rPr>
+              <a:t>10%</a:t>
+            </a:r>
+            <a:r>
+              <a:rPr lang="en-FR" dirty="0">
+                <a:latin typeface="Helvetica Neue Thin" panose="020B0403020202020204" pitchFamily="34" charset="0"/>
+                <a:ea typeface="Helvetica Neue Thin" panose="020B0403020202020204" pitchFamily="34" charset="0"/>
+              </a:rPr>
+              <a:t>.</a:t>
+            </a:r>
+          </a:p>
+        </p:txBody>
+      </p:sp>
+      <p:sp>
+        <p:nvSpPr>
+          <p:cNvPr id="2" name="Slide Number Placeholder 1">
+            <a:extLst>
+              <a:ext uri="{FF2B5EF4-FFF2-40B4-BE49-F238E27FC236}">
+                <a16:creationId xmlns:a16="http://schemas.microsoft.com/office/drawing/2014/main" id="{9123FEC0-9572-F18C-4C62-73A4414C5C82}"/>
+              </a:ext>
+            </a:extLst>
+          </p:cNvPr>
+          <p:cNvSpPr>
+            <a:spLocks noGrp="1"/>
+          </p:cNvSpPr>
+          <p:nvPr>
+            <p:ph type="sldNum" sz="quarter" idx="12"/>
+          </p:nvPr>
+        </p:nvSpPr>
+        <p:spPr/>
+        <p:txBody>
+          <a:bodyPr/>
+          <a:lstStyle/>
+          <a:p>
+            <a:fld id="{4A936E34-E911-F947-B710-F12161D09F63}" type="slidenum">
+              <a:rPr lang="en-FR" smtClean="0"/>
+              <a:t>2</a:t>
+            </a:fld>
+            <a:endParaRPr lang="en-FR"/>
+          </a:p>
+        </p:txBody>
+      </p:sp>
+      <p:sp>
+        <p:nvSpPr>
+          <p:cNvPr id="3" name="TextBox 2">
+            <a:extLst>
+              <a:ext uri="{FF2B5EF4-FFF2-40B4-BE49-F238E27FC236}">
+                <a16:creationId xmlns:a16="http://schemas.microsoft.com/office/drawing/2014/main" id="{BDF2365E-CE17-046C-CA73-362C1EA4288B}"/>
+              </a:ext>
+            </a:extLst>
+          </p:cNvPr>
+          <p:cNvSpPr txBox="1"/>
+          <p:nvPr/>
+        </p:nvSpPr>
+        <p:spPr>
+          <a:xfrm>
+            <a:off x="4522227" y="299491"/>
+            <a:ext cx="7669773" cy="369332"/>
+          </a:xfrm>
+          <a:prstGeom prst="rect">
+            <a:avLst/>
+          </a:prstGeom>
+          <a:noFill/>
+        </p:spPr>
+        <p:txBody>
+          <a:bodyPr wrap="square" rtlCol="0">
+            <a:spAutoFit/>
+          </a:bodyPr>
+          <a:lstStyle/>
+          <a:p>
+            <a:r>
+              <a:rPr lang="en-FR" dirty="0">
+                <a:latin typeface="Helvetica Neue Thin" panose="020B0403020202020204" pitchFamily="34" charset="0"/>
+                <a:ea typeface="Helvetica Neue Thin" panose="020B0403020202020204" pitchFamily="34" charset="0"/>
+              </a:rPr>
+              <a:t>diversly</a:t>
+            </a:r>
+            <a:endParaRPr lang="en-FR" dirty="0">
+              <a:latin typeface="Helvetica Neue Thin" panose="020B0403020202020204" pitchFamily="34" charset="0"/>
+              <a:ea typeface="Helvetica Neue Thin" panose="020B0403020202020204" pitchFamily="34" charset="0"/>
+            </a:endParaRPr>
+          </a:p>
+        </p:txBody>
+      </p:sp>
+    </p:spTree>
+    <p:extLst>
+      <p:ext uri="{BB962C8B-B14F-4D97-AF65-F5344CB8AC3E}">
+        <p14:creationId xmlns:p14="http://schemas.microsoft.com/office/powerpoint/2010/main" val="1611258180"/>
+      </p:ext>
+    </p:extLst>
+  </p:cSld>
+  <p:clrMapOvr>
+    <a:masterClrMapping/>
+  </p:clrMapOvr>
+</p:sld>
+</file>
+
+<file path=ppt/slides/slide20.xml><?xml version="1.0" encoding="utf-8"?>
 <p:sld xmlns:a="http://schemas.openxmlformats.org/drawingml/2006/main" xmlns:r="http://schemas.openxmlformats.org/officeDocument/2006/relationships" xmlns:p="http://schemas.openxmlformats.org/presentationml/2006/main">
   <p:cSld>
     <p:spTree>
@@ -11189,7 +12493,7 @@
           <a:p>
             <a:fld id="{4A936E34-E911-F947-B710-F12161D09F63}" type="slidenum">
               <a:rPr lang="en-FR" smtClean="0"/>
-              <a:t>19</a:t>
+              <a:t>20</a:t>
             </a:fld>
             <a:endParaRPr lang="en-FR"/>
           </a:p>
@@ -11208,916 +12512,7 @@
 </p:sld>
 </file>
 
-<file path=ppt/slides/slide2.xml><?xml version="1.0" encoding="utf-8"?>
-<p:sld xmlns:a="http://schemas.openxmlformats.org/drawingml/2006/main" xmlns:r="http://schemas.openxmlformats.org/officeDocument/2006/relationships" xmlns:p="http://schemas.openxmlformats.org/presentationml/2006/main">
-  <p:cSld>
-    <p:spTree>
-      <p:nvGrpSpPr>
-        <p:cNvPr id="1" name=""/>
-        <p:cNvGrpSpPr/>
-        <p:nvPr/>
-      </p:nvGrpSpPr>
-      <p:grpSpPr>
-        <a:xfrm>
-          <a:off x="0" y="0"/>
-          <a:ext cx="0" cy="0"/>
-          <a:chOff x="0" y="0"/>
-          <a:chExt cx="0" cy="0"/>
-        </a:xfrm>
-      </p:grpSpPr>
-      <p:sp>
-        <p:nvSpPr>
-          <p:cNvPr id="4" name="TextBox 3">
-            <a:extLst>
-              <a:ext uri="{FF2B5EF4-FFF2-40B4-BE49-F238E27FC236}">
-                <a16:creationId xmlns:a16="http://schemas.microsoft.com/office/drawing/2014/main" id="{F5F73896-F4EB-E849-80F9-177FCC2DDE24}"/>
-              </a:ext>
-            </a:extLst>
-          </p:cNvPr>
-          <p:cNvSpPr txBox="1"/>
-          <p:nvPr/>
-        </p:nvSpPr>
-        <p:spPr>
-          <a:xfrm>
-            <a:off x="314792" y="509666"/>
-            <a:ext cx="11688317" cy="1323439"/>
-          </a:xfrm>
-          <a:prstGeom prst="rect">
-            <a:avLst/>
-          </a:prstGeom>
-          <a:noFill/>
-        </p:spPr>
-        <p:txBody>
-          <a:bodyPr wrap="square" rtlCol="0">
-            <a:spAutoFit/>
-          </a:bodyPr>
-          <a:lstStyle/>
-          <a:p>
-            <a:r>
-              <a:rPr lang="en-US" sz="1800" dirty="0">
-                <a:effectLst/>
-                <a:latin typeface="Helvetica Neue Thin" panose="020B0403020202020204" pitchFamily="34" charset="0"/>
-                <a:ea typeface="Helvetica Neue Thin" panose="020B0403020202020204" pitchFamily="34" charset="0"/>
-                <a:cs typeface="Times New Roman" panose="02020603050405020304" pitchFamily="18" charset="0"/>
-              </a:rPr>
-              <a:t>Run Cubicle forward to explore </a:t>
-            </a:r>
-            <a:r>
-              <a:rPr lang="en-US" sz="1800" dirty="0">
-                <a:effectLst/>
-                <a:latin typeface="Helvetica Neue Thin" panose="020B0403020202020204" pitchFamily="34" charset="0"/>
-                <a:ea typeface="Helvetica Neue Thin" panose="020B0403020202020204" pitchFamily="34" charset="0"/>
-                <a:cs typeface="Times New Roman" panose="02020603050405020304" pitchFamily="18" charset="0"/>
-              </a:rPr>
-              <a:t>the model evenly.</a:t>
-            </a:r>
-            <a:endParaRPr lang="en-US" sz="1800" dirty="0">
-              <a:effectLst/>
-              <a:latin typeface="Helvetica Neue Thin" panose="020B0403020202020204" pitchFamily="34" charset="0"/>
-              <a:ea typeface="Helvetica Neue Thin" panose="020B0403020202020204" pitchFamily="34" charset="0"/>
-              <a:cs typeface="Times New Roman" panose="02020603050405020304" pitchFamily="18" charset="0"/>
-            </a:endParaRPr>
-          </a:p>
-          <a:p>
-            <a:endParaRPr lang="en-US" sz="800" dirty="0">
-              <a:effectLst/>
-              <a:latin typeface="Helvetica Neue Thin" panose="020B0403020202020204" pitchFamily="34" charset="0"/>
-              <a:ea typeface="Helvetica Neue Thin" panose="020B0403020202020204" pitchFamily="34" charset="0"/>
-              <a:cs typeface="Times New Roman" panose="02020603050405020304" pitchFamily="18" charset="0"/>
-            </a:endParaRPr>
-          </a:p>
-          <a:p>
-            <a:r>
-              <a:rPr lang="en-US" dirty="0">
-                <a:latin typeface="Helvetica Neue Thin" panose="020B0403020202020204" pitchFamily="34" charset="0"/>
-                <a:ea typeface="Helvetica Neue Thin" panose="020B0403020202020204" pitchFamily="34" charset="0"/>
-                <a:cs typeface="Times New Roman" panose="02020603050405020304" pitchFamily="18" charset="0"/>
-              </a:rPr>
-              <a:t>I</a:t>
-            </a:r>
-            <a:r>
-              <a:rPr lang="en-US" sz="1800" dirty="0">
-                <a:effectLst/>
-                <a:latin typeface="Helvetica Neue Thin" panose="020B0403020202020204" pitchFamily="34" charset="0"/>
-                <a:ea typeface="Helvetica Neue Thin" panose="020B0403020202020204" pitchFamily="34" charset="0"/>
-                <a:cs typeface="Times New Roman" panose="02020603050405020304" pitchFamily="18" charset="0"/>
-              </a:rPr>
-              <a:t>f a behavior that leads to a transition is rare then a simple random generation might not go that way enough times. The exploration </a:t>
-            </a:r>
-            <a:r>
-              <a:rPr lang="en-US" sz="1800" dirty="0">
-                <a:effectLst/>
-                <a:latin typeface="Helvetica Neue Thin" panose="020B0403020202020204" pitchFamily="34" charset="0"/>
-                <a:ea typeface="Helvetica Neue Thin" panose="020B0403020202020204" pitchFamily="34" charset="0"/>
-                <a:cs typeface="Times New Roman" panose="02020603050405020304" pitchFamily="18" charset="0"/>
-              </a:rPr>
-              <a:t>is uneven. </a:t>
-            </a:r>
-            <a:endParaRPr lang="en-FR" sz="1800" dirty="0">
-              <a:effectLst/>
-              <a:latin typeface="Helvetica Neue Thin" panose="020B0403020202020204" pitchFamily="34" charset="0"/>
-              <a:ea typeface="Helvetica Neue Thin" panose="020B0403020202020204" pitchFamily="34" charset="0"/>
-              <a:cs typeface="Times New Roman" panose="02020603050405020304" pitchFamily="18" charset="0"/>
-            </a:endParaRPr>
-          </a:p>
-          <a:p>
-            <a:endParaRPr lang="en-FR" dirty="0"/>
-          </a:p>
-        </p:txBody>
-      </p:sp>
-      <p:sp>
-        <p:nvSpPr>
-          <p:cNvPr id="5" name="TextBox 4">
-            <a:extLst>
-              <a:ext uri="{FF2B5EF4-FFF2-40B4-BE49-F238E27FC236}">
-                <a16:creationId xmlns:a16="http://schemas.microsoft.com/office/drawing/2014/main" id="{0E55E15F-F2F8-5082-08A8-B25CA078916A}"/>
-              </a:ext>
-            </a:extLst>
-          </p:cNvPr>
-          <p:cNvSpPr txBox="1"/>
-          <p:nvPr/>
-        </p:nvSpPr>
-        <p:spPr>
-          <a:xfrm>
-            <a:off x="314792" y="1802328"/>
-            <a:ext cx="11688317" cy="369332"/>
-          </a:xfrm>
-          <a:prstGeom prst="rect">
-            <a:avLst/>
-          </a:prstGeom>
-          <a:noFill/>
-        </p:spPr>
-        <p:txBody>
-          <a:bodyPr wrap="square" rtlCol="0">
-            <a:spAutoFit/>
-          </a:bodyPr>
-          <a:lstStyle/>
-          <a:p>
-            <a:r>
-              <a:rPr lang="en-FR" dirty="0">
-                <a:solidFill>
-                  <a:srgbClr val="00B050"/>
-                </a:solidFill>
-                <a:latin typeface="Helvetica Neue Thin" panose="020B0403020202020204" pitchFamily="34" charset="0"/>
-                <a:ea typeface="Helvetica Neue Thin" panose="020B0403020202020204" pitchFamily="34" charset="0"/>
-                <a:cs typeface="Helvetica Neue" panose="02000503000000020004" pitchFamily="2" charset="0"/>
-              </a:rPr>
-              <a:t>Running example: cascading if </a:t>
-            </a:r>
-            <a:endParaRPr lang="en-FR" dirty="0">
-              <a:solidFill>
-                <a:srgbClr val="00B050"/>
-              </a:solidFill>
-              <a:latin typeface="Helvetica Neue Thin" panose="020B0403020202020204" pitchFamily="34" charset="0"/>
-              <a:ea typeface="Helvetica Neue Thin" panose="020B0403020202020204" pitchFamily="34" charset="0"/>
-              <a:cs typeface="Helvetica Neue" panose="02000503000000020004" pitchFamily="2" charset="0"/>
-            </a:endParaRPr>
-          </a:p>
-        </p:txBody>
-      </p:sp>
-      <p:sp>
-        <p:nvSpPr>
-          <p:cNvPr id="6" name="TextBox 5">
-            <a:extLst>
-              <a:ext uri="{FF2B5EF4-FFF2-40B4-BE49-F238E27FC236}">
-                <a16:creationId xmlns:a16="http://schemas.microsoft.com/office/drawing/2014/main" id="{7C323C4D-8313-8D67-3C67-D0C6A22DF5C3}"/>
-              </a:ext>
-            </a:extLst>
-          </p:cNvPr>
-          <p:cNvSpPr txBox="1"/>
-          <p:nvPr/>
-        </p:nvSpPr>
-        <p:spPr>
-          <a:xfrm>
-            <a:off x="314791" y="2217827"/>
-            <a:ext cx="11688317" cy="2123658"/>
-          </a:xfrm>
-          <a:prstGeom prst="rect">
-            <a:avLst/>
-          </a:prstGeom>
-          <a:noFill/>
-        </p:spPr>
-        <p:txBody>
-          <a:bodyPr wrap="square" rtlCol="0">
-            <a:spAutoFit/>
-          </a:bodyPr>
-          <a:lstStyle/>
-          <a:p>
-            <a:r>
-              <a:rPr lang="en-GB" sz="1200" dirty="0">
-                <a:latin typeface="Cambria Math" panose="02040503050406030204" pitchFamily="18" charset="0"/>
-                <a:ea typeface="Cambria Math" panose="02040503050406030204" pitchFamily="18" charset="0"/>
-                <a:cs typeface="CMU Serif Roman" panose="02000603000000000000" pitchFamily="2" charset="0"/>
-              </a:rPr>
-              <a:t>transition t1(</a:t>
-            </a:r>
-            <a:r>
-              <a:rPr lang="en-GB" sz="1200" dirty="0" err="1">
-                <a:latin typeface="Cambria Math" panose="02040503050406030204" pitchFamily="18" charset="0"/>
-                <a:ea typeface="Cambria Math" panose="02040503050406030204" pitchFamily="18" charset="0"/>
-                <a:cs typeface="CMU Serif Roman" panose="02000603000000000000" pitchFamily="2" charset="0"/>
-              </a:rPr>
-              <a:t>i</a:t>
-            </a:r>
-            <a:r>
-              <a:rPr lang="en-GB" sz="1200" dirty="0">
-                <a:latin typeface="Cambria Math" panose="02040503050406030204" pitchFamily="18" charset="0"/>
-                <a:ea typeface="Cambria Math" panose="02040503050406030204" pitchFamily="18" charset="0"/>
-                <a:cs typeface="CMU Serif Roman" panose="02000603000000000000" pitchFamily="2" charset="0"/>
-              </a:rPr>
-              <a:t>)</a:t>
-            </a:r>
-          </a:p>
-          <a:p>
-            <a:r>
-              <a:rPr lang="en-GB" sz="1200" dirty="0">
-                <a:latin typeface="Cambria Math" panose="02040503050406030204" pitchFamily="18" charset="0"/>
-                <a:ea typeface="Cambria Math" panose="02040503050406030204" pitchFamily="18" charset="0"/>
-                <a:cs typeface="CMU Serif Roman" panose="02000603000000000000" pitchFamily="2" charset="0"/>
-              </a:rPr>
-              <a:t>requires {PC[</a:t>
-            </a:r>
-            <a:r>
-              <a:rPr lang="en-GB" sz="1200" dirty="0" err="1">
-                <a:latin typeface="Cambria Math" panose="02040503050406030204" pitchFamily="18" charset="0"/>
-                <a:ea typeface="Cambria Math" panose="02040503050406030204" pitchFamily="18" charset="0"/>
-                <a:cs typeface="CMU Serif Roman" panose="02000603000000000000" pitchFamily="2" charset="0"/>
-              </a:rPr>
-              <a:t>i</a:t>
-            </a:r>
-            <a:r>
-              <a:rPr lang="en-GB" sz="1200" dirty="0">
-                <a:latin typeface="Cambria Math" panose="02040503050406030204" pitchFamily="18" charset="0"/>
-                <a:ea typeface="Cambria Math" panose="02040503050406030204" pitchFamily="18" charset="0"/>
-                <a:cs typeface="CMU Serif Roman" panose="02000603000000000000" pitchFamily="2" charset="0"/>
-              </a:rPr>
-              <a:t>] = A1} {PC[</a:t>
-            </a:r>
-            <a:r>
-              <a:rPr lang="en-GB" sz="1200" dirty="0" err="1">
-                <a:latin typeface="Cambria Math" panose="02040503050406030204" pitchFamily="18" charset="0"/>
-                <a:ea typeface="Cambria Math" panose="02040503050406030204" pitchFamily="18" charset="0"/>
-                <a:cs typeface="CMU Serif Roman" panose="02000603000000000000" pitchFamily="2" charset="0"/>
-              </a:rPr>
-              <a:t>i</a:t>
-            </a:r>
-            <a:r>
-              <a:rPr lang="en-GB" sz="1200" dirty="0">
-                <a:latin typeface="Cambria Math" panose="02040503050406030204" pitchFamily="18" charset="0"/>
-                <a:ea typeface="Cambria Math" panose="02040503050406030204" pitchFamily="18" charset="0"/>
-                <a:cs typeface="CMU Serif Roman" panose="02000603000000000000" pitchFamily="2" charset="0"/>
-              </a:rPr>
-              <a:t>] := A2}</a:t>
-            </a:r>
-          </a:p>
-          <a:p>
-            <a:endParaRPr lang="en-GB" sz="1200" dirty="0">
-              <a:latin typeface="Cambria Math" panose="02040503050406030204" pitchFamily="18" charset="0"/>
-              <a:ea typeface="Cambria Math" panose="02040503050406030204" pitchFamily="18" charset="0"/>
-              <a:cs typeface="CMU Serif Roman" panose="02000603000000000000" pitchFamily="2" charset="0"/>
-            </a:endParaRPr>
-          </a:p>
-          <a:p>
-            <a:r>
-              <a:rPr lang="en-GB" sz="1200" dirty="0">
-                <a:latin typeface="Cambria Math" panose="02040503050406030204" pitchFamily="18" charset="0"/>
-                <a:ea typeface="Cambria Math" panose="02040503050406030204" pitchFamily="18" charset="0"/>
-                <a:cs typeface="CMU Serif Roman" panose="02000603000000000000" pitchFamily="2" charset="0"/>
-              </a:rPr>
-              <a:t>transition t2(</a:t>
-            </a:r>
-            <a:r>
-              <a:rPr lang="en-GB" sz="1200" dirty="0" err="1">
-                <a:latin typeface="Cambria Math" panose="02040503050406030204" pitchFamily="18" charset="0"/>
-                <a:ea typeface="Cambria Math" panose="02040503050406030204" pitchFamily="18" charset="0"/>
-                <a:cs typeface="CMU Serif Roman" panose="02000603000000000000" pitchFamily="2" charset="0"/>
-              </a:rPr>
-              <a:t>i</a:t>
-            </a:r>
-            <a:r>
-              <a:rPr lang="en-GB" sz="1200" dirty="0">
-                <a:latin typeface="Cambria Math" panose="02040503050406030204" pitchFamily="18" charset="0"/>
-                <a:ea typeface="Cambria Math" panose="02040503050406030204" pitchFamily="18" charset="0"/>
-                <a:cs typeface="CMU Serif Roman" panose="02000603000000000000" pitchFamily="2" charset="0"/>
-              </a:rPr>
-              <a:t>)</a:t>
-            </a:r>
-          </a:p>
-          <a:p>
-            <a:r>
-              <a:rPr lang="en-GB" sz="1200" dirty="0">
-                <a:latin typeface="Cambria Math" panose="02040503050406030204" pitchFamily="18" charset="0"/>
-                <a:ea typeface="Cambria Math" panose="02040503050406030204" pitchFamily="18" charset="0"/>
-                <a:cs typeface="CMU Serif Roman" panose="02000603000000000000" pitchFamily="2" charset="0"/>
-              </a:rPr>
-              <a:t>requires {PC[</a:t>
-            </a:r>
-            <a:r>
-              <a:rPr lang="en-GB" sz="1200" dirty="0" err="1">
-                <a:latin typeface="Cambria Math" panose="02040503050406030204" pitchFamily="18" charset="0"/>
-                <a:ea typeface="Cambria Math" panose="02040503050406030204" pitchFamily="18" charset="0"/>
-                <a:cs typeface="CMU Serif Roman" panose="02000603000000000000" pitchFamily="2" charset="0"/>
-              </a:rPr>
-              <a:t>i</a:t>
-            </a:r>
-            <a:r>
-              <a:rPr lang="en-GB" sz="1200" dirty="0">
-                <a:latin typeface="Cambria Math" panose="02040503050406030204" pitchFamily="18" charset="0"/>
-                <a:ea typeface="Cambria Math" panose="02040503050406030204" pitchFamily="18" charset="0"/>
-                <a:cs typeface="CMU Serif Roman" panose="02000603000000000000" pitchFamily="2" charset="0"/>
-              </a:rPr>
-              <a:t>] = A2} {PC[</a:t>
-            </a:r>
-            <a:r>
-              <a:rPr lang="en-GB" sz="1200" dirty="0" err="1">
-                <a:latin typeface="Cambria Math" panose="02040503050406030204" pitchFamily="18" charset="0"/>
-                <a:ea typeface="Cambria Math" panose="02040503050406030204" pitchFamily="18" charset="0"/>
-                <a:cs typeface="CMU Serif Roman" panose="02000603000000000000" pitchFamily="2" charset="0"/>
-              </a:rPr>
-              <a:t>i</a:t>
-            </a:r>
-            <a:r>
-              <a:rPr lang="en-GB" sz="1200" dirty="0">
-                <a:latin typeface="Cambria Math" panose="02040503050406030204" pitchFamily="18" charset="0"/>
-                <a:ea typeface="Cambria Math" panose="02040503050406030204" pitchFamily="18" charset="0"/>
-                <a:cs typeface="CMU Serif Roman" panose="02000603000000000000" pitchFamily="2" charset="0"/>
-              </a:rPr>
-              <a:t>] := A3}</a:t>
-            </a:r>
-          </a:p>
-          <a:p>
-            <a:endParaRPr lang="en-GB" sz="1200" dirty="0">
-              <a:latin typeface="Cambria Math" panose="02040503050406030204" pitchFamily="18" charset="0"/>
-              <a:ea typeface="Cambria Math" panose="02040503050406030204" pitchFamily="18" charset="0"/>
-              <a:cs typeface="CMU Serif Roman" panose="02000603000000000000" pitchFamily="2" charset="0"/>
-            </a:endParaRPr>
-          </a:p>
-          <a:p>
-            <a:r>
-              <a:rPr lang="en-GB" sz="1200" dirty="0">
-                <a:latin typeface="Cambria Math" panose="02040503050406030204" pitchFamily="18" charset="0"/>
-                <a:ea typeface="Cambria Math" panose="02040503050406030204" pitchFamily="18" charset="0"/>
-                <a:cs typeface="CMU Serif Roman" panose="02000603000000000000" pitchFamily="2" charset="0"/>
-              </a:rPr>
-              <a:t>transition t(</a:t>
-            </a:r>
-            <a:r>
-              <a:rPr lang="en-GB" sz="1200" dirty="0" err="1">
-                <a:latin typeface="Cambria Math" panose="02040503050406030204" pitchFamily="18" charset="0"/>
-                <a:ea typeface="Cambria Math" panose="02040503050406030204" pitchFamily="18" charset="0"/>
-                <a:cs typeface="CMU Serif Roman" panose="02000603000000000000" pitchFamily="2" charset="0"/>
-              </a:rPr>
-              <a:t>i</a:t>
-            </a:r>
-            <a:r>
-              <a:rPr lang="en-GB" sz="1200" dirty="0">
-                <a:latin typeface="Cambria Math" panose="02040503050406030204" pitchFamily="18" charset="0"/>
-                <a:ea typeface="Cambria Math" panose="02040503050406030204" pitchFamily="18" charset="0"/>
-                <a:cs typeface="CMU Serif Roman" panose="02000603000000000000" pitchFamily="2" charset="0"/>
-              </a:rPr>
-              <a:t>)</a:t>
-            </a:r>
-          </a:p>
-          <a:p>
-            <a:r>
-              <a:rPr lang="en-GB" sz="1200" dirty="0">
-                <a:latin typeface="Cambria Math" panose="02040503050406030204" pitchFamily="18" charset="0"/>
-                <a:ea typeface="Cambria Math" panose="02040503050406030204" pitchFamily="18" charset="0"/>
-                <a:cs typeface="CMU Serif Roman" panose="02000603000000000000" pitchFamily="2" charset="0"/>
-              </a:rPr>
-              <a:t>requires {PC[</a:t>
-            </a:r>
-            <a:r>
-              <a:rPr lang="en-GB" sz="1200" dirty="0" err="1">
-                <a:latin typeface="Cambria Math" panose="02040503050406030204" pitchFamily="18" charset="0"/>
-                <a:ea typeface="Cambria Math" panose="02040503050406030204" pitchFamily="18" charset="0"/>
-                <a:cs typeface="CMU Serif Roman" panose="02000603000000000000" pitchFamily="2" charset="0"/>
-              </a:rPr>
-              <a:t>i</a:t>
-            </a:r>
-            <a:r>
-              <a:rPr lang="en-GB" sz="1200" dirty="0">
-                <a:latin typeface="Cambria Math" panose="02040503050406030204" pitchFamily="18" charset="0"/>
-                <a:ea typeface="Cambria Math" panose="02040503050406030204" pitchFamily="18" charset="0"/>
-                <a:cs typeface="CMU Serif Roman" panose="02000603000000000000" pitchFamily="2" charset="0"/>
-              </a:rPr>
-              <a:t>] = A3 &amp;&amp; </a:t>
-            </a:r>
-            <a:r>
-              <a:rPr lang="en-GB" sz="1200" dirty="0" err="1">
-                <a:latin typeface="Cambria Math" panose="02040503050406030204" pitchFamily="18" charset="0"/>
-                <a:ea typeface="Cambria Math" panose="02040503050406030204" pitchFamily="18" charset="0"/>
-                <a:cs typeface="CMU Serif Roman" panose="02000603000000000000" pitchFamily="2" charset="0"/>
-              </a:rPr>
-              <a:t>forall_other</a:t>
-            </a:r>
-            <a:r>
-              <a:rPr lang="en-GB" sz="1200" dirty="0">
-                <a:latin typeface="Cambria Math" panose="02040503050406030204" pitchFamily="18" charset="0"/>
-                <a:ea typeface="Cambria Math" panose="02040503050406030204" pitchFamily="18" charset="0"/>
-                <a:cs typeface="CMU Serif Roman" panose="02000603000000000000" pitchFamily="2" charset="0"/>
-              </a:rPr>
-              <a:t> j. PC[j] = A3} { X := X+1; PC[k] := case | _ : A1}</a:t>
-            </a:r>
-          </a:p>
-          <a:p>
-            <a:endParaRPr lang="en-GB" sz="1200" dirty="0">
-              <a:latin typeface="Cambria Math" panose="02040503050406030204" pitchFamily="18" charset="0"/>
-              <a:ea typeface="Cambria Math" panose="02040503050406030204" pitchFamily="18" charset="0"/>
-              <a:cs typeface="CMU Serif Roman" panose="02000603000000000000" pitchFamily="2" charset="0"/>
-            </a:endParaRPr>
-          </a:p>
-          <a:p>
-            <a:r>
-              <a:rPr lang="en-GB" sz="1200" dirty="0">
-                <a:latin typeface="Cambria Math" panose="02040503050406030204" pitchFamily="18" charset="0"/>
-                <a:ea typeface="Cambria Math" panose="02040503050406030204" pitchFamily="18" charset="0"/>
-                <a:cs typeface="CMU Serif Roman" panose="02000603000000000000" pitchFamily="2" charset="0"/>
-              </a:rPr>
-              <a:t>transition t4(</a:t>
-            </a:r>
-            <a:r>
-              <a:rPr lang="en-GB" sz="1200" dirty="0" err="1">
-                <a:latin typeface="Cambria Math" panose="02040503050406030204" pitchFamily="18" charset="0"/>
-                <a:ea typeface="Cambria Math" panose="02040503050406030204" pitchFamily="18" charset="0"/>
-                <a:cs typeface="CMU Serif Roman" panose="02000603000000000000" pitchFamily="2" charset="0"/>
-              </a:rPr>
-              <a:t>i</a:t>
-            </a:r>
-            <a:r>
-              <a:rPr lang="en-GB" sz="1200" dirty="0">
-                <a:latin typeface="Cambria Math" panose="02040503050406030204" pitchFamily="18" charset="0"/>
-                <a:ea typeface="Cambria Math" panose="02040503050406030204" pitchFamily="18" charset="0"/>
-                <a:cs typeface="CMU Serif Roman" panose="02000603000000000000" pitchFamily="2" charset="0"/>
-              </a:rPr>
-              <a:t> j)</a:t>
-            </a:r>
-          </a:p>
-          <a:p>
-            <a:r>
-              <a:rPr lang="en-GB" sz="1200" dirty="0">
-                <a:latin typeface="Cambria Math" panose="02040503050406030204" pitchFamily="18" charset="0"/>
-                <a:ea typeface="Cambria Math" panose="02040503050406030204" pitchFamily="18" charset="0"/>
-                <a:cs typeface="CMU Serif Roman" panose="02000603000000000000" pitchFamily="2" charset="0"/>
-              </a:rPr>
-              <a:t>requires {PC[</a:t>
-            </a:r>
-            <a:r>
-              <a:rPr lang="en-GB" sz="1200" dirty="0" err="1">
-                <a:latin typeface="Cambria Math" panose="02040503050406030204" pitchFamily="18" charset="0"/>
-                <a:ea typeface="Cambria Math" panose="02040503050406030204" pitchFamily="18" charset="0"/>
-                <a:cs typeface="CMU Serif Roman" panose="02000603000000000000" pitchFamily="2" charset="0"/>
-              </a:rPr>
-              <a:t>i</a:t>
-            </a:r>
-            <a:r>
-              <a:rPr lang="en-GB" sz="1200" dirty="0">
-                <a:latin typeface="Cambria Math" panose="02040503050406030204" pitchFamily="18" charset="0"/>
-                <a:ea typeface="Cambria Math" panose="02040503050406030204" pitchFamily="18" charset="0"/>
-                <a:cs typeface="CMU Serif Roman" panose="02000603000000000000" pitchFamily="2" charset="0"/>
-              </a:rPr>
-              <a:t>] = A3 &amp;&amp; PC[j] &lt;&gt; A3} { Y := Y + 1; PC[</a:t>
-            </a:r>
-            <a:r>
-              <a:rPr lang="en-GB" sz="1200" dirty="0" err="1">
-                <a:latin typeface="Cambria Math" panose="02040503050406030204" pitchFamily="18" charset="0"/>
-                <a:ea typeface="Cambria Math" panose="02040503050406030204" pitchFamily="18" charset="0"/>
-                <a:cs typeface="CMU Serif Roman" panose="02000603000000000000" pitchFamily="2" charset="0"/>
-              </a:rPr>
-              <a:t>i</a:t>
-            </a:r>
-            <a:r>
-              <a:rPr lang="en-GB" sz="1200" dirty="0">
-                <a:latin typeface="Cambria Math" panose="02040503050406030204" pitchFamily="18" charset="0"/>
-                <a:ea typeface="Cambria Math" panose="02040503050406030204" pitchFamily="18" charset="0"/>
-                <a:cs typeface="CMU Serif Roman" panose="02000603000000000000" pitchFamily="2" charset="0"/>
-              </a:rPr>
-              <a:t>] := A1 }</a:t>
-            </a:r>
-            <a:r>
-              <a:rPr lang="en-FR" sz="1200" dirty="0">
-                <a:latin typeface="Cambria Math" panose="02040503050406030204" pitchFamily="18" charset="0"/>
-                <a:ea typeface="Cambria Math" panose="02040503050406030204" pitchFamily="18" charset="0"/>
-                <a:cs typeface="CMU Serif Roman" panose="02000603000000000000" pitchFamily="2" charset="0"/>
-              </a:rPr>
-              <a:t> </a:t>
-            </a:r>
-            <a:endParaRPr lang="en-FR" dirty="0">
-              <a:latin typeface="Cambria Math" panose="02040503050406030204" pitchFamily="18" charset="0"/>
-              <a:ea typeface="Cambria Math" panose="02040503050406030204" pitchFamily="18" charset="0"/>
-              <a:cs typeface="CMU Serif Roman" panose="02000603000000000000" pitchFamily="2" charset="0"/>
-            </a:endParaRPr>
-          </a:p>
-        </p:txBody>
-      </p:sp>
-      <p:sp>
-        <p:nvSpPr>
-          <p:cNvPr id="7" name="TextBox 6">
-            <a:extLst>
-              <a:ext uri="{FF2B5EF4-FFF2-40B4-BE49-F238E27FC236}">
-                <a16:creationId xmlns:a16="http://schemas.microsoft.com/office/drawing/2014/main" id="{52A57F66-818C-BF7C-3DE7-A1D1237ED96E}"/>
-              </a:ext>
-            </a:extLst>
-          </p:cNvPr>
-          <p:cNvSpPr txBox="1"/>
-          <p:nvPr/>
-        </p:nvSpPr>
-        <p:spPr>
-          <a:xfrm>
-            <a:off x="314791" y="4427063"/>
-            <a:ext cx="11688317" cy="1754326"/>
-          </a:xfrm>
-          <a:prstGeom prst="rect">
-            <a:avLst/>
-          </a:prstGeom>
-          <a:noFill/>
-        </p:spPr>
-        <p:txBody>
-          <a:bodyPr wrap="square" rtlCol="0">
-            <a:spAutoFit/>
-          </a:bodyPr>
-          <a:lstStyle/>
-          <a:p>
-            <a:r>
-              <a:rPr lang="en-FR" dirty="0">
-                <a:latin typeface="Helvetica Neue Light" panose="02000403000000020004" pitchFamily="2" charset="0"/>
-                <a:ea typeface="Helvetica Neue Light" panose="02000403000000020004" pitchFamily="2" charset="0"/>
-              </a:rPr>
-              <a:t>In this example,</a:t>
-            </a:r>
-            <a:r>
-              <a:rPr lang="en-FR" dirty="0">
-                <a:solidFill>
-                  <a:srgbClr val="00B050"/>
-                </a:solidFill>
-                <a:latin typeface="Helvetica Neue Light" panose="02000403000000020004" pitchFamily="2" charset="0"/>
-                <a:ea typeface="Helvetica Neue Light" panose="02000403000000020004" pitchFamily="2" charset="0"/>
-              </a:rPr>
-              <a:t> </a:t>
-            </a:r>
-            <a:r>
-              <a:rPr lang="en-FR" dirty="0">
-                <a:latin typeface="Cambria Math" panose="02040503050406030204" pitchFamily="18" charset="0"/>
-                <a:ea typeface="Cambria Math" panose="02040503050406030204" pitchFamily="18" charset="0"/>
-              </a:rPr>
-              <a:t>t</a:t>
-            </a:r>
-            <a:r>
-              <a:rPr lang="en-FR" dirty="0">
-                <a:solidFill>
-                  <a:srgbClr val="00B050"/>
-                </a:solidFill>
-              </a:rPr>
-              <a:t> </a:t>
-            </a:r>
-            <a:r>
-              <a:rPr lang="en-FR" dirty="0">
-                <a:latin typeface="Helvetica Neue Thin" panose="020B0403020202020204" pitchFamily="34" charset="0"/>
-                <a:ea typeface="Helvetica Neue Thin" panose="020B0403020202020204" pitchFamily="34" charset="0"/>
-              </a:rPr>
-              <a:t>has a harder to reach </a:t>
-            </a:r>
-            <a:r>
-              <a:rPr lang="en-FR" dirty="0">
-                <a:latin typeface="Cambria Math" panose="02040503050406030204" pitchFamily="18" charset="0"/>
-                <a:ea typeface="Cambria Math" panose="02040503050406030204" pitchFamily="18" charset="0"/>
-              </a:rPr>
-              <a:t>require</a:t>
-            </a:r>
-            <a:r>
-              <a:rPr lang="en-FR" dirty="0">
-                <a:latin typeface="Helvetica Neue Thin" panose="020B0403020202020204" pitchFamily="34" charset="0"/>
-                <a:ea typeface="Helvetica Neue Thin" panose="020B0403020202020204" pitchFamily="34" charset="0"/>
-              </a:rPr>
-              <a:t> than </a:t>
-            </a:r>
-            <a:r>
-              <a:rPr lang="en-FR" dirty="0">
-                <a:latin typeface="Cambria Math" panose="02040503050406030204" pitchFamily="18" charset="0"/>
-                <a:ea typeface="Cambria Math" panose="02040503050406030204" pitchFamily="18" charset="0"/>
-              </a:rPr>
-              <a:t>t4</a:t>
-            </a:r>
-            <a:r>
-              <a:rPr lang="en-FR" dirty="0"/>
-              <a:t> </a:t>
-            </a:r>
-            <a:r>
-              <a:rPr lang="en-FR" dirty="0">
-                <a:latin typeface="Helvetica Neue Thin" panose="020B0403020202020204" pitchFamily="34" charset="0"/>
-                <a:ea typeface="Helvetica Neue Thin" panose="020B0403020202020204" pitchFamily="34" charset="0"/>
-              </a:rPr>
-              <a:t>and is proposed and taken less often</a:t>
-            </a:r>
-          </a:p>
-          <a:p>
-            <a:r>
-              <a:rPr lang="en-FR" dirty="0">
-                <a:latin typeface="Helvetica Neue Thin" panose="020B0403020202020204" pitchFamily="34" charset="0"/>
-                <a:ea typeface="Helvetica Neue Thin" panose="020B0403020202020204" pitchFamily="34" charset="0"/>
-              </a:rPr>
-              <a:t>Final count: </a:t>
-            </a:r>
-            <a:r>
-              <a:rPr lang="en-FR" dirty="0">
-                <a:latin typeface="Cambria Math" panose="02040503050406030204" pitchFamily="18" charset="0"/>
-                <a:ea typeface="Cambria Math" panose="02040503050406030204" pitchFamily="18" charset="0"/>
-              </a:rPr>
-              <a:t>t</a:t>
-            </a:r>
-            <a:r>
-              <a:rPr lang="en-FR" dirty="0">
-                <a:latin typeface="Helvetica Neue Thin" panose="020B0403020202020204" pitchFamily="34" charset="0"/>
-                <a:ea typeface="Helvetica Neue Thin" panose="020B0403020202020204" pitchFamily="34" charset="0"/>
-              </a:rPr>
-              <a:t> is taken </a:t>
-            </a:r>
-            <a:r>
-              <a:rPr lang="en-FR" dirty="0">
-                <a:solidFill>
-                  <a:srgbClr val="FF40FF"/>
-                </a:solidFill>
-                <a:latin typeface="Helvetica Neue Thin" panose="020B0403020202020204" pitchFamily="34" charset="0"/>
-                <a:ea typeface="Helvetica Neue Thin" panose="020B0403020202020204" pitchFamily="34" charset="0"/>
-              </a:rPr>
-              <a:t>~2%</a:t>
-            </a:r>
-            <a:r>
-              <a:rPr lang="en-FR" dirty="0">
-                <a:solidFill>
-                  <a:srgbClr val="FF0000"/>
-                </a:solidFill>
-                <a:latin typeface="Helvetica Neue Thin" panose="020B0403020202020204" pitchFamily="34" charset="0"/>
-                <a:ea typeface="Helvetica Neue Thin" panose="020B0403020202020204" pitchFamily="34" charset="0"/>
-              </a:rPr>
-              <a:t> </a:t>
-            </a:r>
-            <a:r>
-              <a:rPr lang="en-FR" dirty="0">
-                <a:latin typeface="Helvetica Neue Thin" panose="020B0403020202020204" pitchFamily="34" charset="0"/>
-                <a:ea typeface="Helvetica Neue Thin" panose="020B0403020202020204" pitchFamily="34" charset="0"/>
-              </a:rPr>
-              <a:t>of the time, vs. </a:t>
-            </a:r>
-            <a:r>
-              <a:rPr lang="en-FR" dirty="0">
-                <a:latin typeface="Cambria Math" panose="02040503050406030204" pitchFamily="18" charset="0"/>
-                <a:ea typeface="Cambria Math" panose="02040503050406030204" pitchFamily="18" charset="0"/>
-              </a:rPr>
-              <a:t>t4</a:t>
-            </a:r>
-            <a:r>
-              <a:rPr lang="en-FR" dirty="0">
-                <a:latin typeface="Helvetica Neue Thin" panose="020B0403020202020204" pitchFamily="34" charset="0"/>
-                <a:ea typeface="Helvetica Neue Thin" panose="020B0403020202020204" pitchFamily="34" charset="0"/>
-              </a:rPr>
-              <a:t>, taken </a:t>
-            </a:r>
-            <a:r>
-              <a:rPr lang="en-FR" dirty="0">
-                <a:solidFill>
-                  <a:srgbClr val="FF40FF"/>
-                </a:solidFill>
-                <a:latin typeface="Helvetica Neue Thin" panose="020B0403020202020204" pitchFamily="34" charset="0"/>
-                <a:ea typeface="Helvetica Neue Thin" panose="020B0403020202020204" pitchFamily="34" charset="0"/>
-              </a:rPr>
-              <a:t>~28% </a:t>
-            </a:r>
-            <a:r>
-              <a:rPr lang="en-FR" dirty="0">
-                <a:latin typeface="Helvetica Neue Thin" panose="020B0403020202020204" pitchFamily="34" charset="0"/>
-                <a:ea typeface="Helvetica Neue Thin" panose="020B0403020202020204" pitchFamily="34" charset="0"/>
-              </a:rPr>
-              <a:t>of the time</a:t>
-            </a:r>
-          </a:p>
-          <a:p>
-            <a:endParaRPr lang="en-FR" dirty="0"/>
-          </a:p>
-          <a:p>
-            <a:r>
-              <a:rPr lang="en-FR" dirty="0">
-                <a:latin typeface="Helvetica Neue Thin" panose="020B0403020202020204" pitchFamily="34" charset="0"/>
-                <a:ea typeface="Helvetica Neue Thin" panose="020B0403020202020204" pitchFamily="34" charset="0"/>
-              </a:rPr>
-              <a:t>The goal is to get the system to run in a way where </a:t>
-            </a:r>
-            <a:r>
-              <a:rPr lang="en-FR" dirty="0"/>
-              <a:t>t </a:t>
-            </a:r>
-            <a:r>
-              <a:rPr lang="en-FR" dirty="0">
-                <a:latin typeface="Helvetica Neue Thin" panose="020B0403020202020204" pitchFamily="34" charset="0"/>
-                <a:ea typeface="Helvetica Neue Thin" panose="020B0403020202020204" pitchFamily="34" charset="0"/>
-              </a:rPr>
-              <a:t>and</a:t>
-            </a:r>
-            <a:r>
-              <a:rPr lang="en-FR" dirty="0"/>
-              <a:t> t4 </a:t>
-            </a:r>
-            <a:r>
-              <a:rPr lang="en-FR" dirty="0">
-                <a:latin typeface="Helvetica Neue Thin" panose="020B0403020202020204" pitchFamily="34" charset="0"/>
-                <a:ea typeface="Helvetica Neue Thin" panose="020B0403020202020204" pitchFamily="34" charset="0"/>
-              </a:rPr>
-              <a:t>appear an equal amount of time </a:t>
-            </a:r>
-          </a:p>
-          <a:p>
-            <a:endParaRPr lang="en-FR" dirty="0"/>
-          </a:p>
-          <a:p>
-            <a:r>
-              <a:rPr lang="en-FR" dirty="0">
-                <a:latin typeface="Helvetica Neue Thin" panose="020B0403020202020204" pitchFamily="34" charset="0"/>
-                <a:ea typeface="Helvetica Neue Thin" panose="020B0403020202020204" pitchFamily="34" charset="0"/>
-              </a:rPr>
-              <a:t>In this case a solution will be :</a:t>
-            </a:r>
-            <a:r>
-              <a:rPr lang="en-FR" dirty="0"/>
-              <a:t> </a:t>
-            </a:r>
-            <a:r>
-              <a:rPr lang="en-FR" dirty="0">
-                <a:latin typeface="Cambria Math" panose="02040503050406030204" pitchFamily="18" charset="0"/>
-                <a:ea typeface="Cambria Math" panose="02040503050406030204" pitchFamily="18" charset="0"/>
-              </a:rPr>
-              <a:t>t1</a:t>
-            </a:r>
-            <a:r>
-              <a:rPr lang="en-FR" dirty="0"/>
-              <a:t> </a:t>
-            </a:r>
-            <a:r>
-              <a:rPr lang="en-FR" dirty="0">
-                <a:latin typeface="Helvetica Neue Thin" panose="020B0403020202020204" pitchFamily="34" charset="0"/>
-                <a:ea typeface="Helvetica Neue Thin" panose="020B0403020202020204" pitchFamily="34" charset="0"/>
-              </a:rPr>
-              <a:t>is taken </a:t>
-            </a:r>
-            <a:r>
-              <a:rPr lang="en-FR" dirty="0">
-                <a:solidFill>
-                  <a:srgbClr val="FF40FF"/>
-                </a:solidFill>
-                <a:latin typeface="Helvetica Neue Thin" panose="020B0403020202020204" pitchFamily="34" charset="0"/>
-                <a:ea typeface="Helvetica Neue Thin" panose="020B0403020202020204" pitchFamily="34" charset="0"/>
-              </a:rPr>
-              <a:t>40%</a:t>
-            </a:r>
-            <a:r>
-              <a:rPr lang="en-FR" dirty="0">
-                <a:latin typeface="Helvetica Neue Thin" panose="020B0403020202020204" pitchFamily="34" charset="0"/>
-                <a:ea typeface="Helvetica Neue Thin" panose="020B0403020202020204" pitchFamily="34" charset="0"/>
-              </a:rPr>
-              <a:t> of the time, </a:t>
-            </a:r>
-            <a:r>
-              <a:rPr lang="en-FR" dirty="0">
-                <a:latin typeface="Cambria Math" panose="02040503050406030204" pitchFamily="18" charset="0"/>
-                <a:ea typeface="Cambria Math" panose="02040503050406030204" pitchFamily="18" charset="0"/>
-              </a:rPr>
-              <a:t>t2</a:t>
-            </a:r>
-            <a:r>
-              <a:rPr lang="en-FR" dirty="0">
-                <a:latin typeface="Helvetica Neue Thin" panose="020B0403020202020204" pitchFamily="34" charset="0"/>
-                <a:ea typeface="Helvetica Neue Thin" panose="020B0403020202020204" pitchFamily="34" charset="0"/>
-              </a:rPr>
-              <a:t>: </a:t>
-            </a:r>
-            <a:r>
-              <a:rPr lang="en-FR" dirty="0">
-                <a:solidFill>
-                  <a:srgbClr val="FF40FF"/>
-                </a:solidFill>
-                <a:latin typeface="Helvetica Neue Thin" panose="020B0403020202020204" pitchFamily="34" charset="0"/>
-                <a:ea typeface="Helvetica Neue Thin" panose="020B0403020202020204" pitchFamily="34" charset="0"/>
-              </a:rPr>
-              <a:t>40%</a:t>
-            </a:r>
-            <a:r>
-              <a:rPr lang="en-FR" dirty="0">
-                <a:latin typeface="Helvetica Neue Thin" panose="020B0403020202020204" pitchFamily="34" charset="0"/>
-                <a:ea typeface="Helvetica Neue Thin" panose="020B0403020202020204" pitchFamily="34" charset="0"/>
-              </a:rPr>
-              <a:t>,</a:t>
-            </a:r>
-            <a:r>
-              <a:rPr lang="en-FR" dirty="0"/>
-              <a:t> </a:t>
-            </a:r>
-            <a:r>
-              <a:rPr lang="en-FR" dirty="0">
-                <a:latin typeface="Cambria Math" panose="02040503050406030204" pitchFamily="18" charset="0"/>
-                <a:ea typeface="Cambria Math" panose="02040503050406030204" pitchFamily="18" charset="0"/>
-              </a:rPr>
-              <a:t>t</a:t>
-            </a:r>
-            <a:r>
-              <a:rPr lang="en-FR" dirty="0">
-                <a:latin typeface="Helvetica Neue Thin" panose="020B0403020202020204" pitchFamily="34" charset="0"/>
-                <a:ea typeface="Helvetica Neue Thin" panose="020B0403020202020204" pitchFamily="34" charset="0"/>
-              </a:rPr>
-              <a:t>: </a:t>
-            </a:r>
-            <a:r>
-              <a:rPr lang="en-FR" dirty="0">
-                <a:solidFill>
-                  <a:srgbClr val="FF40FF"/>
-                </a:solidFill>
-                <a:latin typeface="Helvetica Neue Thin" panose="020B0403020202020204" pitchFamily="34" charset="0"/>
-                <a:ea typeface="Helvetica Neue Thin" panose="020B0403020202020204" pitchFamily="34" charset="0"/>
-              </a:rPr>
-              <a:t>10%</a:t>
-            </a:r>
-            <a:r>
-              <a:rPr lang="en-FR" dirty="0">
-                <a:latin typeface="Helvetica Neue Thin" panose="020B0403020202020204" pitchFamily="34" charset="0"/>
-                <a:ea typeface="Helvetica Neue Thin" panose="020B0403020202020204" pitchFamily="34" charset="0"/>
-              </a:rPr>
-              <a:t>, </a:t>
-            </a:r>
-            <a:r>
-              <a:rPr lang="en-FR" dirty="0">
-                <a:latin typeface="Cambria Math" panose="02040503050406030204" pitchFamily="18" charset="0"/>
-                <a:ea typeface="Cambria Math" panose="02040503050406030204" pitchFamily="18" charset="0"/>
-              </a:rPr>
-              <a:t>t4</a:t>
-            </a:r>
-            <a:r>
-              <a:rPr lang="en-FR" dirty="0">
-                <a:latin typeface="Helvetica Neue Thin" panose="020B0403020202020204" pitchFamily="34" charset="0"/>
-                <a:ea typeface="Helvetica Neue Thin" panose="020B0403020202020204" pitchFamily="34" charset="0"/>
-              </a:rPr>
-              <a:t>: </a:t>
-            </a:r>
-            <a:r>
-              <a:rPr lang="en-FR" dirty="0">
-                <a:solidFill>
-                  <a:srgbClr val="FF40FF"/>
-                </a:solidFill>
-                <a:latin typeface="Helvetica Neue Thin" panose="020B0403020202020204" pitchFamily="34" charset="0"/>
-                <a:ea typeface="Helvetica Neue Thin" panose="020B0403020202020204" pitchFamily="34" charset="0"/>
-              </a:rPr>
-              <a:t>10%</a:t>
-            </a:r>
-            <a:r>
-              <a:rPr lang="en-FR" dirty="0">
-                <a:latin typeface="Helvetica Neue Thin" panose="020B0403020202020204" pitchFamily="34" charset="0"/>
-                <a:ea typeface="Helvetica Neue Thin" panose="020B0403020202020204" pitchFamily="34" charset="0"/>
-              </a:rPr>
-              <a:t>.</a:t>
-            </a:r>
-          </a:p>
-        </p:txBody>
-      </p:sp>
-      <p:sp>
-        <p:nvSpPr>
-          <p:cNvPr id="2" name="Slide Number Placeholder 1">
-            <a:extLst>
-              <a:ext uri="{FF2B5EF4-FFF2-40B4-BE49-F238E27FC236}">
-                <a16:creationId xmlns:a16="http://schemas.microsoft.com/office/drawing/2014/main" id="{9123FEC0-9572-F18C-4C62-73A4414C5C82}"/>
-              </a:ext>
-            </a:extLst>
-          </p:cNvPr>
-          <p:cNvSpPr>
-            <a:spLocks noGrp="1"/>
-          </p:cNvSpPr>
-          <p:nvPr>
-            <p:ph type="sldNum" sz="quarter" idx="12"/>
-          </p:nvPr>
-        </p:nvSpPr>
-        <p:spPr/>
-        <p:txBody>
-          <a:bodyPr/>
-          <a:lstStyle/>
-          <a:p>
-            <a:fld id="{4A936E34-E911-F947-B710-F12161D09F63}" type="slidenum">
-              <a:rPr lang="en-FR" smtClean="0"/>
-              <a:t>2</a:t>
-            </a:fld>
-            <a:endParaRPr lang="en-FR"/>
-          </a:p>
-        </p:txBody>
-      </p:sp>
-    </p:spTree>
-    <p:extLst>
-      <p:ext uri="{BB962C8B-B14F-4D97-AF65-F5344CB8AC3E}">
-        <p14:creationId xmlns:p14="http://schemas.microsoft.com/office/powerpoint/2010/main" val="1611258180"/>
-      </p:ext>
-    </p:extLst>
-  </p:cSld>
-  <p:clrMapOvr>
-    <a:masterClrMapping/>
-  </p:clrMapOvr>
-</p:sld>
-</file>
-
-<file path=ppt/slides/slide20.xml><?xml version="1.0" encoding="utf-8"?>
+<file path=ppt/slides/slide21.xml><?xml version="1.0" encoding="utf-8"?>
 <p:sld xmlns:a="http://schemas.openxmlformats.org/drawingml/2006/main" xmlns:r="http://schemas.openxmlformats.org/officeDocument/2006/relationships" xmlns:p="http://schemas.openxmlformats.org/presentationml/2006/main">
   <p:cSld>
     <p:spTree>
@@ -12565,7 +12960,7 @@
           <a:p>
             <a:fld id="{4A936E34-E911-F947-B710-F12161D09F63}" type="slidenum">
               <a:rPr lang="en-FR" smtClean="0"/>
-              <a:t>20</a:t>
+              <a:t>21</a:t>
             </a:fld>
             <a:endParaRPr lang="en-FR"/>
           </a:p>
@@ -12584,7 +12979,7 @@
 </p:sld>
 </file>
 
-<file path=ppt/slides/slide21.xml><?xml version="1.0" encoding="utf-8"?>
+<file path=ppt/slides/slide22.xml><?xml version="1.0" encoding="utf-8"?>
 <p:sld xmlns:a="http://schemas.openxmlformats.org/drawingml/2006/main" xmlns:r="http://schemas.openxmlformats.org/officeDocument/2006/relationships" xmlns:p="http://schemas.openxmlformats.org/presentationml/2006/main">
   <p:cSld>
     <p:spTree>
@@ -15167,7 +15562,7 @@
           <a:p>
             <a:fld id="{4A936E34-E911-F947-B710-F12161D09F63}" type="slidenum">
               <a:rPr lang="en-FR" smtClean="0"/>
-              <a:t>21</a:t>
+              <a:t>22</a:t>
             </a:fld>
             <a:endParaRPr lang="en-FR"/>
           </a:p>
@@ -15177,375 +15572,6 @@
     <p:extLst>
       <p:ext uri="{BB962C8B-B14F-4D97-AF65-F5344CB8AC3E}">
         <p14:creationId xmlns:p14="http://schemas.microsoft.com/office/powerpoint/2010/main" val="1923418828"/>
-      </p:ext>
-    </p:extLst>
-  </p:cSld>
-  <p:clrMapOvr>
-    <a:masterClrMapping/>
-  </p:clrMapOvr>
-</p:sld>
-</file>
-
-<file path=ppt/slides/slide22.xml><?xml version="1.0" encoding="utf-8"?>
-<p:sld xmlns:a="http://schemas.openxmlformats.org/drawingml/2006/main" xmlns:r="http://schemas.openxmlformats.org/officeDocument/2006/relationships" xmlns:p="http://schemas.openxmlformats.org/presentationml/2006/main">
-  <p:cSld>
-    <p:spTree>
-      <p:nvGrpSpPr>
-        <p:cNvPr id="1" name=""/>
-        <p:cNvGrpSpPr/>
-        <p:nvPr/>
-      </p:nvGrpSpPr>
-      <p:grpSpPr>
-        <a:xfrm>
-          <a:off x="0" y="0"/>
-          <a:ext cx="0" cy="0"/>
-          <a:chOff x="0" y="0"/>
-          <a:chExt cx="0" cy="0"/>
-        </a:xfrm>
-      </p:grpSpPr>
-      <p:sp>
-        <p:nvSpPr>
-          <p:cNvPr id="2" name="TextBox 1">
-            <a:extLst>
-              <a:ext uri="{FF2B5EF4-FFF2-40B4-BE49-F238E27FC236}">
-                <a16:creationId xmlns:a16="http://schemas.microsoft.com/office/drawing/2014/main" id="{6C2B10C5-9FBB-B160-EF82-2177DA7A747F}"/>
-              </a:ext>
-            </a:extLst>
-          </p:cNvPr>
-          <p:cNvSpPr txBox="1"/>
-          <p:nvPr/>
-        </p:nvSpPr>
-        <p:spPr>
-          <a:xfrm>
-            <a:off x="188891" y="586610"/>
-            <a:ext cx="11638349" cy="5909310"/>
-          </a:xfrm>
-          <a:prstGeom prst="rect">
-            <a:avLst/>
-          </a:prstGeom>
-          <a:noFill/>
-        </p:spPr>
-        <p:txBody>
-          <a:bodyPr wrap="square" rtlCol="0">
-            <a:spAutoFit/>
-          </a:bodyPr>
-          <a:lstStyle/>
-          <a:p>
-            <a:r>
-              <a:rPr lang="en-FR" dirty="0">
-                <a:latin typeface="Helvetica Neue Thin" panose="020B0403020202020204" pitchFamily="34" charset="0"/>
-                <a:ea typeface="Helvetica Neue Thin" panose="020B0403020202020204" pitchFamily="34" charset="0"/>
-              </a:rPr>
-              <a:t>The following is a list of information that can be obtained from a run.</a:t>
-            </a:r>
-          </a:p>
-          <a:p>
-            <a:endParaRPr lang="en-FR" dirty="0">
-              <a:latin typeface="Helvetica Neue Thin" panose="020B0403020202020204" pitchFamily="34" charset="0"/>
-              <a:ea typeface="Helvetica Neue Thin" panose="020B0403020202020204" pitchFamily="34" charset="0"/>
-            </a:endParaRPr>
-          </a:p>
-          <a:p>
-            <a:pPr marL="285750" indent="-285750">
-              <a:buFont typeface="Arial" panose="020B0604020202020204" pitchFamily="34" charset="0"/>
-              <a:buChar char="•"/>
-            </a:pPr>
-            <a:r>
-              <a:rPr lang="en-FR" dirty="0">
-                <a:latin typeface="Helvetica Neue Thin" panose="020B0403020202020204" pitchFamily="34" charset="0"/>
-                <a:ea typeface="Helvetica Neue Thin" panose="020B0403020202020204" pitchFamily="34" charset="0"/>
-              </a:rPr>
-              <a:t>Steps to take and steps taken </a:t>
-            </a:r>
-          </a:p>
-          <a:p>
-            <a:pPr marL="742950" lvl="1" indent="-285750">
-              <a:buFont typeface="Arial" panose="020B0604020202020204" pitchFamily="34" charset="0"/>
-              <a:buChar char="•"/>
-            </a:pPr>
-            <a:r>
-              <a:rPr lang="en-GB" dirty="0">
-                <a:latin typeface="Helvetica Neue Thin" panose="020B0403020202020204" pitchFamily="34" charset="0"/>
-                <a:ea typeface="Helvetica Neue Thin" panose="020B0403020202020204" pitchFamily="34" charset="0"/>
-              </a:rPr>
-              <a:t>I</a:t>
-            </a:r>
-            <a:r>
-              <a:rPr lang="en-FR" dirty="0">
-                <a:latin typeface="Helvetica Neue Thin" panose="020B0403020202020204" pitchFamily="34" charset="0"/>
-                <a:ea typeface="Helvetica Neue Thin" panose="020B0403020202020204" pitchFamily="34" charset="0"/>
-              </a:rPr>
-              <a:t>f the ratio steps taken/steps to take is too small, that means that system may have hit a deadlock</a:t>
-            </a:r>
-          </a:p>
-          <a:p>
-            <a:pPr lvl="1"/>
-            <a:r>
-              <a:rPr lang="en-FR" dirty="0">
-                <a:latin typeface="Helvetica Neue Thin" panose="020B0403020202020204" pitchFamily="34" charset="0"/>
-                <a:ea typeface="Helvetica Neue Thin" panose="020B0403020202020204" pitchFamily="34" charset="0"/>
-              </a:rPr>
-              <a:t>  </a:t>
-            </a:r>
-          </a:p>
-          <a:p>
-            <a:pPr marL="285750" indent="-285750">
-              <a:buFont typeface="Arial" panose="020B0604020202020204" pitchFamily="34" charset="0"/>
-              <a:buChar char="•"/>
-            </a:pPr>
-            <a:r>
-              <a:rPr lang="en-FR" dirty="0">
-                <a:latin typeface="Helvetica Neue Thin" panose="020B0403020202020204" pitchFamily="34" charset="0"/>
-                <a:ea typeface="Helvetica Neue Thin" panose="020B0403020202020204" pitchFamily="34" charset="0"/>
-              </a:rPr>
-              <a:t>Transition matrix </a:t>
-            </a:r>
-          </a:p>
-          <a:p>
-            <a:pPr marL="742950" lvl="1" indent="-285750">
-              <a:buFont typeface="Arial" panose="020B0604020202020204" pitchFamily="34" charset="0"/>
-              <a:buChar char="•"/>
-            </a:pPr>
-            <a:r>
-              <a:rPr lang="en-FR" dirty="0">
-                <a:latin typeface="Helvetica Neue Thin" panose="020B0403020202020204" pitchFamily="34" charset="0"/>
-                <a:ea typeface="Helvetica Neue Thin" panose="020B0403020202020204" pitchFamily="34" charset="0"/>
-              </a:rPr>
-              <a:t>If the matrix is not stochastic that means the system hit a state it couldn’t get out of</a:t>
-            </a:r>
-          </a:p>
-          <a:p>
-            <a:pPr marL="742950" lvl="1" indent="-285750">
-              <a:buFont typeface="Arial" panose="020B0604020202020204" pitchFamily="34" charset="0"/>
-              <a:buChar char="•"/>
-            </a:pPr>
-            <a:r>
-              <a:rPr lang="en-FR" dirty="0">
-                <a:latin typeface="Helvetica Neue Thin" panose="020B0403020202020204" pitchFamily="34" charset="0"/>
-                <a:ea typeface="Helvetica Neue Thin" panose="020B0403020202020204" pitchFamily="34" charset="0"/>
-              </a:rPr>
-              <a:t>Probabilities between transitions can be used to study the system’s behavior</a:t>
-            </a:r>
-          </a:p>
-          <a:p>
-            <a:pPr marL="742950" lvl="1" indent="-285750">
-              <a:buFont typeface="Arial" panose="020B0604020202020204" pitchFamily="34" charset="0"/>
-              <a:buChar char="•"/>
-            </a:pPr>
-            <a:r>
-              <a:rPr lang="en-FR" dirty="0">
-                <a:latin typeface="Helvetica Neue Thin" panose="020B0403020202020204" pitchFamily="34" charset="0"/>
-                <a:ea typeface="Helvetica Neue Thin" panose="020B0403020202020204" pitchFamily="34" charset="0"/>
-              </a:rPr>
-              <a:t>Stable / Stationary state: over time, this is how the transition distribution will look like</a:t>
-            </a:r>
-          </a:p>
-          <a:p>
-            <a:pPr lvl="1"/>
-            <a:endParaRPr lang="en-FR" dirty="0">
-              <a:latin typeface="Helvetica Neue Thin" panose="020B0403020202020204" pitchFamily="34" charset="0"/>
-              <a:ea typeface="Helvetica Neue Thin" panose="020B0403020202020204" pitchFamily="34" charset="0"/>
-            </a:endParaRPr>
-          </a:p>
-          <a:p>
-            <a:pPr marL="285750" indent="-285750">
-              <a:buFont typeface="Arial" panose="020B0604020202020204" pitchFamily="34" charset="0"/>
-              <a:buChar char="•"/>
-            </a:pPr>
-            <a:r>
-              <a:rPr lang="en-FR" dirty="0">
-                <a:latin typeface="Helvetica Neue Thin" panose="020B0403020202020204" pitchFamily="34" charset="0"/>
-                <a:ea typeface="Helvetica Neue Thin" panose="020B0403020202020204" pitchFamily="34" charset="0"/>
-              </a:rPr>
-              <a:t>The Markov Chain (MC)</a:t>
-            </a:r>
-          </a:p>
-          <a:p>
-            <a:pPr marL="742950" lvl="1" indent="-285750">
-              <a:buFont typeface="Arial" panose="020B0604020202020204" pitchFamily="34" charset="0"/>
-              <a:buChar char="•"/>
-            </a:pPr>
-            <a:r>
-              <a:rPr lang="en-FR" dirty="0">
-                <a:latin typeface="Helvetica Neue Thin" panose="020B0403020202020204" pitchFamily="34" charset="0"/>
-                <a:ea typeface="Helvetica Neue Thin" panose="020B0403020202020204" pitchFamily="34" charset="0"/>
-              </a:rPr>
-              <a:t>Ergodicity</a:t>
-            </a:r>
-          </a:p>
-          <a:p>
-            <a:pPr marL="1200150" lvl="2" indent="-285750">
-              <a:buFont typeface="Arial" panose="020B0604020202020204" pitchFamily="34" charset="0"/>
-              <a:buChar char="•"/>
-            </a:pPr>
-            <a:r>
-              <a:rPr lang="en-GB" dirty="0">
-                <a:latin typeface="Helvetica Neue Thin" panose="020B0403020202020204" pitchFamily="34" charset="0"/>
-                <a:ea typeface="Helvetica Neue Thin" panose="020B0403020202020204" pitchFamily="34" charset="0"/>
-              </a:rPr>
-              <a:t>Irreducible: any state can be reached from any other (directly or indirectly)</a:t>
-            </a:r>
-          </a:p>
-          <a:p>
-            <a:pPr marL="1200150" lvl="2" indent="-285750">
-              <a:buFont typeface="Arial" panose="020B0604020202020204" pitchFamily="34" charset="0"/>
-              <a:buChar char="•"/>
-            </a:pPr>
-            <a:r>
-              <a:rPr lang="en-GB" dirty="0">
-                <a:latin typeface="Helvetica Neue Thin" panose="020B0403020202020204" pitchFamily="34" charset="0"/>
-                <a:ea typeface="Helvetica Neue Thin" panose="020B0403020202020204" pitchFamily="34" charset="0"/>
-              </a:rPr>
-              <a:t>Aperiodic: the system doesn’t end up in a loop (any state can be returned to at any time)</a:t>
-            </a:r>
-          </a:p>
-          <a:p>
-            <a:pPr marL="1200150" lvl="2" indent="-285750">
-              <a:buFont typeface="Arial" panose="020B0604020202020204" pitchFamily="34" charset="0"/>
-              <a:buChar char="•"/>
-            </a:pPr>
-            <a:endParaRPr lang="en-GB" dirty="0">
-              <a:latin typeface="Helvetica Neue Thin" panose="020B0403020202020204" pitchFamily="34" charset="0"/>
-              <a:ea typeface="Helvetica Neue Thin" panose="020B0403020202020204" pitchFamily="34" charset="0"/>
-            </a:endParaRPr>
-          </a:p>
-          <a:p>
-            <a:pPr marL="285750" indent="-285750">
-              <a:buFont typeface="Arial" panose="020B0604020202020204" pitchFamily="34" charset="0"/>
-              <a:buChar char="•"/>
-            </a:pPr>
-            <a:r>
-              <a:rPr lang="en-FR" dirty="0">
-                <a:latin typeface="Helvetica Neue Thin" panose="020B0403020202020204" pitchFamily="34" charset="0"/>
-                <a:ea typeface="Helvetica Neue Thin" panose="020B0403020202020204" pitchFamily="34" charset="0"/>
-              </a:rPr>
-              <a:t>How often each transition, process, transition+process pair appears</a:t>
-            </a:r>
-          </a:p>
-          <a:p>
-            <a:pPr marL="285750" indent="-285750">
-              <a:buFont typeface="Arial" panose="020B0604020202020204" pitchFamily="34" charset="0"/>
-              <a:buChar char="•"/>
-            </a:pPr>
-            <a:endParaRPr lang="en-FR" dirty="0">
-              <a:latin typeface="Helvetica Neue Thin" panose="020B0403020202020204" pitchFamily="34" charset="0"/>
-              <a:ea typeface="Helvetica Neue Thin" panose="020B0403020202020204" pitchFamily="34" charset="0"/>
-            </a:endParaRPr>
-          </a:p>
-          <a:p>
-            <a:pPr marL="285750" indent="-285750">
-              <a:buFont typeface="Arial" panose="020B0604020202020204" pitchFamily="34" charset="0"/>
-              <a:buChar char="•"/>
-            </a:pPr>
-            <a:r>
-              <a:rPr lang="en-FR" dirty="0">
-                <a:latin typeface="Helvetica Neue Thin" panose="020B0403020202020204" pitchFamily="34" charset="0"/>
-                <a:ea typeface="Helvetica Neue Thin" panose="020B0403020202020204" pitchFamily="34" charset="0"/>
-              </a:rPr>
-              <a:t>How entropy evolves</a:t>
-            </a:r>
-          </a:p>
-          <a:p>
-            <a:pPr marL="742950" lvl="1" indent="-285750">
-              <a:buFont typeface="Arial" panose="020B0604020202020204" pitchFamily="34" charset="0"/>
-              <a:buChar char="•"/>
-            </a:pPr>
-            <a:r>
-              <a:rPr lang="en-GB" dirty="0">
-                <a:latin typeface="Helvetica Neue Thin" panose="020B0403020202020204" pitchFamily="34" charset="0"/>
-                <a:ea typeface="Helvetica Neue Thin" panose="020B0403020202020204" pitchFamily="34" charset="0"/>
-              </a:rPr>
-              <a:t>T</a:t>
-            </a:r>
-            <a:r>
-              <a:rPr lang="en-FR" dirty="0">
-                <a:latin typeface="Helvetica Neue Thin" panose="020B0403020202020204" pitchFamily="34" charset="0"/>
-                <a:ea typeface="Helvetica Neue Thin" panose="020B0403020202020204" pitchFamily="34" charset="0"/>
-              </a:rPr>
-              <a:t>racking the entropy of each transition will allow you to deduce whether or not the transition is succeptible to the order of execution. If the entropy is more or less stable, then the transition doesn’t depend on its history. If the entropy fluctuates, then you might need to consider Memory-Enhanced Metropolis.</a:t>
-            </a:r>
-            <a:endParaRPr lang="en-GB" dirty="0">
-              <a:latin typeface="Helvetica Neue Thin" panose="020B0403020202020204" pitchFamily="34" charset="0"/>
-              <a:ea typeface="Helvetica Neue Thin" panose="020B0403020202020204" pitchFamily="34" charset="0"/>
-            </a:endParaRPr>
-          </a:p>
-        </p:txBody>
-      </p:sp>
-      <p:sp>
-        <p:nvSpPr>
-          <p:cNvPr id="7" name="TextBox 6">
-            <a:extLst>
-              <a:ext uri="{FF2B5EF4-FFF2-40B4-BE49-F238E27FC236}">
-                <a16:creationId xmlns:a16="http://schemas.microsoft.com/office/drawing/2014/main" id="{A1296553-2849-7B47-5626-14E9E7F0160C}"/>
-              </a:ext>
-            </a:extLst>
-          </p:cNvPr>
-          <p:cNvSpPr txBox="1"/>
-          <p:nvPr/>
-        </p:nvSpPr>
-        <p:spPr>
-          <a:xfrm>
-            <a:off x="188891" y="124945"/>
-            <a:ext cx="7456093" cy="461665"/>
-          </a:xfrm>
-          <a:prstGeom prst="rect">
-            <a:avLst/>
-          </a:prstGeom>
-          <a:noFill/>
-        </p:spPr>
-        <p:txBody>
-          <a:bodyPr wrap="square" rtlCol="0">
-            <a:spAutoFit/>
-          </a:bodyPr>
-          <a:lstStyle/>
-          <a:p>
-            <a:r>
-              <a:rPr lang="en-US" sz="2400" dirty="0">
-                <a:latin typeface="Helvetica Neue Thin" panose="020B0403020202020204" pitchFamily="34" charset="0"/>
-                <a:ea typeface="Helvetica Neue Thin" panose="020B0403020202020204" pitchFamily="34" charset="0"/>
-              </a:rPr>
-              <a:t>Information gathered from a run</a:t>
-            </a:r>
-            <a:endParaRPr lang="en-FR" sz="2000" dirty="0">
-              <a:latin typeface="Helvetica Neue Thin" panose="020B0403020202020204" pitchFamily="34" charset="0"/>
-              <a:ea typeface="Helvetica Neue Thin" panose="020B0403020202020204" pitchFamily="34" charset="0"/>
-            </a:endParaRPr>
-          </a:p>
-        </p:txBody>
-      </p:sp>
-      <p:sp>
-        <p:nvSpPr>
-          <p:cNvPr id="3" name="Slide Number Placeholder 2">
-            <a:extLst>
-              <a:ext uri="{FF2B5EF4-FFF2-40B4-BE49-F238E27FC236}">
-                <a16:creationId xmlns:a16="http://schemas.microsoft.com/office/drawing/2014/main" id="{33D5C72B-E230-3A3A-8C54-D6076FC14789}"/>
-              </a:ext>
-            </a:extLst>
-          </p:cNvPr>
-          <p:cNvSpPr>
-            <a:spLocks noGrp="1"/>
-          </p:cNvSpPr>
-          <p:nvPr>
-            <p:ph type="sldNum" sz="quarter" idx="12"/>
-          </p:nvPr>
-        </p:nvSpPr>
-        <p:spPr/>
-        <p:txBody>
-          <a:bodyPr/>
-          <a:lstStyle/>
-          <a:p>
-            <a:fld id="{4A936E34-E911-F947-B710-F12161D09F63}" type="slidenum">
-              <a:rPr lang="en-FR" smtClean="0"/>
-              <a:t>22</a:t>
-            </a:fld>
-            <a:endParaRPr lang="en-FR"/>
-          </a:p>
-        </p:txBody>
-      </p:sp>
-    </p:spTree>
-    <p:extLst>
-      <p:ext uri="{BB962C8B-B14F-4D97-AF65-F5344CB8AC3E}">
-        <p14:creationId xmlns:p14="http://schemas.microsoft.com/office/powerpoint/2010/main" val="2132072116"/>
       </p:ext>
     </p:extLst>
   </p:cSld>
@@ -15587,7 +15613,7 @@
         <p:spPr>
           <a:xfrm>
             <a:off x="188891" y="586610"/>
-            <a:ext cx="11638349" cy="2031325"/>
+            <a:ext cx="11638349" cy="5909310"/>
           </a:xfrm>
           <a:prstGeom prst="rect">
             <a:avLst/>
@@ -15600,16 +15626,61 @@
           </a:bodyPr>
           <a:lstStyle/>
           <a:p>
+            <a:r>
+              <a:rPr lang="en-FR" dirty="0">
+                <a:latin typeface="Helvetica Neue Thin" panose="020B0403020202020204" pitchFamily="34" charset="0"/>
+                <a:ea typeface="Helvetica Neue Thin" panose="020B0403020202020204" pitchFamily="34" charset="0"/>
+              </a:rPr>
+              <a:t>The following is a list of information that can be obtained from a run.</a:t>
+            </a:r>
+          </a:p>
+          <a:p>
+            <a:endParaRPr lang="en-FR" dirty="0">
+              <a:latin typeface="Helvetica Neue Thin" panose="020B0403020202020204" pitchFamily="34" charset="0"/>
+              <a:ea typeface="Helvetica Neue Thin" panose="020B0403020202020204" pitchFamily="34" charset="0"/>
+            </a:endParaRPr>
+          </a:p>
+          <a:p>
             <a:pPr marL="285750" indent="-285750">
               <a:buFont typeface="Arial" panose="020B0604020202020204" pitchFamily="34" charset="0"/>
               <a:buChar char="•"/>
             </a:pPr>
             <a:r>
+              <a:rPr lang="en-FR" dirty="0">
+                <a:latin typeface="Helvetica Neue Thin" panose="020B0403020202020204" pitchFamily="34" charset="0"/>
+                <a:ea typeface="Helvetica Neue Thin" panose="020B0403020202020204" pitchFamily="34" charset="0"/>
+              </a:rPr>
+              <a:t>Steps to take and steps taken </a:t>
+            </a:r>
+          </a:p>
+          <a:p>
+            <a:pPr marL="742950" lvl="1" indent="-285750">
+              <a:buFont typeface="Arial" panose="020B0604020202020204" pitchFamily="34" charset="0"/>
+              <a:buChar char="•"/>
+            </a:pPr>
+            <a:r>
               <a:rPr lang="en-GB" dirty="0">
                 <a:latin typeface="Helvetica Neue Thin" panose="020B0403020202020204" pitchFamily="34" charset="0"/>
                 <a:ea typeface="Helvetica Neue Thin" panose="020B0403020202020204" pitchFamily="34" charset="0"/>
               </a:rPr>
-              <a:t>Implement entropy tracking [in progress] </a:t>
+              <a:t>I</a:t>
+            </a:r>
+            <a:r>
+              <a:rPr lang="en-FR" dirty="0">
+                <a:latin typeface="Helvetica Neue Thin" panose="020B0403020202020204" pitchFamily="34" charset="0"/>
+                <a:ea typeface="Helvetica Neue Thin" panose="020B0403020202020204" pitchFamily="34" charset="0"/>
+              </a:rPr>
+              <a:t>f the ratio steps taken/steps to take is too small, that means that system may have hit a deadlock</a:t>
+            </a:r>
+          </a:p>
+          <a:p>
+            <a:pPr lvl="1"/>
+            <a:r>
+              <a:rPr lang="en-FR" dirty="0">
+                <a:latin typeface="Helvetica Neue Thin" panose="020B0403020202020204" pitchFamily="34" charset="0"/>
+                <a:ea typeface="Helvetica Neue Thin" panose="020B0403020202020204" pitchFamily="34" charset="0"/>
+              </a:rPr>
+              <a:t>  </a:t>
             </a:r>
           </a:p>
           <a:p>
@@ -15618,12 +15689,58 @@
               <a:buChar char="•"/>
             </a:pPr>
             <a:r>
-              <a:rPr lang="en-GB" dirty="0">
-                <a:latin typeface="Helvetica Neue Thin" panose="020B0403020202020204" pitchFamily="34" charset="0"/>
-                <a:ea typeface="Helvetica Neue Thin" panose="020B0403020202020204" pitchFamily="34" charset="0"/>
-              </a:rPr>
-              <a:t>Choice between vector bias and full matrix bias + best format for user input </a:t>
-            </a:r>
+              <a:rPr lang="en-FR" dirty="0">
+                <a:latin typeface="Helvetica Neue Thin" panose="020B0403020202020204" pitchFamily="34" charset="0"/>
+                <a:ea typeface="Helvetica Neue Thin" panose="020B0403020202020204" pitchFamily="34" charset="0"/>
+              </a:rPr>
+              <a:t>Transition matrix </a:t>
+            </a:r>
+          </a:p>
+          <a:p>
+            <a:pPr marL="742950" lvl="1" indent="-285750">
+              <a:buFont typeface="Arial" panose="020B0604020202020204" pitchFamily="34" charset="0"/>
+              <a:buChar char="•"/>
+            </a:pPr>
+            <a:r>
+              <a:rPr lang="en-FR" dirty="0">
+                <a:latin typeface="Helvetica Neue Thin" panose="020B0403020202020204" pitchFamily="34" charset="0"/>
+                <a:ea typeface="Helvetica Neue Thin" panose="020B0403020202020204" pitchFamily="34" charset="0"/>
+              </a:rPr>
+              <a:t>If the matrix is not stochastic that means the system hit a state it couldn’t get out of</a:t>
+            </a:r>
+          </a:p>
+          <a:p>
+            <a:pPr marL="742950" lvl="1" indent="-285750">
+              <a:buFont typeface="Arial" panose="020B0604020202020204" pitchFamily="34" charset="0"/>
+              <a:buChar char="•"/>
+            </a:pPr>
+            <a:r>
+              <a:rPr lang="en-FR" dirty="0">
+                <a:latin typeface="Helvetica Neue Thin" panose="020B0403020202020204" pitchFamily="34" charset="0"/>
+                <a:ea typeface="Helvetica Neue Thin" panose="020B0403020202020204" pitchFamily="34" charset="0"/>
+              </a:rPr>
+              <a:t>Probabilities between transitions can be used to study the system’s behavior</a:t>
+            </a:r>
+          </a:p>
+          <a:p>
+            <a:pPr marL="742950" lvl="1" indent="-285750">
+              <a:buFont typeface="Arial" panose="020B0604020202020204" pitchFamily="34" charset="0"/>
+              <a:buChar char="•"/>
+            </a:pPr>
+            <a:r>
+              <a:rPr lang="en-FR" dirty="0">
+                <a:latin typeface="Helvetica Neue Thin" panose="020B0403020202020204" pitchFamily="34" charset="0"/>
+                <a:ea typeface="Helvetica Neue Thin" panose="020B0403020202020204" pitchFamily="34" charset="0"/>
+              </a:rPr>
+              <a:t>Stable / Stationary state: over time, this is how the transition distribution will look like</a:t>
+            </a:r>
+          </a:p>
+          <a:p>
+            <a:pPr lvl="1"/>
+            <a:endParaRPr lang="en-FR" dirty="0">
+              <a:latin typeface="Helvetica Neue Thin" panose="020B0403020202020204" pitchFamily="34" charset="0"/>
+              <a:ea typeface="Helvetica Neue Thin" panose="020B0403020202020204" pitchFamily="34" charset="0"/>
+            </a:endParaRPr>
           </a:p>
           <a:p>
             <a:pPr marL="285750" indent="-285750">
@@ -15631,26 +15748,61 @@
               <a:buChar char="•"/>
             </a:pPr>
             <a:r>
+              <a:rPr lang="en-FR" dirty="0">
+                <a:latin typeface="Helvetica Neue Thin" panose="020B0403020202020204" pitchFamily="34" charset="0"/>
+                <a:ea typeface="Helvetica Neue Thin" panose="020B0403020202020204" pitchFamily="34" charset="0"/>
+              </a:rPr>
+              <a:t>The Markov Chain (MC)</a:t>
+            </a:r>
+          </a:p>
+          <a:p>
+            <a:pPr marL="742950" lvl="1" indent="-285750">
+              <a:buFont typeface="Arial" panose="020B0604020202020204" pitchFamily="34" charset="0"/>
+              <a:buChar char="•"/>
+            </a:pPr>
+            <a:r>
+              <a:rPr lang="en-FR" dirty="0">
+                <a:latin typeface="Helvetica Neue Thin" panose="020B0403020202020204" pitchFamily="34" charset="0"/>
+                <a:ea typeface="Helvetica Neue Thin" panose="020B0403020202020204" pitchFamily="34" charset="0"/>
+              </a:rPr>
+              <a:t>Ergodicity</a:t>
+            </a:r>
+          </a:p>
+          <a:p>
+            <a:pPr marL="1200150" lvl="2" indent="-285750">
+              <a:buFont typeface="Arial" panose="020B0604020202020204" pitchFamily="34" charset="0"/>
+              <a:buChar char="•"/>
+            </a:pPr>
+            <a:r>
               <a:rPr lang="en-GB" dirty="0">
                 <a:latin typeface="Helvetica Neue Thin" panose="020B0403020202020204" pitchFamily="34" charset="0"/>
                 <a:ea typeface="Helvetica Neue Thin" panose="020B0403020202020204" pitchFamily="34" charset="0"/>
               </a:rPr>
-              <a:t>Have runs track both detailed and grouped matrix and either (</a:t>
-            </a:r>
-            <a:r>
-              <a:rPr lang="en-GB" dirty="0" err="1">
-                <a:latin typeface="Helvetica Neue Thin" panose="020B0403020202020204" pitchFamily="34" charset="0"/>
-                <a:ea typeface="Helvetica Neue Thin" panose="020B0403020202020204" pitchFamily="34" charset="0"/>
-              </a:rPr>
-              <a:t>i</a:t>
-            </a:r>
+              <a:t>Irreducible: any state can be reached from any other (directly or indirectly)</a:t>
+            </a:r>
+          </a:p>
+          <a:p>
+            <a:pPr marL="1200150" lvl="2" indent="-285750">
+              <a:buFont typeface="Arial" panose="020B0604020202020204" pitchFamily="34" charset="0"/>
+              <a:buChar char="•"/>
+            </a:pPr>
             <a:r>
               <a:rPr lang="en-GB" dirty="0">
                 <a:latin typeface="Helvetica Neue Thin" panose="020B0403020202020204" pitchFamily="34" charset="0"/>
                 <a:ea typeface="Helvetica Neue Thin" panose="020B0403020202020204" pitchFamily="34" charset="0"/>
               </a:rPr>
-              <a:t>) create two files or (ii) choose what you want to see during the analysis </a:t>
-            </a:r>
+              <a:t>Aperiodic: the system doesn’t end up in a loop (any state can be returned to at any time)</a:t>
+            </a:r>
+          </a:p>
+          <a:p>
+            <a:pPr marL="1200150" lvl="2" indent="-285750">
+              <a:buFont typeface="Arial" panose="020B0604020202020204" pitchFamily="34" charset="0"/>
+              <a:buChar char="•"/>
+            </a:pPr>
+            <a:endParaRPr lang="en-GB" dirty="0">
+              <a:latin typeface="Helvetica Neue Thin" panose="020B0403020202020204" pitchFamily="34" charset="0"/>
+              <a:ea typeface="Helvetica Neue Thin" panose="020B0403020202020204" pitchFamily="34" charset="0"/>
+            </a:endParaRPr>
           </a:p>
           <a:p>
             <a:pPr marL="285750" indent="-285750">
@@ -15658,11 +15810,11 @@
               <a:buChar char="•"/>
             </a:pPr>
             <a:r>
-              <a:rPr lang="en-GB" dirty="0">
-                <a:latin typeface="Helvetica Neue Thin" panose="020B0403020202020204" pitchFamily="34" charset="0"/>
-                <a:ea typeface="Helvetica Neue Thin" panose="020B0403020202020204" pitchFamily="34" charset="0"/>
-              </a:rPr>
-              <a:t>Figure out an automatic way to propose biases</a:t>
+              <a:rPr lang="en-FR" dirty="0">
+                <a:latin typeface="Helvetica Neue Thin" panose="020B0403020202020204" pitchFamily="34" charset="0"/>
+                <a:ea typeface="Helvetica Neue Thin" panose="020B0403020202020204" pitchFamily="34" charset="0"/>
+              </a:rPr>
+              <a:t>How often each transition, process, transition+process pair appears</a:t>
             </a:r>
           </a:p>
           <a:p>
@@ -15670,13 +15822,10 @@
               <a:buFont typeface="Arial" panose="020B0604020202020204" pitchFamily="34" charset="0"/>
               <a:buChar char="•"/>
             </a:pPr>
-            <a:r>
-              <a:rPr lang="en-GB" dirty="0">
-                <a:latin typeface="Helvetica Neue Thin" panose="020B0403020202020204" pitchFamily="34" charset="0"/>
-                <a:ea typeface="Helvetica Neue Thin" panose="020B0403020202020204" pitchFamily="34" charset="0"/>
-              </a:rPr>
-              <a:t>Output matrix in browser – some of them are way too big for the terminal and its unreadable</a:t>
-            </a:r>
+            <a:endParaRPr lang="en-FR" dirty="0">
+              <a:latin typeface="Helvetica Neue Thin" panose="020B0403020202020204" pitchFamily="34" charset="0"/>
+              <a:ea typeface="Helvetica Neue Thin" panose="020B0403020202020204" pitchFamily="34" charset="0"/>
+            </a:endParaRPr>
           </a:p>
           <a:p>
             <a:pPr marL="285750" indent="-285750">
@@ -15684,12 +15833,36 @@
               <a:buChar char="•"/>
             </a:pPr>
             <a:r>
+              <a:rPr lang="en-FR" dirty="0">
+                <a:latin typeface="Helvetica Neue Thin" panose="020B0403020202020204" pitchFamily="34" charset="0"/>
+                <a:ea typeface="Helvetica Neue Thin" panose="020B0403020202020204" pitchFamily="34" charset="0"/>
+              </a:rPr>
+              <a:t>How entropy evolves</a:t>
+            </a:r>
+          </a:p>
+          <a:p>
+            <a:pPr marL="742950" lvl="1" indent="-285750">
+              <a:buFont typeface="Arial" panose="020B0604020202020204" pitchFamily="34" charset="0"/>
+              <a:buChar char="•"/>
+            </a:pPr>
+            <a:r>
               <a:rPr lang="en-GB" dirty="0">
                 <a:latin typeface="Helvetica Neue Thin" panose="020B0403020202020204" pitchFamily="34" charset="0"/>
                 <a:ea typeface="Helvetica Neue Thin" panose="020B0403020202020204" pitchFamily="34" charset="0"/>
               </a:rPr>
-              <a:t>Deal with floats </a:t>
-            </a:r>
+              <a:t>T</a:t>
+            </a:r>
+            <a:r>
+              <a:rPr lang="en-FR" dirty="0">
+                <a:latin typeface="Helvetica Neue Thin" panose="020B0403020202020204" pitchFamily="34" charset="0"/>
+                <a:ea typeface="Helvetica Neue Thin" panose="020B0403020202020204" pitchFamily="34" charset="0"/>
+              </a:rPr>
+              <a:t>racking the entropy of each transition will allow you to deduce whether or not the transition is succeptible to the order of execution. If the entropy is more or less stable, then the transition doesn’t depend on its history. If the entropy fluctuates, then you might need to consider Memory-Enhanced Metropolis.</a:t>
+            </a:r>
+            <a:endParaRPr lang="en-GB" dirty="0">
+              <a:latin typeface="Helvetica Neue Thin" panose="020B0403020202020204" pitchFamily="34" charset="0"/>
+              <a:ea typeface="Helvetica Neue Thin" panose="020B0403020202020204" pitchFamily="34" charset="0"/>
+            </a:endParaRPr>
           </a:p>
         </p:txBody>
       </p:sp>
@@ -15726,7 +15899,7 @@
                 <a:latin typeface="Helvetica Neue Thin" panose="020B0403020202020204" pitchFamily="34" charset="0"/>
                 <a:ea typeface="Helvetica Neue Thin" panose="020B0403020202020204" pitchFamily="34" charset="0"/>
               </a:rPr>
-              <a:t>To Do</a:t>
+              <a:t>Information gathered from a run</a:t>
             </a:r>
             <a:endParaRPr lang="en-FR" sz="2000" dirty="0">
               <a:latin typeface="Helvetica Neue Thin" panose="020B0403020202020204" pitchFamily="34" charset="0"/>
@@ -15767,7 +15940,7 @@
     </p:spTree>
     <p:extLst>
       <p:ext uri="{BB962C8B-B14F-4D97-AF65-F5344CB8AC3E}">
-        <p14:creationId xmlns:p14="http://schemas.microsoft.com/office/powerpoint/2010/main" val="4246474834"/>
+        <p14:creationId xmlns:p14="http://schemas.microsoft.com/office/powerpoint/2010/main" val="2132072116"/>
       </p:ext>
     </p:extLst>
   </p:cSld>
@@ -15809,7 +15982,7 @@
         <p:spPr>
           <a:xfrm>
             <a:off x="188891" y="586610"/>
-            <a:ext cx="11814218" cy="1754326"/>
+            <a:ext cx="11638349" cy="2031325"/>
           </a:xfrm>
           <a:prstGeom prst="rect">
             <a:avLst/>
@@ -15831,7 +16004,7 @@
                 <a:latin typeface="Helvetica Neue Thin" panose="020B0403020202020204" pitchFamily="34" charset="0"/>
                 <a:ea typeface="Helvetica Neue Thin" panose="020B0403020202020204" pitchFamily="34" charset="0"/>
               </a:rPr>
-              <a:t>Transitions with more processes have a higher probability of being picked after if procs &gt;= 3 </a:t>
+              <a:t>Implement entropy tracking [in progress] </a:t>
             </a:r>
           </a:p>
           <a:p>
@@ -15844,21 +16017,7 @@
                 <a:latin typeface="Helvetica Neue Thin" panose="020B0403020202020204" pitchFamily="34" charset="0"/>
                 <a:ea typeface="Helvetica Neue Thin" panose="020B0403020202020204" pitchFamily="34" charset="0"/>
               </a:rPr>
-              <a:t>A full transition matrix (</a:t>
-            </a:r>
-            <a:r>
-              <a:rPr lang="en-GB" dirty="0" err="1">
-                <a:latin typeface="Helvetica Neue Thin" panose="020B0403020202020204" pitchFamily="34" charset="0"/>
-                <a:ea typeface="Helvetica Neue Thin" panose="020B0403020202020204" pitchFamily="34" charset="0"/>
-              </a:rPr>
-              <a:t>transition+process</a:t>
-            </a:r>
-            <a:r>
-              <a:rPr lang="en-GB" dirty="0">
-                <a:latin typeface="Helvetica Neue Thin" panose="020B0403020202020204" pitchFamily="34" charset="0"/>
-                <a:ea typeface="Helvetica Neue Thin" panose="020B0403020202020204" pitchFamily="34" charset="0"/>
-              </a:rPr>
-              <a:t> couple) has a better chance of influencing the system</a:t>
+              <a:t>Choice between vector bias and full matrix bias + best format for user input </a:t>
             </a:r>
           </a:p>
           <a:p>
@@ -15871,21 +16030,21 @@
                 <a:latin typeface="Helvetica Neue Thin" panose="020B0403020202020204" pitchFamily="34" charset="0"/>
                 <a:ea typeface="Helvetica Neue Thin" panose="020B0403020202020204" pitchFamily="34" charset="0"/>
               </a:rPr>
-              <a:t>Deadlocking/</a:t>
+              <a:t>Have runs track both detailed and grouped matrix and either (</a:t>
             </a:r>
             <a:r>
               <a:rPr lang="en-GB" dirty="0" err="1">
                 <a:latin typeface="Helvetica Neue Thin" panose="020B0403020202020204" pitchFamily="34" charset="0"/>
                 <a:ea typeface="Helvetica Neue Thin" panose="020B0403020202020204" pitchFamily="34" charset="0"/>
               </a:rPr>
-              <a:t>livelocking</a:t>
+              <a:t>i</a:t>
             </a:r>
             <a:r>
               <a:rPr lang="en-GB" dirty="0">
                 <a:latin typeface="Helvetica Neue Thin" panose="020B0403020202020204" pitchFamily="34" charset="0"/>
                 <a:ea typeface="Helvetica Neue Thin" panose="020B0403020202020204" pitchFamily="34" charset="0"/>
               </a:rPr>
-              <a:t> systems could be expected to have weird transition matrixes</a:t>
+              <a:t>) create two files or (ii) choose what you want to see during the analysis </a:t>
             </a:r>
           </a:p>
           <a:p>
@@ -15898,11 +16057,11 @@
                 <a:latin typeface="Helvetica Neue Thin" panose="020B0403020202020204" pitchFamily="34" charset="0"/>
                 <a:ea typeface="Helvetica Neue Thin" panose="020B0403020202020204" pitchFamily="34" charset="0"/>
               </a:rPr>
-              <a:t>Stochastic matrix: if a transition matrix from a Markov Chain is not stochastic (meaning that the rows don’t sum up to 1</a:t>
-            </a:r>
-          </a:p>
-          <a:p>
-            <a:pPr marL="742950" lvl="1" indent="-285750">
+              <a:t>Figure out an automatic way to propose biases</a:t>
+            </a:r>
+          </a:p>
+          <a:p>
+            <a:pPr marL="285750" indent="-285750">
               <a:buFont typeface="Arial" panose="020B0604020202020204" pitchFamily="34" charset="0"/>
               <a:buChar char="•"/>
             </a:pPr>
@@ -15911,11 +16070,11 @@
                 <a:latin typeface="Helvetica Neue Thin" panose="020B0403020202020204" pitchFamily="34" charset="0"/>
                 <a:ea typeface="Helvetica Neue Thin" panose="020B0403020202020204" pitchFamily="34" charset="0"/>
               </a:rPr>
-              <a:t>This violates one of the main properties of the Markov Chain</a:t>
-            </a:r>
-          </a:p>
-          <a:p>
-            <a:pPr marL="742950" lvl="1" indent="-285750">
+              <a:t>Output matrix in browser – some of them are way too big for the terminal and its unreadable</a:t>
+            </a:r>
+          </a:p>
+          <a:p>
+            <a:pPr marL="285750" indent="-285750">
               <a:buFont typeface="Arial" panose="020B0604020202020204" pitchFamily="34" charset="0"/>
               <a:buChar char="•"/>
             </a:pPr>
@@ -15924,7 +16083,7 @@
                 <a:latin typeface="Helvetica Neue Thin" panose="020B0403020202020204" pitchFamily="34" charset="0"/>
                 <a:ea typeface="Helvetica Neue Thin" panose="020B0403020202020204" pitchFamily="34" charset="0"/>
               </a:rPr>
-              <a:t>Indicates that there is a problem with the data or with the model itself (a missing transition or a redundant transition)</a:t>
+              <a:t>Deal with floats </a:t>
             </a:r>
           </a:p>
         </p:txBody>
@@ -15962,7 +16121,7 @@
                 <a:latin typeface="Helvetica Neue Thin" panose="020B0403020202020204" pitchFamily="34" charset="0"/>
                 <a:ea typeface="Helvetica Neue Thin" panose="020B0403020202020204" pitchFamily="34" charset="0"/>
               </a:rPr>
-              <a:t>Random Notes</a:t>
+              <a:t>To Do</a:t>
             </a:r>
             <a:endParaRPr lang="en-FR" sz="2000" dirty="0">
               <a:latin typeface="Helvetica Neue Thin" panose="020B0403020202020204" pitchFamily="34" charset="0"/>
@@ -16003,7 +16162,7 @@
     </p:spTree>
     <p:extLst>
       <p:ext uri="{BB962C8B-B14F-4D97-AF65-F5344CB8AC3E}">
-        <p14:creationId xmlns:p14="http://schemas.microsoft.com/office/powerpoint/2010/main" val="2225990726"/>
+        <p14:creationId xmlns:p14="http://schemas.microsoft.com/office/powerpoint/2010/main" val="4246474834"/>
       </p:ext>
     </p:extLst>
   </p:cSld>
@@ -16032,51 +16191,187 @@
       </p:grpSpPr>
       <p:sp>
         <p:nvSpPr>
-          <p:cNvPr id="4" name="Title 3">
-            <a:extLst>
-              <a:ext uri="{FF2B5EF4-FFF2-40B4-BE49-F238E27FC236}">
-                <a16:creationId xmlns:a16="http://schemas.microsoft.com/office/drawing/2014/main" id="{7C5D90E7-82C4-D596-1080-E4071F572EF8}"/>
-              </a:ext>
-            </a:extLst>
-          </p:cNvPr>
-          <p:cNvSpPr>
-            <a:spLocks noGrp="1"/>
-          </p:cNvSpPr>
-          <p:nvPr>
-            <p:ph type="title"/>
-          </p:nvPr>
+          <p:cNvPr id="2" name="TextBox 1">
+            <a:extLst>
+              <a:ext uri="{FF2B5EF4-FFF2-40B4-BE49-F238E27FC236}">
+                <a16:creationId xmlns:a16="http://schemas.microsoft.com/office/drawing/2014/main" id="{6C2B10C5-9FBB-B160-EF82-2177DA7A747F}"/>
+              </a:ext>
+            </a:extLst>
+          </p:cNvPr>
+          <p:cNvSpPr txBox="1"/>
+          <p:nvPr/>
         </p:nvSpPr>
         <p:spPr>
           <a:xfrm>
-            <a:off x="838200" y="2766218"/>
-            <a:ext cx="10515600" cy="1325563"/>
+            <a:off x="188891" y="586610"/>
+            <a:ext cx="11814218" cy="1754326"/>
           </a:xfrm>
+          <a:prstGeom prst="rect">
+            <a:avLst/>
+          </a:prstGeom>
+          <a:noFill/>
         </p:spPr>
         <p:txBody>
-          <a:bodyPr/>
+          <a:bodyPr wrap="square" rtlCol="0">
+            <a:spAutoFit/>
+          </a:bodyPr>
           <a:lstStyle/>
           <a:p>
-            <a:pPr algn="ctr"/>
-            <a:r>
-              <a:rPr lang="en-FR" dirty="0">
-                <a:latin typeface="Helvetica Neue Thin" panose="020B0403020202020204" pitchFamily="34" charset="0"/>
-                <a:ea typeface="Helvetica Neue Thin" panose="020B0403020202020204" pitchFamily="34" charset="0"/>
-              </a:rPr>
-              <a:t>The method with various Cubicle models</a:t>
-            </a:r>
-            <a:endParaRPr lang="en-FR" dirty="0">
-              <a:latin typeface="Helvetica Neue Thin" panose="020B0403020202020204" pitchFamily="34" charset="0"/>
-              <a:ea typeface="Helvetica Neue Thin" panose="020B0403020202020204" pitchFamily="34" charset="0"/>
-            </a:endParaRPr>
+            <a:pPr marL="285750" indent="-285750">
+              <a:buFont typeface="Arial" panose="020B0604020202020204" pitchFamily="34" charset="0"/>
+              <a:buChar char="•"/>
+            </a:pPr>
+            <a:r>
+              <a:rPr lang="en-GB" dirty="0">
+                <a:latin typeface="Helvetica Neue Thin" panose="020B0403020202020204" pitchFamily="34" charset="0"/>
+                <a:ea typeface="Helvetica Neue Thin" panose="020B0403020202020204" pitchFamily="34" charset="0"/>
+              </a:rPr>
+              <a:t>Transitions with more processes have a higher probability of being picked after if procs &gt;= 3 </a:t>
+            </a:r>
+          </a:p>
+          <a:p>
+            <a:pPr marL="285750" indent="-285750">
+              <a:buFont typeface="Arial" panose="020B0604020202020204" pitchFamily="34" charset="0"/>
+              <a:buChar char="•"/>
+            </a:pPr>
+            <a:r>
+              <a:rPr lang="en-GB" dirty="0">
+                <a:latin typeface="Helvetica Neue Thin" panose="020B0403020202020204" pitchFamily="34" charset="0"/>
+                <a:ea typeface="Helvetica Neue Thin" panose="020B0403020202020204" pitchFamily="34" charset="0"/>
+              </a:rPr>
+              <a:t>A full transition matrix (</a:t>
+            </a:r>
+            <a:r>
+              <a:rPr lang="en-GB" dirty="0" err="1">
+                <a:latin typeface="Helvetica Neue Thin" panose="020B0403020202020204" pitchFamily="34" charset="0"/>
+                <a:ea typeface="Helvetica Neue Thin" panose="020B0403020202020204" pitchFamily="34" charset="0"/>
+              </a:rPr>
+              <a:t>transition+process</a:t>
+            </a:r>
+            <a:r>
+              <a:rPr lang="en-GB" dirty="0">
+                <a:latin typeface="Helvetica Neue Thin" panose="020B0403020202020204" pitchFamily="34" charset="0"/>
+                <a:ea typeface="Helvetica Neue Thin" panose="020B0403020202020204" pitchFamily="34" charset="0"/>
+              </a:rPr>
+              <a:t> couple) has a better chance of influencing the system</a:t>
+            </a:r>
+          </a:p>
+          <a:p>
+            <a:pPr marL="285750" indent="-285750">
+              <a:buFont typeface="Arial" panose="020B0604020202020204" pitchFamily="34" charset="0"/>
+              <a:buChar char="•"/>
+            </a:pPr>
+            <a:r>
+              <a:rPr lang="en-GB" dirty="0">
+                <a:latin typeface="Helvetica Neue Thin" panose="020B0403020202020204" pitchFamily="34" charset="0"/>
+                <a:ea typeface="Helvetica Neue Thin" panose="020B0403020202020204" pitchFamily="34" charset="0"/>
+              </a:rPr>
+              <a:t>Deadlocking/</a:t>
+            </a:r>
+            <a:r>
+              <a:rPr lang="en-GB" dirty="0" err="1">
+                <a:latin typeface="Helvetica Neue Thin" panose="020B0403020202020204" pitchFamily="34" charset="0"/>
+                <a:ea typeface="Helvetica Neue Thin" panose="020B0403020202020204" pitchFamily="34" charset="0"/>
+              </a:rPr>
+              <a:t>livelocking</a:t>
+            </a:r>
+            <a:r>
+              <a:rPr lang="en-GB" dirty="0">
+                <a:latin typeface="Helvetica Neue Thin" panose="020B0403020202020204" pitchFamily="34" charset="0"/>
+                <a:ea typeface="Helvetica Neue Thin" panose="020B0403020202020204" pitchFamily="34" charset="0"/>
+              </a:rPr>
+              <a:t> systems could be expected to have weird transition matrixes</a:t>
+            </a:r>
+          </a:p>
+          <a:p>
+            <a:pPr marL="285750" indent="-285750">
+              <a:buFont typeface="Arial" panose="020B0604020202020204" pitchFamily="34" charset="0"/>
+              <a:buChar char="•"/>
+            </a:pPr>
+            <a:r>
+              <a:rPr lang="en-GB" dirty="0">
+                <a:latin typeface="Helvetica Neue Thin" panose="020B0403020202020204" pitchFamily="34" charset="0"/>
+                <a:ea typeface="Helvetica Neue Thin" panose="020B0403020202020204" pitchFamily="34" charset="0"/>
+              </a:rPr>
+              <a:t>Stochastic matrix: if a transition matrix from a Markov Chain is not stochastic (meaning that the rows don’t sum up to 1</a:t>
+            </a:r>
+          </a:p>
+          <a:p>
+            <a:pPr marL="742950" lvl="1" indent="-285750">
+              <a:buFont typeface="Arial" panose="020B0604020202020204" pitchFamily="34" charset="0"/>
+              <a:buChar char="•"/>
+            </a:pPr>
+            <a:r>
+              <a:rPr lang="en-GB" dirty="0">
+                <a:latin typeface="Helvetica Neue Thin" panose="020B0403020202020204" pitchFamily="34" charset="0"/>
+                <a:ea typeface="Helvetica Neue Thin" panose="020B0403020202020204" pitchFamily="34" charset="0"/>
+              </a:rPr>
+              <a:t>This violates one of the main properties of the Markov Chain</a:t>
+            </a:r>
+          </a:p>
+          <a:p>
+            <a:pPr marL="742950" lvl="1" indent="-285750">
+              <a:buFont typeface="Arial" panose="020B0604020202020204" pitchFamily="34" charset="0"/>
+              <a:buChar char="•"/>
+            </a:pPr>
+            <a:r>
+              <a:rPr lang="en-GB" dirty="0">
+                <a:latin typeface="Helvetica Neue Thin" panose="020B0403020202020204" pitchFamily="34" charset="0"/>
+                <a:ea typeface="Helvetica Neue Thin" panose="020B0403020202020204" pitchFamily="34" charset="0"/>
+              </a:rPr>
+              <a:t>Indicates that there is a problem with the data or with the model itself (a missing transition or a redundant transition)</a:t>
+            </a:r>
           </a:p>
         </p:txBody>
       </p:sp>
       <p:sp>
         <p:nvSpPr>
-          <p:cNvPr id="2" name="Slide Number Placeholder 1">
-            <a:extLst>
-              <a:ext uri="{FF2B5EF4-FFF2-40B4-BE49-F238E27FC236}">
-                <a16:creationId xmlns:a16="http://schemas.microsoft.com/office/drawing/2014/main" id="{8AA93F7D-F086-707A-3DB0-1C2E2EEA4CA0}"/>
+          <p:cNvPr id="7" name="TextBox 6">
+            <a:extLst>
+              <a:ext uri="{FF2B5EF4-FFF2-40B4-BE49-F238E27FC236}">
+                <a16:creationId xmlns:a16="http://schemas.microsoft.com/office/drawing/2014/main" id="{A1296553-2849-7B47-5626-14E9E7F0160C}"/>
+              </a:ext>
+            </a:extLst>
+          </p:cNvPr>
+          <p:cNvSpPr txBox="1"/>
+          <p:nvPr/>
+        </p:nvSpPr>
+        <p:spPr>
+          <a:xfrm>
+            <a:off x="188891" y="124945"/>
+            <a:ext cx="7456093" cy="461665"/>
+          </a:xfrm>
+          <a:prstGeom prst="rect">
+            <a:avLst/>
+          </a:prstGeom>
+          <a:noFill/>
+        </p:spPr>
+        <p:txBody>
+          <a:bodyPr wrap="square" rtlCol="0">
+            <a:spAutoFit/>
+          </a:bodyPr>
+          <a:lstStyle/>
+          <a:p>
+            <a:r>
+              <a:rPr lang="en-US" sz="2400" dirty="0">
+                <a:latin typeface="Helvetica Neue Thin" panose="020B0403020202020204" pitchFamily="34" charset="0"/>
+                <a:ea typeface="Helvetica Neue Thin" panose="020B0403020202020204" pitchFamily="34" charset="0"/>
+              </a:rPr>
+              <a:t>Random Notes</a:t>
+            </a:r>
+            <a:endParaRPr lang="en-FR" sz="2000" dirty="0">
+              <a:latin typeface="Helvetica Neue Thin" panose="020B0403020202020204" pitchFamily="34" charset="0"/>
+              <a:ea typeface="Helvetica Neue Thin" panose="020B0403020202020204" pitchFamily="34" charset="0"/>
+            </a:endParaRPr>
+          </a:p>
+        </p:txBody>
+      </p:sp>
+      <p:sp>
+        <p:nvSpPr>
+          <p:cNvPr id="3" name="Slide Number Placeholder 2">
+            <a:extLst>
+              <a:ext uri="{FF2B5EF4-FFF2-40B4-BE49-F238E27FC236}">
+                <a16:creationId xmlns:a16="http://schemas.microsoft.com/office/drawing/2014/main" id="{33D5C72B-E230-3A3A-8C54-D6076FC14789}"/>
               </a:ext>
             </a:extLst>
           </p:cNvPr>
@@ -16103,7 +16398,7 @@
     </p:spTree>
     <p:extLst>
       <p:ext uri="{BB962C8B-B14F-4D97-AF65-F5344CB8AC3E}">
-        <p14:creationId xmlns:p14="http://schemas.microsoft.com/office/powerpoint/2010/main" val="2191757298"/>
+        <p14:creationId xmlns:p14="http://schemas.microsoft.com/office/powerpoint/2010/main" val="2225990726"/>
       </p:ext>
     </p:extLst>
   </p:cSld>
@@ -16132,286 +16427,42 @@
       </p:grpSpPr>
       <p:sp>
         <p:nvSpPr>
-          <p:cNvPr id="4" name="TextBox 3">
-            <a:extLst>
-              <a:ext uri="{FF2B5EF4-FFF2-40B4-BE49-F238E27FC236}">
-                <a16:creationId xmlns:a16="http://schemas.microsoft.com/office/drawing/2014/main" id="{10DEA0E4-DA7F-E905-D91F-6C01DD4C8C81}"/>
-              </a:ext>
-            </a:extLst>
-          </p:cNvPr>
-          <p:cNvSpPr txBox="1"/>
-          <p:nvPr/>
+          <p:cNvPr id="4" name="Title 3">
+            <a:extLst>
+              <a:ext uri="{FF2B5EF4-FFF2-40B4-BE49-F238E27FC236}">
+                <a16:creationId xmlns:a16="http://schemas.microsoft.com/office/drawing/2014/main" id="{7C5D90E7-82C4-D596-1080-E4071F572EF8}"/>
+              </a:ext>
+            </a:extLst>
+          </p:cNvPr>
+          <p:cNvSpPr>
+            <a:spLocks noGrp="1"/>
+          </p:cNvSpPr>
+          <p:nvPr>
+            <p:ph type="title"/>
+          </p:nvPr>
         </p:nvSpPr>
         <p:spPr>
           <a:xfrm>
-            <a:off x="188891" y="124945"/>
-            <a:ext cx="9379652" cy="461665"/>
+            <a:off x="838200" y="2766218"/>
+            <a:ext cx="10515600" cy="1325563"/>
           </a:xfrm>
-          <a:prstGeom prst="rect">
-            <a:avLst/>
-          </a:prstGeom>
-          <a:noFill/>
         </p:spPr>
         <p:txBody>
-          <a:bodyPr wrap="square" rtlCol="0">
-            <a:spAutoFit/>
-          </a:bodyPr>
+          <a:bodyPr/>
           <a:lstStyle/>
           <a:p>
-            <a:r>
-              <a:rPr lang="en-US" sz="2400" dirty="0" err="1">
-                <a:latin typeface="Helvetica Neue Thin" panose="020B0403020202020204" pitchFamily="34" charset="0"/>
-                <a:ea typeface="Helvetica Neue Thin" panose="020B0403020202020204" pitchFamily="34" charset="0"/>
-              </a:rPr>
-              <a:t>Dekker.cub</a:t>
-            </a:r>
-            <a:r>
-              <a:rPr lang="en-US" sz="2400" dirty="0">
-                <a:latin typeface="Helvetica Neue Thin" panose="020B0403020202020204" pitchFamily="34" charset="0"/>
-                <a:ea typeface="Helvetica Neue Thin" panose="020B0403020202020204" pitchFamily="34" charset="0"/>
-              </a:rPr>
-              <a:t> [test-</a:t>
-            </a:r>
-            <a:r>
-              <a:rPr lang="en-US" sz="2400" dirty="0" err="1">
-                <a:latin typeface="Helvetica Neue Thin" panose="020B0403020202020204" pitchFamily="34" charset="0"/>
-                <a:ea typeface="Helvetica Neue Thin" panose="020B0403020202020204" pitchFamily="34" charset="0"/>
-              </a:rPr>
-              <a:t>runmaximizing</a:t>
-            </a:r>
-            <a:r>
-              <a:rPr lang="en-US" sz="2400" dirty="0">
-                <a:latin typeface="Helvetica Neue Thin" panose="020B0403020202020204" pitchFamily="34" charset="0"/>
-                <a:ea typeface="Helvetica Neue Thin" panose="020B0403020202020204" pitchFamily="34" charset="0"/>
-              </a:rPr>
-              <a:t> </a:t>
-            </a:r>
-            <a:r>
-              <a:rPr lang="en-US" sz="2400" dirty="0">
-                <a:latin typeface="Helvetica Neue Thin" panose="020B0403020202020204" pitchFamily="34" charset="0"/>
-                <a:ea typeface="Helvetica Neue Thin" panose="020B0403020202020204" pitchFamily="34" charset="0"/>
-              </a:rPr>
-              <a:t>entropy] [grouped </a:t>
-            </a:r>
-            <a:r>
-              <a:rPr lang="en-US" sz="2400" dirty="0">
-                <a:latin typeface="Helvetica Neue Thin" panose="020B0403020202020204" pitchFamily="34" charset="0"/>
-                <a:ea typeface="Helvetica Neue Thin" panose="020B0403020202020204" pitchFamily="34" charset="0"/>
-              </a:rPr>
-              <a:t>transitions]</a:t>
-            </a:r>
-            <a:endParaRPr lang="en-FR" sz="2000" dirty="0">
-              <a:latin typeface="Helvetica Neue Thin" panose="020B0403020202020204" pitchFamily="34" charset="0"/>
-              <a:ea typeface="Helvetica Neue Thin" panose="020B0403020202020204" pitchFamily="34" charset="0"/>
-            </a:endParaRPr>
-          </a:p>
-        </p:txBody>
-      </p:sp>
-      <p:sp>
-        <p:nvSpPr>
-          <p:cNvPr id="5" name="TextBox 4">
-            <a:extLst>
-              <a:ext uri="{FF2B5EF4-FFF2-40B4-BE49-F238E27FC236}">
-                <a16:creationId xmlns:a16="http://schemas.microsoft.com/office/drawing/2014/main" id="{D51E0414-BA4B-94E1-C01E-E0863EDB6501}"/>
-              </a:ext>
-            </a:extLst>
-          </p:cNvPr>
-          <p:cNvSpPr txBox="1"/>
-          <p:nvPr/>
-        </p:nvSpPr>
-        <p:spPr>
-          <a:xfrm>
-            <a:off x="188890" y="876951"/>
-            <a:ext cx="11638349" cy="4801314"/>
-          </a:xfrm>
-          <a:prstGeom prst="rect">
-            <a:avLst/>
-          </a:prstGeom>
-          <a:noFill/>
-        </p:spPr>
-        <p:txBody>
-          <a:bodyPr wrap="square" rtlCol="0">
-            <a:spAutoFit/>
-          </a:bodyPr>
-          <a:lstStyle/>
-          <a:p>
-            <a:r>
-              <a:rPr lang="en-FR" dirty="0">
-                <a:latin typeface="Helvetica Neue Thin" panose="020B0403020202020204" pitchFamily="34" charset="0"/>
-                <a:ea typeface="Helvetica Neue Thin" panose="020B0403020202020204" pitchFamily="34" charset="0"/>
-              </a:rPr>
-              <a:t>Data log file: </a:t>
-            </a:r>
-            <a:r>
-              <a:rPr lang="en-GB" dirty="0">
-                <a:latin typeface="Helvetica Neue Thin" panose="020B0403020202020204" pitchFamily="34" charset="0"/>
-                <a:ea typeface="Helvetica Neue Thin" panose="020B0403020202020204" pitchFamily="34" charset="0"/>
-              </a:rPr>
-              <a:t>dekker.cub1678120844.data</a:t>
-            </a:r>
-          </a:p>
-          <a:p>
+            <a:pPr algn="ctr"/>
+            <a:r>
+              <a:rPr lang="en-FR" dirty="0">
+                <a:latin typeface="Helvetica Neue Thin" panose="020B0403020202020204" pitchFamily="34" charset="0"/>
+                <a:ea typeface="Helvetica Neue Thin" panose="020B0403020202020204" pitchFamily="34" charset="0"/>
+              </a:rPr>
+              <a:t>The method with various Cubicle models</a:t>
+            </a:r>
             <a:endParaRPr lang="en-FR" dirty="0">
               <a:latin typeface="Helvetica Neue Thin" panose="020B0403020202020204" pitchFamily="34" charset="0"/>
               <a:ea typeface="Helvetica Neue Thin" panose="020B0403020202020204" pitchFamily="34" charset="0"/>
             </a:endParaRPr>
-          </a:p>
-          <a:p>
-            <a:r>
-              <a:rPr lang="en-FR" dirty="0">
-                <a:latin typeface="Helvetica Neue Thin" panose="020B0403020202020204" pitchFamily="34" charset="0"/>
-                <a:ea typeface="Helvetica Neue Thin" panose="020B0403020202020204" pitchFamily="34" charset="0"/>
-              </a:rPr>
-              <a:t>Transition matrix</a:t>
-            </a:r>
-          </a:p>
-          <a:p>
-            <a:r>
-              <a:rPr lang="en-GB" dirty="0"/>
-              <a:t>+----------------+-----------------+----------------+----------------+</a:t>
-            </a:r>
-          </a:p>
-          <a:p>
-            <a:r>
-              <a:rPr lang="en-GB" dirty="0"/>
-              <a:t>|                      |   enter          |    exit           |     </a:t>
-            </a:r>
-            <a:r>
-              <a:rPr lang="en-GB" dirty="0" err="1"/>
-              <a:t>req</a:t>
-            </a:r>
-            <a:r>
-              <a:rPr lang="en-GB" dirty="0"/>
-              <a:t>           |</a:t>
-            </a:r>
-          </a:p>
-          <a:p>
-            <a:r>
-              <a:rPr lang="en-GB" dirty="0"/>
-              <a:t>+==========+==========+==========+==========+</a:t>
-            </a:r>
-          </a:p>
-          <a:p>
-            <a:r>
-              <a:rPr lang="en-GB" dirty="0"/>
-              <a:t>| enter           | 0                   | 0.834687    | 0.165313     |</a:t>
-            </a:r>
-          </a:p>
-          <a:p>
-            <a:r>
-              <a:rPr lang="en-GB" dirty="0"/>
-              <a:t>+----------------+-----------------+----------------+----------------+</a:t>
-            </a:r>
-          </a:p>
-          <a:p>
-            <a:r>
-              <a:rPr lang="en-GB" dirty="0"/>
-              <a:t>| exit              | 0.346006     | 0                   | 0.653994    |</a:t>
-            </a:r>
-          </a:p>
-          <a:p>
-            <a:r>
-              <a:rPr lang="en-GB" dirty="0"/>
-              <a:t>+----------------+-----------------+----------------+----------------+</a:t>
-            </a:r>
-          </a:p>
-          <a:p>
-            <a:r>
-              <a:rPr lang="en-GB" dirty="0"/>
-              <a:t>| </a:t>
-            </a:r>
-            <a:r>
-              <a:rPr lang="en-GB" dirty="0" err="1"/>
-              <a:t>req</a:t>
-            </a:r>
-            <a:r>
-              <a:rPr lang="en-GB" dirty="0"/>
-              <a:t>               | 0.653972.    | 0.165305    | 0.180723.   |</a:t>
-            </a:r>
-          </a:p>
-          <a:p>
-            <a:r>
-              <a:rPr lang="en-GB" dirty="0"/>
-              <a:t>+----------------+-----------------+----------------+----------------+</a:t>
-            </a:r>
-          </a:p>
-          <a:p>
-            <a:endParaRPr lang="en-GB" dirty="0"/>
-          </a:p>
-          <a:p>
-            <a:r>
-              <a:rPr lang="en-GB" dirty="0">
-                <a:latin typeface="Helvetica Neue Thin" panose="020B0403020202020204" pitchFamily="34" charset="0"/>
-                <a:ea typeface="Helvetica Neue Thin" panose="020B0403020202020204" pitchFamily="34" charset="0"/>
-              </a:rPr>
-              <a:t>Steady states: [0.33332976, 0.33332916, 0.33334108] -&gt; every transition is hit more or less the same amount of times</a:t>
-            </a:r>
-          </a:p>
-          <a:p>
-            <a:endParaRPr lang="en-GB" dirty="0">
-              <a:latin typeface="Helvetica Neue Thin" panose="020B0403020202020204" pitchFamily="34" charset="0"/>
-              <a:ea typeface="Helvetica Neue Thin" panose="020B0403020202020204" pitchFamily="34" charset="0"/>
-            </a:endParaRPr>
-          </a:p>
-          <a:p>
-            <a:r>
-              <a:rPr lang="en-GB" dirty="0">
-                <a:latin typeface="Helvetica Neue Thin" panose="020B0403020202020204" pitchFamily="34" charset="0"/>
-                <a:ea typeface="Helvetica Neue Thin" panose="020B0403020202020204" pitchFamily="34" charset="0"/>
-              </a:rPr>
-              <a:t>Studying this matrix, it might seem weird that the transition exit -&gt; enter is possible directly. We can generate a detailed matrix to the system in more detail [next slide]</a:t>
-            </a:r>
-            <a:endParaRPr lang="en-GB" dirty="0">
-              <a:latin typeface="Helvetica Neue Thin" panose="020B0403020202020204" pitchFamily="34" charset="0"/>
-              <a:ea typeface="Helvetica Neue Thin" panose="020B0403020202020204" pitchFamily="34" charset="0"/>
-            </a:endParaRPr>
-          </a:p>
-        </p:txBody>
-      </p:sp>
-      <p:sp>
-        <p:nvSpPr>
-          <p:cNvPr id="6" name="TextBox 5">
-            <a:extLst>
-              <a:ext uri="{FF2B5EF4-FFF2-40B4-BE49-F238E27FC236}">
-                <a16:creationId xmlns:a16="http://schemas.microsoft.com/office/drawing/2014/main" id="{8FA419B3-7055-0B65-8D3F-D64BC0C8E450}"/>
-              </a:ext>
-            </a:extLst>
-          </p:cNvPr>
-          <p:cNvSpPr txBox="1"/>
-          <p:nvPr/>
-        </p:nvSpPr>
-        <p:spPr>
-          <a:xfrm>
-            <a:off x="5562689" y="2123446"/>
-            <a:ext cx="5921114" cy="1477328"/>
-          </a:xfrm>
-          <a:prstGeom prst="rect">
-            <a:avLst/>
-          </a:prstGeom>
-          <a:noFill/>
-        </p:spPr>
-        <p:txBody>
-          <a:bodyPr wrap="square" rtlCol="0">
-            <a:spAutoFit/>
-          </a:bodyPr>
-          <a:lstStyle/>
-          <a:p>
-            <a:r>
-              <a:rPr lang="en-FR" dirty="0">
-                <a:latin typeface="Helvetica Neue Thin" panose="020B0403020202020204" pitchFamily="34" charset="0"/>
-                <a:ea typeface="Helvetica Neue Thin" panose="020B0403020202020204" pitchFamily="34" charset="0"/>
-              </a:rPr>
-              <a:t>The matrix describes expected behaviors, for example you can’t have two enters following each other.</a:t>
-            </a:r>
-          </a:p>
-          <a:p>
-            <a:r>
-              <a:rPr lang="en-FR" dirty="0">
-                <a:latin typeface="Helvetica Neue Thin" panose="020B0403020202020204" pitchFamily="34" charset="0"/>
-                <a:ea typeface="Helvetica Neue Thin" panose="020B0403020202020204" pitchFamily="34" charset="0"/>
-              </a:rPr>
-              <a:t>Sometimes grouped transitions aren’t clear enough about the behavior, so a more detailed transition matrix can be built [see next slide]</a:t>
-            </a:r>
           </a:p>
         </p:txBody>
       </p:sp>
@@ -16420,7 +16471,7 @@
           <p:cNvPr id="2" name="Slide Number Placeholder 1">
             <a:extLst>
               <a:ext uri="{FF2B5EF4-FFF2-40B4-BE49-F238E27FC236}">
-                <a16:creationId xmlns:a16="http://schemas.microsoft.com/office/drawing/2014/main" id="{8B21B0D5-7034-7F06-9C99-BDAD5EA0A57C}"/>
+                <a16:creationId xmlns:a16="http://schemas.microsoft.com/office/drawing/2014/main" id="{8AA93F7D-F086-707A-3DB0-1C2E2EEA4CA0}"/>
               </a:ext>
             </a:extLst>
           </p:cNvPr>
@@ -16447,7 +16498,7 @@
     </p:spTree>
     <p:extLst>
       <p:ext uri="{BB962C8B-B14F-4D97-AF65-F5344CB8AC3E}">
-        <p14:creationId xmlns:p14="http://schemas.microsoft.com/office/powerpoint/2010/main" val="639856334"/>
+        <p14:creationId xmlns:p14="http://schemas.microsoft.com/office/powerpoint/2010/main" val="2191757298"/>
       </p:ext>
     </p:extLst>
   </p:cSld>
@@ -16489,7 +16540,7 @@
         <p:spPr>
           <a:xfrm>
             <a:off x="188891" y="124945"/>
-            <a:ext cx="9640909" cy="461665"/>
+            <a:ext cx="9379652" cy="461665"/>
           </a:xfrm>
           <a:prstGeom prst="rect">
             <a:avLst/>
@@ -16514,14 +16565,35 @@
                 <a:latin typeface="Helvetica Neue Thin" panose="020B0403020202020204" pitchFamily="34" charset="0"/>
                 <a:ea typeface="Helvetica Neue Thin" panose="020B0403020202020204" pitchFamily="34" charset="0"/>
               </a:rPr>
-              <a:t> [test-run maximizing </a:t>
+              <a:t> [test-</a:t>
+            </a:r>
+            <a:r>
+              <a:rPr lang="en-US" sz="2400" dirty="0" err="1">
+                <a:latin typeface="Helvetica Neue Thin" panose="020B0403020202020204" pitchFamily="34" charset="0"/>
+                <a:ea typeface="Helvetica Neue Thin" panose="020B0403020202020204" pitchFamily="34" charset="0"/>
+              </a:rPr>
+              <a:t>runmaximizing</a:t>
             </a:r>
             <a:r>
               <a:rPr lang="en-US" sz="2400" dirty="0">
                 <a:latin typeface="Helvetica Neue Thin" panose="020B0403020202020204" pitchFamily="34" charset="0"/>
                 <a:ea typeface="Helvetica Neue Thin" panose="020B0403020202020204" pitchFamily="34" charset="0"/>
               </a:rPr>
-              <a:t>entropy] [detailed transitions]</a:t>
+              <a:t> </a:t>
+            </a:r>
+            <a:r>
+              <a:rPr lang="en-US" sz="2400" dirty="0">
+                <a:latin typeface="Helvetica Neue Thin" panose="020B0403020202020204" pitchFamily="34" charset="0"/>
+                <a:ea typeface="Helvetica Neue Thin" panose="020B0403020202020204" pitchFamily="34" charset="0"/>
+              </a:rPr>
+              <a:t>entropy] [grouped </a:t>
+            </a:r>
+            <a:r>
+              <a:rPr lang="en-US" sz="2400" dirty="0">
+                <a:latin typeface="Helvetica Neue Thin" panose="020B0403020202020204" pitchFamily="34" charset="0"/>
+                <a:ea typeface="Helvetica Neue Thin" panose="020B0403020202020204" pitchFamily="34" charset="0"/>
+              </a:rPr>
+              <a:t>transitions]</a:t>
             </a:r>
             <a:endParaRPr lang="en-FR" sz="2000" dirty="0">
               <a:latin typeface="Helvetica Neue Thin" panose="020B0403020202020204" pitchFamily="34" charset="0"/>
@@ -16544,8 +16616,8 @@
         </p:nvSpPr>
         <p:spPr>
           <a:xfrm>
-            <a:off x="94445" y="586610"/>
-            <a:ext cx="12003110" cy="6370975"/>
+            <a:off x="188890" y="876951"/>
+            <a:ext cx="11638349" cy="4801314"/>
           </a:xfrm>
           <a:prstGeom prst="rect">
             <a:avLst/>
@@ -16558,251 +16630,183 @@
           </a:bodyPr>
           <a:lstStyle/>
           <a:p>
-            <a:endParaRPr lang="en-FR" dirty="0"/>
-          </a:p>
-          <a:p>
-            <a:r>
-              <a:rPr lang="en-FR" sz="1400" dirty="0">
-                <a:latin typeface="Helvetica Neue Thin" panose="020B0403020202020204" pitchFamily="34" charset="0"/>
-                <a:ea typeface="Helvetica Neue Thin" panose="020B0403020202020204" pitchFamily="34" charset="0"/>
-              </a:rPr>
-              <a:t>Transition matrix</a:t>
-            </a:r>
-          </a:p>
-          <a:p>
-            <a:r>
-              <a:rPr lang="en-GB" sz="1200" dirty="0"/>
-              <a:t>+-------------------+-----------------------+-----------------------+-----------------------+---------------------+----------------------+---------------------+--------------------+--------------------+--------------------+</a:t>
-            </a:r>
-          </a:p>
-          <a:p>
-            <a:r>
-              <a:rPr lang="en-GB" sz="1200" dirty="0"/>
-              <a:t>| source            |   enter(#1)           |   enter(#2)           |   enter(#3)           |   exit(#1)            |   exit(#2)            |         exit(#3)      |           </a:t>
-            </a:r>
-            <a:r>
-              <a:rPr lang="en-GB" sz="1200" dirty="0" err="1"/>
-              <a:t>req</a:t>
-            </a:r>
-            <a:r>
-              <a:rPr lang="en-GB" sz="1200" dirty="0"/>
-              <a:t>(#1)  |          </a:t>
-            </a:r>
-            <a:r>
-              <a:rPr lang="en-GB" sz="1200" dirty="0" err="1"/>
-              <a:t>req</a:t>
-            </a:r>
-            <a:r>
-              <a:rPr lang="en-GB" sz="1200" dirty="0"/>
-              <a:t>(#2)    |          </a:t>
-            </a:r>
-            <a:r>
-              <a:rPr lang="en-GB" sz="1200" dirty="0" err="1"/>
-              <a:t>req</a:t>
-            </a:r>
-            <a:r>
-              <a:rPr lang="en-GB" sz="1200" dirty="0"/>
-              <a:t>(#3)   |</a:t>
-            </a:r>
-          </a:p>
-          <a:p>
-            <a:r>
-              <a:rPr lang="en-GB" sz="1200" dirty="0"/>
-              <a:t>+===========+==============+==============+==============+=============+=============+=============+============+============+============+</a:t>
-            </a:r>
-          </a:p>
-          <a:p>
-            <a:r>
-              <a:rPr lang="en-GB" sz="1200" dirty="0"/>
-              <a:t>| enter(#1)       |     0                       |     0                        |     0                       |   0.843004         |   0                        |   0                      |  0                       |  0.0774727     |  0.0795229      |</a:t>
-            </a:r>
-          </a:p>
-          <a:p>
-            <a:r>
-              <a:rPr lang="en-GB" sz="1200" dirty="0"/>
-              <a:t>+-------------------+----------------------+------------------------+-----------------------+---------------------+----------------------+---------------------+--------------------+--------------------+--------------------+</a:t>
-            </a:r>
-          </a:p>
-          <a:p>
-            <a:r>
-              <a:rPr lang="en-GB" sz="1200" dirty="0"/>
-              <a:t>| enter(#2)        |     0                      |     0                        |     0                        |   0                      |   0.830604          |   0                      |  0.0887046      |  0                      |  0.0806912      |</a:t>
-            </a:r>
-          </a:p>
-          <a:p>
-            <a:r>
-              <a:rPr lang="en-GB" sz="1200" dirty="0"/>
-              <a:t>+-------------------+----------------------+------------------------+-----------------------+---------------------+----------------------+---------------------+--------------------+--------------------+--------------------+</a:t>
-            </a:r>
-          </a:p>
-          <a:p>
-            <a:r>
-              <a:rPr lang="en-GB" sz="1200" dirty="0"/>
-              <a:t>| enter(#3)        |     0                      |     0                        |     0                        |   0                      |   0                        |   0.831935        |  0.0865703      |  0.0814945      |  0                      |</a:t>
-            </a:r>
-          </a:p>
-          <a:p>
-            <a:r>
-              <a:rPr lang="en-GB" sz="1200" dirty="0"/>
-              <a:t>+-------------------+----------------------+------------------------+-----------------------+---------------------+----------------------+---------------------+--------------------+--------------------+--------------------+</a:t>
-            </a:r>
-          </a:p>
-          <a:p>
-            <a:r>
-              <a:rPr lang="en-GB" sz="1200" dirty="0"/>
-              <a:t>| exit(#1)           |     0                      |     0.169297          |     0.169732         |   0                      |   0                        |   0                       |  0.489066        |  0.0908921      |  0.0810139     |</a:t>
-            </a:r>
-          </a:p>
-          <a:p>
-            <a:r>
-              <a:rPr lang="en-GB" sz="1200" dirty="0"/>
-              <a:t>+-------------------+----------------------+------------------------+-----------------------+---------------------+----------------------+---------------------+--------------------+--------------------+--------------------+</a:t>
-            </a:r>
-          </a:p>
-          <a:p>
-            <a:r>
-              <a:rPr lang="en-GB" sz="1200" dirty="0"/>
-              <a:t>| exit(#2)           |     0.189185       |     0                         |     0.162985         |   0                      |   0                        |   0                       |  0.0985297      |  0.464288        |  0.0850115     |</a:t>
-            </a:r>
-          </a:p>
-          <a:p>
-            <a:r>
-              <a:rPr lang="en-GB" sz="1200" dirty="0"/>
-              <a:t>+-------------------+----------------------+------------------------+-----------------------+---------------------+----------------------+---------------------+--------------------+--------------------+--------------------+</a:t>
-            </a:r>
-          </a:p>
-          <a:p>
-            <a:r>
-              <a:rPr lang="en-GB" sz="1200" dirty="0"/>
-              <a:t>| exit(#3)           |     0.180754       |     0.169334          |     0                        |   0                      |   0                        |   0                       |  0.104759        |  0.0842439      |  0.460909       |</a:t>
-            </a:r>
-          </a:p>
-          <a:p>
-            <a:r>
-              <a:rPr lang="en-GB" sz="1200" dirty="0"/>
-              <a:t>+-------------------+----------------------+------------------------+-----------------------+---------------------+----------------------+---------------------+--------------------+--------------------+--------------------+</a:t>
-            </a:r>
-          </a:p>
-          <a:p>
-            <a:r>
-              <a:rPr lang="en-GB" sz="1200" dirty="0"/>
-              <a:t>| </a:t>
-            </a:r>
-            <a:r>
-              <a:rPr lang="en-GB" sz="1200" dirty="0" err="1"/>
-              <a:t>req</a:t>
-            </a:r>
-            <a:r>
-              <a:rPr lang="en-GB" sz="1200" dirty="0"/>
-              <a:t>(#1)           |     0.447661        |     0.115177          |     0.105672         |   0                       |   0.0786482       |   0.0772194      |  0                      |  0.0880288      |  0.087594        |</a:t>
-            </a:r>
-          </a:p>
-          <a:p>
-            <a:r>
-              <a:rPr lang="en-GB" sz="1200" dirty="0"/>
-              <a:t>+-------------------+----------------------+------------------------+-----------------------+---------------------+----------------------+---------------------+--------------------+--------------------+--------------------+</a:t>
-            </a:r>
-          </a:p>
-          <a:p>
-            <a:r>
-              <a:rPr lang="en-GB" sz="1200" dirty="0"/>
-              <a:t>| </a:t>
-            </a:r>
-            <a:r>
-              <a:rPr lang="en-GB" sz="1200" dirty="0" err="1"/>
-              <a:t>req</a:t>
-            </a:r>
-            <a:r>
-              <a:rPr lang="en-GB" sz="1200" dirty="0"/>
-              <a:t>(#2)           |     0.123676        |     0.406982          |     0.113434         |   0.085981        |   0                        |   0.0795011      |  0.101519        |  0                      |  0.0889075      |</a:t>
-            </a:r>
-          </a:p>
-          <a:p>
-            <a:r>
-              <a:rPr lang="en-GB" sz="1200" dirty="0"/>
-              <a:t>+-------------------+----------------------+------------------------+-----------------------+---------------------+----------------------+---------------------+--------------------+--------------------+--------------------+</a:t>
-            </a:r>
-          </a:p>
-          <a:p>
-            <a:r>
-              <a:rPr lang="en-GB" sz="1200" dirty="0"/>
-              <a:t>| </a:t>
-            </a:r>
-            <a:r>
-              <a:rPr lang="en-GB" sz="1200" dirty="0" err="1"/>
-              <a:t>req</a:t>
-            </a:r>
-            <a:r>
-              <a:rPr lang="en-GB" sz="1200" dirty="0"/>
-              <a:t>(#3)           |     0.129432        |     0.10779            |     0.407825         |   0.0911526      |   0.082129          |   0                      |  0.0962989      |  0.0853719     |  0                       |</a:t>
-            </a:r>
-          </a:p>
-          <a:p>
-            <a:r>
-              <a:rPr lang="en-GB" sz="1200" dirty="0"/>
-              <a:t>+-------------------+----------------------+------------------------+-----------------------+---------------------+----------------------+---------------------+--------------------+--------------------+--------------------+</a:t>
-            </a:r>
-          </a:p>
-          <a:p>
-            <a:endParaRPr lang="en-GB" sz="1200" dirty="0"/>
-          </a:p>
-          <a:p>
-            <a:r>
-              <a:rPr lang="en-GB" sz="1600" dirty="0">
-                <a:latin typeface="Helvetica Neue Thin" panose="020B0403020202020204" pitchFamily="34" charset="0"/>
-                <a:ea typeface="Helvetica Neue Thin" panose="020B0403020202020204" pitchFamily="34" charset="0"/>
-              </a:rPr>
-              <a:t>Stable state: [0.12020888, 0.10717856, 0.10594082, 0.12020984, 0.10717859, 0.10593995, 0.12021135, 0.10718605, 0.10594596]</a:t>
-            </a:r>
-          </a:p>
-          <a:p>
-            <a:endParaRPr lang="en-GB" sz="1600" dirty="0">
+            <a:r>
+              <a:rPr lang="en-FR" dirty="0">
+                <a:latin typeface="Helvetica Neue Thin" panose="020B0403020202020204" pitchFamily="34" charset="0"/>
+                <a:ea typeface="Helvetica Neue Thin" panose="020B0403020202020204" pitchFamily="34" charset="0"/>
+              </a:rPr>
+              <a:t>Data log file: </a:t>
+            </a:r>
+            <a:r>
+              <a:rPr lang="en-GB" dirty="0">
+                <a:latin typeface="Helvetica Neue Thin" panose="020B0403020202020204" pitchFamily="34" charset="0"/>
+                <a:ea typeface="Helvetica Neue Thin" panose="020B0403020202020204" pitchFamily="34" charset="0"/>
+              </a:rPr>
+              <a:t>dekker.cub1678120844.data</a:t>
+            </a:r>
+          </a:p>
+          <a:p>
+            <a:endParaRPr lang="en-FR" dirty="0">
               <a:latin typeface="Helvetica Neue Thin" panose="020B0403020202020204" pitchFamily="34" charset="0"/>
               <a:ea typeface="Helvetica Neue Thin" panose="020B0403020202020204" pitchFamily="34" charset="0"/>
             </a:endParaRPr>
           </a:p>
           <a:p>
             <a:r>
-              <a:rPr lang="en-GB" sz="1600" dirty="0">
-                <a:latin typeface="Helvetica Neue Thin" panose="020B0403020202020204" pitchFamily="34" charset="0"/>
-                <a:ea typeface="Helvetica Neue Thin" panose="020B0403020202020204" pitchFamily="34" charset="0"/>
-              </a:rPr>
-              <a:t>The detailed matrix shows that exit -&gt; enter is an acceptable pair, because it is always between 2 different processes. </a:t>
-            </a:r>
-          </a:p>
-          <a:p>
-            <a:endParaRPr lang="en-GB" sz="1600" dirty="0">
+              <a:rPr lang="en-FR" dirty="0">
+                <a:latin typeface="Helvetica Neue Thin" panose="020B0403020202020204" pitchFamily="34" charset="0"/>
+                <a:ea typeface="Helvetica Neue Thin" panose="020B0403020202020204" pitchFamily="34" charset="0"/>
+              </a:rPr>
+              <a:t>Transition matrix</a:t>
+            </a:r>
+          </a:p>
+          <a:p>
+            <a:r>
+              <a:rPr lang="en-GB" dirty="0"/>
+              <a:t>+----------------+-----------------+----------------+----------------+</a:t>
+            </a:r>
+          </a:p>
+          <a:p>
+            <a:r>
+              <a:rPr lang="en-GB" dirty="0"/>
+              <a:t>|                      |   enter          |    exit           |     </a:t>
+            </a:r>
+            <a:r>
+              <a:rPr lang="en-GB" dirty="0" err="1"/>
+              <a:t>req</a:t>
+            </a:r>
+            <a:r>
+              <a:rPr lang="en-GB" dirty="0"/>
+              <a:t>           |</a:t>
+            </a:r>
+          </a:p>
+          <a:p>
+            <a:r>
+              <a:rPr lang="en-GB" dirty="0"/>
+              <a:t>+==========+==========+==========+==========+</a:t>
+            </a:r>
+          </a:p>
+          <a:p>
+            <a:r>
+              <a:rPr lang="en-GB" dirty="0"/>
+              <a:t>| enter           | 0                   | 0.834687    | 0.165313     |</a:t>
+            </a:r>
+          </a:p>
+          <a:p>
+            <a:r>
+              <a:rPr lang="en-GB" dirty="0"/>
+              <a:t>+----------------+-----------------+----------------+----------------+</a:t>
+            </a:r>
+          </a:p>
+          <a:p>
+            <a:r>
+              <a:rPr lang="en-GB" dirty="0"/>
+              <a:t>| exit              | 0.346006     | 0                   | 0.653994    |</a:t>
+            </a:r>
+          </a:p>
+          <a:p>
+            <a:r>
+              <a:rPr lang="en-GB" dirty="0"/>
+              <a:t>+----------------+-----------------+----------------+----------------+</a:t>
+            </a:r>
+          </a:p>
+          <a:p>
+            <a:r>
+              <a:rPr lang="en-GB" dirty="0"/>
+              <a:t>| </a:t>
+            </a:r>
+            <a:r>
+              <a:rPr lang="en-GB" dirty="0" err="1"/>
+              <a:t>req</a:t>
+            </a:r>
+            <a:r>
+              <a:rPr lang="en-GB" dirty="0"/>
+              <a:t>               | 0.653972.    | 0.165305    | 0.180723.   |</a:t>
+            </a:r>
+          </a:p>
+          <a:p>
+            <a:r>
+              <a:rPr lang="en-GB" dirty="0"/>
+              <a:t>+----------------+-----------------+----------------+----------------+</a:t>
+            </a:r>
+          </a:p>
+          <a:p>
+            <a:endParaRPr lang="en-GB" dirty="0"/>
+          </a:p>
+          <a:p>
+            <a:r>
+              <a:rPr lang="en-GB" dirty="0">
+                <a:latin typeface="Helvetica Neue Thin" panose="020B0403020202020204" pitchFamily="34" charset="0"/>
+                <a:ea typeface="Helvetica Neue Thin" panose="020B0403020202020204" pitchFamily="34" charset="0"/>
+              </a:rPr>
+              <a:t>Steady states: [0.33332976, 0.33332916, 0.33334108] -&gt; every transition is hit more or less the same amount of times</a:t>
+            </a:r>
+          </a:p>
+          <a:p>
+            <a:endParaRPr lang="en-GB" dirty="0">
               <a:latin typeface="Helvetica Neue Thin" panose="020B0403020202020204" pitchFamily="34" charset="0"/>
               <a:ea typeface="Helvetica Neue Thin" panose="020B0403020202020204" pitchFamily="34" charset="0"/>
             </a:endParaRPr>
           </a:p>
           <a:p>
-            <a:endParaRPr lang="en-GB" sz="1600" dirty="0">
+            <a:r>
+              <a:rPr lang="en-GB" dirty="0">
+                <a:latin typeface="Helvetica Neue Thin" panose="020B0403020202020204" pitchFamily="34" charset="0"/>
+                <a:ea typeface="Helvetica Neue Thin" panose="020B0403020202020204" pitchFamily="34" charset="0"/>
+              </a:rPr>
+              <a:t>Studying this matrix, it might seem weird that the transition exit -&gt; enter is possible directly. We can generate a detailed matrix to the system in more detail [next slide]</a:t>
+            </a:r>
+            <a:endParaRPr lang="en-GB" dirty="0">
               <a:latin typeface="Helvetica Neue Thin" panose="020B0403020202020204" pitchFamily="34" charset="0"/>
               <a:ea typeface="Helvetica Neue Thin" panose="020B0403020202020204" pitchFamily="34" charset="0"/>
             </a:endParaRPr>
           </a:p>
-          <a:p>
-            <a:r>
-              <a:rPr lang="en-FR" sz="1600" dirty="0">
-                <a:latin typeface="Helvetica Neue Thin" panose="020B0403020202020204" pitchFamily="34" charset="0"/>
-                <a:ea typeface="Helvetica Neue Thin" panose="020B0403020202020204" pitchFamily="34" charset="0"/>
-              </a:rPr>
-              <a:t>Data log file:</a:t>
-            </a:r>
-            <a:r>
-              <a:rPr lang="en-GB" sz="1600" dirty="0">
-                <a:latin typeface="Helvetica Neue Thin" panose="020B0403020202020204" pitchFamily="34" charset="0"/>
-                <a:ea typeface="Helvetica Neue Thin" panose="020B0403020202020204" pitchFamily="34" charset="0"/>
-              </a:rPr>
-              <a:t> dekker.cub1678123227.data</a:t>
-            </a:r>
-          </a:p>
-          <a:p>
-            <a:endParaRPr lang="en-GB" sz="1600" dirty="0">
-              <a:latin typeface="Helvetica Neue Thin" panose="020B0403020202020204" pitchFamily="34" charset="0"/>
-              <a:ea typeface="Helvetica Neue Thin" panose="020B0403020202020204" pitchFamily="34" charset="0"/>
-            </a:endParaRPr>
+        </p:txBody>
+      </p:sp>
+      <p:sp>
+        <p:nvSpPr>
+          <p:cNvPr id="6" name="TextBox 5">
+            <a:extLst>
+              <a:ext uri="{FF2B5EF4-FFF2-40B4-BE49-F238E27FC236}">
+                <a16:creationId xmlns:a16="http://schemas.microsoft.com/office/drawing/2014/main" id="{8FA419B3-7055-0B65-8D3F-D64BC0C8E450}"/>
+              </a:ext>
+            </a:extLst>
+          </p:cNvPr>
+          <p:cNvSpPr txBox="1"/>
+          <p:nvPr/>
+        </p:nvSpPr>
+        <p:spPr>
+          <a:xfrm>
+            <a:off x="5562689" y="2123446"/>
+            <a:ext cx="5921114" cy="1477328"/>
+          </a:xfrm>
+          <a:prstGeom prst="rect">
+            <a:avLst/>
+          </a:prstGeom>
+          <a:noFill/>
+        </p:spPr>
+        <p:txBody>
+          <a:bodyPr wrap="square" rtlCol="0">
+            <a:spAutoFit/>
+          </a:bodyPr>
+          <a:lstStyle/>
+          <a:p>
+            <a:r>
+              <a:rPr lang="en-FR" dirty="0">
+                <a:latin typeface="Helvetica Neue Thin" panose="020B0403020202020204" pitchFamily="34" charset="0"/>
+                <a:ea typeface="Helvetica Neue Thin" panose="020B0403020202020204" pitchFamily="34" charset="0"/>
+              </a:rPr>
+              <a:t>The matrix describes expected behaviors, for example you can’t have two enters following each other.</a:t>
+            </a:r>
+          </a:p>
+          <a:p>
+            <a:r>
+              <a:rPr lang="en-FR" dirty="0">
+                <a:latin typeface="Helvetica Neue Thin" panose="020B0403020202020204" pitchFamily="34" charset="0"/>
+                <a:ea typeface="Helvetica Neue Thin" panose="020B0403020202020204" pitchFamily="34" charset="0"/>
+              </a:rPr>
+              <a:t>Sometimes grouped transitions aren’t clear enough about the behavior, so a more detailed transition matrix can be built [see next slide]</a:t>
+            </a:r>
           </a:p>
         </p:txBody>
       </p:sp>
@@ -16811,7 +16815,7 @@
           <p:cNvPr id="2" name="Slide Number Placeholder 1">
             <a:extLst>
               <a:ext uri="{FF2B5EF4-FFF2-40B4-BE49-F238E27FC236}">
-                <a16:creationId xmlns:a16="http://schemas.microsoft.com/office/drawing/2014/main" id="{DC209C3E-8E19-F5C9-4688-85A7EDBEF755}"/>
+                <a16:creationId xmlns:a16="http://schemas.microsoft.com/office/drawing/2014/main" id="{8B21B0D5-7034-7F06-9C99-BDAD5EA0A57C}"/>
               </a:ext>
             </a:extLst>
           </p:cNvPr>
@@ -16838,7 +16842,7 @@
     </p:spTree>
     <p:extLst>
       <p:ext uri="{BB962C8B-B14F-4D97-AF65-F5344CB8AC3E}">
-        <p14:creationId xmlns:p14="http://schemas.microsoft.com/office/powerpoint/2010/main" val="4257490243"/>
+        <p14:creationId xmlns:p14="http://schemas.microsoft.com/office/powerpoint/2010/main" val="639856334"/>
       </p:ext>
     </p:extLst>
   </p:cSld>
@@ -16880,7 +16884,7 @@
         <p:spPr>
           <a:xfrm>
             <a:off x="188891" y="124945"/>
-            <a:ext cx="7456093" cy="461665"/>
+            <a:ext cx="9640909" cy="461665"/>
           </a:xfrm>
           <a:prstGeom prst="rect">
             <a:avLst/>
@@ -16894,25 +16898,25 @@
           <a:lstStyle/>
           <a:p>
             <a:r>
+              <a:rPr lang="en-US" sz="2400" dirty="0" err="1">
+                <a:latin typeface="Helvetica Neue Thin" panose="020B0403020202020204" pitchFamily="34" charset="0"/>
+                <a:ea typeface="Helvetica Neue Thin" panose="020B0403020202020204" pitchFamily="34" charset="0"/>
+              </a:rPr>
+              <a:t>Dekker.cub</a:t>
+            </a:r>
+            <a:r>
               <a:rPr lang="en-US" sz="2400" dirty="0">
                 <a:latin typeface="Helvetica Neue Thin" panose="020B0403020202020204" pitchFamily="34" charset="0"/>
                 <a:ea typeface="Helvetica Neue Thin" panose="020B0403020202020204" pitchFamily="34" charset="0"/>
               </a:rPr>
-              <a:t>Buggy </a:t>
-            </a:r>
-            <a:r>
-              <a:rPr lang="en-US" sz="2400" dirty="0" err="1">
-                <a:latin typeface="Helvetica Neue Thin" panose="020B0403020202020204" pitchFamily="34" charset="0"/>
-                <a:ea typeface="Helvetica Neue Thin" panose="020B0403020202020204" pitchFamily="34" charset="0"/>
-              </a:rPr>
-              <a:t>Dekker.cub</a:t>
+              <a:t> [test-run maximizing </a:t>
             </a:r>
             <a:r>
               <a:rPr lang="en-US" sz="2400" dirty="0">
                 <a:latin typeface="Helvetica Neue Thin" panose="020B0403020202020204" pitchFamily="34" charset="0"/>
                 <a:ea typeface="Helvetica Neue Thin" panose="020B0403020202020204" pitchFamily="34" charset="0"/>
               </a:rPr>
-              <a:t> [original deadlocking example]</a:t>
+              <a:t>entropy] [detailed transitions]</a:t>
             </a:r>
             <a:endParaRPr lang="en-FR" sz="2000" dirty="0">
               <a:latin typeface="Helvetica Neue Thin" panose="020B0403020202020204" pitchFamily="34" charset="0"/>
@@ -16936,7 +16940,7 @@
         <p:spPr>
           <a:xfrm>
             <a:off x="94445" y="586610"/>
-            <a:ext cx="12003110" cy="4185761"/>
+            <a:ext cx="12003110" cy="6370975"/>
           </a:xfrm>
           <a:prstGeom prst="rect">
             <a:avLst/>
@@ -16949,143 +16953,201 @@
           </a:bodyPr>
           <a:lstStyle/>
           <a:p>
-            <a:r>
-              <a:rPr lang="en-FR" dirty="0">
-                <a:latin typeface="Helvetica Neue Thin" panose="020B0403020202020204" pitchFamily="34" charset="0"/>
-                <a:ea typeface="Helvetica Neue Thin" panose="020B0403020202020204" pitchFamily="34" charset="0"/>
-              </a:rPr>
-              <a:t>Log file: </a:t>
-            </a:r>
-            <a:r>
-              <a:rPr lang="en-GB" dirty="0">
-                <a:latin typeface="Helvetica Neue Thin" panose="020B0403020202020204" pitchFamily="34" charset="0"/>
-                <a:ea typeface="Helvetica Neue Thin" panose="020B0403020202020204" pitchFamily="34" charset="0"/>
-              </a:rPr>
-              <a:t>buggy.cub1678220204.data</a:t>
-            </a:r>
-            <a:endParaRPr lang="en-FR" dirty="0">
-              <a:latin typeface="Helvetica Neue Thin" panose="020B0403020202020204" pitchFamily="34" charset="0"/>
-              <a:ea typeface="Helvetica Neue Thin" panose="020B0403020202020204" pitchFamily="34" charset="0"/>
-            </a:endParaRPr>
-          </a:p>
-          <a:p>
-            <a:endParaRPr lang="en-FR" dirty="0">
-              <a:latin typeface="Helvetica Neue Thin" panose="020B0403020202020204" pitchFamily="34" charset="0"/>
-              <a:ea typeface="Helvetica Neue Thin" panose="020B0403020202020204" pitchFamily="34" charset="0"/>
-            </a:endParaRPr>
-          </a:p>
-          <a:p>
-            <a:r>
-              <a:rPr lang="en-FR" dirty="0">
-                <a:latin typeface="Helvetica Neue Thin" panose="020B0403020202020204" pitchFamily="34" charset="0"/>
-                <a:ea typeface="Helvetica Neue Thin" panose="020B0403020202020204" pitchFamily="34" charset="0"/>
-              </a:rPr>
-              <a:t>Out of 1 000 000 steps, it only took 3. No need to even try anything else, the model is clearly odd.</a:t>
-            </a:r>
-          </a:p>
-          <a:p>
-            <a:r>
-              <a:rPr lang="en-FR" dirty="0">
-                <a:latin typeface="Helvetica Neue Thin" panose="020B0403020202020204" pitchFamily="34" charset="0"/>
-                <a:ea typeface="Helvetica Neue Thin" panose="020B0403020202020204" pitchFamily="34" charset="0"/>
-              </a:rPr>
-              <a:t>The transition matrix clearly shows that going 100% from req to req killed the system: </a:t>
-            </a:r>
-          </a:p>
-          <a:p>
-            <a:r>
-              <a:rPr lang="en-GB" dirty="0">
-                <a:ea typeface="Helvetica Neue Thin" panose="020B0403020202020204" pitchFamily="34" charset="0"/>
-              </a:rPr>
-              <a:t>+----------------+-----------------+--------------+-------------+</a:t>
-            </a:r>
-          </a:p>
-          <a:p>
-            <a:r>
-              <a:rPr lang="en-GB" dirty="0">
-                <a:ea typeface="Helvetica Neue Thin" panose="020B0403020202020204" pitchFamily="34" charset="0"/>
-              </a:rPr>
-              <a:t>| source         |   enter          |   exit          |   </a:t>
-            </a:r>
-            <a:r>
-              <a:rPr lang="en-GB" dirty="0" err="1">
-                <a:ea typeface="Helvetica Neue Thin" panose="020B0403020202020204" pitchFamily="34" charset="0"/>
-              </a:rPr>
+            <a:endParaRPr lang="en-FR" dirty="0"/>
+          </a:p>
+          <a:p>
+            <a:r>
+              <a:rPr lang="en-FR" sz="1400" dirty="0">
+                <a:latin typeface="Helvetica Neue Thin" panose="020B0403020202020204" pitchFamily="34" charset="0"/>
+                <a:ea typeface="Helvetica Neue Thin" panose="020B0403020202020204" pitchFamily="34" charset="0"/>
+              </a:rPr>
+              <a:t>Transition matrix</a:t>
+            </a:r>
+          </a:p>
+          <a:p>
+            <a:r>
+              <a:rPr lang="en-GB" sz="1200" dirty="0"/>
+              <a:t>+-------------------+-----------------------+-----------------------+-----------------------+---------------------+----------------------+---------------------+--------------------+--------------------+--------------------+</a:t>
+            </a:r>
+          </a:p>
+          <a:p>
+            <a:r>
+              <a:rPr lang="en-GB" sz="1200" dirty="0"/>
+              <a:t>| source            |   enter(#1)           |   enter(#2)           |   enter(#3)           |   exit(#1)            |   exit(#2)            |         exit(#3)      |           </a:t>
+            </a:r>
+            <a:r>
+              <a:rPr lang="en-GB" sz="1200" dirty="0" err="1"/>
               <a:t>req</a:t>
             </a:r>
             <a:r>
-              <a:rPr lang="en-GB" dirty="0">
-                <a:ea typeface="Helvetica Neue Thin" panose="020B0403020202020204" pitchFamily="34" charset="0"/>
-              </a:rPr>
-              <a:t>        |</a:t>
-            </a:r>
-          </a:p>
-          <a:p>
-            <a:r>
-              <a:rPr lang="en-GB" dirty="0">
-                <a:ea typeface="Helvetica Neue Thin" panose="020B0403020202020204" pitchFamily="34" charset="0"/>
-              </a:rPr>
-              <a:t>+==========+==========+=========+========+</a:t>
-            </a:r>
-          </a:p>
-          <a:p>
-            <a:r>
-              <a:rPr lang="en-GB" dirty="0">
-                <a:ea typeface="Helvetica Neue Thin" panose="020B0403020202020204" pitchFamily="34" charset="0"/>
-              </a:rPr>
-              <a:t>| enter           |        0            |       0          |      0          |</a:t>
-            </a:r>
-          </a:p>
-          <a:p>
-            <a:r>
-              <a:rPr lang="en-GB" dirty="0">
-                <a:ea typeface="Helvetica Neue Thin" panose="020B0403020202020204" pitchFamily="34" charset="0"/>
-              </a:rPr>
-              <a:t>+----------------+-----------------+--------------+-------------+</a:t>
-            </a:r>
-          </a:p>
-          <a:p>
-            <a:r>
-              <a:rPr lang="en-GB" dirty="0">
-                <a:ea typeface="Helvetica Neue Thin" panose="020B0403020202020204" pitchFamily="34" charset="0"/>
-              </a:rPr>
-              <a:t>| exit              |        0             |       0         |      0          |</a:t>
-            </a:r>
-          </a:p>
-          <a:p>
-            <a:r>
-              <a:rPr lang="en-GB" dirty="0">
-                <a:ea typeface="Helvetica Neue Thin" panose="020B0403020202020204" pitchFamily="34" charset="0"/>
-              </a:rPr>
-              <a:t>+----------------+-----------------+--------------+-------------+</a:t>
-            </a:r>
-          </a:p>
-          <a:p>
-            <a:r>
-              <a:rPr lang="en-GB" dirty="0">
-                <a:ea typeface="Helvetica Neue Thin" panose="020B0403020202020204" pitchFamily="34" charset="0"/>
-              </a:rPr>
+              <a:rPr lang="en-GB" sz="1200" dirty="0"/>
+              <a:t>(#1)  |          </a:t>
+            </a:r>
+            <a:r>
+              <a:rPr lang="en-GB" sz="1200" dirty="0" err="1"/>
+              <a:t>req</a:t>
+            </a:r>
+            <a:r>
+              <a:rPr lang="en-GB" sz="1200" dirty="0"/>
+              <a:t>(#2)    |          </a:t>
+            </a:r>
+            <a:r>
+              <a:rPr lang="en-GB" sz="1200" dirty="0" err="1"/>
+              <a:t>req</a:t>
+            </a:r>
+            <a:r>
+              <a:rPr lang="en-GB" sz="1200" dirty="0"/>
+              <a:t>(#3)   |</a:t>
+            </a:r>
+          </a:p>
+          <a:p>
+            <a:r>
+              <a:rPr lang="en-GB" sz="1200" dirty="0"/>
+              <a:t>+===========+==============+==============+==============+=============+=============+=============+============+============+============+</a:t>
+            </a:r>
+          </a:p>
+          <a:p>
+            <a:r>
+              <a:rPr lang="en-GB" sz="1200" dirty="0"/>
+              <a:t>| enter(#1)       |     0                       |     0                        |     0                       |   0.843004         |   0                        |   0                      |  0                       |  0.0774727     |  0.0795229      |</a:t>
+            </a:r>
+          </a:p>
+          <a:p>
+            <a:r>
+              <a:rPr lang="en-GB" sz="1200" dirty="0"/>
+              <a:t>+-------------------+----------------------+------------------------+-----------------------+---------------------+----------------------+---------------------+--------------------+--------------------+--------------------+</a:t>
+            </a:r>
+          </a:p>
+          <a:p>
+            <a:r>
+              <a:rPr lang="en-GB" sz="1200" dirty="0"/>
+              <a:t>| enter(#2)        |     0                      |     0                        |     0                        |   0                      |   0.830604          |   0                      |  0.0887046      |  0                      |  0.0806912      |</a:t>
+            </a:r>
+          </a:p>
+          <a:p>
+            <a:r>
+              <a:rPr lang="en-GB" sz="1200" dirty="0"/>
+              <a:t>+-------------------+----------------------+------------------------+-----------------------+---------------------+----------------------+---------------------+--------------------+--------------------+--------------------+</a:t>
+            </a:r>
+          </a:p>
+          <a:p>
+            <a:r>
+              <a:rPr lang="en-GB" sz="1200" dirty="0"/>
+              <a:t>| enter(#3)        |     0                      |     0                        |     0                        |   0                      |   0                        |   0.831935        |  0.0865703      |  0.0814945      |  0                      |</a:t>
+            </a:r>
+          </a:p>
+          <a:p>
+            <a:r>
+              <a:rPr lang="en-GB" sz="1200" dirty="0"/>
+              <a:t>+-------------------+----------------------+------------------------+-----------------------+---------------------+----------------------+---------------------+--------------------+--------------------+--------------------+</a:t>
+            </a:r>
+          </a:p>
+          <a:p>
+            <a:r>
+              <a:rPr lang="en-GB" sz="1200" dirty="0"/>
+              <a:t>| exit(#1)           |     0                      |     0.169297          |     0.169732         |   0                      |   0                        |   0                       |  0.489066        |  0.0908921      |  0.0810139     |</a:t>
+            </a:r>
+          </a:p>
+          <a:p>
+            <a:r>
+              <a:rPr lang="en-GB" sz="1200" dirty="0"/>
+              <a:t>+-------------------+----------------------+------------------------+-----------------------+---------------------+----------------------+---------------------+--------------------+--------------------+--------------------+</a:t>
+            </a:r>
+          </a:p>
+          <a:p>
+            <a:r>
+              <a:rPr lang="en-GB" sz="1200" dirty="0"/>
+              <a:t>| exit(#2)           |     0.189185       |     0                         |     0.162985         |   0                      |   0                        |   0                       |  0.0985297      |  0.464288        |  0.0850115     |</a:t>
+            </a:r>
+          </a:p>
+          <a:p>
+            <a:r>
+              <a:rPr lang="en-GB" sz="1200" dirty="0"/>
+              <a:t>+-------------------+----------------------+------------------------+-----------------------+---------------------+----------------------+---------------------+--------------------+--------------------+--------------------+</a:t>
+            </a:r>
+          </a:p>
+          <a:p>
+            <a:r>
+              <a:rPr lang="en-GB" sz="1200" dirty="0"/>
+              <a:t>| exit(#3)           |     0.180754       |     0.169334          |     0                        |   0                      |   0                        |   0                       |  0.104759        |  0.0842439      |  0.460909       |</a:t>
+            </a:r>
+          </a:p>
+          <a:p>
+            <a:r>
+              <a:rPr lang="en-GB" sz="1200" dirty="0"/>
+              <a:t>+-------------------+----------------------+------------------------+-----------------------+---------------------+----------------------+---------------------+--------------------+--------------------+--------------------+</a:t>
+            </a:r>
+          </a:p>
+          <a:p>
+            <a:r>
+              <a:rPr lang="en-GB" sz="1200" dirty="0"/>
               <a:t>| </a:t>
             </a:r>
             <a:r>
-              <a:rPr lang="en-GB" dirty="0" err="1">
-                <a:ea typeface="Helvetica Neue Thin" panose="020B0403020202020204" pitchFamily="34" charset="0"/>
-              </a:rPr>
+              <a:rPr lang="en-GB" sz="1200" dirty="0" err="1"/>
               <a:t>req</a:t>
             </a:r>
             <a:r>
-              <a:rPr lang="en-GB" dirty="0">
-                <a:ea typeface="Helvetica Neue Thin" panose="020B0403020202020204" pitchFamily="34" charset="0"/>
-              </a:rPr>
-              <a:t>               |        0            |       0          |      1         |</a:t>
-            </a:r>
-          </a:p>
-          <a:p>
-            <a:r>
-              <a:rPr lang="en-GB" dirty="0">
-                <a:ea typeface="Helvetica Neue Thin" panose="020B0403020202020204" pitchFamily="34" charset="0"/>
-              </a:rPr>
-              <a:t>+----------------+-----------------+--------------+-------------+</a:t>
+              <a:rPr lang="en-GB" sz="1200" dirty="0"/>
+              <a:t>(#1)           |     0.447661        |     0.115177          |     0.105672         |   0                       |   0.0786482       |   0.0772194      |  0                      |  0.0880288      |  0.087594        |</a:t>
+            </a:r>
+          </a:p>
+          <a:p>
+            <a:r>
+              <a:rPr lang="en-GB" sz="1200" dirty="0"/>
+              <a:t>+-------------------+----------------------+------------------------+-----------------------+---------------------+----------------------+---------------------+--------------------+--------------------+--------------------+</a:t>
+            </a:r>
+          </a:p>
+          <a:p>
+            <a:r>
+              <a:rPr lang="en-GB" sz="1200" dirty="0"/>
+              <a:t>| </a:t>
+            </a:r>
+            <a:r>
+              <a:rPr lang="en-GB" sz="1200" dirty="0" err="1"/>
+              <a:t>req</a:t>
+            </a:r>
+            <a:r>
+              <a:rPr lang="en-GB" sz="1200" dirty="0"/>
+              <a:t>(#2)           |     0.123676        |     0.406982          |     0.113434         |   0.085981        |   0                        |   0.0795011      |  0.101519        |  0                      |  0.0889075      |</a:t>
+            </a:r>
+          </a:p>
+          <a:p>
+            <a:r>
+              <a:rPr lang="en-GB" sz="1200" dirty="0"/>
+              <a:t>+-------------------+----------------------+------------------------+-----------------------+---------------------+----------------------+---------------------+--------------------+--------------------+--------------------+</a:t>
+            </a:r>
+          </a:p>
+          <a:p>
+            <a:r>
+              <a:rPr lang="en-GB" sz="1200" dirty="0"/>
+              <a:t>| </a:t>
+            </a:r>
+            <a:r>
+              <a:rPr lang="en-GB" sz="1200" dirty="0" err="1"/>
+              <a:t>req</a:t>
+            </a:r>
+            <a:r>
+              <a:rPr lang="en-GB" sz="1200" dirty="0"/>
+              <a:t>(#3)           |     0.129432        |     0.10779            |     0.407825         |   0.0911526      |   0.082129          |   0                      |  0.0962989      |  0.0853719     |  0                       |</a:t>
+            </a:r>
+          </a:p>
+          <a:p>
+            <a:r>
+              <a:rPr lang="en-GB" sz="1200" dirty="0"/>
+              <a:t>+-------------------+----------------------+------------------------+-----------------------+---------------------+----------------------+---------------------+--------------------+--------------------+--------------------+</a:t>
+            </a:r>
+          </a:p>
+          <a:p>
+            <a:endParaRPr lang="en-GB" sz="1200" dirty="0"/>
+          </a:p>
+          <a:p>
+            <a:r>
+              <a:rPr lang="en-GB" sz="1600" dirty="0">
+                <a:latin typeface="Helvetica Neue Thin" panose="020B0403020202020204" pitchFamily="34" charset="0"/>
+                <a:ea typeface="Helvetica Neue Thin" panose="020B0403020202020204" pitchFamily="34" charset="0"/>
+              </a:rPr>
+              <a:t>Stable state: [0.12020888, 0.10717856, 0.10594082, 0.12020984, 0.10717859, 0.10593995, 0.12021135, 0.10718605, 0.10594596]</a:t>
             </a:r>
           </a:p>
           <a:p>
@@ -17093,6 +17155,43 @@
               <a:latin typeface="Helvetica Neue Thin" panose="020B0403020202020204" pitchFamily="34" charset="0"/>
               <a:ea typeface="Helvetica Neue Thin" panose="020B0403020202020204" pitchFamily="34" charset="0"/>
             </a:endParaRPr>
+          </a:p>
+          <a:p>
+            <a:r>
+              <a:rPr lang="en-GB" sz="1600" dirty="0">
+                <a:latin typeface="Helvetica Neue Thin" panose="020B0403020202020204" pitchFamily="34" charset="0"/>
+                <a:ea typeface="Helvetica Neue Thin" panose="020B0403020202020204" pitchFamily="34" charset="0"/>
+              </a:rPr>
+              <a:t>The detailed matrix shows that exit -&gt; enter is an acceptable pair, because it is always between 2 different processes. </a:t>
+            </a:r>
+          </a:p>
+          <a:p>
+            <a:endParaRPr lang="en-GB" sz="1600" dirty="0">
+              <a:latin typeface="Helvetica Neue Thin" panose="020B0403020202020204" pitchFamily="34" charset="0"/>
+              <a:ea typeface="Helvetica Neue Thin" panose="020B0403020202020204" pitchFamily="34" charset="0"/>
+            </a:endParaRPr>
+          </a:p>
+          <a:p>
+            <a:endParaRPr lang="en-GB" sz="1600" dirty="0">
+              <a:latin typeface="Helvetica Neue Thin" panose="020B0403020202020204" pitchFamily="34" charset="0"/>
+              <a:ea typeface="Helvetica Neue Thin" panose="020B0403020202020204" pitchFamily="34" charset="0"/>
+            </a:endParaRPr>
+          </a:p>
+          <a:p>
+            <a:r>
+              <a:rPr lang="en-FR" sz="1600" dirty="0">
+                <a:latin typeface="Helvetica Neue Thin" panose="020B0403020202020204" pitchFamily="34" charset="0"/>
+                <a:ea typeface="Helvetica Neue Thin" panose="020B0403020202020204" pitchFamily="34" charset="0"/>
+              </a:rPr>
+              <a:t>Data log file:</a:t>
+            </a:r>
+            <a:r>
+              <a:rPr lang="en-GB" sz="1600" dirty="0">
+                <a:latin typeface="Helvetica Neue Thin" panose="020B0403020202020204" pitchFamily="34" charset="0"/>
+                <a:ea typeface="Helvetica Neue Thin" panose="020B0403020202020204" pitchFamily="34" charset="0"/>
+              </a:rPr>
+              <a:t> dekker.cub1678123227.data</a:t>
+            </a:r>
           </a:p>
           <a:p>
             <a:endParaRPr lang="en-GB" sz="1600" dirty="0">
@@ -17107,7 +17206,7 @@
           <p:cNvPr id="2" name="Slide Number Placeholder 1">
             <a:extLst>
               <a:ext uri="{FF2B5EF4-FFF2-40B4-BE49-F238E27FC236}">
-                <a16:creationId xmlns:a16="http://schemas.microsoft.com/office/drawing/2014/main" id="{6E02610C-2956-E369-0F3D-8F5466DF514F}"/>
+                <a16:creationId xmlns:a16="http://schemas.microsoft.com/office/drawing/2014/main" id="{DC209C3E-8E19-F5C9-4688-85A7EDBEF755}"/>
               </a:ext>
             </a:extLst>
           </p:cNvPr>
@@ -17134,7 +17233,7 @@
     </p:spTree>
     <p:extLst>
       <p:ext uri="{BB962C8B-B14F-4D97-AF65-F5344CB8AC3E}">
-        <p14:creationId xmlns:p14="http://schemas.microsoft.com/office/powerpoint/2010/main" val="1356879358"/>
+        <p14:creationId xmlns:p14="http://schemas.microsoft.com/office/powerpoint/2010/main" val="4257490243"/>
       </p:ext>
     </p:extLst>
   </p:cSld>
@@ -17175,7 +17274,7 @@
         </p:nvSpPr>
         <p:spPr>
           <a:xfrm>
-            <a:off x="94445" y="123726"/>
+            <a:off x="188891" y="124945"/>
             <a:ext cx="7456093" cy="461665"/>
           </a:xfrm>
           <a:prstGeom prst="rect">
@@ -17232,7 +17331,7 @@
         <p:spPr>
           <a:xfrm>
             <a:off x="94445" y="586610"/>
-            <a:ext cx="12003110" cy="1169551"/>
+            <a:ext cx="12003110" cy="4185761"/>
           </a:xfrm>
           <a:prstGeom prst="rect">
             <a:avLst/>
@@ -17257,7 +17356,7 @@
                 <a:latin typeface="Helvetica Neue Thin" panose="020B0403020202020204" pitchFamily="34" charset="0"/>
                 <a:ea typeface="Helvetica Neue Thin" panose="020B0403020202020204" pitchFamily="34" charset="0"/>
               </a:rPr>
-              <a:t>buggy.cub1678198010.data</a:t>
+              <a:t>buggy.cub1678220204.data</a:t>
             </a:r>
             <a:endParaRPr lang="en-FR" dirty="0">
               <a:latin typeface="Helvetica Neue Thin" panose="020B0403020202020204" pitchFamily="34" charset="0"/>
@@ -17272,11 +17371,116 @@
           </a:p>
           <a:p>
             <a:r>
+              <a:rPr lang="en-FR" dirty="0">
+                <a:latin typeface="Helvetica Neue Thin" panose="020B0403020202020204" pitchFamily="34" charset="0"/>
+                <a:ea typeface="Helvetica Neue Thin" panose="020B0403020202020204" pitchFamily="34" charset="0"/>
+              </a:rPr>
+              <a:t>Out of 1 000 000 steps, it only took 3. No need to even try anything else, the model is clearly odd.</a:t>
+            </a:r>
+          </a:p>
+          <a:p>
+            <a:r>
+              <a:rPr lang="en-FR" dirty="0">
+                <a:latin typeface="Helvetica Neue Thin" panose="020B0403020202020204" pitchFamily="34" charset="0"/>
+                <a:ea typeface="Helvetica Neue Thin" panose="020B0403020202020204" pitchFamily="34" charset="0"/>
+              </a:rPr>
+              <a:t>The transition matrix clearly shows that going 100% from req to req killed the system: </a:t>
+            </a:r>
+          </a:p>
+          <a:p>
+            <a:r>
               <a:rPr lang="en-GB" dirty="0">
-                <a:latin typeface="Helvetica Neue Thin" panose="020B0403020202020204" pitchFamily="34" charset="0"/>
-                <a:ea typeface="Helvetica Neue Thin" panose="020B0403020202020204" pitchFamily="34" charset="0"/>
-              </a:rPr>
-              <a:t>You can try a different run and maybe try a more detailed matrix:</a:t>
+                <a:ea typeface="Helvetica Neue Thin" panose="020B0403020202020204" pitchFamily="34" charset="0"/>
+              </a:rPr>
+              <a:t>+----------------+-----------------+--------------+-------------+</a:t>
+            </a:r>
+          </a:p>
+          <a:p>
+            <a:r>
+              <a:rPr lang="en-GB" dirty="0">
+                <a:ea typeface="Helvetica Neue Thin" panose="020B0403020202020204" pitchFamily="34" charset="0"/>
+              </a:rPr>
+              <a:t>| source         |   enter          |   exit          |   </a:t>
+            </a:r>
+            <a:r>
+              <a:rPr lang="en-GB" dirty="0" err="1">
+                <a:ea typeface="Helvetica Neue Thin" panose="020B0403020202020204" pitchFamily="34" charset="0"/>
+              </a:rPr>
+              <a:t>req</a:t>
+            </a:r>
+            <a:r>
+              <a:rPr lang="en-GB" dirty="0">
+                <a:ea typeface="Helvetica Neue Thin" panose="020B0403020202020204" pitchFamily="34" charset="0"/>
+              </a:rPr>
+              <a:t>        |</a:t>
+            </a:r>
+          </a:p>
+          <a:p>
+            <a:r>
+              <a:rPr lang="en-GB" dirty="0">
+                <a:ea typeface="Helvetica Neue Thin" panose="020B0403020202020204" pitchFamily="34" charset="0"/>
+              </a:rPr>
+              <a:t>+==========+==========+=========+========+</a:t>
+            </a:r>
+          </a:p>
+          <a:p>
+            <a:r>
+              <a:rPr lang="en-GB" dirty="0">
+                <a:ea typeface="Helvetica Neue Thin" panose="020B0403020202020204" pitchFamily="34" charset="0"/>
+              </a:rPr>
+              <a:t>| enter           |        0            |       0          |      0          |</a:t>
+            </a:r>
+          </a:p>
+          <a:p>
+            <a:r>
+              <a:rPr lang="en-GB" dirty="0">
+                <a:ea typeface="Helvetica Neue Thin" panose="020B0403020202020204" pitchFamily="34" charset="0"/>
+              </a:rPr>
+              <a:t>+----------------+-----------------+--------------+-------------+</a:t>
+            </a:r>
+          </a:p>
+          <a:p>
+            <a:r>
+              <a:rPr lang="en-GB" dirty="0">
+                <a:ea typeface="Helvetica Neue Thin" panose="020B0403020202020204" pitchFamily="34" charset="0"/>
+              </a:rPr>
+              <a:t>| exit              |        0             |       0         |      0          |</a:t>
+            </a:r>
+          </a:p>
+          <a:p>
+            <a:r>
+              <a:rPr lang="en-GB" dirty="0">
+                <a:ea typeface="Helvetica Neue Thin" panose="020B0403020202020204" pitchFamily="34" charset="0"/>
+              </a:rPr>
+              <a:t>+----------------+-----------------+--------------+-------------+</a:t>
+            </a:r>
+          </a:p>
+          <a:p>
+            <a:r>
+              <a:rPr lang="en-GB" dirty="0">
+                <a:ea typeface="Helvetica Neue Thin" panose="020B0403020202020204" pitchFamily="34" charset="0"/>
+              </a:rPr>
+              <a:t>| </a:t>
+            </a:r>
+            <a:r>
+              <a:rPr lang="en-GB" dirty="0" err="1">
+                <a:ea typeface="Helvetica Neue Thin" panose="020B0403020202020204" pitchFamily="34" charset="0"/>
+              </a:rPr>
+              <a:t>req</a:t>
+            </a:r>
+            <a:r>
+              <a:rPr lang="en-GB" dirty="0">
+                <a:ea typeface="Helvetica Neue Thin" panose="020B0403020202020204" pitchFamily="34" charset="0"/>
+              </a:rPr>
+              <a:t>               |        0            |       0          |      1         |</a:t>
+            </a:r>
+          </a:p>
+          <a:p>
+            <a:r>
+              <a:rPr lang="en-GB" dirty="0">
+                <a:ea typeface="Helvetica Neue Thin" panose="020B0403020202020204" pitchFamily="34" charset="0"/>
+              </a:rPr>
+              <a:t>+----------------+-----------------+--------------+-------------+</a:t>
             </a:r>
           </a:p>
           <a:p>
@@ -17285,74 +17489,6 @@
               <a:ea typeface="Helvetica Neue Thin" panose="020B0403020202020204" pitchFamily="34" charset="0"/>
             </a:endParaRPr>
           </a:p>
-        </p:txBody>
-      </p:sp>
-      <p:pic>
-        <p:nvPicPr>
-          <p:cNvPr id="2" name="Picture 1">
-            <a:extLst>
-              <a:ext uri="{FF2B5EF4-FFF2-40B4-BE49-F238E27FC236}">
-                <a16:creationId xmlns:a16="http://schemas.microsoft.com/office/drawing/2014/main" id="{0BA9B44B-A068-B49F-BF27-B3B7A895BA08}"/>
-              </a:ext>
-            </a:extLst>
-          </p:cNvPr>
-          <p:cNvPicPr>
-            <a:picLocks noChangeAspect="1"/>
-          </p:cNvPicPr>
-          <p:nvPr/>
-        </p:nvPicPr>
-        <p:blipFill>
-          <a:blip r:embed="rId2"/>
-          <a:stretch>
-            <a:fillRect/>
-          </a:stretch>
-        </p:blipFill>
-        <p:spPr>
-          <a:xfrm>
-            <a:off x="188890" y="1510053"/>
-            <a:ext cx="11952401" cy="3591787"/>
-          </a:xfrm>
-          <a:prstGeom prst="rect">
-            <a:avLst/>
-          </a:prstGeom>
-        </p:spPr>
-      </p:pic>
-      <p:sp>
-        <p:nvSpPr>
-          <p:cNvPr id="3" name="TextBox 2">
-            <a:extLst>
-              <a:ext uri="{FF2B5EF4-FFF2-40B4-BE49-F238E27FC236}">
-                <a16:creationId xmlns:a16="http://schemas.microsoft.com/office/drawing/2014/main" id="{7A1EDE53-6561-5FB0-758B-A7E4A2D6FD90}"/>
-              </a:ext>
-            </a:extLst>
-          </p:cNvPr>
-          <p:cNvSpPr txBox="1"/>
-          <p:nvPr/>
-        </p:nvSpPr>
-        <p:spPr>
-          <a:xfrm>
-            <a:off x="138181" y="5101840"/>
-            <a:ext cx="12003110" cy="892552"/>
-          </a:xfrm>
-          <a:prstGeom prst="rect">
-            <a:avLst/>
-          </a:prstGeom>
-          <a:noFill/>
-        </p:spPr>
-        <p:txBody>
-          <a:bodyPr wrap="square" rtlCol="0">
-            <a:spAutoFit/>
-          </a:bodyPr>
-          <a:lstStyle/>
-          <a:p>
-            <a:r>
-              <a:rPr lang="en-FR" dirty="0">
-                <a:latin typeface="Helvetica Neue Thin" panose="020B0403020202020204" pitchFamily="34" charset="0"/>
-                <a:ea typeface="Helvetica Neue Thin" panose="020B0403020202020204" pitchFamily="34" charset="0"/>
-              </a:rPr>
-              <a:t>Although it is also useless, since the simple information gathered from the run, i.e. how often processes/transitions appear etc is enough to deduce that something is wrong with the model.</a:t>
-            </a:r>
-          </a:p>
           <a:p>
             <a:endParaRPr lang="en-GB" sz="1600" dirty="0">
               <a:latin typeface="Helvetica Neue Thin" panose="020B0403020202020204" pitchFamily="34" charset="0"/>
@@ -17363,10 +17499,10 @@
       </p:sp>
       <p:sp>
         <p:nvSpPr>
-          <p:cNvPr id="6" name="Slide Number Placeholder 5">
-            <a:extLst>
-              <a:ext uri="{FF2B5EF4-FFF2-40B4-BE49-F238E27FC236}">
-                <a16:creationId xmlns:a16="http://schemas.microsoft.com/office/drawing/2014/main" id="{5A7826FE-8F73-CDD0-2816-DA23ABE31E76}"/>
+          <p:cNvPr id="2" name="Slide Number Placeholder 1">
+            <a:extLst>
+              <a:ext uri="{FF2B5EF4-FFF2-40B4-BE49-F238E27FC236}">
+                <a16:creationId xmlns:a16="http://schemas.microsoft.com/office/drawing/2014/main" id="{6E02610C-2956-E369-0F3D-8F5466DF514F}"/>
               </a:ext>
             </a:extLst>
           </p:cNvPr>
@@ -17393,7 +17529,7 @@
     </p:spTree>
     <p:extLst>
       <p:ext uri="{BB962C8B-B14F-4D97-AF65-F5344CB8AC3E}">
-        <p14:creationId xmlns:p14="http://schemas.microsoft.com/office/powerpoint/2010/main" val="2350080130"/>
+        <p14:creationId xmlns:p14="http://schemas.microsoft.com/office/powerpoint/2010/main" val="1356879358"/>
       </p:ext>
     </p:extLst>
   </p:cSld>
@@ -17549,18 +17685,25 @@
           <a:lstStyle/>
           <a:p>
             <a:r>
+              <a:rPr lang="en-US" sz="2400" dirty="0">
+                <a:latin typeface="Helvetica Neue Thin" panose="020B0403020202020204" pitchFamily="34" charset="0"/>
+                <a:ea typeface="Helvetica Neue Thin" panose="020B0403020202020204" pitchFamily="34" charset="0"/>
+              </a:rPr>
+              <a:t>Buggy </a:t>
+            </a:r>
+            <a:r>
               <a:rPr lang="en-US" sz="2400" dirty="0" err="1">
                 <a:latin typeface="Helvetica Neue Thin" panose="020B0403020202020204" pitchFamily="34" charset="0"/>
                 <a:ea typeface="Helvetica Neue Thin" panose="020B0403020202020204" pitchFamily="34" charset="0"/>
               </a:rPr>
-              <a:t>Germanish</a:t>
+              <a:t>Dekker.cub</a:t>
             </a:r>
             <a:r>
               <a:rPr lang="en-US" sz="2400" dirty="0">
                 <a:latin typeface="Helvetica Neue Thin" panose="020B0403020202020204" pitchFamily="34" charset="0"/>
                 <a:ea typeface="Helvetica Neue Thin" panose="020B0403020202020204" pitchFamily="34" charset="0"/>
               </a:rPr>
-              <a:t> [test-run maximizing entropy]</a:t>
+              <a:t> [original deadlocking example]</a:t>
             </a:r>
             <a:endParaRPr lang="en-FR" sz="2000" dirty="0">
               <a:latin typeface="Helvetica Neue Thin" panose="020B0403020202020204" pitchFamily="34" charset="0"/>
@@ -17584,7 +17727,7 @@
         <p:spPr>
           <a:xfrm>
             <a:off x="94445" y="586610"/>
-            <a:ext cx="12003110" cy="892552"/>
+            <a:ext cx="12003110" cy="1169551"/>
           </a:xfrm>
           <a:prstGeom prst="rect">
             <a:avLst/>
@@ -17609,7 +17752,7 @@
                 <a:latin typeface="Helvetica Neue Thin" panose="020B0403020202020204" pitchFamily="34" charset="0"/>
                 <a:ea typeface="Helvetica Neue Thin" panose="020B0403020202020204" pitchFamily="34" charset="0"/>
               </a:rPr>
-              <a:t>germanish.cub1678226749.data</a:t>
+              <a:t>buggy.cub1678198010.data</a:t>
             </a:r>
             <a:endParaRPr lang="en-FR" dirty="0">
               <a:latin typeface="Helvetica Neue Thin" panose="020B0403020202020204" pitchFamily="34" charset="0"/>
@@ -17623,6 +17766,15 @@
             </a:endParaRPr>
           </a:p>
           <a:p>
+            <a:r>
+              <a:rPr lang="en-GB" dirty="0">
+                <a:latin typeface="Helvetica Neue Thin" panose="020B0403020202020204" pitchFamily="34" charset="0"/>
+                <a:ea typeface="Helvetica Neue Thin" panose="020B0403020202020204" pitchFamily="34" charset="0"/>
+              </a:rPr>
+              <a:t>You can try a different run and maybe try a more detailed matrix:</a:t>
+            </a:r>
+          </a:p>
+          <a:p>
             <a:endParaRPr lang="en-GB" sz="1600" dirty="0">
               <a:latin typeface="Helvetica Neue Thin" panose="020B0403020202020204" pitchFamily="34" charset="0"/>
               <a:ea typeface="Helvetica Neue Thin" panose="020B0403020202020204" pitchFamily="34" charset="0"/>
@@ -17630,41 +17782,12 @@
           </a:p>
         </p:txBody>
       </p:sp>
-      <p:sp>
-        <p:nvSpPr>
-          <p:cNvPr id="6" name="Slide Number Placeholder 5">
-            <a:extLst>
-              <a:ext uri="{FF2B5EF4-FFF2-40B4-BE49-F238E27FC236}">
-                <a16:creationId xmlns:a16="http://schemas.microsoft.com/office/drawing/2014/main" id="{959BDB26-40E4-9CF6-297E-539B90F4FB2E}"/>
-              </a:ext>
-            </a:extLst>
-          </p:cNvPr>
-          <p:cNvSpPr>
-            <a:spLocks noGrp="1"/>
-          </p:cNvSpPr>
-          <p:nvPr>
-            <p:ph type="sldNum" sz="quarter" idx="12"/>
-          </p:nvPr>
-        </p:nvSpPr>
-        <p:spPr/>
-        <p:txBody>
-          <a:bodyPr/>
-          <a:lstStyle/>
-          <a:p>
-            <a:fld id="{4A936E34-E911-F947-B710-F12161D09F63}" type="slidenum">
-              <a:rPr lang="en-FR" smtClean="0"/>
-              <a:t>30</a:t>
-            </a:fld>
-            <a:endParaRPr lang="en-FR"/>
-          </a:p>
-        </p:txBody>
-      </p:sp>
       <p:pic>
         <p:nvPicPr>
-          <p:cNvPr id="7" name="Picture 6">
-            <a:extLst>
-              <a:ext uri="{FF2B5EF4-FFF2-40B4-BE49-F238E27FC236}">
-                <a16:creationId xmlns:a16="http://schemas.microsoft.com/office/drawing/2014/main" id="{F9EE66E7-21D5-39DE-88CE-8F6672410B75}"/>
+          <p:cNvPr id="2" name="Picture 1">
+            <a:extLst>
+              <a:ext uri="{FF2B5EF4-FFF2-40B4-BE49-F238E27FC236}">
+                <a16:creationId xmlns:a16="http://schemas.microsoft.com/office/drawing/2014/main" id="{0BA9B44B-A068-B49F-BF27-B3B7A895BA08}"/>
               </a:ext>
             </a:extLst>
           </p:cNvPr>
@@ -17681,8 +17804,8 @@
         </p:blipFill>
         <p:spPr>
           <a:xfrm>
-            <a:off x="94444" y="1032886"/>
-            <a:ext cx="11739369" cy="3196214"/>
+            <a:off x="188890" y="1510053"/>
+            <a:ext cx="11952401" cy="3591787"/>
           </a:xfrm>
           <a:prstGeom prst="rect">
             <a:avLst/>
@@ -17691,10 +17814,10 @@
       </p:pic>
       <p:sp>
         <p:nvSpPr>
-          <p:cNvPr id="8" name="TextBox 7">
-            <a:extLst>
-              <a:ext uri="{FF2B5EF4-FFF2-40B4-BE49-F238E27FC236}">
-                <a16:creationId xmlns:a16="http://schemas.microsoft.com/office/drawing/2014/main" id="{27A447D3-D98D-C71D-E512-B1FF0F72F452}"/>
+          <p:cNvPr id="3" name="TextBox 2">
+            <a:extLst>
+              <a:ext uri="{FF2B5EF4-FFF2-40B4-BE49-F238E27FC236}">
+                <a16:creationId xmlns:a16="http://schemas.microsoft.com/office/drawing/2014/main" id="{7A1EDE53-6561-5FB0-758B-A7E4A2D6FD90}"/>
               </a:ext>
             </a:extLst>
           </p:cNvPr>
@@ -17703,8 +17826,8 @@
         </p:nvSpPr>
         <p:spPr>
           <a:xfrm>
-            <a:off x="94445" y="4233324"/>
-            <a:ext cx="12003110" cy="2831544"/>
+            <a:off x="138181" y="5101840"/>
+            <a:ext cx="12003110" cy="892552"/>
           </a:xfrm>
           <a:prstGeom prst="rect">
             <a:avLst/>
@@ -17718,144 +17841,12 @@
           <a:lstStyle/>
           <a:p>
             <a:r>
-              <a:rPr lang="en-GB" dirty="0">
-                <a:latin typeface="Helvetica Neue Thin" panose="020B0403020202020204" pitchFamily="34" charset="0"/>
-                <a:ea typeface="Helvetica Neue Thin" panose="020B0403020202020204" pitchFamily="34" charset="0"/>
-              </a:rPr>
-              <a:t>Proc 1 : 14774 times</a:t>
-            </a:r>
-          </a:p>
-          <a:p>
-            <a:r>
-              <a:rPr lang="en-GB" dirty="0">
-                <a:latin typeface="Helvetica Neue Thin" panose="020B0403020202020204" pitchFamily="34" charset="0"/>
-                <a:ea typeface="Helvetica Neue Thin" panose="020B0403020202020204" pitchFamily="34" charset="0"/>
-              </a:rPr>
-              <a:t>Proc 2 : 14501 times</a:t>
-            </a:r>
-          </a:p>
-          <a:p>
-            <a:r>
-              <a:rPr lang="en-GB" dirty="0">
-                <a:latin typeface="Helvetica Neue Thin" panose="020B0403020202020204" pitchFamily="34" charset="0"/>
-                <a:ea typeface="Helvetica Neue Thin" panose="020B0403020202020204" pitchFamily="34" charset="0"/>
-              </a:rPr>
-              <a:t>Proc 3 : 14367 times</a:t>
-            </a:r>
-          </a:p>
-          <a:p>
-            <a:r>
-              <a:rPr lang="en-GB" dirty="0">
-                <a:latin typeface="Helvetica Neue Thin" panose="020B0403020202020204" pitchFamily="34" charset="0"/>
-                <a:ea typeface="Helvetica Neue Thin" panose="020B0403020202020204" pitchFamily="34" charset="0"/>
-              </a:rPr>
-              <a:t>Transition inv_2 : 4248 times</a:t>
-            </a:r>
-          </a:p>
-          <a:p>
-            <a:r>
-              <a:rPr lang="en-GB" dirty="0">
-                <a:latin typeface="Helvetica Neue Thin" panose="020B0403020202020204" pitchFamily="34" charset="0"/>
-                <a:ea typeface="Helvetica Neue Thin" panose="020B0403020202020204" pitchFamily="34" charset="0"/>
-              </a:rPr>
-              <a:t>Transition inv_1 : 10298 times</a:t>
-            </a:r>
-          </a:p>
-          <a:p>
-            <a:r>
-              <a:rPr lang="en-GB" dirty="0">
-                <a:latin typeface="Helvetica Neue Thin" panose="020B0403020202020204" pitchFamily="34" charset="0"/>
-                <a:ea typeface="Helvetica Neue Thin" panose="020B0403020202020204" pitchFamily="34" charset="0"/>
-              </a:rPr>
-              <a:t>Transition </a:t>
-            </a:r>
-            <a:r>
-              <a:rPr lang="en-GB" dirty="0" err="1">
-                <a:latin typeface="Helvetica Neue Thin" panose="020B0403020202020204" pitchFamily="34" charset="0"/>
-                <a:ea typeface="Helvetica Neue Thin" panose="020B0403020202020204" pitchFamily="34" charset="0"/>
-              </a:rPr>
-              <a:t>req_shared</a:t>
-            </a:r>
-            <a:r>
-              <a:rPr lang="en-GB" dirty="0">
-                <a:latin typeface="Helvetica Neue Thin" panose="020B0403020202020204" pitchFamily="34" charset="0"/>
-                <a:ea typeface="Helvetica Neue Thin" panose="020B0403020202020204" pitchFamily="34" charset="0"/>
-              </a:rPr>
-              <a:t> : 6117 times</a:t>
-            </a:r>
-          </a:p>
-          <a:p>
-            <a:r>
-              <a:rPr lang="en-GB" dirty="0">
-                <a:latin typeface="Helvetica Neue Thin" panose="020B0403020202020204" pitchFamily="34" charset="0"/>
-                <a:ea typeface="Helvetica Neue Thin" panose="020B0403020202020204" pitchFamily="34" charset="0"/>
-              </a:rPr>
-              <a:t>Transition </a:t>
-            </a:r>
-            <a:r>
-              <a:rPr lang="en-GB" dirty="0" err="1">
-                <a:latin typeface="Helvetica Neue Thin" panose="020B0403020202020204" pitchFamily="34" charset="0"/>
-                <a:ea typeface="Helvetica Neue Thin" panose="020B0403020202020204" pitchFamily="34" charset="0"/>
-              </a:rPr>
-              <a:t>req_exclusive</a:t>
-            </a:r>
-            <a:r>
-              <a:rPr lang="en-GB" dirty="0">
-                <a:latin typeface="Helvetica Neue Thin" panose="020B0403020202020204" pitchFamily="34" charset="0"/>
-                <a:ea typeface="Helvetica Neue Thin" panose="020B0403020202020204" pitchFamily="34" charset="0"/>
-              </a:rPr>
-              <a:t> : 8431 times</a:t>
-            </a:r>
-          </a:p>
-          <a:p>
-            <a:r>
-              <a:rPr lang="en-GB" dirty="0">
-                <a:latin typeface="Helvetica Neue Thin" panose="020B0403020202020204" pitchFamily="34" charset="0"/>
-                <a:ea typeface="Helvetica Neue Thin" panose="020B0403020202020204" pitchFamily="34" charset="0"/>
-              </a:rPr>
-              <a:t>Transition </a:t>
-            </a:r>
-            <a:r>
-              <a:rPr lang="en-GB" dirty="0" err="1">
-                <a:latin typeface="Helvetica Neue Thin" panose="020B0403020202020204" pitchFamily="34" charset="0"/>
-                <a:ea typeface="Helvetica Neue Thin" panose="020B0403020202020204" pitchFamily="34" charset="0"/>
-              </a:rPr>
-              <a:t>gnt_exclusive</a:t>
-            </a:r>
-            <a:r>
-              <a:rPr lang="en-GB" dirty="0">
-                <a:latin typeface="Helvetica Neue Thin" panose="020B0403020202020204" pitchFamily="34" charset="0"/>
-                <a:ea typeface="Helvetica Neue Thin" panose="020B0403020202020204" pitchFamily="34" charset="0"/>
-              </a:rPr>
-              <a:t> : 8431 times</a:t>
-            </a:r>
-          </a:p>
-          <a:p>
-            <a:r>
-              <a:rPr lang="en-GB" dirty="0">
-                <a:latin typeface="Helvetica Neue Thin" panose="020B0403020202020204" pitchFamily="34" charset="0"/>
-                <a:ea typeface="Helvetica Neue Thin" panose="020B0403020202020204" pitchFamily="34" charset="0"/>
-              </a:rPr>
-              <a:t>Transition </a:t>
-            </a:r>
-            <a:r>
-              <a:rPr lang="en-GB" dirty="0" err="1">
-                <a:latin typeface="Helvetica Neue Thin" panose="020B0403020202020204" pitchFamily="34" charset="0"/>
-                <a:ea typeface="Helvetica Neue Thin" panose="020B0403020202020204" pitchFamily="34" charset="0"/>
-              </a:rPr>
-              <a:t>gnt_shared</a:t>
-            </a:r>
-            <a:r>
-              <a:rPr lang="en-GB" dirty="0">
-                <a:latin typeface="Helvetica Neue Thin" panose="020B0403020202020204" pitchFamily="34" charset="0"/>
-                <a:ea typeface="Helvetica Neue Thin" panose="020B0403020202020204" pitchFamily="34" charset="0"/>
-              </a:rPr>
-              <a:t> : 6117 times</a:t>
-            </a:r>
-            <a:endParaRPr lang="en-FR" dirty="0">
-              <a:latin typeface="Helvetica Neue Thin" panose="020B0403020202020204" pitchFamily="34" charset="0"/>
-              <a:ea typeface="Helvetica Neue Thin" panose="020B0403020202020204" pitchFamily="34" charset="0"/>
-            </a:endParaRPr>
+              <a:rPr lang="en-FR" dirty="0">
+                <a:latin typeface="Helvetica Neue Thin" panose="020B0403020202020204" pitchFamily="34" charset="0"/>
+                <a:ea typeface="Helvetica Neue Thin" panose="020B0403020202020204" pitchFamily="34" charset="0"/>
+              </a:rPr>
+              <a:t>Although it is also useless, since the simple information gathered from the run, i.e. how often processes/transitions appear etc is enough to deduce that something is wrong with the model.</a:t>
+            </a:r>
           </a:p>
           <a:p>
             <a:endParaRPr lang="en-GB" sz="1600" dirty="0">
@@ -17867,46 +17858,37 @@
       </p:sp>
       <p:sp>
         <p:nvSpPr>
-          <p:cNvPr id="9" name="TextBox 8">
-            <a:extLst>
-              <a:ext uri="{FF2B5EF4-FFF2-40B4-BE49-F238E27FC236}">
-                <a16:creationId xmlns:a16="http://schemas.microsoft.com/office/drawing/2014/main" id="{037C8E69-1F48-6DFA-71E7-D6205D67E09E}"/>
-              </a:ext>
-            </a:extLst>
-          </p:cNvPr>
-          <p:cNvSpPr txBox="1"/>
-          <p:nvPr/>
+          <p:cNvPr id="6" name="Slide Number Placeholder 5">
+            <a:extLst>
+              <a:ext uri="{FF2B5EF4-FFF2-40B4-BE49-F238E27FC236}">
+                <a16:creationId xmlns:a16="http://schemas.microsoft.com/office/drawing/2014/main" id="{5A7826FE-8F73-CDD0-2816-DA23ABE31E76}"/>
+              </a:ext>
+            </a:extLst>
+          </p:cNvPr>
+          <p:cNvSpPr>
+            <a:spLocks noGrp="1"/>
+          </p:cNvSpPr>
+          <p:nvPr>
+            <p:ph type="sldNum" sz="quarter" idx="12"/>
+          </p:nvPr>
         </p:nvSpPr>
-        <p:spPr>
-          <a:xfrm>
-            <a:off x="4650116" y="4229100"/>
-            <a:ext cx="12003110" cy="338554"/>
-          </a:xfrm>
-          <a:prstGeom prst="rect">
-            <a:avLst/>
-          </a:prstGeom>
-          <a:noFill/>
-        </p:spPr>
+        <p:spPr/>
         <p:txBody>
-          <a:bodyPr wrap="square" rtlCol="0">
-            <a:spAutoFit/>
-          </a:bodyPr>
+          <a:bodyPr/>
           <a:lstStyle/>
           <a:p>
-            <a:r>
-              <a:rPr lang="en-GB" sz="1600" dirty="0">
-                <a:latin typeface="Helvetica Neue Thin" panose="020B0403020202020204" pitchFamily="34" charset="0"/>
-                <a:ea typeface="Helvetica Neue Thin" panose="020B0403020202020204" pitchFamily="34" charset="0"/>
-              </a:rPr>
-              <a:t>0.19319739, 0.14014888, 0.23597992, 0.09732752, 0.19319739, 0.14014888]</a:t>
-            </a:r>
+            <a:fld id="{4A936E34-E911-F947-B710-F12161D09F63}" type="slidenum">
+              <a:rPr lang="en-FR" smtClean="0"/>
+              <a:t>30</a:t>
+            </a:fld>
+            <a:endParaRPr lang="en-FR"/>
           </a:p>
         </p:txBody>
       </p:sp>
     </p:spTree>
     <p:extLst>
       <p:ext uri="{BB962C8B-B14F-4D97-AF65-F5344CB8AC3E}">
-        <p14:creationId xmlns:p14="http://schemas.microsoft.com/office/powerpoint/2010/main" val="470401157"/>
+        <p14:creationId xmlns:p14="http://schemas.microsoft.com/office/powerpoint/2010/main" val="2350080130"/>
       </p:ext>
     </p:extLst>
   </p:cSld>
@@ -17997,7 +17979,7 @@
         <p:spPr>
           <a:xfrm>
             <a:off x="94445" y="586610"/>
-            <a:ext cx="12003110" cy="369332"/>
+            <a:ext cx="12003110" cy="892552"/>
           </a:xfrm>
           <a:prstGeom prst="rect">
             <a:avLst/>
@@ -18022,8 +18004,20 @@
                 <a:latin typeface="Helvetica Neue Thin" panose="020B0403020202020204" pitchFamily="34" charset="0"/>
                 <a:ea typeface="Helvetica Neue Thin" panose="020B0403020202020204" pitchFamily="34" charset="0"/>
               </a:rPr>
-              <a:t>germanish.cub1678226953.data</a:t>
-            </a:r>
+              <a:t>germanish.cub1678226749.data</a:t>
+            </a:r>
+            <a:endParaRPr lang="en-FR" dirty="0">
+              <a:latin typeface="Helvetica Neue Thin" panose="020B0403020202020204" pitchFamily="34" charset="0"/>
+              <a:ea typeface="Helvetica Neue Thin" panose="020B0403020202020204" pitchFamily="34" charset="0"/>
+            </a:endParaRPr>
+          </a:p>
+          <a:p>
+            <a:endParaRPr lang="en-FR" dirty="0">
+              <a:latin typeface="Helvetica Neue Thin" panose="020B0403020202020204" pitchFamily="34" charset="0"/>
+              <a:ea typeface="Helvetica Neue Thin" panose="020B0403020202020204" pitchFamily="34" charset="0"/>
+            </a:endParaRPr>
+          </a:p>
+          <a:p>
             <a:endParaRPr lang="en-GB" sz="1600" dirty="0">
               <a:latin typeface="Helvetica Neue Thin" panose="020B0403020202020204" pitchFamily="34" charset="0"/>
               <a:ea typeface="Helvetica Neue Thin" panose="020B0403020202020204" pitchFamily="34" charset="0"/>
@@ -18062,10 +18056,10 @@
       </p:sp>
       <p:pic>
         <p:nvPicPr>
-          <p:cNvPr id="2" name="Picture 1">
-            <a:extLst>
-              <a:ext uri="{FF2B5EF4-FFF2-40B4-BE49-F238E27FC236}">
-                <a16:creationId xmlns:a16="http://schemas.microsoft.com/office/drawing/2014/main" id="{79C17C9C-DD52-1622-9D50-E77CB560D9C0}"/>
+          <p:cNvPr id="7" name="Picture 6">
+            <a:extLst>
+              <a:ext uri="{FF2B5EF4-FFF2-40B4-BE49-F238E27FC236}">
+                <a16:creationId xmlns:a16="http://schemas.microsoft.com/office/drawing/2014/main" id="{F9EE66E7-21D5-39DE-88CE-8F6672410B75}"/>
               </a:ext>
             </a:extLst>
           </p:cNvPr>
@@ -18082,8 +18076,8 @@
         </p:blipFill>
         <p:spPr>
           <a:xfrm>
-            <a:off x="94444" y="1173587"/>
-            <a:ext cx="12048843" cy="2565656"/>
+            <a:off x="94444" y="1032886"/>
+            <a:ext cx="11739369" cy="3196214"/>
           </a:xfrm>
           <a:prstGeom prst="rect">
             <a:avLst/>
@@ -18092,10 +18086,10 @@
       </p:pic>
       <p:sp>
         <p:nvSpPr>
-          <p:cNvPr id="3" name="TextBox 2">
-            <a:extLst>
-              <a:ext uri="{FF2B5EF4-FFF2-40B4-BE49-F238E27FC236}">
-                <a16:creationId xmlns:a16="http://schemas.microsoft.com/office/drawing/2014/main" id="{584C6ED6-D2FF-7195-BF7C-7E9060A51E58}"/>
+          <p:cNvPr id="8" name="TextBox 7">
+            <a:extLst>
+              <a:ext uri="{FF2B5EF4-FFF2-40B4-BE49-F238E27FC236}">
+                <a16:creationId xmlns:a16="http://schemas.microsoft.com/office/drawing/2014/main" id="{27A447D3-D98D-C71D-E512-B1FF0F72F452}"/>
               </a:ext>
             </a:extLst>
           </p:cNvPr>
@@ -18104,8 +18098,8 @@
         </p:nvSpPr>
         <p:spPr>
           <a:xfrm>
-            <a:off x="48711" y="3956888"/>
-            <a:ext cx="12003110" cy="1200329"/>
+            <a:off x="94445" y="4233324"/>
+            <a:ext cx="12003110" cy="2831544"/>
           </a:xfrm>
           <a:prstGeom prst="rect">
             <a:avLst/>
@@ -18119,50 +18113,195 @@
           <a:lstStyle/>
           <a:p>
             <a:r>
-              <a:rPr lang="en-FR" dirty="0">
-                <a:latin typeface="Helvetica Neue Thin" panose="020B0403020202020204" pitchFamily="34" charset="0"/>
-                <a:ea typeface="Helvetica Neue Thin" panose="020B0403020202020204" pitchFamily="34" charset="0"/>
-              </a:rPr>
-              <a:t>0.0653145 , 0.06464634, 0.0649695 , 0.04611472, 0.04581588,</a:t>
-            </a:r>
-          </a:p>
-          <a:p>
-            <a:r>
-              <a:rPr lang="en-FR" dirty="0">
-                <a:latin typeface="Helvetica Neue Thin" panose="020B0403020202020204" pitchFamily="34" charset="0"/>
-                <a:ea typeface="Helvetica Neue Thin" panose="020B0403020202020204" pitchFamily="34" charset="0"/>
-              </a:rPr>
-              <a:t>       0.04648112, 0.07927201, 0.07812757, 0.07973191, 0.03215312,</a:t>
-            </a:r>
-          </a:p>
-          <a:p>
-            <a:r>
-              <a:rPr lang="en-FR" dirty="0">
-                <a:latin typeface="Helvetica Neue Thin" panose="020B0403020202020204" pitchFamily="34" charset="0"/>
-                <a:ea typeface="Helvetica Neue Thin" panose="020B0403020202020204" pitchFamily="34" charset="0"/>
-              </a:rPr>
-              <a:t>       0.032337  , 0.03169428, 0.0653217 , 0.06463193, 0.06497671,</a:t>
-            </a:r>
-          </a:p>
-          <a:p>
-            <a:r>
-              <a:rPr lang="en-FR" dirty="0">
-                <a:latin typeface="Helvetica Neue Thin" panose="020B0403020202020204" pitchFamily="34" charset="0"/>
-                <a:ea typeface="Helvetica Neue Thin" panose="020B0403020202020204" pitchFamily="34" charset="0"/>
-              </a:rPr>
-              <a:t>       0.04611525, 0.04581657, 0.0464799 ]</a:t>
-            </a:r>
+              <a:rPr lang="en-GB" dirty="0">
+                <a:latin typeface="Helvetica Neue Thin" panose="020B0403020202020204" pitchFamily="34" charset="0"/>
+                <a:ea typeface="Helvetica Neue Thin" panose="020B0403020202020204" pitchFamily="34" charset="0"/>
+              </a:rPr>
+              <a:t>Proc 1 : 14774 times</a:t>
+            </a:r>
+          </a:p>
+          <a:p>
+            <a:r>
+              <a:rPr lang="en-GB" dirty="0">
+                <a:latin typeface="Helvetica Neue Thin" panose="020B0403020202020204" pitchFamily="34" charset="0"/>
+                <a:ea typeface="Helvetica Neue Thin" panose="020B0403020202020204" pitchFamily="34" charset="0"/>
+              </a:rPr>
+              <a:t>Proc 2 : 14501 times</a:t>
+            </a:r>
+          </a:p>
+          <a:p>
+            <a:r>
+              <a:rPr lang="en-GB" dirty="0">
+                <a:latin typeface="Helvetica Neue Thin" panose="020B0403020202020204" pitchFamily="34" charset="0"/>
+                <a:ea typeface="Helvetica Neue Thin" panose="020B0403020202020204" pitchFamily="34" charset="0"/>
+              </a:rPr>
+              <a:t>Proc 3 : 14367 times</a:t>
+            </a:r>
+          </a:p>
+          <a:p>
+            <a:r>
+              <a:rPr lang="en-GB" dirty="0">
+                <a:latin typeface="Helvetica Neue Thin" panose="020B0403020202020204" pitchFamily="34" charset="0"/>
+                <a:ea typeface="Helvetica Neue Thin" panose="020B0403020202020204" pitchFamily="34" charset="0"/>
+              </a:rPr>
+              <a:t>Transition inv_2 : 4248 times</a:t>
+            </a:r>
+          </a:p>
+          <a:p>
+            <a:r>
+              <a:rPr lang="en-GB" dirty="0">
+                <a:latin typeface="Helvetica Neue Thin" panose="020B0403020202020204" pitchFamily="34" charset="0"/>
+                <a:ea typeface="Helvetica Neue Thin" panose="020B0403020202020204" pitchFamily="34" charset="0"/>
+              </a:rPr>
+              <a:t>Transition inv_1 : 10298 times</a:t>
+            </a:r>
+          </a:p>
+          <a:p>
+            <a:r>
+              <a:rPr lang="en-GB" dirty="0">
+                <a:latin typeface="Helvetica Neue Thin" panose="020B0403020202020204" pitchFamily="34" charset="0"/>
+                <a:ea typeface="Helvetica Neue Thin" panose="020B0403020202020204" pitchFamily="34" charset="0"/>
+              </a:rPr>
+              <a:t>Transition </a:t>
+            </a:r>
+            <a:r>
+              <a:rPr lang="en-GB" dirty="0" err="1">
+                <a:latin typeface="Helvetica Neue Thin" panose="020B0403020202020204" pitchFamily="34" charset="0"/>
+                <a:ea typeface="Helvetica Neue Thin" panose="020B0403020202020204" pitchFamily="34" charset="0"/>
+              </a:rPr>
+              <a:t>req_shared</a:t>
+            </a:r>
+            <a:r>
+              <a:rPr lang="en-GB" dirty="0">
+                <a:latin typeface="Helvetica Neue Thin" panose="020B0403020202020204" pitchFamily="34" charset="0"/>
+                <a:ea typeface="Helvetica Neue Thin" panose="020B0403020202020204" pitchFamily="34" charset="0"/>
+              </a:rPr>
+              <a:t> : 6117 times</a:t>
+            </a:r>
+          </a:p>
+          <a:p>
+            <a:r>
+              <a:rPr lang="en-GB" dirty="0">
+                <a:latin typeface="Helvetica Neue Thin" panose="020B0403020202020204" pitchFamily="34" charset="0"/>
+                <a:ea typeface="Helvetica Neue Thin" panose="020B0403020202020204" pitchFamily="34" charset="0"/>
+              </a:rPr>
+              <a:t>Transition </a:t>
+            </a:r>
+            <a:r>
+              <a:rPr lang="en-GB" dirty="0" err="1">
+                <a:latin typeface="Helvetica Neue Thin" panose="020B0403020202020204" pitchFamily="34" charset="0"/>
+                <a:ea typeface="Helvetica Neue Thin" panose="020B0403020202020204" pitchFamily="34" charset="0"/>
+              </a:rPr>
+              <a:t>req_exclusive</a:t>
+            </a:r>
+            <a:r>
+              <a:rPr lang="en-GB" dirty="0">
+                <a:latin typeface="Helvetica Neue Thin" panose="020B0403020202020204" pitchFamily="34" charset="0"/>
+                <a:ea typeface="Helvetica Neue Thin" panose="020B0403020202020204" pitchFamily="34" charset="0"/>
+              </a:rPr>
+              <a:t> : 8431 times</a:t>
+            </a:r>
+          </a:p>
+          <a:p>
+            <a:r>
+              <a:rPr lang="en-GB" dirty="0">
+                <a:latin typeface="Helvetica Neue Thin" panose="020B0403020202020204" pitchFamily="34" charset="0"/>
+                <a:ea typeface="Helvetica Neue Thin" panose="020B0403020202020204" pitchFamily="34" charset="0"/>
+              </a:rPr>
+              <a:t>Transition </a:t>
+            </a:r>
+            <a:r>
+              <a:rPr lang="en-GB" dirty="0" err="1">
+                <a:latin typeface="Helvetica Neue Thin" panose="020B0403020202020204" pitchFamily="34" charset="0"/>
+                <a:ea typeface="Helvetica Neue Thin" panose="020B0403020202020204" pitchFamily="34" charset="0"/>
+              </a:rPr>
+              <a:t>gnt_exclusive</a:t>
+            </a:r>
+            <a:r>
+              <a:rPr lang="en-GB" dirty="0">
+                <a:latin typeface="Helvetica Neue Thin" panose="020B0403020202020204" pitchFamily="34" charset="0"/>
+                <a:ea typeface="Helvetica Neue Thin" panose="020B0403020202020204" pitchFamily="34" charset="0"/>
+              </a:rPr>
+              <a:t> : 8431 times</a:t>
+            </a:r>
+          </a:p>
+          <a:p>
+            <a:r>
+              <a:rPr lang="en-GB" dirty="0">
+                <a:latin typeface="Helvetica Neue Thin" panose="020B0403020202020204" pitchFamily="34" charset="0"/>
+                <a:ea typeface="Helvetica Neue Thin" panose="020B0403020202020204" pitchFamily="34" charset="0"/>
+              </a:rPr>
+              <a:t>Transition </a:t>
+            </a:r>
+            <a:r>
+              <a:rPr lang="en-GB" dirty="0" err="1">
+                <a:latin typeface="Helvetica Neue Thin" panose="020B0403020202020204" pitchFamily="34" charset="0"/>
+                <a:ea typeface="Helvetica Neue Thin" panose="020B0403020202020204" pitchFamily="34" charset="0"/>
+              </a:rPr>
+              <a:t>gnt_shared</a:t>
+            </a:r>
+            <a:r>
+              <a:rPr lang="en-GB" dirty="0">
+                <a:latin typeface="Helvetica Neue Thin" panose="020B0403020202020204" pitchFamily="34" charset="0"/>
+                <a:ea typeface="Helvetica Neue Thin" panose="020B0403020202020204" pitchFamily="34" charset="0"/>
+              </a:rPr>
+              <a:t> : 6117 times</a:t>
+            </a:r>
+            <a:endParaRPr lang="en-FR" dirty="0">
+              <a:latin typeface="Helvetica Neue Thin" panose="020B0403020202020204" pitchFamily="34" charset="0"/>
+              <a:ea typeface="Helvetica Neue Thin" panose="020B0403020202020204" pitchFamily="34" charset="0"/>
+            </a:endParaRPr>
+          </a:p>
+          <a:p>
             <a:endParaRPr lang="en-GB" sz="1600" dirty="0">
               <a:latin typeface="Helvetica Neue Thin" panose="020B0403020202020204" pitchFamily="34" charset="0"/>
               <a:ea typeface="Helvetica Neue Thin" panose="020B0403020202020204" pitchFamily="34" charset="0"/>
             </a:endParaRPr>
+          </a:p>
+        </p:txBody>
+      </p:sp>
+      <p:sp>
+        <p:nvSpPr>
+          <p:cNvPr id="9" name="TextBox 8">
+            <a:extLst>
+              <a:ext uri="{FF2B5EF4-FFF2-40B4-BE49-F238E27FC236}">
+                <a16:creationId xmlns:a16="http://schemas.microsoft.com/office/drawing/2014/main" id="{037C8E69-1F48-6DFA-71E7-D6205D67E09E}"/>
+              </a:ext>
+            </a:extLst>
+          </p:cNvPr>
+          <p:cNvSpPr txBox="1"/>
+          <p:nvPr/>
+        </p:nvSpPr>
+        <p:spPr>
+          <a:xfrm>
+            <a:off x="4650116" y="4229100"/>
+            <a:ext cx="12003110" cy="338554"/>
+          </a:xfrm>
+          <a:prstGeom prst="rect">
+            <a:avLst/>
+          </a:prstGeom>
+          <a:noFill/>
+        </p:spPr>
+        <p:txBody>
+          <a:bodyPr wrap="square" rtlCol="0">
+            <a:spAutoFit/>
+          </a:bodyPr>
+          <a:lstStyle/>
+          <a:p>
+            <a:r>
+              <a:rPr lang="en-GB" sz="1600" dirty="0">
+                <a:latin typeface="Helvetica Neue Thin" panose="020B0403020202020204" pitchFamily="34" charset="0"/>
+                <a:ea typeface="Helvetica Neue Thin" panose="020B0403020202020204" pitchFamily="34" charset="0"/>
+              </a:rPr>
+              <a:t>0.19319739, 0.14014888, 0.23597992, 0.09732752, 0.19319739, 0.14014888]</a:t>
+            </a:r>
           </a:p>
         </p:txBody>
       </p:sp>
     </p:spTree>
     <p:extLst>
       <p:ext uri="{BB962C8B-B14F-4D97-AF65-F5344CB8AC3E}">
-        <p14:creationId xmlns:p14="http://schemas.microsoft.com/office/powerpoint/2010/main" val="590287067"/>
+        <p14:creationId xmlns:p14="http://schemas.microsoft.com/office/powerpoint/2010/main" val="470401157"/>
       </p:ext>
     </p:extLst>
   </p:cSld>
@@ -18204,7 +18343,7 @@
         <p:spPr>
           <a:xfrm>
             <a:off x="94445" y="123726"/>
-            <a:ext cx="7456093" cy="400110"/>
+            <a:ext cx="7456093" cy="461665"/>
           </a:xfrm>
           <a:prstGeom prst="rect">
             <a:avLst/>
@@ -18218,12 +18357,23 @@
           <a:lstStyle/>
           <a:p>
             <a:r>
-              <a:rPr lang="en-FR" sz="2000" dirty="0">
-                <a:latin typeface="Helvetica Neue Thin" panose="020B0403020202020204" pitchFamily="34" charset="0"/>
-                <a:ea typeface="Helvetica Neue Thin" panose="020B0403020202020204" pitchFamily="34" charset="0"/>
-              </a:rPr>
-              <a:t>Non-ergodic [random example of a non-ergodic system]</a:t>
-            </a:r>
+              <a:rPr lang="en-US" sz="2400" dirty="0" err="1">
+                <a:latin typeface="Helvetica Neue Thin" panose="020B0403020202020204" pitchFamily="34" charset="0"/>
+                <a:ea typeface="Helvetica Neue Thin" panose="020B0403020202020204" pitchFamily="34" charset="0"/>
+              </a:rPr>
+              <a:t>Germanish</a:t>
+            </a:r>
+            <a:r>
+              <a:rPr lang="en-US" sz="2400" dirty="0">
+                <a:latin typeface="Helvetica Neue Thin" panose="020B0403020202020204" pitchFamily="34" charset="0"/>
+                <a:ea typeface="Helvetica Neue Thin" panose="020B0403020202020204" pitchFamily="34" charset="0"/>
+              </a:rPr>
+              <a:t> [test-run maximizing entropy]</a:t>
+            </a:r>
+            <a:endParaRPr lang="en-FR" sz="2000" dirty="0">
+              <a:latin typeface="Helvetica Neue Thin" panose="020B0403020202020204" pitchFamily="34" charset="0"/>
+              <a:ea typeface="Helvetica Neue Thin" panose="020B0403020202020204" pitchFamily="34" charset="0"/>
+            </a:endParaRPr>
           </a:p>
         </p:txBody>
       </p:sp>
@@ -18267,7 +18417,7 @@
                 <a:latin typeface="Helvetica Neue Thin" panose="020B0403020202020204" pitchFamily="34" charset="0"/>
                 <a:ea typeface="Helvetica Neue Thin" panose="020B0403020202020204" pitchFamily="34" charset="0"/>
               </a:rPr>
-              <a:t>non_ergodic2.cub1678280563.data</a:t>
+              <a:t>germanish.cub1678226953.data</a:t>
             </a:r>
             <a:endParaRPr lang="en-GB" sz="1600" dirty="0">
               <a:latin typeface="Helvetica Neue Thin" panose="020B0403020202020204" pitchFamily="34" charset="0"/>
@@ -18300,6 +18450,251 @@
             <a:fld id="{4A936E34-E911-F947-B710-F12161D09F63}" type="slidenum">
               <a:rPr lang="en-FR" smtClean="0"/>
               <a:t>32</a:t>
+            </a:fld>
+            <a:endParaRPr lang="en-FR"/>
+          </a:p>
+        </p:txBody>
+      </p:sp>
+      <p:pic>
+        <p:nvPicPr>
+          <p:cNvPr id="2" name="Picture 1">
+            <a:extLst>
+              <a:ext uri="{FF2B5EF4-FFF2-40B4-BE49-F238E27FC236}">
+                <a16:creationId xmlns:a16="http://schemas.microsoft.com/office/drawing/2014/main" id="{79C17C9C-DD52-1622-9D50-E77CB560D9C0}"/>
+              </a:ext>
+            </a:extLst>
+          </p:cNvPr>
+          <p:cNvPicPr>
+            <a:picLocks noChangeAspect="1"/>
+          </p:cNvPicPr>
+          <p:nvPr/>
+        </p:nvPicPr>
+        <p:blipFill>
+          <a:blip r:embed="rId2"/>
+          <a:stretch>
+            <a:fillRect/>
+          </a:stretch>
+        </p:blipFill>
+        <p:spPr>
+          <a:xfrm>
+            <a:off x="94444" y="1173587"/>
+            <a:ext cx="12048843" cy="2565656"/>
+          </a:xfrm>
+          <a:prstGeom prst="rect">
+            <a:avLst/>
+          </a:prstGeom>
+        </p:spPr>
+      </p:pic>
+      <p:sp>
+        <p:nvSpPr>
+          <p:cNvPr id="3" name="TextBox 2">
+            <a:extLst>
+              <a:ext uri="{FF2B5EF4-FFF2-40B4-BE49-F238E27FC236}">
+                <a16:creationId xmlns:a16="http://schemas.microsoft.com/office/drawing/2014/main" id="{584C6ED6-D2FF-7195-BF7C-7E9060A51E58}"/>
+              </a:ext>
+            </a:extLst>
+          </p:cNvPr>
+          <p:cNvSpPr txBox="1"/>
+          <p:nvPr/>
+        </p:nvSpPr>
+        <p:spPr>
+          <a:xfrm>
+            <a:off x="48711" y="3956888"/>
+            <a:ext cx="12003110" cy="1200329"/>
+          </a:xfrm>
+          <a:prstGeom prst="rect">
+            <a:avLst/>
+          </a:prstGeom>
+          <a:noFill/>
+        </p:spPr>
+        <p:txBody>
+          <a:bodyPr wrap="square" rtlCol="0">
+            <a:spAutoFit/>
+          </a:bodyPr>
+          <a:lstStyle/>
+          <a:p>
+            <a:r>
+              <a:rPr lang="en-FR" dirty="0">
+                <a:latin typeface="Helvetica Neue Thin" panose="020B0403020202020204" pitchFamily="34" charset="0"/>
+                <a:ea typeface="Helvetica Neue Thin" panose="020B0403020202020204" pitchFamily="34" charset="0"/>
+              </a:rPr>
+              <a:t>0.0653145 , 0.06464634, 0.0649695 , 0.04611472, 0.04581588,</a:t>
+            </a:r>
+          </a:p>
+          <a:p>
+            <a:r>
+              <a:rPr lang="en-FR" dirty="0">
+                <a:latin typeface="Helvetica Neue Thin" panose="020B0403020202020204" pitchFamily="34" charset="0"/>
+                <a:ea typeface="Helvetica Neue Thin" panose="020B0403020202020204" pitchFamily="34" charset="0"/>
+              </a:rPr>
+              <a:t>       0.04648112, 0.07927201, 0.07812757, 0.07973191, 0.03215312,</a:t>
+            </a:r>
+          </a:p>
+          <a:p>
+            <a:r>
+              <a:rPr lang="en-FR" dirty="0">
+                <a:latin typeface="Helvetica Neue Thin" panose="020B0403020202020204" pitchFamily="34" charset="0"/>
+                <a:ea typeface="Helvetica Neue Thin" panose="020B0403020202020204" pitchFamily="34" charset="0"/>
+              </a:rPr>
+              <a:t>       0.032337  , 0.03169428, 0.0653217 , 0.06463193, 0.06497671,</a:t>
+            </a:r>
+          </a:p>
+          <a:p>
+            <a:r>
+              <a:rPr lang="en-FR" dirty="0">
+                <a:latin typeface="Helvetica Neue Thin" panose="020B0403020202020204" pitchFamily="34" charset="0"/>
+                <a:ea typeface="Helvetica Neue Thin" panose="020B0403020202020204" pitchFamily="34" charset="0"/>
+              </a:rPr>
+              <a:t>       0.04611525, 0.04581657, 0.0464799 ]</a:t>
+            </a:r>
+            <a:endParaRPr lang="en-GB" sz="1600" dirty="0">
+              <a:latin typeface="Helvetica Neue Thin" panose="020B0403020202020204" pitchFamily="34" charset="0"/>
+              <a:ea typeface="Helvetica Neue Thin" panose="020B0403020202020204" pitchFamily="34" charset="0"/>
+            </a:endParaRPr>
+          </a:p>
+        </p:txBody>
+      </p:sp>
+    </p:spTree>
+    <p:extLst>
+      <p:ext uri="{BB962C8B-B14F-4D97-AF65-F5344CB8AC3E}">
+        <p14:creationId xmlns:p14="http://schemas.microsoft.com/office/powerpoint/2010/main" val="590287067"/>
+      </p:ext>
+    </p:extLst>
+  </p:cSld>
+  <p:clrMapOvr>
+    <a:masterClrMapping/>
+  </p:clrMapOvr>
+</p:sld>
+</file>
+
+<file path=ppt/slides/slide33.xml><?xml version="1.0" encoding="utf-8"?>
+<p:sld xmlns:a="http://schemas.openxmlformats.org/drawingml/2006/main" xmlns:r="http://schemas.openxmlformats.org/officeDocument/2006/relationships" xmlns:p="http://schemas.openxmlformats.org/presentationml/2006/main">
+  <p:cSld>
+    <p:spTree>
+      <p:nvGrpSpPr>
+        <p:cNvPr id="1" name=""/>
+        <p:cNvGrpSpPr/>
+        <p:nvPr/>
+      </p:nvGrpSpPr>
+      <p:grpSpPr>
+        <a:xfrm>
+          <a:off x="0" y="0"/>
+          <a:ext cx="0" cy="0"/>
+          <a:chOff x="0" y="0"/>
+          <a:chExt cx="0" cy="0"/>
+        </a:xfrm>
+      </p:grpSpPr>
+      <p:sp>
+        <p:nvSpPr>
+          <p:cNvPr id="4" name="TextBox 3">
+            <a:extLst>
+              <a:ext uri="{FF2B5EF4-FFF2-40B4-BE49-F238E27FC236}">
+                <a16:creationId xmlns:a16="http://schemas.microsoft.com/office/drawing/2014/main" id="{10DEA0E4-DA7F-E905-D91F-6C01DD4C8C81}"/>
+              </a:ext>
+            </a:extLst>
+          </p:cNvPr>
+          <p:cNvSpPr txBox="1"/>
+          <p:nvPr/>
+        </p:nvSpPr>
+        <p:spPr>
+          <a:xfrm>
+            <a:off x="94445" y="123726"/>
+            <a:ext cx="7456093" cy="400110"/>
+          </a:xfrm>
+          <a:prstGeom prst="rect">
+            <a:avLst/>
+          </a:prstGeom>
+          <a:noFill/>
+        </p:spPr>
+        <p:txBody>
+          <a:bodyPr wrap="square" rtlCol="0">
+            <a:spAutoFit/>
+          </a:bodyPr>
+          <a:lstStyle/>
+          <a:p>
+            <a:r>
+              <a:rPr lang="en-FR" sz="2000" dirty="0">
+                <a:latin typeface="Helvetica Neue Thin" panose="020B0403020202020204" pitchFamily="34" charset="0"/>
+                <a:ea typeface="Helvetica Neue Thin" panose="020B0403020202020204" pitchFamily="34" charset="0"/>
+              </a:rPr>
+              <a:t>Non-ergodic [random example of a non-ergodic system]</a:t>
+            </a:r>
+          </a:p>
+        </p:txBody>
+      </p:sp>
+      <p:sp>
+        <p:nvSpPr>
+          <p:cNvPr id="5" name="TextBox 4">
+            <a:extLst>
+              <a:ext uri="{FF2B5EF4-FFF2-40B4-BE49-F238E27FC236}">
+                <a16:creationId xmlns:a16="http://schemas.microsoft.com/office/drawing/2014/main" id="{D51E0414-BA4B-94E1-C01E-E0863EDB6501}"/>
+              </a:ext>
+            </a:extLst>
+          </p:cNvPr>
+          <p:cNvSpPr txBox="1"/>
+          <p:nvPr/>
+        </p:nvSpPr>
+        <p:spPr>
+          <a:xfrm>
+            <a:off x="94445" y="586610"/>
+            <a:ext cx="12003110" cy="369332"/>
+          </a:xfrm>
+          <a:prstGeom prst="rect">
+            <a:avLst/>
+          </a:prstGeom>
+          <a:noFill/>
+        </p:spPr>
+        <p:txBody>
+          <a:bodyPr wrap="square" rtlCol="0">
+            <a:spAutoFit/>
+          </a:bodyPr>
+          <a:lstStyle/>
+          <a:p>
+            <a:r>
+              <a:rPr lang="en-FR" dirty="0">
+                <a:latin typeface="Helvetica Neue Thin" panose="020B0403020202020204" pitchFamily="34" charset="0"/>
+                <a:ea typeface="Helvetica Neue Thin" panose="020B0403020202020204" pitchFamily="34" charset="0"/>
+              </a:rPr>
+              <a:t>Log file: </a:t>
+            </a:r>
+            <a:r>
+              <a:rPr lang="en-GB" dirty="0">
+                <a:latin typeface="Helvetica Neue Thin" panose="020B0403020202020204" pitchFamily="34" charset="0"/>
+                <a:ea typeface="Helvetica Neue Thin" panose="020B0403020202020204" pitchFamily="34" charset="0"/>
+              </a:rPr>
+              <a:t>non_ergodic2.cub1678280563.data</a:t>
+            </a:r>
+            <a:endParaRPr lang="en-GB" sz="1600" dirty="0">
+              <a:latin typeface="Helvetica Neue Thin" panose="020B0403020202020204" pitchFamily="34" charset="0"/>
+              <a:ea typeface="Helvetica Neue Thin" panose="020B0403020202020204" pitchFamily="34" charset="0"/>
+            </a:endParaRPr>
+          </a:p>
+        </p:txBody>
+      </p:sp>
+      <p:sp>
+        <p:nvSpPr>
+          <p:cNvPr id="6" name="Slide Number Placeholder 5">
+            <a:extLst>
+              <a:ext uri="{FF2B5EF4-FFF2-40B4-BE49-F238E27FC236}">
+                <a16:creationId xmlns:a16="http://schemas.microsoft.com/office/drawing/2014/main" id="{959BDB26-40E4-9CF6-297E-539B90F4FB2E}"/>
+              </a:ext>
+            </a:extLst>
+          </p:cNvPr>
+          <p:cNvSpPr>
+            <a:spLocks noGrp="1"/>
+          </p:cNvSpPr>
+          <p:nvPr>
+            <p:ph type="sldNum" sz="quarter" idx="12"/>
+          </p:nvPr>
+        </p:nvSpPr>
+        <p:spPr/>
+        <p:txBody>
+          <a:bodyPr/>
+          <a:lstStyle/>
+          <a:p>
+            <a:fld id="{4A936E34-E911-F947-B710-F12161D09F63}" type="slidenum">
+              <a:rPr lang="en-FR" smtClean="0"/>
+              <a:t>33</a:t>
             </a:fld>
             <a:endParaRPr lang="en-FR"/>
           </a:p>
@@ -18425,7 +18820,7 @@
 </p:sld>
 </file>
 
-<file path=ppt/slides/slide33.xml><?xml version="1.0" encoding="utf-8"?>
+<file path=ppt/slides/slide34.xml><?xml version="1.0" encoding="utf-8"?>
 <p:sld xmlns:a="http://schemas.openxmlformats.org/drawingml/2006/main" xmlns:r="http://schemas.openxmlformats.org/officeDocument/2006/relationships" xmlns:p="http://schemas.openxmlformats.org/presentationml/2006/main">
   <p:cSld>
     <p:spTree>
@@ -18552,7 +18947,7 @@
           <a:p>
             <a:fld id="{4A936E34-E911-F947-B710-F12161D09F63}" type="slidenum">
               <a:rPr lang="en-FR" smtClean="0"/>
-              <a:t>33</a:t>
+              <a:t>34</a:t>
             </a:fld>
             <a:endParaRPr lang="en-FR"/>
           </a:p>
@@ -18641,245 +19036,6 @@
     <p:extLst>
       <p:ext uri="{BB962C8B-B14F-4D97-AF65-F5344CB8AC3E}">
         <p14:creationId xmlns:p14="http://schemas.microsoft.com/office/powerpoint/2010/main" val="196940392"/>
-      </p:ext>
-    </p:extLst>
-  </p:cSld>
-  <p:clrMapOvr>
-    <a:masterClrMapping/>
-  </p:clrMapOvr>
-</p:sld>
-</file>
-
-<file path=ppt/slides/slide34.xml><?xml version="1.0" encoding="utf-8"?>
-<p:sld xmlns:a="http://schemas.openxmlformats.org/drawingml/2006/main" xmlns:r="http://schemas.openxmlformats.org/officeDocument/2006/relationships" xmlns:p="http://schemas.openxmlformats.org/presentationml/2006/main">
-  <p:cSld>
-    <p:spTree>
-      <p:nvGrpSpPr>
-        <p:cNvPr id="1" name=""/>
-        <p:cNvGrpSpPr/>
-        <p:nvPr/>
-      </p:nvGrpSpPr>
-      <p:grpSpPr>
-        <a:xfrm>
-          <a:off x="0" y="0"/>
-          <a:ext cx="0" cy="0"/>
-          <a:chOff x="0" y="0"/>
-          <a:chExt cx="0" cy="0"/>
-        </a:xfrm>
-      </p:grpSpPr>
-      <p:sp>
-        <p:nvSpPr>
-          <p:cNvPr id="4" name="TextBox 3">
-            <a:extLst>
-              <a:ext uri="{FF2B5EF4-FFF2-40B4-BE49-F238E27FC236}">
-                <a16:creationId xmlns:a16="http://schemas.microsoft.com/office/drawing/2014/main" id="{10DEA0E4-DA7F-E905-D91F-6C01DD4C8C81}"/>
-              </a:ext>
-            </a:extLst>
-          </p:cNvPr>
-          <p:cNvSpPr txBox="1"/>
-          <p:nvPr/>
-        </p:nvSpPr>
-        <p:spPr>
-          <a:xfrm>
-            <a:off x="94445" y="123726"/>
-            <a:ext cx="12003110" cy="461665"/>
-          </a:xfrm>
-          <a:prstGeom prst="rect">
-            <a:avLst/>
-          </a:prstGeom>
-          <a:noFill/>
-        </p:spPr>
-        <p:txBody>
-          <a:bodyPr wrap="square" rtlCol="0">
-            <a:spAutoFit/>
-          </a:bodyPr>
-          <a:lstStyle/>
-          <a:p>
-            <a:r>
-              <a:rPr lang="en-US" sz="2400" dirty="0">
-                <a:effectLst/>
-                <a:latin typeface="Abadi Extra Light" panose="020B0204020104020204" pitchFamily="34" charset="0"/>
-                <a:ea typeface="Calibri" panose="020F0502020204030204" pitchFamily="34" charset="0"/>
-                <a:cs typeface="Times New Roman" panose="02020603050405020304" pitchFamily="18" charset="0"/>
-              </a:rPr>
-              <a:t>Consensus_V9.cub [the </a:t>
-            </a:r>
-            <a:r>
-              <a:rPr lang="en-US" sz="2400" dirty="0" err="1">
-                <a:effectLst/>
-                <a:latin typeface="Abadi Extra Light" panose="020B0204020104020204" pitchFamily="34" charset="0"/>
-                <a:ea typeface="Calibri" panose="020F0502020204030204" pitchFamily="34" charset="0"/>
-                <a:cs typeface="Times New Roman" panose="02020603050405020304" pitchFamily="18" charset="0"/>
-              </a:rPr>
-              <a:t>livelock</a:t>
-            </a:r>
-            <a:r>
-              <a:rPr lang="en-US" sz="2400" dirty="0">
-                <a:effectLst/>
-                <a:latin typeface="Abadi Extra Light" panose="020B0204020104020204" pitchFamily="34" charset="0"/>
-                <a:ea typeface="Calibri" panose="020F0502020204030204" pitchFamily="34" charset="0"/>
-                <a:cs typeface="Times New Roman" panose="02020603050405020304" pitchFamily="18" charset="0"/>
-              </a:rPr>
-              <a:t> consensus algorithm from when we were looking for deadlocks]</a:t>
-            </a:r>
-            <a:endParaRPr lang="en-FR" sz="2400" dirty="0">
-              <a:effectLst/>
-              <a:latin typeface="Calibri" panose="020F0502020204030204" pitchFamily="34" charset="0"/>
-              <a:ea typeface="Calibri" panose="020F0502020204030204" pitchFamily="34" charset="0"/>
-              <a:cs typeface="Times New Roman" panose="02020603050405020304" pitchFamily="18" charset="0"/>
-            </a:endParaRPr>
-          </a:p>
-        </p:txBody>
-      </p:sp>
-      <p:sp>
-        <p:nvSpPr>
-          <p:cNvPr id="5" name="TextBox 4">
-            <a:extLst>
-              <a:ext uri="{FF2B5EF4-FFF2-40B4-BE49-F238E27FC236}">
-                <a16:creationId xmlns:a16="http://schemas.microsoft.com/office/drawing/2014/main" id="{D51E0414-BA4B-94E1-C01E-E0863EDB6501}"/>
-              </a:ext>
-            </a:extLst>
-          </p:cNvPr>
-          <p:cNvSpPr txBox="1"/>
-          <p:nvPr/>
-        </p:nvSpPr>
-        <p:spPr>
-          <a:xfrm>
-            <a:off x="94445" y="586610"/>
-            <a:ext cx="12003110" cy="369332"/>
-          </a:xfrm>
-          <a:prstGeom prst="rect">
-            <a:avLst/>
-          </a:prstGeom>
-          <a:noFill/>
-        </p:spPr>
-        <p:txBody>
-          <a:bodyPr wrap="square" rtlCol="0">
-            <a:spAutoFit/>
-          </a:bodyPr>
-          <a:lstStyle/>
-          <a:p>
-            <a:r>
-              <a:rPr lang="en-FR" dirty="0">
-                <a:latin typeface="Helvetica Neue Thin" panose="020B0403020202020204" pitchFamily="34" charset="0"/>
-                <a:ea typeface="Helvetica Neue Thin" panose="020B0403020202020204" pitchFamily="34" charset="0"/>
-              </a:rPr>
-              <a:t>Log file: </a:t>
-            </a:r>
-            <a:r>
-              <a:rPr lang="en-GB" dirty="0">
-                <a:latin typeface="Helvetica Neue Thin" panose="020B0403020202020204" pitchFamily="34" charset="0"/>
-                <a:ea typeface="Helvetica Neue Thin" panose="020B0403020202020204" pitchFamily="34" charset="0"/>
-              </a:rPr>
-              <a:t>consensus_V9.cub1678282461.data  consensus_V9.cub1678282688.data</a:t>
-            </a:r>
-            <a:endParaRPr lang="en-GB" sz="1600" dirty="0">
-              <a:latin typeface="Helvetica Neue Thin" panose="020B0403020202020204" pitchFamily="34" charset="0"/>
-              <a:ea typeface="Helvetica Neue Thin" panose="020B0403020202020204" pitchFamily="34" charset="0"/>
-            </a:endParaRPr>
-          </a:p>
-        </p:txBody>
-      </p:sp>
-      <p:sp>
-        <p:nvSpPr>
-          <p:cNvPr id="6" name="Slide Number Placeholder 5">
-            <a:extLst>
-              <a:ext uri="{FF2B5EF4-FFF2-40B4-BE49-F238E27FC236}">
-                <a16:creationId xmlns:a16="http://schemas.microsoft.com/office/drawing/2014/main" id="{959BDB26-40E4-9CF6-297E-539B90F4FB2E}"/>
-              </a:ext>
-            </a:extLst>
-          </p:cNvPr>
-          <p:cNvSpPr>
-            <a:spLocks noGrp="1"/>
-          </p:cNvSpPr>
-          <p:nvPr>
-            <p:ph type="sldNum" sz="quarter" idx="12"/>
-          </p:nvPr>
-        </p:nvSpPr>
-        <p:spPr/>
-        <p:txBody>
-          <a:bodyPr/>
-          <a:lstStyle/>
-          <a:p>
-            <a:fld id="{4A936E34-E911-F947-B710-F12161D09F63}" type="slidenum">
-              <a:rPr lang="en-FR" smtClean="0"/>
-              <a:t>34</a:t>
-            </a:fld>
-            <a:endParaRPr lang="en-FR"/>
-          </a:p>
-        </p:txBody>
-      </p:sp>
-      <p:sp>
-        <p:nvSpPr>
-          <p:cNvPr id="8" name="TextBox 7">
-            <a:extLst>
-              <a:ext uri="{FF2B5EF4-FFF2-40B4-BE49-F238E27FC236}">
-                <a16:creationId xmlns:a16="http://schemas.microsoft.com/office/drawing/2014/main" id="{6B852C8C-F92D-66DA-4353-E17D339A95C8}"/>
-              </a:ext>
-            </a:extLst>
-          </p:cNvPr>
-          <p:cNvSpPr txBox="1"/>
-          <p:nvPr/>
-        </p:nvSpPr>
-        <p:spPr>
-          <a:xfrm>
-            <a:off x="94445" y="1195395"/>
-            <a:ext cx="10968776" cy="1477328"/>
-          </a:xfrm>
-          <a:prstGeom prst="rect">
-            <a:avLst/>
-          </a:prstGeom>
-          <a:noFill/>
-        </p:spPr>
-        <p:txBody>
-          <a:bodyPr wrap="square" rtlCol="0">
-            <a:spAutoFit/>
-          </a:bodyPr>
-          <a:lstStyle/>
-          <a:p>
-            <a:r>
-              <a:rPr lang="en-GB" dirty="0">
-                <a:latin typeface="Helvetica Neue Thin" panose="020B0403020202020204" pitchFamily="34" charset="0"/>
-                <a:ea typeface="Helvetica Neue Thin" panose="020B0403020202020204" pitchFamily="34" charset="0"/>
-              </a:rPr>
-              <a:t>When you build an overview of the system, i.e. the grouped transitions – the matrix is fine, the Markov Chain is fine, everything looks correct. </a:t>
-            </a:r>
-          </a:p>
-          <a:p>
-            <a:endParaRPr lang="en-GB" dirty="0">
-              <a:latin typeface="Helvetica Neue Thin" panose="020B0403020202020204" pitchFamily="34" charset="0"/>
-              <a:ea typeface="Helvetica Neue Thin" panose="020B0403020202020204" pitchFamily="34" charset="0"/>
-            </a:endParaRPr>
-          </a:p>
-          <a:p>
-            <a:r>
-              <a:rPr lang="en-GB" dirty="0">
-                <a:latin typeface="Helvetica Neue Thin" panose="020B0403020202020204" pitchFamily="34" charset="0"/>
-                <a:ea typeface="Helvetica Neue Thin" panose="020B0403020202020204" pitchFamily="34" charset="0"/>
-              </a:rPr>
-              <a:t>If you build the transition matrix from the individual </a:t>
-            </a:r>
-            <a:r>
-              <a:rPr lang="en-GB" dirty="0" err="1">
-                <a:latin typeface="Helvetica Neue Thin" panose="020B0403020202020204" pitchFamily="34" charset="0"/>
-                <a:ea typeface="Helvetica Neue Thin" panose="020B0403020202020204" pitchFamily="34" charset="0"/>
-              </a:rPr>
-              <a:t>transition+process</a:t>
-            </a:r>
-            <a:r>
-              <a:rPr lang="en-GB" dirty="0">
-                <a:latin typeface="Helvetica Neue Thin" panose="020B0403020202020204" pitchFamily="34" charset="0"/>
-                <a:ea typeface="Helvetica Neue Thin" panose="020B0403020202020204" pitchFamily="34" charset="0"/>
-              </a:rPr>
-              <a:t> pairs, the matrix is not stochastic [matrix too big to copy/paste]. Somewhere something in the model goes wrong. </a:t>
-            </a:r>
-          </a:p>
-        </p:txBody>
-      </p:sp>
-    </p:spTree>
-    <p:extLst>
-      <p:ext uri="{BB962C8B-B14F-4D97-AF65-F5344CB8AC3E}">
-        <p14:creationId xmlns:p14="http://schemas.microsoft.com/office/powerpoint/2010/main" val="3294937880"/>
       </p:ext>
     </p:extLst>
   </p:cSld>
@@ -18921,6 +19077,245 @@
         <p:spPr>
           <a:xfrm>
             <a:off x="94445" y="123726"/>
+            <a:ext cx="12003110" cy="461665"/>
+          </a:xfrm>
+          <a:prstGeom prst="rect">
+            <a:avLst/>
+          </a:prstGeom>
+          <a:noFill/>
+        </p:spPr>
+        <p:txBody>
+          <a:bodyPr wrap="square" rtlCol="0">
+            <a:spAutoFit/>
+          </a:bodyPr>
+          <a:lstStyle/>
+          <a:p>
+            <a:r>
+              <a:rPr lang="en-US" sz="2400" dirty="0">
+                <a:effectLst/>
+                <a:latin typeface="Abadi Extra Light" panose="020B0204020104020204" pitchFamily="34" charset="0"/>
+                <a:ea typeface="Calibri" panose="020F0502020204030204" pitchFamily="34" charset="0"/>
+                <a:cs typeface="Times New Roman" panose="02020603050405020304" pitchFamily="18" charset="0"/>
+              </a:rPr>
+              <a:t>Consensus_V9.cub [the </a:t>
+            </a:r>
+            <a:r>
+              <a:rPr lang="en-US" sz="2400" dirty="0" err="1">
+                <a:effectLst/>
+                <a:latin typeface="Abadi Extra Light" panose="020B0204020104020204" pitchFamily="34" charset="0"/>
+                <a:ea typeface="Calibri" panose="020F0502020204030204" pitchFamily="34" charset="0"/>
+                <a:cs typeface="Times New Roman" panose="02020603050405020304" pitchFamily="18" charset="0"/>
+              </a:rPr>
+              <a:t>livelock</a:t>
+            </a:r>
+            <a:r>
+              <a:rPr lang="en-US" sz="2400" dirty="0">
+                <a:effectLst/>
+                <a:latin typeface="Abadi Extra Light" panose="020B0204020104020204" pitchFamily="34" charset="0"/>
+                <a:ea typeface="Calibri" panose="020F0502020204030204" pitchFamily="34" charset="0"/>
+                <a:cs typeface="Times New Roman" panose="02020603050405020304" pitchFamily="18" charset="0"/>
+              </a:rPr>
+              <a:t> consensus algorithm from when we were looking for deadlocks]</a:t>
+            </a:r>
+            <a:endParaRPr lang="en-FR" sz="2400" dirty="0">
+              <a:effectLst/>
+              <a:latin typeface="Calibri" panose="020F0502020204030204" pitchFamily="34" charset="0"/>
+              <a:ea typeface="Calibri" panose="020F0502020204030204" pitchFamily="34" charset="0"/>
+              <a:cs typeface="Times New Roman" panose="02020603050405020304" pitchFamily="18" charset="0"/>
+            </a:endParaRPr>
+          </a:p>
+        </p:txBody>
+      </p:sp>
+      <p:sp>
+        <p:nvSpPr>
+          <p:cNvPr id="5" name="TextBox 4">
+            <a:extLst>
+              <a:ext uri="{FF2B5EF4-FFF2-40B4-BE49-F238E27FC236}">
+                <a16:creationId xmlns:a16="http://schemas.microsoft.com/office/drawing/2014/main" id="{D51E0414-BA4B-94E1-C01E-E0863EDB6501}"/>
+              </a:ext>
+            </a:extLst>
+          </p:cNvPr>
+          <p:cNvSpPr txBox="1"/>
+          <p:nvPr/>
+        </p:nvSpPr>
+        <p:spPr>
+          <a:xfrm>
+            <a:off x="94445" y="586610"/>
+            <a:ext cx="12003110" cy="369332"/>
+          </a:xfrm>
+          <a:prstGeom prst="rect">
+            <a:avLst/>
+          </a:prstGeom>
+          <a:noFill/>
+        </p:spPr>
+        <p:txBody>
+          <a:bodyPr wrap="square" rtlCol="0">
+            <a:spAutoFit/>
+          </a:bodyPr>
+          <a:lstStyle/>
+          <a:p>
+            <a:r>
+              <a:rPr lang="en-FR" dirty="0">
+                <a:latin typeface="Helvetica Neue Thin" panose="020B0403020202020204" pitchFamily="34" charset="0"/>
+                <a:ea typeface="Helvetica Neue Thin" panose="020B0403020202020204" pitchFamily="34" charset="0"/>
+              </a:rPr>
+              <a:t>Log file: </a:t>
+            </a:r>
+            <a:r>
+              <a:rPr lang="en-GB" dirty="0">
+                <a:latin typeface="Helvetica Neue Thin" panose="020B0403020202020204" pitchFamily="34" charset="0"/>
+                <a:ea typeface="Helvetica Neue Thin" panose="020B0403020202020204" pitchFamily="34" charset="0"/>
+              </a:rPr>
+              <a:t>consensus_V9.cub1678282461.data  consensus_V9.cub1678282688.data</a:t>
+            </a:r>
+            <a:endParaRPr lang="en-GB" sz="1600" dirty="0">
+              <a:latin typeface="Helvetica Neue Thin" panose="020B0403020202020204" pitchFamily="34" charset="0"/>
+              <a:ea typeface="Helvetica Neue Thin" panose="020B0403020202020204" pitchFamily="34" charset="0"/>
+            </a:endParaRPr>
+          </a:p>
+        </p:txBody>
+      </p:sp>
+      <p:sp>
+        <p:nvSpPr>
+          <p:cNvPr id="6" name="Slide Number Placeholder 5">
+            <a:extLst>
+              <a:ext uri="{FF2B5EF4-FFF2-40B4-BE49-F238E27FC236}">
+                <a16:creationId xmlns:a16="http://schemas.microsoft.com/office/drawing/2014/main" id="{959BDB26-40E4-9CF6-297E-539B90F4FB2E}"/>
+              </a:ext>
+            </a:extLst>
+          </p:cNvPr>
+          <p:cNvSpPr>
+            <a:spLocks noGrp="1"/>
+          </p:cNvSpPr>
+          <p:nvPr>
+            <p:ph type="sldNum" sz="quarter" idx="12"/>
+          </p:nvPr>
+        </p:nvSpPr>
+        <p:spPr/>
+        <p:txBody>
+          <a:bodyPr/>
+          <a:lstStyle/>
+          <a:p>
+            <a:fld id="{4A936E34-E911-F947-B710-F12161D09F63}" type="slidenum">
+              <a:rPr lang="en-FR" smtClean="0"/>
+              <a:t>35</a:t>
+            </a:fld>
+            <a:endParaRPr lang="en-FR"/>
+          </a:p>
+        </p:txBody>
+      </p:sp>
+      <p:sp>
+        <p:nvSpPr>
+          <p:cNvPr id="8" name="TextBox 7">
+            <a:extLst>
+              <a:ext uri="{FF2B5EF4-FFF2-40B4-BE49-F238E27FC236}">
+                <a16:creationId xmlns:a16="http://schemas.microsoft.com/office/drawing/2014/main" id="{6B852C8C-F92D-66DA-4353-E17D339A95C8}"/>
+              </a:ext>
+            </a:extLst>
+          </p:cNvPr>
+          <p:cNvSpPr txBox="1"/>
+          <p:nvPr/>
+        </p:nvSpPr>
+        <p:spPr>
+          <a:xfrm>
+            <a:off x="94445" y="1195395"/>
+            <a:ext cx="10968776" cy="1477328"/>
+          </a:xfrm>
+          <a:prstGeom prst="rect">
+            <a:avLst/>
+          </a:prstGeom>
+          <a:noFill/>
+        </p:spPr>
+        <p:txBody>
+          <a:bodyPr wrap="square" rtlCol="0">
+            <a:spAutoFit/>
+          </a:bodyPr>
+          <a:lstStyle/>
+          <a:p>
+            <a:r>
+              <a:rPr lang="en-GB" dirty="0">
+                <a:latin typeface="Helvetica Neue Thin" panose="020B0403020202020204" pitchFamily="34" charset="0"/>
+                <a:ea typeface="Helvetica Neue Thin" panose="020B0403020202020204" pitchFamily="34" charset="0"/>
+              </a:rPr>
+              <a:t>When you build an overview of the system, i.e. the grouped transitions – the matrix is fine, the Markov Chain is fine, everything looks correct. </a:t>
+            </a:r>
+          </a:p>
+          <a:p>
+            <a:endParaRPr lang="en-GB" dirty="0">
+              <a:latin typeface="Helvetica Neue Thin" panose="020B0403020202020204" pitchFamily="34" charset="0"/>
+              <a:ea typeface="Helvetica Neue Thin" panose="020B0403020202020204" pitchFamily="34" charset="0"/>
+            </a:endParaRPr>
+          </a:p>
+          <a:p>
+            <a:r>
+              <a:rPr lang="en-GB" dirty="0">
+                <a:latin typeface="Helvetica Neue Thin" panose="020B0403020202020204" pitchFamily="34" charset="0"/>
+                <a:ea typeface="Helvetica Neue Thin" panose="020B0403020202020204" pitchFamily="34" charset="0"/>
+              </a:rPr>
+              <a:t>If you build the transition matrix from the individual </a:t>
+            </a:r>
+            <a:r>
+              <a:rPr lang="en-GB" dirty="0" err="1">
+                <a:latin typeface="Helvetica Neue Thin" panose="020B0403020202020204" pitchFamily="34" charset="0"/>
+                <a:ea typeface="Helvetica Neue Thin" panose="020B0403020202020204" pitchFamily="34" charset="0"/>
+              </a:rPr>
+              <a:t>transition+process</a:t>
+            </a:r>
+            <a:r>
+              <a:rPr lang="en-GB" dirty="0">
+                <a:latin typeface="Helvetica Neue Thin" panose="020B0403020202020204" pitchFamily="34" charset="0"/>
+                <a:ea typeface="Helvetica Neue Thin" panose="020B0403020202020204" pitchFamily="34" charset="0"/>
+              </a:rPr>
+              <a:t> pairs, the matrix is not stochastic [matrix too big to copy/paste]. Somewhere something in the model goes wrong. </a:t>
+            </a:r>
+          </a:p>
+        </p:txBody>
+      </p:sp>
+    </p:spTree>
+    <p:extLst>
+      <p:ext uri="{BB962C8B-B14F-4D97-AF65-F5344CB8AC3E}">
+        <p14:creationId xmlns:p14="http://schemas.microsoft.com/office/powerpoint/2010/main" val="3294937880"/>
+      </p:ext>
+    </p:extLst>
+  </p:cSld>
+  <p:clrMapOvr>
+    <a:masterClrMapping/>
+  </p:clrMapOvr>
+</p:sld>
+</file>
+
+<file path=ppt/slides/slide36.xml><?xml version="1.0" encoding="utf-8"?>
+<p:sld xmlns:a="http://schemas.openxmlformats.org/drawingml/2006/main" xmlns:r="http://schemas.openxmlformats.org/officeDocument/2006/relationships" xmlns:p="http://schemas.openxmlformats.org/presentationml/2006/main">
+  <p:cSld>
+    <p:spTree>
+      <p:nvGrpSpPr>
+        <p:cNvPr id="1" name=""/>
+        <p:cNvGrpSpPr/>
+        <p:nvPr/>
+      </p:nvGrpSpPr>
+      <p:grpSpPr>
+        <a:xfrm>
+          <a:off x="0" y="0"/>
+          <a:ext cx="0" cy="0"/>
+          <a:chOff x="0" y="0"/>
+          <a:chExt cx="0" cy="0"/>
+        </a:xfrm>
+      </p:grpSpPr>
+      <p:sp>
+        <p:nvSpPr>
+          <p:cNvPr id="4" name="TextBox 3">
+            <a:extLst>
+              <a:ext uri="{FF2B5EF4-FFF2-40B4-BE49-F238E27FC236}">
+                <a16:creationId xmlns:a16="http://schemas.microsoft.com/office/drawing/2014/main" id="{10DEA0E4-DA7F-E905-D91F-6C01DD4C8C81}"/>
+              </a:ext>
+            </a:extLst>
+          </p:cNvPr>
+          <p:cNvSpPr txBox="1"/>
+          <p:nvPr/>
+        </p:nvSpPr>
+        <p:spPr>
+          <a:xfrm>
+            <a:off x="94445" y="123726"/>
             <a:ext cx="7456093" cy="461665"/>
           </a:xfrm>
           <a:prstGeom prst="rect">
@@ -19086,7 +19481,7 @@
           <a:p>
             <a:fld id="{4A936E34-E911-F947-B710-F12161D09F63}" type="slidenum">
               <a:rPr lang="en-FR" smtClean="0"/>
-              <a:t>35</a:t>
+              <a:t>36</a:t>
             </a:fld>
             <a:endParaRPr lang="en-FR"/>
           </a:p>

--- a/mcmc_method.pptx
+++ b/mcmc_method.pptx
@@ -5,7 +5,7 @@
     <p:sldMasterId id="2147483648" r:id="rId1"/>
   </p:sldMasterIdLst>
   <p:notesMasterIdLst>
-    <p:notesMasterId r:id="rId38"/>
+    <p:notesMasterId r:id="rId41"/>
   </p:notesMasterIdLst>
   <p:sldIdLst>
     <p:sldId id="275" r:id="rId2"/>
@@ -44,6 +44,9 @@
     <p:sldId id="293" r:id="rId35"/>
     <p:sldId id="292" r:id="rId36"/>
     <p:sldId id="288" r:id="rId37"/>
+    <p:sldId id="296" r:id="rId38"/>
+    <p:sldId id="295" r:id="rId39"/>
+    <p:sldId id="297" r:id="rId40"/>
   </p:sldIdLst>
   <p:sldSz cx="12192000" cy="6858000"/>
   <p:notesSz cx="6858000" cy="9144000"/>
@@ -232,7 +235,7 @@
           <a:p>
             <a:fld id="{F665532D-9515-A447-9C89-932ABF0AFE21}" type="datetimeFigureOut">
               <a:rPr lang="en-FR" smtClean="0"/>
-              <a:t>07/03/2023</a:t>
+              <a:t>27/03/2023</a:t>
             </a:fld>
             <a:endParaRPr lang="en-FR"/>
           </a:p>
@@ -649,7 +652,7 @@
           <a:p>
             <a:fld id="{54BA42DA-DA95-8449-8980-09AEC66987CB}" type="datetime1">
               <a:rPr lang="fr-FR" smtClean="0"/>
-              <a:t>07/03/2023</a:t>
+              <a:t>27/03/2023</a:t>
             </a:fld>
             <a:endParaRPr lang="en-FR"/>
           </a:p>
@@ -849,7 +852,7 @@
           <a:p>
             <a:fld id="{7F6A5C21-1A89-DF4A-85E0-A03D4350F203}" type="datetime1">
               <a:rPr lang="fr-FR" smtClean="0"/>
-              <a:t>07/03/2023</a:t>
+              <a:t>27/03/2023</a:t>
             </a:fld>
             <a:endParaRPr lang="en-FR"/>
           </a:p>
@@ -1059,7 +1062,7 @@
           <a:p>
             <a:fld id="{05E93925-926B-1945-B9CA-9A732A875AAF}" type="datetime1">
               <a:rPr lang="fr-FR" smtClean="0"/>
-              <a:t>07/03/2023</a:t>
+              <a:t>27/03/2023</a:t>
             </a:fld>
             <a:endParaRPr lang="en-FR"/>
           </a:p>
@@ -1259,7 +1262,7 @@
           <a:p>
             <a:fld id="{E0247FCB-74AB-A24C-8A1B-D0FC7EA3D9F4}" type="datetime1">
               <a:rPr lang="fr-FR" smtClean="0"/>
-              <a:t>07/03/2023</a:t>
+              <a:t>27/03/2023</a:t>
             </a:fld>
             <a:endParaRPr lang="en-FR"/>
           </a:p>
@@ -1535,7 +1538,7 @@
           <a:p>
             <a:fld id="{787E801A-18C3-5149-B32A-A508AB557630}" type="datetime1">
               <a:rPr lang="fr-FR" smtClean="0"/>
-              <a:t>07/03/2023</a:t>
+              <a:t>27/03/2023</a:t>
             </a:fld>
             <a:endParaRPr lang="en-FR"/>
           </a:p>
@@ -1803,7 +1806,7 @@
           <a:p>
             <a:fld id="{8076E26A-A8C1-3A42-9438-6E19217B065D}" type="datetime1">
               <a:rPr lang="fr-FR" smtClean="0"/>
-              <a:t>07/03/2023</a:t>
+              <a:t>27/03/2023</a:t>
             </a:fld>
             <a:endParaRPr lang="en-FR"/>
           </a:p>
@@ -2218,7 +2221,7 @@
           <a:p>
             <a:fld id="{C9FEDFF1-3F10-3A46-ADC1-D537CC37F390}" type="datetime1">
               <a:rPr lang="fr-FR" smtClean="0"/>
-              <a:t>07/03/2023</a:t>
+              <a:t>27/03/2023</a:t>
             </a:fld>
             <a:endParaRPr lang="en-FR"/>
           </a:p>
@@ -2360,7 +2363,7 @@
           <a:p>
             <a:fld id="{A08AB4D7-44FD-2F47-8062-C2F06B42AC02}" type="datetime1">
               <a:rPr lang="fr-FR" smtClean="0"/>
-              <a:t>07/03/2023</a:t>
+              <a:t>27/03/2023</a:t>
             </a:fld>
             <a:endParaRPr lang="en-FR"/>
           </a:p>
@@ -2473,7 +2476,7 @@
           <a:p>
             <a:fld id="{12822FAA-36F4-0244-815D-515775E17909}" type="datetime1">
               <a:rPr lang="fr-FR" smtClean="0"/>
-              <a:t>07/03/2023</a:t>
+              <a:t>27/03/2023</a:t>
             </a:fld>
             <a:endParaRPr lang="en-FR"/>
           </a:p>
@@ -2786,7 +2789,7 @@
           <a:p>
             <a:fld id="{85DAED84-3442-4046-8F8E-AED3CA9DA38B}" type="datetime1">
               <a:rPr lang="fr-FR" smtClean="0"/>
-              <a:t>07/03/2023</a:t>
+              <a:t>27/03/2023</a:t>
             </a:fld>
             <a:endParaRPr lang="en-FR"/>
           </a:p>
@@ -3075,7 +3078,7 @@
           <a:p>
             <a:fld id="{3A186636-9FEC-8342-B6AE-6B0D584EC47A}" type="datetime1">
               <a:rPr lang="fr-FR" smtClean="0"/>
-              <a:t>07/03/2023</a:t>
+              <a:t>27/03/2023</a:t>
             </a:fld>
             <a:endParaRPr lang="en-FR"/>
           </a:p>
@@ -3318,7 +3321,7 @@
           <a:p>
             <a:fld id="{5F64E3B2-8E5B-BB40-B91D-3C3C9E0DD3C8}" type="datetime1">
               <a:rPr lang="fr-FR" smtClean="0"/>
-              <a:t>07/03/2023</a:t>
+              <a:t>27/03/2023</a:t>
             </a:fld>
             <a:endParaRPr lang="en-FR"/>
           </a:p>
@@ -4510,10 +4513,6 @@
               </a:rPr>
               <a:t>Steps 1-3</a:t>
             </a:r>
-            <a:endParaRPr lang="en-US" sz="2400" dirty="0">
-              <a:latin typeface="Helvetica Neue Thin" panose="020B0403020202020204" pitchFamily="34" charset="0"/>
-              <a:ea typeface="Helvetica Neue Thin" panose="020B0403020202020204" pitchFamily="34" charset="0"/>
-            </a:endParaRPr>
           </a:p>
         </p:txBody>
       </p:sp>
@@ -4582,14 +4581,7 @@
                 <a:latin typeface="Helvetica Neue Thin" panose="020B0403020202020204" pitchFamily="34" charset="0"/>
                 <a:ea typeface="Helvetica Neue Thin" panose="020B0403020202020204" pitchFamily="34" charset="0"/>
               </a:rPr>
-              <a:t>This </a:t>
-            </a:r>
-            <a:r>
-              <a:rPr lang="en-US" dirty="0">
-                <a:latin typeface="Helvetica Neue Thin" panose="020B0403020202020204" pitchFamily="34" charset="0"/>
-                <a:ea typeface="Helvetica Neue Thin" panose="020B0403020202020204" pitchFamily="34" charset="0"/>
-              </a:rPr>
-              <a:t>step is a test run of the model to give the user an idea of how it behaves.</a:t>
+              <a:t>This step is a test run of the model to give the user an idea of how it behaves.</a:t>
             </a:r>
             <a:r>
               <a:rPr lang="en-FR" dirty="0">
@@ -4608,7 +4600,23 @@
                 <a:latin typeface="Helvetica Neue Thin" panose="020B0403020202020204" pitchFamily="34" charset="0"/>
                 <a:ea typeface="Helvetica Neue Thin" panose="020B0403020202020204" pitchFamily="34" charset="0"/>
               </a:rPr>
-              <a:t>Maximizing </a:t>
+              <a:t>Maximizing entropy</a:t>
+            </a:r>
+            <a:r>
+              <a:rPr lang="en-FR" dirty="0">
+                <a:latin typeface="Helvetica Neue Thin" panose="020B0403020202020204" pitchFamily="34" charset="0"/>
+                <a:ea typeface="Helvetica Neue Thin" panose="020B0403020202020204" pitchFamily="34" charset="0"/>
+              </a:rPr>
+              <a:t> is better than randomly picking transitions because it:</a:t>
+            </a:r>
+          </a:p>
+          <a:p>
+            <a:r>
+              <a:rPr lang="en-FR" dirty="0">
+                <a:latin typeface="Helvetica Neue Thin" panose="020B0403020202020204" pitchFamily="34" charset="0"/>
+                <a:ea typeface="Helvetica Neue Thin" panose="020B0403020202020204" pitchFamily="34" charset="0"/>
+              </a:rPr>
+              <a:t>	- guarantees a </a:t>
             </a:r>
             <a:r>
               <a:rPr lang="en-FR" dirty="0">
@@ -4618,14 +4626,14 @@
                 <a:latin typeface="Helvetica Neue Thin" panose="020B0403020202020204" pitchFamily="34" charset="0"/>
                 <a:ea typeface="Helvetica Neue Thin" panose="020B0403020202020204" pitchFamily="34" charset="0"/>
               </a:rPr>
-              <a:t>entropy</a:t>
+              <a:t>better exploration </a:t>
             </a:r>
             <a:r>
               <a:rPr lang="en-FR" dirty="0">
                 <a:latin typeface="Helvetica Neue Thin" panose="020B0403020202020204" pitchFamily="34" charset="0"/>
                 <a:ea typeface="Helvetica Neue Thin" panose="020B0403020202020204" pitchFamily="34" charset="0"/>
               </a:rPr>
-              <a:t> is better than randomly picking transitions because it:</a:t>
+              <a:t>of the system by forcing the system to explore different state spaces instead of 	  getting stuck in one place and running around in circles</a:t>
             </a:r>
           </a:p>
           <a:p>
@@ -4634,7 +4642,7 @@
                 <a:latin typeface="Helvetica Neue Thin" panose="020B0403020202020204" pitchFamily="34" charset="0"/>
                 <a:ea typeface="Helvetica Neue Thin" panose="020B0403020202020204" pitchFamily="34" charset="0"/>
               </a:rPr>
-              <a:t>	- guarantees a </a:t>
+              <a:t>	- </a:t>
             </a:r>
             <a:r>
               <a:rPr lang="en-FR" dirty="0">
@@ -4644,39 +4652,6 @@
                 <a:latin typeface="Helvetica Neue Thin" panose="020B0403020202020204" pitchFamily="34" charset="0"/>
                 <a:ea typeface="Helvetica Neue Thin" panose="020B0403020202020204" pitchFamily="34" charset="0"/>
               </a:rPr>
-              <a:t>better exploration </a:t>
-            </a:r>
-            <a:r>
-              <a:rPr lang="en-FR" dirty="0">
-                <a:latin typeface="Helvetica Neue Thin" panose="020B0403020202020204" pitchFamily="34" charset="0"/>
-                <a:ea typeface="Helvetica Neue Thin" panose="020B0403020202020204" pitchFamily="34" charset="0"/>
-              </a:rPr>
-              <a:t>of the system by forcing the system to explore different state spaces instead of 	  getting stuck in one place and running around in circles</a:t>
-            </a:r>
-          </a:p>
-          <a:p>
-            <a:r>
-              <a:rPr lang="en-FR" dirty="0">
-                <a:latin typeface="Helvetica Neue Thin" panose="020B0403020202020204" pitchFamily="34" charset="0"/>
-                <a:ea typeface="Helvetica Neue Thin" panose="020B0403020202020204" pitchFamily="34" charset="0"/>
-              </a:rPr>
-              <a:t>	</a:t>
-            </a:r>
-            <a:r>
-              <a:rPr lang="en-FR" dirty="0">
-                <a:latin typeface="Helvetica Neue Thin" panose="020B0403020202020204" pitchFamily="34" charset="0"/>
-                <a:ea typeface="Helvetica Neue Thin" panose="020B0403020202020204" pitchFamily="34" charset="0"/>
-              </a:rPr>
-              <a:t>- </a:t>
-            </a:r>
-            <a:r>
-              <a:rPr lang="en-FR" dirty="0">
-                <a:solidFill>
-                  <a:srgbClr val="0432FF"/>
-                </a:solidFill>
-                <a:latin typeface="Helvetica Neue Thin" panose="020B0403020202020204" pitchFamily="34" charset="0"/>
-                <a:ea typeface="Helvetica Neue Thin" panose="020B0403020202020204" pitchFamily="34" charset="0"/>
-              </a:rPr>
               <a:t>reduces sampling bias </a:t>
             </a:r>
           </a:p>
@@ -4733,14 +4708,7 @@
                 <a:latin typeface="Helvetica Neue Thin" panose="020B0403020202020204" pitchFamily="34" charset="0"/>
                 <a:ea typeface="Helvetica Neue Thin" panose="020B0403020202020204" pitchFamily="34" charset="0"/>
               </a:rPr>
-              <a:t>The test-run </a:t>
-            </a:r>
-            <a:r>
-              <a:rPr lang="en-US" dirty="0">
-                <a:latin typeface="Helvetica Neue Thin" panose="020B0403020202020204" pitchFamily="34" charset="0"/>
-                <a:ea typeface="Helvetica Neue Thin" panose="020B0403020202020204" pitchFamily="34" charset="0"/>
-              </a:rPr>
-              <a:t>spits out a bunch of information concerning the model, allowing the user to decide what to do next. </a:t>
+              <a:t>The test-run spits out a bunch of information concerning the model, allowing the user to decide what to do next. </a:t>
             </a:r>
           </a:p>
           <a:p>
@@ -4767,21 +4735,7 @@
                 <a:latin typeface="Helvetica Neue Thin" panose="020B0403020202020204" pitchFamily="34" charset="0"/>
                 <a:ea typeface="Helvetica Neue Thin" panose="020B0403020202020204" pitchFamily="34" charset="0"/>
               </a:rPr>
-              <a:t>If we compare the distributions</a:t>
-            </a:r>
-            <a:r>
-              <a:rPr lang="en-US" dirty="0">
-                <a:latin typeface="Helvetica Neue Thin" panose="020B0403020202020204" pitchFamily="34" charset="0"/>
-                <a:ea typeface="Helvetica Neue Thin" panose="020B0403020202020204" pitchFamily="34" charset="0"/>
-              </a:rPr>
-              <a:t> for the running example [cascading if] with a correct </a:t>
-            </a:r>
-            <a:r>
-              <a:rPr lang="en-US" dirty="0">
-                <a:latin typeface="Helvetica Neue Thin" panose="020B0403020202020204" pitchFamily="34" charset="0"/>
-                <a:ea typeface="Helvetica Neue Thin" panose="020B0403020202020204" pitchFamily="34" charset="0"/>
-              </a:rPr>
-              <a:t>Dekker model:</a:t>
+              <a:t>If we compare the distributions for the running example [cascading if] with a correct Dekker model:</a:t>
             </a:r>
           </a:p>
           <a:p>
@@ -4845,14 +4799,7 @@
                 <a:latin typeface="Helvetica Neue Thin" panose="020B0403020202020204" pitchFamily="34" charset="0"/>
                 <a:ea typeface="Helvetica Neue Thin" panose="020B0403020202020204" pitchFamily="34" charset="0"/>
               </a:rPr>
-              <a:t>: 0.333] </a:t>
-            </a:r>
-            <a:r>
-              <a:rPr lang="en-GB" dirty="0">
-                <a:latin typeface="Helvetica Neue Thin" panose="020B0403020202020204" pitchFamily="34" charset="0"/>
-                <a:ea typeface="Helvetica Neue Thin" panose="020B0403020202020204" pitchFamily="34" charset="0"/>
-              </a:rPr>
-              <a:t>-&gt; each transition is triggered equally </a:t>
+              <a:t>: 0.333] -&gt; each transition is triggered equally </a:t>
             </a:r>
             <a:r>
               <a:rPr lang="en-GB" b="1" dirty="0">
@@ -4874,21 +4821,7 @@
                 <a:latin typeface="Helvetica Neue Thin" panose="020B0403020202020204" pitchFamily="34" charset="0"/>
                 <a:ea typeface="Helvetica Neue Thin" panose="020B0403020202020204" pitchFamily="34" charset="0"/>
               </a:rPr>
-              <a:t>Cascading</a:t>
-            </a:r>
-            <a:r>
-              <a:rPr lang="en-GB" dirty="0">
-                <a:latin typeface="Helvetica Neue Thin" panose="020B0403020202020204" pitchFamily="34" charset="0"/>
-                <a:ea typeface="Helvetica Neue Thin" panose="020B0403020202020204" pitchFamily="34" charset="0"/>
-              </a:rPr>
-              <a:t> if: </a:t>
-            </a:r>
-            <a:r>
-              <a:rPr lang="en-GB" dirty="0">
-                <a:latin typeface="Helvetica Neue Thin" panose="020B0403020202020204" pitchFamily="34" charset="0"/>
-                <a:ea typeface="Helvetica Neue Thin" panose="020B0403020202020204" pitchFamily="34" charset="0"/>
-              </a:rPr>
-              <a:t>[</a:t>
+              <a:t>Cascading if: [</a:t>
             </a:r>
             <a:r>
               <a:rPr lang="en-GB" b="1" dirty="0">
@@ -5049,14 +4982,7 @@
                 <a:latin typeface="Helvetica Neue Thin" panose="020B0403020202020204" pitchFamily="34" charset="0"/>
                 <a:ea typeface="Helvetica Neue Thin" panose="020B0403020202020204" pitchFamily="34" charset="0"/>
               </a:rPr>
-              <a:t>[1] Uniform Sampling for Timed Automata with Application to Language </a:t>
-            </a:r>
-            <a:r>
-              <a:rPr lang="en-US" sz="1400" dirty="0">
-                <a:latin typeface="Helvetica Neue Thin" panose="020B0403020202020204" pitchFamily="34" charset="0"/>
-                <a:ea typeface="Helvetica Neue Thin" panose="020B0403020202020204" pitchFamily="34" charset="0"/>
-              </a:rPr>
-              <a:t>Inclusion </a:t>
+              <a:t>[1] Uniform Sampling for Timed Automata with Application to Language Inclusion </a:t>
             </a:r>
             <a:r>
               <a:rPr lang="en-US" sz="1400" dirty="0" err="1">
@@ -5221,14 +5147,7 @@
                 <a:latin typeface="Helvetica Neue Thin" panose="020B0403020202020204" pitchFamily="34" charset="0"/>
                 <a:ea typeface="Helvetica Neue Thin" panose="020B0403020202020204" pitchFamily="34" charset="0"/>
               </a:rPr>
-              <a:t>Steps </a:t>
-            </a:r>
-            <a:r>
-              <a:rPr lang="en-US" sz="2400" dirty="0">
-                <a:latin typeface="Helvetica Neue Thin" panose="020B0403020202020204" pitchFamily="34" charset="0"/>
-                <a:ea typeface="Helvetica Neue Thin" panose="020B0403020202020204" pitchFamily="34" charset="0"/>
-              </a:rPr>
-              <a:t>4 &amp; 5</a:t>
+              <a:t>Steps 4 &amp; 5</a:t>
             </a:r>
           </a:p>
         </p:txBody>
@@ -5339,14 +5258,7 @@
                 <a:latin typeface="Helvetica Neue Thin" panose="020B0403020202020204" pitchFamily="34" charset="0"/>
                 <a:ea typeface="Helvetica Neue Thin" panose="020B0403020202020204" pitchFamily="34" charset="0"/>
               </a:rPr>
-              <a:t>If the data </a:t>
-            </a:r>
-            <a:r>
-              <a:rPr lang="en-US" dirty="0">
-                <a:latin typeface="Helvetica Neue Thin" panose="020B0403020202020204" pitchFamily="34" charset="0"/>
-                <a:ea typeface="Helvetica Neue Thin" panose="020B0403020202020204" pitchFamily="34" charset="0"/>
-              </a:rPr>
-              <a:t>indicates that the system is explored in a way that isn’t satisfactory, you can rerun the model changing the exploration tactics. </a:t>
+              <a:t>If the data indicates that the system is explored in a way that isn’t satisfactory, you can rerun the model changing the exploration tactics. </a:t>
             </a:r>
           </a:p>
           <a:p>
@@ -5370,21 +5282,7 @@
                 <a:latin typeface="Helvetica Neue Thin" panose="020B0403020202020204" pitchFamily="34" charset="0"/>
                 <a:ea typeface="Helvetica Neue Thin" panose="020B0403020202020204" pitchFamily="34" charset="0"/>
               </a:rPr>
-              <a:t>	</a:t>
-            </a:r>
-            <a:r>
-              <a:rPr lang="en-US" dirty="0">
-                <a:latin typeface="Helvetica Neue Thin" panose="020B0403020202020204" pitchFamily="34" charset="0"/>
-                <a:ea typeface="Helvetica Neue Thin" panose="020B0403020202020204" pitchFamily="34" charset="0"/>
-              </a:rPr>
-              <a:t>When the system </a:t>
-            </a:r>
-            <a:r>
-              <a:rPr lang="en-US" dirty="0">
-                <a:latin typeface="Helvetica Neue Thin" panose="020B0403020202020204" pitchFamily="34" charset="0"/>
-                <a:ea typeface="Helvetica Neue Thin" panose="020B0403020202020204" pitchFamily="34" charset="0"/>
-              </a:rPr>
-              <a:t>decides which transition to </a:t>
+              <a:t>	When the system decides which transition to </a:t>
             </a:r>
             <a:r>
               <a:rPr lang="en-US" dirty="0">
@@ -5481,10 +5379,6 @@
               </a:rPr>
               <a:t>	Biasing entropy tells the system that certain transitions are more interesting to explore.</a:t>
             </a:r>
-            <a:endParaRPr lang="en-US" dirty="0">
-              <a:latin typeface="Helvetica Neue Thin" panose="020B0403020202020204" pitchFamily="34" charset="0"/>
-              <a:ea typeface="Helvetica Neue Thin" panose="020B0403020202020204" pitchFamily="34" charset="0"/>
-            </a:endParaRPr>
           </a:p>
           <a:p>
             <a:r>
@@ -5501,14 +5395,7 @@
                 <a:latin typeface="Helvetica Neue Thin" panose="020B0403020202020204" pitchFamily="34" charset="0"/>
                 <a:ea typeface="Helvetica Neue Thin" panose="020B0403020202020204" pitchFamily="34" charset="0"/>
               </a:rPr>
-              <a:t>	This</a:t>
-            </a:r>
-            <a:r>
-              <a:rPr lang="en-US" dirty="0">
-                <a:latin typeface="Helvetica Neue Thin" panose="020B0403020202020204" pitchFamily="34" charset="0"/>
-                <a:ea typeface="Helvetica Neue Thin" panose="020B0403020202020204" pitchFamily="34" charset="0"/>
-              </a:rPr>
-              <a:t> mixes tactics 1 and 2, forcing the system to </a:t>
+              <a:t>	This mixes tactics 1 and 2, forcing the system to </a:t>
             </a:r>
             <a:r>
               <a:rPr lang="en-US" dirty="0">
@@ -5661,14 +5548,7 @@
                 <a:latin typeface="Helvetica Neue Thin" panose="020B0403020202020204" pitchFamily="34" charset="0"/>
                 <a:ea typeface="Helvetica Neue Thin" panose="020B0403020202020204" pitchFamily="34" charset="0"/>
               </a:rPr>
-              <a:t>Steps </a:t>
-            </a:r>
-            <a:r>
-              <a:rPr lang="en-US" sz="2400" dirty="0">
-                <a:latin typeface="Helvetica Neue Thin" panose="020B0403020202020204" pitchFamily="34" charset="0"/>
-                <a:ea typeface="Helvetica Neue Thin" panose="020B0403020202020204" pitchFamily="34" charset="0"/>
-              </a:rPr>
-              <a:t>6 &amp; 7</a:t>
+              <a:t>Steps 6 &amp; 7</a:t>
             </a:r>
           </a:p>
         </p:txBody>
@@ -5839,30 +5719,16 @@
                 <a:latin typeface="Helvetica Neue Thin" panose="020B0403020202020204" pitchFamily="34" charset="0"/>
                 <a:ea typeface="Helvetica Neue Thin" panose="020B0403020202020204" pitchFamily="34" charset="0"/>
               </a:rPr>
-              <a:t>: 0.1], which says “propos</a:t>
-            </a:r>
+              <a:t>: 0.1], which says “propose t 10% of the time, t1 40% of the time,…”</a:t>
+            </a:r>
+          </a:p>
+          <a:p>
             <a:r>
               <a:rPr lang="en-GB" dirty="0">
                 <a:latin typeface="Helvetica Neue Thin" panose="020B0403020202020204" pitchFamily="34" charset="0"/>
                 <a:ea typeface="Helvetica Neue Thin" panose="020B0403020202020204" pitchFamily="34" charset="0"/>
               </a:rPr>
-              <a:t>e t 10% of the time, t1 40% of the time,…”</a:t>
-            </a:r>
-          </a:p>
-          <a:p>
-            <a:r>
-              <a:rPr lang="en-GB" dirty="0">
-                <a:latin typeface="Helvetica Neue Thin" panose="020B0403020202020204" pitchFamily="34" charset="0"/>
-                <a:ea typeface="Helvetica Neue Thin" panose="020B0403020202020204" pitchFamily="34" charset="0"/>
-              </a:rPr>
-              <a:t>Running</a:t>
-            </a:r>
-            <a:r>
-              <a:rPr lang="en-GB" dirty="0">
-                <a:latin typeface="Helvetica Neue Thin" panose="020B0403020202020204" pitchFamily="34" charset="0"/>
-                <a:ea typeface="Helvetica Neue Thin" panose="020B0403020202020204" pitchFamily="34" charset="0"/>
-              </a:rPr>
-              <a:t> the model now gives the result:</a:t>
+              <a:t>Running the model now gives the result:</a:t>
             </a:r>
           </a:p>
           <a:p>
@@ -5929,12 +5795,143 @@
               </a:rPr>
               <a:t>:0.05]</a:t>
             </a:r>
+          </a:p>
+          <a:p>
             <a:endParaRPr lang="en-FR" dirty="0">
               <a:latin typeface="Helvetica Neue Thin" panose="020B0403020202020204" pitchFamily="34" charset="0"/>
               <a:ea typeface="Helvetica Neue Thin" panose="020B0403020202020204" pitchFamily="34" charset="0"/>
             </a:endParaRPr>
           </a:p>
           <a:p>
+            <a:r>
+              <a:rPr lang="en-FR" b="1" dirty="0">
+                <a:latin typeface="HELVETICA NEUE THIN" panose="020B0403020202020204" pitchFamily="34" charset="0"/>
+                <a:ea typeface="HELVETICA NEUE THIN" panose="020B0403020202020204" pitchFamily="34" charset="0"/>
+              </a:rPr>
+              <a:t>Step 7: analyze the new data and go back to Step 5 if unsatisfied</a:t>
+            </a:r>
+          </a:p>
+          <a:p>
+            <a:endParaRPr lang="en-FR" b="1" dirty="0">
+              <a:latin typeface="HELVETICA NEUE THIN" panose="020B0403020202020204" pitchFamily="34" charset="0"/>
+              <a:ea typeface="HELVETICA NEUE THIN" panose="020B0403020202020204" pitchFamily="34" charset="0"/>
+            </a:endParaRPr>
+          </a:p>
+          <a:p>
+            <a:r>
+              <a:rPr lang="en-FR" b="1" dirty="0">
+                <a:latin typeface="Helvetica Neue Thin" panose="020B0403020202020204" pitchFamily="34" charset="0"/>
+                <a:ea typeface="Helvetica Neue Thin" panose="020B0403020202020204" pitchFamily="34" charset="0"/>
+              </a:rPr>
+              <a:t>t</a:t>
+            </a:r>
+            <a:r>
+              <a:rPr lang="en-FR" dirty="0">
+                <a:latin typeface="Helvetica Neue Thin" panose="020B0403020202020204" pitchFamily="34" charset="0"/>
+                <a:ea typeface="Helvetica Neue Thin" panose="020B0403020202020204" pitchFamily="34" charset="0"/>
+              </a:rPr>
+              <a:t> went from </a:t>
+            </a:r>
+            <a:r>
+              <a:rPr lang="en-FR" b="1" dirty="0">
+                <a:latin typeface="HELVETICA NEUE THIN" panose="020B0403020202020204" pitchFamily="34" charset="0"/>
+                <a:ea typeface="HELVETICA NEUE THIN" panose="020B0403020202020204" pitchFamily="34" charset="0"/>
+              </a:rPr>
+              <a:t>2%</a:t>
+            </a:r>
+            <a:r>
+              <a:rPr lang="en-FR" dirty="0">
+                <a:latin typeface="Helvetica Neue Thin" panose="020B0403020202020204" pitchFamily="34" charset="0"/>
+                <a:ea typeface="Helvetica Neue Thin" panose="020B0403020202020204" pitchFamily="34" charset="0"/>
+              </a:rPr>
+              <a:t> to </a:t>
+            </a:r>
+            <a:r>
+              <a:rPr lang="en-FR" b="1" dirty="0">
+                <a:latin typeface="HELVETICA NEUE THIN" panose="020B0403020202020204" pitchFamily="34" charset="0"/>
+                <a:ea typeface="HELVETICA NEUE THIN" panose="020B0403020202020204" pitchFamily="34" charset="0"/>
+              </a:rPr>
+              <a:t>12%</a:t>
+            </a:r>
+            <a:r>
+              <a:rPr lang="en-FR" dirty="0">
+                <a:latin typeface="Helvetica Neue Thin" panose="020B0403020202020204" pitchFamily="34" charset="0"/>
+                <a:ea typeface="Helvetica Neue Thin" panose="020B0403020202020204" pitchFamily="34" charset="0"/>
+              </a:rPr>
+              <a:t>, and </a:t>
+            </a:r>
+            <a:r>
+              <a:rPr lang="en-FR" b="1" dirty="0">
+                <a:latin typeface="HELVETICA NEUE THIN" panose="020B0403020202020204" pitchFamily="34" charset="0"/>
+                <a:ea typeface="HELVETICA NEUE THIN" panose="020B0403020202020204" pitchFamily="34" charset="0"/>
+              </a:rPr>
+              <a:t>t4</a:t>
+            </a:r>
+            <a:r>
+              <a:rPr lang="en-FR" dirty="0">
+                <a:latin typeface="Helvetica Neue Thin" panose="020B0403020202020204" pitchFamily="34" charset="0"/>
+                <a:ea typeface="Helvetica Neue Thin" panose="020B0403020202020204" pitchFamily="34" charset="0"/>
+              </a:rPr>
+              <a:t> went from </a:t>
+            </a:r>
+            <a:r>
+              <a:rPr lang="en-FR" b="1" dirty="0">
+                <a:latin typeface="HELVETICA NEUE THIN" panose="020B0403020202020204" pitchFamily="34" charset="0"/>
+                <a:ea typeface="HELVETICA NEUE THIN" panose="020B0403020202020204" pitchFamily="34" charset="0"/>
+              </a:rPr>
+              <a:t>28%</a:t>
+            </a:r>
+            <a:r>
+              <a:rPr lang="en-FR" dirty="0">
+                <a:latin typeface="Helvetica Neue Thin" panose="020B0403020202020204" pitchFamily="34" charset="0"/>
+                <a:ea typeface="Helvetica Neue Thin" panose="020B0403020202020204" pitchFamily="34" charset="0"/>
+              </a:rPr>
+              <a:t> to </a:t>
+            </a:r>
+            <a:r>
+              <a:rPr lang="en-FR" b="1" dirty="0">
+                <a:latin typeface="HELVETICA NEUE THIN" panose="020B0403020202020204" pitchFamily="34" charset="0"/>
+                <a:ea typeface="HELVETICA NEUE THIN" panose="020B0403020202020204" pitchFamily="34" charset="0"/>
+              </a:rPr>
+              <a:t>5%</a:t>
+            </a:r>
+            <a:r>
+              <a:rPr lang="en-FR" dirty="0">
+                <a:latin typeface="Helvetica Neue Thin" panose="020B0403020202020204" pitchFamily="34" charset="0"/>
+                <a:ea typeface="Helvetica Neue Thin" panose="020B0403020202020204" pitchFamily="34" charset="0"/>
+              </a:rPr>
+              <a:t>. If the goal is to force the system to explore </a:t>
+            </a:r>
+            <a:r>
+              <a:rPr lang="en-FR" b="1" dirty="0">
+                <a:latin typeface="Helvetica Neue Thin" panose="020B0403020202020204" pitchFamily="34" charset="0"/>
+                <a:ea typeface="Helvetica Neue Thin" panose="020B0403020202020204" pitchFamily="34" charset="0"/>
+              </a:rPr>
+              <a:t>t</a:t>
+            </a:r>
+            <a:r>
+              <a:rPr lang="en-FR" dirty="0">
+                <a:latin typeface="Helvetica Neue Thin" panose="020B0403020202020204" pitchFamily="34" charset="0"/>
+                <a:ea typeface="Helvetica Neue Thin" panose="020B0403020202020204" pitchFamily="34" charset="0"/>
+              </a:rPr>
+              <a:t> more often, you can stop here. If the goal is to try to get the system to explore them equally, then you can go back </a:t>
+            </a:r>
+            <a:r>
+              <a:rPr lang="en-FR" b="1" dirty="0">
+                <a:latin typeface="Helvetica Neue Thin" panose="020B0403020202020204" pitchFamily="34" charset="0"/>
+                <a:ea typeface="Helvetica Neue Thin" panose="020B0403020202020204" pitchFamily="34" charset="0"/>
+              </a:rPr>
+              <a:t>to Step 5 </a:t>
+            </a:r>
+            <a:r>
+              <a:rPr lang="en-FR" dirty="0">
+                <a:latin typeface="Helvetica Neue Thin" panose="020B0403020202020204" pitchFamily="34" charset="0"/>
+                <a:ea typeface="Helvetica Neue Thin" panose="020B0403020202020204" pitchFamily="34" charset="0"/>
+              </a:rPr>
+              <a:t>and try again.</a:t>
+            </a:r>
+          </a:p>
+          <a:p>
             <a:endParaRPr lang="en-FR" dirty="0">
               <a:latin typeface="Helvetica Neue Thin" panose="020B0403020202020204" pitchFamily="34" charset="0"/>
               <a:ea typeface="Helvetica Neue Thin" panose="020B0403020202020204" pitchFamily="34" charset="0"/>
@@ -5942,25 +5939,106 @@
           </a:p>
           <a:p>
             <a:r>
+              <a:rPr lang="en-FR" dirty="0">
+                <a:latin typeface="Helvetica Neue Thin" panose="020B0403020202020204" pitchFamily="34" charset="0"/>
+                <a:ea typeface="Helvetica Neue Thin" panose="020B0403020202020204" pitchFamily="34" charset="0"/>
+              </a:rPr>
+              <a:t>For example if I now try a different proposal distribution:</a:t>
+            </a:r>
+          </a:p>
+          <a:p>
+            <a:r>
+              <a:rPr lang="en-GB" dirty="0">
+                <a:latin typeface="Helvetica Neue Thin" panose="020B0403020202020204" pitchFamily="34" charset="0"/>
+                <a:ea typeface="Helvetica Neue Thin" panose="020B0403020202020204" pitchFamily="34" charset="0"/>
+              </a:rPr>
+              <a:t>[</a:t>
+            </a:r>
+            <a:r>
+              <a:rPr lang="en-GB" b="1" dirty="0">
+                <a:latin typeface="Helvetica Neue Thin" panose="020B0403020202020204" pitchFamily="34" charset="0"/>
+                <a:ea typeface="Helvetica Neue Thin" panose="020B0403020202020204" pitchFamily="34" charset="0"/>
+              </a:rPr>
+              <a:t>t</a:t>
+            </a:r>
+            <a:r>
+              <a:rPr lang="en-GB" dirty="0">
+                <a:latin typeface="Helvetica Neue Thin" panose="020B0403020202020204" pitchFamily="34" charset="0"/>
+                <a:ea typeface="Helvetica Neue Thin" panose="020B0403020202020204" pitchFamily="34" charset="0"/>
+              </a:rPr>
+              <a:t>: 0.135, </a:t>
+            </a:r>
+            <a:r>
+              <a:rPr lang="en-GB" b="1" dirty="0">
+                <a:latin typeface="Helvetica Neue Thin" panose="020B0403020202020204" pitchFamily="34" charset="0"/>
+                <a:ea typeface="Helvetica Neue Thin" panose="020B0403020202020204" pitchFamily="34" charset="0"/>
+              </a:rPr>
+              <a:t>t1</a:t>
+            </a:r>
+            <a:r>
+              <a:rPr lang="en-GB" dirty="0">
+                <a:latin typeface="Helvetica Neue Thin" panose="020B0403020202020204" pitchFamily="34" charset="0"/>
+                <a:ea typeface="Helvetica Neue Thin" panose="020B0403020202020204" pitchFamily="34" charset="0"/>
+              </a:rPr>
+              <a:t>: 0.35; </a:t>
+            </a:r>
+            <a:r>
+              <a:rPr lang="en-GB" b="1" dirty="0">
+                <a:latin typeface="Helvetica Neue Thin" panose="020B0403020202020204" pitchFamily="34" charset="0"/>
+                <a:ea typeface="Helvetica Neue Thin" panose="020B0403020202020204" pitchFamily="34" charset="0"/>
+              </a:rPr>
+              <a:t>t2</a:t>
+            </a:r>
+            <a:r>
+              <a:rPr lang="en-GB" dirty="0">
+                <a:latin typeface="Helvetica Neue Thin" panose="020B0403020202020204" pitchFamily="34" charset="0"/>
+                <a:ea typeface="Helvetica Neue Thin" panose="020B0403020202020204" pitchFamily="34" charset="0"/>
+              </a:rPr>
+              <a:t>: 0.35; </a:t>
+            </a:r>
+            <a:r>
+              <a:rPr lang="en-GB" b="1" dirty="0">
+                <a:latin typeface="Helvetica Neue Thin" panose="020B0403020202020204" pitchFamily="34" charset="0"/>
+                <a:ea typeface="Helvetica Neue Thin" panose="020B0403020202020204" pitchFamily="34" charset="0"/>
+              </a:rPr>
+              <a:t>t4</a:t>
+            </a:r>
+            <a:r>
+              <a:rPr lang="en-GB" dirty="0">
+                <a:latin typeface="Helvetica Neue Thin" panose="020B0403020202020204" pitchFamily="34" charset="0"/>
+                <a:ea typeface="Helvetica Neue Thin" panose="020B0403020202020204" pitchFamily="34" charset="0"/>
+              </a:rPr>
+              <a:t>: 0.165]</a:t>
+            </a:r>
+          </a:p>
+          <a:p>
+            <a:endParaRPr lang="en-GB" dirty="0">
+              <a:latin typeface="Helvetica Neue Thin" panose="020B0403020202020204" pitchFamily="34" charset="0"/>
+              <a:ea typeface="Helvetica Neue Thin" panose="020B0403020202020204" pitchFamily="34" charset="0"/>
+            </a:endParaRPr>
+          </a:p>
+          <a:p>
+            <a:r>
+              <a:rPr lang="en-GB" dirty="0">
+                <a:latin typeface="Helvetica Neue Thin" panose="020B0403020202020204" pitchFamily="34" charset="0"/>
+                <a:ea typeface="Helvetica Neue Thin" panose="020B0403020202020204" pitchFamily="34" charset="0"/>
+              </a:rPr>
+              <a:t>Running the system gives:</a:t>
+            </a:r>
+          </a:p>
+          <a:p>
+            <a:r>
+              <a:rPr lang="en-FR" dirty="0">
+                <a:latin typeface="Helvetica Neue Thin" panose="020B0403020202020204" pitchFamily="34" charset="0"/>
+                <a:ea typeface="Helvetica Neue Thin" panose="020B0403020202020204" pitchFamily="34" charset="0"/>
+              </a:rPr>
+              <a:t>[</a:t>
+            </a:r>
+            <a:r>
               <a:rPr lang="en-FR" b="1" dirty="0">
                 <a:latin typeface="HELVETICA NEUE THIN" panose="020B0403020202020204" pitchFamily="34" charset="0"/>
                 <a:ea typeface="HELVETICA NEUE THIN" panose="020B0403020202020204" pitchFamily="34" charset="0"/>
               </a:rPr>
-              <a:t>Step 7: analyze the new data and go back to Step 5 if unsatisfied</a:t>
-            </a:r>
-          </a:p>
-          <a:p>
-            <a:endParaRPr lang="en-FR" b="1" dirty="0">
-              <a:latin typeface="HELVETICA NEUE THIN" panose="020B0403020202020204" pitchFamily="34" charset="0"/>
-              <a:ea typeface="HELVETICA NEUE THIN" panose="020B0403020202020204" pitchFamily="34" charset="0"/>
-            </a:endParaRPr>
-          </a:p>
-          <a:p>
-            <a:r>
-              <a:rPr lang="en-FR" b="1" dirty="0">
-                <a:latin typeface="Helvetica Neue Thin" panose="020B0403020202020204" pitchFamily="34" charset="0"/>
-                <a:ea typeface="Helvetica Neue Thin" panose="020B0403020202020204" pitchFamily="34" charset="0"/>
-              </a:rPr>
               <a:t>t</a:t>
             </a:r>
             <a:r>
@@ -5968,35 +6046,35 @@
                 <a:latin typeface="Helvetica Neue Thin" panose="020B0403020202020204" pitchFamily="34" charset="0"/>
                 <a:ea typeface="Helvetica Neue Thin" panose="020B0403020202020204" pitchFamily="34" charset="0"/>
               </a:rPr>
-              <a:t> went from </a:t>
+              <a:t>: 0.100, </a:t>
             </a:r>
             <a:r>
               <a:rPr lang="en-FR" b="1" dirty="0">
                 <a:latin typeface="HELVETICA NEUE THIN" panose="020B0403020202020204" pitchFamily="34" charset="0"/>
                 <a:ea typeface="HELVETICA NEUE THIN" panose="020B0403020202020204" pitchFamily="34" charset="0"/>
               </a:rPr>
-              <a:t>2%</a:t>
+              <a:t>t1</a:t>
             </a:r>
             <a:r>
               <a:rPr lang="en-FR" dirty="0">
                 <a:latin typeface="Helvetica Neue Thin" panose="020B0403020202020204" pitchFamily="34" charset="0"/>
                 <a:ea typeface="Helvetica Neue Thin" panose="020B0403020202020204" pitchFamily="34" charset="0"/>
               </a:rPr>
-              <a:t> to </a:t>
+              <a:t>: 0.400, </a:t>
             </a:r>
             <a:r>
               <a:rPr lang="en-FR" b="1" dirty="0">
                 <a:latin typeface="HELVETICA NEUE THIN" panose="020B0403020202020204" pitchFamily="34" charset="0"/>
                 <a:ea typeface="HELVETICA NEUE THIN" panose="020B0403020202020204" pitchFamily="34" charset="0"/>
               </a:rPr>
-              <a:t>12%</a:t>
+              <a:t>t2</a:t>
             </a:r>
             <a:r>
               <a:rPr lang="en-FR" dirty="0">
                 <a:latin typeface="Helvetica Neue Thin" panose="020B0403020202020204" pitchFamily="34" charset="0"/>
                 <a:ea typeface="Helvetica Neue Thin" panose="020B0403020202020204" pitchFamily="34" charset="0"/>
               </a:rPr>
-              <a:t>, and </a:t>
+              <a:t>: 0.400 , </a:t>
             </a:r>
             <a:r>
               <a:rPr lang="en-FR" b="1" dirty="0">
@@ -6010,63 +6088,7 @@
                 <a:latin typeface="Helvetica Neue Thin" panose="020B0403020202020204" pitchFamily="34" charset="0"/>
                 <a:ea typeface="Helvetica Neue Thin" panose="020B0403020202020204" pitchFamily="34" charset="0"/>
               </a:rPr>
-              <a:t> went from </a:t>
-            </a:r>
-            <a:r>
-              <a:rPr lang="en-FR" b="1" dirty="0">
-                <a:latin typeface="HELVETICA NEUE THIN" panose="020B0403020202020204" pitchFamily="34" charset="0"/>
-                <a:ea typeface="HELVETICA NEUE THIN" panose="020B0403020202020204" pitchFamily="34" charset="0"/>
-              </a:rPr>
-              <a:t>28%</a:t>
-            </a:r>
-            <a:r>
-              <a:rPr lang="en-FR" dirty="0">
-                <a:latin typeface="Helvetica Neue Thin" panose="020B0403020202020204" pitchFamily="34" charset="0"/>
-                <a:ea typeface="Helvetica Neue Thin" panose="020B0403020202020204" pitchFamily="34" charset="0"/>
-              </a:rPr>
-              <a:t> to </a:t>
-            </a:r>
-            <a:r>
-              <a:rPr lang="en-FR" b="1" dirty="0">
-                <a:latin typeface="HELVETICA NEUE THIN" panose="020B0403020202020204" pitchFamily="34" charset="0"/>
-                <a:ea typeface="HELVETICA NEUE THIN" panose="020B0403020202020204" pitchFamily="34" charset="0"/>
-              </a:rPr>
-              <a:t>5%</a:t>
-            </a:r>
-            <a:r>
-              <a:rPr lang="en-FR" dirty="0">
-                <a:latin typeface="Helvetica Neue Thin" panose="020B0403020202020204" pitchFamily="34" charset="0"/>
-                <a:ea typeface="Helvetica Neue Thin" panose="020B0403020202020204" pitchFamily="34" charset="0"/>
-              </a:rPr>
-              <a:t>. If the goal is to force the system to explore </a:t>
-            </a:r>
-            <a:r>
-              <a:rPr lang="en-FR" b="1" dirty="0">
-                <a:latin typeface="Helvetica Neue Thin" panose="020B0403020202020204" pitchFamily="34" charset="0"/>
-                <a:ea typeface="Helvetica Neue Thin" panose="020B0403020202020204" pitchFamily="34" charset="0"/>
-              </a:rPr>
-              <a:t>t</a:t>
-            </a:r>
-            <a:r>
-              <a:rPr lang="en-FR" dirty="0">
-                <a:latin typeface="Helvetica Neue Thin" panose="020B0403020202020204" pitchFamily="34" charset="0"/>
-                <a:ea typeface="Helvetica Neue Thin" panose="020B0403020202020204" pitchFamily="34" charset="0"/>
-              </a:rPr>
-              <a:t> more often, you can stop here. If the goal is to try to get the system to explore them equally, then you can go back </a:t>
-            </a:r>
-            <a:r>
-              <a:rPr lang="en-FR" b="1" dirty="0">
-                <a:latin typeface="Helvetica Neue Thin" panose="020B0403020202020204" pitchFamily="34" charset="0"/>
-                <a:ea typeface="Helvetica Neue Thin" panose="020B0403020202020204" pitchFamily="34" charset="0"/>
-              </a:rPr>
-              <a:t>to Step 5 </a:t>
-            </a:r>
-            <a:r>
-              <a:rPr lang="en-FR" dirty="0">
-                <a:latin typeface="Helvetica Neue Thin" panose="020B0403020202020204" pitchFamily="34" charset="0"/>
-                <a:ea typeface="Helvetica Neue Thin" panose="020B0403020202020204" pitchFamily="34" charset="0"/>
-              </a:rPr>
-              <a:t>and try again.</a:t>
+              <a:t>: 0.099] </a:t>
             </a:r>
           </a:p>
           <a:p>
@@ -6081,225 +6103,36 @@
                 <a:latin typeface="Helvetica Neue Thin" panose="020B0403020202020204" pitchFamily="34" charset="0"/>
                 <a:ea typeface="Helvetica Neue Thin" panose="020B0403020202020204" pitchFamily="34" charset="0"/>
               </a:rPr>
-              <a:t>For example if I now try a different proposal distribution:</a:t>
-            </a:r>
-          </a:p>
-          <a:p>
-            <a:r>
-              <a:rPr lang="en-GB" dirty="0">
-                <a:latin typeface="Helvetica Neue Thin" panose="020B0403020202020204" pitchFamily="34" charset="0"/>
-                <a:ea typeface="Helvetica Neue Thin" panose="020B0403020202020204" pitchFamily="34" charset="0"/>
-              </a:rPr>
-              <a:t>[</a:t>
-            </a:r>
-            <a:r>
-              <a:rPr lang="en-GB" b="1" dirty="0">
+              <a:t>So </a:t>
+            </a:r>
+            <a:r>
+              <a:rPr lang="en-FR" b="1" dirty="0">
                 <a:latin typeface="Helvetica Neue Thin" panose="020B0403020202020204" pitchFamily="34" charset="0"/>
                 <a:ea typeface="Helvetica Neue Thin" panose="020B0403020202020204" pitchFamily="34" charset="0"/>
               </a:rPr>
               <a:t>t</a:t>
             </a:r>
             <a:r>
-              <a:rPr lang="en-GB" dirty="0">
-                <a:latin typeface="Helvetica Neue Thin" panose="020B0403020202020204" pitchFamily="34" charset="0"/>
-                <a:ea typeface="Helvetica Neue Thin" panose="020B0403020202020204" pitchFamily="34" charset="0"/>
-              </a:rPr>
-              <a:t>: 0.135, </a:t>
-            </a:r>
-            <a:r>
-              <a:rPr lang="en-GB" b="1" dirty="0">
-                <a:latin typeface="Helvetica Neue Thin" panose="020B0403020202020204" pitchFamily="34" charset="0"/>
-                <a:ea typeface="Helvetica Neue Thin" panose="020B0403020202020204" pitchFamily="34" charset="0"/>
-              </a:rPr>
-              <a:t>t1</a:t>
-            </a:r>
-            <a:r>
-              <a:rPr lang="en-GB" dirty="0">
-                <a:latin typeface="Helvetica Neue Thin" panose="020B0403020202020204" pitchFamily="34" charset="0"/>
-                <a:ea typeface="Helvetica Neue Thin" panose="020B0403020202020204" pitchFamily="34" charset="0"/>
-              </a:rPr>
-              <a:t>: 0.35; </a:t>
-            </a:r>
-            <a:r>
-              <a:rPr lang="en-GB" b="1" dirty="0">
-                <a:latin typeface="Helvetica Neue Thin" panose="020B0403020202020204" pitchFamily="34" charset="0"/>
-                <a:ea typeface="Helvetica Neue Thin" panose="020B0403020202020204" pitchFamily="34" charset="0"/>
-              </a:rPr>
-              <a:t>t2</a:t>
-            </a:r>
-            <a:r>
-              <a:rPr lang="en-GB" dirty="0">
-                <a:latin typeface="Helvetica Neue Thin" panose="020B0403020202020204" pitchFamily="34" charset="0"/>
-                <a:ea typeface="Helvetica Neue Thin" panose="020B0403020202020204" pitchFamily="34" charset="0"/>
-              </a:rPr>
-              <a:t>: 0.35; </a:t>
-            </a:r>
-            <a:r>
-              <a:rPr lang="en-GB" b="1" dirty="0">
-                <a:latin typeface="Helvetica Neue Thin" panose="020B0403020202020204" pitchFamily="34" charset="0"/>
-                <a:ea typeface="Helvetica Neue Thin" panose="020B0403020202020204" pitchFamily="34" charset="0"/>
-              </a:rPr>
-              <a:t>t4</a:t>
-            </a:r>
-            <a:r>
-              <a:rPr lang="en-GB" dirty="0">
-                <a:latin typeface="Helvetica Neue Thin" panose="020B0403020202020204" pitchFamily="34" charset="0"/>
-                <a:ea typeface="Helvetica Neue Thin" panose="020B0403020202020204" pitchFamily="34" charset="0"/>
-              </a:rPr>
-              <a:t>: 0.165]</a:t>
-            </a:r>
-          </a:p>
-          <a:p>
-            <a:endParaRPr lang="en-GB" dirty="0">
-              <a:latin typeface="Helvetica Neue Thin" panose="020B0403020202020204" pitchFamily="34" charset="0"/>
-              <a:ea typeface="Helvetica Neue Thin" panose="020B0403020202020204" pitchFamily="34" charset="0"/>
-            </a:endParaRPr>
-          </a:p>
-          <a:p>
-            <a:r>
-              <a:rPr lang="en-GB" dirty="0">
-                <a:latin typeface="Helvetica Neue Thin" panose="020B0403020202020204" pitchFamily="34" charset="0"/>
-                <a:ea typeface="Helvetica Neue Thin" panose="020B0403020202020204" pitchFamily="34" charset="0"/>
-              </a:rPr>
-              <a:t>Running the system gives:</a:t>
-            </a:r>
-          </a:p>
-          <a:p>
-            <a:r>
               <a:rPr lang="en-FR" dirty="0">
                 <a:latin typeface="Helvetica Neue Thin" panose="020B0403020202020204" pitchFamily="34" charset="0"/>
                 <a:ea typeface="Helvetica Neue Thin" panose="020B0403020202020204" pitchFamily="34" charset="0"/>
               </a:rPr>
-              <a:t>[</a:t>
+              <a:t> and </a:t>
             </a:r>
             <a:r>
               <a:rPr lang="en-FR" b="1" dirty="0">
                 <a:latin typeface="HELVETICA NEUE THIN" panose="020B0403020202020204" pitchFamily="34" charset="0"/>
                 <a:ea typeface="HELVETICA NEUE THIN" panose="020B0403020202020204" pitchFamily="34" charset="0"/>
               </a:rPr>
-              <a:t>t</a:t>
+              <a:t>t4</a:t>
             </a:r>
             <a:r>
               <a:rPr lang="en-FR" dirty="0">
                 <a:latin typeface="Helvetica Neue Thin" panose="020B0403020202020204" pitchFamily="34" charset="0"/>
                 <a:ea typeface="Helvetica Neue Thin" panose="020B0403020202020204" pitchFamily="34" charset="0"/>
               </a:rPr>
-              <a:t>:</a:t>
-            </a:r>
-            <a:r>
-              <a:rPr lang="en-FR" dirty="0">
-                <a:latin typeface="Helvetica Neue Thin" panose="020B0403020202020204" pitchFamily="34" charset="0"/>
-                <a:ea typeface="Helvetica Neue Thin" panose="020B0403020202020204" pitchFamily="34" charset="0"/>
-              </a:rPr>
-              <a:t> </a:t>
-            </a:r>
-            <a:r>
-              <a:rPr lang="en-FR" dirty="0">
-                <a:latin typeface="Helvetica Neue Thin" panose="020B0403020202020204" pitchFamily="34" charset="0"/>
-                <a:ea typeface="Helvetica Neue Thin" panose="020B0403020202020204" pitchFamily="34" charset="0"/>
-              </a:rPr>
-              <a:t>0.100, </a:t>
-            </a:r>
-            <a:r>
-              <a:rPr lang="en-FR" b="1" dirty="0">
-                <a:latin typeface="HELVETICA NEUE THIN" panose="020B0403020202020204" pitchFamily="34" charset="0"/>
-                <a:ea typeface="HELVETICA NEUE THIN" panose="020B0403020202020204" pitchFamily="34" charset="0"/>
-              </a:rPr>
-              <a:t>t1</a:t>
-            </a:r>
-            <a:r>
-              <a:rPr lang="en-FR" dirty="0">
-                <a:latin typeface="Helvetica Neue Thin" panose="020B0403020202020204" pitchFamily="34" charset="0"/>
-                <a:ea typeface="Helvetica Neue Thin" panose="020B0403020202020204" pitchFamily="34" charset="0"/>
-              </a:rPr>
-              <a:t>: 0.400, </a:t>
-            </a:r>
-            <a:r>
-              <a:rPr lang="en-FR" b="1" dirty="0">
-                <a:latin typeface="HELVETICA NEUE THIN" panose="020B0403020202020204" pitchFamily="34" charset="0"/>
-                <a:ea typeface="HELVETICA NEUE THIN" panose="020B0403020202020204" pitchFamily="34" charset="0"/>
-              </a:rPr>
-              <a:t>t2</a:t>
-            </a:r>
-            <a:r>
-              <a:rPr lang="en-FR" dirty="0">
-                <a:latin typeface="Helvetica Neue Thin" panose="020B0403020202020204" pitchFamily="34" charset="0"/>
-                <a:ea typeface="Helvetica Neue Thin" panose="020B0403020202020204" pitchFamily="34" charset="0"/>
-              </a:rPr>
-              <a:t>: 0.400 </a:t>
-            </a:r>
-            <a:r>
-              <a:rPr lang="en-FR" dirty="0">
-                <a:latin typeface="Helvetica Neue Thin" panose="020B0403020202020204" pitchFamily="34" charset="0"/>
-                <a:ea typeface="Helvetica Neue Thin" panose="020B0403020202020204" pitchFamily="34" charset="0"/>
-              </a:rPr>
-              <a:t>, </a:t>
-            </a:r>
-            <a:r>
-              <a:rPr lang="en-FR" b="1" dirty="0">
-                <a:latin typeface="HELVETICA NEUE THIN" panose="020B0403020202020204" pitchFamily="34" charset="0"/>
-                <a:ea typeface="HELVETICA NEUE THIN" panose="020B0403020202020204" pitchFamily="34" charset="0"/>
-              </a:rPr>
-              <a:t>t4</a:t>
-            </a:r>
-            <a:r>
-              <a:rPr lang="en-FR" dirty="0">
-                <a:latin typeface="Helvetica Neue Thin" panose="020B0403020202020204" pitchFamily="34" charset="0"/>
-                <a:ea typeface="Helvetica Neue Thin" panose="020B0403020202020204" pitchFamily="34" charset="0"/>
-              </a:rPr>
-              <a:t>: 0.099] </a:t>
-            </a:r>
-            <a:endParaRPr lang="en-FR" dirty="0">
-              <a:latin typeface="Helvetica Neue Thin" panose="020B0403020202020204" pitchFamily="34" charset="0"/>
-              <a:ea typeface="Helvetica Neue Thin" panose="020B0403020202020204" pitchFamily="34" charset="0"/>
-            </a:endParaRPr>
-          </a:p>
-          <a:p>
-            <a:endParaRPr lang="en-FR" dirty="0">
-              <a:latin typeface="Helvetica Neue Thin" panose="020B0403020202020204" pitchFamily="34" charset="0"/>
-              <a:ea typeface="Helvetica Neue Thin" panose="020B0403020202020204" pitchFamily="34" charset="0"/>
-            </a:endParaRPr>
-          </a:p>
-          <a:p>
-            <a:r>
-              <a:rPr lang="en-FR" dirty="0">
-                <a:latin typeface="Helvetica Neue Thin" panose="020B0403020202020204" pitchFamily="34" charset="0"/>
-                <a:ea typeface="Helvetica Neue Thin" panose="020B0403020202020204" pitchFamily="34" charset="0"/>
-              </a:rPr>
-              <a:t>So </a:t>
-            </a:r>
-            <a:r>
-              <a:rPr lang="en-FR" b="1" dirty="0">
-                <a:latin typeface="Helvetica Neue Thin" panose="020B0403020202020204" pitchFamily="34" charset="0"/>
-                <a:ea typeface="Helvetica Neue Thin" panose="020B0403020202020204" pitchFamily="34" charset="0"/>
-              </a:rPr>
-              <a:t>t</a:t>
-            </a:r>
-            <a:r>
-              <a:rPr lang="en-FR" dirty="0">
-                <a:latin typeface="Helvetica Neue Thin" panose="020B0403020202020204" pitchFamily="34" charset="0"/>
-                <a:ea typeface="Helvetica Neue Thin" panose="020B0403020202020204" pitchFamily="34" charset="0"/>
-              </a:rPr>
-              <a:t> and </a:t>
-            </a:r>
-            <a:r>
-              <a:rPr lang="en-FR" b="1" dirty="0">
-                <a:latin typeface="HELVETICA NEUE THIN" panose="020B0403020202020204" pitchFamily="34" charset="0"/>
-                <a:ea typeface="HELVETICA NEUE THIN" panose="020B0403020202020204" pitchFamily="34" charset="0"/>
-              </a:rPr>
-              <a:t>t4</a:t>
-            </a:r>
-            <a:r>
-              <a:rPr lang="en-FR" dirty="0">
-                <a:latin typeface="Helvetica Neue Thin" panose="020B0403020202020204" pitchFamily="34" charset="0"/>
-                <a:ea typeface="Helvetica Neue Thin" panose="020B0403020202020204" pitchFamily="34" charset="0"/>
-              </a:rPr>
               <a:t> now appear (more or less) equally. </a:t>
             </a:r>
-            <a:endParaRPr lang="en-FR" dirty="0">
-              <a:latin typeface="Helvetica Neue Thin" panose="020B0403020202020204" pitchFamily="34" charset="0"/>
-              <a:ea typeface="Helvetica Neue Thin" panose="020B0403020202020204" pitchFamily="34" charset="0"/>
-            </a:endParaRPr>
           </a:p>
         </p:txBody>
       </p:sp>
@@ -6623,10 +6456,6 @@
               </a:rPr>
               <a:t>More detailed explanations</a:t>
             </a:r>
-            <a:endParaRPr lang="en-FR" dirty="0">
-              <a:latin typeface="Helvetica Neue Thin" panose="020B0403020202020204" pitchFamily="34" charset="0"/>
-              <a:ea typeface="Helvetica Neue Thin" panose="020B0403020202020204" pitchFamily="34" charset="0"/>
-            </a:endParaRPr>
           </a:p>
         </p:txBody>
       </p:sp>
@@ -6741,26 +6570,8 @@
                 <a:latin typeface="Helvetica Neue Thin" panose="020B0403020202020204" pitchFamily="34" charset="0"/>
                 <a:ea typeface="Helvetica Neue Thin" panose="020B0403020202020204" pitchFamily="34" charset="0"/>
               </a:rPr>
-              <a:t> Markov chain describes a system that transitions between different </a:t>
-            </a:r>
-            <a:r>
-              <a:rPr lang="en-FR" dirty="0">
-                <a:latin typeface="Helvetica Neue Thin" panose="020B0403020202020204" pitchFamily="34" charset="0"/>
-                <a:ea typeface="Helvetica Neue Thin" panose="020B0403020202020204" pitchFamily="34" charset="0"/>
-              </a:rPr>
-              <a:t>states, where transitioning </a:t>
-            </a:r>
-            <a:r>
-              <a:rPr lang="en-FR" dirty="0">
-                <a:latin typeface="Helvetica Neue Thin" panose="020B0403020202020204" pitchFamily="34" charset="0"/>
-                <a:ea typeface="Helvetica Neue Thin" panose="020B0403020202020204" pitchFamily="34" charset="0"/>
-              </a:rPr>
-              <a:t>to the next state depends only on the current state.</a:t>
-            </a:r>
-            <a:endParaRPr lang="en-FR" dirty="0">
-              <a:latin typeface="Helvetica Neue Thin" panose="020B0403020202020204" pitchFamily="34" charset="0"/>
-              <a:ea typeface="Helvetica Neue Thin" panose="020B0403020202020204" pitchFamily="34" charset="0"/>
-            </a:endParaRPr>
+              <a:t> Markov chain describes a system that transitions between different states, where transitioning to the next state depends only on the current state.</a:t>
+            </a:r>
           </a:p>
           <a:p>
             <a:endParaRPr lang="en-FR" dirty="0">
@@ -6975,10 +6786,6 @@
               </a:rPr>
               <a:t>Markov Chain Monte Carlo (MCMC)</a:t>
             </a:r>
-            <a:endParaRPr lang="en-FR" sz="2000" dirty="0">
-              <a:latin typeface="Helvetica Neue Thin" panose="020B0403020202020204" pitchFamily="34" charset="0"/>
-              <a:ea typeface="Helvetica Neue Thin" panose="020B0403020202020204" pitchFamily="34" charset="0"/>
-            </a:endParaRPr>
           </a:p>
         </p:txBody>
       </p:sp>
@@ -7216,21 +7023,7 @@
                 <a:latin typeface="Helvetica Neue Thin" panose="020B0403020202020204" pitchFamily="34" charset="0"/>
                 <a:ea typeface="Helvetica Neue Thin" panose="020B0403020202020204" pitchFamily="34" charset="0"/>
               </a:rPr>
-              <a:t>: a pre-run graph would have each transition following every other transition</a:t>
-            </a:r>
-            <a:r>
-              <a:rPr lang="en-FR" dirty="0">
-                <a:latin typeface="Helvetica Neue Thin" panose="020B0403020202020204" pitchFamily="34" charset="0"/>
-                <a:ea typeface="Helvetica Neue Thin" panose="020B0403020202020204" pitchFamily="34" charset="0"/>
-              </a:rPr>
-              <a:t>, since you could expect this to be true </a:t>
-            </a:r>
-            <a:r>
-              <a:rPr lang="en-FR" dirty="0">
-                <a:latin typeface="Helvetica Neue Thin" panose="020B0403020202020204" pitchFamily="34" charset="0"/>
-                <a:ea typeface="Helvetica Neue Thin" panose="020B0403020202020204" pitchFamily="34" charset="0"/>
-              </a:rPr>
-              <a:t>[could probably run a static analysis to see if some transitions openly contradict some guards to filter out edges without having to run Cubicle]</a:t>
+              <a:t>: a pre-run graph would have each transition following every other transition, since you could expect this to be true [could probably run a static analysis to see if some transitions openly contradict some guards to filter out edges without having to run Cubicle]</a:t>
             </a:r>
           </a:p>
           <a:p>
@@ -7438,14 +7231,7 @@
                 <a:latin typeface="Helvetica Neue Thin" panose="020B0403020202020204" pitchFamily="34" charset="0"/>
                 <a:ea typeface="Helvetica Neue Thin" panose="020B0403020202020204" pitchFamily="34" charset="0"/>
               </a:rPr>
-              <a:t>Expectation:                                                        Reality</a:t>
-            </a:r>
-            <a:r>
-              <a:rPr lang="en-FR" dirty="0">
-                <a:latin typeface="Helvetica Neue Thin" panose="020B0403020202020204" pitchFamily="34" charset="0"/>
-                <a:ea typeface="Helvetica Neue Thin" panose="020B0403020202020204" pitchFamily="34" charset="0"/>
-              </a:rPr>
-              <a:t>:</a:t>
+              <a:t>Expectation:                                                        Reality:</a:t>
             </a:r>
           </a:p>
         </p:txBody>
@@ -9873,14 +9659,7 @@
                 <a:latin typeface="Helvetica Neue Thin" panose="020B0403020202020204" pitchFamily="34" charset="0"/>
                 <a:ea typeface="Helvetica Neue Thin" panose="020B0403020202020204" pitchFamily="34" charset="0"/>
               </a:rPr>
-              <a:t>In reality</a:t>
-            </a:r>
-            <a:r>
-              <a:rPr lang="en-GB" dirty="0">
-                <a:latin typeface="Helvetica Neue Thin" panose="020B0403020202020204" pitchFamily="34" charset="0"/>
-                <a:ea typeface="Helvetica Neue Thin" panose="020B0403020202020204" pitchFamily="34" charset="0"/>
-              </a:rPr>
-              <a:t>, there is a </a:t>
+              <a:t>In reality, there is a </a:t>
             </a:r>
             <a:r>
               <a:rPr lang="en-GB" b="1" dirty="0">
@@ -10310,7 +10089,16 @@
                 <a:ea typeface="Helvetica Neue Thin" panose="020B0403020202020204" pitchFamily="34" charset="0"/>
                 <a:cs typeface="Times New Roman" panose="02020603050405020304" pitchFamily="18" charset="0"/>
               </a:rPr>
-              <a:t>Run Cubicle forward to explore </a:t>
+              <a:t>Run Cubicle forward to explore the model </a:t>
+            </a:r>
+            <a:r>
+              <a:rPr lang="en-US" sz="1800" strike="sngStrike" dirty="0">
+                <a:effectLst/>
+                <a:latin typeface="Helvetica Neue Thin" panose="020B0403020202020204" pitchFamily="34" charset="0"/>
+                <a:ea typeface="Helvetica Neue Thin" panose="020B0403020202020204" pitchFamily="34" charset="0"/>
+                <a:cs typeface="Times New Roman" panose="02020603050405020304" pitchFamily="18" charset="0"/>
+              </a:rPr>
+              <a:t>evenly</a:t>
             </a:r>
             <a:r>
               <a:rPr lang="en-US" sz="1800" dirty="0">
@@ -10319,32 +10107,8 @@
                 <a:ea typeface="Helvetica Neue Thin" panose="020B0403020202020204" pitchFamily="34" charset="0"/>
                 <a:cs typeface="Times New Roman" panose="02020603050405020304" pitchFamily="18" charset="0"/>
               </a:rPr>
-              <a:t>the model </a:t>
-            </a:r>
-            <a:r>
-              <a:rPr lang="en-US" sz="1800" strike="sngStrike" dirty="0">
-                <a:effectLst/>
-                <a:latin typeface="Helvetica Neue Thin" panose="020B0403020202020204" pitchFamily="34" charset="0"/>
-                <a:ea typeface="Helvetica Neue Thin" panose="020B0403020202020204" pitchFamily="34" charset="0"/>
-                <a:cs typeface="Times New Roman" panose="02020603050405020304" pitchFamily="18" charset="0"/>
-              </a:rPr>
-              <a:t>evenly</a:t>
-            </a:r>
-            <a:r>
-              <a:rPr lang="en-US" sz="1800" dirty="0">
-                <a:effectLst/>
-                <a:latin typeface="Helvetica Neue Thin" panose="020B0403020202020204" pitchFamily="34" charset="0"/>
-                <a:ea typeface="Helvetica Neue Thin" panose="020B0403020202020204" pitchFamily="34" charset="0"/>
-                <a:cs typeface="Times New Roman" panose="02020603050405020304" pitchFamily="18" charset="0"/>
-              </a:rPr>
               <a:t>.</a:t>
             </a:r>
-            <a:endParaRPr lang="en-US" sz="1800" dirty="0">
-              <a:effectLst/>
-              <a:latin typeface="Helvetica Neue Thin" panose="020B0403020202020204" pitchFamily="34" charset="0"/>
-              <a:ea typeface="Helvetica Neue Thin" panose="020B0403020202020204" pitchFamily="34" charset="0"/>
-              <a:cs typeface="Times New Roman" panose="02020603050405020304" pitchFamily="18" charset="0"/>
-            </a:endParaRPr>
           </a:p>
           <a:p>
             <a:endParaRPr lang="en-US" sz="800" dirty="0">
@@ -10370,16 +10134,7 @@
                 <a:ea typeface="Helvetica Neue Thin" panose="020B0403020202020204" pitchFamily="34" charset="0"/>
                 <a:cs typeface="Times New Roman" panose="02020603050405020304" pitchFamily="18" charset="0"/>
               </a:rPr>
-              <a:t>f a behavior that leads to a transition is rare then a simple random generation might not go that way enough times. The exploration </a:t>
-            </a:r>
-            <a:r>
-              <a:rPr lang="en-US" sz="1800" dirty="0">
-                <a:effectLst/>
-                <a:latin typeface="Helvetica Neue Thin" panose="020B0403020202020204" pitchFamily="34" charset="0"/>
-                <a:ea typeface="Helvetica Neue Thin" panose="020B0403020202020204" pitchFamily="34" charset="0"/>
-                <a:cs typeface="Times New Roman" panose="02020603050405020304" pitchFamily="18" charset="0"/>
-              </a:rPr>
-              <a:t>is uneven. </a:t>
+              <a:t>f a behavior that leads to a transition is rare then a simple random generation might not go that way enough times. The exploration is uneven. </a:t>
             </a:r>
             <a:endParaRPr lang="en-FR" sz="1800" dirty="0">
               <a:effectLst/>
@@ -10432,14 +10187,6 @@
               </a:rPr>
               <a:t>Running example: cascading if </a:t>
             </a:r>
-            <a:endParaRPr lang="en-FR" dirty="0">
-              <a:solidFill>
-                <a:srgbClr val="00B050"/>
-              </a:solidFill>
-              <a:latin typeface="Helvetica Neue Thin" panose="020B0403020202020204" pitchFamily="34" charset="0"/>
-              <a:ea typeface="Helvetica Neue Thin" panose="020B0403020202020204" pitchFamily="34" charset="0"/>
-              <a:cs typeface="Helvetica Neue" panose="02000503000000020004" pitchFamily="2" charset="0"/>
-            </a:endParaRPr>
           </a:p>
         </p:txBody>
       </p:sp>
@@ -11207,10 +10954,6 @@
               </a:rPr>
               <a:t>diversly</a:t>
             </a:r>
-            <a:endParaRPr lang="en-FR" dirty="0">
-              <a:latin typeface="Helvetica Neue Thin" panose="020B0403020202020204" pitchFamily="34" charset="0"/>
-              <a:ea typeface="Helvetica Neue Thin" panose="020B0403020202020204" pitchFamily="34" charset="0"/>
-            </a:endParaRPr>
           </a:p>
         </p:txBody>
       </p:sp>
@@ -12177,14 +11920,7 @@
                 <a:latin typeface="Helvetica Neue Thin" panose="020B0403020202020204" pitchFamily="34" charset="0"/>
                 <a:ea typeface="Helvetica Neue Thin" panose="020B0403020202020204" pitchFamily="34" charset="0"/>
               </a:rPr>
-              <a:t>in the running example, after a test-run (1 000 </a:t>
-            </a:r>
-            <a:r>
-              <a:rPr lang="en-FR" dirty="0">
-                <a:latin typeface="Helvetica Neue Thin" panose="020B0403020202020204" pitchFamily="34" charset="0"/>
-                <a:ea typeface="Helvetica Neue Thin" panose="020B0403020202020204" pitchFamily="34" charset="0"/>
-              </a:rPr>
-              <a:t>000 Monte Carlo steps)</a:t>
+              <a:t>in the running example, after a test-run (1 000 000 Monte Carlo steps)</a:t>
             </a:r>
           </a:p>
           <a:p>
@@ -12417,30 +12153,16 @@
                 <a:latin typeface="Helvetica Neue Thin" panose="020B0403020202020204" pitchFamily="34" charset="0"/>
                 <a:ea typeface="Helvetica Neue Thin" panose="020B0403020202020204" pitchFamily="34" charset="0"/>
               </a:rPr>
-              <a:t>(highlighted in red</a:t>
-            </a:r>
+              <a:t>(highlighted in red) </a:t>
+            </a:r>
+          </a:p>
+          <a:p>
             <a:r>
               <a:rPr lang="en-FR" dirty="0">
                 <a:latin typeface="Helvetica Neue Thin" panose="020B0403020202020204" pitchFamily="34" charset="0"/>
                 <a:ea typeface="Helvetica Neue Thin" panose="020B0403020202020204" pitchFamily="34" charset="0"/>
               </a:rPr>
-              <a:t>) </a:t>
-            </a:r>
-          </a:p>
-          <a:p>
-            <a:r>
-              <a:rPr lang="en-FR" dirty="0">
-                <a:latin typeface="Helvetica Neue Thin" panose="020B0403020202020204" pitchFamily="34" charset="0"/>
-                <a:ea typeface="Helvetica Neue Thin" panose="020B0403020202020204" pitchFamily="34" charset="0"/>
-              </a:rPr>
-              <a:t>The </a:t>
-            </a:r>
-            <a:r>
-              <a:rPr lang="en-FR" dirty="0">
-                <a:latin typeface="Helvetica Neue Thin" panose="020B0403020202020204" pitchFamily="34" charset="0"/>
-                <a:ea typeface="Helvetica Neue Thin" panose="020B0403020202020204" pitchFamily="34" charset="0"/>
-              </a:rPr>
-              <a:t>probability of a sequence </a:t>
+              <a:t>The probability of a sequence </a:t>
             </a:r>
             <a:r>
               <a:rPr lang="en-FR" dirty="0">
@@ -12996,8 +12718,8 @@
           <a:chExt cx="0" cy="0"/>
         </a:xfrm>
       </p:grpSpPr>
-      <mc:AlternateContent xmlns:mc="http://schemas.openxmlformats.org/markup-compatibility/2006">
-        <mc:Choice xmlns:a14="http://schemas.microsoft.com/office/drawing/2010/main" Requires="a14">
+      <mc:AlternateContent xmlns:mc="http://schemas.openxmlformats.org/markup-compatibility/2006" xmlns:a14="http://schemas.microsoft.com/office/drawing/2010/main">
+        <mc:Choice Requires="a14">
           <p:sp>
             <p:nvSpPr>
               <p:cNvPr id="2" name="TextBox 1">
@@ -13130,7 +12852,7 @@
                       <m:naryPr>
                         <m:chr m:val="∑"/>
                         <m:ctrlPr>
-                          <a:rPr lang="en-GB" smtClean="0">
+                          <a:rPr lang="en-GB" i="1" smtClean="0">
                             <a:solidFill>
                               <a:srgbClr val="0070C0"/>
                             </a:solidFill>
@@ -13180,7 +12902,7 @@
                         <m:sSub>
                           <m:sSubPr>
                             <m:ctrlPr>
-                              <a:rPr lang="en-GB" smtClean="0">
+                              <a:rPr lang="en-GB" i="1" smtClean="0">
                                 <a:solidFill>
                                   <a:srgbClr val="0070C0"/>
                                 </a:solidFill>
@@ -13229,7 +12951,7 @@
                         <m:func>
                           <m:funcPr>
                             <m:ctrlPr>
-                              <a:rPr lang="en-US" smtClean="0">
+                              <a:rPr lang="en-US" i="1" smtClean="0">
                                 <a:solidFill>
                                   <a:srgbClr val="0070C0"/>
                                 </a:solidFill>
@@ -13241,7 +12963,7 @@
                             <m:sSub>
                               <m:sSubPr>
                                 <m:ctrlPr>
-                                  <a:rPr lang="en-US" smtClean="0">
+                                  <a:rPr lang="en-US" i="1" smtClean="0">
                                     <a:solidFill>
                                       <a:srgbClr val="0070C0"/>
                                     </a:solidFill>
@@ -13280,7 +13002,7 @@
                             <m:sSub>
                               <m:sSubPr>
                                 <m:ctrlPr>
-                                  <a:rPr lang="en-US" smtClean="0">
+                                  <a:rPr lang="en-US" i="1" smtClean="0">
                                     <a:solidFill>
                                       <a:srgbClr val="0070C0"/>
                                     </a:solidFill>
@@ -13348,7 +13070,7 @@
             </p:txBody>
           </p:sp>
         </mc:Choice>
-        <mc:Fallback>
+        <mc:Fallback xmlns="">
           <p:sp>
             <p:nvSpPr>
               <p:cNvPr id="2" name="TextBox 1">
@@ -13925,8 +13647,8 @@
           </a:fontRef>
         </p:style>
       </p:cxnSp>
-      <mc:AlternateContent xmlns:mc="http://schemas.openxmlformats.org/markup-compatibility/2006">
-        <mc:Choice xmlns:a14="http://schemas.microsoft.com/office/drawing/2010/main" Requires="a14">
+      <mc:AlternateContent xmlns:mc="http://schemas.openxmlformats.org/markup-compatibility/2006" xmlns:a14="http://schemas.microsoft.com/office/drawing/2010/main">
+        <mc:Choice Requires="a14">
           <p:sp>
             <p:nvSpPr>
               <p:cNvPr id="44" name="TextBox 43">
@@ -13983,7 +13705,7 @@
                       <m:func>
                         <m:funcPr>
                           <m:ctrlPr>
-                            <a:rPr lang="en-GB" sz="1400" smtClean="0">
+                            <a:rPr lang="en-GB" sz="1400" i="1" smtClean="0">
                               <a:latin typeface="Cambria Math" panose="02040503050406030204" pitchFamily="18" charset="0"/>
                             </a:rPr>
                           </m:ctrlPr>
@@ -14000,7 +13722,7 @@
                           <m:d>
                             <m:dPr>
                               <m:ctrlPr>
-                                <a:rPr lang="en-US" sz="1400" smtClean="0">
+                                <a:rPr lang="en-US" sz="1400" i="1" smtClean="0">
                                   <a:latin typeface="Cambria Math" panose="02040503050406030204" pitchFamily="18" charset="0"/>
                                 </a:rPr>
                               </m:ctrlPr>
@@ -14009,7 +13731,7 @@
                               <m:f>
                                 <m:fPr>
                                   <m:ctrlPr>
-                                    <a:rPr lang="en-US" sz="1400" smtClean="0">
+                                    <a:rPr lang="en-US" sz="1400" i="1" smtClean="0">
                                       <a:latin typeface="Cambria Math" panose="02040503050406030204" pitchFamily="18" charset="0"/>
                                     </a:rPr>
                                   </m:ctrlPr>
@@ -14034,7 +13756,7 @@
                               <m:func>
                                 <m:funcPr>
                                   <m:ctrlPr>
-                                    <a:rPr lang="en-US" sz="1400" smtClean="0">
+                                    <a:rPr lang="en-US" sz="1400" i="1" smtClean="0">
                                       <a:latin typeface="Cambria Math" panose="02040503050406030204" pitchFamily="18" charset="0"/>
                                     </a:rPr>
                                   </m:ctrlPr>
@@ -14043,7 +13765,7 @@
                                   <m:sSub>
                                     <m:sSubPr>
                                       <m:ctrlPr>
-                                        <a:rPr lang="en-US" sz="1400" smtClean="0">
+                                        <a:rPr lang="en-US" sz="1400" i="1" smtClean="0">
                                           <a:latin typeface="Cambria Math" panose="02040503050406030204" pitchFamily="18" charset="0"/>
                                         </a:rPr>
                                       </m:ctrlPr>
@@ -14073,7 +13795,7 @@
                                   <m:f>
                                     <m:fPr>
                                       <m:ctrlPr>
-                                        <a:rPr lang="en-US" sz="1400" smtClean="0">
+                                        <a:rPr lang="en-US" sz="1400" i="1" smtClean="0">
                                           <a:latin typeface="Cambria Math" panose="02040503050406030204" pitchFamily="18" charset="0"/>
                                         </a:rPr>
                                       </m:ctrlPr>
@@ -14114,7 +13836,7 @@
                           <m:func>
                             <m:funcPr>
                               <m:ctrlPr>
-                                <a:rPr lang="en-US" sz="1400" smtClean="0">
+                                <a:rPr lang="en-US" sz="1400" i="1" smtClean="0">
                                   <a:latin typeface="Cambria Math" panose="02040503050406030204" pitchFamily="18" charset="0"/>
                                 </a:rPr>
                               </m:ctrlPr>
@@ -14123,7 +13845,7 @@
                               <m:sSub>
                                 <m:sSubPr>
                                   <m:ctrlPr>
-                                    <a:rPr lang="en-US" sz="1400" smtClean="0">
+                                    <a:rPr lang="en-US" sz="1400" i="1" smtClean="0">
                                       <a:latin typeface="Cambria Math" panose="02040503050406030204" pitchFamily="18" charset="0"/>
                                     </a:rPr>
                                   </m:ctrlPr>
@@ -14178,7 +13900,7 @@
             </p:txBody>
           </p:sp>
         </mc:Choice>
-        <mc:Fallback>
+        <mc:Fallback xmlns="">
           <p:sp>
             <p:nvSpPr>
               <p:cNvPr id="44" name="TextBox 43">
@@ -14223,8 +13945,8 @@
           </p:sp>
         </mc:Fallback>
       </mc:AlternateContent>
-      <mc:AlternateContent xmlns:mc="http://schemas.openxmlformats.org/markup-compatibility/2006">
-        <mc:Choice xmlns:a14="http://schemas.microsoft.com/office/drawing/2010/main" Requires="a14">
+      <mc:AlternateContent xmlns:mc="http://schemas.openxmlformats.org/markup-compatibility/2006" xmlns:a14="http://schemas.microsoft.com/office/drawing/2010/main">
+        <mc:Choice Requires="a14">
           <p:sp>
             <p:nvSpPr>
               <p:cNvPr id="45" name="TextBox 44">
@@ -14281,7 +14003,7 @@
                       <m:func>
                         <m:funcPr>
                           <m:ctrlPr>
-                            <a:rPr lang="en-GB" sz="1400" smtClean="0">
+                            <a:rPr lang="en-GB" sz="1400" i="1" smtClean="0">
                               <a:latin typeface="Cambria Math" panose="02040503050406030204" pitchFamily="18" charset="0"/>
                             </a:rPr>
                           </m:ctrlPr>
@@ -14298,7 +14020,7 @@
                           <m:d>
                             <m:dPr>
                               <m:ctrlPr>
-                                <a:rPr lang="en-US" sz="1400" smtClean="0">
+                                <a:rPr lang="en-US" sz="1400" i="1" smtClean="0">
                                   <a:latin typeface="Cambria Math" panose="02040503050406030204" pitchFamily="18" charset="0"/>
                                 </a:rPr>
                               </m:ctrlPr>
@@ -14307,7 +14029,7 @@
                               <m:f>
                                 <m:fPr>
                                   <m:ctrlPr>
-                                    <a:rPr lang="en-US" sz="1400" smtClean="0">
+                                    <a:rPr lang="en-US" sz="1400" i="1" smtClean="0">
                                       <a:latin typeface="Cambria Math" panose="02040503050406030204" pitchFamily="18" charset="0"/>
                                     </a:rPr>
                                   </m:ctrlPr>
@@ -14332,7 +14054,7 @@
                               <m:func>
                                 <m:funcPr>
                                   <m:ctrlPr>
-                                    <a:rPr lang="en-US" sz="1400" smtClean="0">
+                                    <a:rPr lang="en-US" sz="1400" i="1" smtClean="0">
                                       <a:latin typeface="Cambria Math" panose="02040503050406030204" pitchFamily="18" charset="0"/>
                                     </a:rPr>
                                   </m:ctrlPr>
@@ -14341,7 +14063,7 @@
                                   <m:sSub>
                                     <m:sSubPr>
                                       <m:ctrlPr>
-                                        <a:rPr lang="en-US" sz="1400" smtClean="0">
+                                        <a:rPr lang="en-US" sz="1400" i="1" smtClean="0">
                                           <a:latin typeface="Cambria Math" panose="02040503050406030204" pitchFamily="18" charset="0"/>
                                         </a:rPr>
                                       </m:ctrlPr>
@@ -14371,7 +14093,7 @@
                                   <m:f>
                                     <m:fPr>
                                       <m:ctrlPr>
-                                        <a:rPr lang="en-US" sz="1400" smtClean="0">
+                                        <a:rPr lang="en-US" sz="1400" i="1" smtClean="0">
                                           <a:latin typeface="Cambria Math" panose="02040503050406030204" pitchFamily="18" charset="0"/>
                                         </a:rPr>
                                       </m:ctrlPr>
@@ -14412,7 +14134,7 @@
                           <m:func>
                             <m:funcPr>
                               <m:ctrlPr>
-                                <a:rPr lang="en-US" sz="1400" smtClean="0">
+                                <a:rPr lang="en-US" sz="1400" i="1" smtClean="0">
                                   <a:latin typeface="Cambria Math" panose="02040503050406030204" pitchFamily="18" charset="0"/>
                                 </a:rPr>
                               </m:ctrlPr>
@@ -14421,7 +14143,7 @@
                               <m:sSub>
                                 <m:sSubPr>
                                   <m:ctrlPr>
-                                    <a:rPr lang="en-US" sz="1400" smtClean="0">
+                                    <a:rPr lang="en-US" sz="1400" i="1" smtClean="0">
                                       <a:latin typeface="Cambria Math" panose="02040503050406030204" pitchFamily="18" charset="0"/>
                                     </a:rPr>
                                   </m:ctrlPr>
@@ -14476,7 +14198,7 @@
             </p:txBody>
           </p:sp>
         </mc:Choice>
-        <mc:Fallback>
+        <mc:Fallback xmlns="">
           <p:sp>
             <p:nvSpPr>
               <p:cNvPr id="45" name="TextBox 44">
@@ -15003,8 +14725,8 @@
           </a:fontRef>
         </p:style>
       </p:cxnSp>
-      <mc:AlternateContent xmlns:mc="http://schemas.openxmlformats.org/markup-compatibility/2006">
-        <mc:Choice xmlns:a14="http://schemas.microsoft.com/office/drawing/2010/main" Requires="a14">
+      <mc:AlternateContent xmlns:mc="http://schemas.openxmlformats.org/markup-compatibility/2006" xmlns:a14="http://schemas.microsoft.com/office/drawing/2010/main">
+        <mc:Choice Requires="a14">
           <p:sp>
             <p:nvSpPr>
               <p:cNvPr id="64" name="TextBox 63">
@@ -15053,7 +14775,7 @@
                       <m:func>
                         <m:funcPr>
                           <m:ctrlPr>
-                            <a:rPr lang="en-GB" sz="1400" smtClean="0">
+                            <a:rPr lang="en-GB" sz="1400" i="1" smtClean="0">
                               <a:latin typeface="Cambria Math" panose="02040503050406030204" pitchFamily="18" charset="0"/>
                             </a:rPr>
                           </m:ctrlPr>
@@ -15070,7 +14792,7 @@
                           <m:d>
                             <m:dPr>
                               <m:ctrlPr>
-                                <a:rPr lang="en-US" sz="1400" smtClean="0">
+                                <a:rPr lang="en-US" sz="1400" i="1" smtClean="0">
                                   <a:latin typeface="Cambria Math" panose="02040503050406030204" pitchFamily="18" charset="0"/>
                                 </a:rPr>
                               </m:ctrlPr>
@@ -15079,7 +14801,7 @@
                               <m:f>
                                 <m:fPr>
                                   <m:ctrlPr>
-                                    <a:rPr lang="en-US" sz="1400" smtClean="0">
+                                    <a:rPr lang="en-US" sz="1400" i="1" smtClean="0">
                                       <a:latin typeface="Cambria Math" panose="02040503050406030204" pitchFamily="18" charset="0"/>
                                     </a:rPr>
                                   </m:ctrlPr>
@@ -15104,7 +14826,7 @@
                               <m:func>
                                 <m:funcPr>
                                   <m:ctrlPr>
-                                    <a:rPr lang="en-US" sz="1400" smtClean="0">
+                                    <a:rPr lang="en-US" sz="1400" i="1" smtClean="0">
                                       <a:latin typeface="Cambria Math" panose="02040503050406030204" pitchFamily="18" charset="0"/>
                                     </a:rPr>
                                   </m:ctrlPr>
@@ -15113,7 +14835,7 @@
                                   <m:sSub>
                                     <m:sSubPr>
                                       <m:ctrlPr>
-                                        <a:rPr lang="en-US" sz="1400" smtClean="0">
+                                        <a:rPr lang="en-US" sz="1400" i="1" smtClean="0">
                                           <a:latin typeface="Cambria Math" panose="02040503050406030204" pitchFamily="18" charset="0"/>
                                         </a:rPr>
                                       </m:ctrlPr>
@@ -15143,7 +14865,7 @@
                                   <m:f>
                                     <m:fPr>
                                       <m:ctrlPr>
-                                        <a:rPr lang="en-US" sz="1400" smtClean="0">
+                                        <a:rPr lang="en-US" sz="1400" i="1" smtClean="0">
                                           <a:latin typeface="Cambria Math" panose="02040503050406030204" pitchFamily="18" charset="0"/>
                                         </a:rPr>
                                       </m:ctrlPr>
@@ -15184,7 +14906,7 @@
                           <m:func>
                             <m:funcPr>
                               <m:ctrlPr>
-                                <a:rPr lang="en-US" sz="1400" smtClean="0">
+                                <a:rPr lang="en-US" sz="1400" i="1" smtClean="0">
                                   <a:latin typeface="Cambria Math" panose="02040503050406030204" pitchFamily="18" charset="0"/>
                                 </a:rPr>
                               </m:ctrlPr>
@@ -15193,7 +14915,7 @@
                               <m:sSub>
                                 <m:sSubPr>
                                   <m:ctrlPr>
-                                    <a:rPr lang="en-US" sz="1400" smtClean="0">
+                                    <a:rPr lang="en-US" sz="1400" i="1" smtClean="0">
                                       <a:latin typeface="Cambria Math" panose="02040503050406030204" pitchFamily="18" charset="0"/>
                                     </a:rPr>
                                   </m:ctrlPr>
@@ -15248,7 +14970,7 @@
             </p:txBody>
           </p:sp>
         </mc:Choice>
-        <mc:Fallback>
+        <mc:Fallback xmlns="">
           <p:sp>
             <p:nvSpPr>
               <p:cNvPr id="64" name="TextBox 63">
@@ -15293,8 +15015,8 @@
           </p:sp>
         </mc:Fallback>
       </mc:AlternateContent>
-      <mc:AlternateContent xmlns:mc="http://schemas.openxmlformats.org/markup-compatibility/2006">
-        <mc:Choice xmlns:a14="http://schemas.microsoft.com/office/drawing/2010/main" Requires="a14">
+      <mc:AlternateContent xmlns:mc="http://schemas.openxmlformats.org/markup-compatibility/2006" xmlns:a14="http://schemas.microsoft.com/office/drawing/2010/main">
+        <mc:Choice Requires="a14">
           <p:sp>
             <p:nvSpPr>
               <p:cNvPr id="65" name="TextBox 64">
@@ -15343,7 +15065,7 @@
                       <m:func>
                         <m:funcPr>
                           <m:ctrlPr>
-                            <a:rPr lang="en-GB" sz="1400" smtClean="0">
+                            <a:rPr lang="en-GB" sz="1400" i="1" smtClean="0">
                               <a:latin typeface="Cambria Math" panose="02040503050406030204" pitchFamily="18" charset="0"/>
                             </a:rPr>
                           </m:ctrlPr>
@@ -15360,7 +15082,7 @@
                           <m:d>
                             <m:dPr>
                               <m:ctrlPr>
-                                <a:rPr lang="en-US" sz="1400" smtClean="0">
+                                <a:rPr lang="en-US" sz="1400" i="1" smtClean="0">
                                   <a:latin typeface="Cambria Math" panose="02040503050406030204" pitchFamily="18" charset="0"/>
                                 </a:rPr>
                               </m:ctrlPr>
@@ -15375,7 +15097,7 @@
                               <m:func>
                                 <m:funcPr>
                                   <m:ctrlPr>
-                                    <a:rPr lang="en-US" sz="1400" smtClean="0">
+                                    <a:rPr lang="en-US" sz="1400" i="1" smtClean="0">
                                       <a:latin typeface="Cambria Math" panose="02040503050406030204" pitchFamily="18" charset="0"/>
                                     </a:rPr>
                                   </m:ctrlPr>
@@ -15384,7 +15106,7 @@
                                   <m:sSub>
                                     <m:sSubPr>
                                       <m:ctrlPr>
-                                        <a:rPr lang="en-US" sz="1400" smtClean="0">
+                                        <a:rPr lang="en-US" sz="1400" i="1" smtClean="0">
                                           <a:latin typeface="Cambria Math" panose="02040503050406030204" pitchFamily="18" charset="0"/>
                                         </a:rPr>
                                       </m:ctrlPr>
@@ -15420,7 +15142,7 @@
                                   <m:func>
                                     <m:funcPr>
                                       <m:ctrlPr>
-                                        <a:rPr lang="en-US" sz="1400" smtClean="0">
+                                        <a:rPr lang="en-US" sz="1400" i="1" smtClean="0">
                                           <a:latin typeface="Cambria Math" panose="02040503050406030204" pitchFamily="18" charset="0"/>
                                         </a:rPr>
                                       </m:ctrlPr>
@@ -15429,7 +15151,7 @@
                                       <m:sSub>
                                         <m:sSubPr>
                                           <m:ctrlPr>
-                                            <a:rPr lang="en-US" sz="1400" smtClean="0">
+                                            <a:rPr lang="en-US" sz="1400" i="1" smtClean="0">
                                               <a:latin typeface="Cambria Math" panose="02040503050406030204" pitchFamily="18" charset="0"/>
                                             </a:rPr>
                                           </m:ctrlPr>
@@ -15494,7 +15216,7 @@
             </p:txBody>
           </p:sp>
         </mc:Choice>
-        <mc:Fallback>
+        <mc:Fallback xmlns="">
           <p:sp>
             <p:nvSpPr>
               <p:cNvPr id="65" name="TextBox 64">
@@ -16459,10 +16181,6 @@
               </a:rPr>
               <a:t>The method with various Cubicle models</a:t>
             </a:r>
-            <a:endParaRPr lang="en-FR" dirty="0">
-              <a:latin typeface="Helvetica Neue Thin" panose="020B0403020202020204" pitchFamily="34" charset="0"/>
-              <a:ea typeface="Helvetica Neue Thin" panose="020B0403020202020204" pitchFamily="34" charset="0"/>
-            </a:endParaRPr>
           </a:p>
         </p:txBody>
       </p:sp>
@@ -16579,21 +16297,7 @@
                 <a:latin typeface="Helvetica Neue Thin" panose="020B0403020202020204" pitchFamily="34" charset="0"/>
                 <a:ea typeface="Helvetica Neue Thin" panose="020B0403020202020204" pitchFamily="34" charset="0"/>
               </a:rPr>
-              <a:t> </a:t>
-            </a:r>
-            <a:r>
-              <a:rPr lang="en-US" sz="2400" dirty="0">
-                <a:latin typeface="Helvetica Neue Thin" panose="020B0403020202020204" pitchFamily="34" charset="0"/>
-                <a:ea typeface="Helvetica Neue Thin" panose="020B0403020202020204" pitchFamily="34" charset="0"/>
-              </a:rPr>
-              <a:t>entropy] [grouped </a:t>
-            </a:r>
-            <a:r>
-              <a:rPr lang="en-US" sz="2400" dirty="0">
-                <a:latin typeface="Helvetica Neue Thin" panose="020B0403020202020204" pitchFamily="34" charset="0"/>
-                <a:ea typeface="Helvetica Neue Thin" panose="020B0403020202020204" pitchFamily="34" charset="0"/>
-              </a:rPr>
-              <a:t>transitions]</a:t>
+              <a:t> entropy] [grouped transitions]</a:t>
             </a:r>
             <a:endParaRPr lang="en-FR" sz="2000" dirty="0">
               <a:latin typeface="Helvetica Neue Thin" panose="020B0403020202020204" pitchFamily="34" charset="0"/>
@@ -16756,10 +16460,6 @@
               </a:rPr>
               <a:t>Studying this matrix, it might seem weird that the transition exit -&gt; enter is possible directly. We can generate a detailed matrix to the system in more detail [next slide]</a:t>
             </a:r>
-            <a:endParaRPr lang="en-GB" dirty="0">
-              <a:latin typeface="Helvetica Neue Thin" panose="020B0403020202020204" pitchFamily="34" charset="0"/>
-              <a:ea typeface="Helvetica Neue Thin" panose="020B0403020202020204" pitchFamily="34" charset="0"/>
-            </a:endParaRPr>
           </a:p>
         </p:txBody>
       </p:sp>
@@ -16909,14 +16609,7 @@
                 <a:latin typeface="Helvetica Neue Thin" panose="020B0403020202020204" pitchFamily="34" charset="0"/>
                 <a:ea typeface="Helvetica Neue Thin" panose="020B0403020202020204" pitchFamily="34" charset="0"/>
               </a:rPr>
-              <a:t> [test-run maximizing </a:t>
-            </a:r>
-            <a:r>
-              <a:rPr lang="en-US" sz="2400" dirty="0">
-                <a:latin typeface="Helvetica Neue Thin" panose="020B0403020202020204" pitchFamily="34" charset="0"/>
-                <a:ea typeface="Helvetica Neue Thin" panose="020B0403020202020204" pitchFamily="34" charset="0"/>
-              </a:rPr>
-              <a:t>entropy] [detailed transitions]</a:t>
+              <a:t> [test-run maximizing entropy] [detailed transitions]</a:t>
             </a:r>
             <a:endParaRPr lang="en-FR" sz="2000" dirty="0">
               <a:latin typeface="Helvetica Neue Thin" panose="020B0403020202020204" pitchFamily="34" charset="0"/>
@@ -17590,10 +17283,6 @@
               </a:rPr>
               <a:t>Quick overview of proposed solution</a:t>
             </a:r>
-            <a:endParaRPr lang="en-FR" dirty="0">
-              <a:latin typeface="Helvetica Neue Thin" panose="020B0403020202020204" pitchFamily="34" charset="0"/>
-              <a:ea typeface="Helvetica Neue Thin" panose="020B0403020202020204" pitchFamily="34" charset="0"/>
-            </a:endParaRPr>
           </a:p>
         </p:txBody>
       </p:sp>
@@ -19500,6 +19189,2123 @@
 </p:sld>
 </file>
 
+<file path=ppt/slides/slide37.xml><?xml version="1.0" encoding="utf-8"?>
+<p:sld xmlns:a="http://schemas.openxmlformats.org/drawingml/2006/main" xmlns:r="http://schemas.openxmlformats.org/officeDocument/2006/relationships" xmlns:p="http://schemas.openxmlformats.org/presentationml/2006/main">
+  <p:cSld>
+    <p:spTree>
+      <p:nvGrpSpPr>
+        <p:cNvPr id="1" name=""/>
+        <p:cNvGrpSpPr/>
+        <p:nvPr/>
+      </p:nvGrpSpPr>
+      <p:grpSpPr>
+        <a:xfrm>
+          <a:off x="0" y="0"/>
+          <a:ext cx="0" cy="0"/>
+          <a:chOff x="0" y="0"/>
+          <a:chExt cx="0" cy="0"/>
+        </a:xfrm>
+      </p:grpSpPr>
+      <p:sp>
+        <p:nvSpPr>
+          <p:cNvPr id="2" name="Title 1">
+            <a:extLst>
+              <a:ext uri="{FF2B5EF4-FFF2-40B4-BE49-F238E27FC236}">
+                <a16:creationId xmlns:a16="http://schemas.microsoft.com/office/drawing/2014/main" id="{4C1D33F3-E651-2D7E-61AE-1FAC8B490A65}"/>
+              </a:ext>
+            </a:extLst>
+          </p:cNvPr>
+          <p:cNvSpPr>
+            <a:spLocks noGrp="1"/>
+          </p:cNvSpPr>
+          <p:nvPr>
+            <p:ph type="title"/>
+          </p:nvPr>
+        </p:nvSpPr>
+        <p:spPr>
+          <a:xfrm>
+            <a:off x="838200" y="2766218"/>
+            <a:ext cx="10515600" cy="1325563"/>
+          </a:xfrm>
+        </p:spPr>
+        <p:txBody>
+          <a:bodyPr/>
+          <a:lstStyle/>
+          <a:p>
+            <a:pPr algn="ctr"/>
+            <a:r>
+              <a:rPr lang="en-FR" dirty="0">
+                <a:latin typeface="Helvetica Neue Thin" panose="020B0403020202020204" pitchFamily="34" charset="0"/>
+                <a:ea typeface="Helvetica Neue Thin" panose="020B0403020202020204" pitchFamily="34" charset="0"/>
+              </a:rPr>
+              <a:t>Methods</a:t>
+            </a:r>
+          </a:p>
+        </p:txBody>
+      </p:sp>
+      <p:sp>
+        <p:nvSpPr>
+          <p:cNvPr id="4" name="Slide Number Placeholder 3">
+            <a:extLst>
+              <a:ext uri="{FF2B5EF4-FFF2-40B4-BE49-F238E27FC236}">
+                <a16:creationId xmlns:a16="http://schemas.microsoft.com/office/drawing/2014/main" id="{3B580CC0-0468-F7FE-9FE6-E0CFD5A3EAD7}"/>
+              </a:ext>
+            </a:extLst>
+          </p:cNvPr>
+          <p:cNvSpPr>
+            <a:spLocks noGrp="1"/>
+          </p:cNvSpPr>
+          <p:nvPr>
+            <p:ph type="sldNum" sz="quarter" idx="12"/>
+          </p:nvPr>
+        </p:nvSpPr>
+        <p:spPr/>
+        <p:txBody>
+          <a:bodyPr/>
+          <a:lstStyle/>
+          <a:p>
+            <a:fld id="{4A936E34-E911-F947-B710-F12161D09F63}" type="slidenum">
+              <a:rPr lang="en-FR" smtClean="0"/>
+              <a:t>37</a:t>
+            </a:fld>
+            <a:endParaRPr lang="en-FR"/>
+          </a:p>
+        </p:txBody>
+      </p:sp>
+    </p:spTree>
+    <p:extLst>
+      <p:ext uri="{BB962C8B-B14F-4D97-AF65-F5344CB8AC3E}">
+        <p14:creationId xmlns:p14="http://schemas.microsoft.com/office/powerpoint/2010/main" val="2845728732"/>
+      </p:ext>
+    </p:extLst>
+  </p:cSld>
+  <p:clrMapOvr>
+    <a:masterClrMapping/>
+  </p:clrMapOvr>
+</p:sld>
+</file>
+
+<file path=ppt/slides/slide38.xml><?xml version="1.0" encoding="utf-8"?>
+<p:sld xmlns:a="http://schemas.openxmlformats.org/drawingml/2006/main" xmlns:r="http://schemas.openxmlformats.org/officeDocument/2006/relationships" xmlns:p="http://schemas.openxmlformats.org/presentationml/2006/main">
+  <p:cSld>
+    <p:spTree>
+      <p:nvGrpSpPr>
+        <p:cNvPr id="1" name=""/>
+        <p:cNvGrpSpPr/>
+        <p:nvPr/>
+      </p:nvGrpSpPr>
+      <p:grpSpPr>
+        <a:xfrm>
+          <a:off x="0" y="0"/>
+          <a:ext cx="0" cy="0"/>
+          <a:chOff x="0" y="0"/>
+          <a:chExt cx="0" cy="0"/>
+        </a:xfrm>
+      </p:grpSpPr>
+      <p:sp>
+        <p:nvSpPr>
+          <p:cNvPr id="4" name="TextBox 3">
+            <a:extLst>
+              <a:ext uri="{FF2B5EF4-FFF2-40B4-BE49-F238E27FC236}">
+                <a16:creationId xmlns:a16="http://schemas.microsoft.com/office/drawing/2014/main" id="{10DEA0E4-DA7F-E905-D91F-6C01DD4C8C81}"/>
+              </a:ext>
+            </a:extLst>
+          </p:cNvPr>
+          <p:cNvSpPr txBox="1"/>
+          <p:nvPr/>
+        </p:nvSpPr>
+        <p:spPr>
+          <a:xfrm>
+            <a:off x="94445" y="123726"/>
+            <a:ext cx="7456093" cy="461665"/>
+          </a:xfrm>
+          <a:prstGeom prst="rect">
+            <a:avLst/>
+          </a:prstGeom>
+          <a:noFill/>
+        </p:spPr>
+        <p:txBody>
+          <a:bodyPr wrap="square" rtlCol="0">
+            <a:spAutoFit/>
+          </a:bodyPr>
+          <a:lstStyle/>
+          <a:p>
+            <a:r>
+              <a:rPr lang="en-US" sz="2400" dirty="0">
+                <a:latin typeface="Helvetica Neue Thin" panose="020B0403020202020204" pitchFamily="34" charset="0"/>
+                <a:ea typeface="Helvetica Neue Thin" panose="020B0403020202020204" pitchFamily="34" charset="0"/>
+              </a:rPr>
+              <a:t>Initial Exploration</a:t>
+            </a:r>
+            <a:endParaRPr lang="en-FR" sz="2000" dirty="0">
+              <a:latin typeface="Helvetica Neue Thin" panose="020B0403020202020204" pitchFamily="34" charset="0"/>
+              <a:ea typeface="Helvetica Neue Thin" panose="020B0403020202020204" pitchFamily="34" charset="0"/>
+            </a:endParaRPr>
+          </a:p>
+        </p:txBody>
+      </p:sp>
+      <p:sp>
+        <p:nvSpPr>
+          <p:cNvPr id="5" name="TextBox 4">
+            <a:extLst>
+              <a:ext uri="{FF2B5EF4-FFF2-40B4-BE49-F238E27FC236}">
+                <a16:creationId xmlns:a16="http://schemas.microsoft.com/office/drawing/2014/main" id="{D51E0414-BA4B-94E1-C01E-E0863EDB6501}"/>
+              </a:ext>
+            </a:extLst>
+          </p:cNvPr>
+          <p:cNvSpPr txBox="1"/>
+          <p:nvPr/>
+        </p:nvSpPr>
+        <p:spPr>
+          <a:xfrm>
+            <a:off x="94445" y="586610"/>
+            <a:ext cx="12003110" cy="2800767"/>
+          </a:xfrm>
+          <a:prstGeom prst="rect">
+            <a:avLst/>
+          </a:prstGeom>
+          <a:noFill/>
+        </p:spPr>
+        <p:txBody>
+          <a:bodyPr wrap="square" rtlCol="0">
+            <a:spAutoFit/>
+          </a:bodyPr>
+          <a:lstStyle/>
+          <a:p>
+            <a:pPr marL="342900" indent="-342900">
+              <a:buAutoNum type="arabicParenR"/>
+            </a:pPr>
+            <a:r>
+              <a:rPr lang="en-GB" sz="1600" dirty="0">
+                <a:latin typeface="Helvetica Neue Thin" panose="020B0403020202020204" pitchFamily="34" charset="0"/>
+                <a:ea typeface="Helvetica Neue Thin" panose="020B0403020202020204" pitchFamily="34" charset="0"/>
+              </a:rPr>
+              <a:t>Calculate how many possible initial steps there are from Init, lets call this N</a:t>
+            </a:r>
+          </a:p>
+          <a:p>
+            <a:pPr marL="342900" indent="-342900">
+              <a:buAutoNum type="arabicParenR"/>
+            </a:pPr>
+            <a:r>
+              <a:rPr lang="en-GB" sz="1600" dirty="0">
+                <a:latin typeface="Helvetica Neue Thin" panose="020B0403020202020204" pitchFamily="34" charset="0"/>
+                <a:ea typeface="Helvetica Neue Thin" panose="020B0403020202020204" pitchFamily="34" charset="0"/>
+              </a:rPr>
+              <a:t>For each step in N, run entropy-guided exploration for a depth of </a:t>
+            </a:r>
+            <a:r>
+              <a:rPr lang="en-GB" sz="1600" dirty="0" err="1">
+                <a:latin typeface="Helvetica Neue Thin" panose="020B0403020202020204" pitchFamily="34" charset="0"/>
+                <a:ea typeface="Helvetica Neue Thin" panose="020B0403020202020204" pitchFamily="34" charset="0"/>
+              </a:rPr>
+              <a:t>transition_depth</a:t>
+            </a:r>
+            <a:r>
+              <a:rPr lang="en-GB" sz="1600" dirty="0">
+                <a:latin typeface="Helvetica Neue Thin" panose="020B0403020202020204" pitchFamily="34" charset="0"/>
+                <a:ea typeface="Helvetica Neue Thin" panose="020B0403020202020204" pitchFamily="34" charset="0"/>
+              </a:rPr>
+              <a:t> * </a:t>
+            </a:r>
+            <a:r>
+              <a:rPr lang="en-GB" sz="1600" dirty="0" err="1">
+                <a:latin typeface="Helvetica Neue Thin" panose="020B0403020202020204" pitchFamily="34" charset="0"/>
+                <a:ea typeface="Helvetica Neue Thin" panose="020B0403020202020204" pitchFamily="34" charset="0"/>
+              </a:rPr>
+              <a:t>system_procs</a:t>
+            </a:r>
+            <a:r>
+              <a:rPr lang="en-GB" sz="1600" dirty="0">
+                <a:latin typeface="Helvetica Neue Thin" panose="020B0403020202020204" pitchFamily="34" charset="0"/>
+                <a:ea typeface="Helvetica Neue Thin" panose="020B0403020202020204" pitchFamily="34" charset="0"/>
+              </a:rPr>
+              <a:t> *</a:t>
+            </a:r>
+            <a:r>
+              <a:rPr lang="en-GB" sz="1600" dirty="0" err="1">
+                <a:latin typeface="Helvetica Neue Thin" panose="020B0403020202020204" pitchFamily="34" charset="0"/>
+                <a:ea typeface="Helvetica Neue Thin" panose="020B0403020202020204" pitchFamily="34" charset="0"/>
+              </a:rPr>
+              <a:t>system_procs</a:t>
+            </a:r>
+            <a:r>
+              <a:rPr lang="en-GB" sz="1600" dirty="0">
+                <a:latin typeface="Helvetica Neue Thin" panose="020B0403020202020204" pitchFamily="34" charset="0"/>
+                <a:ea typeface="Helvetica Neue Thin" panose="020B0403020202020204" pitchFamily="34" charset="0"/>
+              </a:rPr>
+              <a:t> (=how many transitions + proc number squared – might need to rethink this part)</a:t>
+            </a:r>
+          </a:p>
+          <a:p>
+            <a:pPr marL="800100" lvl="1" indent="-342900">
+              <a:buFont typeface="Arial" panose="020B0604020202020204" pitchFamily="34" charset="0"/>
+              <a:buChar char="•"/>
+            </a:pPr>
+            <a:r>
+              <a:rPr lang="en-GB" sz="1600" dirty="0">
+                <a:latin typeface="Helvetica Neue Thin" panose="020B0403020202020204" pitchFamily="34" charset="0"/>
+                <a:ea typeface="Helvetica Neue Thin" panose="020B0403020202020204" pitchFamily="34" charset="0"/>
+              </a:rPr>
+              <a:t>Also do this multiple times? </a:t>
+            </a:r>
+          </a:p>
+          <a:p>
+            <a:pPr marL="342900" indent="-342900">
+              <a:buAutoNum type="arabicParenR"/>
+            </a:pPr>
+            <a:r>
+              <a:rPr lang="en-GB" sz="1600" dirty="0">
+                <a:latin typeface="Helvetica Neue Thin" panose="020B0403020202020204" pitchFamily="34" charset="0"/>
+                <a:ea typeface="Helvetica Neue Thin" panose="020B0403020202020204" pitchFamily="34" charset="0"/>
+              </a:rPr>
+              <a:t>Collect data from these runs </a:t>
+            </a:r>
+          </a:p>
+          <a:p>
+            <a:pPr marL="342900" indent="-342900">
+              <a:buAutoNum type="arabicParenR"/>
+            </a:pPr>
+            <a:r>
+              <a:rPr lang="en-GB" sz="1600" dirty="0">
+                <a:latin typeface="Helvetica Neue Thin" panose="020B0403020202020204" pitchFamily="34" charset="0"/>
+                <a:ea typeface="Helvetica Neue Thin" panose="020B0403020202020204" pitchFamily="34" charset="0"/>
+              </a:rPr>
+              <a:t>Analyse data – maybe there’s no point in continuing</a:t>
+            </a:r>
+          </a:p>
+          <a:p>
+            <a:pPr marL="342900" indent="-342900">
+              <a:buAutoNum type="arabicParenR"/>
+            </a:pPr>
+            <a:r>
+              <a:rPr lang="en-GB" sz="1600" dirty="0">
+                <a:latin typeface="Helvetica Neue Thin" panose="020B0403020202020204" pitchFamily="34" charset="0"/>
+                <a:ea typeface="Helvetica Neue Thin" panose="020B0403020202020204" pitchFamily="34" charset="0"/>
+              </a:rPr>
+              <a:t>Calculate number of procs system initialized with, lets call this P</a:t>
+            </a:r>
+          </a:p>
+          <a:p>
+            <a:pPr marL="342900" indent="-342900">
+              <a:buAutoNum type="arabicParenR"/>
+            </a:pPr>
+            <a:r>
+              <a:rPr lang="en-GB" sz="1600" dirty="0">
+                <a:latin typeface="Helvetica Neue Thin" panose="020B0403020202020204" pitchFamily="34" charset="0"/>
+                <a:ea typeface="Helvetica Neue Thin" panose="020B0403020202020204" pitchFamily="34" charset="0"/>
+              </a:rPr>
+              <a:t>Run same depth for each proc p in P, where each step is governed by the following rule: “if a transition with p is possible, pick that transition, else pick any transition” </a:t>
+            </a:r>
+          </a:p>
+          <a:p>
+            <a:pPr marL="342900" indent="-342900">
+              <a:buAutoNum type="arabicParenR"/>
+            </a:pPr>
+            <a:r>
+              <a:rPr lang="en-GB" sz="1600" dirty="0">
+                <a:latin typeface="Helvetica Neue Thin" panose="020B0403020202020204" pitchFamily="34" charset="0"/>
+                <a:ea typeface="Helvetica Neue Thin" panose="020B0403020202020204" pitchFamily="34" charset="0"/>
+              </a:rPr>
+              <a:t>Collect data from that too and analyse it, again – maybe there’s no point in continuing exploration</a:t>
+            </a:r>
+          </a:p>
+          <a:p>
+            <a:endParaRPr lang="en-GB" sz="1600" dirty="0">
+              <a:latin typeface="Helvetica Neue Thin" panose="020B0403020202020204" pitchFamily="34" charset="0"/>
+              <a:ea typeface="Helvetica Neue Thin" panose="020B0403020202020204" pitchFamily="34" charset="0"/>
+            </a:endParaRPr>
+          </a:p>
+        </p:txBody>
+      </p:sp>
+      <p:sp>
+        <p:nvSpPr>
+          <p:cNvPr id="6" name="Slide Number Placeholder 5">
+            <a:extLst>
+              <a:ext uri="{FF2B5EF4-FFF2-40B4-BE49-F238E27FC236}">
+                <a16:creationId xmlns:a16="http://schemas.microsoft.com/office/drawing/2014/main" id="{959BDB26-40E4-9CF6-297E-539B90F4FB2E}"/>
+              </a:ext>
+            </a:extLst>
+          </p:cNvPr>
+          <p:cNvSpPr>
+            <a:spLocks noGrp="1"/>
+          </p:cNvSpPr>
+          <p:nvPr>
+            <p:ph type="sldNum" sz="quarter" idx="12"/>
+          </p:nvPr>
+        </p:nvSpPr>
+        <p:spPr/>
+        <p:txBody>
+          <a:bodyPr/>
+          <a:lstStyle/>
+          <a:p>
+            <a:fld id="{4A936E34-E911-F947-B710-F12161D09F63}" type="slidenum">
+              <a:rPr lang="en-FR" smtClean="0"/>
+              <a:t>38</a:t>
+            </a:fld>
+            <a:endParaRPr lang="en-FR"/>
+          </a:p>
+        </p:txBody>
+      </p:sp>
+      <p:sp>
+        <p:nvSpPr>
+          <p:cNvPr id="2" name="TextBox 1">
+            <a:extLst>
+              <a:ext uri="{FF2B5EF4-FFF2-40B4-BE49-F238E27FC236}">
+                <a16:creationId xmlns:a16="http://schemas.microsoft.com/office/drawing/2014/main" id="{C72B5C9A-E858-893B-D126-D9FF43A02F88}"/>
+              </a:ext>
+            </a:extLst>
+          </p:cNvPr>
+          <p:cNvSpPr txBox="1"/>
+          <p:nvPr/>
+        </p:nvSpPr>
+        <p:spPr>
+          <a:xfrm>
+            <a:off x="94444" y="3187529"/>
+            <a:ext cx="7456093" cy="461665"/>
+          </a:xfrm>
+          <a:prstGeom prst="rect">
+            <a:avLst/>
+          </a:prstGeom>
+          <a:noFill/>
+        </p:spPr>
+        <p:txBody>
+          <a:bodyPr wrap="square" rtlCol="0">
+            <a:spAutoFit/>
+          </a:bodyPr>
+          <a:lstStyle/>
+          <a:p>
+            <a:r>
+              <a:rPr lang="en-US" sz="2400" dirty="0">
+                <a:latin typeface="Helvetica Neue Thin" panose="020B0403020202020204" pitchFamily="34" charset="0"/>
+                <a:ea typeface="Helvetica Neue Thin" panose="020B0403020202020204" pitchFamily="34" charset="0"/>
+              </a:rPr>
+              <a:t>Collected data</a:t>
+            </a:r>
+            <a:endParaRPr lang="en-FR" sz="2000" dirty="0">
+              <a:latin typeface="Helvetica Neue Thin" panose="020B0403020202020204" pitchFamily="34" charset="0"/>
+              <a:ea typeface="Helvetica Neue Thin" panose="020B0403020202020204" pitchFamily="34" charset="0"/>
+            </a:endParaRPr>
+          </a:p>
+        </p:txBody>
+      </p:sp>
+      <p:sp>
+        <p:nvSpPr>
+          <p:cNvPr id="3" name="TextBox 2">
+            <a:extLst>
+              <a:ext uri="{FF2B5EF4-FFF2-40B4-BE49-F238E27FC236}">
+                <a16:creationId xmlns:a16="http://schemas.microsoft.com/office/drawing/2014/main" id="{E881558B-8F70-7A96-2FE6-0EBFCCA0F154}"/>
+              </a:ext>
+            </a:extLst>
+          </p:cNvPr>
+          <p:cNvSpPr txBox="1"/>
+          <p:nvPr/>
+        </p:nvSpPr>
+        <p:spPr>
+          <a:xfrm>
+            <a:off x="94445" y="3667158"/>
+            <a:ext cx="3801694" cy="1569660"/>
+          </a:xfrm>
+          <a:prstGeom prst="rect">
+            <a:avLst/>
+          </a:prstGeom>
+          <a:noFill/>
+        </p:spPr>
+        <p:txBody>
+          <a:bodyPr wrap="square" rtlCol="0">
+            <a:spAutoFit/>
+          </a:bodyPr>
+          <a:lstStyle/>
+          <a:p>
+            <a:r>
+              <a:rPr lang="en-GB" sz="1600" dirty="0">
+                <a:latin typeface="Helvetica Neue Thin" panose="020B0403020202020204" pitchFamily="34" charset="0"/>
+                <a:ea typeface="Helvetica Neue Thin" panose="020B0403020202020204" pitchFamily="34" charset="0"/>
+              </a:rPr>
+              <a:t>STATES</a:t>
+            </a:r>
+          </a:p>
+          <a:p>
+            <a:r>
+              <a:rPr lang="en-GB" sz="1600" dirty="0">
+                <a:latin typeface="Helvetica Neue Thin" panose="020B0403020202020204" pitchFamily="34" charset="0"/>
+                <a:ea typeface="Helvetica Neue Thin" panose="020B0403020202020204" pitchFamily="34" charset="0"/>
+              </a:rPr>
+              <a:t>State : explicit state</a:t>
+            </a:r>
+          </a:p>
+          <a:p>
+            <a:r>
+              <a:rPr lang="en-GB" sz="1600" dirty="0">
+                <a:latin typeface="Helvetica Neue Thin" panose="020B0403020202020204" pitchFamily="34" charset="0"/>
+                <a:ea typeface="Helvetica Neue Thin" panose="020B0403020202020204" pitchFamily="34" charset="0"/>
+              </a:rPr>
+              <a:t>Seen : how many times it was visited</a:t>
+            </a:r>
+          </a:p>
+          <a:p>
+            <a:r>
+              <a:rPr lang="en-GB" sz="1600" dirty="0" err="1">
+                <a:latin typeface="Helvetica Neue Thin" panose="020B0403020202020204" pitchFamily="34" charset="0"/>
+                <a:ea typeface="Helvetica Neue Thin" panose="020B0403020202020204" pitchFamily="34" charset="0"/>
+              </a:rPr>
+              <a:t>Exit_number</a:t>
+            </a:r>
+            <a:r>
+              <a:rPr lang="en-GB" sz="1600" dirty="0">
+                <a:latin typeface="Helvetica Neue Thin" panose="020B0403020202020204" pitchFamily="34" charset="0"/>
+                <a:ea typeface="Helvetica Neue Thin" panose="020B0403020202020204" pitchFamily="34" charset="0"/>
+              </a:rPr>
+              <a:t> : how many exits at this state</a:t>
+            </a:r>
+          </a:p>
+          <a:p>
+            <a:r>
+              <a:rPr lang="en-GB" sz="1600" dirty="0" err="1">
+                <a:latin typeface="Helvetica Neue Thin" panose="020B0403020202020204" pitchFamily="34" charset="0"/>
+                <a:ea typeface="Helvetica Neue Thin" panose="020B0403020202020204" pitchFamily="34" charset="0"/>
+              </a:rPr>
+              <a:t>Exit_transitions</a:t>
+            </a:r>
+            <a:r>
+              <a:rPr lang="en-GB" sz="1600" dirty="0">
+                <a:latin typeface="Helvetica Neue Thin" panose="020B0403020202020204" pitchFamily="34" charset="0"/>
+                <a:ea typeface="Helvetica Neue Thin" panose="020B0403020202020204" pitchFamily="34" charset="0"/>
+              </a:rPr>
+              <a:t> : which exits possible</a:t>
+            </a:r>
+          </a:p>
+          <a:p>
+            <a:r>
+              <a:rPr lang="en-GB" sz="1600" dirty="0" err="1">
+                <a:latin typeface="Helvetica Neue Thin" panose="020B0403020202020204" pitchFamily="34" charset="0"/>
+                <a:ea typeface="Helvetica Neue Thin" panose="020B0403020202020204" pitchFamily="34" charset="0"/>
+              </a:rPr>
+              <a:t>Taken_transitions</a:t>
+            </a:r>
+            <a:r>
+              <a:rPr lang="en-GB" sz="1600" dirty="0">
+                <a:latin typeface="Helvetica Neue Thin" panose="020B0403020202020204" pitchFamily="34" charset="0"/>
+                <a:ea typeface="Helvetica Neue Thin" panose="020B0403020202020204" pitchFamily="34" charset="0"/>
+              </a:rPr>
+              <a:t> : which exits were taken</a:t>
+            </a:r>
+          </a:p>
+        </p:txBody>
+      </p:sp>
+      <p:sp>
+        <p:nvSpPr>
+          <p:cNvPr id="7" name="TextBox 6">
+            <a:extLst>
+              <a:ext uri="{FF2B5EF4-FFF2-40B4-BE49-F238E27FC236}">
+                <a16:creationId xmlns:a16="http://schemas.microsoft.com/office/drawing/2014/main" id="{4F9A6AA4-D4AA-9507-A1B1-5C712FE98205}"/>
+              </a:ext>
+            </a:extLst>
+          </p:cNvPr>
+          <p:cNvSpPr txBox="1"/>
+          <p:nvPr/>
+        </p:nvSpPr>
+        <p:spPr>
+          <a:xfrm>
+            <a:off x="4050218" y="3667157"/>
+            <a:ext cx="4245645" cy="1323439"/>
+          </a:xfrm>
+          <a:prstGeom prst="rect">
+            <a:avLst/>
+          </a:prstGeom>
+          <a:noFill/>
+        </p:spPr>
+        <p:txBody>
+          <a:bodyPr wrap="square" rtlCol="0">
+            <a:spAutoFit/>
+          </a:bodyPr>
+          <a:lstStyle/>
+          <a:p>
+            <a:r>
+              <a:rPr lang="en-GB" sz="1600" dirty="0">
+                <a:latin typeface="Helvetica Neue Thin" panose="020B0403020202020204" pitchFamily="34" charset="0"/>
+                <a:ea typeface="Helvetica Neue Thin" panose="020B0403020202020204" pitchFamily="34" charset="0"/>
+              </a:rPr>
+              <a:t>DEADLOCKS</a:t>
+            </a:r>
+          </a:p>
+          <a:p>
+            <a:r>
+              <a:rPr lang="en-GB" sz="1600" dirty="0">
+                <a:latin typeface="Helvetica Neue Thin" panose="020B0403020202020204" pitchFamily="34" charset="0"/>
+                <a:ea typeface="Helvetica Neue Thin" panose="020B0403020202020204" pitchFamily="34" charset="0"/>
+              </a:rPr>
+              <a:t>Deadlock State : explicit state</a:t>
+            </a:r>
+          </a:p>
+          <a:p>
+            <a:r>
+              <a:rPr lang="en-GB" sz="1600" dirty="0" err="1">
+                <a:latin typeface="Helvetica Neue Thin" panose="020B0403020202020204" pitchFamily="34" charset="0"/>
+                <a:ea typeface="Helvetica Neue Thin" panose="020B0403020202020204" pitchFamily="34" charset="0"/>
+              </a:rPr>
+              <a:t>Dead_predecessor</a:t>
+            </a:r>
+            <a:r>
+              <a:rPr lang="en-GB" sz="1600" dirty="0">
+                <a:latin typeface="Helvetica Neue Thin" panose="020B0403020202020204" pitchFamily="34" charset="0"/>
+                <a:ea typeface="Helvetica Neue Thin" panose="020B0403020202020204" pitchFamily="34" charset="0"/>
+              </a:rPr>
+              <a:t> : who led to deadlock</a:t>
+            </a:r>
+          </a:p>
+          <a:p>
+            <a:r>
+              <a:rPr lang="en-GB" sz="1600" dirty="0" err="1">
+                <a:latin typeface="Helvetica Neue Thin" panose="020B0403020202020204" pitchFamily="34" charset="0"/>
+                <a:ea typeface="Helvetica Neue Thin" panose="020B0403020202020204" pitchFamily="34" charset="0"/>
+              </a:rPr>
+              <a:t>Dead_path</a:t>
+            </a:r>
+            <a:r>
+              <a:rPr lang="en-GB" sz="1600" dirty="0">
+                <a:latin typeface="Helvetica Neue Thin" panose="020B0403020202020204" pitchFamily="34" charset="0"/>
+                <a:ea typeface="Helvetica Neue Thin" panose="020B0403020202020204" pitchFamily="34" charset="0"/>
+              </a:rPr>
+              <a:t> : path that led to deadlock</a:t>
+            </a:r>
+          </a:p>
+          <a:p>
+            <a:r>
+              <a:rPr lang="en-GB" sz="1600" dirty="0" err="1">
+                <a:latin typeface="Helvetica Neue Thin" panose="020B0403020202020204" pitchFamily="34" charset="0"/>
+                <a:ea typeface="Helvetica Neue Thin" panose="020B0403020202020204" pitchFamily="34" charset="0"/>
+              </a:rPr>
+              <a:t>Dead_steps</a:t>
+            </a:r>
+            <a:r>
+              <a:rPr lang="en-GB" sz="1600" dirty="0">
+                <a:latin typeface="Helvetica Neue Thin" panose="020B0403020202020204" pitchFamily="34" charset="0"/>
+                <a:ea typeface="Helvetica Neue Thin" panose="020B0403020202020204" pitchFamily="34" charset="0"/>
+              </a:rPr>
+              <a:t> : how many steps it took</a:t>
+            </a:r>
+          </a:p>
+        </p:txBody>
+      </p:sp>
+      <p:sp>
+        <p:nvSpPr>
+          <p:cNvPr id="8" name="TextBox 7">
+            <a:extLst>
+              <a:ext uri="{FF2B5EF4-FFF2-40B4-BE49-F238E27FC236}">
+                <a16:creationId xmlns:a16="http://schemas.microsoft.com/office/drawing/2014/main" id="{31356D39-FEC5-CCEB-6C06-865352FEEFDE}"/>
+              </a:ext>
+            </a:extLst>
+          </p:cNvPr>
+          <p:cNvSpPr txBox="1"/>
+          <p:nvPr/>
+        </p:nvSpPr>
+        <p:spPr>
+          <a:xfrm>
+            <a:off x="94444" y="5398036"/>
+            <a:ext cx="6637660" cy="1077218"/>
+          </a:xfrm>
+          <a:prstGeom prst="rect">
+            <a:avLst/>
+          </a:prstGeom>
+          <a:noFill/>
+        </p:spPr>
+        <p:txBody>
+          <a:bodyPr wrap="square" rtlCol="0">
+            <a:spAutoFit/>
+          </a:bodyPr>
+          <a:lstStyle/>
+          <a:p>
+            <a:r>
+              <a:rPr lang="en-GB" sz="1600" dirty="0">
+                <a:latin typeface="Helvetica Neue Thin" panose="020B0403020202020204" pitchFamily="34" charset="0"/>
+                <a:ea typeface="Helvetica Neue Thin" panose="020B0403020202020204" pitchFamily="34" charset="0"/>
+              </a:rPr>
+              <a:t>DEAD_PREDS: state -&gt; state [states that had a deadlock follow them]</a:t>
+            </a:r>
+          </a:p>
+          <a:p>
+            <a:r>
+              <a:rPr lang="en-GB" sz="1600" dirty="0">
+                <a:latin typeface="Helvetica Neue Thin" panose="020B0403020202020204" pitchFamily="34" charset="0"/>
+                <a:ea typeface="Helvetica Neue Thin" panose="020B0403020202020204" pitchFamily="34" charset="0"/>
+              </a:rPr>
+              <a:t>TR_COUNT: transitions that appeared [and how many times]</a:t>
+            </a:r>
+          </a:p>
+          <a:p>
+            <a:r>
+              <a:rPr lang="en-GB" sz="1600" dirty="0">
+                <a:latin typeface="Helvetica Neue Thin" panose="020B0403020202020204" pitchFamily="34" charset="0"/>
+                <a:ea typeface="Helvetica Neue Thin" panose="020B0403020202020204" pitchFamily="34" charset="0"/>
+              </a:rPr>
+              <a:t>TR_COUPLES : how often </a:t>
+            </a:r>
+            <a:r>
+              <a:rPr lang="en-GB" sz="1600" dirty="0" err="1">
+                <a:latin typeface="Helvetica Neue Thin" panose="020B0403020202020204" pitchFamily="34" charset="0"/>
+                <a:ea typeface="Helvetica Neue Thin" panose="020B0403020202020204" pitchFamily="34" charset="0"/>
+              </a:rPr>
+              <a:t>ti</a:t>
+            </a:r>
+            <a:r>
+              <a:rPr lang="en-GB" sz="1600" dirty="0">
+                <a:latin typeface="Helvetica Neue Thin" panose="020B0403020202020204" pitchFamily="34" charset="0"/>
+                <a:ea typeface="Helvetica Neue Thin" panose="020B0403020202020204" pitchFamily="34" charset="0"/>
+              </a:rPr>
+              <a:t> -&gt; </a:t>
+            </a:r>
+            <a:r>
+              <a:rPr lang="en-GB" sz="1600" dirty="0" err="1">
+                <a:latin typeface="Helvetica Neue Thin" panose="020B0403020202020204" pitchFamily="34" charset="0"/>
+                <a:ea typeface="Helvetica Neue Thin" panose="020B0403020202020204" pitchFamily="34" charset="0"/>
+              </a:rPr>
+              <a:t>tj</a:t>
+            </a:r>
+            <a:r>
+              <a:rPr lang="en-GB" sz="1600" dirty="0">
+                <a:latin typeface="Helvetica Neue Thin" panose="020B0403020202020204" pitchFamily="34" charset="0"/>
+                <a:ea typeface="Helvetica Neue Thin" panose="020B0403020202020204" pitchFamily="34" charset="0"/>
+              </a:rPr>
+              <a:t> appears =&gt; % of each transition overall </a:t>
+            </a:r>
+          </a:p>
+          <a:p>
+            <a:endParaRPr lang="en-GB" sz="1600" dirty="0">
+              <a:latin typeface="Helvetica Neue Thin" panose="020B0403020202020204" pitchFamily="34" charset="0"/>
+              <a:ea typeface="Helvetica Neue Thin" panose="020B0403020202020204" pitchFamily="34" charset="0"/>
+            </a:endParaRPr>
+          </a:p>
+        </p:txBody>
+      </p:sp>
+    </p:spTree>
+    <p:extLst>
+      <p:ext uri="{BB962C8B-B14F-4D97-AF65-F5344CB8AC3E}">
+        <p14:creationId xmlns:p14="http://schemas.microsoft.com/office/powerpoint/2010/main" val="526470211"/>
+      </p:ext>
+    </p:extLst>
+  </p:cSld>
+  <p:clrMapOvr>
+    <a:masterClrMapping/>
+  </p:clrMapOvr>
+</p:sld>
+</file>
+
+<file path=ppt/slides/slide39.xml><?xml version="1.0" encoding="utf-8"?>
+<p:sld xmlns:a="http://schemas.openxmlformats.org/drawingml/2006/main" xmlns:r="http://schemas.openxmlformats.org/officeDocument/2006/relationships" xmlns:p="http://schemas.openxmlformats.org/presentationml/2006/main">
+  <p:cSld>
+    <p:spTree>
+      <p:nvGrpSpPr>
+        <p:cNvPr id="1" name=""/>
+        <p:cNvGrpSpPr/>
+        <p:nvPr/>
+      </p:nvGrpSpPr>
+      <p:grpSpPr>
+        <a:xfrm>
+          <a:off x="0" y="0"/>
+          <a:ext cx="0" cy="0"/>
+          <a:chOff x="0" y="0"/>
+          <a:chExt cx="0" cy="0"/>
+        </a:xfrm>
+      </p:grpSpPr>
+      <p:sp>
+        <p:nvSpPr>
+          <p:cNvPr id="5" name="TextBox 4">
+            <a:extLst>
+              <a:ext uri="{FF2B5EF4-FFF2-40B4-BE49-F238E27FC236}">
+                <a16:creationId xmlns:a16="http://schemas.microsoft.com/office/drawing/2014/main" id="{D51E0414-BA4B-94E1-C01E-E0863EDB6501}"/>
+              </a:ext>
+            </a:extLst>
+          </p:cNvPr>
+          <p:cNvSpPr txBox="1"/>
+          <p:nvPr/>
+        </p:nvSpPr>
+        <p:spPr>
+          <a:xfrm>
+            <a:off x="122697" y="1087851"/>
+            <a:ext cx="12003110" cy="584775"/>
+          </a:xfrm>
+          <a:prstGeom prst="rect">
+            <a:avLst/>
+          </a:prstGeom>
+          <a:noFill/>
+        </p:spPr>
+        <p:txBody>
+          <a:bodyPr wrap="square" rtlCol="0">
+            <a:spAutoFit/>
+          </a:bodyPr>
+          <a:lstStyle/>
+          <a:p>
+            <a:r>
+              <a:rPr lang="en-GB" sz="1600" dirty="0">
+                <a:latin typeface="Helvetica Neue Thin" panose="020B0403020202020204" pitchFamily="34" charset="0"/>
+                <a:ea typeface="Helvetica Neue Thin" panose="020B0403020202020204" pitchFamily="34" charset="0"/>
+              </a:rPr>
+              <a:t>Set up a ”reward”-type function that helps the system decide where to go. </a:t>
+            </a:r>
+          </a:p>
+          <a:p>
+            <a:pPr lvl="1"/>
+            <a:r>
+              <a:rPr lang="en-GB" sz="1600" dirty="0">
+                <a:latin typeface="Helvetica Neue Thin" panose="020B0403020202020204" pitchFamily="34" charset="0"/>
+                <a:ea typeface="Helvetica Neue Thin" panose="020B0403020202020204" pitchFamily="34" charset="0"/>
+              </a:rPr>
+              <a:t>The reward will decide which states are optimal to visit</a:t>
+            </a:r>
+          </a:p>
+        </p:txBody>
+      </p:sp>
+      <p:sp>
+        <p:nvSpPr>
+          <p:cNvPr id="6" name="Slide Number Placeholder 5">
+            <a:extLst>
+              <a:ext uri="{FF2B5EF4-FFF2-40B4-BE49-F238E27FC236}">
+                <a16:creationId xmlns:a16="http://schemas.microsoft.com/office/drawing/2014/main" id="{959BDB26-40E4-9CF6-297E-539B90F4FB2E}"/>
+              </a:ext>
+            </a:extLst>
+          </p:cNvPr>
+          <p:cNvSpPr>
+            <a:spLocks noGrp="1"/>
+          </p:cNvSpPr>
+          <p:nvPr>
+            <p:ph type="sldNum" sz="quarter" idx="12"/>
+          </p:nvPr>
+        </p:nvSpPr>
+        <p:spPr/>
+        <p:txBody>
+          <a:bodyPr/>
+          <a:lstStyle/>
+          <a:p>
+            <a:fld id="{4A936E34-E911-F947-B710-F12161D09F63}" type="slidenum">
+              <a:rPr lang="en-FR" smtClean="0"/>
+              <a:t>39</a:t>
+            </a:fld>
+            <a:endParaRPr lang="en-FR"/>
+          </a:p>
+        </p:txBody>
+      </p:sp>
+      <p:grpSp>
+        <p:nvGrpSpPr>
+          <p:cNvPr id="60" name="Group 59">
+            <a:extLst>
+              <a:ext uri="{FF2B5EF4-FFF2-40B4-BE49-F238E27FC236}">
+                <a16:creationId xmlns:a16="http://schemas.microsoft.com/office/drawing/2014/main" id="{A507A347-DF89-B8F0-26EB-9E3A153424CC}"/>
+              </a:ext>
+            </a:extLst>
+          </p:cNvPr>
+          <p:cNvGrpSpPr/>
+          <p:nvPr/>
+        </p:nvGrpSpPr>
+        <p:grpSpPr>
+          <a:xfrm>
+            <a:off x="122697" y="1808222"/>
+            <a:ext cx="3314792" cy="2442986"/>
+            <a:chOff x="24756" y="2397551"/>
+            <a:chExt cx="3314792" cy="2442986"/>
+          </a:xfrm>
+        </p:grpSpPr>
+        <p:grpSp>
+          <p:nvGrpSpPr>
+            <p:cNvPr id="9" name="Group 8">
+              <a:extLst>
+                <a:ext uri="{FF2B5EF4-FFF2-40B4-BE49-F238E27FC236}">
+                  <a16:creationId xmlns:a16="http://schemas.microsoft.com/office/drawing/2014/main" id="{B557757C-1738-EB48-70B0-F3593368B27F}"/>
+                </a:ext>
+              </a:extLst>
+            </p:cNvPr>
+            <p:cNvGrpSpPr/>
+            <p:nvPr/>
+          </p:nvGrpSpPr>
+          <p:grpSpPr>
+            <a:xfrm rot="16200000">
+              <a:off x="469120" y="3235649"/>
+              <a:ext cx="834604" cy="834604"/>
+              <a:chOff x="5123645" y="775255"/>
+              <a:chExt cx="834604" cy="834604"/>
+            </a:xfrm>
+          </p:grpSpPr>
+          <p:sp>
+            <p:nvSpPr>
+              <p:cNvPr id="10" name="Oval 9">
+                <a:extLst>
+                  <a:ext uri="{FF2B5EF4-FFF2-40B4-BE49-F238E27FC236}">
+                    <a16:creationId xmlns:a16="http://schemas.microsoft.com/office/drawing/2014/main" id="{90AD1D47-5B6C-217C-2B9C-48F56C5A2F04}"/>
+                  </a:ext>
+                </a:extLst>
+              </p:cNvPr>
+              <p:cNvSpPr/>
+              <p:nvPr/>
+            </p:nvSpPr>
+            <p:spPr>
+              <a:xfrm>
+                <a:off x="5123645" y="775255"/>
+                <a:ext cx="834604" cy="834604"/>
+              </a:xfrm>
+              <a:prstGeom prst="ellipse">
+                <a:avLst/>
+              </a:prstGeom>
+              <a:ln>
+                <a:solidFill>
+                  <a:schemeClr val="tx1">
+                    <a:lumMod val="95000"/>
+                    <a:lumOff val="5000"/>
+                  </a:schemeClr>
+                </a:solidFill>
+              </a:ln>
+            </p:spPr>
+            <p:style>
+              <a:lnRef idx="2">
+                <a:schemeClr val="accent3"/>
+              </a:lnRef>
+              <a:fillRef idx="1">
+                <a:schemeClr val="lt1"/>
+              </a:fillRef>
+              <a:effectRef idx="0">
+                <a:schemeClr val="accent3"/>
+              </a:effectRef>
+              <a:fontRef idx="minor">
+                <a:schemeClr val="dk1"/>
+              </a:fontRef>
+            </p:style>
+            <p:txBody>
+              <a:bodyPr rtlCol="0" anchor="ctr"/>
+              <a:lstStyle/>
+              <a:p>
+                <a:pPr algn="ctr"/>
+                <a:endParaRPr lang="en-FR">
+                  <a:latin typeface="Helvetica Neue Thin" panose="020B0403020202020204" pitchFamily="34" charset="0"/>
+                  <a:ea typeface="Helvetica Neue Thin" panose="020B0403020202020204" pitchFamily="34" charset="0"/>
+                </a:endParaRPr>
+              </a:p>
+            </p:txBody>
+          </p:sp>
+          <p:sp>
+            <p:nvSpPr>
+              <p:cNvPr id="11" name="TextBox 10">
+                <a:extLst>
+                  <a:ext uri="{FF2B5EF4-FFF2-40B4-BE49-F238E27FC236}">
+                    <a16:creationId xmlns:a16="http://schemas.microsoft.com/office/drawing/2014/main" id="{99D46293-1A62-4BE5-D8E0-671F0758A9E0}"/>
+                  </a:ext>
+                </a:extLst>
+              </p:cNvPr>
+              <p:cNvSpPr txBox="1"/>
+              <p:nvPr/>
+            </p:nvSpPr>
+            <p:spPr>
+              <a:xfrm rot="5400000">
+                <a:off x="5188924" y="1038668"/>
+                <a:ext cx="704045" cy="307777"/>
+              </a:xfrm>
+              <a:prstGeom prst="rect">
+                <a:avLst/>
+              </a:prstGeom>
+              <a:noFill/>
+              <a:ln>
+                <a:noFill/>
+              </a:ln>
+            </p:spPr>
+            <p:style>
+              <a:lnRef idx="2">
+                <a:schemeClr val="dk1"/>
+              </a:lnRef>
+              <a:fillRef idx="1">
+                <a:schemeClr val="lt1"/>
+              </a:fillRef>
+              <a:effectRef idx="0">
+                <a:schemeClr val="dk1"/>
+              </a:effectRef>
+              <a:fontRef idx="minor">
+                <a:schemeClr val="dk1"/>
+              </a:fontRef>
+            </p:style>
+            <p:txBody>
+              <a:bodyPr wrap="square">
+                <a:spAutoFit/>
+              </a:bodyPr>
+              <a:lstStyle/>
+              <a:p>
+                <a:pPr algn="ctr"/>
+                <a:r>
+                  <a:rPr lang="en-GB" sz="1400" dirty="0">
+                    <a:latin typeface="Helvetica Neue Thin" panose="020B0403020202020204" pitchFamily="34" charset="0"/>
+                    <a:ea typeface="Helvetica Neue Thin" panose="020B0403020202020204" pitchFamily="34" charset="0"/>
+                    <a:cs typeface="CMU Serif Roman" panose="02000603000000000000" pitchFamily="2" charset="0"/>
+                  </a:rPr>
+                  <a:t>S0</a:t>
+                </a:r>
+              </a:p>
+            </p:txBody>
+          </p:sp>
+        </p:grpSp>
+        <p:sp>
+          <p:nvSpPr>
+            <p:cNvPr id="16" name="Oval 15">
+              <a:extLst>
+                <a:ext uri="{FF2B5EF4-FFF2-40B4-BE49-F238E27FC236}">
+                  <a16:creationId xmlns:a16="http://schemas.microsoft.com/office/drawing/2014/main" id="{FA3D9FD7-3F46-A52A-949C-4130CE1A7DAF}"/>
+                </a:ext>
+              </a:extLst>
+            </p:cNvPr>
+            <p:cNvSpPr/>
+            <p:nvPr/>
+          </p:nvSpPr>
+          <p:spPr>
+            <a:xfrm rot="16200000">
+              <a:off x="2532202" y="4312503"/>
+              <a:ext cx="528034" cy="528034"/>
+            </a:xfrm>
+            <a:prstGeom prst="ellipse">
+              <a:avLst/>
+            </a:prstGeom>
+          </p:spPr>
+          <p:style>
+            <a:lnRef idx="2">
+              <a:schemeClr val="accent3"/>
+            </a:lnRef>
+            <a:fillRef idx="1">
+              <a:schemeClr val="lt1"/>
+            </a:fillRef>
+            <a:effectRef idx="0">
+              <a:schemeClr val="accent3"/>
+            </a:effectRef>
+            <a:fontRef idx="minor">
+              <a:schemeClr val="dk1"/>
+            </a:fontRef>
+          </p:style>
+          <p:txBody>
+            <a:bodyPr rtlCol="0" anchor="ctr"/>
+            <a:lstStyle/>
+            <a:p>
+              <a:pPr algn="ctr"/>
+              <a:endParaRPr lang="en-FR">
+                <a:latin typeface="Helvetica Neue Thin" panose="020B0403020202020204" pitchFamily="34" charset="0"/>
+                <a:ea typeface="Helvetica Neue Thin" panose="020B0403020202020204" pitchFamily="34" charset="0"/>
+              </a:endParaRPr>
+            </a:p>
+          </p:txBody>
+        </p:sp>
+        <p:sp>
+          <p:nvSpPr>
+            <p:cNvPr id="19" name="Oval 18">
+              <a:extLst>
+                <a:ext uri="{FF2B5EF4-FFF2-40B4-BE49-F238E27FC236}">
+                  <a16:creationId xmlns:a16="http://schemas.microsoft.com/office/drawing/2014/main" id="{32862ACD-1928-7790-1927-75ECCB1FAF7D}"/>
+                </a:ext>
+              </a:extLst>
+            </p:cNvPr>
+            <p:cNvSpPr/>
+            <p:nvPr/>
+          </p:nvSpPr>
+          <p:spPr>
+            <a:xfrm rot="16200000">
+              <a:off x="2532202" y="3365048"/>
+              <a:ext cx="528034" cy="528034"/>
+            </a:xfrm>
+            <a:prstGeom prst="ellipse">
+              <a:avLst/>
+            </a:prstGeom>
+          </p:spPr>
+          <p:style>
+            <a:lnRef idx="2">
+              <a:schemeClr val="accent3"/>
+            </a:lnRef>
+            <a:fillRef idx="1">
+              <a:schemeClr val="lt1"/>
+            </a:fillRef>
+            <a:effectRef idx="0">
+              <a:schemeClr val="accent3"/>
+            </a:effectRef>
+            <a:fontRef idx="minor">
+              <a:schemeClr val="dk1"/>
+            </a:fontRef>
+          </p:style>
+          <p:txBody>
+            <a:bodyPr rtlCol="0" anchor="ctr"/>
+            <a:lstStyle/>
+            <a:p>
+              <a:pPr algn="ctr"/>
+              <a:endParaRPr lang="en-FR">
+                <a:latin typeface="Helvetica Neue Thin" panose="020B0403020202020204" pitchFamily="34" charset="0"/>
+                <a:ea typeface="Helvetica Neue Thin" panose="020B0403020202020204" pitchFamily="34" charset="0"/>
+              </a:endParaRPr>
+            </a:p>
+          </p:txBody>
+        </p:sp>
+        <p:grpSp>
+          <p:nvGrpSpPr>
+            <p:cNvPr id="21" name="Group 20">
+              <a:extLst>
+                <a:ext uri="{FF2B5EF4-FFF2-40B4-BE49-F238E27FC236}">
+                  <a16:creationId xmlns:a16="http://schemas.microsoft.com/office/drawing/2014/main" id="{AB7ECAF4-EDB9-C0CD-41F1-A3EEE2784A29}"/>
+                </a:ext>
+              </a:extLst>
+            </p:cNvPr>
+            <p:cNvGrpSpPr/>
+            <p:nvPr/>
+          </p:nvGrpSpPr>
+          <p:grpSpPr>
+            <a:xfrm rot="16200000">
+              <a:off x="418311" y="2075786"/>
+              <a:ext cx="2248369" cy="3035479"/>
+              <a:chOff x="978148" y="-3000752"/>
+              <a:chExt cx="3553745" cy="4797847"/>
+            </a:xfrm>
+          </p:grpSpPr>
+          <p:sp>
+            <p:nvSpPr>
+              <p:cNvPr id="22" name="Oval 21">
+                <a:extLst>
+                  <a:ext uri="{FF2B5EF4-FFF2-40B4-BE49-F238E27FC236}">
+                    <a16:creationId xmlns:a16="http://schemas.microsoft.com/office/drawing/2014/main" id="{FC21C559-2A83-E2E0-0692-623B4DED5DA4}"/>
+                  </a:ext>
+                </a:extLst>
+              </p:cNvPr>
+              <p:cNvSpPr/>
+              <p:nvPr/>
+            </p:nvSpPr>
+            <p:spPr>
+              <a:xfrm>
+                <a:off x="3697289" y="962489"/>
+                <a:ext cx="834604" cy="834602"/>
+              </a:xfrm>
+              <a:prstGeom prst="ellipse">
+                <a:avLst/>
+              </a:prstGeom>
+            </p:spPr>
+            <p:style>
+              <a:lnRef idx="2">
+                <a:schemeClr val="accent3"/>
+              </a:lnRef>
+              <a:fillRef idx="1">
+                <a:schemeClr val="lt1"/>
+              </a:fillRef>
+              <a:effectRef idx="0">
+                <a:schemeClr val="accent3"/>
+              </a:effectRef>
+              <a:fontRef idx="minor">
+                <a:schemeClr val="dk1"/>
+              </a:fontRef>
+            </p:style>
+            <p:txBody>
+              <a:bodyPr rtlCol="0" anchor="ctr"/>
+              <a:lstStyle/>
+              <a:p>
+                <a:pPr algn="ctr"/>
+                <a:endParaRPr lang="en-FR">
+                  <a:latin typeface="Helvetica Neue Thin" panose="020B0403020202020204" pitchFamily="34" charset="0"/>
+                  <a:ea typeface="Helvetica Neue Thin" panose="020B0403020202020204" pitchFamily="34" charset="0"/>
+                </a:endParaRPr>
+              </a:p>
+            </p:txBody>
+          </p:sp>
+          <p:sp>
+            <p:nvSpPr>
+              <p:cNvPr id="23" name="TextBox 22">
+                <a:extLst>
+                  <a:ext uri="{FF2B5EF4-FFF2-40B4-BE49-F238E27FC236}">
+                    <a16:creationId xmlns:a16="http://schemas.microsoft.com/office/drawing/2014/main" id="{721062FB-0CE7-9E03-8473-ECAB2872DAD2}"/>
+                  </a:ext>
+                </a:extLst>
+              </p:cNvPr>
+              <p:cNvSpPr txBox="1"/>
+              <p:nvPr/>
+            </p:nvSpPr>
+            <p:spPr>
+              <a:xfrm rot="5400000">
+                <a:off x="3683717" y="1185202"/>
+                <a:ext cx="834601" cy="389174"/>
+              </a:xfrm>
+              <a:prstGeom prst="rect">
+                <a:avLst/>
+              </a:prstGeom>
+              <a:noFill/>
+              <a:ln>
+                <a:noFill/>
+              </a:ln>
+            </p:spPr>
+            <p:style>
+              <a:lnRef idx="2">
+                <a:schemeClr val="dk1"/>
+              </a:lnRef>
+              <a:fillRef idx="1">
+                <a:schemeClr val="lt1"/>
+              </a:fillRef>
+              <a:effectRef idx="0">
+                <a:schemeClr val="dk1"/>
+              </a:effectRef>
+              <a:fontRef idx="minor">
+                <a:schemeClr val="dk1"/>
+              </a:fontRef>
+            </p:style>
+            <p:txBody>
+              <a:bodyPr wrap="square">
+                <a:spAutoFit/>
+              </a:bodyPr>
+              <a:lstStyle/>
+              <a:p>
+                <a:pPr algn="ctr"/>
+                <a:r>
+                  <a:rPr lang="en-GB" sz="1000" dirty="0">
+                    <a:latin typeface="Helvetica Neue Thin" panose="020B0403020202020204" pitchFamily="34" charset="0"/>
+                    <a:ea typeface="Helvetica Neue Thin" panose="020B0403020202020204" pitchFamily="34" charset="0"/>
+                    <a:cs typeface="CMU Serif Roman" panose="02000603000000000000" pitchFamily="2" charset="0"/>
+                  </a:rPr>
+                  <a:t>S1</a:t>
+                </a:r>
+                <a:endParaRPr lang="en-GB" sz="1400" dirty="0">
+                  <a:latin typeface="Helvetica Neue Thin" panose="020B0403020202020204" pitchFamily="34" charset="0"/>
+                  <a:ea typeface="Helvetica Neue Thin" panose="020B0403020202020204" pitchFamily="34" charset="0"/>
+                  <a:cs typeface="CMU Serif Roman" panose="02000603000000000000" pitchFamily="2" charset="0"/>
+                </a:endParaRPr>
+              </a:p>
+            </p:txBody>
+          </p:sp>
+          <p:sp>
+            <p:nvSpPr>
+              <p:cNvPr id="47" name="TextBox 46">
+                <a:extLst>
+                  <a:ext uri="{FF2B5EF4-FFF2-40B4-BE49-F238E27FC236}">
+                    <a16:creationId xmlns:a16="http://schemas.microsoft.com/office/drawing/2014/main" id="{21CD2BC5-C0C9-7B47-F7B9-72A5E0E78F18}"/>
+                  </a:ext>
+                </a:extLst>
+              </p:cNvPr>
+              <p:cNvSpPr txBox="1"/>
+              <p:nvPr/>
+            </p:nvSpPr>
+            <p:spPr>
+              <a:xfrm rot="5400000">
+                <a:off x="2263066" y="1185202"/>
+                <a:ext cx="834599" cy="389174"/>
+              </a:xfrm>
+              <a:prstGeom prst="rect">
+                <a:avLst/>
+              </a:prstGeom>
+              <a:noFill/>
+              <a:ln>
+                <a:noFill/>
+              </a:ln>
+            </p:spPr>
+            <p:style>
+              <a:lnRef idx="2">
+                <a:schemeClr val="dk1"/>
+              </a:lnRef>
+              <a:fillRef idx="1">
+                <a:schemeClr val="lt1"/>
+              </a:fillRef>
+              <a:effectRef idx="0">
+                <a:schemeClr val="dk1"/>
+              </a:effectRef>
+              <a:fontRef idx="minor">
+                <a:schemeClr val="dk1"/>
+              </a:fontRef>
+            </p:style>
+            <p:txBody>
+              <a:bodyPr wrap="square">
+                <a:spAutoFit/>
+              </a:bodyPr>
+              <a:lstStyle/>
+              <a:p>
+                <a:pPr algn="ctr"/>
+                <a:r>
+                  <a:rPr lang="en-GB" sz="1000" dirty="0">
+                    <a:latin typeface="Helvetica Neue Thin" panose="020B0403020202020204" pitchFamily="34" charset="0"/>
+                    <a:ea typeface="Helvetica Neue Thin" panose="020B0403020202020204" pitchFamily="34" charset="0"/>
+                    <a:cs typeface="CMU Serif Roman" panose="02000603000000000000" pitchFamily="2" charset="0"/>
+                  </a:rPr>
+                  <a:t>S2</a:t>
+                </a:r>
+                <a:endParaRPr lang="en-GB" sz="1400" dirty="0">
+                  <a:latin typeface="Helvetica Neue Thin" panose="020B0403020202020204" pitchFamily="34" charset="0"/>
+                  <a:ea typeface="Helvetica Neue Thin" panose="020B0403020202020204" pitchFamily="34" charset="0"/>
+                  <a:cs typeface="CMU Serif Roman" panose="02000603000000000000" pitchFamily="2" charset="0"/>
+                </a:endParaRPr>
+              </a:p>
+            </p:txBody>
+          </p:sp>
+          <p:sp>
+            <p:nvSpPr>
+              <p:cNvPr id="48" name="TextBox 47">
+                <a:extLst>
+                  <a:ext uri="{FF2B5EF4-FFF2-40B4-BE49-F238E27FC236}">
+                    <a16:creationId xmlns:a16="http://schemas.microsoft.com/office/drawing/2014/main" id="{4CAB1608-92C2-2202-85FB-DD03C49B2B6D}"/>
+                  </a:ext>
+                </a:extLst>
+              </p:cNvPr>
+              <p:cNvSpPr txBox="1"/>
+              <p:nvPr/>
+            </p:nvSpPr>
+            <p:spPr>
+              <a:xfrm rot="5400000">
+                <a:off x="755435" y="1185209"/>
+                <a:ext cx="834599" cy="389174"/>
+              </a:xfrm>
+              <a:prstGeom prst="rect">
+                <a:avLst/>
+              </a:prstGeom>
+              <a:noFill/>
+              <a:ln>
+                <a:noFill/>
+              </a:ln>
+            </p:spPr>
+            <p:style>
+              <a:lnRef idx="2">
+                <a:schemeClr val="dk1"/>
+              </a:lnRef>
+              <a:fillRef idx="1">
+                <a:schemeClr val="lt1"/>
+              </a:fillRef>
+              <a:effectRef idx="0">
+                <a:schemeClr val="dk1"/>
+              </a:effectRef>
+              <a:fontRef idx="minor">
+                <a:schemeClr val="dk1"/>
+              </a:fontRef>
+            </p:style>
+            <p:txBody>
+              <a:bodyPr wrap="square">
+                <a:spAutoFit/>
+              </a:bodyPr>
+              <a:lstStyle/>
+              <a:p>
+                <a:pPr algn="ctr"/>
+                <a:r>
+                  <a:rPr lang="en-GB" sz="1000" dirty="0">
+                    <a:latin typeface="Helvetica Neue Thin" panose="020B0403020202020204" pitchFamily="34" charset="0"/>
+                    <a:ea typeface="Helvetica Neue Thin" panose="020B0403020202020204" pitchFamily="34" charset="0"/>
+                    <a:cs typeface="CMU Serif Roman" panose="02000603000000000000" pitchFamily="2" charset="0"/>
+                  </a:rPr>
+                  <a:t>S3</a:t>
+                </a:r>
+                <a:endParaRPr lang="en-GB" sz="1400" dirty="0">
+                  <a:latin typeface="Helvetica Neue Thin" panose="020B0403020202020204" pitchFamily="34" charset="0"/>
+                  <a:ea typeface="Helvetica Neue Thin" panose="020B0403020202020204" pitchFamily="34" charset="0"/>
+                  <a:cs typeface="CMU Serif Roman" panose="02000603000000000000" pitchFamily="2" charset="0"/>
+                </a:endParaRPr>
+              </a:p>
+            </p:txBody>
+          </p:sp>
+          <p:sp>
+            <p:nvSpPr>
+              <p:cNvPr id="62" name="TextBox 61">
+                <a:extLst>
+                  <a:ext uri="{FF2B5EF4-FFF2-40B4-BE49-F238E27FC236}">
+                    <a16:creationId xmlns:a16="http://schemas.microsoft.com/office/drawing/2014/main" id="{2DA1E6F6-A7A5-FFB5-1EAE-2CB222CCCF5A}"/>
+                  </a:ext>
+                </a:extLst>
+              </p:cNvPr>
+              <p:cNvSpPr txBox="1"/>
+              <p:nvPr/>
+            </p:nvSpPr>
+            <p:spPr>
+              <a:xfrm rot="5400000">
+                <a:off x="3332134" y="-527506"/>
+                <a:ext cx="834602" cy="389174"/>
+              </a:xfrm>
+              <a:prstGeom prst="rect">
+                <a:avLst/>
+              </a:prstGeom>
+              <a:noFill/>
+              <a:ln>
+                <a:noFill/>
+              </a:ln>
+            </p:spPr>
+            <p:style>
+              <a:lnRef idx="2">
+                <a:schemeClr val="dk1"/>
+              </a:lnRef>
+              <a:fillRef idx="1">
+                <a:schemeClr val="lt1"/>
+              </a:fillRef>
+              <a:effectRef idx="0">
+                <a:schemeClr val="dk1"/>
+              </a:effectRef>
+              <a:fontRef idx="minor">
+                <a:schemeClr val="dk1"/>
+              </a:fontRef>
+            </p:style>
+            <p:txBody>
+              <a:bodyPr wrap="square">
+                <a:spAutoFit/>
+              </a:bodyPr>
+              <a:lstStyle/>
+              <a:p>
+                <a:pPr algn="ctr"/>
+                <a:r>
+                  <a:rPr lang="en-GB" sz="1000" dirty="0">
+                    <a:latin typeface="Helvetica Neue Thin" panose="020B0403020202020204" pitchFamily="34" charset="0"/>
+                    <a:ea typeface="Helvetica Neue Thin" panose="020B0403020202020204" pitchFamily="34" charset="0"/>
+                    <a:cs typeface="CMU Serif Roman" panose="02000603000000000000" pitchFamily="2" charset="0"/>
+                  </a:rPr>
+                  <a:t>t1(p)</a:t>
+                </a:r>
+                <a:endParaRPr lang="en-GB" sz="1400" dirty="0">
+                  <a:latin typeface="Helvetica Neue Thin" panose="020B0403020202020204" pitchFamily="34" charset="0"/>
+                  <a:ea typeface="Helvetica Neue Thin" panose="020B0403020202020204" pitchFamily="34" charset="0"/>
+                  <a:cs typeface="CMU Serif Roman" panose="02000603000000000000" pitchFamily="2" charset="0"/>
+                </a:endParaRPr>
+              </a:p>
+            </p:txBody>
+          </p:sp>
+          <p:sp>
+            <p:nvSpPr>
+              <p:cNvPr id="63" name="TextBox 62">
+                <a:extLst>
+                  <a:ext uri="{FF2B5EF4-FFF2-40B4-BE49-F238E27FC236}">
+                    <a16:creationId xmlns:a16="http://schemas.microsoft.com/office/drawing/2014/main" id="{7936E82F-CEA3-04E4-836C-0975B33B43B6}"/>
+                  </a:ext>
+                </a:extLst>
+              </p:cNvPr>
+              <p:cNvSpPr txBox="1"/>
+              <p:nvPr/>
+            </p:nvSpPr>
+            <p:spPr>
+              <a:xfrm rot="5400000">
+                <a:off x="2457653" y="-188202"/>
+                <a:ext cx="834602" cy="389174"/>
+              </a:xfrm>
+              <a:prstGeom prst="rect">
+                <a:avLst/>
+              </a:prstGeom>
+              <a:noFill/>
+              <a:ln>
+                <a:noFill/>
+              </a:ln>
+            </p:spPr>
+            <p:style>
+              <a:lnRef idx="2">
+                <a:schemeClr val="dk1"/>
+              </a:lnRef>
+              <a:fillRef idx="1">
+                <a:schemeClr val="lt1"/>
+              </a:fillRef>
+              <a:effectRef idx="0">
+                <a:schemeClr val="dk1"/>
+              </a:effectRef>
+              <a:fontRef idx="minor">
+                <a:schemeClr val="dk1"/>
+              </a:fontRef>
+            </p:style>
+            <p:txBody>
+              <a:bodyPr wrap="square">
+                <a:spAutoFit/>
+              </a:bodyPr>
+              <a:lstStyle/>
+              <a:p>
+                <a:pPr algn="ctr"/>
+                <a:r>
+                  <a:rPr lang="en-GB" sz="1000" dirty="0">
+                    <a:latin typeface="Helvetica Neue Thin" panose="020B0403020202020204" pitchFamily="34" charset="0"/>
+                    <a:ea typeface="Helvetica Neue Thin" panose="020B0403020202020204" pitchFamily="34" charset="0"/>
+                    <a:cs typeface="CMU Serif Roman" panose="02000603000000000000" pitchFamily="2" charset="0"/>
+                  </a:rPr>
+                  <a:t>t2</a:t>
+                </a:r>
+                <a:endParaRPr lang="en-GB" sz="1400" dirty="0">
+                  <a:latin typeface="Helvetica Neue Thin" panose="020B0403020202020204" pitchFamily="34" charset="0"/>
+                  <a:ea typeface="Helvetica Neue Thin" panose="020B0403020202020204" pitchFamily="34" charset="0"/>
+                  <a:cs typeface="CMU Serif Roman" panose="02000603000000000000" pitchFamily="2" charset="0"/>
+                </a:endParaRPr>
+              </a:p>
+            </p:txBody>
+          </p:sp>
+          <p:sp>
+            <p:nvSpPr>
+              <p:cNvPr id="64" name="TextBox 63">
+                <a:extLst>
+                  <a:ext uri="{FF2B5EF4-FFF2-40B4-BE49-F238E27FC236}">
+                    <a16:creationId xmlns:a16="http://schemas.microsoft.com/office/drawing/2014/main" id="{AB1FB6D8-F4F6-0366-61DE-CEA4D76E723F}"/>
+                  </a:ext>
+                </a:extLst>
+              </p:cNvPr>
+              <p:cNvSpPr txBox="1"/>
+              <p:nvPr/>
+            </p:nvSpPr>
+            <p:spPr>
+              <a:xfrm rot="5400000">
+                <a:off x="1390215" y="-188203"/>
+                <a:ext cx="834602" cy="389174"/>
+              </a:xfrm>
+              <a:prstGeom prst="rect">
+                <a:avLst/>
+              </a:prstGeom>
+              <a:noFill/>
+              <a:ln>
+                <a:noFill/>
+              </a:ln>
+            </p:spPr>
+            <p:style>
+              <a:lnRef idx="2">
+                <a:schemeClr val="dk1"/>
+              </a:lnRef>
+              <a:fillRef idx="1">
+                <a:schemeClr val="lt1"/>
+              </a:fillRef>
+              <a:effectRef idx="0">
+                <a:schemeClr val="dk1"/>
+              </a:effectRef>
+              <a:fontRef idx="minor">
+                <a:schemeClr val="dk1"/>
+              </a:fontRef>
+            </p:style>
+            <p:txBody>
+              <a:bodyPr wrap="square">
+                <a:spAutoFit/>
+              </a:bodyPr>
+              <a:lstStyle/>
+              <a:p>
+                <a:pPr algn="ctr"/>
+                <a:r>
+                  <a:rPr lang="en-GB" sz="1000" dirty="0">
+                    <a:latin typeface="Helvetica Neue Thin" panose="020B0403020202020204" pitchFamily="34" charset="0"/>
+                    <a:ea typeface="Helvetica Neue Thin" panose="020B0403020202020204" pitchFamily="34" charset="0"/>
+                    <a:cs typeface="CMU Serif Roman" panose="02000603000000000000" pitchFamily="2" charset="0"/>
+                  </a:rPr>
+                  <a:t>t3</a:t>
+                </a:r>
+                <a:endParaRPr lang="en-GB" sz="1400" dirty="0">
+                  <a:latin typeface="Helvetica Neue Thin" panose="020B0403020202020204" pitchFamily="34" charset="0"/>
+                  <a:ea typeface="Helvetica Neue Thin" panose="020B0403020202020204" pitchFamily="34" charset="0"/>
+                  <a:cs typeface="CMU Serif Roman" panose="02000603000000000000" pitchFamily="2" charset="0"/>
+                </a:endParaRPr>
+              </a:p>
+            </p:txBody>
+          </p:sp>
+          <p:sp>
+            <p:nvSpPr>
+              <p:cNvPr id="80" name="TextBox 79">
+                <a:extLst>
+                  <a:ext uri="{FF2B5EF4-FFF2-40B4-BE49-F238E27FC236}">
+                    <a16:creationId xmlns:a16="http://schemas.microsoft.com/office/drawing/2014/main" id="{EC287D62-61E8-BF13-F4A3-4B8CBE2F5F5A}"/>
+                  </a:ext>
+                </a:extLst>
+              </p:cNvPr>
+              <p:cNvSpPr txBox="1"/>
+              <p:nvPr/>
+            </p:nvSpPr>
+            <p:spPr>
+              <a:xfrm rot="5400000">
+                <a:off x="2438379" y="-2778038"/>
+                <a:ext cx="834602" cy="389174"/>
+              </a:xfrm>
+              <a:prstGeom prst="rect">
+                <a:avLst/>
+              </a:prstGeom>
+              <a:noFill/>
+              <a:ln>
+                <a:noFill/>
+              </a:ln>
+            </p:spPr>
+            <p:style>
+              <a:lnRef idx="2">
+                <a:schemeClr val="dk1"/>
+              </a:lnRef>
+              <a:fillRef idx="1">
+                <a:schemeClr val="lt1"/>
+              </a:fillRef>
+              <a:effectRef idx="0">
+                <a:schemeClr val="dk1"/>
+              </a:effectRef>
+              <a:fontRef idx="minor">
+                <a:schemeClr val="dk1"/>
+              </a:fontRef>
+            </p:style>
+            <p:txBody>
+              <a:bodyPr wrap="square">
+                <a:spAutoFit/>
+              </a:bodyPr>
+              <a:lstStyle/>
+              <a:p>
+                <a:pPr algn="ctr"/>
+                <a:r>
+                  <a:rPr lang="en-GB" sz="1000" dirty="0">
+                    <a:latin typeface="Helvetica Neue Thin" panose="020B0403020202020204" pitchFamily="34" charset="0"/>
+                    <a:ea typeface="Helvetica Neue Thin" panose="020B0403020202020204" pitchFamily="34" charset="0"/>
+                    <a:cs typeface="CMU Serif Roman" panose="02000603000000000000" pitchFamily="2" charset="0"/>
+                  </a:rPr>
+                  <a:t>t0</a:t>
+                </a:r>
+                <a:endParaRPr lang="en-GB" sz="1400" dirty="0">
+                  <a:latin typeface="Helvetica Neue Thin" panose="020B0403020202020204" pitchFamily="34" charset="0"/>
+                  <a:ea typeface="Helvetica Neue Thin" panose="020B0403020202020204" pitchFamily="34" charset="0"/>
+                  <a:cs typeface="CMU Serif Roman" panose="02000603000000000000" pitchFamily="2" charset="0"/>
+                </a:endParaRPr>
+              </a:p>
+            </p:txBody>
+          </p:sp>
+        </p:grpSp>
+        <p:cxnSp>
+          <p:nvCxnSpPr>
+            <p:cNvPr id="28" name="Straight Arrow Connector 27">
+              <a:extLst>
+                <a:ext uri="{FF2B5EF4-FFF2-40B4-BE49-F238E27FC236}">
+                  <a16:creationId xmlns:a16="http://schemas.microsoft.com/office/drawing/2014/main" id="{D2AC846E-DAA6-93CB-80B3-AD1989C78FD3}"/>
+                </a:ext>
+              </a:extLst>
+            </p:cNvPr>
+            <p:cNvCxnSpPr>
+              <a:cxnSpLocks/>
+              <a:stCxn id="10" idx="5"/>
+              <a:endCxn id="22" idx="0"/>
+            </p:cNvCxnSpPr>
+            <p:nvPr/>
+          </p:nvCxnSpPr>
+          <p:spPr>
+            <a:xfrm flipV="1">
+              <a:off x="1181499" y="2733356"/>
+              <a:ext cx="1350702" cy="624518"/>
+            </a:xfrm>
+            <a:prstGeom prst="straightConnector1">
+              <a:avLst/>
+            </a:prstGeom>
+            <a:ln>
+              <a:solidFill>
+                <a:schemeClr val="tx1">
+                  <a:lumMod val="75000"/>
+                  <a:lumOff val="25000"/>
+                </a:schemeClr>
+              </a:solidFill>
+              <a:prstDash val="dash"/>
+              <a:tailEnd type="triangle"/>
+            </a:ln>
+          </p:spPr>
+          <p:style>
+            <a:lnRef idx="1">
+              <a:schemeClr val="accent1"/>
+            </a:lnRef>
+            <a:fillRef idx="0">
+              <a:schemeClr val="accent1"/>
+            </a:fillRef>
+            <a:effectRef idx="0">
+              <a:schemeClr val="accent1"/>
+            </a:effectRef>
+            <a:fontRef idx="minor">
+              <a:schemeClr val="tx1"/>
+            </a:fontRef>
+          </p:style>
+        </p:cxnSp>
+        <p:cxnSp>
+          <p:nvCxnSpPr>
+            <p:cNvPr id="29" name="Straight Arrow Connector 28">
+              <a:extLst>
+                <a:ext uri="{FF2B5EF4-FFF2-40B4-BE49-F238E27FC236}">
+                  <a16:creationId xmlns:a16="http://schemas.microsoft.com/office/drawing/2014/main" id="{07FB1B4E-4A89-EEA9-4ADA-655ECF238118}"/>
+                </a:ext>
+              </a:extLst>
+            </p:cNvPr>
+            <p:cNvCxnSpPr>
+              <a:cxnSpLocks/>
+              <a:stCxn id="10" idx="4"/>
+              <a:endCxn id="19" idx="0"/>
+            </p:cNvCxnSpPr>
+            <p:nvPr/>
+          </p:nvCxnSpPr>
+          <p:spPr>
+            <a:xfrm flipV="1">
+              <a:off x="1303724" y="3629065"/>
+              <a:ext cx="1228478" cy="23886"/>
+            </a:xfrm>
+            <a:prstGeom prst="straightConnector1">
+              <a:avLst/>
+            </a:prstGeom>
+            <a:ln>
+              <a:solidFill>
+                <a:schemeClr val="tx1">
+                  <a:lumMod val="75000"/>
+                  <a:lumOff val="25000"/>
+                </a:schemeClr>
+              </a:solidFill>
+              <a:prstDash val="dash"/>
+              <a:tailEnd type="triangle"/>
+            </a:ln>
+          </p:spPr>
+          <p:style>
+            <a:lnRef idx="1">
+              <a:schemeClr val="accent1"/>
+            </a:lnRef>
+            <a:fillRef idx="0">
+              <a:schemeClr val="accent1"/>
+            </a:fillRef>
+            <a:effectRef idx="0">
+              <a:schemeClr val="accent1"/>
+            </a:effectRef>
+            <a:fontRef idx="minor">
+              <a:schemeClr val="tx1"/>
+            </a:fontRef>
+          </p:style>
+        </p:cxnSp>
+        <p:cxnSp>
+          <p:nvCxnSpPr>
+            <p:cNvPr id="30" name="Straight Arrow Connector 29">
+              <a:extLst>
+                <a:ext uri="{FF2B5EF4-FFF2-40B4-BE49-F238E27FC236}">
+                  <a16:creationId xmlns:a16="http://schemas.microsoft.com/office/drawing/2014/main" id="{76DD4665-26A9-38A8-8281-2F1997A91D06}"/>
+                </a:ext>
+              </a:extLst>
+            </p:cNvPr>
+            <p:cNvCxnSpPr>
+              <a:cxnSpLocks/>
+              <a:stCxn id="10" idx="3"/>
+              <a:endCxn id="16" idx="0"/>
+            </p:cNvCxnSpPr>
+            <p:nvPr/>
+          </p:nvCxnSpPr>
+          <p:spPr>
+            <a:xfrm>
+              <a:off x="1181500" y="3948028"/>
+              <a:ext cx="1350703" cy="628492"/>
+            </a:xfrm>
+            <a:prstGeom prst="straightConnector1">
+              <a:avLst/>
+            </a:prstGeom>
+            <a:ln>
+              <a:solidFill>
+                <a:schemeClr val="tx1">
+                  <a:lumMod val="75000"/>
+                  <a:lumOff val="25000"/>
+                </a:schemeClr>
+              </a:solidFill>
+              <a:prstDash val="dash"/>
+              <a:tailEnd type="triangle"/>
+            </a:ln>
+          </p:spPr>
+          <p:style>
+            <a:lnRef idx="1">
+              <a:schemeClr val="accent1"/>
+            </a:lnRef>
+            <a:fillRef idx="0">
+              <a:schemeClr val="accent1"/>
+            </a:fillRef>
+            <a:effectRef idx="0">
+              <a:schemeClr val="accent1"/>
+            </a:effectRef>
+            <a:fontRef idx="minor">
+              <a:schemeClr val="tx1"/>
+            </a:fontRef>
+          </p:style>
+        </p:cxnSp>
+        <p:cxnSp>
+          <p:nvCxnSpPr>
+            <p:cNvPr id="65" name="Straight Arrow Connector 64">
+              <a:extLst>
+                <a:ext uri="{FF2B5EF4-FFF2-40B4-BE49-F238E27FC236}">
+                  <a16:creationId xmlns:a16="http://schemas.microsoft.com/office/drawing/2014/main" id="{FB7F4ED6-AD33-956E-00C5-09B0F1AF4BC0}"/>
+                </a:ext>
+              </a:extLst>
+            </p:cNvPr>
+            <p:cNvCxnSpPr>
+              <a:cxnSpLocks/>
+              <a:stCxn id="22" idx="5"/>
+            </p:cNvCxnSpPr>
+            <p:nvPr/>
+          </p:nvCxnSpPr>
+          <p:spPr>
+            <a:xfrm flipV="1">
+              <a:off x="2982905" y="2397551"/>
+              <a:ext cx="184364" cy="149118"/>
+            </a:xfrm>
+            <a:prstGeom prst="straightConnector1">
+              <a:avLst/>
+            </a:prstGeom>
+            <a:ln>
+              <a:solidFill>
+                <a:schemeClr val="tx1">
+                  <a:lumMod val="75000"/>
+                  <a:lumOff val="25000"/>
+                </a:schemeClr>
+              </a:solidFill>
+              <a:prstDash val="dash"/>
+              <a:tailEnd type="triangle"/>
+            </a:ln>
+          </p:spPr>
+          <p:style>
+            <a:lnRef idx="1">
+              <a:schemeClr val="accent1"/>
+            </a:lnRef>
+            <a:fillRef idx="0">
+              <a:schemeClr val="accent1"/>
+            </a:fillRef>
+            <a:effectRef idx="0">
+              <a:schemeClr val="accent1"/>
+            </a:effectRef>
+            <a:fontRef idx="minor">
+              <a:schemeClr val="tx1"/>
+            </a:fontRef>
+          </p:style>
+        </p:cxnSp>
+        <p:cxnSp>
+          <p:nvCxnSpPr>
+            <p:cNvPr id="69" name="Straight Arrow Connector 68">
+              <a:extLst>
+                <a:ext uri="{FF2B5EF4-FFF2-40B4-BE49-F238E27FC236}">
+                  <a16:creationId xmlns:a16="http://schemas.microsoft.com/office/drawing/2014/main" id="{00B28419-B34E-235F-191F-C16FD44296F0}"/>
+                </a:ext>
+              </a:extLst>
+            </p:cNvPr>
+            <p:cNvCxnSpPr>
+              <a:cxnSpLocks/>
+              <a:stCxn id="22" idx="4"/>
+            </p:cNvCxnSpPr>
+            <p:nvPr/>
+          </p:nvCxnSpPr>
+          <p:spPr>
+            <a:xfrm>
+              <a:off x="3060233" y="2733357"/>
+              <a:ext cx="279315" cy="34971"/>
+            </a:xfrm>
+            <a:prstGeom prst="straightConnector1">
+              <a:avLst/>
+            </a:prstGeom>
+            <a:ln>
+              <a:solidFill>
+                <a:schemeClr val="tx1">
+                  <a:lumMod val="75000"/>
+                  <a:lumOff val="25000"/>
+                </a:schemeClr>
+              </a:solidFill>
+              <a:prstDash val="dash"/>
+              <a:tailEnd type="triangle"/>
+            </a:ln>
+          </p:spPr>
+          <p:style>
+            <a:lnRef idx="1">
+              <a:schemeClr val="accent1"/>
+            </a:lnRef>
+            <a:fillRef idx="0">
+              <a:schemeClr val="accent1"/>
+            </a:fillRef>
+            <a:effectRef idx="0">
+              <a:schemeClr val="accent1"/>
+            </a:effectRef>
+            <a:fontRef idx="minor">
+              <a:schemeClr val="tx1"/>
+            </a:fontRef>
+          </p:style>
+        </p:cxnSp>
+        <p:cxnSp>
+          <p:nvCxnSpPr>
+            <p:cNvPr id="72" name="Straight Arrow Connector 71">
+              <a:extLst>
+                <a:ext uri="{FF2B5EF4-FFF2-40B4-BE49-F238E27FC236}">
+                  <a16:creationId xmlns:a16="http://schemas.microsoft.com/office/drawing/2014/main" id="{A103FBDA-9FB4-EF06-8CCD-50480907E8F7}"/>
+                </a:ext>
+              </a:extLst>
+            </p:cNvPr>
+            <p:cNvCxnSpPr>
+              <a:cxnSpLocks/>
+              <a:stCxn id="22" idx="3"/>
+            </p:cNvCxnSpPr>
+            <p:nvPr/>
+          </p:nvCxnSpPr>
+          <p:spPr>
+            <a:xfrm>
+              <a:off x="2982905" y="2920045"/>
+              <a:ext cx="216985" cy="143248"/>
+            </a:xfrm>
+            <a:prstGeom prst="straightConnector1">
+              <a:avLst/>
+            </a:prstGeom>
+            <a:ln>
+              <a:solidFill>
+                <a:schemeClr val="tx1">
+                  <a:lumMod val="75000"/>
+                  <a:lumOff val="25000"/>
+                </a:schemeClr>
+              </a:solidFill>
+              <a:prstDash val="dash"/>
+              <a:tailEnd type="triangle"/>
+            </a:ln>
+          </p:spPr>
+          <p:style>
+            <a:lnRef idx="1">
+              <a:schemeClr val="accent1"/>
+            </a:lnRef>
+            <a:fillRef idx="0">
+              <a:schemeClr val="accent1"/>
+            </a:fillRef>
+            <a:effectRef idx="0">
+              <a:schemeClr val="accent1"/>
+            </a:effectRef>
+            <a:fontRef idx="minor">
+              <a:schemeClr val="tx1"/>
+            </a:fontRef>
+          </p:style>
+        </p:cxnSp>
+        <p:cxnSp>
+          <p:nvCxnSpPr>
+            <p:cNvPr id="75" name="Straight Arrow Connector 74">
+              <a:extLst>
+                <a:ext uri="{FF2B5EF4-FFF2-40B4-BE49-F238E27FC236}">
+                  <a16:creationId xmlns:a16="http://schemas.microsoft.com/office/drawing/2014/main" id="{B7443E76-B300-F371-F0AA-388BF82009D9}"/>
+                </a:ext>
+              </a:extLst>
+            </p:cNvPr>
+            <p:cNvCxnSpPr>
+              <a:cxnSpLocks/>
+              <a:endCxn id="10" idx="0"/>
+            </p:cNvCxnSpPr>
+            <p:nvPr/>
+          </p:nvCxnSpPr>
+          <p:spPr>
+            <a:xfrm>
+              <a:off x="147453" y="3652951"/>
+              <a:ext cx="321667" cy="0"/>
+            </a:xfrm>
+            <a:prstGeom prst="straightConnector1">
+              <a:avLst/>
+            </a:prstGeom>
+            <a:ln>
+              <a:solidFill>
+                <a:schemeClr val="tx1">
+                  <a:lumMod val="75000"/>
+                  <a:lumOff val="25000"/>
+                </a:schemeClr>
+              </a:solidFill>
+              <a:prstDash val="dash"/>
+              <a:tailEnd type="triangle"/>
+            </a:ln>
+          </p:spPr>
+          <p:style>
+            <a:lnRef idx="1">
+              <a:schemeClr val="accent1"/>
+            </a:lnRef>
+            <a:fillRef idx="0">
+              <a:schemeClr val="accent1"/>
+            </a:fillRef>
+            <a:effectRef idx="0">
+              <a:schemeClr val="accent1"/>
+            </a:effectRef>
+            <a:fontRef idx="minor">
+              <a:schemeClr val="tx1"/>
+            </a:fontRef>
+          </p:style>
+        </p:cxnSp>
+      </p:grpSp>
+      <p:sp>
+        <p:nvSpPr>
+          <p:cNvPr id="61" name="TextBox 60">
+            <a:extLst>
+              <a:ext uri="{FF2B5EF4-FFF2-40B4-BE49-F238E27FC236}">
+                <a16:creationId xmlns:a16="http://schemas.microsoft.com/office/drawing/2014/main" id="{B55F7355-F4D5-3742-7632-6518FF1AC7C9}"/>
+              </a:ext>
+            </a:extLst>
+          </p:cNvPr>
+          <p:cNvSpPr txBox="1"/>
+          <p:nvPr/>
+        </p:nvSpPr>
+        <p:spPr>
+          <a:xfrm>
+            <a:off x="3705212" y="1943167"/>
+            <a:ext cx="8543292" cy="2062103"/>
+          </a:xfrm>
+          <a:prstGeom prst="rect">
+            <a:avLst/>
+          </a:prstGeom>
+          <a:noFill/>
+        </p:spPr>
+        <p:txBody>
+          <a:bodyPr wrap="square" rtlCol="0">
+            <a:spAutoFit/>
+          </a:bodyPr>
+          <a:lstStyle/>
+          <a:p>
+            <a:r>
+              <a:rPr lang="en-GB" sz="1600" dirty="0">
+                <a:latin typeface="Helvetica Neue Thin" panose="020B0403020202020204" pitchFamily="34" charset="0"/>
+                <a:ea typeface="Helvetica Neue Thin" panose="020B0403020202020204" pitchFamily="34" charset="0"/>
+              </a:rPr>
+              <a:t>What reward for S1 should taken into account:</a:t>
+            </a:r>
+          </a:p>
+          <a:p>
+            <a:pPr marL="342900" indent="-342900">
+              <a:buAutoNum type="arabicParenBoth"/>
+            </a:pPr>
+            <a:r>
+              <a:rPr lang="en-GB" sz="1600" dirty="0">
+                <a:latin typeface="Helvetica Neue Thin" panose="020B0403020202020204" pitchFamily="34" charset="0"/>
+                <a:ea typeface="Helvetica Neue Thin" panose="020B0403020202020204" pitchFamily="34" charset="0"/>
+              </a:rPr>
+              <a:t>Has S1 appeared before [++]</a:t>
+            </a:r>
+          </a:p>
+          <a:p>
+            <a:pPr marL="342900" indent="-342900">
+              <a:buAutoNum type="arabicParenBoth"/>
+            </a:pPr>
+            <a:r>
+              <a:rPr lang="en-GB" sz="1600" dirty="0">
+                <a:latin typeface="Helvetica Neue Thin" panose="020B0403020202020204" pitchFamily="34" charset="0"/>
+                <a:ea typeface="Helvetica Neue Thin" panose="020B0403020202020204" pitchFamily="34" charset="0"/>
+              </a:rPr>
+              <a:t>Has t1 appeared? What % of the time did it appear initially </a:t>
+            </a:r>
+          </a:p>
+          <a:p>
+            <a:pPr marL="342900" indent="-342900">
+              <a:buAutoNum type="arabicParenBoth"/>
+            </a:pPr>
+            <a:r>
+              <a:rPr lang="en-GB" sz="1600" dirty="0">
+                <a:latin typeface="Helvetica Neue Thin" panose="020B0403020202020204" pitchFamily="34" charset="0"/>
+                <a:ea typeface="Helvetica Neue Thin" panose="020B0403020202020204" pitchFamily="34" charset="0"/>
+              </a:rPr>
+              <a:t>How often did the couple (t0, t1) appear compared to other t0 couples (only w/ </a:t>
+            </a:r>
+            <a:r>
+              <a:rPr lang="en-GB" sz="1600" dirty="0" err="1">
+                <a:latin typeface="Helvetica Neue Thin" panose="020B0403020202020204" pitchFamily="34" charset="0"/>
+                <a:ea typeface="Helvetica Neue Thin" panose="020B0403020202020204" pitchFamily="34" charset="0"/>
+              </a:rPr>
+              <a:t>poss</a:t>
+            </a:r>
+            <a:r>
+              <a:rPr lang="en-GB" sz="1600" dirty="0">
+                <a:latin typeface="Helvetica Neue Thin" panose="020B0403020202020204" pitchFamily="34" charset="0"/>
+                <a:ea typeface="Helvetica Neue Thin" panose="020B0403020202020204" pitchFamily="34" charset="0"/>
+              </a:rPr>
+              <a:t> exits)</a:t>
+            </a:r>
+          </a:p>
+          <a:p>
+            <a:pPr marL="342900" indent="-342900">
+              <a:buAutoNum type="arabicParenBoth"/>
+            </a:pPr>
+            <a:r>
+              <a:rPr lang="en-GB" sz="1600" dirty="0">
+                <a:latin typeface="Helvetica Neue Thin" panose="020B0403020202020204" pitchFamily="34" charset="0"/>
+                <a:ea typeface="Helvetica Neue Thin" panose="020B0403020202020204" pitchFamily="34" charset="0"/>
+              </a:rPr>
+              <a:t>Has t1 been taken from S0 before [++]</a:t>
+            </a:r>
+          </a:p>
+          <a:p>
+            <a:pPr marL="342900" indent="-342900">
+              <a:buAutoNum type="arabicParenBoth"/>
+            </a:pPr>
+            <a:r>
+              <a:rPr lang="en-GB" sz="1600" dirty="0">
+                <a:latin typeface="Helvetica Neue Thin" panose="020B0403020202020204" pitchFamily="34" charset="0"/>
+                <a:ea typeface="Helvetica Neue Thin" panose="020B0403020202020204" pitchFamily="34" charset="0"/>
+              </a:rPr>
+              <a:t>How many exits does S1 have</a:t>
+            </a:r>
+          </a:p>
+          <a:p>
+            <a:pPr marL="342900" indent="-342900">
+              <a:buAutoNum type="arabicParenBoth"/>
+            </a:pPr>
+            <a:r>
+              <a:rPr lang="en-GB" sz="1600" dirty="0">
+                <a:latin typeface="Helvetica Neue Thin" panose="020B0403020202020204" pitchFamily="34" charset="0"/>
+                <a:ea typeface="Helvetica Neue Thin" panose="020B0403020202020204" pitchFamily="34" charset="0"/>
+              </a:rPr>
+              <a:t>Does S1 appear in DEAD_PRED? (only if (3) doesn’t reply deadlock)</a:t>
+            </a:r>
+          </a:p>
+          <a:p>
+            <a:pPr marL="342900" indent="-342900">
+              <a:buAutoNum type="arabicParenBoth"/>
+            </a:pPr>
+            <a:r>
+              <a:rPr lang="en-GB" sz="1600" dirty="0">
+                <a:latin typeface="Helvetica Neue Thin" panose="020B0403020202020204" pitchFamily="34" charset="0"/>
+                <a:ea typeface="Helvetica Neue Thin" panose="020B0403020202020204" pitchFamily="34" charset="0"/>
+              </a:rPr>
+              <a:t>If t1 has a proc, how did that proc behave before [maybe?]</a:t>
+            </a:r>
+          </a:p>
+        </p:txBody>
+      </p:sp>
+      <p:sp>
+        <p:nvSpPr>
+          <p:cNvPr id="81" name="TextBox 80">
+            <a:extLst>
+              <a:ext uri="{FF2B5EF4-FFF2-40B4-BE49-F238E27FC236}">
+                <a16:creationId xmlns:a16="http://schemas.microsoft.com/office/drawing/2014/main" id="{097F6EA0-4724-5C4F-94D1-DCF6E93B34F2}"/>
+              </a:ext>
+            </a:extLst>
+          </p:cNvPr>
+          <p:cNvSpPr txBox="1"/>
+          <p:nvPr/>
+        </p:nvSpPr>
+        <p:spPr>
+          <a:xfrm>
+            <a:off x="20498" y="141760"/>
+            <a:ext cx="7456093" cy="400110"/>
+          </a:xfrm>
+          <a:prstGeom prst="rect">
+            <a:avLst/>
+          </a:prstGeom>
+          <a:noFill/>
+        </p:spPr>
+        <p:txBody>
+          <a:bodyPr wrap="square" rtlCol="0">
+            <a:spAutoFit/>
+          </a:bodyPr>
+          <a:lstStyle/>
+          <a:p>
+            <a:r>
+              <a:rPr lang="en-FR" sz="2000" dirty="0">
+                <a:latin typeface="Helvetica Neue Thin" panose="020B0403020202020204" pitchFamily="34" charset="0"/>
+                <a:ea typeface="Helvetica Neue Thin" panose="020B0403020202020204" pitchFamily="34" charset="0"/>
+              </a:rPr>
+              <a:t>Following explorations</a:t>
+            </a:r>
+          </a:p>
+        </p:txBody>
+      </p:sp>
+      <p:sp>
+        <p:nvSpPr>
+          <p:cNvPr id="85" name="TextBox 84">
+            <a:extLst>
+              <a:ext uri="{FF2B5EF4-FFF2-40B4-BE49-F238E27FC236}">
+                <a16:creationId xmlns:a16="http://schemas.microsoft.com/office/drawing/2014/main" id="{F1D1B8CF-6DD6-030E-48B7-69B3C65674F4}"/>
+              </a:ext>
+            </a:extLst>
+          </p:cNvPr>
+          <p:cNvSpPr txBox="1"/>
+          <p:nvPr/>
+        </p:nvSpPr>
+        <p:spPr>
+          <a:xfrm>
+            <a:off x="122697" y="726030"/>
+            <a:ext cx="12003110" cy="338554"/>
+          </a:xfrm>
+          <a:prstGeom prst="rect">
+            <a:avLst/>
+          </a:prstGeom>
+          <a:noFill/>
+        </p:spPr>
+        <p:txBody>
+          <a:bodyPr wrap="square" rtlCol="0">
+            <a:spAutoFit/>
+          </a:bodyPr>
+          <a:lstStyle/>
+          <a:p>
+            <a:r>
+              <a:rPr lang="en-GB" sz="1600" dirty="0">
+                <a:latin typeface="Helvetica Neue Thin" panose="020B0403020202020204" pitchFamily="34" charset="0"/>
+                <a:ea typeface="Helvetica Neue Thin" panose="020B0403020202020204" pitchFamily="34" charset="0"/>
+              </a:rPr>
+              <a:t>Analyse the runs, and get the set of sets that didn’t get all of their exits visited and use those as starting states instead of going from Init</a:t>
+            </a:r>
+          </a:p>
+        </p:txBody>
+      </p:sp>
+    </p:spTree>
+    <p:extLst>
+      <p:ext uri="{BB962C8B-B14F-4D97-AF65-F5344CB8AC3E}">
+        <p14:creationId xmlns:p14="http://schemas.microsoft.com/office/powerpoint/2010/main" val="1949332942"/>
+      </p:ext>
+    </p:extLst>
+  </p:cSld>
+  <p:clrMapOvr>
+    <a:masterClrMapping/>
+  </p:clrMapOvr>
+</p:sld>
+</file>
+
 <file path=ppt/slides/slide4.xml><?xml version="1.0" encoding="utf-8"?>
 <p:sld xmlns:a="http://schemas.openxmlformats.org/drawingml/2006/main" xmlns:r="http://schemas.openxmlformats.org/officeDocument/2006/relationships" xmlns:p="http://schemas.openxmlformats.org/presentationml/2006/main">
   <p:cSld>
@@ -19612,14 +21418,7 @@
                 <a:latin typeface="Helvetica Neue Thin" panose="020B0403020202020204" pitchFamily="34" charset="0"/>
                 <a:ea typeface="Helvetica Neue Thin" panose="020B0403020202020204" pitchFamily="34" charset="0"/>
               </a:rPr>
-              <a:t>Step</a:t>
-            </a:r>
-            <a:r>
-              <a:rPr lang="en-US" dirty="0">
-                <a:latin typeface="Helvetica Neue Thin" panose="020B0403020202020204" pitchFamily="34" charset="0"/>
-                <a:ea typeface="Helvetica Neue Thin" panose="020B0403020202020204" pitchFamily="34" charset="0"/>
-              </a:rPr>
-              <a:t> 2: Gather </a:t>
+              <a:t>Step 2: Gather </a:t>
             </a:r>
             <a:r>
               <a:rPr lang="en-US" dirty="0">
@@ -19743,36 +21542,45 @@
                 <a:latin typeface="Helvetica Neue Thin" panose="020B0403020202020204" pitchFamily="34" charset="0"/>
                 <a:ea typeface="Helvetica Neue Thin" panose="020B0403020202020204" pitchFamily="34" charset="0"/>
               </a:rPr>
-              <a:t>Step</a:t>
+              <a:t>Step 5: Rerun model exploration modifying how the system is explored using one of the proposed methods [</a:t>
             </a:r>
             <a:r>
               <a:rPr lang="en-US" dirty="0">
                 <a:latin typeface="Helvetica Neue Thin" panose="020B0403020202020204" pitchFamily="34" charset="0"/>
                 <a:ea typeface="Helvetica Neue Thin" panose="020B0403020202020204" pitchFamily="34" charset="0"/>
-              </a:rPr>
-              <a:t> 5: </a:t>
+                <a:hlinkClick r:id="rId3" action="ppaction://hlinksldjump"/>
+              </a:rPr>
+              <a:t>Slide 13</a:t>
             </a:r>
             <a:r>
               <a:rPr lang="en-US" dirty="0">
                 <a:latin typeface="Helvetica Neue Thin" panose="020B0403020202020204" pitchFamily="34" charset="0"/>
                 <a:ea typeface="Helvetica Neue Thin" panose="020B0403020202020204" pitchFamily="34" charset="0"/>
               </a:rPr>
-              <a:t>Rerun model exploration modifying how the system is explored using one of the proposed methods [</a:t>
-            </a:r>
+              <a:t>]</a:t>
+            </a:r>
+          </a:p>
+          <a:p>
             <a:r>
               <a:rPr lang="en-US" dirty="0">
                 <a:latin typeface="Helvetica Neue Thin" panose="020B0403020202020204" pitchFamily="34" charset="0"/>
                 <a:ea typeface="Helvetica Neue Thin" panose="020B0403020202020204" pitchFamily="34" charset="0"/>
-                <a:hlinkClick r:id="rId3" action="ppaction://hlinksldjump"/>
-              </a:rPr>
-              <a:t>Slide 13</a:t>
+              </a:rPr>
+              <a:t>	(</a:t>
+            </a:r>
+            <a:r>
+              <a:rPr lang="en-US" dirty="0" err="1">
+                <a:latin typeface="Helvetica Neue Thin" panose="020B0403020202020204" pitchFamily="34" charset="0"/>
+                <a:ea typeface="Helvetica Neue Thin" panose="020B0403020202020204" pitchFamily="34" charset="0"/>
+              </a:rPr>
+              <a:t>i</a:t>
             </a:r>
             <a:r>
               <a:rPr lang="en-US" dirty="0">
                 <a:latin typeface="Helvetica Neue Thin" panose="020B0403020202020204" pitchFamily="34" charset="0"/>
                 <a:ea typeface="Helvetica Neue Thin" panose="020B0403020202020204" pitchFamily="34" charset="0"/>
               </a:rPr>
-              <a:t>]</a:t>
+              <a:t>) Bias the Proposal Distribution </a:t>
             </a:r>
           </a:p>
           <a:p>
@@ -19781,31 +21589,19 @@
                 <a:latin typeface="Helvetica Neue Thin" panose="020B0403020202020204" pitchFamily="34" charset="0"/>
                 <a:ea typeface="Helvetica Neue Thin" panose="020B0403020202020204" pitchFamily="34" charset="0"/>
               </a:rPr>
-              <a:t>	(</a:t>
-            </a:r>
-            <a:r>
-              <a:rPr lang="en-US" dirty="0" err="1">
-                <a:latin typeface="Helvetica Neue Thin" panose="020B0403020202020204" pitchFamily="34" charset="0"/>
-                <a:ea typeface="Helvetica Neue Thin" panose="020B0403020202020204" pitchFamily="34" charset="0"/>
-              </a:rPr>
-              <a:t>i</a:t>
-            </a:r>
+              <a:t>	(ii) Bias the Entropy </a:t>
+            </a:r>
+          </a:p>
+          <a:p>
             <a:r>
               <a:rPr lang="en-US" dirty="0">
                 <a:latin typeface="Helvetica Neue Thin" panose="020B0403020202020204" pitchFamily="34" charset="0"/>
                 <a:ea typeface="Helvetica Neue Thin" panose="020B0403020202020204" pitchFamily="34" charset="0"/>
               </a:rPr>
-              <a:t>) Bias the Proposal Distribution </a:t>
-            </a:r>
-          </a:p>
-          <a:p>
-            <a:r>
-              <a:rPr lang="en-US" dirty="0">
-                <a:latin typeface="Helvetica Neue Thin" panose="020B0403020202020204" pitchFamily="34" charset="0"/>
-                <a:ea typeface="Helvetica Neue Thin" panose="020B0403020202020204" pitchFamily="34" charset="0"/>
-              </a:rPr>
-              <a:t>	(ii) Bias the Entropy </a:t>
-            </a:r>
+              <a:t>	(iii) Bias both </a:t>
+            </a:r>
+          </a:p>
+          <a:p>
             <a:endParaRPr lang="en-US" dirty="0">
               <a:latin typeface="Helvetica Neue Thin" panose="020B0403020202020204" pitchFamily="34" charset="0"/>
               <a:ea typeface="Helvetica Neue Thin" panose="020B0403020202020204" pitchFamily="34" charset="0"/>
@@ -19817,7 +21613,39 @@
                 <a:latin typeface="Helvetica Neue Thin" panose="020B0403020202020204" pitchFamily="34" charset="0"/>
                 <a:ea typeface="Helvetica Neue Thin" panose="020B0403020202020204" pitchFamily="34" charset="0"/>
               </a:rPr>
-              <a:t>	(iii) Bias both </a:t>
+              <a:t>Step 6: Gather </a:t>
+            </a:r>
+            <a:r>
+              <a:rPr lang="en-US" dirty="0">
+                <a:solidFill>
+                  <a:srgbClr val="0432FF"/>
+                </a:solidFill>
+                <a:latin typeface="Helvetica Neue Thin" panose="020B0403020202020204" pitchFamily="34" charset="0"/>
+                <a:ea typeface="Helvetica Neue Thin" panose="020B0403020202020204" pitchFamily="34" charset="0"/>
+              </a:rPr>
+              <a:t>new data </a:t>
+            </a:r>
+            <a:r>
+              <a:rPr lang="en-US" dirty="0">
+                <a:latin typeface="Helvetica Neue Thin" panose="020B0403020202020204" pitchFamily="34" charset="0"/>
+                <a:ea typeface="Helvetica Neue Thin" panose="020B0403020202020204" pitchFamily="34" charset="0"/>
+              </a:rPr>
+              <a:t>and analyze it [</a:t>
+            </a:r>
+            <a:r>
+              <a:rPr lang="en-US" dirty="0">
+                <a:latin typeface="Helvetica Neue Thin" panose="020B0403020202020204" pitchFamily="34" charset="0"/>
+                <a:ea typeface="Helvetica Neue Thin" panose="020B0403020202020204" pitchFamily="34" charset="0"/>
+                <a:hlinkClick r:id="rId4" action="ppaction://hlinksldjump"/>
+              </a:rPr>
+              <a:t>Slide 14</a:t>
+            </a:r>
+            <a:r>
+              <a:rPr lang="en-US" dirty="0">
+                <a:latin typeface="Helvetica Neue Thin" panose="020B0403020202020204" pitchFamily="34" charset="0"/>
+                <a:ea typeface="Helvetica Neue Thin" panose="020B0403020202020204" pitchFamily="34" charset="0"/>
+              </a:rPr>
+              <a:t>]</a:t>
             </a:r>
           </a:p>
           <a:p>
@@ -19832,68 +21660,7 @@
                 <a:latin typeface="Helvetica Neue Thin" panose="020B0403020202020204" pitchFamily="34" charset="0"/>
                 <a:ea typeface="Helvetica Neue Thin" panose="020B0403020202020204" pitchFamily="34" charset="0"/>
               </a:rPr>
-              <a:t>Step </a:t>
-            </a:r>
-            <a:r>
-              <a:rPr lang="en-US" dirty="0">
-                <a:latin typeface="Helvetica Neue Thin" panose="020B0403020202020204" pitchFamily="34" charset="0"/>
-                <a:ea typeface="Helvetica Neue Thin" panose="020B0403020202020204" pitchFamily="34" charset="0"/>
-              </a:rPr>
-              <a:t>6: Gather </a:t>
-            </a:r>
-            <a:r>
-              <a:rPr lang="en-US" dirty="0">
-                <a:solidFill>
-                  <a:srgbClr val="0432FF"/>
-                </a:solidFill>
-                <a:latin typeface="Helvetica Neue Thin" panose="020B0403020202020204" pitchFamily="34" charset="0"/>
-                <a:ea typeface="Helvetica Neue Thin" panose="020B0403020202020204" pitchFamily="34" charset="0"/>
-              </a:rPr>
-              <a:t>new data </a:t>
-            </a:r>
-            <a:r>
-              <a:rPr lang="en-US" dirty="0">
-                <a:latin typeface="Helvetica Neue Thin" panose="020B0403020202020204" pitchFamily="34" charset="0"/>
-                <a:ea typeface="Helvetica Neue Thin" panose="020B0403020202020204" pitchFamily="34" charset="0"/>
-              </a:rPr>
-              <a:t>and analyze it [</a:t>
-            </a:r>
-            <a:r>
-              <a:rPr lang="en-US" dirty="0">
-                <a:latin typeface="Helvetica Neue Thin" panose="020B0403020202020204" pitchFamily="34" charset="0"/>
-                <a:ea typeface="Helvetica Neue Thin" panose="020B0403020202020204" pitchFamily="34" charset="0"/>
-                <a:hlinkClick r:id="rId4" action="ppaction://hlinksldjump"/>
-              </a:rPr>
-              <a:t>Slide 14</a:t>
-            </a:r>
-            <a:r>
-              <a:rPr lang="en-US" dirty="0">
-                <a:latin typeface="Helvetica Neue Thin" panose="020B0403020202020204" pitchFamily="34" charset="0"/>
-                <a:ea typeface="Helvetica Neue Thin" panose="020B0403020202020204" pitchFamily="34" charset="0"/>
-              </a:rPr>
-              <a:t>]</a:t>
-            </a:r>
-          </a:p>
-          <a:p>
-            <a:endParaRPr lang="en-US" dirty="0">
-              <a:latin typeface="Helvetica Neue Thin" panose="020B0403020202020204" pitchFamily="34" charset="0"/>
-              <a:ea typeface="Helvetica Neue Thin" panose="020B0403020202020204" pitchFamily="34" charset="0"/>
-            </a:endParaRPr>
-          </a:p>
-          <a:p>
-            <a:r>
-              <a:rPr lang="en-US" dirty="0">
-                <a:latin typeface="Helvetica Neue Thin" panose="020B0403020202020204" pitchFamily="34" charset="0"/>
-                <a:ea typeface="Helvetica Neue Thin" panose="020B0403020202020204" pitchFamily="34" charset="0"/>
-              </a:rPr>
-              <a:t>Step 7: If new analytics </a:t>
-            </a:r>
-            <a:r>
-              <a:rPr lang="en-US" dirty="0">
-                <a:latin typeface="Helvetica Neue Thin" panose="020B0403020202020204" pitchFamily="34" charset="0"/>
-                <a:ea typeface="Helvetica Neue Thin" panose="020B0403020202020204" pitchFamily="34" charset="0"/>
-              </a:rPr>
-              <a:t>satisfactory, stop. Else go back to Step 5, modifying bias parameters [</a:t>
+              <a:t>Step 7: If new analytics satisfactory, stop. Else go back to Step 5, modifying bias parameters [</a:t>
             </a:r>
             <a:r>
               <a:rPr lang="en-US" dirty="0">
@@ -20047,10 +21814,6 @@
               </a:rPr>
               <a:t>First idea [before generalized solution]</a:t>
             </a:r>
-            <a:endParaRPr lang="en-FR" dirty="0">
-              <a:latin typeface="Helvetica Neue Thin" panose="020B0403020202020204" pitchFamily="34" charset="0"/>
-              <a:ea typeface="Helvetica Neue Thin" panose="020B0403020202020204" pitchFamily="34" charset="0"/>
-            </a:endParaRPr>
           </a:p>
         </p:txBody>
       </p:sp>
@@ -20176,14 +21939,7 @@
                 <a:latin typeface="Helvetica Neue Thin" panose="020B0403020202020204" pitchFamily="34" charset="0"/>
                 <a:ea typeface="Helvetica Neue Thin" panose="020B0403020202020204" pitchFamily="34" charset="0"/>
               </a:rPr>
-              <a:t>, you </a:t>
-            </a:r>
-            <a:r>
-              <a:rPr lang="en-US" dirty="0">
-                <a:latin typeface="Helvetica Neue Thin" panose="020B0403020202020204" pitchFamily="34" charset="0"/>
-                <a:ea typeface="Helvetica Neue Thin" panose="020B0403020202020204" pitchFamily="34" charset="0"/>
-              </a:rPr>
-              <a:t>can force the system to always pick steps that bring you closer to </a:t>
+              <a:t>, you can force the system to always pick steps that bring you closer to </a:t>
             </a:r>
             <a:r>
               <a:rPr lang="en-US" b="1" dirty="0">
@@ -20217,21 +21973,7 @@
                 <a:latin typeface="Helvetica Neue Thin" panose="020B0403020202020204" pitchFamily="34" charset="0"/>
                 <a:ea typeface="Helvetica Neue Thin" panose="020B0403020202020204" pitchFamily="34" charset="0"/>
               </a:rPr>
-              <a:t>, because you still want the system t</a:t>
-            </a:r>
-            <a:r>
-              <a:rPr lang="en-US" dirty="0">
-                <a:latin typeface="Helvetica Neue Thin" panose="020B0403020202020204" pitchFamily="34" charset="0"/>
-                <a:ea typeface="Helvetica Neue Thin" panose="020B0403020202020204" pitchFamily="34" charset="0"/>
-              </a:rPr>
-              <a:t>o </a:t>
-            </a:r>
-            <a:r>
-              <a:rPr lang="en-US" dirty="0">
-                <a:latin typeface="Helvetica Neue Thin" panose="020B0403020202020204" pitchFamily="34" charset="0"/>
-                <a:ea typeface="Helvetica Neue Thin" panose="020B0403020202020204" pitchFamily="34" charset="0"/>
-              </a:rPr>
-              <a:t>have a certain degree of freedom to move. You only want to get closer to </a:t>
+              <a:t>, because you still want the system to have a certain degree of freedom to move. You only want to get closer to </a:t>
             </a:r>
             <a:r>
               <a:rPr lang="en-US" b="1" dirty="0">
@@ -20487,14 +22229,7 @@
                 <a:latin typeface="Helvetica Neue Thin" panose="020B0403020202020204" pitchFamily="34" charset="0"/>
                 <a:ea typeface="Helvetica Neue Thin" panose="020B0403020202020204" pitchFamily="34" charset="0"/>
               </a:rPr>
-              <a:t>. 35</a:t>
-            </a:r>
-            <a:r>
-              <a:rPr lang="en-US" dirty="0">
-                <a:latin typeface="Helvetica Neue Thin" panose="020B0403020202020204" pitchFamily="34" charset="0"/>
-                <a:ea typeface="Helvetica Neue Thin" panose="020B0403020202020204" pitchFamily="34" charset="0"/>
-              </a:rPr>
-              <a:t>% of the time the system will do whatever it wants. </a:t>
+              <a:t>. 35% of the time the system will do whatever it wants. </a:t>
             </a:r>
           </a:p>
           <a:p>
@@ -22414,14 +24149,7 @@
                 <a:latin typeface="Helvetica Neue Thin" panose="020B0403020202020204" pitchFamily="34" charset="0"/>
                 <a:ea typeface="Helvetica Neue Thin" panose="020B0403020202020204" pitchFamily="34" charset="0"/>
               </a:rPr>
-              <a:t>The </a:t>
-            </a:r>
-            <a:r>
-              <a:rPr lang="en-FR" sz="2000" dirty="0">
-                <a:latin typeface="Helvetica Neue Thin" panose="020B0403020202020204" pitchFamily="34" charset="0"/>
-                <a:ea typeface="Helvetica Neue Thin" panose="020B0403020202020204" pitchFamily="34" charset="0"/>
-              </a:rPr>
-              <a:t>system weighs each state resulting from a possible transition. It picks the transition leading to the state with the biggest weight, i.e. the closest to chosen transition </a:t>
+              <a:t>The system weighs each state resulting from a possible transition. It picks the transition leading to the state with the biggest weight, i.e. the closest to chosen transition </a:t>
             </a:r>
             <a:r>
               <a:rPr lang="en-FR" sz="2000" b="1" dirty="0">
@@ -22913,14 +24641,7 @@
                 <a:latin typeface="Helvetica Neue Thin" panose="020B0403020202020204" pitchFamily="34" charset="0"/>
                 <a:ea typeface="Helvetica Neue Thin" panose="020B0403020202020204" pitchFamily="34" charset="0"/>
               </a:rPr>
-              <a:t>The </a:t>
-            </a:r>
-            <a:r>
-              <a:rPr lang="en-FR" sz="2000" dirty="0">
-                <a:latin typeface="Helvetica Neue Thin" panose="020B0403020202020204" pitchFamily="34" charset="0"/>
-                <a:ea typeface="Helvetica Neue Thin" panose="020B0403020202020204" pitchFamily="34" charset="0"/>
-              </a:rPr>
-              <a:t>system randomly picks from all of the possible transitions without considering what happens after taking that transition</a:t>
+              <a:t>The system randomly picks from all of the possible transitions without considering what happens after taking that transition</a:t>
             </a:r>
           </a:p>
         </p:txBody>
@@ -23119,13 +24840,6 @@
               </a:rPr>
               <a:t>Examples </a:t>
             </a:r>
-            <a:endParaRPr lang="en-FR" dirty="0">
-              <a:solidFill>
-                <a:srgbClr val="00B050"/>
-              </a:solidFill>
-              <a:latin typeface="Helvetica Neue Thin" panose="020B0403020202020204" pitchFamily="34" charset="0"/>
-              <a:ea typeface="Helvetica Neue Thin" panose="020B0403020202020204" pitchFamily="34" charset="0"/>
-            </a:endParaRPr>
           </a:p>
         </p:txBody>
       </p:sp>
@@ -23469,14 +25183,7 @@
                 <a:latin typeface="Helvetica Neue Thin" panose="020B0403020202020204" pitchFamily="34" charset="0"/>
                 <a:ea typeface="Helvetica Neue Thin" panose="020B0403020202020204" pitchFamily="34" charset="0"/>
               </a:rPr>
-              <a:t>W</a:t>
-            </a:r>
-            <a:r>
-              <a:rPr lang="en-FR" dirty="0">
-                <a:latin typeface="Helvetica Neue Thin" panose="020B0403020202020204" pitchFamily="34" charset="0"/>
-                <a:ea typeface="Helvetica Neue Thin" panose="020B0403020202020204" pitchFamily="34" charset="0"/>
-              </a:rPr>
-              <a:t>eighing states in this way means you always need the </a:t>
+              <a:t>Weighing states in this way means you always need the </a:t>
             </a:r>
             <a:r>
               <a:rPr lang="en-FR" dirty="0">
@@ -23693,10 +25400,6 @@
               </a:rPr>
               <a:t>Generalizing the idea</a:t>
             </a:r>
-            <a:endParaRPr lang="en-FR" dirty="0">
-              <a:latin typeface="Helvetica Neue Thin" panose="020B0403020202020204" pitchFamily="34" charset="0"/>
-              <a:ea typeface="Helvetica Neue Thin" panose="020B0403020202020204" pitchFamily="34" charset="0"/>
-            </a:endParaRPr>
           </a:p>
         </p:txBody>
       </p:sp>

--- a/mcmc_method.pptx
+++ b/mcmc_method.pptx
@@ -5,7 +5,7 @@
     <p:sldMasterId id="2147483648" r:id="rId1"/>
   </p:sldMasterIdLst>
   <p:notesMasterIdLst>
-    <p:notesMasterId r:id="rId41"/>
+    <p:notesMasterId r:id="rId42"/>
   </p:notesMasterIdLst>
   <p:sldIdLst>
     <p:sldId id="275" r:id="rId2"/>
@@ -47,6 +47,7 @@
     <p:sldId id="296" r:id="rId38"/>
     <p:sldId id="295" r:id="rId39"/>
     <p:sldId id="297" r:id="rId40"/>
+    <p:sldId id="298" r:id="rId41"/>
   </p:sldIdLst>
   <p:sldSz cx="12192000" cy="6858000"/>
   <p:notesSz cx="6858000" cy="9144000"/>
@@ -235,7 +236,7 @@
           <a:p>
             <a:fld id="{F665532D-9515-A447-9C89-932ABF0AFE21}" type="datetimeFigureOut">
               <a:rPr lang="en-FR" smtClean="0"/>
-              <a:t>27/03/2023</a:t>
+              <a:t>28/03/2023</a:t>
             </a:fld>
             <a:endParaRPr lang="en-FR"/>
           </a:p>
@@ -652,7 +653,7 @@
           <a:p>
             <a:fld id="{54BA42DA-DA95-8449-8980-09AEC66987CB}" type="datetime1">
               <a:rPr lang="fr-FR" smtClean="0"/>
-              <a:t>27/03/2023</a:t>
+              <a:t>28/03/2023</a:t>
             </a:fld>
             <a:endParaRPr lang="en-FR"/>
           </a:p>
@@ -852,7 +853,7 @@
           <a:p>
             <a:fld id="{7F6A5C21-1A89-DF4A-85E0-A03D4350F203}" type="datetime1">
               <a:rPr lang="fr-FR" smtClean="0"/>
-              <a:t>27/03/2023</a:t>
+              <a:t>28/03/2023</a:t>
             </a:fld>
             <a:endParaRPr lang="en-FR"/>
           </a:p>
@@ -1062,7 +1063,7 @@
           <a:p>
             <a:fld id="{05E93925-926B-1945-B9CA-9A732A875AAF}" type="datetime1">
               <a:rPr lang="fr-FR" smtClean="0"/>
-              <a:t>27/03/2023</a:t>
+              <a:t>28/03/2023</a:t>
             </a:fld>
             <a:endParaRPr lang="en-FR"/>
           </a:p>
@@ -1262,7 +1263,7 @@
           <a:p>
             <a:fld id="{E0247FCB-74AB-A24C-8A1B-D0FC7EA3D9F4}" type="datetime1">
               <a:rPr lang="fr-FR" smtClean="0"/>
-              <a:t>27/03/2023</a:t>
+              <a:t>28/03/2023</a:t>
             </a:fld>
             <a:endParaRPr lang="en-FR"/>
           </a:p>
@@ -1538,7 +1539,7 @@
           <a:p>
             <a:fld id="{787E801A-18C3-5149-B32A-A508AB557630}" type="datetime1">
               <a:rPr lang="fr-FR" smtClean="0"/>
-              <a:t>27/03/2023</a:t>
+              <a:t>28/03/2023</a:t>
             </a:fld>
             <a:endParaRPr lang="en-FR"/>
           </a:p>
@@ -1806,7 +1807,7 @@
           <a:p>
             <a:fld id="{8076E26A-A8C1-3A42-9438-6E19217B065D}" type="datetime1">
               <a:rPr lang="fr-FR" smtClean="0"/>
-              <a:t>27/03/2023</a:t>
+              <a:t>28/03/2023</a:t>
             </a:fld>
             <a:endParaRPr lang="en-FR"/>
           </a:p>
@@ -2221,7 +2222,7 @@
           <a:p>
             <a:fld id="{C9FEDFF1-3F10-3A46-ADC1-D537CC37F390}" type="datetime1">
               <a:rPr lang="fr-FR" smtClean="0"/>
-              <a:t>27/03/2023</a:t>
+              <a:t>28/03/2023</a:t>
             </a:fld>
             <a:endParaRPr lang="en-FR"/>
           </a:p>
@@ -2363,7 +2364,7 @@
           <a:p>
             <a:fld id="{A08AB4D7-44FD-2F47-8062-C2F06B42AC02}" type="datetime1">
               <a:rPr lang="fr-FR" smtClean="0"/>
-              <a:t>27/03/2023</a:t>
+              <a:t>28/03/2023</a:t>
             </a:fld>
             <a:endParaRPr lang="en-FR"/>
           </a:p>
@@ -2476,7 +2477,7 @@
           <a:p>
             <a:fld id="{12822FAA-36F4-0244-815D-515775E17909}" type="datetime1">
               <a:rPr lang="fr-FR" smtClean="0"/>
-              <a:t>27/03/2023</a:t>
+              <a:t>28/03/2023</a:t>
             </a:fld>
             <a:endParaRPr lang="en-FR"/>
           </a:p>
@@ -2789,7 +2790,7 @@
           <a:p>
             <a:fld id="{85DAED84-3442-4046-8F8E-AED3CA9DA38B}" type="datetime1">
               <a:rPr lang="fr-FR" smtClean="0"/>
-              <a:t>27/03/2023</a:t>
+              <a:t>28/03/2023</a:t>
             </a:fld>
             <a:endParaRPr lang="en-FR"/>
           </a:p>
@@ -3078,7 +3079,7 @@
           <a:p>
             <a:fld id="{3A186636-9FEC-8342-B6AE-6B0D584EC47A}" type="datetime1">
               <a:rPr lang="fr-FR" smtClean="0"/>
-              <a:t>27/03/2023</a:t>
+              <a:t>28/03/2023</a:t>
             </a:fld>
             <a:endParaRPr lang="en-FR"/>
           </a:p>
@@ -3321,7 +3322,7 @@
           <a:p>
             <a:fld id="{5F64E3B2-8E5B-BB40-B91D-3C3C9E0DD3C8}" type="datetime1">
               <a:rPr lang="fr-FR" smtClean="0"/>
-              <a:t>27/03/2023</a:t>
+              <a:t>28/03/2023</a:t>
             </a:fld>
             <a:endParaRPr lang="en-FR"/>
           </a:p>
@@ -19910,6 +19911,820 @@
       </p:grpSpPr>
       <p:sp>
         <p:nvSpPr>
+          <p:cNvPr id="6" name="Slide Number Placeholder 5">
+            <a:extLst>
+              <a:ext uri="{FF2B5EF4-FFF2-40B4-BE49-F238E27FC236}">
+                <a16:creationId xmlns:a16="http://schemas.microsoft.com/office/drawing/2014/main" id="{959BDB26-40E4-9CF6-297E-539B90F4FB2E}"/>
+              </a:ext>
+            </a:extLst>
+          </p:cNvPr>
+          <p:cNvSpPr>
+            <a:spLocks noGrp="1"/>
+          </p:cNvSpPr>
+          <p:nvPr>
+            <p:ph type="sldNum" sz="quarter" idx="12"/>
+          </p:nvPr>
+        </p:nvSpPr>
+        <p:spPr/>
+        <p:txBody>
+          <a:bodyPr/>
+          <a:lstStyle/>
+          <a:p>
+            <a:fld id="{4A936E34-E911-F947-B710-F12161D09F63}" type="slidenum">
+              <a:rPr lang="en-FR" smtClean="0"/>
+              <a:t>39</a:t>
+            </a:fld>
+            <a:endParaRPr lang="en-FR"/>
+          </a:p>
+        </p:txBody>
+      </p:sp>
+      <p:sp>
+        <p:nvSpPr>
+          <p:cNvPr id="2" name="TextBox 1">
+            <a:extLst>
+              <a:ext uri="{FF2B5EF4-FFF2-40B4-BE49-F238E27FC236}">
+                <a16:creationId xmlns:a16="http://schemas.microsoft.com/office/drawing/2014/main" id="{494BD36C-8837-AF56-5E58-817A43AA4697}"/>
+              </a:ext>
+            </a:extLst>
+          </p:cNvPr>
+          <p:cNvSpPr txBox="1"/>
+          <p:nvPr/>
+        </p:nvSpPr>
+        <p:spPr>
+          <a:xfrm>
+            <a:off x="94445" y="49696"/>
+            <a:ext cx="12003110" cy="830997"/>
+          </a:xfrm>
+          <a:prstGeom prst="rect">
+            <a:avLst/>
+          </a:prstGeom>
+          <a:noFill/>
+        </p:spPr>
+        <p:txBody>
+          <a:bodyPr wrap="square" rtlCol="0">
+            <a:spAutoFit/>
+          </a:bodyPr>
+          <a:lstStyle/>
+          <a:p>
+            <a:r>
+              <a:rPr lang="en-GB" sz="1600" dirty="0" err="1">
+                <a:latin typeface="Helvetica Neue Thin" panose="020B0403020202020204" pitchFamily="34" charset="0"/>
+                <a:ea typeface="Helvetica Neue Thin" panose="020B0403020202020204" pitchFamily="34" charset="0"/>
+              </a:rPr>
+              <a:t>S</a:t>
+            </a:r>
+            <a:r>
+              <a:rPr lang="en-GB" sz="1600" baseline="-25000" dirty="0" err="1">
+                <a:latin typeface="Helvetica Neue Thin" panose="020B0403020202020204" pitchFamily="34" charset="0"/>
+                <a:ea typeface="Helvetica Neue Thin" panose="020B0403020202020204" pitchFamily="34" charset="0"/>
+              </a:rPr>
+              <a:t>current</a:t>
+            </a:r>
+            <a:r>
+              <a:rPr lang="en-GB" sz="1600" dirty="0">
+                <a:latin typeface="Helvetica Neue Thin" panose="020B0403020202020204" pitchFamily="34" charset="0"/>
+                <a:ea typeface="Helvetica Neue Thin" panose="020B0403020202020204" pitchFamily="34" charset="0"/>
+              </a:rPr>
+              <a:t> : current state</a:t>
+            </a:r>
+          </a:p>
+          <a:p>
+            <a:r>
+              <a:rPr lang="en-GB" sz="1600" dirty="0" err="1">
+                <a:latin typeface="Helvetica Neue Thin" panose="020B0403020202020204" pitchFamily="34" charset="0"/>
+                <a:ea typeface="Helvetica Neue Thin" panose="020B0403020202020204" pitchFamily="34" charset="0"/>
+              </a:rPr>
+              <a:t>S</a:t>
+            </a:r>
+            <a:r>
+              <a:rPr lang="en-GB" sz="1600" baseline="-25000" dirty="0" err="1">
+                <a:latin typeface="Helvetica Neue Thin" panose="020B0403020202020204" pitchFamily="34" charset="0"/>
+                <a:ea typeface="Helvetica Neue Thin" panose="020B0403020202020204" pitchFamily="34" charset="0"/>
+              </a:rPr>
+              <a:t>new</a:t>
+            </a:r>
+            <a:r>
+              <a:rPr lang="en-GB" sz="1600" dirty="0">
+                <a:latin typeface="Helvetica Neue Thin" panose="020B0403020202020204" pitchFamily="34" charset="0"/>
+                <a:ea typeface="Helvetica Neue Thin" panose="020B0403020202020204" pitchFamily="34" charset="0"/>
+              </a:rPr>
+              <a:t> : potential new state </a:t>
+            </a:r>
+          </a:p>
+          <a:p>
+            <a:r>
+              <a:rPr lang="en-GB" sz="1600" dirty="0" err="1">
+                <a:latin typeface="Helvetica Neue Thin" panose="020B0403020202020204" pitchFamily="34" charset="0"/>
+                <a:ea typeface="Helvetica Neue Thin" panose="020B0403020202020204" pitchFamily="34" charset="0"/>
+              </a:rPr>
+              <a:t>t</a:t>
+            </a:r>
+            <a:r>
+              <a:rPr lang="en-GB" sz="1600" baseline="-25000" dirty="0" err="1">
+                <a:latin typeface="Helvetica Neue Thin" panose="020B0403020202020204" pitchFamily="34" charset="0"/>
+                <a:ea typeface="Helvetica Neue Thin" panose="020B0403020202020204" pitchFamily="34" charset="0"/>
+              </a:rPr>
+              <a:t>current</a:t>
+            </a:r>
+            <a:r>
+              <a:rPr lang="en-GB" sz="1600" baseline="-25000" dirty="0">
+                <a:latin typeface="Helvetica Neue Thin" panose="020B0403020202020204" pitchFamily="34" charset="0"/>
+                <a:ea typeface="Helvetica Neue Thin" panose="020B0403020202020204" pitchFamily="34" charset="0"/>
+              </a:rPr>
+              <a:t> </a:t>
+            </a:r>
+            <a:r>
+              <a:rPr lang="en-GB" sz="1600" baseline="-25000" dirty="0">
+                <a:latin typeface="Helvetica Neue Thin" panose="020B0403020202020204" pitchFamily="34" charset="0"/>
+                <a:ea typeface="Helvetica Neue Thin" panose="020B0403020202020204" pitchFamily="34" charset="0"/>
+                <a:sym typeface="Wingdings" pitchFamily="2" charset="2"/>
+              </a:rPr>
+              <a:t>--&gt; new </a:t>
+            </a:r>
+            <a:r>
+              <a:rPr lang="en-GB" sz="1600" dirty="0">
+                <a:latin typeface="Helvetica Neue Thin" panose="020B0403020202020204" pitchFamily="34" charset="0"/>
+                <a:ea typeface="Helvetica Neue Thin" panose="020B0403020202020204" pitchFamily="34" charset="0"/>
+                <a:sym typeface="Wingdings" pitchFamily="2" charset="2"/>
+              </a:rPr>
+              <a:t>: transition from current state to potential new state</a:t>
+            </a:r>
+            <a:r>
+              <a:rPr lang="en-GB" sz="1600" baseline="-25000" dirty="0">
+                <a:latin typeface="Helvetica Neue Thin" panose="020B0403020202020204" pitchFamily="34" charset="0"/>
+                <a:ea typeface="Helvetica Neue Thin" panose="020B0403020202020204" pitchFamily="34" charset="0"/>
+                <a:sym typeface="Wingdings" pitchFamily="2" charset="2"/>
+              </a:rPr>
+              <a:t> </a:t>
+            </a:r>
+            <a:endParaRPr lang="en-GB" sz="1600" dirty="0">
+              <a:latin typeface="Helvetica Neue Thin" panose="020B0403020202020204" pitchFamily="34" charset="0"/>
+              <a:ea typeface="Helvetica Neue Thin" panose="020B0403020202020204" pitchFamily="34" charset="0"/>
+            </a:endParaRPr>
+          </a:p>
+        </p:txBody>
+      </p:sp>
+      <p:sp>
+        <p:nvSpPr>
+          <p:cNvPr id="3" name="TextBox 2">
+            <a:extLst>
+              <a:ext uri="{FF2B5EF4-FFF2-40B4-BE49-F238E27FC236}">
+                <a16:creationId xmlns:a16="http://schemas.microsoft.com/office/drawing/2014/main" id="{D06C624D-C1E6-8A22-9396-8E5CDCC2829A}"/>
+              </a:ext>
+            </a:extLst>
+          </p:cNvPr>
+          <p:cNvSpPr txBox="1"/>
+          <p:nvPr/>
+        </p:nvSpPr>
+        <p:spPr>
+          <a:xfrm>
+            <a:off x="94445" y="1023731"/>
+            <a:ext cx="12003110" cy="1323439"/>
+          </a:xfrm>
+          <a:prstGeom prst="rect">
+            <a:avLst/>
+          </a:prstGeom>
+          <a:noFill/>
+        </p:spPr>
+        <p:txBody>
+          <a:bodyPr wrap="square" rtlCol="0">
+            <a:spAutoFit/>
+          </a:bodyPr>
+          <a:lstStyle/>
+          <a:p>
+            <a:r>
+              <a:rPr lang="en-GB" sz="1600" dirty="0">
+                <a:latin typeface="Helvetica Neue Thin" panose="020B0403020202020204" pitchFamily="34" charset="0"/>
+                <a:ea typeface="Helvetica Neue Thin" panose="020B0403020202020204" pitchFamily="34" charset="0"/>
+              </a:rPr>
+              <a:t>INIT_VISITED : visited states </a:t>
+            </a:r>
+          </a:p>
+          <a:p>
+            <a:r>
+              <a:rPr lang="en-GB" sz="1600" dirty="0">
+                <a:latin typeface="Helvetica Neue Thin" panose="020B0403020202020204" pitchFamily="34" charset="0"/>
+                <a:ea typeface="Helvetica Neue Thin" panose="020B0403020202020204" pitchFamily="34" charset="0"/>
+              </a:rPr>
+              <a:t>DEAD_PREDS : states that can lead to a deadlock</a:t>
+            </a:r>
+          </a:p>
+          <a:p>
+            <a:r>
+              <a:rPr lang="en-GB" sz="1600" dirty="0">
+                <a:latin typeface="Helvetica Neue Thin" panose="020B0403020202020204" pitchFamily="34" charset="0"/>
+                <a:ea typeface="Helvetica Neue Thin" panose="020B0403020202020204" pitchFamily="34" charset="0"/>
+              </a:rPr>
+              <a:t>DEADLOCK : deadlocking states </a:t>
+            </a:r>
+          </a:p>
+          <a:p>
+            <a:r>
+              <a:rPr lang="en-GB" sz="1600" dirty="0">
+                <a:latin typeface="Helvetica Neue Thin" panose="020B0403020202020204" pitchFamily="34" charset="0"/>
+                <a:ea typeface="Helvetica Neue Thin" panose="020B0403020202020204" pitchFamily="34" charset="0"/>
+              </a:rPr>
+              <a:t>MATRIX : transition pairs and how often they appear </a:t>
+            </a:r>
+          </a:p>
+          <a:p>
+            <a:r>
+              <a:rPr lang="en-GB" sz="1600" dirty="0">
+                <a:latin typeface="Helvetica Neue Thin" panose="020B0403020202020204" pitchFamily="34" charset="0"/>
+                <a:ea typeface="Helvetica Neue Thin" panose="020B0403020202020204" pitchFamily="34" charset="0"/>
+              </a:rPr>
+              <a:t>TR_COUNT : transitions and how often they appear </a:t>
+            </a:r>
+          </a:p>
+        </p:txBody>
+      </p:sp>
+      <p:sp>
+        <p:nvSpPr>
+          <p:cNvPr id="4" name="TextBox 3">
+            <a:extLst>
+              <a:ext uri="{FF2B5EF4-FFF2-40B4-BE49-F238E27FC236}">
+                <a16:creationId xmlns:a16="http://schemas.microsoft.com/office/drawing/2014/main" id="{F37FD10E-CA34-2A7E-83D3-0FB500D8604F}"/>
+              </a:ext>
+            </a:extLst>
+          </p:cNvPr>
+          <p:cNvSpPr txBox="1"/>
+          <p:nvPr/>
+        </p:nvSpPr>
+        <p:spPr>
+          <a:xfrm>
+            <a:off x="94445" y="2490208"/>
+            <a:ext cx="12003110" cy="338554"/>
+          </a:xfrm>
+          <a:prstGeom prst="rect">
+            <a:avLst/>
+          </a:prstGeom>
+          <a:noFill/>
+        </p:spPr>
+        <p:txBody>
+          <a:bodyPr wrap="square" rtlCol="0">
+            <a:spAutoFit/>
+          </a:bodyPr>
+          <a:lstStyle/>
+          <a:p>
+            <a:r>
+              <a:rPr lang="en-GB" sz="1600" dirty="0">
+                <a:latin typeface="Helvetica Neue Thin" panose="020B0403020202020204" pitchFamily="34" charset="0"/>
+                <a:ea typeface="Helvetica Neue Thin" panose="020B0403020202020204" pitchFamily="34" charset="0"/>
+              </a:rPr>
+              <a:t>Rules [version 1.0]</a:t>
+            </a:r>
+          </a:p>
+        </p:txBody>
+      </p:sp>
+      <p:pic>
+        <p:nvPicPr>
+          <p:cNvPr id="12" name="Picture 11">
+            <a:extLst>
+              <a:ext uri="{FF2B5EF4-FFF2-40B4-BE49-F238E27FC236}">
+                <a16:creationId xmlns:a16="http://schemas.microsoft.com/office/drawing/2014/main" id="{AB620B9A-6D5D-74FE-5E38-C9983BD95DE7}"/>
+              </a:ext>
+            </a:extLst>
+          </p:cNvPr>
+          <p:cNvPicPr>
+            <a:picLocks noChangeAspect="1"/>
+          </p:cNvPicPr>
+          <p:nvPr/>
+        </p:nvPicPr>
+        <p:blipFill>
+          <a:blip r:embed="rId2"/>
+          <a:stretch>
+            <a:fillRect/>
+          </a:stretch>
+        </p:blipFill>
+        <p:spPr>
+          <a:xfrm>
+            <a:off x="341243" y="2899802"/>
+            <a:ext cx="7772400" cy="330740"/>
+          </a:xfrm>
+          <a:prstGeom prst="rect">
+            <a:avLst/>
+          </a:prstGeom>
+        </p:spPr>
+      </p:pic>
+      <p:pic>
+        <p:nvPicPr>
+          <p:cNvPr id="13" name="Picture 12">
+            <a:extLst>
+              <a:ext uri="{FF2B5EF4-FFF2-40B4-BE49-F238E27FC236}">
+                <a16:creationId xmlns:a16="http://schemas.microsoft.com/office/drawing/2014/main" id="{624F7E13-52F5-AA40-2D24-A08EB5A95F23}"/>
+              </a:ext>
+            </a:extLst>
+          </p:cNvPr>
+          <p:cNvPicPr>
+            <a:picLocks noChangeAspect="1"/>
+          </p:cNvPicPr>
+          <p:nvPr/>
+        </p:nvPicPr>
+        <p:blipFill>
+          <a:blip r:embed="rId3"/>
+          <a:stretch>
+            <a:fillRect/>
+          </a:stretch>
+        </p:blipFill>
+        <p:spPr>
+          <a:xfrm>
+            <a:off x="341243" y="3230542"/>
+            <a:ext cx="7772400" cy="330740"/>
+          </a:xfrm>
+          <a:prstGeom prst="rect">
+            <a:avLst/>
+          </a:prstGeom>
+        </p:spPr>
+      </p:pic>
+    </p:spTree>
+    <p:extLst>
+      <p:ext uri="{BB962C8B-B14F-4D97-AF65-F5344CB8AC3E}">
+        <p14:creationId xmlns:p14="http://schemas.microsoft.com/office/powerpoint/2010/main" val="1949332942"/>
+      </p:ext>
+    </p:extLst>
+  </p:cSld>
+  <p:clrMapOvr>
+    <a:masterClrMapping/>
+  </p:clrMapOvr>
+</p:sld>
+</file>
+
+<file path=ppt/slides/slide4.xml><?xml version="1.0" encoding="utf-8"?>
+<p:sld xmlns:a="http://schemas.openxmlformats.org/drawingml/2006/main" xmlns:r="http://schemas.openxmlformats.org/officeDocument/2006/relationships" xmlns:p="http://schemas.openxmlformats.org/presentationml/2006/main">
+  <p:cSld>
+    <p:spTree>
+      <p:nvGrpSpPr>
+        <p:cNvPr id="1" name=""/>
+        <p:cNvGrpSpPr/>
+        <p:nvPr/>
+      </p:nvGrpSpPr>
+      <p:grpSpPr>
+        <a:xfrm>
+          <a:off x="0" y="0"/>
+          <a:ext cx="0" cy="0"/>
+          <a:chOff x="0" y="0"/>
+          <a:chExt cx="0" cy="0"/>
+        </a:xfrm>
+      </p:grpSpPr>
+      <p:sp>
+        <p:nvSpPr>
+          <p:cNvPr id="5" name="TextBox 4">
+            <a:extLst>
+              <a:ext uri="{FF2B5EF4-FFF2-40B4-BE49-F238E27FC236}">
+                <a16:creationId xmlns:a16="http://schemas.microsoft.com/office/drawing/2014/main" id="{B44A2E66-C3BE-A392-CDA2-A8D2F1C92B9B}"/>
+              </a:ext>
+            </a:extLst>
+          </p:cNvPr>
+          <p:cNvSpPr txBox="1"/>
+          <p:nvPr/>
+        </p:nvSpPr>
+        <p:spPr>
+          <a:xfrm>
+            <a:off x="314792" y="546746"/>
+            <a:ext cx="11688317" cy="5078313"/>
+          </a:xfrm>
+          <a:prstGeom prst="rect">
+            <a:avLst/>
+          </a:prstGeom>
+          <a:noFill/>
+        </p:spPr>
+        <p:txBody>
+          <a:bodyPr wrap="square" rtlCol="0">
+            <a:spAutoFit/>
+          </a:bodyPr>
+          <a:lstStyle/>
+          <a:p>
+            <a:r>
+              <a:rPr lang="en-US" dirty="0">
+                <a:latin typeface="Helvetica Neue Thin" panose="020B0403020202020204" pitchFamily="34" charset="0"/>
+                <a:ea typeface="Helvetica Neue Thin" panose="020B0403020202020204" pitchFamily="34" charset="0"/>
+              </a:rPr>
+              <a:t>Method step-by-step:</a:t>
+            </a:r>
+          </a:p>
+          <a:p>
+            <a:endParaRPr lang="en-US" dirty="0">
+              <a:latin typeface="Helvetica Neue Thin" panose="020B0403020202020204" pitchFamily="34" charset="0"/>
+              <a:ea typeface="Helvetica Neue Thin" panose="020B0403020202020204" pitchFamily="34" charset="0"/>
+            </a:endParaRPr>
+          </a:p>
+          <a:p>
+            <a:r>
+              <a:rPr lang="en-US" dirty="0">
+                <a:latin typeface="Helvetica Neue Thin" panose="020B0403020202020204" pitchFamily="34" charset="0"/>
+                <a:ea typeface="Helvetica Neue Thin" panose="020B0403020202020204" pitchFamily="34" charset="0"/>
+              </a:rPr>
+              <a:t>Step 1: Run model exploration while </a:t>
+            </a:r>
+            <a:r>
+              <a:rPr lang="en-US" dirty="0">
+                <a:solidFill>
+                  <a:srgbClr val="0432FF"/>
+                </a:solidFill>
+                <a:latin typeface="Helvetica Neue Thin" panose="020B0403020202020204" pitchFamily="34" charset="0"/>
+                <a:ea typeface="Helvetica Neue Thin" panose="020B0403020202020204" pitchFamily="34" charset="0"/>
+              </a:rPr>
+              <a:t>maximizing entropy </a:t>
+            </a:r>
+            <a:r>
+              <a:rPr lang="en-US" dirty="0">
+                <a:latin typeface="Helvetica Neue Thin" panose="020B0403020202020204" pitchFamily="34" charset="0"/>
+                <a:ea typeface="Helvetica Neue Thin" panose="020B0403020202020204" pitchFamily="34" charset="0"/>
+              </a:rPr>
+              <a:t>[</a:t>
+            </a:r>
+            <a:r>
+              <a:rPr lang="en-US" dirty="0">
+                <a:latin typeface="Helvetica Neue Thin" panose="020B0403020202020204" pitchFamily="34" charset="0"/>
+                <a:ea typeface="Helvetica Neue Thin" panose="020B0403020202020204" pitchFamily="34" charset="0"/>
+                <a:hlinkClick r:id="rId2" action="ppaction://hlinksldjump"/>
+              </a:rPr>
+              <a:t>Slide 12</a:t>
+            </a:r>
+            <a:r>
+              <a:rPr lang="en-US" dirty="0">
+                <a:latin typeface="Helvetica Neue Thin" panose="020B0403020202020204" pitchFamily="34" charset="0"/>
+                <a:ea typeface="Helvetica Neue Thin" panose="020B0403020202020204" pitchFamily="34" charset="0"/>
+              </a:rPr>
+              <a:t>]</a:t>
+            </a:r>
+          </a:p>
+          <a:p>
+            <a:endParaRPr lang="en-US" dirty="0">
+              <a:latin typeface="Helvetica Neue Thin" panose="020B0403020202020204" pitchFamily="34" charset="0"/>
+              <a:ea typeface="Helvetica Neue Thin" panose="020B0403020202020204" pitchFamily="34" charset="0"/>
+            </a:endParaRPr>
+          </a:p>
+          <a:p>
+            <a:r>
+              <a:rPr lang="en-US" dirty="0">
+                <a:latin typeface="Helvetica Neue Thin" panose="020B0403020202020204" pitchFamily="34" charset="0"/>
+                <a:ea typeface="Helvetica Neue Thin" panose="020B0403020202020204" pitchFamily="34" charset="0"/>
+              </a:rPr>
+              <a:t>Step 2: Gather </a:t>
+            </a:r>
+            <a:r>
+              <a:rPr lang="en-US" dirty="0">
+                <a:solidFill>
+                  <a:srgbClr val="0432FF"/>
+                </a:solidFill>
+                <a:latin typeface="Helvetica Neue Thin" panose="020B0403020202020204" pitchFamily="34" charset="0"/>
+                <a:ea typeface="Helvetica Neue Thin" panose="020B0403020202020204" pitchFamily="34" charset="0"/>
+              </a:rPr>
+              <a:t>data</a:t>
+            </a:r>
+            <a:r>
+              <a:rPr lang="en-US" dirty="0">
+                <a:latin typeface="Helvetica Neue Thin" panose="020B0403020202020204" pitchFamily="34" charset="0"/>
+                <a:ea typeface="Helvetica Neue Thin" panose="020B0403020202020204" pitchFamily="34" charset="0"/>
+              </a:rPr>
+              <a:t> from run [</a:t>
+            </a:r>
+            <a:r>
+              <a:rPr lang="en-US" dirty="0">
+                <a:latin typeface="Helvetica Neue Thin" panose="020B0403020202020204" pitchFamily="34" charset="0"/>
+                <a:ea typeface="Helvetica Neue Thin" panose="020B0403020202020204" pitchFamily="34" charset="0"/>
+                <a:hlinkClick r:id="rId2" action="ppaction://hlinksldjump"/>
+              </a:rPr>
+              <a:t>Slide 12</a:t>
+            </a:r>
+            <a:r>
+              <a:rPr lang="en-US" dirty="0">
+                <a:latin typeface="Helvetica Neue Thin" panose="020B0403020202020204" pitchFamily="34" charset="0"/>
+                <a:ea typeface="Helvetica Neue Thin" panose="020B0403020202020204" pitchFamily="34" charset="0"/>
+              </a:rPr>
+              <a:t>]</a:t>
+            </a:r>
+          </a:p>
+          <a:p>
+            <a:endParaRPr lang="en-US" dirty="0">
+              <a:latin typeface="Helvetica Neue Thin" panose="020B0403020202020204" pitchFamily="34" charset="0"/>
+              <a:ea typeface="Helvetica Neue Thin" panose="020B0403020202020204" pitchFamily="34" charset="0"/>
+            </a:endParaRPr>
+          </a:p>
+          <a:p>
+            <a:r>
+              <a:rPr lang="en-US" dirty="0">
+                <a:latin typeface="Helvetica Neue Thin" panose="020B0403020202020204" pitchFamily="34" charset="0"/>
+                <a:ea typeface="Helvetica Neue Thin" panose="020B0403020202020204" pitchFamily="34" charset="0"/>
+              </a:rPr>
+              <a:t>Step 3: Run </a:t>
+            </a:r>
+            <a:r>
+              <a:rPr lang="en-US" dirty="0">
+                <a:solidFill>
+                  <a:srgbClr val="0432FF"/>
+                </a:solidFill>
+                <a:latin typeface="Helvetica Neue Thin" panose="020B0403020202020204" pitchFamily="34" charset="0"/>
+                <a:ea typeface="Helvetica Neue Thin" panose="020B0403020202020204" pitchFamily="34" charset="0"/>
+              </a:rPr>
+              <a:t>analytics</a:t>
+            </a:r>
+            <a:r>
+              <a:rPr lang="en-US" dirty="0">
+                <a:latin typeface="Helvetica Neue Thin" panose="020B0403020202020204" pitchFamily="34" charset="0"/>
+                <a:ea typeface="Helvetica Neue Thin" panose="020B0403020202020204" pitchFamily="34" charset="0"/>
+              </a:rPr>
+              <a:t> on data [</a:t>
+            </a:r>
+            <a:r>
+              <a:rPr lang="en-US" dirty="0">
+                <a:latin typeface="Helvetica Neue Thin" panose="020B0403020202020204" pitchFamily="34" charset="0"/>
+                <a:ea typeface="Helvetica Neue Thin" panose="020B0403020202020204" pitchFamily="34" charset="0"/>
+                <a:hlinkClick r:id="rId2" action="ppaction://hlinksldjump"/>
+              </a:rPr>
+              <a:t>Slide 12</a:t>
+            </a:r>
+            <a:r>
+              <a:rPr lang="en-US" dirty="0">
+                <a:latin typeface="Helvetica Neue Thin" panose="020B0403020202020204" pitchFamily="34" charset="0"/>
+                <a:ea typeface="Helvetica Neue Thin" panose="020B0403020202020204" pitchFamily="34" charset="0"/>
+              </a:rPr>
+              <a:t>]</a:t>
+            </a:r>
+          </a:p>
+          <a:p>
+            <a:br>
+              <a:rPr lang="en-US" dirty="0">
+                <a:latin typeface="Helvetica Neue Thin" panose="020B0403020202020204" pitchFamily="34" charset="0"/>
+                <a:ea typeface="Helvetica Neue Thin" panose="020B0403020202020204" pitchFamily="34" charset="0"/>
+              </a:rPr>
+            </a:br>
+            <a:r>
+              <a:rPr lang="en-US" dirty="0">
+                <a:latin typeface="Helvetica Neue Thin" panose="020B0403020202020204" pitchFamily="34" charset="0"/>
+                <a:ea typeface="Helvetica Neue Thin" panose="020B0403020202020204" pitchFamily="34" charset="0"/>
+              </a:rPr>
+              <a:t>Step 4: If analytics satisfactory then stop, else continue to Step 5 [</a:t>
+            </a:r>
+            <a:r>
+              <a:rPr lang="en-US" dirty="0">
+                <a:latin typeface="Helvetica Neue Thin" panose="020B0403020202020204" pitchFamily="34" charset="0"/>
+                <a:ea typeface="Helvetica Neue Thin" panose="020B0403020202020204" pitchFamily="34" charset="0"/>
+                <a:hlinkClick r:id="rId3" action="ppaction://hlinksldjump"/>
+              </a:rPr>
+              <a:t>Slide 13</a:t>
+            </a:r>
+            <a:r>
+              <a:rPr lang="en-US" dirty="0">
+                <a:latin typeface="Helvetica Neue Thin" panose="020B0403020202020204" pitchFamily="34" charset="0"/>
+                <a:ea typeface="Helvetica Neue Thin" panose="020B0403020202020204" pitchFamily="34" charset="0"/>
+              </a:rPr>
+              <a:t>]</a:t>
+            </a:r>
+          </a:p>
+          <a:p>
+            <a:endParaRPr lang="en-US" dirty="0">
+              <a:latin typeface="Helvetica Neue Thin" panose="020B0403020202020204" pitchFamily="34" charset="0"/>
+              <a:ea typeface="Helvetica Neue Thin" panose="020B0403020202020204" pitchFamily="34" charset="0"/>
+            </a:endParaRPr>
+          </a:p>
+          <a:p>
+            <a:r>
+              <a:rPr lang="en-US" dirty="0">
+                <a:latin typeface="Helvetica Neue Thin" panose="020B0403020202020204" pitchFamily="34" charset="0"/>
+                <a:ea typeface="Helvetica Neue Thin" panose="020B0403020202020204" pitchFamily="34" charset="0"/>
+              </a:rPr>
+              <a:t>Step 5: Rerun model exploration modifying how the system is explored using one of the proposed methods [</a:t>
+            </a:r>
+            <a:r>
+              <a:rPr lang="en-US" dirty="0">
+                <a:latin typeface="Helvetica Neue Thin" panose="020B0403020202020204" pitchFamily="34" charset="0"/>
+                <a:ea typeface="Helvetica Neue Thin" panose="020B0403020202020204" pitchFamily="34" charset="0"/>
+                <a:hlinkClick r:id="rId3" action="ppaction://hlinksldjump"/>
+              </a:rPr>
+              <a:t>Slide 13</a:t>
+            </a:r>
+            <a:r>
+              <a:rPr lang="en-US" dirty="0">
+                <a:latin typeface="Helvetica Neue Thin" panose="020B0403020202020204" pitchFamily="34" charset="0"/>
+                <a:ea typeface="Helvetica Neue Thin" panose="020B0403020202020204" pitchFamily="34" charset="0"/>
+              </a:rPr>
+              <a:t>]</a:t>
+            </a:r>
+          </a:p>
+          <a:p>
+            <a:r>
+              <a:rPr lang="en-US" dirty="0">
+                <a:latin typeface="Helvetica Neue Thin" panose="020B0403020202020204" pitchFamily="34" charset="0"/>
+                <a:ea typeface="Helvetica Neue Thin" panose="020B0403020202020204" pitchFamily="34" charset="0"/>
+              </a:rPr>
+              <a:t>	(</a:t>
+            </a:r>
+            <a:r>
+              <a:rPr lang="en-US" dirty="0" err="1">
+                <a:latin typeface="Helvetica Neue Thin" panose="020B0403020202020204" pitchFamily="34" charset="0"/>
+                <a:ea typeface="Helvetica Neue Thin" panose="020B0403020202020204" pitchFamily="34" charset="0"/>
+              </a:rPr>
+              <a:t>i</a:t>
+            </a:r>
+            <a:r>
+              <a:rPr lang="en-US" dirty="0">
+                <a:latin typeface="Helvetica Neue Thin" panose="020B0403020202020204" pitchFamily="34" charset="0"/>
+                <a:ea typeface="Helvetica Neue Thin" panose="020B0403020202020204" pitchFamily="34" charset="0"/>
+              </a:rPr>
+              <a:t>) Bias the Proposal Distribution </a:t>
+            </a:r>
+          </a:p>
+          <a:p>
+            <a:r>
+              <a:rPr lang="en-US" dirty="0">
+                <a:latin typeface="Helvetica Neue Thin" panose="020B0403020202020204" pitchFamily="34" charset="0"/>
+                <a:ea typeface="Helvetica Neue Thin" panose="020B0403020202020204" pitchFamily="34" charset="0"/>
+              </a:rPr>
+              <a:t>	(ii) Bias the Entropy </a:t>
+            </a:r>
+          </a:p>
+          <a:p>
+            <a:r>
+              <a:rPr lang="en-US" dirty="0">
+                <a:latin typeface="Helvetica Neue Thin" panose="020B0403020202020204" pitchFamily="34" charset="0"/>
+                <a:ea typeface="Helvetica Neue Thin" panose="020B0403020202020204" pitchFamily="34" charset="0"/>
+              </a:rPr>
+              <a:t>	(iii) Bias both </a:t>
+            </a:r>
+          </a:p>
+          <a:p>
+            <a:endParaRPr lang="en-US" dirty="0">
+              <a:latin typeface="Helvetica Neue Thin" panose="020B0403020202020204" pitchFamily="34" charset="0"/>
+              <a:ea typeface="Helvetica Neue Thin" panose="020B0403020202020204" pitchFamily="34" charset="0"/>
+            </a:endParaRPr>
+          </a:p>
+          <a:p>
+            <a:r>
+              <a:rPr lang="en-US" dirty="0">
+                <a:latin typeface="Helvetica Neue Thin" panose="020B0403020202020204" pitchFamily="34" charset="0"/>
+                <a:ea typeface="Helvetica Neue Thin" panose="020B0403020202020204" pitchFamily="34" charset="0"/>
+              </a:rPr>
+              <a:t>Step 6: Gather </a:t>
+            </a:r>
+            <a:r>
+              <a:rPr lang="en-US" dirty="0">
+                <a:solidFill>
+                  <a:srgbClr val="0432FF"/>
+                </a:solidFill>
+                <a:latin typeface="Helvetica Neue Thin" panose="020B0403020202020204" pitchFamily="34" charset="0"/>
+                <a:ea typeface="Helvetica Neue Thin" panose="020B0403020202020204" pitchFamily="34" charset="0"/>
+              </a:rPr>
+              <a:t>new data </a:t>
+            </a:r>
+            <a:r>
+              <a:rPr lang="en-US" dirty="0">
+                <a:latin typeface="Helvetica Neue Thin" panose="020B0403020202020204" pitchFamily="34" charset="0"/>
+                <a:ea typeface="Helvetica Neue Thin" panose="020B0403020202020204" pitchFamily="34" charset="0"/>
+              </a:rPr>
+              <a:t>and analyze it [</a:t>
+            </a:r>
+            <a:r>
+              <a:rPr lang="en-US" dirty="0">
+                <a:latin typeface="Helvetica Neue Thin" panose="020B0403020202020204" pitchFamily="34" charset="0"/>
+                <a:ea typeface="Helvetica Neue Thin" panose="020B0403020202020204" pitchFamily="34" charset="0"/>
+                <a:hlinkClick r:id="rId4" action="ppaction://hlinksldjump"/>
+              </a:rPr>
+              <a:t>Slide 14</a:t>
+            </a:r>
+            <a:r>
+              <a:rPr lang="en-US" dirty="0">
+                <a:latin typeface="Helvetica Neue Thin" panose="020B0403020202020204" pitchFamily="34" charset="0"/>
+                <a:ea typeface="Helvetica Neue Thin" panose="020B0403020202020204" pitchFamily="34" charset="0"/>
+              </a:rPr>
+              <a:t>]</a:t>
+            </a:r>
+          </a:p>
+          <a:p>
+            <a:endParaRPr lang="en-US" dirty="0">
+              <a:latin typeface="Helvetica Neue Thin" panose="020B0403020202020204" pitchFamily="34" charset="0"/>
+              <a:ea typeface="Helvetica Neue Thin" panose="020B0403020202020204" pitchFamily="34" charset="0"/>
+            </a:endParaRPr>
+          </a:p>
+          <a:p>
+            <a:r>
+              <a:rPr lang="en-US" dirty="0">
+                <a:latin typeface="Helvetica Neue Thin" panose="020B0403020202020204" pitchFamily="34" charset="0"/>
+                <a:ea typeface="Helvetica Neue Thin" panose="020B0403020202020204" pitchFamily="34" charset="0"/>
+              </a:rPr>
+              <a:t>Step 7: If new analytics satisfactory, stop. Else go back to Step 5, modifying bias parameters [</a:t>
+            </a:r>
+            <a:r>
+              <a:rPr lang="en-US" dirty="0">
+                <a:latin typeface="Helvetica Neue Thin" panose="020B0403020202020204" pitchFamily="34" charset="0"/>
+                <a:ea typeface="Helvetica Neue Thin" panose="020B0403020202020204" pitchFamily="34" charset="0"/>
+                <a:hlinkClick r:id="rId4" action="ppaction://hlinksldjump"/>
+              </a:rPr>
+              <a:t>Slide 14</a:t>
+            </a:r>
+            <a:r>
+              <a:rPr lang="en-US" dirty="0">
+                <a:latin typeface="Helvetica Neue Thin" panose="020B0403020202020204" pitchFamily="34" charset="0"/>
+                <a:ea typeface="Helvetica Neue Thin" panose="020B0403020202020204" pitchFamily="34" charset="0"/>
+              </a:rPr>
+              <a:t>]</a:t>
+            </a:r>
+          </a:p>
+        </p:txBody>
+      </p:sp>
+      <p:sp>
+        <p:nvSpPr>
+          <p:cNvPr id="6" name="TextBox 5">
+            <a:extLst>
+              <a:ext uri="{FF2B5EF4-FFF2-40B4-BE49-F238E27FC236}">
+                <a16:creationId xmlns:a16="http://schemas.microsoft.com/office/drawing/2014/main" id="{341FFF12-9DE5-D7B1-6F34-2E0E8514EEB6}"/>
+              </a:ext>
+            </a:extLst>
+          </p:cNvPr>
+          <p:cNvSpPr txBox="1"/>
+          <p:nvPr/>
+        </p:nvSpPr>
+        <p:spPr>
+          <a:xfrm>
+            <a:off x="314791" y="6311254"/>
+            <a:ext cx="11688317" cy="369332"/>
+          </a:xfrm>
+          <a:prstGeom prst="rect">
+            <a:avLst/>
+          </a:prstGeom>
+          <a:noFill/>
+        </p:spPr>
+        <p:txBody>
+          <a:bodyPr wrap="square" rtlCol="0">
+            <a:spAutoFit/>
+          </a:bodyPr>
+          <a:lstStyle/>
+          <a:p>
+            <a:r>
+              <a:rPr lang="en-US" dirty="0">
+                <a:solidFill>
+                  <a:srgbClr val="FF0000"/>
+                </a:solidFill>
+                <a:latin typeface="Helvetica Neue Thin" panose="020B0403020202020204" pitchFamily="34" charset="0"/>
+                <a:ea typeface="Helvetica Neue Thin" panose="020B0403020202020204" pitchFamily="34" charset="0"/>
+              </a:rPr>
+              <a:t>Detailed description in following slides. </a:t>
+            </a:r>
+          </a:p>
+        </p:txBody>
+      </p:sp>
+      <p:sp>
+        <p:nvSpPr>
+          <p:cNvPr id="7" name="Slide Number Placeholder 6">
+            <a:extLst>
+              <a:ext uri="{FF2B5EF4-FFF2-40B4-BE49-F238E27FC236}">
+                <a16:creationId xmlns:a16="http://schemas.microsoft.com/office/drawing/2014/main" id="{51F1C4DF-4E43-A865-A2A8-6BCE841C3BA4}"/>
+              </a:ext>
+            </a:extLst>
+          </p:cNvPr>
+          <p:cNvSpPr>
+            <a:spLocks noGrp="1"/>
+          </p:cNvSpPr>
+          <p:nvPr>
+            <p:ph type="sldNum" sz="quarter" idx="12"/>
+          </p:nvPr>
+        </p:nvSpPr>
+        <p:spPr/>
+        <p:txBody>
+          <a:bodyPr/>
+          <a:lstStyle/>
+          <a:p>
+            <a:fld id="{4A936E34-E911-F947-B710-F12161D09F63}" type="slidenum">
+              <a:rPr lang="en-FR" smtClean="0"/>
+              <a:t>4</a:t>
+            </a:fld>
+            <a:endParaRPr lang="en-FR"/>
+          </a:p>
+        </p:txBody>
+      </p:sp>
+    </p:spTree>
+    <p:extLst>
+      <p:ext uri="{BB962C8B-B14F-4D97-AF65-F5344CB8AC3E}">
+        <p14:creationId xmlns:p14="http://schemas.microsoft.com/office/powerpoint/2010/main" val="4128960825"/>
+      </p:ext>
+    </p:extLst>
+  </p:cSld>
+  <p:clrMapOvr>
+    <a:masterClrMapping/>
+  </p:clrMapOvr>
+</p:sld>
+</file>
+
+<file path=ppt/slides/slide40.xml><?xml version="1.0" encoding="utf-8"?>
+<p:sld xmlns:a="http://schemas.openxmlformats.org/drawingml/2006/main" xmlns:r="http://schemas.openxmlformats.org/officeDocument/2006/relationships" xmlns:p="http://schemas.openxmlformats.org/presentationml/2006/main">
+  <p:cSld>
+    <p:spTree>
+      <p:nvGrpSpPr>
+        <p:cNvPr id="1" name=""/>
+        <p:cNvGrpSpPr/>
+        <p:nvPr/>
+      </p:nvGrpSpPr>
+      <p:grpSpPr>
+        <a:xfrm>
+          <a:off x="0" y="0"/>
+          <a:ext cx="0" cy="0"/>
+          <a:chOff x="0" y="0"/>
+          <a:chExt cx="0" cy="0"/>
+        </a:xfrm>
+      </p:grpSpPr>
+      <p:sp>
+        <p:nvSpPr>
           <p:cNvPr id="5" name="TextBox 4">
             <a:extLst>
               <a:ext uri="{FF2B5EF4-FFF2-40B4-BE49-F238E27FC236}">
@@ -19979,7 +20794,7 @@
           <a:p>
             <a:fld id="{4A936E34-E911-F947-B710-F12161D09F63}" type="slidenum">
               <a:rPr lang="en-FR" smtClean="0"/>
-              <a:t>39</a:t>
+              <a:t>40</a:t>
             </a:fld>
             <a:endParaRPr lang="en-FR"/>
           </a:p>
@@ -21296,464 +22111,7 @@
     </p:spTree>
     <p:extLst>
       <p:ext uri="{BB962C8B-B14F-4D97-AF65-F5344CB8AC3E}">
-        <p14:creationId xmlns:p14="http://schemas.microsoft.com/office/powerpoint/2010/main" val="1949332942"/>
-      </p:ext>
-    </p:extLst>
-  </p:cSld>
-  <p:clrMapOvr>
-    <a:masterClrMapping/>
-  </p:clrMapOvr>
-</p:sld>
-</file>
-
-<file path=ppt/slides/slide4.xml><?xml version="1.0" encoding="utf-8"?>
-<p:sld xmlns:a="http://schemas.openxmlformats.org/drawingml/2006/main" xmlns:r="http://schemas.openxmlformats.org/officeDocument/2006/relationships" xmlns:p="http://schemas.openxmlformats.org/presentationml/2006/main">
-  <p:cSld>
-    <p:spTree>
-      <p:nvGrpSpPr>
-        <p:cNvPr id="1" name=""/>
-        <p:cNvGrpSpPr/>
-        <p:nvPr/>
-      </p:nvGrpSpPr>
-      <p:grpSpPr>
-        <a:xfrm>
-          <a:off x="0" y="0"/>
-          <a:ext cx="0" cy="0"/>
-          <a:chOff x="0" y="0"/>
-          <a:chExt cx="0" cy="0"/>
-        </a:xfrm>
-      </p:grpSpPr>
-      <p:sp>
-        <p:nvSpPr>
-          <p:cNvPr id="5" name="TextBox 4">
-            <a:extLst>
-              <a:ext uri="{FF2B5EF4-FFF2-40B4-BE49-F238E27FC236}">
-                <a16:creationId xmlns:a16="http://schemas.microsoft.com/office/drawing/2014/main" id="{B44A2E66-C3BE-A392-CDA2-A8D2F1C92B9B}"/>
-              </a:ext>
-            </a:extLst>
-          </p:cNvPr>
-          <p:cNvSpPr txBox="1"/>
-          <p:nvPr/>
-        </p:nvSpPr>
-        <p:spPr>
-          <a:xfrm>
-            <a:off x="314792" y="546746"/>
-            <a:ext cx="11688317" cy="5078313"/>
-          </a:xfrm>
-          <a:prstGeom prst="rect">
-            <a:avLst/>
-          </a:prstGeom>
-          <a:noFill/>
-        </p:spPr>
-        <p:txBody>
-          <a:bodyPr wrap="square" rtlCol="0">
-            <a:spAutoFit/>
-          </a:bodyPr>
-          <a:lstStyle/>
-          <a:p>
-            <a:r>
-              <a:rPr lang="en-US" dirty="0">
-                <a:latin typeface="Helvetica Neue Thin" panose="020B0403020202020204" pitchFamily="34" charset="0"/>
-                <a:ea typeface="Helvetica Neue Thin" panose="020B0403020202020204" pitchFamily="34" charset="0"/>
-              </a:rPr>
-              <a:t>Method step-by-step:</a:t>
-            </a:r>
-          </a:p>
-          <a:p>
-            <a:endParaRPr lang="en-US" dirty="0">
-              <a:latin typeface="Helvetica Neue Thin" panose="020B0403020202020204" pitchFamily="34" charset="0"/>
-              <a:ea typeface="Helvetica Neue Thin" panose="020B0403020202020204" pitchFamily="34" charset="0"/>
-            </a:endParaRPr>
-          </a:p>
-          <a:p>
-            <a:r>
-              <a:rPr lang="en-US" dirty="0">
-                <a:latin typeface="Helvetica Neue Thin" panose="020B0403020202020204" pitchFamily="34" charset="0"/>
-                <a:ea typeface="Helvetica Neue Thin" panose="020B0403020202020204" pitchFamily="34" charset="0"/>
-              </a:rPr>
-              <a:t>Step 1: Run model exploration while </a:t>
-            </a:r>
-            <a:r>
-              <a:rPr lang="en-US" dirty="0">
-                <a:solidFill>
-                  <a:srgbClr val="0432FF"/>
-                </a:solidFill>
-                <a:latin typeface="Helvetica Neue Thin" panose="020B0403020202020204" pitchFamily="34" charset="0"/>
-                <a:ea typeface="Helvetica Neue Thin" panose="020B0403020202020204" pitchFamily="34" charset="0"/>
-              </a:rPr>
-              <a:t>maximizing entropy </a:t>
-            </a:r>
-            <a:r>
-              <a:rPr lang="en-US" dirty="0">
-                <a:latin typeface="Helvetica Neue Thin" panose="020B0403020202020204" pitchFamily="34" charset="0"/>
-                <a:ea typeface="Helvetica Neue Thin" panose="020B0403020202020204" pitchFamily="34" charset="0"/>
-              </a:rPr>
-              <a:t>[</a:t>
-            </a:r>
-            <a:r>
-              <a:rPr lang="en-US" dirty="0">
-                <a:latin typeface="Helvetica Neue Thin" panose="020B0403020202020204" pitchFamily="34" charset="0"/>
-                <a:ea typeface="Helvetica Neue Thin" panose="020B0403020202020204" pitchFamily="34" charset="0"/>
-                <a:hlinkClick r:id="rId2" action="ppaction://hlinksldjump"/>
-              </a:rPr>
-              <a:t>Slide 12</a:t>
-            </a:r>
-            <a:r>
-              <a:rPr lang="en-US" dirty="0">
-                <a:latin typeface="Helvetica Neue Thin" panose="020B0403020202020204" pitchFamily="34" charset="0"/>
-                <a:ea typeface="Helvetica Neue Thin" panose="020B0403020202020204" pitchFamily="34" charset="0"/>
-              </a:rPr>
-              <a:t>]</a:t>
-            </a:r>
-          </a:p>
-          <a:p>
-            <a:endParaRPr lang="en-US" dirty="0">
-              <a:latin typeface="Helvetica Neue Thin" panose="020B0403020202020204" pitchFamily="34" charset="0"/>
-              <a:ea typeface="Helvetica Neue Thin" panose="020B0403020202020204" pitchFamily="34" charset="0"/>
-            </a:endParaRPr>
-          </a:p>
-          <a:p>
-            <a:r>
-              <a:rPr lang="en-US" dirty="0">
-                <a:latin typeface="Helvetica Neue Thin" panose="020B0403020202020204" pitchFamily="34" charset="0"/>
-                <a:ea typeface="Helvetica Neue Thin" panose="020B0403020202020204" pitchFamily="34" charset="0"/>
-              </a:rPr>
-              <a:t>Step 2: Gather </a:t>
-            </a:r>
-            <a:r>
-              <a:rPr lang="en-US" dirty="0">
-                <a:solidFill>
-                  <a:srgbClr val="0432FF"/>
-                </a:solidFill>
-                <a:latin typeface="Helvetica Neue Thin" panose="020B0403020202020204" pitchFamily="34" charset="0"/>
-                <a:ea typeface="Helvetica Neue Thin" panose="020B0403020202020204" pitchFamily="34" charset="0"/>
-              </a:rPr>
-              <a:t>data</a:t>
-            </a:r>
-            <a:r>
-              <a:rPr lang="en-US" dirty="0">
-                <a:latin typeface="Helvetica Neue Thin" panose="020B0403020202020204" pitchFamily="34" charset="0"/>
-                <a:ea typeface="Helvetica Neue Thin" panose="020B0403020202020204" pitchFamily="34" charset="0"/>
-              </a:rPr>
-              <a:t> from run [</a:t>
-            </a:r>
-            <a:r>
-              <a:rPr lang="en-US" dirty="0">
-                <a:latin typeface="Helvetica Neue Thin" panose="020B0403020202020204" pitchFamily="34" charset="0"/>
-                <a:ea typeface="Helvetica Neue Thin" panose="020B0403020202020204" pitchFamily="34" charset="0"/>
-                <a:hlinkClick r:id="rId2" action="ppaction://hlinksldjump"/>
-              </a:rPr>
-              <a:t>Slide 12</a:t>
-            </a:r>
-            <a:r>
-              <a:rPr lang="en-US" dirty="0">
-                <a:latin typeface="Helvetica Neue Thin" panose="020B0403020202020204" pitchFamily="34" charset="0"/>
-                <a:ea typeface="Helvetica Neue Thin" panose="020B0403020202020204" pitchFamily="34" charset="0"/>
-              </a:rPr>
-              <a:t>]</a:t>
-            </a:r>
-          </a:p>
-          <a:p>
-            <a:endParaRPr lang="en-US" dirty="0">
-              <a:latin typeface="Helvetica Neue Thin" panose="020B0403020202020204" pitchFamily="34" charset="0"/>
-              <a:ea typeface="Helvetica Neue Thin" panose="020B0403020202020204" pitchFamily="34" charset="0"/>
-            </a:endParaRPr>
-          </a:p>
-          <a:p>
-            <a:r>
-              <a:rPr lang="en-US" dirty="0">
-                <a:latin typeface="Helvetica Neue Thin" panose="020B0403020202020204" pitchFamily="34" charset="0"/>
-                <a:ea typeface="Helvetica Neue Thin" panose="020B0403020202020204" pitchFamily="34" charset="0"/>
-              </a:rPr>
-              <a:t>Step 3: Run </a:t>
-            </a:r>
-            <a:r>
-              <a:rPr lang="en-US" dirty="0">
-                <a:solidFill>
-                  <a:srgbClr val="0432FF"/>
-                </a:solidFill>
-                <a:latin typeface="Helvetica Neue Thin" panose="020B0403020202020204" pitchFamily="34" charset="0"/>
-                <a:ea typeface="Helvetica Neue Thin" panose="020B0403020202020204" pitchFamily="34" charset="0"/>
-              </a:rPr>
-              <a:t>analytics</a:t>
-            </a:r>
-            <a:r>
-              <a:rPr lang="en-US" dirty="0">
-                <a:latin typeface="Helvetica Neue Thin" panose="020B0403020202020204" pitchFamily="34" charset="0"/>
-                <a:ea typeface="Helvetica Neue Thin" panose="020B0403020202020204" pitchFamily="34" charset="0"/>
-              </a:rPr>
-              <a:t> on data [</a:t>
-            </a:r>
-            <a:r>
-              <a:rPr lang="en-US" dirty="0">
-                <a:latin typeface="Helvetica Neue Thin" panose="020B0403020202020204" pitchFamily="34" charset="0"/>
-                <a:ea typeface="Helvetica Neue Thin" panose="020B0403020202020204" pitchFamily="34" charset="0"/>
-                <a:hlinkClick r:id="rId2" action="ppaction://hlinksldjump"/>
-              </a:rPr>
-              <a:t>Slide 12</a:t>
-            </a:r>
-            <a:r>
-              <a:rPr lang="en-US" dirty="0">
-                <a:latin typeface="Helvetica Neue Thin" panose="020B0403020202020204" pitchFamily="34" charset="0"/>
-                <a:ea typeface="Helvetica Neue Thin" panose="020B0403020202020204" pitchFamily="34" charset="0"/>
-              </a:rPr>
-              <a:t>]</a:t>
-            </a:r>
-          </a:p>
-          <a:p>
-            <a:br>
-              <a:rPr lang="en-US" dirty="0">
-                <a:latin typeface="Helvetica Neue Thin" panose="020B0403020202020204" pitchFamily="34" charset="0"/>
-                <a:ea typeface="Helvetica Neue Thin" panose="020B0403020202020204" pitchFamily="34" charset="0"/>
-              </a:rPr>
-            </a:br>
-            <a:r>
-              <a:rPr lang="en-US" dirty="0">
-                <a:latin typeface="Helvetica Neue Thin" panose="020B0403020202020204" pitchFamily="34" charset="0"/>
-                <a:ea typeface="Helvetica Neue Thin" panose="020B0403020202020204" pitchFamily="34" charset="0"/>
-              </a:rPr>
-              <a:t>Step 4: If analytics satisfactory then stop, else continue to Step 5 [</a:t>
-            </a:r>
-            <a:r>
-              <a:rPr lang="en-US" dirty="0">
-                <a:latin typeface="Helvetica Neue Thin" panose="020B0403020202020204" pitchFamily="34" charset="0"/>
-                <a:ea typeface="Helvetica Neue Thin" panose="020B0403020202020204" pitchFamily="34" charset="0"/>
-                <a:hlinkClick r:id="rId3" action="ppaction://hlinksldjump"/>
-              </a:rPr>
-              <a:t>Slide 13</a:t>
-            </a:r>
-            <a:r>
-              <a:rPr lang="en-US" dirty="0">
-                <a:latin typeface="Helvetica Neue Thin" panose="020B0403020202020204" pitchFamily="34" charset="0"/>
-                <a:ea typeface="Helvetica Neue Thin" panose="020B0403020202020204" pitchFamily="34" charset="0"/>
-              </a:rPr>
-              <a:t>]</a:t>
-            </a:r>
-          </a:p>
-          <a:p>
-            <a:endParaRPr lang="en-US" dirty="0">
-              <a:latin typeface="Helvetica Neue Thin" panose="020B0403020202020204" pitchFamily="34" charset="0"/>
-              <a:ea typeface="Helvetica Neue Thin" panose="020B0403020202020204" pitchFamily="34" charset="0"/>
-            </a:endParaRPr>
-          </a:p>
-          <a:p>
-            <a:r>
-              <a:rPr lang="en-US" dirty="0">
-                <a:latin typeface="Helvetica Neue Thin" panose="020B0403020202020204" pitchFamily="34" charset="0"/>
-                <a:ea typeface="Helvetica Neue Thin" panose="020B0403020202020204" pitchFamily="34" charset="0"/>
-              </a:rPr>
-              <a:t>Step 5: Rerun model exploration modifying how the system is explored using one of the proposed methods [</a:t>
-            </a:r>
-            <a:r>
-              <a:rPr lang="en-US" dirty="0">
-                <a:latin typeface="Helvetica Neue Thin" panose="020B0403020202020204" pitchFamily="34" charset="0"/>
-                <a:ea typeface="Helvetica Neue Thin" panose="020B0403020202020204" pitchFamily="34" charset="0"/>
-                <a:hlinkClick r:id="rId3" action="ppaction://hlinksldjump"/>
-              </a:rPr>
-              <a:t>Slide 13</a:t>
-            </a:r>
-            <a:r>
-              <a:rPr lang="en-US" dirty="0">
-                <a:latin typeface="Helvetica Neue Thin" panose="020B0403020202020204" pitchFamily="34" charset="0"/>
-                <a:ea typeface="Helvetica Neue Thin" panose="020B0403020202020204" pitchFamily="34" charset="0"/>
-              </a:rPr>
-              <a:t>]</a:t>
-            </a:r>
-          </a:p>
-          <a:p>
-            <a:r>
-              <a:rPr lang="en-US" dirty="0">
-                <a:latin typeface="Helvetica Neue Thin" panose="020B0403020202020204" pitchFamily="34" charset="0"/>
-                <a:ea typeface="Helvetica Neue Thin" panose="020B0403020202020204" pitchFamily="34" charset="0"/>
-              </a:rPr>
-              <a:t>	(</a:t>
-            </a:r>
-            <a:r>
-              <a:rPr lang="en-US" dirty="0" err="1">
-                <a:latin typeface="Helvetica Neue Thin" panose="020B0403020202020204" pitchFamily="34" charset="0"/>
-                <a:ea typeface="Helvetica Neue Thin" panose="020B0403020202020204" pitchFamily="34" charset="0"/>
-              </a:rPr>
-              <a:t>i</a:t>
-            </a:r>
-            <a:r>
-              <a:rPr lang="en-US" dirty="0">
-                <a:latin typeface="Helvetica Neue Thin" panose="020B0403020202020204" pitchFamily="34" charset="0"/>
-                <a:ea typeface="Helvetica Neue Thin" panose="020B0403020202020204" pitchFamily="34" charset="0"/>
-              </a:rPr>
-              <a:t>) Bias the Proposal Distribution </a:t>
-            </a:r>
-          </a:p>
-          <a:p>
-            <a:r>
-              <a:rPr lang="en-US" dirty="0">
-                <a:latin typeface="Helvetica Neue Thin" panose="020B0403020202020204" pitchFamily="34" charset="0"/>
-                <a:ea typeface="Helvetica Neue Thin" panose="020B0403020202020204" pitchFamily="34" charset="0"/>
-              </a:rPr>
-              <a:t>	(ii) Bias the Entropy </a:t>
-            </a:r>
-          </a:p>
-          <a:p>
-            <a:r>
-              <a:rPr lang="en-US" dirty="0">
-                <a:latin typeface="Helvetica Neue Thin" panose="020B0403020202020204" pitchFamily="34" charset="0"/>
-                <a:ea typeface="Helvetica Neue Thin" panose="020B0403020202020204" pitchFamily="34" charset="0"/>
-              </a:rPr>
-              <a:t>	(iii) Bias both </a:t>
-            </a:r>
-          </a:p>
-          <a:p>
-            <a:endParaRPr lang="en-US" dirty="0">
-              <a:latin typeface="Helvetica Neue Thin" panose="020B0403020202020204" pitchFamily="34" charset="0"/>
-              <a:ea typeface="Helvetica Neue Thin" panose="020B0403020202020204" pitchFamily="34" charset="0"/>
-            </a:endParaRPr>
-          </a:p>
-          <a:p>
-            <a:r>
-              <a:rPr lang="en-US" dirty="0">
-                <a:latin typeface="Helvetica Neue Thin" panose="020B0403020202020204" pitchFamily="34" charset="0"/>
-                <a:ea typeface="Helvetica Neue Thin" panose="020B0403020202020204" pitchFamily="34" charset="0"/>
-              </a:rPr>
-              <a:t>Step 6: Gather </a:t>
-            </a:r>
-            <a:r>
-              <a:rPr lang="en-US" dirty="0">
-                <a:solidFill>
-                  <a:srgbClr val="0432FF"/>
-                </a:solidFill>
-                <a:latin typeface="Helvetica Neue Thin" panose="020B0403020202020204" pitchFamily="34" charset="0"/>
-                <a:ea typeface="Helvetica Neue Thin" panose="020B0403020202020204" pitchFamily="34" charset="0"/>
-              </a:rPr>
-              <a:t>new data </a:t>
-            </a:r>
-            <a:r>
-              <a:rPr lang="en-US" dirty="0">
-                <a:latin typeface="Helvetica Neue Thin" panose="020B0403020202020204" pitchFamily="34" charset="0"/>
-                <a:ea typeface="Helvetica Neue Thin" panose="020B0403020202020204" pitchFamily="34" charset="0"/>
-              </a:rPr>
-              <a:t>and analyze it [</a:t>
-            </a:r>
-            <a:r>
-              <a:rPr lang="en-US" dirty="0">
-                <a:latin typeface="Helvetica Neue Thin" panose="020B0403020202020204" pitchFamily="34" charset="0"/>
-                <a:ea typeface="Helvetica Neue Thin" panose="020B0403020202020204" pitchFamily="34" charset="0"/>
-                <a:hlinkClick r:id="rId4" action="ppaction://hlinksldjump"/>
-              </a:rPr>
-              <a:t>Slide 14</a:t>
-            </a:r>
-            <a:r>
-              <a:rPr lang="en-US" dirty="0">
-                <a:latin typeface="Helvetica Neue Thin" panose="020B0403020202020204" pitchFamily="34" charset="0"/>
-                <a:ea typeface="Helvetica Neue Thin" panose="020B0403020202020204" pitchFamily="34" charset="0"/>
-              </a:rPr>
-              <a:t>]</a:t>
-            </a:r>
-          </a:p>
-          <a:p>
-            <a:endParaRPr lang="en-US" dirty="0">
-              <a:latin typeface="Helvetica Neue Thin" panose="020B0403020202020204" pitchFamily="34" charset="0"/>
-              <a:ea typeface="Helvetica Neue Thin" panose="020B0403020202020204" pitchFamily="34" charset="0"/>
-            </a:endParaRPr>
-          </a:p>
-          <a:p>
-            <a:r>
-              <a:rPr lang="en-US" dirty="0">
-                <a:latin typeface="Helvetica Neue Thin" panose="020B0403020202020204" pitchFamily="34" charset="0"/>
-                <a:ea typeface="Helvetica Neue Thin" panose="020B0403020202020204" pitchFamily="34" charset="0"/>
-              </a:rPr>
-              <a:t>Step 7: If new analytics satisfactory, stop. Else go back to Step 5, modifying bias parameters [</a:t>
-            </a:r>
-            <a:r>
-              <a:rPr lang="en-US" dirty="0">
-                <a:latin typeface="Helvetica Neue Thin" panose="020B0403020202020204" pitchFamily="34" charset="0"/>
-                <a:ea typeface="Helvetica Neue Thin" panose="020B0403020202020204" pitchFamily="34" charset="0"/>
-                <a:hlinkClick r:id="rId4" action="ppaction://hlinksldjump"/>
-              </a:rPr>
-              <a:t>Slide 14</a:t>
-            </a:r>
-            <a:r>
-              <a:rPr lang="en-US" dirty="0">
-                <a:latin typeface="Helvetica Neue Thin" panose="020B0403020202020204" pitchFamily="34" charset="0"/>
-                <a:ea typeface="Helvetica Neue Thin" panose="020B0403020202020204" pitchFamily="34" charset="0"/>
-              </a:rPr>
-              <a:t>]</a:t>
-            </a:r>
-          </a:p>
-        </p:txBody>
-      </p:sp>
-      <p:sp>
-        <p:nvSpPr>
-          <p:cNvPr id="6" name="TextBox 5">
-            <a:extLst>
-              <a:ext uri="{FF2B5EF4-FFF2-40B4-BE49-F238E27FC236}">
-                <a16:creationId xmlns:a16="http://schemas.microsoft.com/office/drawing/2014/main" id="{341FFF12-9DE5-D7B1-6F34-2E0E8514EEB6}"/>
-              </a:ext>
-            </a:extLst>
-          </p:cNvPr>
-          <p:cNvSpPr txBox="1"/>
-          <p:nvPr/>
-        </p:nvSpPr>
-        <p:spPr>
-          <a:xfrm>
-            <a:off x="314791" y="6311254"/>
-            <a:ext cx="11688317" cy="369332"/>
-          </a:xfrm>
-          <a:prstGeom prst="rect">
-            <a:avLst/>
-          </a:prstGeom>
-          <a:noFill/>
-        </p:spPr>
-        <p:txBody>
-          <a:bodyPr wrap="square" rtlCol="0">
-            <a:spAutoFit/>
-          </a:bodyPr>
-          <a:lstStyle/>
-          <a:p>
-            <a:r>
-              <a:rPr lang="en-US" dirty="0">
-                <a:solidFill>
-                  <a:srgbClr val="FF0000"/>
-                </a:solidFill>
-                <a:latin typeface="Helvetica Neue Thin" panose="020B0403020202020204" pitchFamily="34" charset="0"/>
-                <a:ea typeface="Helvetica Neue Thin" panose="020B0403020202020204" pitchFamily="34" charset="0"/>
-              </a:rPr>
-              <a:t>Detailed description in following slides. </a:t>
-            </a:r>
-          </a:p>
-        </p:txBody>
-      </p:sp>
-      <p:sp>
-        <p:nvSpPr>
-          <p:cNvPr id="7" name="Slide Number Placeholder 6">
-            <a:extLst>
-              <a:ext uri="{FF2B5EF4-FFF2-40B4-BE49-F238E27FC236}">
-                <a16:creationId xmlns:a16="http://schemas.microsoft.com/office/drawing/2014/main" id="{51F1C4DF-4E43-A865-A2A8-6BCE841C3BA4}"/>
-              </a:ext>
-            </a:extLst>
-          </p:cNvPr>
-          <p:cNvSpPr>
-            <a:spLocks noGrp="1"/>
-          </p:cNvSpPr>
-          <p:nvPr>
-            <p:ph type="sldNum" sz="quarter" idx="12"/>
-          </p:nvPr>
-        </p:nvSpPr>
-        <p:spPr/>
-        <p:txBody>
-          <a:bodyPr/>
-          <a:lstStyle/>
-          <a:p>
-            <a:fld id="{4A936E34-E911-F947-B710-F12161D09F63}" type="slidenum">
-              <a:rPr lang="en-FR" smtClean="0"/>
-              <a:t>4</a:t>
-            </a:fld>
-            <a:endParaRPr lang="en-FR"/>
-          </a:p>
-        </p:txBody>
-      </p:sp>
-    </p:spTree>
-    <p:extLst>
-      <p:ext uri="{BB962C8B-B14F-4D97-AF65-F5344CB8AC3E}">
-        <p14:creationId xmlns:p14="http://schemas.microsoft.com/office/powerpoint/2010/main" val="4128960825"/>
+        <p14:creationId xmlns:p14="http://schemas.microsoft.com/office/powerpoint/2010/main" val="220736342"/>
       </p:ext>
     </p:extLst>
   </p:cSld>

--- a/mcmc_method.pptx
+++ b/mcmc_method.pptx
@@ -5,7 +5,7 @@
     <p:sldMasterId id="2147483648" r:id="rId1"/>
   </p:sldMasterIdLst>
   <p:notesMasterIdLst>
-    <p:notesMasterId r:id="rId42"/>
+    <p:notesMasterId r:id="rId43"/>
   </p:notesMasterIdLst>
   <p:sldIdLst>
     <p:sldId id="275" r:id="rId2"/>
@@ -47,7 +47,8 @@
     <p:sldId id="296" r:id="rId38"/>
     <p:sldId id="295" r:id="rId39"/>
     <p:sldId id="297" r:id="rId40"/>
-    <p:sldId id="298" r:id="rId41"/>
+    <p:sldId id="299" r:id="rId41"/>
+    <p:sldId id="298" r:id="rId42"/>
   </p:sldIdLst>
   <p:sldSz cx="12192000" cy="6858000"/>
   <p:notesSz cx="6858000" cy="9144000"/>
@@ -236,7 +237,7 @@
           <a:p>
             <a:fld id="{F665532D-9515-A447-9C89-932ABF0AFE21}" type="datetimeFigureOut">
               <a:rPr lang="en-FR" smtClean="0"/>
-              <a:t>28/03/2023</a:t>
+              <a:t>29/03/2023</a:t>
             </a:fld>
             <a:endParaRPr lang="en-FR"/>
           </a:p>
@@ -653,7 +654,7 @@
           <a:p>
             <a:fld id="{54BA42DA-DA95-8449-8980-09AEC66987CB}" type="datetime1">
               <a:rPr lang="fr-FR" smtClean="0"/>
-              <a:t>28/03/2023</a:t>
+              <a:t>29/03/2023</a:t>
             </a:fld>
             <a:endParaRPr lang="en-FR"/>
           </a:p>
@@ -853,7 +854,7 @@
           <a:p>
             <a:fld id="{7F6A5C21-1A89-DF4A-85E0-A03D4350F203}" type="datetime1">
               <a:rPr lang="fr-FR" smtClean="0"/>
-              <a:t>28/03/2023</a:t>
+              <a:t>29/03/2023</a:t>
             </a:fld>
             <a:endParaRPr lang="en-FR"/>
           </a:p>
@@ -1063,7 +1064,7 @@
           <a:p>
             <a:fld id="{05E93925-926B-1945-B9CA-9A732A875AAF}" type="datetime1">
               <a:rPr lang="fr-FR" smtClean="0"/>
-              <a:t>28/03/2023</a:t>
+              <a:t>29/03/2023</a:t>
             </a:fld>
             <a:endParaRPr lang="en-FR"/>
           </a:p>
@@ -1263,7 +1264,7 @@
           <a:p>
             <a:fld id="{E0247FCB-74AB-A24C-8A1B-D0FC7EA3D9F4}" type="datetime1">
               <a:rPr lang="fr-FR" smtClean="0"/>
-              <a:t>28/03/2023</a:t>
+              <a:t>29/03/2023</a:t>
             </a:fld>
             <a:endParaRPr lang="en-FR"/>
           </a:p>
@@ -1539,7 +1540,7 @@
           <a:p>
             <a:fld id="{787E801A-18C3-5149-B32A-A508AB557630}" type="datetime1">
               <a:rPr lang="fr-FR" smtClean="0"/>
-              <a:t>28/03/2023</a:t>
+              <a:t>29/03/2023</a:t>
             </a:fld>
             <a:endParaRPr lang="en-FR"/>
           </a:p>
@@ -1807,7 +1808,7 @@
           <a:p>
             <a:fld id="{8076E26A-A8C1-3A42-9438-6E19217B065D}" type="datetime1">
               <a:rPr lang="fr-FR" smtClean="0"/>
-              <a:t>28/03/2023</a:t>
+              <a:t>29/03/2023</a:t>
             </a:fld>
             <a:endParaRPr lang="en-FR"/>
           </a:p>
@@ -2222,7 +2223,7 @@
           <a:p>
             <a:fld id="{C9FEDFF1-3F10-3A46-ADC1-D537CC37F390}" type="datetime1">
               <a:rPr lang="fr-FR" smtClean="0"/>
-              <a:t>28/03/2023</a:t>
+              <a:t>29/03/2023</a:t>
             </a:fld>
             <a:endParaRPr lang="en-FR"/>
           </a:p>
@@ -2364,7 +2365,7 @@
           <a:p>
             <a:fld id="{A08AB4D7-44FD-2F47-8062-C2F06B42AC02}" type="datetime1">
               <a:rPr lang="fr-FR" smtClean="0"/>
-              <a:t>28/03/2023</a:t>
+              <a:t>29/03/2023</a:t>
             </a:fld>
             <a:endParaRPr lang="en-FR"/>
           </a:p>
@@ -2477,7 +2478,7 @@
           <a:p>
             <a:fld id="{12822FAA-36F4-0244-815D-515775E17909}" type="datetime1">
               <a:rPr lang="fr-FR" smtClean="0"/>
-              <a:t>28/03/2023</a:t>
+              <a:t>29/03/2023</a:t>
             </a:fld>
             <a:endParaRPr lang="en-FR"/>
           </a:p>
@@ -2790,7 +2791,7 @@
           <a:p>
             <a:fld id="{85DAED84-3442-4046-8F8E-AED3CA9DA38B}" type="datetime1">
               <a:rPr lang="fr-FR" smtClean="0"/>
-              <a:t>28/03/2023</a:t>
+              <a:t>29/03/2023</a:t>
             </a:fld>
             <a:endParaRPr lang="en-FR"/>
           </a:p>
@@ -3079,7 +3080,7 @@
           <a:p>
             <a:fld id="{3A186636-9FEC-8342-B6AE-6B0D584EC47A}" type="datetime1">
               <a:rPr lang="fr-FR" smtClean="0"/>
-              <a:t>28/03/2023</a:t>
+              <a:t>29/03/2023</a:t>
             </a:fld>
             <a:endParaRPr lang="en-FR"/>
           </a:p>
@@ -3322,7 +3323,7 @@
           <a:p>
             <a:fld id="{5F64E3B2-8E5B-BB40-B91D-3C3C9E0DD3C8}" type="datetime1">
               <a:rPr lang="fr-FR" smtClean="0"/>
-              <a:t>28/03/2023</a:t>
+              <a:t>29/03/2023</a:t>
             </a:fld>
             <a:endParaRPr lang="en-FR"/>
           </a:p>
@@ -19448,7 +19449,42 @@
                 <a:latin typeface="Helvetica Neue Thin" panose="020B0403020202020204" pitchFamily="34" charset="0"/>
                 <a:ea typeface="Helvetica Neue Thin" panose="020B0403020202020204" pitchFamily="34" charset="0"/>
               </a:rPr>
-              <a:t>Also do this multiple times? </a:t>
+              <a:t>Also do this multiple times? Leaning towards yes since if only like 1 </a:t>
+            </a:r>
+            <a:r>
+              <a:rPr lang="en-GB" sz="1600" dirty="0" err="1">
+                <a:latin typeface="Helvetica Neue Thin" panose="020B0403020202020204" pitchFamily="34" charset="0"/>
+                <a:ea typeface="Helvetica Neue Thin" panose="020B0403020202020204" pitchFamily="34" charset="0"/>
+              </a:rPr>
+              <a:t>init</a:t>
+            </a:r>
+            <a:r>
+              <a:rPr lang="en-GB" sz="1600" dirty="0">
+                <a:latin typeface="Helvetica Neue Thin" panose="020B0403020202020204" pitchFamily="34" charset="0"/>
+                <a:ea typeface="Helvetica Neue Thin" panose="020B0403020202020204" pitchFamily="34" charset="0"/>
+              </a:rPr>
+              <a:t> step this </a:t>
+            </a:r>
+            <a:r>
+              <a:rPr lang="en-GB" sz="1600">
+                <a:latin typeface="Helvetica Neue Thin" panose="020B0403020202020204" pitchFamily="34" charset="0"/>
+                <a:ea typeface="Helvetica Neue Thin" panose="020B0403020202020204" pitchFamily="34" charset="0"/>
+              </a:rPr>
+              <a:t>whole part is </a:t>
+            </a:r>
+            <a:r>
+              <a:rPr lang="en-GB" sz="1600" dirty="0" err="1">
+                <a:latin typeface="Helvetica Neue Thin" panose="020B0403020202020204" pitchFamily="34" charset="0"/>
+                <a:ea typeface="Helvetica Neue Thin" panose="020B0403020202020204" pitchFamily="34" charset="0"/>
+              </a:rPr>
+              <a:t>kinda</a:t>
+            </a:r>
+            <a:r>
+              <a:rPr lang="en-GB" sz="1600" dirty="0">
+                <a:latin typeface="Helvetica Neue Thin" panose="020B0403020202020204" pitchFamily="34" charset="0"/>
+                <a:ea typeface="Helvetica Neue Thin" panose="020B0403020202020204" pitchFamily="34" charset="0"/>
+              </a:rPr>
+              <a:t> meh</a:t>
             </a:r>
           </a:p>
           <a:p>
@@ -19940,10 +19976,10 @@
       </p:sp>
       <p:sp>
         <p:nvSpPr>
-          <p:cNvPr id="2" name="TextBox 1">
+          <p:cNvPr id="5" name="TextBox 4">
             <a:extLst>
               <a:ext uri="{FF2B5EF4-FFF2-40B4-BE49-F238E27FC236}">
-                <a16:creationId xmlns:a16="http://schemas.microsoft.com/office/drawing/2014/main" id="{494BD36C-8837-AF56-5E58-817A43AA4697}"/>
+                <a16:creationId xmlns:a16="http://schemas.microsoft.com/office/drawing/2014/main" id="{967B1342-4061-7E54-B8D0-7E58C857E3DB}"/>
               </a:ext>
             </a:extLst>
           </p:cNvPr>
@@ -19952,8 +19988,8 @@
         </p:nvSpPr>
         <p:spPr>
           <a:xfrm>
-            <a:off x="94445" y="49696"/>
-            <a:ext cx="12003110" cy="830997"/>
+            <a:off x="142304" y="375878"/>
+            <a:ext cx="7085186" cy="3293209"/>
           </a:xfrm>
           <a:prstGeom prst="rect">
             <a:avLst/>
@@ -19967,275 +20003,1188 @@
           <a:lstStyle/>
           <a:p>
             <a:r>
+              <a:rPr lang="en-GB" sz="1600" dirty="0">
+                <a:latin typeface="Helvetica Neue Thin" panose="020B0403020202020204" pitchFamily="34" charset="0"/>
+                <a:ea typeface="Helvetica Neue Thin" panose="020B0403020202020204" pitchFamily="34" charset="0"/>
+              </a:rPr>
+              <a:t>The goal is to define a sort of ‘rewards’ function that would </a:t>
+            </a:r>
+            <a:r>
               <a:rPr lang="en-GB" sz="1600" dirty="0" err="1">
                 <a:latin typeface="Helvetica Neue Thin" panose="020B0403020202020204" pitchFamily="34" charset="0"/>
                 <a:ea typeface="Helvetica Neue Thin" panose="020B0403020202020204" pitchFamily="34" charset="0"/>
               </a:rPr>
-              <a:t>S</a:t>
-            </a:r>
-            <a:r>
-              <a:rPr lang="en-GB" sz="1600" baseline="-25000" dirty="0" err="1">
-                <a:latin typeface="Helvetica Neue Thin" panose="020B0403020202020204" pitchFamily="34" charset="0"/>
-                <a:ea typeface="Helvetica Neue Thin" panose="020B0403020202020204" pitchFamily="34" charset="0"/>
-              </a:rPr>
-              <a:t>current</a:t>
+              <a:t>analyze</a:t>
             </a:r>
             <a:r>
               <a:rPr lang="en-GB" sz="1600" dirty="0">
                 <a:latin typeface="Helvetica Neue Thin" panose="020B0403020202020204" pitchFamily="34" charset="0"/>
                 <a:ea typeface="Helvetica Neue Thin" panose="020B0403020202020204" pitchFamily="34" charset="0"/>
               </a:rPr>
-              <a:t> : current state</a:t>
-            </a:r>
-          </a:p>
-          <a:p>
-            <a:r>
-              <a:rPr lang="en-GB" sz="1600" dirty="0" err="1">
-                <a:latin typeface="Helvetica Neue Thin" panose="020B0403020202020204" pitchFamily="34" charset="0"/>
-                <a:ea typeface="Helvetica Neue Thin" panose="020B0403020202020204" pitchFamily="34" charset="0"/>
-              </a:rPr>
-              <a:t>S</a:t>
-            </a:r>
-            <a:r>
-              <a:rPr lang="en-GB" sz="1600" baseline="-25000" dirty="0" err="1">
-                <a:latin typeface="Helvetica Neue Thin" panose="020B0403020202020204" pitchFamily="34" charset="0"/>
-                <a:ea typeface="Helvetica Neue Thin" panose="020B0403020202020204" pitchFamily="34" charset="0"/>
-              </a:rPr>
-              <a:t>new</a:t>
-            </a:r>
+              <a:t> each possible step and assign a value to that step. Then the final choice would be the step that brings the biggest reward. </a:t>
+            </a:r>
+          </a:p>
+          <a:p>
             <a:r>
               <a:rPr lang="en-GB" sz="1600" dirty="0">
                 <a:latin typeface="Helvetica Neue Thin" panose="020B0403020202020204" pitchFamily="34" charset="0"/>
                 <a:ea typeface="Helvetica Neue Thin" panose="020B0403020202020204" pitchFamily="34" charset="0"/>
               </a:rPr>
-              <a:t> : potential new state </a:t>
-            </a:r>
-          </a:p>
-          <a:p>
-            <a:r>
-              <a:rPr lang="en-GB" sz="1600" dirty="0" err="1">
-                <a:latin typeface="Helvetica Neue Thin" panose="020B0403020202020204" pitchFamily="34" charset="0"/>
-                <a:ea typeface="Helvetica Neue Thin" panose="020B0403020202020204" pitchFamily="34" charset="0"/>
-              </a:rPr>
-              <a:t>t</a:t>
-            </a:r>
-            <a:r>
-              <a:rPr lang="en-GB" sz="1600" baseline="-25000" dirty="0" err="1">
-                <a:latin typeface="Helvetica Neue Thin" panose="020B0403020202020204" pitchFamily="34" charset="0"/>
-                <a:ea typeface="Helvetica Neue Thin" panose="020B0403020202020204" pitchFamily="34" charset="0"/>
-              </a:rPr>
-              <a:t>current</a:t>
-            </a:r>
-            <a:r>
-              <a:rPr lang="en-GB" sz="1600" baseline="-25000" dirty="0">
-                <a:latin typeface="Helvetica Neue Thin" panose="020B0403020202020204" pitchFamily="34" charset="0"/>
-                <a:ea typeface="Helvetica Neue Thin" panose="020B0403020202020204" pitchFamily="34" charset="0"/>
-              </a:rPr>
-              <a:t> </a:t>
-            </a:r>
-            <a:r>
-              <a:rPr lang="en-GB" sz="1600" baseline="-25000" dirty="0">
-                <a:latin typeface="Helvetica Neue Thin" panose="020B0403020202020204" pitchFamily="34" charset="0"/>
-                <a:ea typeface="Helvetica Neue Thin" panose="020B0403020202020204" pitchFamily="34" charset="0"/>
-                <a:sym typeface="Wingdings" pitchFamily="2" charset="2"/>
-              </a:rPr>
-              <a:t>--&gt; new </a:t>
-            </a:r>
+              <a:t>The potential problem with this is the look-ahead, since the function would look at S1, S2, and S3 to check if they’ve been visited.</a:t>
+            </a:r>
+          </a:p>
+          <a:p>
             <a:r>
               <a:rPr lang="en-GB" sz="1600" dirty="0">
                 <a:latin typeface="Helvetica Neue Thin" panose="020B0403020202020204" pitchFamily="34" charset="0"/>
                 <a:ea typeface="Helvetica Neue Thin" panose="020B0403020202020204" pitchFamily="34" charset="0"/>
-                <a:sym typeface="Wingdings" pitchFamily="2" charset="2"/>
-              </a:rPr>
-              <a:t>: transition from current state to potential new state</a:t>
-            </a:r>
-            <a:r>
-              <a:rPr lang="en-GB" sz="1600" baseline="-25000" dirty="0">
-                <a:latin typeface="Helvetica Neue Thin" panose="020B0403020202020204" pitchFamily="34" charset="0"/>
-                <a:ea typeface="Helvetica Neue Thin" panose="020B0403020202020204" pitchFamily="34" charset="0"/>
-                <a:sym typeface="Wingdings" pitchFamily="2" charset="2"/>
-              </a:rPr>
-              <a:t> </a:t>
-            </a:r>
+              </a:rPr>
+              <a:t>Potential way around that: </a:t>
+            </a:r>
+          </a:p>
+          <a:p>
+            <a:pPr marL="285750" indent="-285750">
+              <a:buFontTx/>
+              <a:buChar char="-"/>
+            </a:pPr>
+            <a:r>
+              <a:rPr lang="en-GB" sz="1600" dirty="0">
+                <a:latin typeface="Helvetica Neue Thin" panose="020B0403020202020204" pitchFamily="34" charset="0"/>
+                <a:ea typeface="Helvetica Neue Thin" panose="020B0403020202020204" pitchFamily="34" charset="0"/>
+              </a:rPr>
+              <a:t>don’t check states, only look at exits, meaning that if an exit has never been taken from the current state or has never appeared in the system ever, chances are it leads to something new  </a:t>
+            </a:r>
+          </a:p>
+          <a:p>
+            <a:pPr marL="285750" indent="-285750">
+              <a:buFontTx/>
+              <a:buChar char="-"/>
+            </a:pPr>
+            <a:r>
+              <a:rPr lang="en-GB" sz="1600" dirty="0">
+                <a:latin typeface="Helvetica Neue Thin" panose="020B0403020202020204" pitchFamily="34" charset="0"/>
+                <a:ea typeface="Helvetica Neue Thin" panose="020B0403020202020204" pitchFamily="34" charset="0"/>
+              </a:rPr>
+              <a:t>Don’t assign rewards to every step – if the first step/state checked has never been seen, stop assigning rewards and just go. </a:t>
+            </a:r>
+          </a:p>
+          <a:p>
+            <a:pPr marL="285750" indent="-285750">
+              <a:buFontTx/>
+              <a:buChar char="-"/>
+            </a:pPr>
             <a:endParaRPr lang="en-GB" sz="1600" dirty="0">
               <a:latin typeface="Helvetica Neue Thin" panose="020B0403020202020204" pitchFamily="34" charset="0"/>
               <a:ea typeface="Helvetica Neue Thin" panose="020B0403020202020204" pitchFamily="34" charset="0"/>
             </a:endParaRPr>
           </a:p>
+          <a:p>
+            <a:r>
+              <a:rPr lang="en-GB" sz="1600" dirty="0">
+                <a:latin typeface="Helvetica Neue Thin" panose="020B0403020202020204" pitchFamily="34" charset="0"/>
+                <a:ea typeface="Helvetica Neue Thin" panose="020B0403020202020204" pitchFamily="34" charset="0"/>
+              </a:rPr>
+              <a:t>Next slide = rules rough version 1 </a:t>
+            </a:r>
+          </a:p>
         </p:txBody>
       </p:sp>
-      <p:sp>
-        <p:nvSpPr>
-          <p:cNvPr id="3" name="TextBox 2">
+      <p:grpSp>
+        <p:nvGrpSpPr>
+          <p:cNvPr id="8" name="Group 7">
             <a:extLst>
               <a:ext uri="{FF2B5EF4-FFF2-40B4-BE49-F238E27FC236}">
-                <a16:creationId xmlns:a16="http://schemas.microsoft.com/office/drawing/2014/main" id="{D06C624D-C1E6-8A22-9396-8E5CDCC2829A}"/>
+                <a16:creationId xmlns:a16="http://schemas.microsoft.com/office/drawing/2014/main" id="{271C33DC-7E95-23D5-3897-9DCF96837D64}"/>
               </a:ext>
             </a:extLst>
           </p:cNvPr>
-          <p:cNvSpPr txBox="1"/>
+          <p:cNvGrpSpPr/>
           <p:nvPr/>
-        </p:nvSpPr>
-        <p:spPr>
+        </p:nvGrpSpPr>
+        <p:grpSpPr>
           <a:xfrm>
-            <a:off x="94445" y="1023731"/>
-            <a:ext cx="12003110" cy="1323439"/>
+            <a:off x="7836026" y="559845"/>
+            <a:ext cx="3314792" cy="2442986"/>
+            <a:chOff x="24756" y="2397551"/>
+            <a:chExt cx="3314792" cy="2442986"/>
           </a:xfrm>
-          <a:prstGeom prst="rect">
-            <a:avLst/>
-          </a:prstGeom>
-          <a:noFill/>
-        </p:spPr>
-        <p:txBody>
-          <a:bodyPr wrap="square" rtlCol="0">
-            <a:spAutoFit/>
-          </a:bodyPr>
-          <a:lstStyle/>
-          <a:p>
-            <a:r>
-              <a:rPr lang="en-GB" sz="1600" dirty="0">
-                <a:latin typeface="Helvetica Neue Thin" panose="020B0403020202020204" pitchFamily="34" charset="0"/>
-                <a:ea typeface="Helvetica Neue Thin" panose="020B0403020202020204" pitchFamily="34" charset="0"/>
-              </a:rPr>
-              <a:t>INIT_VISITED : visited states </a:t>
-            </a:r>
-          </a:p>
-          <a:p>
-            <a:r>
-              <a:rPr lang="en-GB" sz="1600" dirty="0">
-                <a:latin typeface="Helvetica Neue Thin" panose="020B0403020202020204" pitchFamily="34" charset="0"/>
-                <a:ea typeface="Helvetica Neue Thin" panose="020B0403020202020204" pitchFamily="34" charset="0"/>
-              </a:rPr>
-              <a:t>DEAD_PREDS : states that can lead to a deadlock</a:t>
-            </a:r>
-          </a:p>
-          <a:p>
-            <a:r>
-              <a:rPr lang="en-GB" sz="1600" dirty="0">
-                <a:latin typeface="Helvetica Neue Thin" panose="020B0403020202020204" pitchFamily="34" charset="0"/>
-                <a:ea typeface="Helvetica Neue Thin" panose="020B0403020202020204" pitchFamily="34" charset="0"/>
-              </a:rPr>
-              <a:t>DEADLOCK : deadlocking states </a:t>
-            </a:r>
-          </a:p>
-          <a:p>
-            <a:r>
-              <a:rPr lang="en-GB" sz="1600" dirty="0">
-                <a:latin typeface="Helvetica Neue Thin" panose="020B0403020202020204" pitchFamily="34" charset="0"/>
-                <a:ea typeface="Helvetica Neue Thin" panose="020B0403020202020204" pitchFamily="34" charset="0"/>
-              </a:rPr>
-              <a:t>MATRIX : transition pairs and how often they appear </a:t>
-            </a:r>
-          </a:p>
-          <a:p>
-            <a:r>
-              <a:rPr lang="en-GB" sz="1600" dirty="0">
-                <a:latin typeface="Helvetica Neue Thin" panose="020B0403020202020204" pitchFamily="34" charset="0"/>
-                <a:ea typeface="Helvetica Neue Thin" panose="020B0403020202020204" pitchFamily="34" charset="0"/>
-              </a:rPr>
-              <a:t>TR_COUNT : transitions and how often they appear </a:t>
-            </a:r>
-          </a:p>
-        </p:txBody>
-      </p:sp>
-      <p:sp>
-        <p:nvSpPr>
-          <p:cNvPr id="4" name="TextBox 3">
-            <a:extLst>
-              <a:ext uri="{FF2B5EF4-FFF2-40B4-BE49-F238E27FC236}">
-                <a16:creationId xmlns:a16="http://schemas.microsoft.com/office/drawing/2014/main" id="{F37FD10E-CA34-2A7E-83D3-0FB500D8604F}"/>
-              </a:ext>
-            </a:extLst>
-          </p:cNvPr>
-          <p:cNvSpPr txBox="1"/>
-          <p:nvPr/>
-        </p:nvSpPr>
-        <p:spPr>
-          <a:xfrm>
-            <a:off x="94445" y="2490208"/>
-            <a:ext cx="12003110" cy="338554"/>
-          </a:xfrm>
-          <a:prstGeom prst="rect">
-            <a:avLst/>
-          </a:prstGeom>
-          <a:noFill/>
-        </p:spPr>
-        <p:txBody>
-          <a:bodyPr wrap="square" rtlCol="0">
-            <a:spAutoFit/>
-          </a:bodyPr>
-          <a:lstStyle/>
-          <a:p>
-            <a:r>
-              <a:rPr lang="en-GB" sz="1600" dirty="0">
-                <a:latin typeface="Helvetica Neue Thin" panose="020B0403020202020204" pitchFamily="34" charset="0"/>
-                <a:ea typeface="Helvetica Neue Thin" panose="020B0403020202020204" pitchFamily="34" charset="0"/>
-              </a:rPr>
-              <a:t>Rules [version 1.0]</a:t>
-            </a:r>
-          </a:p>
-        </p:txBody>
-      </p:sp>
-      <p:pic>
-        <p:nvPicPr>
-          <p:cNvPr id="12" name="Picture 11">
-            <a:extLst>
-              <a:ext uri="{FF2B5EF4-FFF2-40B4-BE49-F238E27FC236}">
-                <a16:creationId xmlns:a16="http://schemas.microsoft.com/office/drawing/2014/main" id="{AB620B9A-6D5D-74FE-5E38-C9983BD95DE7}"/>
-              </a:ext>
-            </a:extLst>
-          </p:cNvPr>
-          <p:cNvPicPr>
-            <a:picLocks noChangeAspect="1"/>
-          </p:cNvPicPr>
-          <p:nvPr/>
-        </p:nvPicPr>
-        <p:blipFill>
-          <a:blip r:embed="rId2"/>
-          <a:stretch>
-            <a:fillRect/>
-          </a:stretch>
-        </p:blipFill>
-        <p:spPr>
-          <a:xfrm>
-            <a:off x="341243" y="2899802"/>
-            <a:ext cx="7772400" cy="330740"/>
-          </a:xfrm>
-          <a:prstGeom prst="rect">
-            <a:avLst/>
-          </a:prstGeom>
-        </p:spPr>
-      </p:pic>
-      <p:pic>
-        <p:nvPicPr>
-          <p:cNvPr id="13" name="Picture 12">
-            <a:extLst>
-              <a:ext uri="{FF2B5EF4-FFF2-40B4-BE49-F238E27FC236}">
-                <a16:creationId xmlns:a16="http://schemas.microsoft.com/office/drawing/2014/main" id="{624F7E13-52F5-AA40-2D24-A08EB5A95F23}"/>
-              </a:ext>
-            </a:extLst>
-          </p:cNvPr>
-          <p:cNvPicPr>
-            <a:picLocks noChangeAspect="1"/>
-          </p:cNvPicPr>
-          <p:nvPr/>
-        </p:nvPicPr>
-        <p:blipFill>
-          <a:blip r:embed="rId3"/>
-          <a:stretch>
-            <a:fillRect/>
-          </a:stretch>
-        </p:blipFill>
-        <p:spPr>
-          <a:xfrm>
-            <a:off x="341243" y="3230542"/>
-            <a:ext cx="7772400" cy="330740"/>
-          </a:xfrm>
-          <a:prstGeom prst="rect">
-            <a:avLst/>
-          </a:prstGeom>
-        </p:spPr>
-      </p:pic>
+        </p:grpSpPr>
+        <p:grpSp>
+          <p:nvGrpSpPr>
+            <p:cNvPr id="9" name="Group 8">
+              <a:extLst>
+                <a:ext uri="{FF2B5EF4-FFF2-40B4-BE49-F238E27FC236}">
+                  <a16:creationId xmlns:a16="http://schemas.microsoft.com/office/drawing/2014/main" id="{C749DAC2-CBC9-D1DA-D6DF-CA1E3BAE65EC}"/>
+                </a:ext>
+              </a:extLst>
+            </p:cNvPr>
+            <p:cNvGrpSpPr/>
+            <p:nvPr/>
+          </p:nvGrpSpPr>
+          <p:grpSpPr>
+            <a:xfrm rot="16200000">
+              <a:off x="469120" y="3235649"/>
+              <a:ext cx="834604" cy="834604"/>
+              <a:chOff x="5123645" y="775255"/>
+              <a:chExt cx="834604" cy="834604"/>
+            </a:xfrm>
+          </p:grpSpPr>
+          <p:sp>
+            <p:nvSpPr>
+              <p:cNvPr id="30" name="Oval 29">
+                <a:extLst>
+                  <a:ext uri="{FF2B5EF4-FFF2-40B4-BE49-F238E27FC236}">
+                    <a16:creationId xmlns:a16="http://schemas.microsoft.com/office/drawing/2014/main" id="{AB8DC231-6E13-C474-AEE9-467D38ABB800}"/>
+                  </a:ext>
+                </a:extLst>
+              </p:cNvPr>
+              <p:cNvSpPr/>
+              <p:nvPr/>
+            </p:nvSpPr>
+            <p:spPr>
+              <a:xfrm>
+                <a:off x="5123645" y="775255"/>
+                <a:ext cx="834604" cy="834604"/>
+              </a:xfrm>
+              <a:prstGeom prst="ellipse">
+                <a:avLst/>
+              </a:prstGeom>
+              <a:ln>
+                <a:solidFill>
+                  <a:schemeClr val="tx1">
+                    <a:lumMod val="95000"/>
+                    <a:lumOff val="5000"/>
+                  </a:schemeClr>
+                </a:solidFill>
+              </a:ln>
+            </p:spPr>
+            <p:style>
+              <a:lnRef idx="2">
+                <a:schemeClr val="accent3"/>
+              </a:lnRef>
+              <a:fillRef idx="1">
+                <a:schemeClr val="lt1"/>
+              </a:fillRef>
+              <a:effectRef idx="0">
+                <a:schemeClr val="accent3"/>
+              </a:effectRef>
+              <a:fontRef idx="minor">
+                <a:schemeClr val="dk1"/>
+              </a:fontRef>
+            </p:style>
+            <p:txBody>
+              <a:bodyPr rtlCol="0" anchor="ctr"/>
+              <a:lstStyle/>
+              <a:p>
+                <a:pPr algn="ctr"/>
+                <a:endParaRPr lang="en-FR">
+                  <a:latin typeface="Helvetica Neue Thin" panose="020B0403020202020204" pitchFamily="34" charset="0"/>
+                  <a:ea typeface="Helvetica Neue Thin" panose="020B0403020202020204" pitchFamily="34" charset="0"/>
+                </a:endParaRPr>
+              </a:p>
+            </p:txBody>
+          </p:sp>
+          <p:sp>
+            <p:nvSpPr>
+              <p:cNvPr id="31" name="TextBox 30">
+                <a:extLst>
+                  <a:ext uri="{FF2B5EF4-FFF2-40B4-BE49-F238E27FC236}">
+                    <a16:creationId xmlns:a16="http://schemas.microsoft.com/office/drawing/2014/main" id="{5F7F8247-8FF6-E6AB-CF0B-AC5805F5CEAF}"/>
+                  </a:ext>
+                </a:extLst>
+              </p:cNvPr>
+              <p:cNvSpPr txBox="1"/>
+              <p:nvPr/>
+            </p:nvSpPr>
+            <p:spPr>
+              <a:xfrm rot="5400000">
+                <a:off x="5188924" y="1038668"/>
+                <a:ext cx="704045" cy="307777"/>
+              </a:xfrm>
+              <a:prstGeom prst="rect">
+                <a:avLst/>
+              </a:prstGeom>
+              <a:noFill/>
+              <a:ln>
+                <a:noFill/>
+              </a:ln>
+            </p:spPr>
+            <p:style>
+              <a:lnRef idx="2">
+                <a:schemeClr val="dk1"/>
+              </a:lnRef>
+              <a:fillRef idx="1">
+                <a:schemeClr val="lt1"/>
+              </a:fillRef>
+              <a:effectRef idx="0">
+                <a:schemeClr val="dk1"/>
+              </a:effectRef>
+              <a:fontRef idx="minor">
+                <a:schemeClr val="dk1"/>
+              </a:fontRef>
+            </p:style>
+            <p:txBody>
+              <a:bodyPr wrap="square">
+                <a:spAutoFit/>
+              </a:bodyPr>
+              <a:lstStyle/>
+              <a:p>
+                <a:pPr algn="ctr"/>
+                <a:r>
+                  <a:rPr lang="en-GB" sz="1400" dirty="0">
+                    <a:latin typeface="Helvetica Neue Thin" panose="020B0403020202020204" pitchFamily="34" charset="0"/>
+                    <a:ea typeface="Helvetica Neue Thin" panose="020B0403020202020204" pitchFamily="34" charset="0"/>
+                    <a:cs typeface="CMU Serif Roman" panose="02000603000000000000" pitchFamily="2" charset="0"/>
+                  </a:rPr>
+                  <a:t>S0</a:t>
+                </a:r>
+              </a:p>
+            </p:txBody>
+          </p:sp>
+        </p:grpSp>
+        <p:sp>
+          <p:nvSpPr>
+            <p:cNvPr id="10" name="Oval 9">
+              <a:extLst>
+                <a:ext uri="{FF2B5EF4-FFF2-40B4-BE49-F238E27FC236}">
+                  <a16:creationId xmlns:a16="http://schemas.microsoft.com/office/drawing/2014/main" id="{F5BAC834-0ED1-7F77-B152-E6A6C2DB7AA9}"/>
+                </a:ext>
+              </a:extLst>
+            </p:cNvPr>
+            <p:cNvSpPr/>
+            <p:nvPr/>
+          </p:nvSpPr>
+          <p:spPr>
+            <a:xfrm rot="16200000">
+              <a:off x="2532202" y="4312503"/>
+              <a:ext cx="528034" cy="528034"/>
+            </a:xfrm>
+            <a:prstGeom prst="ellipse">
+              <a:avLst/>
+            </a:prstGeom>
+          </p:spPr>
+          <p:style>
+            <a:lnRef idx="2">
+              <a:schemeClr val="accent3"/>
+            </a:lnRef>
+            <a:fillRef idx="1">
+              <a:schemeClr val="lt1"/>
+            </a:fillRef>
+            <a:effectRef idx="0">
+              <a:schemeClr val="accent3"/>
+            </a:effectRef>
+            <a:fontRef idx="minor">
+              <a:schemeClr val="dk1"/>
+            </a:fontRef>
+          </p:style>
+          <p:txBody>
+            <a:bodyPr rtlCol="0" anchor="ctr"/>
+            <a:lstStyle/>
+            <a:p>
+              <a:pPr algn="ctr"/>
+              <a:endParaRPr lang="en-FR">
+                <a:latin typeface="Helvetica Neue Thin" panose="020B0403020202020204" pitchFamily="34" charset="0"/>
+                <a:ea typeface="Helvetica Neue Thin" panose="020B0403020202020204" pitchFamily="34" charset="0"/>
+              </a:endParaRPr>
+            </a:p>
+          </p:txBody>
+        </p:sp>
+        <p:sp>
+          <p:nvSpPr>
+            <p:cNvPr id="11" name="Oval 10">
+              <a:extLst>
+                <a:ext uri="{FF2B5EF4-FFF2-40B4-BE49-F238E27FC236}">
+                  <a16:creationId xmlns:a16="http://schemas.microsoft.com/office/drawing/2014/main" id="{83DF4C6D-4AB2-03D7-9DDB-DBB392FC42F2}"/>
+                </a:ext>
+              </a:extLst>
+            </p:cNvPr>
+            <p:cNvSpPr/>
+            <p:nvPr/>
+          </p:nvSpPr>
+          <p:spPr>
+            <a:xfrm rot="16200000">
+              <a:off x="2532202" y="3365048"/>
+              <a:ext cx="528034" cy="528034"/>
+            </a:xfrm>
+            <a:prstGeom prst="ellipse">
+              <a:avLst/>
+            </a:prstGeom>
+          </p:spPr>
+          <p:style>
+            <a:lnRef idx="2">
+              <a:schemeClr val="accent3"/>
+            </a:lnRef>
+            <a:fillRef idx="1">
+              <a:schemeClr val="lt1"/>
+            </a:fillRef>
+            <a:effectRef idx="0">
+              <a:schemeClr val="accent3"/>
+            </a:effectRef>
+            <a:fontRef idx="minor">
+              <a:schemeClr val="dk1"/>
+            </a:fontRef>
+          </p:style>
+          <p:txBody>
+            <a:bodyPr rtlCol="0" anchor="ctr"/>
+            <a:lstStyle/>
+            <a:p>
+              <a:pPr algn="ctr"/>
+              <a:endParaRPr lang="en-FR">
+                <a:latin typeface="Helvetica Neue Thin" panose="020B0403020202020204" pitchFamily="34" charset="0"/>
+                <a:ea typeface="Helvetica Neue Thin" panose="020B0403020202020204" pitchFamily="34" charset="0"/>
+              </a:endParaRPr>
+            </a:p>
+          </p:txBody>
+        </p:sp>
+        <p:grpSp>
+          <p:nvGrpSpPr>
+            <p:cNvPr id="14" name="Group 13">
+              <a:extLst>
+                <a:ext uri="{FF2B5EF4-FFF2-40B4-BE49-F238E27FC236}">
+                  <a16:creationId xmlns:a16="http://schemas.microsoft.com/office/drawing/2014/main" id="{E5C2CA4E-7F46-9784-7815-045E14245CE0}"/>
+                </a:ext>
+              </a:extLst>
+            </p:cNvPr>
+            <p:cNvGrpSpPr/>
+            <p:nvPr/>
+          </p:nvGrpSpPr>
+          <p:grpSpPr>
+            <a:xfrm rot="16200000">
+              <a:off x="418311" y="2075786"/>
+              <a:ext cx="2248369" cy="3035479"/>
+              <a:chOff x="978148" y="-3000752"/>
+              <a:chExt cx="3553745" cy="4797847"/>
+            </a:xfrm>
+          </p:grpSpPr>
+          <p:sp>
+            <p:nvSpPr>
+              <p:cNvPr id="22" name="Oval 21">
+                <a:extLst>
+                  <a:ext uri="{FF2B5EF4-FFF2-40B4-BE49-F238E27FC236}">
+                    <a16:creationId xmlns:a16="http://schemas.microsoft.com/office/drawing/2014/main" id="{B20618E1-2DA6-B2B0-4E36-E680FCA8C941}"/>
+                  </a:ext>
+                </a:extLst>
+              </p:cNvPr>
+              <p:cNvSpPr/>
+              <p:nvPr/>
+            </p:nvSpPr>
+            <p:spPr>
+              <a:xfrm>
+                <a:off x="3697289" y="962489"/>
+                <a:ext cx="834604" cy="834602"/>
+              </a:xfrm>
+              <a:prstGeom prst="ellipse">
+                <a:avLst/>
+              </a:prstGeom>
+            </p:spPr>
+            <p:style>
+              <a:lnRef idx="2">
+                <a:schemeClr val="accent3"/>
+              </a:lnRef>
+              <a:fillRef idx="1">
+                <a:schemeClr val="lt1"/>
+              </a:fillRef>
+              <a:effectRef idx="0">
+                <a:schemeClr val="accent3"/>
+              </a:effectRef>
+              <a:fontRef idx="minor">
+                <a:schemeClr val="dk1"/>
+              </a:fontRef>
+            </p:style>
+            <p:txBody>
+              <a:bodyPr rtlCol="0" anchor="ctr"/>
+              <a:lstStyle/>
+              <a:p>
+                <a:pPr algn="ctr"/>
+                <a:endParaRPr lang="en-FR">
+                  <a:latin typeface="Helvetica Neue Thin" panose="020B0403020202020204" pitchFamily="34" charset="0"/>
+                  <a:ea typeface="Helvetica Neue Thin" panose="020B0403020202020204" pitchFamily="34" charset="0"/>
+                </a:endParaRPr>
+              </a:p>
+            </p:txBody>
+          </p:sp>
+          <p:sp>
+            <p:nvSpPr>
+              <p:cNvPr id="23" name="TextBox 22">
+                <a:extLst>
+                  <a:ext uri="{FF2B5EF4-FFF2-40B4-BE49-F238E27FC236}">
+                    <a16:creationId xmlns:a16="http://schemas.microsoft.com/office/drawing/2014/main" id="{061A5571-B1AB-C287-D92F-927C64ED21D9}"/>
+                  </a:ext>
+                </a:extLst>
+              </p:cNvPr>
+              <p:cNvSpPr txBox="1"/>
+              <p:nvPr/>
+            </p:nvSpPr>
+            <p:spPr>
+              <a:xfrm rot="5400000">
+                <a:off x="3683717" y="1185202"/>
+                <a:ext cx="834601" cy="389174"/>
+              </a:xfrm>
+              <a:prstGeom prst="rect">
+                <a:avLst/>
+              </a:prstGeom>
+              <a:noFill/>
+              <a:ln>
+                <a:noFill/>
+              </a:ln>
+            </p:spPr>
+            <p:style>
+              <a:lnRef idx="2">
+                <a:schemeClr val="dk1"/>
+              </a:lnRef>
+              <a:fillRef idx="1">
+                <a:schemeClr val="lt1"/>
+              </a:fillRef>
+              <a:effectRef idx="0">
+                <a:schemeClr val="dk1"/>
+              </a:effectRef>
+              <a:fontRef idx="minor">
+                <a:schemeClr val="dk1"/>
+              </a:fontRef>
+            </p:style>
+            <p:txBody>
+              <a:bodyPr wrap="square">
+                <a:spAutoFit/>
+              </a:bodyPr>
+              <a:lstStyle/>
+              <a:p>
+                <a:pPr algn="ctr"/>
+                <a:r>
+                  <a:rPr lang="en-GB" sz="1000" dirty="0">
+                    <a:latin typeface="Helvetica Neue Thin" panose="020B0403020202020204" pitchFamily="34" charset="0"/>
+                    <a:ea typeface="Helvetica Neue Thin" panose="020B0403020202020204" pitchFamily="34" charset="0"/>
+                    <a:cs typeface="CMU Serif Roman" panose="02000603000000000000" pitchFamily="2" charset="0"/>
+                  </a:rPr>
+                  <a:t>S1</a:t>
+                </a:r>
+                <a:endParaRPr lang="en-GB" sz="1400" dirty="0">
+                  <a:latin typeface="Helvetica Neue Thin" panose="020B0403020202020204" pitchFamily="34" charset="0"/>
+                  <a:ea typeface="Helvetica Neue Thin" panose="020B0403020202020204" pitchFamily="34" charset="0"/>
+                  <a:cs typeface="CMU Serif Roman" panose="02000603000000000000" pitchFamily="2" charset="0"/>
+                </a:endParaRPr>
+              </a:p>
+            </p:txBody>
+          </p:sp>
+          <p:sp>
+            <p:nvSpPr>
+              <p:cNvPr id="24" name="TextBox 23">
+                <a:extLst>
+                  <a:ext uri="{FF2B5EF4-FFF2-40B4-BE49-F238E27FC236}">
+                    <a16:creationId xmlns:a16="http://schemas.microsoft.com/office/drawing/2014/main" id="{47CAE894-367D-C7CB-B0CF-5345F51E855D}"/>
+                  </a:ext>
+                </a:extLst>
+              </p:cNvPr>
+              <p:cNvSpPr txBox="1"/>
+              <p:nvPr/>
+            </p:nvSpPr>
+            <p:spPr>
+              <a:xfrm rot="5400000">
+                <a:off x="2263066" y="1185202"/>
+                <a:ext cx="834599" cy="389174"/>
+              </a:xfrm>
+              <a:prstGeom prst="rect">
+                <a:avLst/>
+              </a:prstGeom>
+              <a:noFill/>
+              <a:ln>
+                <a:noFill/>
+              </a:ln>
+            </p:spPr>
+            <p:style>
+              <a:lnRef idx="2">
+                <a:schemeClr val="dk1"/>
+              </a:lnRef>
+              <a:fillRef idx="1">
+                <a:schemeClr val="lt1"/>
+              </a:fillRef>
+              <a:effectRef idx="0">
+                <a:schemeClr val="dk1"/>
+              </a:effectRef>
+              <a:fontRef idx="minor">
+                <a:schemeClr val="dk1"/>
+              </a:fontRef>
+            </p:style>
+            <p:txBody>
+              <a:bodyPr wrap="square">
+                <a:spAutoFit/>
+              </a:bodyPr>
+              <a:lstStyle/>
+              <a:p>
+                <a:pPr algn="ctr"/>
+                <a:r>
+                  <a:rPr lang="en-GB" sz="1000" dirty="0">
+                    <a:latin typeface="Helvetica Neue Thin" panose="020B0403020202020204" pitchFamily="34" charset="0"/>
+                    <a:ea typeface="Helvetica Neue Thin" panose="020B0403020202020204" pitchFamily="34" charset="0"/>
+                    <a:cs typeface="CMU Serif Roman" panose="02000603000000000000" pitchFamily="2" charset="0"/>
+                  </a:rPr>
+                  <a:t>S2</a:t>
+                </a:r>
+                <a:endParaRPr lang="en-GB" sz="1400" dirty="0">
+                  <a:latin typeface="Helvetica Neue Thin" panose="020B0403020202020204" pitchFamily="34" charset="0"/>
+                  <a:ea typeface="Helvetica Neue Thin" panose="020B0403020202020204" pitchFamily="34" charset="0"/>
+                  <a:cs typeface="CMU Serif Roman" panose="02000603000000000000" pitchFamily="2" charset="0"/>
+                </a:endParaRPr>
+              </a:p>
+            </p:txBody>
+          </p:sp>
+          <p:sp>
+            <p:nvSpPr>
+              <p:cNvPr id="25" name="TextBox 24">
+                <a:extLst>
+                  <a:ext uri="{FF2B5EF4-FFF2-40B4-BE49-F238E27FC236}">
+                    <a16:creationId xmlns:a16="http://schemas.microsoft.com/office/drawing/2014/main" id="{65EE629C-B726-ACF5-FEB1-98E3B59E6428}"/>
+                  </a:ext>
+                </a:extLst>
+              </p:cNvPr>
+              <p:cNvSpPr txBox="1"/>
+              <p:nvPr/>
+            </p:nvSpPr>
+            <p:spPr>
+              <a:xfrm rot="5400000">
+                <a:off x="755435" y="1185209"/>
+                <a:ext cx="834599" cy="389174"/>
+              </a:xfrm>
+              <a:prstGeom prst="rect">
+                <a:avLst/>
+              </a:prstGeom>
+              <a:noFill/>
+              <a:ln>
+                <a:noFill/>
+              </a:ln>
+            </p:spPr>
+            <p:style>
+              <a:lnRef idx="2">
+                <a:schemeClr val="dk1"/>
+              </a:lnRef>
+              <a:fillRef idx="1">
+                <a:schemeClr val="lt1"/>
+              </a:fillRef>
+              <a:effectRef idx="0">
+                <a:schemeClr val="dk1"/>
+              </a:effectRef>
+              <a:fontRef idx="minor">
+                <a:schemeClr val="dk1"/>
+              </a:fontRef>
+            </p:style>
+            <p:txBody>
+              <a:bodyPr wrap="square">
+                <a:spAutoFit/>
+              </a:bodyPr>
+              <a:lstStyle/>
+              <a:p>
+                <a:pPr algn="ctr"/>
+                <a:r>
+                  <a:rPr lang="en-GB" sz="1000" dirty="0">
+                    <a:latin typeface="Helvetica Neue Thin" panose="020B0403020202020204" pitchFamily="34" charset="0"/>
+                    <a:ea typeface="Helvetica Neue Thin" panose="020B0403020202020204" pitchFamily="34" charset="0"/>
+                    <a:cs typeface="CMU Serif Roman" panose="02000603000000000000" pitchFamily="2" charset="0"/>
+                  </a:rPr>
+                  <a:t>S3</a:t>
+                </a:r>
+                <a:endParaRPr lang="en-GB" sz="1400" dirty="0">
+                  <a:latin typeface="Helvetica Neue Thin" panose="020B0403020202020204" pitchFamily="34" charset="0"/>
+                  <a:ea typeface="Helvetica Neue Thin" panose="020B0403020202020204" pitchFamily="34" charset="0"/>
+                  <a:cs typeface="CMU Serif Roman" panose="02000603000000000000" pitchFamily="2" charset="0"/>
+                </a:endParaRPr>
+              </a:p>
+            </p:txBody>
+          </p:sp>
+          <p:sp>
+            <p:nvSpPr>
+              <p:cNvPr id="26" name="TextBox 25">
+                <a:extLst>
+                  <a:ext uri="{FF2B5EF4-FFF2-40B4-BE49-F238E27FC236}">
+                    <a16:creationId xmlns:a16="http://schemas.microsoft.com/office/drawing/2014/main" id="{B8525060-B057-FBB2-330D-3CEB05976F3F}"/>
+                  </a:ext>
+                </a:extLst>
+              </p:cNvPr>
+              <p:cNvSpPr txBox="1"/>
+              <p:nvPr/>
+            </p:nvSpPr>
+            <p:spPr>
+              <a:xfrm rot="5400000">
+                <a:off x="3332134" y="-527506"/>
+                <a:ext cx="834602" cy="389174"/>
+              </a:xfrm>
+              <a:prstGeom prst="rect">
+                <a:avLst/>
+              </a:prstGeom>
+              <a:noFill/>
+              <a:ln>
+                <a:noFill/>
+              </a:ln>
+            </p:spPr>
+            <p:style>
+              <a:lnRef idx="2">
+                <a:schemeClr val="dk1"/>
+              </a:lnRef>
+              <a:fillRef idx="1">
+                <a:schemeClr val="lt1"/>
+              </a:fillRef>
+              <a:effectRef idx="0">
+                <a:schemeClr val="dk1"/>
+              </a:effectRef>
+              <a:fontRef idx="minor">
+                <a:schemeClr val="dk1"/>
+              </a:fontRef>
+            </p:style>
+            <p:txBody>
+              <a:bodyPr wrap="square">
+                <a:spAutoFit/>
+              </a:bodyPr>
+              <a:lstStyle/>
+              <a:p>
+                <a:pPr algn="ctr"/>
+                <a:r>
+                  <a:rPr lang="en-GB" sz="1000" dirty="0">
+                    <a:latin typeface="Helvetica Neue Thin" panose="020B0403020202020204" pitchFamily="34" charset="0"/>
+                    <a:ea typeface="Helvetica Neue Thin" panose="020B0403020202020204" pitchFamily="34" charset="0"/>
+                    <a:cs typeface="CMU Serif Roman" panose="02000603000000000000" pitchFamily="2" charset="0"/>
+                  </a:rPr>
+                  <a:t>t1(p)</a:t>
+                </a:r>
+                <a:endParaRPr lang="en-GB" sz="1400" dirty="0">
+                  <a:latin typeface="Helvetica Neue Thin" panose="020B0403020202020204" pitchFamily="34" charset="0"/>
+                  <a:ea typeface="Helvetica Neue Thin" panose="020B0403020202020204" pitchFamily="34" charset="0"/>
+                  <a:cs typeface="CMU Serif Roman" panose="02000603000000000000" pitchFamily="2" charset="0"/>
+                </a:endParaRPr>
+              </a:p>
+            </p:txBody>
+          </p:sp>
+          <p:sp>
+            <p:nvSpPr>
+              <p:cNvPr id="27" name="TextBox 26">
+                <a:extLst>
+                  <a:ext uri="{FF2B5EF4-FFF2-40B4-BE49-F238E27FC236}">
+                    <a16:creationId xmlns:a16="http://schemas.microsoft.com/office/drawing/2014/main" id="{0E56C1A9-30B3-6E73-B119-F9F5E1B29245}"/>
+                  </a:ext>
+                </a:extLst>
+              </p:cNvPr>
+              <p:cNvSpPr txBox="1"/>
+              <p:nvPr/>
+            </p:nvSpPr>
+            <p:spPr>
+              <a:xfrm rot="5400000">
+                <a:off x="2457653" y="-188202"/>
+                <a:ext cx="834602" cy="389174"/>
+              </a:xfrm>
+              <a:prstGeom prst="rect">
+                <a:avLst/>
+              </a:prstGeom>
+              <a:noFill/>
+              <a:ln>
+                <a:noFill/>
+              </a:ln>
+            </p:spPr>
+            <p:style>
+              <a:lnRef idx="2">
+                <a:schemeClr val="dk1"/>
+              </a:lnRef>
+              <a:fillRef idx="1">
+                <a:schemeClr val="lt1"/>
+              </a:fillRef>
+              <a:effectRef idx="0">
+                <a:schemeClr val="dk1"/>
+              </a:effectRef>
+              <a:fontRef idx="minor">
+                <a:schemeClr val="dk1"/>
+              </a:fontRef>
+            </p:style>
+            <p:txBody>
+              <a:bodyPr wrap="square">
+                <a:spAutoFit/>
+              </a:bodyPr>
+              <a:lstStyle/>
+              <a:p>
+                <a:pPr algn="ctr"/>
+                <a:r>
+                  <a:rPr lang="en-GB" sz="1000" dirty="0">
+                    <a:latin typeface="Helvetica Neue Thin" panose="020B0403020202020204" pitchFamily="34" charset="0"/>
+                    <a:ea typeface="Helvetica Neue Thin" panose="020B0403020202020204" pitchFamily="34" charset="0"/>
+                    <a:cs typeface="CMU Serif Roman" panose="02000603000000000000" pitchFamily="2" charset="0"/>
+                  </a:rPr>
+                  <a:t>t2</a:t>
+                </a:r>
+                <a:endParaRPr lang="en-GB" sz="1400" dirty="0">
+                  <a:latin typeface="Helvetica Neue Thin" panose="020B0403020202020204" pitchFamily="34" charset="0"/>
+                  <a:ea typeface="Helvetica Neue Thin" panose="020B0403020202020204" pitchFamily="34" charset="0"/>
+                  <a:cs typeface="CMU Serif Roman" panose="02000603000000000000" pitchFamily="2" charset="0"/>
+                </a:endParaRPr>
+              </a:p>
+            </p:txBody>
+          </p:sp>
+          <p:sp>
+            <p:nvSpPr>
+              <p:cNvPr id="28" name="TextBox 27">
+                <a:extLst>
+                  <a:ext uri="{FF2B5EF4-FFF2-40B4-BE49-F238E27FC236}">
+                    <a16:creationId xmlns:a16="http://schemas.microsoft.com/office/drawing/2014/main" id="{F7C91730-8124-6386-B692-D064E498C031}"/>
+                  </a:ext>
+                </a:extLst>
+              </p:cNvPr>
+              <p:cNvSpPr txBox="1"/>
+              <p:nvPr/>
+            </p:nvSpPr>
+            <p:spPr>
+              <a:xfrm rot="5400000">
+                <a:off x="1390215" y="-188203"/>
+                <a:ext cx="834602" cy="389174"/>
+              </a:xfrm>
+              <a:prstGeom prst="rect">
+                <a:avLst/>
+              </a:prstGeom>
+              <a:noFill/>
+              <a:ln>
+                <a:noFill/>
+              </a:ln>
+            </p:spPr>
+            <p:style>
+              <a:lnRef idx="2">
+                <a:schemeClr val="dk1"/>
+              </a:lnRef>
+              <a:fillRef idx="1">
+                <a:schemeClr val="lt1"/>
+              </a:fillRef>
+              <a:effectRef idx="0">
+                <a:schemeClr val="dk1"/>
+              </a:effectRef>
+              <a:fontRef idx="minor">
+                <a:schemeClr val="dk1"/>
+              </a:fontRef>
+            </p:style>
+            <p:txBody>
+              <a:bodyPr wrap="square">
+                <a:spAutoFit/>
+              </a:bodyPr>
+              <a:lstStyle/>
+              <a:p>
+                <a:pPr algn="ctr"/>
+                <a:r>
+                  <a:rPr lang="en-GB" sz="1000" dirty="0">
+                    <a:latin typeface="Helvetica Neue Thin" panose="020B0403020202020204" pitchFamily="34" charset="0"/>
+                    <a:ea typeface="Helvetica Neue Thin" panose="020B0403020202020204" pitchFamily="34" charset="0"/>
+                    <a:cs typeface="CMU Serif Roman" panose="02000603000000000000" pitchFamily="2" charset="0"/>
+                  </a:rPr>
+                  <a:t>t3</a:t>
+                </a:r>
+                <a:endParaRPr lang="en-GB" sz="1400" dirty="0">
+                  <a:latin typeface="Helvetica Neue Thin" panose="020B0403020202020204" pitchFamily="34" charset="0"/>
+                  <a:ea typeface="Helvetica Neue Thin" panose="020B0403020202020204" pitchFamily="34" charset="0"/>
+                  <a:cs typeface="CMU Serif Roman" panose="02000603000000000000" pitchFamily="2" charset="0"/>
+                </a:endParaRPr>
+              </a:p>
+            </p:txBody>
+          </p:sp>
+          <p:sp>
+            <p:nvSpPr>
+              <p:cNvPr id="29" name="TextBox 28">
+                <a:extLst>
+                  <a:ext uri="{FF2B5EF4-FFF2-40B4-BE49-F238E27FC236}">
+                    <a16:creationId xmlns:a16="http://schemas.microsoft.com/office/drawing/2014/main" id="{051F27A2-A207-636E-4E0F-E03F2B873027}"/>
+                  </a:ext>
+                </a:extLst>
+              </p:cNvPr>
+              <p:cNvSpPr txBox="1"/>
+              <p:nvPr/>
+            </p:nvSpPr>
+            <p:spPr>
+              <a:xfrm rot="5400000">
+                <a:off x="2438379" y="-2778038"/>
+                <a:ext cx="834602" cy="389174"/>
+              </a:xfrm>
+              <a:prstGeom prst="rect">
+                <a:avLst/>
+              </a:prstGeom>
+              <a:noFill/>
+              <a:ln>
+                <a:noFill/>
+              </a:ln>
+            </p:spPr>
+            <p:style>
+              <a:lnRef idx="2">
+                <a:schemeClr val="dk1"/>
+              </a:lnRef>
+              <a:fillRef idx="1">
+                <a:schemeClr val="lt1"/>
+              </a:fillRef>
+              <a:effectRef idx="0">
+                <a:schemeClr val="dk1"/>
+              </a:effectRef>
+              <a:fontRef idx="minor">
+                <a:schemeClr val="dk1"/>
+              </a:fontRef>
+            </p:style>
+            <p:txBody>
+              <a:bodyPr wrap="square">
+                <a:spAutoFit/>
+              </a:bodyPr>
+              <a:lstStyle/>
+              <a:p>
+                <a:pPr algn="ctr"/>
+                <a:r>
+                  <a:rPr lang="en-GB" sz="1000" dirty="0">
+                    <a:latin typeface="Helvetica Neue Thin" panose="020B0403020202020204" pitchFamily="34" charset="0"/>
+                    <a:ea typeface="Helvetica Neue Thin" panose="020B0403020202020204" pitchFamily="34" charset="0"/>
+                    <a:cs typeface="CMU Serif Roman" panose="02000603000000000000" pitchFamily="2" charset="0"/>
+                  </a:rPr>
+                  <a:t>t0</a:t>
+                </a:r>
+                <a:endParaRPr lang="en-GB" sz="1400" dirty="0">
+                  <a:latin typeface="Helvetica Neue Thin" panose="020B0403020202020204" pitchFamily="34" charset="0"/>
+                  <a:ea typeface="Helvetica Neue Thin" panose="020B0403020202020204" pitchFamily="34" charset="0"/>
+                  <a:cs typeface="CMU Serif Roman" panose="02000603000000000000" pitchFamily="2" charset="0"/>
+                </a:endParaRPr>
+              </a:p>
+            </p:txBody>
+          </p:sp>
+        </p:grpSp>
+        <p:cxnSp>
+          <p:nvCxnSpPr>
+            <p:cNvPr id="15" name="Straight Arrow Connector 14">
+              <a:extLst>
+                <a:ext uri="{FF2B5EF4-FFF2-40B4-BE49-F238E27FC236}">
+                  <a16:creationId xmlns:a16="http://schemas.microsoft.com/office/drawing/2014/main" id="{F3C5B505-E5A0-84F3-8F29-75CFCD86BCFC}"/>
+                </a:ext>
+              </a:extLst>
+            </p:cNvPr>
+            <p:cNvCxnSpPr>
+              <a:cxnSpLocks/>
+              <a:stCxn id="30" idx="5"/>
+              <a:endCxn id="22" idx="0"/>
+            </p:cNvCxnSpPr>
+            <p:nvPr/>
+          </p:nvCxnSpPr>
+          <p:spPr>
+            <a:xfrm flipV="1">
+              <a:off x="1181499" y="2733356"/>
+              <a:ext cx="1350702" cy="624518"/>
+            </a:xfrm>
+            <a:prstGeom prst="straightConnector1">
+              <a:avLst/>
+            </a:prstGeom>
+            <a:ln>
+              <a:solidFill>
+                <a:schemeClr val="tx1">
+                  <a:lumMod val="75000"/>
+                  <a:lumOff val="25000"/>
+                </a:schemeClr>
+              </a:solidFill>
+              <a:prstDash val="dash"/>
+              <a:tailEnd type="triangle"/>
+            </a:ln>
+          </p:spPr>
+          <p:style>
+            <a:lnRef idx="1">
+              <a:schemeClr val="accent1"/>
+            </a:lnRef>
+            <a:fillRef idx="0">
+              <a:schemeClr val="accent1"/>
+            </a:fillRef>
+            <a:effectRef idx="0">
+              <a:schemeClr val="accent1"/>
+            </a:effectRef>
+            <a:fontRef idx="minor">
+              <a:schemeClr val="tx1"/>
+            </a:fontRef>
+          </p:style>
+        </p:cxnSp>
+        <p:cxnSp>
+          <p:nvCxnSpPr>
+            <p:cNvPr id="16" name="Straight Arrow Connector 15">
+              <a:extLst>
+                <a:ext uri="{FF2B5EF4-FFF2-40B4-BE49-F238E27FC236}">
+                  <a16:creationId xmlns:a16="http://schemas.microsoft.com/office/drawing/2014/main" id="{4E8BACA3-3429-A89B-911D-B005B2333AF0}"/>
+                </a:ext>
+              </a:extLst>
+            </p:cNvPr>
+            <p:cNvCxnSpPr>
+              <a:cxnSpLocks/>
+              <a:stCxn id="30" idx="4"/>
+              <a:endCxn id="11" idx="0"/>
+            </p:cNvCxnSpPr>
+            <p:nvPr/>
+          </p:nvCxnSpPr>
+          <p:spPr>
+            <a:xfrm flipV="1">
+              <a:off x="1303724" y="3629065"/>
+              <a:ext cx="1228478" cy="23886"/>
+            </a:xfrm>
+            <a:prstGeom prst="straightConnector1">
+              <a:avLst/>
+            </a:prstGeom>
+            <a:ln>
+              <a:solidFill>
+                <a:schemeClr val="tx1">
+                  <a:lumMod val="75000"/>
+                  <a:lumOff val="25000"/>
+                </a:schemeClr>
+              </a:solidFill>
+              <a:prstDash val="dash"/>
+              <a:tailEnd type="triangle"/>
+            </a:ln>
+          </p:spPr>
+          <p:style>
+            <a:lnRef idx="1">
+              <a:schemeClr val="accent1"/>
+            </a:lnRef>
+            <a:fillRef idx="0">
+              <a:schemeClr val="accent1"/>
+            </a:fillRef>
+            <a:effectRef idx="0">
+              <a:schemeClr val="accent1"/>
+            </a:effectRef>
+            <a:fontRef idx="minor">
+              <a:schemeClr val="tx1"/>
+            </a:fontRef>
+          </p:style>
+        </p:cxnSp>
+        <p:cxnSp>
+          <p:nvCxnSpPr>
+            <p:cNvPr id="17" name="Straight Arrow Connector 16">
+              <a:extLst>
+                <a:ext uri="{FF2B5EF4-FFF2-40B4-BE49-F238E27FC236}">
+                  <a16:creationId xmlns:a16="http://schemas.microsoft.com/office/drawing/2014/main" id="{504AC807-DBC8-EA52-F0AB-3493BCBA49B4}"/>
+                </a:ext>
+              </a:extLst>
+            </p:cNvPr>
+            <p:cNvCxnSpPr>
+              <a:cxnSpLocks/>
+              <a:stCxn id="30" idx="3"/>
+              <a:endCxn id="10" idx="0"/>
+            </p:cNvCxnSpPr>
+            <p:nvPr/>
+          </p:nvCxnSpPr>
+          <p:spPr>
+            <a:xfrm>
+              <a:off x="1181500" y="3948028"/>
+              <a:ext cx="1350703" cy="628492"/>
+            </a:xfrm>
+            <a:prstGeom prst="straightConnector1">
+              <a:avLst/>
+            </a:prstGeom>
+            <a:ln>
+              <a:solidFill>
+                <a:schemeClr val="tx1">
+                  <a:lumMod val="75000"/>
+                  <a:lumOff val="25000"/>
+                </a:schemeClr>
+              </a:solidFill>
+              <a:prstDash val="dash"/>
+              <a:tailEnd type="triangle"/>
+            </a:ln>
+          </p:spPr>
+          <p:style>
+            <a:lnRef idx="1">
+              <a:schemeClr val="accent1"/>
+            </a:lnRef>
+            <a:fillRef idx="0">
+              <a:schemeClr val="accent1"/>
+            </a:fillRef>
+            <a:effectRef idx="0">
+              <a:schemeClr val="accent1"/>
+            </a:effectRef>
+            <a:fontRef idx="minor">
+              <a:schemeClr val="tx1"/>
+            </a:fontRef>
+          </p:style>
+        </p:cxnSp>
+        <p:cxnSp>
+          <p:nvCxnSpPr>
+            <p:cNvPr id="18" name="Straight Arrow Connector 17">
+              <a:extLst>
+                <a:ext uri="{FF2B5EF4-FFF2-40B4-BE49-F238E27FC236}">
+                  <a16:creationId xmlns:a16="http://schemas.microsoft.com/office/drawing/2014/main" id="{F6C0B418-E3D4-7D4D-DF53-18DB9A27D1D0}"/>
+                </a:ext>
+              </a:extLst>
+            </p:cNvPr>
+            <p:cNvCxnSpPr>
+              <a:cxnSpLocks/>
+              <a:stCxn id="22" idx="5"/>
+            </p:cNvCxnSpPr>
+            <p:nvPr/>
+          </p:nvCxnSpPr>
+          <p:spPr>
+            <a:xfrm flipV="1">
+              <a:off x="2982905" y="2397551"/>
+              <a:ext cx="184364" cy="149118"/>
+            </a:xfrm>
+            <a:prstGeom prst="straightConnector1">
+              <a:avLst/>
+            </a:prstGeom>
+            <a:ln>
+              <a:solidFill>
+                <a:schemeClr val="tx1">
+                  <a:lumMod val="75000"/>
+                  <a:lumOff val="25000"/>
+                </a:schemeClr>
+              </a:solidFill>
+              <a:prstDash val="dash"/>
+              <a:tailEnd type="triangle"/>
+            </a:ln>
+          </p:spPr>
+          <p:style>
+            <a:lnRef idx="1">
+              <a:schemeClr val="accent1"/>
+            </a:lnRef>
+            <a:fillRef idx="0">
+              <a:schemeClr val="accent1"/>
+            </a:fillRef>
+            <a:effectRef idx="0">
+              <a:schemeClr val="accent1"/>
+            </a:effectRef>
+            <a:fontRef idx="minor">
+              <a:schemeClr val="tx1"/>
+            </a:fontRef>
+          </p:style>
+        </p:cxnSp>
+        <p:cxnSp>
+          <p:nvCxnSpPr>
+            <p:cNvPr id="19" name="Straight Arrow Connector 18">
+              <a:extLst>
+                <a:ext uri="{FF2B5EF4-FFF2-40B4-BE49-F238E27FC236}">
+                  <a16:creationId xmlns:a16="http://schemas.microsoft.com/office/drawing/2014/main" id="{1D854052-56CB-6221-EBC1-F85E4D7609D1}"/>
+                </a:ext>
+              </a:extLst>
+            </p:cNvPr>
+            <p:cNvCxnSpPr>
+              <a:cxnSpLocks/>
+              <a:stCxn id="22" idx="4"/>
+            </p:cNvCxnSpPr>
+            <p:nvPr/>
+          </p:nvCxnSpPr>
+          <p:spPr>
+            <a:xfrm>
+              <a:off x="3060233" y="2733357"/>
+              <a:ext cx="279315" cy="34971"/>
+            </a:xfrm>
+            <a:prstGeom prst="straightConnector1">
+              <a:avLst/>
+            </a:prstGeom>
+            <a:ln>
+              <a:solidFill>
+                <a:schemeClr val="tx1">
+                  <a:lumMod val="75000"/>
+                  <a:lumOff val="25000"/>
+                </a:schemeClr>
+              </a:solidFill>
+              <a:prstDash val="dash"/>
+              <a:tailEnd type="triangle"/>
+            </a:ln>
+          </p:spPr>
+          <p:style>
+            <a:lnRef idx="1">
+              <a:schemeClr val="accent1"/>
+            </a:lnRef>
+            <a:fillRef idx="0">
+              <a:schemeClr val="accent1"/>
+            </a:fillRef>
+            <a:effectRef idx="0">
+              <a:schemeClr val="accent1"/>
+            </a:effectRef>
+            <a:fontRef idx="minor">
+              <a:schemeClr val="tx1"/>
+            </a:fontRef>
+          </p:style>
+        </p:cxnSp>
+        <p:cxnSp>
+          <p:nvCxnSpPr>
+            <p:cNvPr id="20" name="Straight Arrow Connector 19">
+              <a:extLst>
+                <a:ext uri="{FF2B5EF4-FFF2-40B4-BE49-F238E27FC236}">
+                  <a16:creationId xmlns:a16="http://schemas.microsoft.com/office/drawing/2014/main" id="{BBC52E94-2723-110A-65CB-C52386BDE100}"/>
+                </a:ext>
+              </a:extLst>
+            </p:cNvPr>
+            <p:cNvCxnSpPr>
+              <a:cxnSpLocks/>
+              <a:stCxn id="22" idx="3"/>
+            </p:cNvCxnSpPr>
+            <p:nvPr/>
+          </p:nvCxnSpPr>
+          <p:spPr>
+            <a:xfrm>
+              <a:off x="2982905" y="2920045"/>
+              <a:ext cx="216985" cy="143248"/>
+            </a:xfrm>
+            <a:prstGeom prst="straightConnector1">
+              <a:avLst/>
+            </a:prstGeom>
+            <a:ln>
+              <a:solidFill>
+                <a:schemeClr val="tx1">
+                  <a:lumMod val="75000"/>
+                  <a:lumOff val="25000"/>
+                </a:schemeClr>
+              </a:solidFill>
+              <a:prstDash val="dash"/>
+              <a:tailEnd type="triangle"/>
+            </a:ln>
+          </p:spPr>
+          <p:style>
+            <a:lnRef idx="1">
+              <a:schemeClr val="accent1"/>
+            </a:lnRef>
+            <a:fillRef idx="0">
+              <a:schemeClr val="accent1"/>
+            </a:fillRef>
+            <a:effectRef idx="0">
+              <a:schemeClr val="accent1"/>
+            </a:effectRef>
+            <a:fontRef idx="minor">
+              <a:schemeClr val="tx1"/>
+            </a:fontRef>
+          </p:style>
+        </p:cxnSp>
+        <p:cxnSp>
+          <p:nvCxnSpPr>
+            <p:cNvPr id="21" name="Straight Arrow Connector 20">
+              <a:extLst>
+                <a:ext uri="{FF2B5EF4-FFF2-40B4-BE49-F238E27FC236}">
+                  <a16:creationId xmlns:a16="http://schemas.microsoft.com/office/drawing/2014/main" id="{41543CEA-3C7D-844D-4842-E26C7E7D1A00}"/>
+                </a:ext>
+              </a:extLst>
+            </p:cNvPr>
+            <p:cNvCxnSpPr>
+              <a:cxnSpLocks/>
+              <a:endCxn id="30" idx="0"/>
+            </p:cNvCxnSpPr>
+            <p:nvPr/>
+          </p:nvCxnSpPr>
+          <p:spPr>
+            <a:xfrm>
+              <a:off x="147453" y="3652951"/>
+              <a:ext cx="321667" cy="0"/>
+            </a:xfrm>
+            <a:prstGeom prst="straightConnector1">
+              <a:avLst/>
+            </a:prstGeom>
+            <a:ln>
+              <a:solidFill>
+                <a:schemeClr val="tx1">
+                  <a:lumMod val="75000"/>
+                  <a:lumOff val="25000"/>
+                </a:schemeClr>
+              </a:solidFill>
+              <a:prstDash val="dash"/>
+              <a:tailEnd type="triangle"/>
+            </a:ln>
+          </p:spPr>
+          <p:style>
+            <a:lnRef idx="1">
+              <a:schemeClr val="accent1"/>
+            </a:lnRef>
+            <a:fillRef idx="0">
+              <a:schemeClr val="accent1"/>
+            </a:fillRef>
+            <a:effectRef idx="0">
+              <a:schemeClr val="accent1"/>
+            </a:effectRef>
+            <a:fontRef idx="minor">
+              <a:schemeClr val="tx1"/>
+            </a:fontRef>
+          </p:style>
+        </p:cxnSp>
+      </p:grpSp>
     </p:spTree>
     <p:extLst>
       <p:ext uri="{BB962C8B-B14F-4D97-AF65-F5344CB8AC3E}">
@@ -20725,6 +21674,1391 @@
       </p:grpSpPr>
       <p:sp>
         <p:nvSpPr>
+          <p:cNvPr id="6" name="Slide Number Placeholder 5">
+            <a:extLst>
+              <a:ext uri="{FF2B5EF4-FFF2-40B4-BE49-F238E27FC236}">
+                <a16:creationId xmlns:a16="http://schemas.microsoft.com/office/drawing/2014/main" id="{959BDB26-40E4-9CF6-297E-539B90F4FB2E}"/>
+              </a:ext>
+            </a:extLst>
+          </p:cNvPr>
+          <p:cNvSpPr>
+            <a:spLocks noGrp="1"/>
+          </p:cNvSpPr>
+          <p:nvPr>
+            <p:ph type="sldNum" sz="quarter" idx="12"/>
+          </p:nvPr>
+        </p:nvSpPr>
+        <p:spPr/>
+        <p:txBody>
+          <a:bodyPr/>
+          <a:lstStyle/>
+          <a:p>
+            <a:fld id="{4A936E34-E911-F947-B710-F12161D09F63}" type="slidenum">
+              <a:rPr lang="en-FR" smtClean="0"/>
+              <a:t>40</a:t>
+            </a:fld>
+            <a:endParaRPr lang="en-FR"/>
+          </a:p>
+        </p:txBody>
+      </p:sp>
+      <p:sp>
+        <p:nvSpPr>
+          <p:cNvPr id="2" name="TextBox 1">
+            <a:extLst>
+              <a:ext uri="{FF2B5EF4-FFF2-40B4-BE49-F238E27FC236}">
+                <a16:creationId xmlns:a16="http://schemas.microsoft.com/office/drawing/2014/main" id="{494BD36C-8837-AF56-5E58-817A43AA4697}"/>
+              </a:ext>
+            </a:extLst>
+          </p:cNvPr>
+          <p:cNvSpPr txBox="1"/>
+          <p:nvPr/>
+        </p:nvSpPr>
+        <p:spPr>
+          <a:xfrm>
+            <a:off x="94445" y="195565"/>
+            <a:ext cx="12003110" cy="738664"/>
+          </a:xfrm>
+          <a:prstGeom prst="rect">
+            <a:avLst/>
+          </a:prstGeom>
+          <a:noFill/>
+        </p:spPr>
+        <p:txBody>
+          <a:bodyPr wrap="square" rtlCol="0">
+            <a:spAutoFit/>
+          </a:bodyPr>
+          <a:lstStyle/>
+          <a:p>
+            <a:r>
+              <a:rPr lang="en-GB" sz="1400" dirty="0" err="1">
+                <a:latin typeface="Helvetica Neue Thin" panose="020B0403020202020204" pitchFamily="34" charset="0"/>
+                <a:ea typeface="Helvetica Neue Thin" panose="020B0403020202020204" pitchFamily="34" charset="0"/>
+              </a:rPr>
+              <a:t>S</a:t>
+            </a:r>
+            <a:r>
+              <a:rPr lang="en-GB" sz="1400" baseline="-25000" dirty="0" err="1">
+                <a:latin typeface="Helvetica Neue Thin" panose="020B0403020202020204" pitchFamily="34" charset="0"/>
+                <a:ea typeface="Helvetica Neue Thin" panose="020B0403020202020204" pitchFamily="34" charset="0"/>
+              </a:rPr>
+              <a:t>current</a:t>
+            </a:r>
+            <a:r>
+              <a:rPr lang="en-GB" sz="1400" dirty="0">
+                <a:latin typeface="Helvetica Neue Thin" panose="020B0403020202020204" pitchFamily="34" charset="0"/>
+                <a:ea typeface="Helvetica Neue Thin" panose="020B0403020202020204" pitchFamily="34" charset="0"/>
+              </a:rPr>
+              <a:t> : current state</a:t>
+            </a:r>
+          </a:p>
+          <a:p>
+            <a:r>
+              <a:rPr lang="en-GB" sz="1400" dirty="0" err="1">
+                <a:latin typeface="Helvetica Neue Thin" panose="020B0403020202020204" pitchFamily="34" charset="0"/>
+                <a:ea typeface="Helvetica Neue Thin" panose="020B0403020202020204" pitchFamily="34" charset="0"/>
+              </a:rPr>
+              <a:t>S</a:t>
+            </a:r>
+            <a:r>
+              <a:rPr lang="en-GB" sz="1400" baseline="-25000" dirty="0" err="1">
+                <a:latin typeface="Helvetica Neue Thin" panose="020B0403020202020204" pitchFamily="34" charset="0"/>
+                <a:ea typeface="Helvetica Neue Thin" panose="020B0403020202020204" pitchFamily="34" charset="0"/>
+              </a:rPr>
+              <a:t>new</a:t>
+            </a:r>
+            <a:r>
+              <a:rPr lang="en-GB" sz="1400" dirty="0">
+                <a:latin typeface="Helvetica Neue Thin" panose="020B0403020202020204" pitchFamily="34" charset="0"/>
+                <a:ea typeface="Helvetica Neue Thin" panose="020B0403020202020204" pitchFamily="34" charset="0"/>
+              </a:rPr>
+              <a:t> : potential new state </a:t>
+            </a:r>
+          </a:p>
+          <a:p>
+            <a:r>
+              <a:rPr lang="en-GB" sz="1400" dirty="0" err="1">
+                <a:latin typeface="Helvetica Neue Thin" panose="020B0403020202020204" pitchFamily="34" charset="0"/>
+                <a:ea typeface="Helvetica Neue Thin" panose="020B0403020202020204" pitchFamily="34" charset="0"/>
+              </a:rPr>
+              <a:t>t</a:t>
+            </a:r>
+            <a:r>
+              <a:rPr lang="en-GB" sz="1400" baseline="-25000" dirty="0" err="1">
+                <a:latin typeface="Helvetica Neue Thin" panose="020B0403020202020204" pitchFamily="34" charset="0"/>
+                <a:ea typeface="Helvetica Neue Thin" panose="020B0403020202020204" pitchFamily="34" charset="0"/>
+              </a:rPr>
+              <a:t>current</a:t>
+            </a:r>
+            <a:r>
+              <a:rPr lang="en-GB" sz="1400" baseline="-25000" dirty="0">
+                <a:latin typeface="Helvetica Neue Thin" panose="020B0403020202020204" pitchFamily="34" charset="0"/>
+                <a:ea typeface="Helvetica Neue Thin" panose="020B0403020202020204" pitchFamily="34" charset="0"/>
+              </a:rPr>
+              <a:t> </a:t>
+            </a:r>
+            <a:r>
+              <a:rPr lang="en-GB" sz="1400" baseline="-25000" dirty="0">
+                <a:latin typeface="Helvetica Neue Thin" panose="020B0403020202020204" pitchFamily="34" charset="0"/>
+                <a:ea typeface="Helvetica Neue Thin" panose="020B0403020202020204" pitchFamily="34" charset="0"/>
+                <a:sym typeface="Wingdings" pitchFamily="2" charset="2"/>
+              </a:rPr>
+              <a:t>--&gt; new </a:t>
+            </a:r>
+            <a:r>
+              <a:rPr lang="en-GB" sz="1400" dirty="0">
+                <a:latin typeface="Helvetica Neue Thin" panose="020B0403020202020204" pitchFamily="34" charset="0"/>
+                <a:ea typeface="Helvetica Neue Thin" panose="020B0403020202020204" pitchFamily="34" charset="0"/>
+                <a:sym typeface="Wingdings" pitchFamily="2" charset="2"/>
+              </a:rPr>
+              <a:t>: transition from current state to potential new state</a:t>
+            </a:r>
+            <a:r>
+              <a:rPr lang="en-GB" sz="1400" baseline="-25000" dirty="0">
+                <a:latin typeface="Helvetica Neue Thin" panose="020B0403020202020204" pitchFamily="34" charset="0"/>
+                <a:ea typeface="Helvetica Neue Thin" panose="020B0403020202020204" pitchFamily="34" charset="0"/>
+                <a:sym typeface="Wingdings" pitchFamily="2" charset="2"/>
+              </a:rPr>
+              <a:t> </a:t>
+            </a:r>
+            <a:endParaRPr lang="en-GB" sz="1400" dirty="0">
+              <a:latin typeface="Helvetica Neue Thin" panose="020B0403020202020204" pitchFamily="34" charset="0"/>
+              <a:ea typeface="Helvetica Neue Thin" panose="020B0403020202020204" pitchFamily="34" charset="0"/>
+            </a:endParaRPr>
+          </a:p>
+        </p:txBody>
+      </p:sp>
+      <p:sp>
+        <p:nvSpPr>
+          <p:cNvPr id="3" name="TextBox 2">
+            <a:extLst>
+              <a:ext uri="{FF2B5EF4-FFF2-40B4-BE49-F238E27FC236}">
+                <a16:creationId xmlns:a16="http://schemas.microsoft.com/office/drawing/2014/main" id="{D06C624D-C1E6-8A22-9396-8E5CDCC2829A}"/>
+              </a:ext>
+            </a:extLst>
+          </p:cNvPr>
+          <p:cNvSpPr txBox="1"/>
+          <p:nvPr/>
+        </p:nvSpPr>
+        <p:spPr>
+          <a:xfrm>
+            <a:off x="94445" y="1099927"/>
+            <a:ext cx="12003110" cy="1169551"/>
+          </a:xfrm>
+          <a:prstGeom prst="rect">
+            <a:avLst/>
+          </a:prstGeom>
+          <a:noFill/>
+        </p:spPr>
+        <p:txBody>
+          <a:bodyPr wrap="square" rtlCol="0">
+            <a:spAutoFit/>
+          </a:bodyPr>
+          <a:lstStyle/>
+          <a:p>
+            <a:r>
+              <a:rPr lang="en-GB" sz="1400" dirty="0">
+                <a:latin typeface="Helvetica Neue Thin" panose="020B0403020202020204" pitchFamily="34" charset="0"/>
+                <a:ea typeface="Helvetica Neue Thin" panose="020B0403020202020204" pitchFamily="34" charset="0"/>
+              </a:rPr>
+              <a:t>INIT_VISITED : visited states </a:t>
+            </a:r>
+          </a:p>
+          <a:p>
+            <a:r>
+              <a:rPr lang="en-GB" sz="1400" dirty="0">
+                <a:latin typeface="Helvetica Neue Thin" panose="020B0403020202020204" pitchFamily="34" charset="0"/>
+                <a:ea typeface="Helvetica Neue Thin" panose="020B0403020202020204" pitchFamily="34" charset="0"/>
+              </a:rPr>
+              <a:t>DEAD_PREDS : states that can lead to a deadlock</a:t>
+            </a:r>
+          </a:p>
+          <a:p>
+            <a:r>
+              <a:rPr lang="en-GB" sz="1400" dirty="0">
+                <a:latin typeface="Helvetica Neue Thin" panose="020B0403020202020204" pitchFamily="34" charset="0"/>
+                <a:ea typeface="Helvetica Neue Thin" panose="020B0403020202020204" pitchFamily="34" charset="0"/>
+              </a:rPr>
+              <a:t>DEADLOCK : deadlocking states </a:t>
+            </a:r>
+          </a:p>
+          <a:p>
+            <a:r>
+              <a:rPr lang="en-GB" sz="1400" dirty="0">
+                <a:latin typeface="Helvetica Neue Thin" panose="020B0403020202020204" pitchFamily="34" charset="0"/>
+                <a:ea typeface="Helvetica Neue Thin" panose="020B0403020202020204" pitchFamily="34" charset="0"/>
+              </a:rPr>
+              <a:t>MATRIX : transition pairs and how often they appear </a:t>
+            </a:r>
+          </a:p>
+          <a:p>
+            <a:r>
+              <a:rPr lang="en-GB" sz="1400" dirty="0">
+                <a:latin typeface="Helvetica Neue Thin" panose="020B0403020202020204" pitchFamily="34" charset="0"/>
+                <a:ea typeface="Helvetica Neue Thin" panose="020B0403020202020204" pitchFamily="34" charset="0"/>
+              </a:rPr>
+              <a:t>TR_COUNT : transitions and how often they appear </a:t>
+            </a:r>
+          </a:p>
+        </p:txBody>
+      </p:sp>
+      <p:pic>
+        <p:nvPicPr>
+          <p:cNvPr id="12" name="Picture 11">
+            <a:extLst>
+              <a:ext uri="{FF2B5EF4-FFF2-40B4-BE49-F238E27FC236}">
+                <a16:creationId xmlns:a16="http://schemas.microsoft.com/office/drawing/2014/main" id="{29F70423-F49A-AA2C-840B-8092105BD427}"/>
+              </a:ext>
+            </a:extLst>
+          </p:cNvPr>
+          <p:cNvPicPr>
+            <a:picLocks noChangeAspect="1"/>
+          </p:cNvPicPr>
+          <p:nvPr/>
+        </p:nvPicPr>
+        <p:blipFill>
+          <a:blip r:embed="rId2"/>
+          <a:stretch>
+            <a:fillRect/>
+          </a:stretch>
+        </p:blipFill>
+        <p:spPr>
+          <a:xfrm>
+            <a:off x="94445" y="2269478"/>
+            <a:ext cx="7772400" cy="2897640"/>
+          </a:xfrm>
+          <a:prstGeom prst="rect">
+            <a:avLst/>
+          </a:prstGeom>
+        </p:spPr>
+      </p:pic>
+      <p:grpSp>
+        <p:nvGrpSpPr>
+          <p:cNvPr id="13" name="Group 12">
+            <a:extLst>
+              <a:ext uri="{FF2B5EF4-FFF2-40B4-BE49-F238E27FC236}">
+                <a16:creationId xmlns:a16="http://schemas.microsoft.com/office/drawing/2014/main" id="{3308AA5E-EA8F-F4A0-FC04-15DAE3E3C136}"/>
+              </a:ext>
+            </a:extLst>
+          </p:cNvPr>
+          <p:cNvGrpSpPr/>
+          <p:nvPr/>
+        </p:nvGrpSpPr>
+        <p:grpSpPr>
+          <a:xfrm>
+            <a:off x="7836026" y="559845"/>
+            <a:ext cx="3314792" cy="2442986"/>
+            <a:chOff x="24756" y="2397551"/>
+            <a:chExt cx="3314792" cy="2442986"/>
+          </a:xfrm>
+        </p:grpSpPr>
+        <p:grpSp>
+          <p:nvGrpSpPr>
+            <p:cNvPr id="32" name="Group 31">
+              <a:extLst>
+                <a:ext uri="{FF2B5EF4-FFF2-40B4-BE49-F238E27FC236}">
+                  <a16:creationId xmlns:a16="http://schemas.microsoft.com/office/drawing/2014/main" id="{30D671FE-158E-84BF-A105-BB42F264D40A}"/>
+                </a:ext>
+              </a:extLst>
+            </p:cNvPr>
+            <p:cNvGrpSpPr/>
+            <p:nvPr/>
+          </p:nvGrpSpPr>
+          <p:grpSpPr>
+            <a:xfrm rot="16200000">
+              <a:off x="469120" y="3235649"/>
+              <a:ext cx="834604" cy="834604"/>
+              <a:chOff x="5123645" y="775255"/>
+              <a:chExt cx="834604" cy="834604"/>
+            </a:xfrm>
+          </p:grpSpPr>
+          <p:sp>
+            <p:nvSpPr>
+              <p:cNvPr id="51" name="Oval 50">
+                <a:extLst>
+                  <a:ext uri="{FF2B5EF4-FFF2-40B4-BE49-F238E27FC236}">
+                    <a16:creationId xmlns:a16="http://schemas.microsoft.com/office/drawing/2014/main" id="{CDDC170A-9436-53D7-A017-58AE014D8D99}"/>
+                  </a:ext>
+                </a:extLst>
+              </p:cNvPr>
+              <p:cNvSpPr/>
+              <p:nvPr/>
+            </p:nvSpPr>
+            <p:spPr>
+              <a:xfrm>
+                <a:off x="5123645" y="775255"/>
+                <a:ext cx="834604" cy="834604"/>
+              </a:xfrm>
+              <a:prstGeom prst="ellipse">
+                <a:avLst/>
+              </a:prstGeom>
+              <a:ln>
+                <a:solidFill>
+                  <a:schemeClr val="tx1">
+                    <a:lumMod val="95000"/>
+                    <a:lumOff val="5000"/>
+                  </a:schemeClr>
+                </a:solidFill>
+              </a:ln>
+            </p:spPr>
+            <p:style>
+              <a:lnRef idx="2">
+                <a:schemeClr val="accent3"/>
+              </a:lnRef>
+              <a:fillRef idx="1">
+                <a:schemeClr val="lt1"/>
+              </a:fillRef>
+              <a:effectRef idx="0">
+                <a:schemeClr val="accent3"/>
+              </a:effectRef>
+              <a:fontRef idx="minor">
+                <a:schemeClr val="dk1"/>
+              </a:fontRef>
+            </p:style>
+            <p:txBody>
+              <a:bodyPr rtlCol="0" anchor="ctr"/>
+              <a:lstStyle/>
+              <a:p>
+                <a:pPr algn="ctr"/>
+                <a:endParaRPr lang="en-FR">
+                  <a:latin typeface="Helvetica Neue Thin" panose="020B0403020202020204" pitchFamily="34" charset="0"/>
+                  <a:ea typeface="Helvetica Neue Thin" panose="020B0403020202020204" pitchFamily="34" charset="0"/>
+                </a:endParaRPr>
+              </a:p>
+            </p:txBody>
+          </p:sp>
+          <p:sp>
+            <p:nvSpPr>
+              <p:cNvPr id="52" name="TextBox 51">
+                <a:extLst>
+                  <a:ext uri="{FF2B5EF4-FFF2-40B4-BE49-F238E27FC236}">
+                    <a16:creationId xmlns:a16="http://schemas.microsoft.com/office/drawing/2014/main" id="{71E99CF1-4710-BEAA-9A27-C661C5429A7B}"/>
+                  </a:ext>
+                </a:extLst>
+              </p:cNvPr>
+              <p:cNvSpPr txBox="1"/>
+              <p:nvPr/>
+            </p:nvSpPr>
+            <p:spPr>
+              <a:xfrm rot="5400000">
+                <a:off x="5188924" y="1038668"/>
+                <a:ext cx="704045" cy="307777"/>
+              </a:xfrm>
+              <a:prstGeom prst="rect">
+                <a:avLst/>
+              </a:prstGeom>
+              <a:noFill/>
+              <a:ln>
+                <a:noFill/>
+              </a:ln>
+            </p:spPr>
+            <p:style>
+              <a:lnRef idx="2">
+                <a:schemeClr val="dk1"/>
+              </a:lnRef>
+              <a:fillRef idx="1">
+                <a:schemeClr val="lt1"/>
+              </a:fillRef>
+              <a:effectRef idx="0">
+                <a:schemeClr val="dk1"/>
+              </a:effectRef>
+              <a:fontRef idx="minor">
+                <a:schemeClr val="dk1"/>
+              </a:fontRef>
+            </p:style>
+            <p:txBody>
+              <a:bodyPr wrap="square">
+                <a:spAutoFit/>
+              </a:bodyPr>
+              <a:lstStyle/>
+              <a:p>
+                <a:pPr algn="ctr"/>
+                <a:r>
+                  <a:rPr lang="en-GB" sz="1400" dirty="0">
+                    <a:latin typeface="Helvetica Neue Thin" panose="020B0403020202020204" pitchFamily="34" charset="0"/>
+                    <a:ea typeface="Helvetica Neue Thin" panose="020B0403020202020204" pitchFamily="34" charset="0"/>
+                    <a:cs typeface="CMU Serif Roman" panose="02000603000000000000" pitchFamily="2" charset="0"/>
+                  </a:rPr>
+                  <a:t>S0</a:t>
+                </a:r>
+              </a:p>
+            </p:txBody>
+          </p:sp>
+        </p:grpSp>
+        <p:sp>
+          <p:nvSpPr>
+            <p:cNvPr id="33" name="Oval 32">
+              <a:extLst>
+                <a:ext uri="{FF2B5EF4-FFF2-40B4-BE49-F238E27FC236}">
+                  <a16:creationId xmlns:a16="http://schemas.microsoft.com/office/drawing/2014/main" id="{D16B8C6D-3FD2-2DD2-ACBC-C196AB2942DF}"/>
+                </a:ext>
+              </a:extLst>
+            </p:cNvPr>
+            <p:cNvSpPr/>
+            <p:nvPr/>
+          </p:nvSpPr>
+          <p:spPr>
+            <a:xfrm rot="16200000">
+              <a:off x="2532202" y="4312503"/>
+              <a:ext cx="528034" cy="528034"/>
+            </a:xfrm>
+            <a:prstGeom prst="ellipse">
+              <a:avLst/>
+            </a:prstGeom>
+          </p:spPr>
+          <p:style>
+            <a:lnRef idx="2">
+              <a:schemeClr val="accent3"/>
+            </a:lnRef>
+            <a:fillRef idx="1">
+              <a:schemeClr val="lt1"/>
+            </a:fillRef>
+            <a:effectRef idx="0">
+              <a:schemeClr val="accent3"/>
+            </a:effectRef>
+            <a:fontRef idx="minor">
+              <a:schemeClr val="dk1"/>
+            </a:fontRef>
+          </p:style>
+          <p:txBody>
+            <a:bodyPr rtlCol="0" anchor="ctr"/>
+            <a:lstStyle/>
+            <a:p>
+              <a:pPr algn="ctr"/>
+              <a:endParaRPr lang="en-FR">
+                <a:latin typeface="Helvetica Neue Thin" panose="020B0403020202020204" pitchFamily="34" charset="0"/>
+                <a:ea typeface="Helvetica Neue Thin" panose="020B0403020202020204" pitchFamily="34" charset="0"/>
+              </a:endParaRPr>
+            </a:p>
+          </p:txBody>
+        </p:sp>
+        <p:sp>
+          <p:nvSpPr>
+            <p:cNvPr id="34" name="Oval 33">
+              <a:extLst>
+                <a:ext uri="{FF2B5EF4-FFF2-40B4-BE49-F238E27FC236}">
+                  <a16:creationId xmlns:a16="http://schemas.microsoft.com/office/drawing/2014/main" id="{A28F01D0-ED00-CDB2-31BA-9513E2FEE679}"/>
+                </a:ext>
+              </a:extLst>
+            </p:cNvPr>
+            <p:cNvSpPr/>
+            <p:nvPr/>
+          </p:nvSpPr>
+          <p:spPr>
+            <a:xfrm rot="16200000">
+              <a:off x="2532202" y="3365048"/>
+              <a:ext cx="528034" cy="528034"/>
+            </a:xfrm>
+            <a:prstGeom prst="ellipse">
+              <a:avLst/>
+            </a:prstGeom>
+          </p:spPr>
+          <p:style>
+            <a:lnRef idx="2">
+              <a:schemeClr val="accent3"/>
+            </a:lnRef>
+            <a:fillRef idx="1">
+              <a:schemeClr val="lt1"/>
+            </a:fillRef>
+            <a:effectRef idx="0">
+              <a:schemeClr val="accent3"/>
+            </a:effectRef>
+            <a:fontRef idx="minor">
+              <a:schemeClr val="dk1"/>
+            </a:fontRef>
+          </p:style>
+          <p:txBody>
+            <a:bodyPr rtlCol="0" anchor="ctr"/>
+            <a:lstStyle/>
+            <a:p>
+              <a:pPr algn="ctr"/>
+              <a:endParaRPr lang="en-FR">
+                <a:latin typeface="Helvetica Neue Thin" panose="020B0403020202020204" pitchFamily="34" charset="0"/>
+                <a:ea typeface="Helvetica Neue Thin" panose="020B0403020202020204" pitchFamily="34" charset="0"/>
+              </a:endParaRPr>
+            </a:p>
+          </p:txBody>
+        </p:sp>
+        <p:grpSp>
+          <p:nvGrpSpPr>
+            <p:cNvPr id="35" name="Group 34">
+              <a:extLst>
+                <a:ext uri="{FF2B5EF4-FFF2-40B4-BE49-F238E27FC236}">
+                  <a16:creationId xmlns:a16="http://schemas.microsoft.com/office/drawing/2014/main" id="{1D5CEC62-35BE-8669-97B5-5787D3C3DEEC}"/>
+                </a:ext>
+              </a:extLst>
+            </p:cNvPr>
+            <p:cNvGrpSpPr/>
+            <p:nvPr/>
+          </p:nvGrpSpPr>
+          <p:grpSpPr>
+            <a:xfrm rot="16200000">
+              <a:off x="418311" y="2075786"/>
+              <a:ext cx="2248369" cy="3035479"/>
+              <a:chOff x="978148" y="-3000752"/>
+              <a:chExt cx="3553745" cy="4797847"/>
+            </a:xfrm>
+          </p:grpSpPr>
+          <p:sp>
+            <p:nvSpPr>
+              <p:cNvPr id="43" name="Oval 42">
+                <a:extLst>
+                  <a:ext uri="{FF2B5EF4-FFF2-40B4-BE49-F238E27FC236}">
+                    <a16:creationId xmlns:a16="http://schemas.microsoft.com/office/drawing/2014/main" id="{862FAF68-E567-B718-6349-AC1794B59E0F}"/>
+                  </a:ext>
+                </a:extLst>
+              </p:cNvPr>
+              <p:cNvSpPr/>
+              <p:nvPr/>
+            </p:nvSpPr>
+            <p:spPr>
+              <a:xfrm>
+                <a:off x="3697289" y="962489"/>
+                <a:ext cx="834604" cy="834602"/>
+              </a:xfrm>
+              <a:prstGeom prst="ellipse">
+                <a:avLst/>
+              </a:prstGeom>
+            </p:spPr>
+            <p:style>
+              <a:lnRef idx="2">
+                <a:schemeClr val="accent3"/>
+              </a:lnRef>
+              <a:fillRef idx="1">
+                <a:schemeClr val="lt1"/>
+              </a:fillRef>
+              <a:effectRef idx="0">
+                <a:schemeClr val="accent3"/>
+              </a:effectRef>
+              <a:fontRef idx="minor">
+                <a:schemeClr val="dk1"/>
+              </a:fontRef>
+            </p:style>
+            <p:txBody>
+              <a:bodyPr rtlCol="0" anchor="ctr"/>
+              <a:lstStyle/>
+              <a:p>
+                <a:pPr algn="ctr"/>
+                <a:endParaRPr lang="en-FR">
+                  <a:latin typeface="Helvetica Neue Thin" panose="020B0403020202020204" pitchFamily="34" charset="0"/>
+                  <a:ea typeface="Helvetica Neue Thin" panose="020B0403020202020204" pitchFamily="34" charset="0"/>
+                </a:endParaRPr>
+              </a:p>
+            </p:txBody>
+          </p:sp>
+          <p:sp>
+            <p:nvSpPr>
+              <p:cNvPr id="44" name="TextBox 43">
+                <a:extLst>
+                  <a:ext uri="{FF2B5EF4-FFF2-40B4-BE49-F238E27FC236}">
+                    <a16:creationId xmlns:a16="http://schemas.microsoft.com/office/drawing/2014/main" id="{46AEDBAA-98C1-29C9-7EF2-35E3378216EB}"/>
+                  </a:ext>
+                </a:extLst>
+              </p:cNvPr>
+              <p:cNvSpPr txBox="1"/>
+              <p:nvPr/>
+            </p:nvSpPr>
+            <p:spPr>
+              <a:xfrm rot="5400000">
+                <a:off x="3683717" y="1185202"/>
+                <a:ext cx="834601" cy="389174"/>
+              </a:xfrm>
+              <a:prstGeom prst="rect">
+                <a:avLst/>
+              </a:prstGeom>
+              <a:noFill/>
+              <a:ln>
+                <a:noFill/>
+              </a:ln>
+            </p:spPr>
+            <p:style>
+              <a:lnRef idx="2">
+                <a:schemeClr val="dk1"/>
+              </a:lnRef>
+              <a:fillRef idx="1">
+                <a:schemeClr val="lt1"/>
+              </a:fillRef>
+              <a:effectRef idx="0">
+                <a:schemeClr val="dk1"/>
+              </a:effectRef>
+              <a:fontRef idx="minor">
+                <a:schemeClr val="dk1"/>
+              </a:fontRef>
+            </p:style>
+            <p:txBody>
+              <a:bodyPr wrap="square">
+                <a:spAutoFit/>
+              </a:bodyPr>
+              <a:lstStyle/>
+              <a:p>
+                <a:pPr algn="ctr"/>
+                <a:r>
+                  <a:rPr lang="en-GB" sz="1000" dirty="0">
+                    <a:latin typeface="Helvetica Neue Thin" panose="020B0403020202020204" pitchFamily="34" charset="0"/>
+                    <a:ea typeface="Helvetica Neue Thin" panose="020B0403020202020204" pitchFamily="34" charset="0"/>
+                    <a:cs typeface="CMU Serif Roman" panose="02000603000000000000" pitchFamily="2" charset="0"/>
+                  </a:rPr>
+                  <a:t>S1</a:t>
+                </a:r>
+                <a:endParaRPr lang="en-GB" sz="1400" dirty="0">
+                  <a:latin typeface="Helvetica Neue Thin" panose="020B0403020202020204" pitchFamily="34" charset="0"/>
+                  <a:ea typeface="Helvetica Neue Thin" panose="020B0403020202020204" pitchFamily="34" charset="0"/>
+                  <a:cs typeface="CMU Serif Roman" panose="02000603000000000000" pitchFamily="2" charset="0"/>
+                </a:endParaRPr>
+              </a:p>
+            </p:txBody>
+          </p:sp>
+          <p:sp>
+            <p:nvSpPr>
+              <p:cNvPr id="45" name="TextBox 44">
+                <a:extLst>
+                  <a:ext uri="{FF2B5EF4-FFF2-40B4-BE49-F238E27FC236}">
+                    <a16:creationId xmlns:a16="http://schemas.microsoft.com/office/drawing/2014/main" id="{53F656A4-3318-7346-BE34-810DD88FF120}"/>
+                  </a:ext>
+                </a:extLst>
+              </p:cNvPr>
+              <p:cNvSpPr txBox="1"/>
+              <p:nvPr/>
+            </p:nvSpPr>
+            <p:spPr>
+              <a:xfrm rot="5400000">
+                <a:off x="2263066" y="1185202"/>
+                <a:ext cx="834599" cy="389174"/>
+              </a:xfrm>
+              <a:prstGeom prst="rect">
+                <a:avLst/>
+              </a:prstGeom>
+              <a:noFill/>
+              <a:ln>
+                <a:noFill/>
+              </a:ln>
+            </p:spPr>
+            <p:style>
+              <a:lnRef idx="2">
+                <a:schemeClr val="dk1"/>
+              </a:lnRef>
+              <a:fillRef idx="1">
+                <a:schemeClr val="lt1"/>
+              </a:fillRef>
+              <a:effectRef idx="0">
+                <a:schemeClr val="dk1"/>
+              </a:effectRef>
+              <a:fontRef idx="minor">
+                <a:schemeClr val="dk1"/>
+              </a:fontRef>
+            </p:style>
+            <p:txBody>
+              <a:bodyPr wrap="square">
+                <a:spAutoFit/>
+              </a:bodyPr>
+              <a:lstStyle/>
+              <a:p>
+                <a:pPr algn="ctr"/>
+                <a:r>
+                  <a:rPr lang="en-GB" sz="1000" dirty="0">
+                    <a:latin typeface="Helvetica Neue Thin" panose="020B0403020202020204" pitchFamily="34" charset="0"/>
+                    <a:ea typeface="Helvetica Neue Thin" panose="020B0403020202020204" pitchFamily="34" charset="0"/>
+                    <a:cs typeface="CMU Serif Roman" panose="02000603000000000000" pitchFamily="2" charset="0"/>
+                  </a:rPr>
+                  <a:t>S2</a:t>
+                </a:r>
+                <a:endParaRPr lang="en-GB" sz="1400" dirty="0">
+                  <a:latin typeface="Helvetica Neue Thin" panose="020B0403020202020204" pitchFamily="34" charset="0"/>
+                  <a:ea typeface="Helvetica Neue Thin" panose="020B0403020202020204" pitchFamily="34" charset="0"/>
+                  <a:cs typeface="CMU Serif Roman" panose="02000603000000000000" pitchFamily="2" charset="0"/>
+                </a:endParaRPr>
+              </a:p>
+            </p:txBody>
+          </p:sp>
+          <p:sp>
+            <p:nvSpPr>
+              <p:cNvPr id="46" name="TextBox 45">
+                <a:extLst>
+                  <a:ext uri="{FF2B5EF4-FFF2-40B4-BE49-F238E27FC236}">
+                    <a16:creationId xmlns:a16="http://schemas.microsoft.com/office/drawing/2014/main" id="{377A04A5-AA69-B340-4225-D998457CDA99}"/>
+                  </a:ext>
+                </a:extLst>
+              </p:cNvPr>
+              <p:cNvSpPr txBox="1"/>
+              <p:nvPr/>
+            </p:nvSpPr>
+            <p:spPr>
+              <a:xfrm rot="5400000">
+                <a:off x="755435" y="1185209"/>
+                <a:ext cx="834599" cy="389174"/>
+              </a:xfrm>
+              <a:prstGeom prst="rect">
+                <a:avLst/>
+              </a:prstGeom>
+              <a:noFill/>
+              <a:ln>
+                <a:noFill/>
+              </a:ln>
+            </p:spPr>
+            <p:style>
+              <a:lnRef idx="2">
+                <a:schemeClr val="dk1"/>
+              </a:lnRef>
+              <a:fillRef idx="1">
+                <a:schemeClr val="lt1"/>
+              </a:fillRef>
+              <a:effectRef idx="0">
+                <a:schemeClr val="dk1"/>
+              </a:effectRef>
+              <a:fontRef idx="minor">
+                <a:schemeClr val="dk1"/>
+              </a:fontRef>
+            </p:style>
+            <p:txBody>
+              <a:bodyPr wrap="square">
+                <a:spAutoFit/>
+              </a:bodyPr>
+              <a:lstStyle/>
+              <a:p>
+                <a:pPr algn="ctr"/>
+                <a:r>
+                  <a:rPr lang="en-GB" sz="1000" dirty="0">
+                    <a:latin typeface="Helvetica Neue Thin" panose="020B0403020202020204" pitchFamily="34" charset="0"/>
+                    <a:ea typeface="Helvetica Neue Thin" panose="020B0403020202020204" pitchFamily="34" charset="0"/>
+                    <a:cs typeface="CMU Serif Roman" panose="02000603000000000000" pitchFamily="2" charset="0"/>
+                  </a:rPr>
+                  <a:t>S3</a:t>
+                </a:r>
+                <a:endParaRPr lang="en-GB" sz="1400" dirty="0">
+                  <a:latin typeface="Helvetica Neue Thin" panose="020B0403020202020204" pitchFamily="34" charset="0"/>
+                  <a:ea typeface="Helvetica Neue Thin" panose="020B0403020202020204" pitchFamily="34" charset="0"/>
+                  <a:cs typeface="CMU Serif Roman" panose="02000603000000000000" pitchFamily="2" charset="0"/>
+                </a:endParaRPr>
+              </a:p>
+            </p:txBody>
+          </p:sp>
+          <p:sp>
+            <p:nvSpPr>
+              <p:cNvPr id="47" name="TextBox 46">
+                <a:extLst>
+                  <a:ext uri="{FF2B5EF4-FFF2-40B4-BE49-F238E27FC236}">
+                    <a16:creationId xmlns:a16="http://schemas.microsoft.com/office/drawing/2014/main" id="{29567D41-CDFA-8197-E4D7-58BD069C8F68}"/>
+                  </a:ext>
+                </a:extLst>
+              </p:cNvPr>
+              <p:cNvSpPr txBox="1"/>
+              <p:nvPr/>
+            </p:nvSpPr>
+            <p:spPr>
+              <a:xfrm rot="5400000">
+                <a:off x="3332134" y="-527506"/>
+                <a:ext cx="834602" cy="389174"/>
+              </a:xfrm>
+              <a:prstGeom prst="rect">
+                <a:avLst/>
+              </a:prstGeom>
+              <a:noFill/>
+              <a:ln>
+                <a:noFill/>
+              </a:ln>
+            </p:spPr>
+            <p:style>
+              <a:lnRef idx="2">
+                <a:schemeClr val="dk1"/>
+              </a:lnRef>
+              <a:fillRef idx="1">
+                <a:schemeClr val="lt1"/>
+              </a:fillRef>
+              <a:effectRef idx="0">
+                <a:schemeClr val="dk1"/>
+              </a:effectRef>
+              <a:fontRef idx="minor">
+                <a:schemeClr val="dk1"/>
+              </a:fontRef>
+            </p:style>
+            <p:txBody>
+              <a:bodyPr wrap="square">
+                <a:spAutoFit/>
+              </a:bodyPr>
+              <a:lstStyle/>
+              <a:p>
+                <a:pPr algn="ctr"/>
+                <a:r>
+                  <a:rPr lang="en-GB" sz="1000" dirty="0">
+                    <a:latin typeface="Helvetica Neue Thin" panose="020B0403020202020204" pitchFamily="34" charset="0"/>
+                    <a:ea typeface="Helvetica Neue Thin" panose="020B0403020202020204" pitchFamily="34" charset="0"/>
+                    <a:cs typeface="CMU Serif Roman" panose="02000603000000000000" pitchFamily="2" charset="0"/>
+                  </a:rPr>
+                  <a:t>t1(p)</a:t>
+                </a:r>
+                <a:endParaRPr lang="en-GB" sz="1400" dirty="0">
+                  <a:latin typeface="Helvetica Neue Thin" panose="020B0403020202020204" pitchFamily="34" charset="0"/>
+                  <a:ea typeface="Helvetica Neue Thin" panose="020B0403020202020204" pitchFamily="34" charset="0"/>
+                  <a:cs typeface="CMU Serif Roman" panose="02000603000000000000" pitchFamily="2" charset="0"/>
+                </a:endParaRPr>
+              </a:p>
+            </p:txBody>
+          </p:sp>
+          <p:sp>
+            <p:nvSpPr>
+              <p:cNvPr id="48" name="TextBox 47">
+                <a:extLst>
+                  <a:ext uri="{FF2B5EF4-FFF2-40B4-BE49-F238E27FC236}">
+                    <a16:creationId xmlns:a16="http://schemas.microsoft.com/office/drawing/2014/main" id="{EBC7763B-F07A-36EB-302B-B04F810E3E17}"/>
+                  </a:ext>
+                </a:extLst>
+              </p:cNvPr>
+              <p:cNvSpPr txBox="1"/>
+              <p:nvPr/>
+            </p:nvSpPr>
+            <p:spPr>
+              <a:xfrm rot="5400000">
+                <a:off x="2457653" y="-188202"/>
+                <a:ext cx="834602" cy="389174"/>
+              </a:xfrm>
+              <a:prstGeom prst="rect">
+                <a:avLst/>
+              </a:prstGeom>
+              <a:noFill/>
+              <a:ln>
+                <a:noFill/>
+              </a:ln>
+            </p:spPr>
+            <p:style>
+              <a:lnRef idx="2">
+                <a:schemeClr val="dk1"/>
+              </a:lnRef>
+              <a:fillRef idx="1">
+                <a:schemeClr val="lt1"/>
+              </a:fillRef>
+              <a:effectRef idx="0">
+                <a:schemeClr val="dk1"/>
+              </a:effectRef>
+              <a:fontRef idx="minor">
+                <a:schemeClr val="dk1"/>
+              </a:fontRef>
+            </p:style>
+            <p:txBody>
+              <a:bodyPr wrap="square">
+                <a:spAutoFit/>
+              </a:bodyPr>
+              <a:lstStyle/>
+              <a:p>
+                <a:pPr algn="ctr"/>
+                <a:r>
+                  <a:rPr lang="en-GB" sz="1000" dirty="0">
+                    <a:latin typeface="Helvetica Neue Thin" panose="020B0403020202020204" pitchFamily="34" charset="0"/>
+                    <a:ea typeface="Helvetica Neue Thin" panose="020B0403020202020204" pitchFamily="34" charset="0"/>
+                    <a:cs typeface="CMU Serif Roman" panose="02000603000000000000" pitchFamily="2" charset="0"/>
+                  </a:rPr>
+                  <a:t>t2</a:t>
+                </a:r>
+                <a:endParaRPr lang="en-GB" sz="1400" dirty="0">
+                  <a:latin typeface="Helvetica Neue Thin" panose="020B0403020202020204" pitchFamily="34" charset="0"/>
+                  <a:ea typeface="Helvetica Neue Thin" panose="020B0403020202020204" pitchFamily="34" charset="0"/>
+                  <a:cs typeface="CMU Serif Roman" panose="02000603000000000000" pitchFamily="2" charset="0"/>
+                </a:endParaRPr>
+              </a:p>
+            </p:txBody>
+          </p:sp>
+          <p:sp>
+            <p:nvSpPr>
+              <p:cNvPr id="49" name="TextBox 48">
+                <a:extLst>
+                  <a:ext uri="{FF2B5EF4-FFF2-40B4-BE49-F238E27FC236}">
+                    <a16:creationId xmlns:a16="http://schemas.microsoft.com/office/drawing/2014/main" id="{A7A3D93E-84B1-AB7A-6809-07ECFB6BBA94}"/>
+                  </a:ext>
+                </a:extLst>
+              </p:cNvPr>
+              <p:cNvSpPr txBox="1"/>
+              <p:nvPr/>
+            </p:nvSpPr>
+            <p:spPr>
+              <a:xfrm rot="5400000">
+                <a:off x="1390215" y="-188203"/>
+                <a:ext cx="834602" cy="389174"/>
+              </a:xfrm>
+              <a:prstGeom prst="rect">
+                <a:avLst/>
+              </a:prstGeom>
+              <a:noFill/>
+              <a:ln>
+                <a:noFill/>
+              </a:ln>
+            </p:spPr>
+            <p:style>
+              <a:lnRef idx="2">
+                <a:schemeClr val="dk1"/>
+              </a:lnRef>
+              <a:fillRef idx="1">
+                <a:schemeClr val="lt1"/>
+              </a:fillRef>
+              <a:effectRef idx="0">
+                <a:schemeClr val="dk1"/>
+              </a:effectRef>
+              <a:fontRef idx="minor">
+                <a:schemeClr val="dk1"/>
+              </a:fontRef>
+            </p:style>
+            <p:txBody>
+              <a:bodyPr wrap="square">
+                <a:spAutoFit/>
+              </a:bodyPr>
+              <a:lstStyle/>
+              <a:p>
+                <a:pPr algn="ctr"/>
+                <a:r>
+                  <a:rPr lang="en-GB" sz="1000" dirty="0">
+                    <a:latin typeface="Helvetica Neue Thin" panose="020B0403020202020204" pitchFamily="34" charset="0"/>
+                    <a:ea typeface="Helvetica Neue Thin" panose="020B0403020202020204" pitchFamily="34" charset="0"/>
+                    <a:cs typeface="CMU Serif Roman" panose="02000603000000000000" pitchFamily="2" charset="0"/>
+                  </a:rPr>
+                  <a:t>t3</a:t>
+                </a:r>
+                <a:endParaRPr lang="en-GB" sz="1400" dirty="0">
+                  <a:latin typeface="Helvetica Neue Thin" panose="020B0403020202020204" pitchFamily="34" charset="0"/>
+                  <a:ea typeface="Helvetica Neue Thin" panose="020B0403020202020204" pitchFamily="34" charset="0"/>
+                  <a:cs typeface="CMU Serif Roman" panose="02000603000000000000" pitchFamily="2" charset="0"/>
+                </a:endParaRPr>
+              </a:p>
+            </p:txBody>
+          </p:sp>
+          <p:sp>
+            <p:nvSpPr>
+              <p:cNvPr id="50" name="TextBox 49">
+                <a:extLst>
+                  <a:ext uri="{FF2B5EF4-FFF2-40B4-BE49-F238E27FC236}">
+                    <a16:creationId xmlns:a16="http://schemas.microsoft.com/office/drawing/2014/main" id="{99B9EE90-67F8-A516-C1DA-D6387589B46E}"/>
+                  </a:ext>
+                </a:extLst>
+              </p:cNvPr>
+              <p:cNvSpPr txBox="1"/>
+              <p:nvPr/>
+            </p:nvSpPr>
+            <p:spPr>
+              <a:xfrm rot="5400000">
+                <a:off x="2438379" y="-2778038"/>
+                <a:ext cx="834602" cy="389174"/>
+              </a:xfrm>
+              <a:prstGeom prst="rect">
+                <a:avLst/>
+              </a:prstGeom>
+              <a:noFill/>
+              <a:ln>
+                <a:noFill/>
+              </a:ln>
+            </p:spPr>
+            <p:style>
+              <a:lnRef idx="2">
+                <a:schemeClr val="dk1"/>
+              </a:lnRef>
+              <a:fillRef idx="1">
+                <a:schemeClr val="lt1"/>
+              </a:fillRef>
+              <a:effectRef idx="0">
+                <a:schemeClr val="dk1"/>
+              </a:effectRef>
+              <a:fontRef idx="minor">
+                <a:schemeClr val="dk1"/>
+              </a:fontRef>
+            </p:style>
+            <p:txBody>
+              <a:bodyPr wrap="square">
+                <a:spAutoFit/>
+              </a:bodyPr>
+              <a:lstStyle/>
+              <a:p>
+                <a:pPr algn="ctr"/>
+                <a:r>
+                  <a:rPr lang="en-GB" sz="1000" dirty="0">
+                    <a:latin typeface="Helvetica Neue Thin" panose="020B0403020202020204" pitchFamily="34" charset="0"/>
+                    <a:ea typeface="Helvetica Neue Thin" panose="020B0403020202020204" pitchFamily="34" charset="0"/>
+                    <a:cs typeface="CMU Serif Roman" panose="02000603000000000000" pitchFamily="2" charset="0"/>
+                  </a:rPr>
+                  <a:t>t0</a:t>
+                </a:r>
+                <a:endParaRPr lang="en-GB" sz="1400" dirty="0">
+                  <a:latin typeface="Helvetica Neue Thin" panose="020B0403020202020204" pitchFamily="34" charset="0"/>
+                  <a:ea typeface="Helvetica Neue Thin" panose="020B0403020202020204" pitchFamily="34" charset="0"/>
+                  <a:cs typeface="CMU Serif Roman" panose="02000603000000000000" pitchFamily="2" charset="0"/>
+                </a:endParaRPr>
+              </a:p>
+            </p:txBody>
+          </p:sp>
+        </p:grpSp>
+        <p:cxnSp>
+          <p:nvCxnSpPr>
+            <p:cNvPr id="36" name="Straight Arrow Connector 35">
+              <a:extLst>
+                <a:ext uri="{FF2B5EF4-FFF2-40B4-BE49-F238E27FC236}">
+                  <a16:creationId xmlns:a16="http://schemas.microsoft.com/office/drawing/2014/main" id="{0F3687FC-5F4F-DFB4-6589-BAC05B59210E}"/>
+                </a:ext>
+              </a:extLst>
+            </p:cNvPr>
+            <p:cNvCxnSpPr>
+              <a:cxnSpLocks/>
+              <a:stCxn id="51" idx="5"/>
+              <a:endCxn id="43" idx="0"/>
+            </p:cNvCxnSpPr>
+            <p:nvPr/>
+          </p:nvCxnSpPr>
+          <p:spPr>
+            <a:xfrm flipV="1">
+              <a:off x="1181499" y="2733356"/>
+              <a:ext cx="1350702" cy="624518"/>
+            </a:xfrm>
+            <a:prstGeom prst="straightConnector1">
+              <a:avLst/>
+            </a:prstGeom>
+            <a:ln>
+              <a:solidFill>
+                <a:schemeClr val="tx1">
+                  <a:lumMod val="75000"/>
+                  <a:lumOff val="25000"/>
+                </a:schemeClr>
+              </a:solidFill>
+              <a:prstDash val="dash"/>
+              <a:tailEnd type="triangle"/>
+            </a:ln>
+          </p:spPr>
+          <p:style>
+            <a:lnRef idx="1">
+              <a:schemeClr val="accent1"/>
+            </a:lnRef>
+            <a:fillRef idx="0">
+              <a:schemeClr val="accent1"/>
+            </a:fillRef>
+            <a:effectRef idx="0">
+              <a:schemeClr val="accent1"/>
+            </a:effectRef>
+            <a:fontRef idx="minor">
+              <a:schemeClr val="tx1"/>
+            </a:fontRef>
+          </p:style>
+        </p:cxnSp>
+        <p:cxnSp>
+          <p:nvCxnSpPr>
+            <p:cNvPr id="37" name="Straight Arrow Connector 36">
+              <a:extLst>
+                <a:ext uri="{FF2B5EF4-FFF2-40B4-BE49-F238E27FC236}">
+                  <a16:creationId xmlns:a16="http://schemas.microsoft.com/office/drawing/2014/main" id="{2204BA2B-E581-C74D-A788-623E278FC632}"/>
+                </a:ext>
+              </a:extLst>
+            </p:cNvPr>
+            <p:cNvCxnSpPr>
+              <a:cxnSpLocks/>
+              <a:stCxn id="51" idx="4"/>
+              <a:endCxn id="34" idx="0"/>
+            </p:cNvCxnSpPr>
+            <p:nvPr/>
+          </p:nvCxnSpPr>
+          <p:spPr>
+            <a:xfrm flipV="1">
+              <a:off x="1303724" y="3629065"/>
+              <a:ext cx="1228478" cy="23886"/>
+            </a:xfrm>
+            <a:prstGeom prst="straightConnector1">
+              <a:avLst/>
+            </a:prstGeom>
+            <a:ln>
+              <a:solidFill>
+                <a:schemeClr val="tx1">
+                  <a:lumMod val="75000"/>
+                  <a:lumOff val="25000"/>
+                </a:schemeClr>
+              </a:solidFill>
+              <a:prstDash val="dash"/>
+              <a:tailEnd type="triangle"/>
+            </a:ln>
+          </p:spPr>
+          <p:style>
+            <a:lnRef idx="1">
+              <a:schemeClr val="accent1"/>
+            </a:lnRef>
+            <a:fillRef idx="0">
+              <a:schemeClr val="accent1"/>
+            </a:fillRef>
+            <a:effectRef idx="0">
+              <a:schemeClr val="accent1"/>
+            </a:effectRef>
+            <a:fontRef idx="minor">
+              <a:schemeClr val="tx1"/>
+            </a:fontRef>
+          </p:style>
+        </p:cxnSp>
+        <p:cxnSp>
+          <p:nvCxnSpPr>
+            <p:cNvPr id="38" name="Straight Arrow Connector 37">
+              <a:extLst>
+                <a:ext uri="{FF2B5EF4-FFF2-40B4-BE49-F238E27FC236}">
+                  <a16:creationId xmlns:a16="http://schemas.microsoft.com/office/drawing/2014/main" id="{BA01EE4C-35E5-4E3E-AACD-CCC599F1516F}"/>
+                </a:ext>
+              </a:extLst>
+            </p:cNvPr>
+            <p:cNvCxnSpPr>
+              <a:cxnSpLocks/>
+              <a:stCxn id="51" idx="3"/>
+              <a:endCxn id="33" idx="0"/>
+            </p:cNvCxnSpPr>
+            <p:nvPr/>
+          </p:nvCxnSpPr>
+          <p:spPr>
+            <a:xfrm>
+              <a:off x="1181500" y="3948028"/>
+              <a:ext cx="1350703" cy="628492"/>
+            </a:xfrm>
+            <a:prstGeom prst="straightConnector1">
+              <a:avLst/>
+            </a:prstGeom>
+            <a:ln>
+              <a:solidFill>
+                <a:schemeClr val="tx1">
+                  <a:lumMod val="75000"/>
+                  <a:lumOff val="25000"/>
+                </a:schemeClr>
+              </a:solidFill>
+              <a:prstDash val="dash"/>
+              <a:tailEnd type="triangle"/>
+            </a:ln>
+          </p:spPr>
+          <p:style>
+            <a:lnRef idx="1">
+              <a:schemeClr val="accent1"/>
+            </a:lnRef>
+            <a:fillRef idx="0">
+              <a:schemeClr val="accent1"/>
+            </a:fillRef>
+            <a:effectRef idx="0">
+              <a:schemeClr val="accent1"/>
+            </a:effectRef>
+            <a:fontRef idx="minor">
+              <a:schemeClr val="tx1"/>
+            </a:fontRef>
+          </p:style>
+        </p:cxnSp>
+        <p:cxnSp>
+          <p:nvCxnSpPr>
+            <p:cNvPr id="39" name="Straight Arrow Connector 38">
+              <a:extLst>
+                <a:ext uri="{FF2B5EF4-FFF2-40B4-BE49-F238E27FC236}">
+                  <a16:creationId xmlns:a16="http://schemas.microsoft.com/office/drawing/2014/main" id="{567B81F6-E0E0-BBD9-30D5-A607EBA49CB0}"/>
+                </a:ext>
+              </a:extLst>
+            </p:cNvPr>
+            <p:cNvCxnSpPr>
+              <a:cxnSpLocks/>
+              <a:stCxn id="43" idx="5"/>
+            </p:cNvCxnSpPr>
+            <p:nvPr/>
+          </p:nvCxnSpPr>
+          <p:spPr>
+            <a:xfrm flipV="1">
+              <a:off x="2982905" y="2397551"/>
+              <a:ext cx="184364" cy="149118"/>
+            </a:xfrm>
+            <a:prstGeom prst="straightConnector1">
+              <a:avLst/>
+            </a:prstGeom>
+            <a:ln>
+              <a:solidFill>
+                <a:schemeClr val="tx1">
+                  <a:lumMod val="75000"/>
+                  <a:lumOff val="25000"/>
+                </a:schemeClr>
+              </a:solidFill>
+              <a:prstDash val="dash"/>
+              <a:tailEnd type="triangle"/>
+            </a:ln>
+          </p:spPr>
+          <p:style>
+            <a:lnRef idx="1">
+              <a:schemeClr val="accent1"/>
+            </a:lnRef>
+            <a:fillRef idx="0">
+              <a:schemeClr val="accent1"/>
+            </a:fillRef>
+            <a:effectRef idx="0">
+              <a:schemeClr val="accent1"/>
+            </a:effectRef>
+            <a:fontRef idx="minor">
+              <a:schemeClr val="tx1"/>
+            </a:fontRef>
+          </p:style>
+        </p:cxnSp>
+        <p:cxnSp>
+          <p:nvCxnSpPr>
+            <p:cNvPr id="40" name="Straight Arrow Connector 39">
+              <a:extLst>
+                <a:ext uri="{FF2B5EF4-FFF2-40B4-BE49-F238E27FC236}">
+                  <a16:creationId xmlns:a16="http://schemas.microsoft.com/office/drawing/2014/main" id="{F74052BC-09CA-1562-1FB6-EF28F5A875AA}"/>
+                </a:ext>
+              </a:extLst>
+            </p:cNvPr>
+            <p:cNvCxnSpPr>
+              <a:cxnSpLocks/>
+              <a:stCxn id="43" idx="4"/>
+            </p:cNvCxnSpPr>
+            <p:nvPr/>
+          </p:nvCxnSpPr>
+          <p:spPr>
+            <a:xfrm>
+              <a:off x="3060233" y="2733357"/>
+              <a:ext cx="279315" cy="34971"/>
+            </a:xfrm>
+            <a:prstGeom prst="straightConnector1">
+              <a:avLst/>
+            </a:prstGeom>
+            <a:ln>
+              <a:solidFill>
+                <a:schemeClr val="tx1">
+                  <a:lumMod val="75000"/>
+                  <a:lumOff val="25000"/>
+                </a:schemeClr>
+              </a:solidFill>
+              <a:prstDash val="dash"/>
+              <a:tailEnd type="triangle"/>
+            </a:ln>
+          </p:spPr>
+          <p:style>
+            <a:lnRef idx="1">
+              <a:schemeClr val="accent1"/>
+            </a:lnRef>
+            <a:fillRef idx="0">
+              <a:schemeClr val="accent1"/>
+            </a:fillRef>
+            <a:effectRef idx="0">
+              <a:schemeClr val="accent1"/>
+            </a:effectRef>
+            <a:fontRef idx="minor">
+              <a:schemeClr val="tx1"/>
+            </a:fontRef>
+          </p:style>
+        </p:cxnSp>
+        <p:cxnSp>
+          <p:nvCxnSpPr>
+            <p:cNvPr id="41" name="Straight Arrow Connector 40">
+              <a:extLst>
+                <a:ext uri="{FF2B5EF4-FFF2-40B4-BE49-F238E27FC236}">
+                  <a16:creationId xmlns:a16="http://schemas.microsoft.com/office/drawing/2014/main" id="{E06D12AF-F0B8-E4C8-5C95-54E15EF25634}"/>
+                </a:ext>
+              </a:extLst>
+            </p:cNvPr>
+            <p:cNvCxnSpPr>
+              <a:cxnSpLocks/>
+              <a:stCxn id="43" idx="3"/>
+            </p:cNvCxnSpPr>
+            <p:nvPr/>
+          </p:nvCxnSpPr>
+          <p:spPr>
+            <a:xfrm>
+              <a:off x="2982905" y="2920045"/>
+              <a:ext cx="216985" cy="143248"/>
+            </a:xfrm>
+            <a:prstGeom prst="straightConnector1">
+              <a:avLst/>
+            </a:prstGeom>
+            <a:ln>
+              <a:solidFill>
+                <a:schemeClr val="tx1">
+                  <a:lumMod val="75000"/>
+                  <a:lumOff val="25000"/>
+                </a:schemeClr>
+              </a:solidFill>
+              <a:prstDash val="dash"/>
+              <a:tailEnd type="triangle"/>
+            </a:ln>
+          </p:spPr>
+          <p:style>
+            <a:lnRef idx="1">
+              <a:schemeClr val="accent1"/>
+            </a:lnRef>
+            <a:fillRef idx="0">
+              <a:schemeClr val="accent1"/>
+            </a:fillRef>
+            <a:effectRef idx="0">
+              <a:schemeClr val="accent1"/>
+            </a:effectRef>
+            <a:fontRef idx="minor">
+              <a:schemeClr val="tx1"/>
+            </a:fontRef>
+          </p:style>
+        </p:cxnSp>
+        <p:cxnSp>
+          <p:nvCxnSpPr>
+            <p:cNvPr id="42" name="Straight Arrow Connector 41">
+              <a:extLst>
+                <a:ext uri="{FF2B5EF4-FFF2-40B4-BE49-F238E27FC236}">
+                  <a16:creationId xmlns:a16="http://schemas.microsoft.com/office/drawing/2014/main" id="{3D9FB9EC-C5D7-0C9A-6F85-F373AED8E7B1}"/>
+                </a:ext>
+              </a:extLst>
+            </p:cNvPr>
+            <p:cNvCxnSpPr>
+              <a:cxnSpLocks/>
+              <a:endCxn id="51" idx="0"/>
+            </p:cNvCxnSpPr>
+            <p:nvPr/>
+          </p:nvCxnSpPr>
+          <p:spPr>
+            <a:xfrm>
+              <a:off x="147453" y="3652951"/>
+              <a:ext cx="321667" cy="0"/>
+            </a:xfrm>
+            <a:prstGeom prst="straightConnector1">
+              <a:avLst/>
+            </a:prstGeom>
+            <a:ln>
+              <a:solidFill>
+                <a:schemeClr val="tx1">
+                  <a:lumMod val="75000"/>
+                  <a:lumOff val="25000"/>
+                </a:schemeClr>
+              </a:solidFill>
+              <a:prstDash val="dash"/>
+              <a:tailEnd type="triangle"/>
+            </a:ln>
+          </p:spPr>
+          <p:style>
+            <a:lnRef idx="1">
+              <a:schemeClr val="accent1"/>
+            </a:lnRef>
+            <a:fillRef idx="0">
+              <a:schemeClr val="accent1"/>
+            </a:fillRef>
+            <a:effectRef idx="0">
+              <a:schemeClr val="accent1"/>
+            </a:effectRef>
+            <a:fontRef idx="minor">
+              <a:schemeClr val="tx1"/>
+            </a:fontRef>
+          </p:style>
+        </p:cxnSp>
+      </p:grpSp>
+    </p:spTree>
+    <p:extLst>
+      <p:ext uri="{BB962C8B-B14F-4D97-AF65-F5344CB8AC3E}">
+        <p14:creationId xmlns:p14="http://schemas.microsoft.com/office/powerpoint/2010/main" val="3712925463"/>
+      </p:ext>
+    </p:extLst>
+  </p:cSld>
+  <p:clrMapOvr>
+    <a:masterClrMapping/>
+  </p:clrMapOvr>
+</p:sld>
+</file>
+
+<file path=ppt/slides/slide41.xml><?xml version="1.0" encoding="utf-8"?>
+<p:sld xmlns:a="http://schemas.openxmlformats.org/drawingml/2006/main" xmlns:r="http://schemas.openxmlformats.org/officeDocument/2006/relationships" xmlns:p="http://schemas.openxmlformats.org/presentationml/2006/main">
+  <p:cSld>
+    <p:spTree>
+      <p:nvGrpSpPr>
+        <p:cNvPr id="1" name=""/>
+        <p:cNvGrpSpPr/>
+        <p:nvPr/>
+      </p:nvGrpSpPr>
+      <p:grpSpPr>
+        <a:xfrm>
+          <a:off x="0" y="0"/>
+          <a:ext cx="0" cy="0"/>
+          <a:chOff x="0" y="0"/>
+          <a:chExt cx="0" cy="0"/>
+        </a:xfrm>
+      </p:grpSpPr>
+      <p:sp>
+        <p:nvSpPr>
           <p:cNvPr id="5" name="TextBox 4">
             <a:extLst>
               <a:ext uri="{FF2B5EF4-FFF2-40B4-BE49-F238E27FC236}">
@@ -20794,7 +23128,7 @@
           <a:p>
             <a:fld id="{4A936E34-E911-F947-B710-F12161D09F63}" type="slidenum">
               <a:rPr lang="en-FR" smtClean="0"/>
-              <a:t>40</a:t>
+              <a:t>41</a:t>
             </a:fld>
             <a:endParaRPr lang="en-FR"/>
           </a:p>

--- a/mcmc_method.pptx
+++ b/mcmc_method.pptx
@@ -237,7 +237,7 @@
           <a:p>
             <a:fld id="{F665532D-9515-A447-9C89-932ABF0AFE21}" type="datetimeFigureOut">
               <a:rPr lang="en-FR" smtClean="0"/>
-              <a:t>29/03/2023</a:t>
+              <a:t>31/03/2023</a:t>
             </a:fld>
             <a:endParaRPr lang="en-FR"/>
           </a:p>
@@ -654,7 +654,7 @@
           <a:p>
             <a:fld id="{54BA42DA-DA95-8449-8980-09AEC66987CB}" type="datetime1">
               <a:rPr lang="fr-FR" smtClean="0"/>
-              <a:t>29/03/2023</a:t>
+              <a:t>31/03/2023</a:t>
             </a:fld>
             <a:endParaRPr lang="en-FR"/>
           </a:p>
@@ -854,7 +854,7 @@
           <a:p>
             <a:fld id="{7F6A5C21-1A89-DF4A-85E0-A03D4350F203}" type="datetime1">
               <a:rPr lang="fr-FR" smtClean="0"/>
-              <a:t>29/03/2023</a:t>
+              <a:t>31/03/2023</a:t>
             </a:fld>
             <a:endParaRPr lang="en-FR"/>
           </a:p>
@@ -1064,7 +1064,7 @@
           <a:p>
             <a:fld id="{05E93925-926B-1945-B9CA-9A732A875AAF}" type="datetime1">
               <a:rPr lang="fr-FR" smtClean="0"/>
-              <a:t>29/03/2023</a:t>
+              <a:t>31/03/2023</a:t>
             </a:fld>
             <a:endParaRPr lang="en-FR"/>
           </a:p>
@@ -1264,7 +1264,7 @@
           <a:p>
             <a:fld id="{E0247FCB-74AB-A24C-8A1B-D0FC7EA3D9F4}" type="datetime1">
               <a:rPr lang="fr-FR" smtClean="0"/>
-              <a:t>29/03/2023</a:t>
+              <a:t>31/03/2023</a:t>
             </a:fld>
             <a:endParaRPr lang="en-FR"/>
           </a:p>
@@ -1540,7 +1540,7 @@
           <a:p>
             <a:fld id="{787E801A-18C3-5149-B32A-A508AB557630}" type="datetime1">
               <a:rPr lang="fr-FR" smtClean="0"/>
-              <a:t>29/03/2023</a:t>
+              <a:t>31/03/2023</a:t>
             </a:fld>
             <a:endParaRPr lang="en-FR"/>
           </a:p>
@@ -1808,7 +1808,7 @@
           <a:p>
             <a:fld id="{8076E26A-A8C1-3A42-9438-6E19217B065D}" type="datetime1">
               <a:rPr lang="fr-FR" smtClean="0"/>
-              <a:t>29/03/2023</a:t>
+              <a:t>31/03/2023</a:t>
             </a:fld>
             <a:endParaRPr lang="en-FR"/>
           </a:p>
@@ -2223,7 +2223,7 @@
           <a:p>
             <a:fld id="{C9FEDFF1-3F10-3A46-ADC1-D537CC37F390}" type="datetime1">
               <a:rPr lang="fr-FR" smtClean="0"/>
-              <a:t>29/03/2023</a:t>
+              <a:t>31/03/2023</a:t>
             </a:fld>
             <a:endParaRPr lang="en-FR"/>
           </a:p>
@@ -2365,7 +2365,7 @@
           <a:p>
             <a:fld id="{A08AB4D7-44FD-2F47-8062-C2F06B42AC02}" type="datetime1">
               <a:rPr lang="fr-FR" smtClean="0"/>
-              <a:t>29/03/2023</a:t>
+              <a:t>31/03/2023</a:t>
             </a:fld>
             <a:endParaRPr lang="en-FR"/>
           </a:p>
@@ -2478,7 +2478,7 @@
           <a:p>
             <a:fld id="{12822FAA-36F4-0244-815D-515775E17909}" type="datetime1">
               <a:rPr lang="fr-FR" smtClean="0"/>
-              <a:t>29/03/2023</a:t>
+              <a:t>31/03/2023</a:t>
             </a:fld>
             <a:endParaRPr lang="en-FR"/>
           </a:p>
@@ -2791,7 +2791,7 @@
           <a:p>
             <a:fld id="{85DAED84-3442-4046-8F8E-AED3CA9DA38B}" type="datetime1">
               <a:rPr lang="fr-FR" smtClean="0"/>
-              <a:t>29/03/2023</a:t>
+              <a:t>31/03/2023</a:t>
             </a:fld>
             <a:endParaRPr lang="en-FR"/>
           </a:p>
@@ -3080,7 +3080,7 @@
           <a:p>
             <a:fld id="{3A186636-9FEC-8342-B6AE-6B0D584EC47A}" type="datetime1">
               <a:rPr lang="fr-FR" smtClean="0"/>
-              <a:t>29/03/2023</a:t>
+              <a:t>31/03/2023</a:t>
             </a:fld>
             <a:endParaRPr lang="en-FR"/>
           </a:p>
@@ -3323,7 +3323,7 @@
           <a:p>
             <a:fld id="{5F64E3B2-8E5B-BB40-B91D-3C3C9E0DD3C8}" type="datetime1">
               <a:rPr lang="fr-FR" smtClean="0"/>
-              <a:t>29/03/2023</a:t>
+              <a:t>31/03/2023</a:t>
             </a:fld>
             <a:endParaRPr lang="en-FR"/>
           </a:p>
@@ -21923,7 +21923,7 @@
         </p:blipFill>
         <p:spPr>
           <a:xfrm>
-            <a:off x="94445" y="2269478"/>
+            <a:off x="94445" y="2232172"/>
             <a:ext cx="7772400" cy="2897640"/>
           </a:xfrm>
           <a:prstGeom prst="rect">
@@ -23027,6 +23027,95 @@
           </p:style>
         </p:cxnSp>
       </p:grpSp>
+      <p:sp>
+        <p:nvSpPr>
+          <p:cNvPr id="4" name="TextBox 3">
+            <a:extLst>
+              <a:ext uri="{FF2B5EF4-FFF2-40B4-BE49-F238E27FC236}">
+                <a16:creationId xmlns:a16="http://schemas.microsoft.com/office/drawing/2014/main" id="{75403CE0-1BF7-3586-B993-1E8515708642}"/>
+              </a:ext>
+            </a:extLst>
+          </p:cNvPr>
+          <p:cNvSpPr txBox="1"/>
+          <p:nvPr/>
+        </p:nvSpPr>
+        <p:spPr>
+          <a:xfrm>
+            <a:off x="94445" y="5203630"/>
+            <a:ext cx="12003110" cy="738664"/>
+          </a:xfrm>
+          <a:prstGeom prst="rect">
+            <a:avLst/>
+          </a:prstGeom>
+          <a:noFill/>
+        </p:spPr>
+        <p:txBody>
+          <a:bodyPr wrap="square" rtlCol="0">
+            <a:spAutoFit/>
+          </a:bodyPr>
+          <a:lstStyle/>
+          <a:p>
+            <a:r>
+              <a:rPr lang="en-GB" sz="1400" dirty="0">
+                <a:latin typeface="Helvetica Neue Thin" panose="020B0403020202020204" pitchFamily="34" charset="0"/>
+                <a:ea typeface="Helvetica Neue Thin" panose="020B0403020202020204" pitchFamily="34" charset="0"/>
+              </a:rPr>
+              <a:t>Other:</a:t>
+            </a:r>
+          </a:p>
+          <a:p>
+            <a:pPr marL="285750" indent="-285750">
+              <a:buFontTx/>
+              <a:buChar char="-"/>
+            </a:pPr>
+            <a:r>
+              <a:rPr lang="en-GB" sz="1400" dirty="0">
+                <a:latin typeface="Helvetica Neue Thin" panose="020B0403020202020204" pitchFamily="34" charset="0"/>
+                <a:ea typeface="Helvetica Neue Thin" panose="020B0403020202020204" pitchFamily="34" charset="0"/>
+              </a:rPr>
+              <a:t>Take into account vars -&gt; their potential values. If there’s a value that’s not hit try to target that value (like the L9 in </a:t>
+            </a:r>
+            <a:r>
+              <a:rPr lang="en-GB" sz="1400" dirty="0" err="1">
+                <a:latin typeface="Helvetica Neue Thin" panose="020B0403020202020204" pitchFamily="34" charset="0"/>
+                <a:ea typeface="Helvetica Neue Thin" panose="020B0403020202020204" pitchFamily="34" charset="0"/>
+              </a:rPr>
+              <a:t>dekker_depth</a:t>
+            </a:r>
+            <a:r>
+              <a:rPr lang="en-GB" sz="1400" dirty="0">
+                <a:latin typeface="Helvetica Neue Thin" panose="020B0403020202020204" pitchFamily="34" charset="0"/>
+                <a:ea typeface="Helvetica Neue Thin" panose="020B0403020202020204" pitchFamily="34" charset="0"/>
+              </a:rPr>
+              <a:t> example) </a:t>
+            </a:r>
+          </a:p>
+          <a:p>
+            <a:pPr marL="285750" indent="-285750">
+              <a:buFontTx/>
+              <a:buChar char="-"/>
+            </a:pPr>
+            <a:r>
+              <a:rPr lang="en-GB" sz="1400" dirty="0">
+                <a:latin typeface="Helvetica Neue Thin" panose="020B0403020202020204" pitchFamily="34" charset="0"/>
+                <a:ea typeface="Helvetica Neue Thin" panose="020B0403020202020204" pitchFamily="34" charset="0"/>
+              </a:rPr>
+              <a:t>If a transition never appears, set that as the target for </a:t>
+            </a:r>
+            <a:r>
+              <a:rPr lang="en-GB" sz="1400">
+                <a:latin typeface="Helvetica Neue Thin" panose="020B0403020202020204" pitchFamily="34" charset="0"/>
+                <a:ea typeface="Helvetica Neue Thin" panose="020B0403020202020204" pitchFamily="34" charset="0"/>
+              </a:rPr>
+              <a:t>a run?</a:t>
+            </a:r>
+            <a:endParaRPr lang="en-GB" sz="1400" dirty="0">
+              <a:latin typeface="Helvetica Neue Thin" panose="020B0403020202020204" pitchFamily="34" charset="0"/>
+              <a:ea typeface="Helvetica Neue Thin" panose="020B0403020202020204" pitchFamily="34" charset="0"/>
+            </a:endParaRPr>
+          </a:p>
+        </p:txBody>
+      </p:sp>
     </p:spTree>
     <p:extLst>
       <p:ext uri="{BB962C8B-B14F-4D97-AF65-F5344CB8AC3E}">

--- a/mcmc_method.pptx
+++ b/mcmc_method.pptx
@@ -19641,7 +19641,7 @@
         <p:spPr>
           <a:xfrm>
             <a:off x="94445" y="3667158"/>
-            <a:ext cx="3801694" cy="1569660"/>
+            <a:ext cx="6318712" cy="1815882"/>
           </a:xfrm>
           <a:prstGeom prst="rect">
             <a:avLst/>
@@ -19718,6 +19718,22 @@
                 <a:latin typeface="Helvetica Neue Thin" panose="020B0403020202020204" pitchFamily="34" charset="0"/>
                 <a:ea typeface="Helvetica Neue Thin" panose="020B0403020202020204" pitchFamily="34" charset="0"/>
               </a:rPr>
+              <a:t>Exit_remaining</a:t>
+            </a:r>
+            <a:r>
+              <a:rPr lang="en-GB" sz="1600" dirty="0">
+                <a:latin typeface="Helvetica Neue Thin" panose="020B0403020202020204" pitchFamily="34" charset="0"/>
+                <a:ea typeface="Helvetica Neue Thin" panose="020B0403020202020204" pitchFamily="34" charset="0"/>
+              </a:rPr>
+              <a:t> : how many left to take</a:t>
+            </a:r>
+          </a:p>
+          <a:p>
+            <a:r>
+              <a:rPr lang="en-GB" sz="1600" dirty="0" err="1">
+                <a:latin typeface="Helvetica Neue Thin" panose="020B0403020202020204" pitchFamily="34" charset="0"/>
+                <a:ea typeface="Helvetica Neue Thin" panose="020B0403020202020204" pitchFamily="34" charset="0"/>
+              </a:rPr>
               <a:t>Taken_transitions</a:t>
             </a:r>
             <a:r>
@@ -19725,7 +19741,7 @@
                 <a:latin typeface="Helvetica Neue Thin" panose="020B0403020202020204" pitchFamily="34" charset="0"/>
                 <a:ea typeface="Helvetica Neue Thin" panose="020B0403020202020204" pitchFamily="34" charset="0"/>
               </a:rPr>
-              <a:t> : which exits were taken</a:t>
+              <a:t> : which exits were taken and how often</a:t>
             </a:r>
           </a:p>
         </p:txBody>
@@ -19744,7 +19760,7 @@
         </p:nvSpPr>
         <p:spPr>
           <a:xfrm>
-            <a:off x="4050218" y="3667157"/>
+            <a:off x="5261180" y="3667158"/>
             <a:ext cx="4245645" cy="1323439"/>
           </a:xfrm>
           <a:prstGeom prst="rect">
@@ -19839,8 +19855,8 @@
         </p:nvSpPr>
         <p:spPr>
           <a:xfrm>
-            <a:off x="94444" y="5398036"/>
-            <a:ext cx="6637660" cy="1077218"/>
+            <a:off x="94443" y="5644257"/>
+            <a:ext cx="8085729" cy="1077218"/>
           </a:xfrm>
           <a:prstGeom prst="rect">
             <a:avLst/>
@@ -19867,7 +19883,7 @@
                 <a:latin typeface="Helvetica Neue Thin" panose="020B0403020202020204" pitchFamily="34" charset="0"/>
                 <a:ea typeface="Helvetica Neue Thin" panose="020B0403020202020204" pitchFamily="34" charset="0"/>
               </a:rPr>
-              <a:t>TR_COUNT: transitions that appeared [and how many times]</a:t>
+              <a:t>TR_COUNT: transitions that appeared [and how many times] =&gt; % of each transition overall </a:t>
             </a:r>
           </a:p>
           <a:p>
@@ -19900,12 +19916,16 @@
               <a:t>tj</a:t>
             </a:r>
             <a:r>
-              <a:rPr lang="en-GB" sz="1600" dirty="0">
-                <a:latin typeface="Helvetica Neue Thin" panose="020B0403020202020204" pitchFamily="34" charset="0"/>
-                <a:ea typeface="Helvetica Neue Thin" panose="020B0403020202020204" pitchFamily="34" charset="0"/>
-              </a:rPr>
-              <a:t> appears =&gt; % of each transition overall </a:t>
-            </a:r>
+              <a:rPr lang="en-GB" sz="1600">
+                <a:latin typeface="Helvetica Neue Thin" panose="020B0403020202020204" pitchFamily="34" charset="0"/>
+                <a:ea typeface="Helvetica Neue Thin" panose="020B0403020202020204" pitchFamily="34" charset="0"/>
+              </a:rPr>
+              <a:t> appears</a:t>
+            </a:r>
+            <a:endParaRPr lang="en-GB" sz="1600" dirty="0">
+              <a:latin typeface="Helvetica Neue Thin" panose="020B0403020202020204" pitchFamily="34" charset="0"/>
+              <a:ea typeface="Helvetica Neue Thin" panose="020B0403020202020204" pitchFamily="34" charset="0"/>
+            </a:endParaRPr>
           </a:p>
           <a:p>
             <a:endParaRPr lang="en-GB" sz="1600" dirty="0">
@@ -23130,7 +23150,7 @@
 </file>
 
 <file path=ppt/slides/slide41.xml><?xml version="1.0" encoding="utf-8"?>
-<p:sld xmlns:a="http://schemas.openxmlformats.org/drawingml/2006/main" xmlns:r="http://schemas.openxmlformats.org/officeDocument/2006/relationships" xmlns:p="http://schemas.openxmlformats.org/presentationml/2006/main">
+<p:sld xmlns:a="http://schemas.openxmlformats.org/drawingml/2006/main" xmlns:r="http://schemas.openxmlformats.org/officeDocument/2006/relationships" xmlns:p="http://schemas.openxmlformats.org/presentationml/2006/main" show="0">
   <p:cSld>
     <p:spTree>
       <p:nvGrpSpPr>

--- a/mcmc_method.pptx
+++ b/mcmc_method.pptx
@@ -5,7 +5,7 @@
     <p:sldMasterId id="2147483648" r:id="rId1"/>
   </p:sldMasterIdLst>
   <p:notesMasterIdLst>
-    <p:notesMasterId r:id="rId43"/>
+    <p:notesMasterId r:id="rId44"/>
   </p:notesMasterIdLst>
   <p:sldIdLst>
     <p:sldId id="275" r:id="rId2"/>
@@ -48,7 +48,8 @@
     <p:sldId id="295" r:id="rId39"/>
     <p:sldId id="297" r:id="rId40"/>
     <p:sldId id="299" r:id="rId41"/>
-    <p:sldId id="298" r:id="rId42"/>
+    <p:sldId id="300" r:id="rId42"/>
+    <p:sldId id="298" r:id="rId43"/>
   </p:sldIdLst>
   <p:sldSz cx="12192000" cy="6858000"/>
   <p:notesSz cx="6858000" cy="9144000"/>
@@ -19916,16 +19917,12 @@
               <a:t>tj</a:t>
             </a:r>
             <a:r>
-              <a:rPr lang="en-GB" sz="1600">
+              <a:rPr lang="en-GB" sz="1600" dirty="0">
                 <a:latin typeface="Helvetica Neue Thin" panose="020B0403020202020204" pitchFamily="34" charset="0"/>
                 <a:ea typeface="Helvetica Neue Thin" panose="020B0403020202020204" pitchFamily="34" charset="0"/>
               </a:rPr>
               <a:t> appears</a:t>
             </a:r>
-            <a:endParaRPr lang="en-GB" sz="1600" dirty="0">
-              <a:latin typeface="Helvetica Neue Thin" panose="020B0403020202020204" pitchFamily="34" charset="0"/>
-              <a:ea typeface="Helvetica Neue Thin" panose="020B0403020202020204" pitchFamily="34" charset="0"/>
-            </a:endParaRPr>
           </a:p>
           <a:p>
             <a:endParaRPr lang="en-GB" sz="1600" dirty="0">
@@ -23150,6 +23147,172 @@
 </file>
 
 <file path=ppt/slides/slide41.xml><?xml version="1.0" encoding="utf-8"?>
+<p:sld xmlns:a="http://schemas.openxmlformats.org/drawingml/2006/main" xmlns:r="http://schemas.openxmlformats.org/officeDocument/2006/relationships" xmlns:p="http://schemas.openxmlformats.org/presentationml/2006/main">
+  <p:cSld>
+    <p:spTree>
+      <p:nvGrpSpPr>
+        <p:cNvPr id="1" name=""/>
+        <p:cNvGrpSpPr/>
+        <p:nvPr/>
+      </p:nvGrpSpPr>
+      <p:grpSpPr>
+        <a:xfrm>
+          <a:off x="0" y="0"/>
+          <a:ext cx="0" cy="0"/>
+          <a:chOff x="0" y="0"/>
+          <a:chExt cx="0" cy="0"/>
+        </a:xfrm>
+      </p:grpSpPr>
+      <p:sp>
+        <p:nvSpPr>
+          <p:cNvPr id="6" name="Slide Number Placeholder 5">
+            <a:extLst>
+              <a:ext uri="{FF2B5EF4-FFF2-40B4-BE49-F238E27FC236}">
+                <a16:creationId xmlns:a16="http://schemas.microsoft.com/office/drawing/2014/main" id="{959BDB26-40E4-9CF6-297E-539B90F4FB2E}"/>
+              </a:ext>
+            </a:extLst>
+          </p:cNvPr>
+          <p:cNvSpPr>
+            <a:spLocks noGrp="1"/>
+          </p:cNvSpPr>
+          <p:nvPr>
+            <p:ph type="sldNum" sz="quarter" idx="12"/>
+          </p:nvPr>
+        </p:nvSpPr>
+        <p:spPr/>
+        <p:txBody>
+          <a:bodyPr/>
+          <a:lstStyle/>
+          <a:p>
+            <a:fld id="{4A936E34-E911-F947-B710-F12161D09F63}" type="slidenum">
+              <a:rPr lang="en-FR" smtClean="0"/>
+              <a:t>41</a:t>
+            </a:fld>
+            <a:endParaRPr lang="en-FR"/>
+          </a:p>
+        </p:txBody>
+      </p:sp>
+      <p:sp>
+        <p:nvSpPr>
+          <p:cNvPr id="2" name="TextBox 1">
+            <a:extLst>
+              <a:ext uri="{FF2B5EF4-FFF2-40B4-BE49-F238E27FC236}">
+                <a16:creationId xmlns:a16="http://schemas.microsoft.com/office/drawing/2014/main" id="{494BD36C-8837-AF56-5E58-817A43AA4697}"/>
+              </a:ext>
+            </a:extLst>
+          </p:cNvPr>
+          <p:cNvSpPr txBox="1"/>
+          <p:nvPr/>
+        </p:nvSpPr>
+        <p:spPr>
+          <a:xfrm>
+            <a:off x="94445" y="195565"/>
+            <a:ext cx="12003110" cy="1600438"/>
+          </a:xfrm>
+          <a:prstGeom prst="rect">
+            <a:avLst/>
+          </a:prstGeom>
+          <a:noFill/>
+        </p:spPr>
+        <p:txBody>
+          <a:bodyPr wrap="square" rtlCol="0">
+            <a:spAutoFit/>
+          </a:bodyPr>
+          <a:lstStyle/>
+          <a:p>
+            <a:r>
+              <a:rPr lang="en-GB" dirty="0">
+                <a:latin typeface="Helvetica Neue Thin" panose="020B0403020202020204" pitchFamily="34" charset="0"/>
+                <a:ea typeface="Helvetica Neue Thin" panose="020B0403020202020204" pitchFamily="34" charset="0"/>
+              </a:rPr>
+              <a:t>FUZZ</a:t>
+            </a:r>
+          </a:p>
+          <a:p>
+            <a:endParaRPr lang="en-GB" sz="1600" dirty="0">
+              <a:latin typeface="Helvetica Neue Thin" panose="020B0403020202020204" pitchFamily="34" charset="0"/>
+              <a:ea typeface="Helvetica Neue Thin" panose="020B0403020202020204" pitchFamily="34" charset="0"/>
+            </a:endParaRPr>
+          </a:p>
+          <a:p>
+            <a:pPr marL="342900" indent="-342900">
+              <a:buAutoNum type="arabicParenR"/>
+            </a:pPr>
+            <a:r>
+              <a:rPr lang="en-GB" sz="1600" dirty="0">
+                <a:latin typeface="Helvetica Neue Thin" panose="020B0403020202020204" pitchFamily="34" charset="0"/>
+                <a:ea typeface="Helvetica Neue Thin" panose="020B0403020202020204" pitchFamily="34" charset="0"/>
+              </a:rPr>
+              <a:t>Generate X correct seeds (X = number of initial steps) -&gt; length is max 100, shorter if it deadlocks first [100 can be changed]</a:t>
+            </a:r>
+          </a:p>
+          <a:p>
+            <a:pPr marL="342900" indent="-342900">
+              <a:buAutoNum type="arabicParenR"/>
+            </a:pPr>
+            <a:r>
+              <a:rPr lang="en-GB" sz="1600" dirty="0">
+                <a:latin typeface="Helvetica Neue Thin" panose="020B0403020202020204" pitchFamily="34" charset="0"/>
+                <a:ea typeface="Helvetica Neue Thin" panose="020B0403020202020204" pitchFamily="34" charset="0"/>
+              </a:rPr>
+              <a:t>Generate 1 random seed, not </a:t>
+            </a:r>
+            <a:r>
+              <a:rPr lang="en-GB" sz="1600">
+                <a:latin typeface="Helvetica Neue Thin" panose="020B0403020202020204" pitchFamily="34" charset="0"/>
+                <a:ea typeface="Helvetica Neue Thin" panose="020B0403020202020204" pitchFamily="34" charset="0"/>
+              </a:rPr>
+              <a:t>necessarily correct</a:t>
+            </a:r>
+            <a:endParaRPr lang="en-GB" sz="1600" dirty="0">
+              <a:latin typeface="Helvetica Neue Thin" panose="020B0403020202020204" pitchFamily="34" charset="0"/>
+              <a:ea typeface="Helvetica Neue Thin" panose="020B0403020202020204" pitchFamily="34" charset="0"/>
+            </a:endParaRPr>
+          </a:p>
+          <a:p>
+            <a:pPr marL="342900" indent="-342900">
+              <a:buAutoNum type="arabicParenR"/>
+            </a:pPr>
+            <a:r>
+              <a:rPr lang="en-GB" sz="1600" dirty="0">
+                <a:latin typeface="Helvetica Neue Thin" panose="020B0403020202020204" pitchFamily="34" charset="0"/>
+                <a:ea typeface="Helvetica Neue Thin" panose="020B0403020202020204" pitchFamily="34" charset="0"/>
+              </a:rPr>
+              <a:t>Push all seeds to NEWCAND queue</a:t>
+            </a:r>
+          </a:p>
+          <a:p>
+            <a:pPr marL="342900" indent="-342900">
+              <a:buAutoNum type="arabicParenR"/>
+            </a:pPr>
+            <a:r>
+              <a:rPr lang="en-GB" sz="1600" dirty="0">
+                <a:latin typeface="Helvetica Neue Thin" panose="020B0403020202020204" pitchFamily="34" charset="0"/>
+                <a:ea typeface="Helvetica Neue Thin" panose="020B0403020202020204" pitchFamily="34" charset="0"/>
+              </a:rPr>
+              <a:t>Pop from NEW </a:t>
+            </a:r>
+            <a:endParaRPr lang="en-GB" sz="1400" dirty="0">
+              <a:latin typeface="Helvetica Neue Thin" panose="020B0403020202020204" pitchFamily="34" charset="0"/>
+              <a:ea typeface="Helvetica Neue Thin" panose="020B0403020202020204" pitchFamily="34" charset="0"/>
+            </a:endParaRPr>
+          </a:p>
+        </p:txBody>
+      </p:sp>
+    </p:spTree>
+    <p:extLst>
+      <p:ext uri="{BB962C8B-B14F-4D97-AF65-F5344CB8AC3E}">
+        <p14:creationId xmlns:p14="http://schemas.microsoft.com/office/powerpoint/2010/main" val="507250155"/>
+      </p:ext>
+    </p:extLst>
+  </p:cSld>
+  <p:clrMapOvr>
+    <a:masterClrMapping/>
+  </p:clrMapOvr>
+</p:sld>
+</file>
+
+<file path=ppt/slides/slide42.xml><?xml version="1.0" encoding="utf-8"?>
 <p:sld xmlns:a="http://schemas.openxmlformats.org/drawingml/2006/main" xmlns:r="http://schemas.openxmlformats.org/officeDocument/2006/relationships" xmlns:p="http://schemas.openxmlformats.org/presentationml/2006/main" show="0">
   <p:cSld>
     <p:spTree>
@@ -23237,7 +23400,7 @@
           <a:p>
             <a:fld id="{4A936E34-E911-F947-B710-F12161D09F63}" type="slidenum">
               <a:rPr lang="en-FR" smtClean="0"/>
-              <a:t>41</a:t>
+              <a:t>42</a:t>
             </a:fld>
             <a:endParaRPr lang="en-FR"/>
           </a:p>

--- a/mcmc_method.pptx
+++ b/mcmc_method.pptx
@@ -5,7 +5,7 @@
     <p:sldMasterId id="2147483648" r:id="rId1"/>
   </p:sldMasterIdLst>
   <p:notesMasterIdLst>
-    <p:notesMasterId r:id="rId44"/>
+    <p:notesMasterId r:id="rId45"/>
   </p:notesMasterIdLst>
   <p:sldIdLst>
     <p:sldId id="275" r:id="rId2"/>
@@ -49,7 +49,8 @@
     <p:sldId id="297" r:id="rId40"/>
     <p:sldId id="299" r:id="rId41"/>
     <p:sldId id="300" r:id="rId42"/>
-    <p:sldId id="298" r:id="rId43"/>
+    <p:sldId id="301" r:id="rId43"/>
+    <p:sldId id="298" r:id="rId44"/>
   </p:sldIdLst>
   <p:sldSz cx="12192000" cy="6858000"/>
   <p:notesSz cx="6858000" cy="9144000"/>
@@ -238,7 +239,7 @@
           <a:p>
             <a:fld id="{F665532D-9515-A447-9C89-932ABF0AFE21}" type="datetimeFigureOut">
               <a:rPr lang="en-FR" smtClean="0"/>
-              <a:t>31/03/2023</a:t>
+              <a:t>11/04/2023</a:t>
             </a:fld>
             <a:endParaRPr lang="en-FR"/>
           </a:p>
@@ -655,7 +656,7 @@
           <a:p>
             <a:fld id="{54BA42DA-DA95-8449-8980-09AEC66987CB}" type="datetime1">
               <a:rPr lang="fr-FR" smtClean="0"/>
-              <a:t>31/03/2023</a:t>
+              <a:t>11/04/2023</a:t>
             </a:fld>
             <a:endParaRPr lang="en-FR"/>
           </a:p>
@@ -855,7 +856,7 @@
           <a:p>
             <a:fld id="{7F6A5C21-1A89-DF4A-85E0-A03D4350F203}" type="datetime1">
               <a:rPr lang="fr-FR" smtClean="0"/>
-              <a:t>31/03/2023</a:t>
+              <a:t>11/04/2023</a:t>
             </a:fld>
             <a:endParaRPr lang="en-FR"/>
           </a:p>
@@ -1065,7 +1066,7 @@
           <a:p>
             <a:fld id="{05E93925-926B-1945-B9CA-9A732A875AAF}" type="datetime1">
               <a:rPr lang="fr-FR" smtClean="0"/>
-              <a:t>31/03/2023</a:t>
+              <a:t>11/04/2023</a:t>
             </a:fld>
             <a:endParaRPr lang="en-FR"/>
           </a:p>
@@ -1265,7 +1266,7 @@
           <a:p>
             <a:fld id="{E0247FCB-74AB-A24C-8A1B-D0FC7EA3D9F4}" type="datetime1">
               <a:rPr lang="fr-FR" smtClean="0"/>
-              <a:t>31/03/2023</a:t>
+              <a:t>11/04/2023</a:t>
             </a:fld>
             <a:endParaRPr lang="en-FR"/>
           </a:p>
@@ -1541,7 +1542,7 @@
           <a:p>
             <a:fld id="{787E801A-18C3-5149-B32A-A508AB557630}" type="datetime1">
               <a:rPr lang="fr-FR" smtClean="0"/>
-              <a:t>31/03/2023</a:t>
+              <a:t>11/04/2023</a:t>
             </a:fld>
             <a:endParaRPr lang="en-FR"/>
           </a:p>
@@ -1809,7 +1810,7 @@
           <a:p>
             <a:fld id="{8076E26A-A8C1-3A42-9438-6E19217B065D}" type="datetime1">
               <a:rPr lang="fr-FR" smtClean="0"/>
-              <a:t>31/03/2023</a:t>
+              <a:t>11/04/2023</a:t>
             </a:fld>
             <a:endParaRPr lang="en-FR"/>
           </a:p>
@@ -2224,7 +2225,7 @@
           <a:p>
             <a:fld id="{C9FEDFF1-3F10-3A46-ADC1-D537CC37F390}" type="datetime1">
               <a:rPr lang="fr-FR" smtClean="0"/>
-              <a:t>31/03/2023</a:t>
+              <a:t>11/04/2023</a:t>
             </a:fld>
             <a:endParaRPr lang="en-FR"/>
           </a:p>
@@ -2366,7 +2367,7 @@
           <a:p>
             <a:fld id="{A08AB4D7-44FD-2F47-8062-C2F06B42AC02}" type="datetime1">
               <a:rPr lang="fr-FR" smtClean="0"/>
-              <a:t>31/03/2023</a:t>
+              <a:t>11/04/2023</a:t>
             </a:fld>
             <a:endParaRPr lang="en-FR"/>
           </a:p>
@@ -2479,7 +2480,7 @@
           <a:p>
             <a:fld id="{12822FAA-36F4-0244-815D-515775E17909}" type="datetime1">
               <a:rPr lang="fr-FR" smtClean="0"/>
-              <a:t>31/03/2023</a:t>
+              <a:t>11/04/2023</a:t>
             </a:fld>
             <a:endParaRPr lang="en-FR"/>
           </a:p>
@@ -2792,7 +2793,7 @@
           <a:p>
             <a:fld id="{85DAED84-3442-4046-8F8E-AED3CA9DA38B}" type="datetime1">
               <a:rPr lang="fr-FR" smtClean="0"/>
-              <a:t>31/03/2023</a:t>
+              <a:t>11/04/2023</a:t>
             </a:fld>
             <a:endParaRPr lang="en-FR"/>
           </a:p>
@@ -3081,7 +3082,7 @@
           <a:p>
             <a:fld id="{3A186636-9FEC-8342-B6AE-6B0D584EC47A}" type="datetime1">
               <a:rPr lang="fr-FR" smtClean="0"/>
-              <a:t>31/03/2023</a:t>
+              <a:t>11/04/2023</a:t>
             </a:fld>
             <a:endParaRPr lang="en-FR"/>
           </a:p>
@@ -3324,7 +3325,7 @@
           <a:p>
             <a:fld id="{5F64E3B2-8E5B-BB40-B91D-3C3C9E0DD3C8}" type="datetime1">
               <a:rPr lang="fr-FR" smtClean="0"/>
-              <a:t>31/03/2023</a:t>
+              <a:t>11/04/2023</a:t>
             </a:fld>
             <a:endParaRPr lang="en-FR"/>
           </a:p>
@@ -23207,7 +23208,7 @@
         <p:spPr>
           <a:xfrm>
             <a:off x="94445" y="195565"/>
-            <a:ext cx="12003110" cy="1600438"/>
+            <a:ext cx="12003110" cy="2277547"/>
           </a:xfrm>
           <a:prstGeom prst="rect">
             <a:avLst/>
@@ -23221,7 +23222,7 @@
           <a:lstStyle/>
           <a:p>
             <a:r>
-              <a:rPr lang="en-GB" dirty="0">
+              <a:rPr lang="en-US" dirty="0">
                 <a:latin typeface="Helvetica Neue Thin" panose="020B0403020202020204" pitchFamily="34" charset="0"/>
                 <a:ea typeface="Helvetica Neue Thin" panose="020B0403020202020204" pitchFamily="34" charset="0"/>
               </a:rPr>
@@ -23229,7 +23230,7 @@
             </a:r>
           </a:p>
           <a:p>
-            <a:endParaRPr lang="en-GB" sz="1600" dirty="0">
+            <a:endParaRPr lang="en-US" sz="1600" dirty="0">
               <a:latin typeface="Helvetica Neue Thin" panose="020B0403020202020204" pitchFamily="34" charset="0"/>
               <a:ea typeface="Helvetica Neue Thin" panose="020B0403020202020204" pitchFamily="34" charset="0"/>
             </a:endParaRPr>
@@ -23239,7 +23240,7 @@
               <a:buAutoNum type="arabicParenR"/>
             </a:pPr>
             <a:r>
-              <a:rPr lang="en-GB" sz="1600" dirty="0">
+              <a:rPr lang="en-US" sz="1600" dirty="0">
                 <a:latin typeface="Helvetica Neue Thin" panose="020B0403020202020204" pitchFamily="34" charset="0"/>
                 <a:ea typeface="Helvetica Neue Thin" panose="020B0403020202020204" pitchFamily="34" charset="0"/>
               </a:rPr>
@@ -23251,34 +23252,23 @@
               <a:buAutoNum type="arabicParenR"/>
             </a:pPr>
             <a:r>
-              <a:rPr lang="en-GB" sz="1600" dirty="0">
-                <a:latin typeface="Helvetica Neue Thin" panose="020B0403020202020204" pitchFamily="34" charset="0"/>
-                <a:ea typeface="Helvetica Neue Thin" panose="020B0403020202020204" pitchFamily="34" charset="0"/>
-              </a:rPr>
-              <a:t>Generate 1 random seed, not </a:t>
-            </a:r>
-            <a:r>
-              <a:rPr lang="en-GB" sz="1600">
-                <a:latin typeface="Helvetica Neue Thin" panose="020B0403020202020204" pitchFamily="34" charset="0"/>
-                <a:ea typeface="Helvetica Neue Thin" panose="020B0403020202020204" pitchFamily="34" charset="0"/>
-              </a:rPr>
-              <a:t>necessarily correct</a:t>
-            </a:r>
-            <a:endParaRPr lang="en-GB" sz="1600" dirty="0">
-              <a:latin typeface="Helvetica Neue Thin" panose="020B0403020202020204" pitchFamily="34" charset="0"/>
-              <a:ea typeface="Helvetica Neue Thin" panose="020B0403020202020204" pitchFamily="34" charset="0"/>
-            </a:endParaRPr>
+              <a:rPr lang="en-US" sz="1600" dirty="0">
+                <a:latin typeface="Helvetica Neue Thin" panose="020B0403020202020204" pitchFamily="34" charset="0"/>
+                <a:ea typeface="Helvetica Neue Thin" panose="020B0403020202020204" pitchFamily="34" charset="0"/>
+              </a:rPr>
+              <a:t>Generate 1 random seed, not necessarily correct, push to NEWCANDS</a:t>
+            </a:r>
           </a:p>
           <a:p>
             <a:pPr marL="342900" indent="-342900">
               <a:buAutoNum type="arabicParenR"/>
             </a:pPr>
             <a:r>
-              <a:rPr lang="en-GB" sz="1600" dirty="0">
-                <a:latin typeface="Helvetica Neue Thin" panose="020B0403020202020204" pitchFamily="34" charset="0"/>
-                <a:ea typeface="Helvetica Neue Thin" panose="020B0403020202020204" pitchFamily="34" charset="0"/>
-              </a:rPr>
-              <a:t>Push all seeds to NEWCAND queue</a:t>
+              <a:rPr lang="en-US" sz="1600" dirty="0">
+                <a:latin typeface="Helvetica Neue Thin" panose="020B0403020202020204" pitchFamily="34" charset="0"/>
+                <a:ea typeface="Helvetica Neue Thin" panose="020B0403020202020204" pitchFamily="34" charset="0"/>
+              </a:rPr>
+              <a:t>Push all seeds to NEWCANDS queue</a:t>
             </a:r>
           </a:p>
           <a:p>
@@ -23286,16 +23276,48 @@
               <a:buAutoNum type="arabicParenR"/>
             </a:pPr>
             <a:r>
-              <a:rPr lang="en-GB" sz="1600" dirty="0">
-                <a:latin typeface="Helvetica Neue Thin" panose="020B0403020202020204" pitchFamily="34" charset="0"/>
-                <a:ea typeface="Helvetica Neue Thin" panose="020B0403020202020204" pitchFamily="34" charset="0"/>
-              </a:rPr>
-              <a:t>Pop from NEW </a:t>
-            </a:r>
-            <a:endParaRPr lang="en-GB" sz="1400" dirty="0">
-              <a:latin typeface="Helvetica Neue Thin" panose="020B0403020202020204" pitchFamily="34" charset="0"/>
-              <a:ea typeface="Helvetica Neue Thin" panose="020B0403020202020204" pitchFamily="34" charset="0"/>
-            </a:endParaRPr>
+              <a:rPr lang="en-US" sz="1600" dirty="0">
+                <a:latin typeface="Helvetica Neue Thin" panose="020B0403020202020204" pitchFamily="34" charset="0"/>
+                <a:ea typeface="Helvetica Neue Thin" panose="020B0403020202020204" pitchFamily="34" charset="0"/>
+              </a:rPr>
+              <a:t>Pop candidate from NEWCANDS</a:t>
+            </a:r>
+          </a:p>
+          <a:p>
+            <a:pPr marL="342900" indent="-342900">
+              <a:buAutoNum type="arabicParenR"/>
+            </a:pPr>
+            <a:r>
+              <a:rPr lang="en-US" sz="1600" dirty="0">
+                <a:latin typeface="Helvetica Neue Thin" panose="020B0403020202020204" pitchFamily="34" charset="0"/>
+                <a:ea typeface="Helvetica Neue Thin" panose="020B0403020202020204" pitchFamily="34" charset="0"/>
+              </a:rPr>
+              <a:t>Mutate candidate</a:t>
+            </a:r>
+          </a:p>
+          <a:p>
+            <a:pPr marL="800100" lvl="1" indent="-342900">
+              <a:buAutoNum type="arabicParenR"/>
+            </a:pPr>
+            <a:r>
+              <a:rPr lang="en-US" sz="1400" dirty="0">
+                <a:latin typeface="Helvetica Neue Thin" panose="020B0403020202020204" pitchFamily="34" charset="0"/>
+                <a:ea typeface="Helvetica Neue Thin" panose="020B0403020202020204" pitchFamily="34" charset="0"/>
+              </a:rPr>
+              <a:t>If mutation successful -&gt; add mutated cand to NEWCANDS, candidate to OLDCANDS </a:t>
+            </a:r>
+          </a:p>
+          <a:p>
+            <a:pPr marL="800100" lvl="1" indent="-342900">
+              <a:buAutoNum type="arabicParenR"/>
+            </a:pPr>
+            <a:r>
+              <a:rPr lang="en-US" sz="1400" dirty="0">
+                <a:latin typeface="Helvetica Neue Thin" panose="020B0403020202020204" pitchFamily="34" charset="0"/>
+                <a:ea typeface="Helvetica Neue Thin" panose="020B0403020202020204" pitchFamily="34" charset="0"/>
+              </a:rPr>
+              <a:t>If mutation unsuccessful, add candidate to OLDCANDS</a:t>
+            </a:r>
           </a:p>
         </p:txBody>
       </p:sp>
@@ -23313,6 +23335,1845 @@
 </file>
 
 <file path=ppt/slides/slide42.xml><?xml version="1.0" encoding="utf-8"?>
+<p:sld xmlns:a="http://schemas.openxmlformats.org/drawingml/2006/main" xmlns:r="http://schemas.openxmlformats.org/officeDocument/2006/relationships" xmlns:p="http://schemas.openxmlformats.org/presentationml/2006/main">
+  <p:cSld>
+    <p:spTree>
+      <p:nvGrpSpPr>
+        <p:cNvPr id="1" name=""/>
+        <p:cNvGrpSpPr/>
+        <p:nvPr/>
+      </p:nvGrpSpPr>
+      <p:grpSpPr>
+        <a:xfrm>
+          <a:off x="0" y="0"/>
+          <a:ext cx="0" cy="0"/>
+          <a:chOff x="0" y="0"/>
+          <a:chExt cx="0" cy="0"/>
+        </a:xfrm>
+      </p:grpSpPr>
+      <p:sp>
+        <p:nvSpPr>
+          <p:cNvPr id="57" name="Triangle 56">
+            <a:extLst>
+              <a:ext uri="{FF2B5EF4-FFF2-40B4-BE49-F238E27FC236}">
+                <a16:creationId xmlns:a16="http://schemas.microsoft.com/office/drawing/2014/main" id="{665652B2-35D7-546B-6CCD-A587BD8E79D0}"/>
+              </a:ext>
+            </a:extLst>
+          </p:cNvPr>
+          <p:cNvSpPr/>
+          <p:nvPr/>
+        </p:nvSpPr>
+        <p:spPr>
+          <a:xfrm>
+            <a:off x="929373" y="3207828"/>
+            <a:ext cx="696678" cy="309659"/>
+          </a:xfrm>
+          <a:prstGeom prst="triangle">
+            <a:avLst/>
+          </a:prstGeom>
+          <a:solidFill>
+            <a:srgbClr val="81B75D"/>
+          </a:solidFill>
+        </p:spPr>
+        <p:style>
+          <a:lnRef idx="2">
+            <a:schemeClr val="accent6"/>
+          </a:lnRef>
+          <a:fillRef idx="1">
+            <a:schemeClr val="lt1"/>
+          </a:fillRef>
+          <a:effectRef idx="0">
+            <a:schemeClr val="accent6"/>
+          </a:effectRef>
+          <a:fontRef idx="minor">
+            <a:schemeClr val="dk1"/>
+          </a:fontRef>
+        </p:style>
+        <p:txBody>
+          <a:bodyPr rtlCol="0" anchor="ctr"/>
+          <a:lstStyle/>
+          <a:p>
+            <a:pPr algn="ctr"/>
+            <a:endParaRPr lang="en-FR"/>
+          </a:p>
+        </p:txBody>
+      </p:sp>
+      <p:sp>
+        <p:nvSpPr>
+          <p:cNvPr id="4" name="Slide Number Placeholder 3">
+            <a:extLst>
+              <a:ext uri="{FF2B5EF4-FFF2-40B4-BE49-F238E27FC236}">
+                <a16:creationId xmlns:a16="http://schemas.microsoft.com/office/drawing/2014/main" id="{1460591A-01E2-1BE3-07F0-5F39FE127732}"/>
+              </a:ext>
+            </a:extLst>
+          </p:cNvPr>
+          <p:cNvSpPr>
+            <a:spLocks noGrp="1"/>
+          </p:cNvSpPr>
+          <p:nvPr>
+            <p:ph type="sldNum" sz="quarter" idx="12"/>
+          </p:nvPr>
+        </p:nvSpPr>
+        <p:spPr/>
+        <p:txBody>
+          <a:bodyPr/>
+          <a:lstStyle/>
+          <a:p>
+            <a:fld id="{4A936E34-E911-F947-B710-F12161D09F63}" type="slidenum">
+              <a:rPr lang="en-FR" smtClean="0"/>
+              <a:t>42</a:t>
+            </a:fld>
+            <a:endParaRPr lang="en-FR"/>
+          </a:p>
+        </p:txBody>
+      </p:sp>
+      <p:sp>
+        <p:nvSpPr>
+          <p:cNvPr id="9" name="Triangle 8">
+            <a:extLst>
+              <a:ext uri="{FF2B5EF4-FFF2-40B4-BE49-F238E27FC236}">
+                <a16:creationId xmlns:a16="http://schemas.microsoft.com/office/drawing/2014/main" id="{511C4241-B8A4-6F0D-8212-98FD1E26E913}"/>
+              </a:ext>
+            </a:extLst>
+          </p:cNvPr>
+          <p:cNvSpPr/>
+          <p:nvPr/>
+        </p:nvSpPr>
+        <p:spPr>
+          <a:xfrm>
+            <a:off x="1600199" y="1010088"/>
+            <a:ext cx="1240970" cy="658133"/>
+          </a:xfrm>
+          <a:prstGeom prst="triangle">
+            <a:avLst/>
+          </a:prstGeom>
+          <a:solidFill>
+            <a:srgbClr val="81B75D"/>
+          </a:solidFill>
+        </p:spPr>
+        <p:style>
+          <a:lnRef idx="2">
+            <a:schemeClr val="accent6"/>
+          </a:lnRef>
+          <a:fillRef idx="1">
+            <a:schemeClr val="lt1"/>
+          </a:fillRef>
+          <a:effectRef idx="0">
+            <a:schemeClr val="accent6"/>
+          </a:effectRef>
+          <a:fontRef idx="minor">
+            <a:schemeClr val="dk1"/>
+          </a:fontRef>
+        </p:style>
+        <p:txBody>
+          <a:bodyPr rtlCol="0" anchor="ctr"/>
+          <a:lstStyle/>
+          <a:p>
+            <a:pPr algn="ctr"/>
+            <a:endParaRPr lang="en-FR"/>
+          </a:p>
+        </p:txBody>
+      </p:sp>
+      <p:grpSp>
+        <p:nvGrpSpPr>
+          <p:cNvPr id="8" name="Group 7">
+            <a:extLst>
+              <a:ext uri="{FF2B5EF4-FFF2-40B4-BE49-F238E27FC236}">
+                <a16:creationId xmlns:a16="http://schemas.microsoft.com/office/drawing/2014/main" id="{FA57D057-FB5E-00BE-E6EE-9A2682722D49}"/>
+              </a:ext>
+            </a:extLst>
+          </p:cNvPr>
+          <p:cNvGrpSpPr/>
+          <p:nvPr/>
+        </p:nvGrpSpPr>
+        <p:grpSpPr>
+          <a:xfrm>
+            <a:off x="1779812" y="637267"/>
+            <a:ext cx="881745" cy="1009664"/>
+            <a:chOff x="1845127" y="136525"/>
+            <a:chExt cx="881745" cy="1009664"/>
+          </a:xfrm>
+        </p:grpSpPr>
+        <p:sp>
+          <p:nvSpPr>
+            <p:cNvPr id="6" name="Oval 5">
+              <a:extLst>
+                <a:ext uri="{FF2B5EF4-FFF2-40B4-BE49-F238E27FC236}">
+                  <a16:creationId xmlns:a16="http://schemas.microsoft.com/office/drawing/2014/main" id="{1B2A6F67-FD7E-EA89-86EB-45087F94C442}"/>
+                </a:ext>
+              </a:extLst>
+            </p:cNvPr>
+            <p:cNvSpPr/>
+            <p:nvPr/>
+          </p:nvSpPr>
+          <p:spPr>
+            <a:xfrm>
+              <a:off x="2068286" y="136525"/>
+              <a:ext cx="435428" cy="435428"/>
+            </a:xfrm>
+            <a:prstGeom prst="ellipse">
+              <a:avLst/>
+            </a:prstGeom>
+          </p:spPr>
+          <p:style>
+            <a:lnRef idx="2">
+              <a:schemeClr val="accent6"/>
+            </a:lnRef>
+            <a:fillRef idx="1">
+              <a:schemeClr val="lt1"/>
+            </a:fillRef>
+            <a:effectRef idx="0">
+              <a:schemeClr val="accent6"/>
+            </a:effectRef>
+            <a:fontRef idx="minor">
+              <a:schemeClr val="dk1"/>
+            </a:fontRef>
+          </p:style>
+          <p:txBody>
+            <a:bodyPr rtlCol="0" anchor="ctr"/>
+            <a:lstStyle/>
+            <a:p>
+              <a:pPr algn="ctr"/>
+              <a:endParaRPr lang="en-FR"/>
+            </a:p>
+          </p:txBody>
+        </p:sp>
+        <p:sp>
+          <p:nvSpPr>
+            <p:cNvPr id="7" name="TextBox 6">
+              <a:extLst>
+                <a:ext uri="{FF2B5EF4-FFF2-40B4-BE49-F238E27FC236}">
+                  <a16:creationId xmlns:a16="http://schemas.microsoft.com/office/drawing/2014/main" id="{CBC19035-69D2-5468-DB5E-8E1D31AAED7F}"/>
+                </a:ext>
+              </a:extLst>
+            </p:cNvPr>
+            <p:cNvSpPr txBox="1"/>
+            <p:nvPr/>
+          </p:nvSpPr>
+          <p:spPr>
+            <a:xfrm>
+              <a:off x="1845127" y="201569"/>
+              <a:ext cx="881745" cy="307777"/>
+            </a:xfrm>
+            <a:prstGeom prst="rect">
+              <a:avLst/>
+            </a:prstGeom>
+            <a:noFill/>
+          </p:spPr>
+          <p:txBody>
+            <a:bodyPr wrap="square" rtlCol="0">
+              <a:spAutoFit/>
+            </a:bodyPr>
+            <a:lstStyle/>
+            <a:p>
+              <a:pPr algn="ctr"/>
+              <a:r>
+                <a:rPr lang="en-US" sz="1400" dirty="0">
+                  <a:latin typeface="Helvetica Neue Thin" panose="020B0403020202020204" pitchFamily="34" charset="0"/>
+                  <a:ea typeface="Helvetica Neue Thin" panose="020B0403020202020204" pitchFamily="34" charset="0"/>
+                </a:rPr>
+                <a:t>Init</a:t>
+              </a:r>
+            </a:p>
+          </p:txBody>
+        </p:sp>
+        <p:sp>
+          <p:nvSpPr>
+            <p:cNvPr id="10" name="TextBox 9">
+              <a:extLst>
+                <a:ext uri="{FF2B5EF4-FFF2-40B4-BE49-F238E27FC236}">
+                  <a16:creationId xmlns:a16="http://schemas.microsoft.com/office/drawing/2014/main" id="{0C4FCEF6-E040-A397-A803-97BCCF1B2B8C}"/>
+                </a:ext>
+              </a:extLst>
+            </p:cNvPr>
+            <p:cNvSpPr txBox="1"/>
+            <p:nvPr/>
+          </p:nvSpPr>
+          <p:spPr>
+            <a:xfrm>
+              <a:off x="1845127" y="838412"/>
+              <a:ext cx="881745" cy="307777"/>
+            </a:xfrm>
+            <a:prstGeom prst="rect">
+              <a:avLst/>
+            </a:prstGeom>
+            <a:noFill/>
+          </p:spPr>
+          <p:txBody>
+            <a:bodyPr wrap="square" rtlCol="0">
+              <a:spAutoFit/>
+            </a:bodyPr>
+            <a:lstStyle/>
+            <a:p>
+              <a:pPr algn="ctr"/>
+              <a:r>
+                <a:rPr lang="en-US" sz="1400" dirty="0">
+                  <a:latin typeface="Helvetica Neue Thin" panose="020B0403020202020204" pitchFamily="34" charset="0"/>
+                  <a:ea typeface="Helvetica Neue Thin" panose="020B0403020202020204" pitchFamily="34" charset="0"/>
+                </a:rPr>
+                <a:t>BFS</a:t>
+              </a:r>
+            </a:p>
+          </p:txBody>
+        </p:sp>
+      </p:grpSp>
+      <p:sp>
+        <p:nvSpPr>
+          <p:cNvPr id="12" name="TextBox 11">
+            <a:extLst>
+              <a:ext uri="{FF2B5EF4-FFF2-40B4-BE49-F238E27FC236}">
+                <a16:creationId xmlns:a16="http://schemas.microsoft.com/office/drawing/2014/main" id="{8606DD65-C37C-E672-BFAD-5DD8F0A754F6}"/>
+              </a:ext>
+            </a:extLst>
+          </p:cNvPr>
+          <p:cNvSpPr txBox="1"/>
+          <p:nvPr/>
+        </p:nvSpPr>
+        <p:spPr>
+          <a:xfrm>
+            <a:off x="3271135" y="1007379"/>
+            <a:ext cx="8616045" cy="4616648"/>
+          </a:xfrm>
+          <a:prstGeom prst="rect">
+            <a:avLst/>
+          </a:prstGeom>
+          <a:noFill/>
+        </p:spPr>
+        <p:txBody>
+          <a:bodyPr wrap="square" rtlCol="0">
+            <a:spAutoFit/>
+          </a:bodyPr>
+          <a:lstStyle/>
+          <a:p>
+            <a:r>
+              <a:rPr lang="en-US" sz="1400" dirty="0">
+                <a:latin typeface="Helvetica Neue Thin" panose="020B0403020202020204" pitchFamily="34" charset="0"/>
+                <a:ea typeface="Helvetica Neue Thin" panose="020B0403020202020204" pitchFamily="34" charset="0"/>
+              </a:rPr>
+              <a:t>BFS stage bounded by</a:t>
+            </a:r>
+          </a:p>
+          <a:p>
+            <a:pPr marL="342900" indent="-342900">
+              <a:buAutoNum type="arabicParenBoth"/>
+            </a:pPr>
+            <a:r>
+              <a:rPr lang="en-US" sz="1400" dirty="0">
+                <a:latin typeface="Helvetica Neue Thin" panose="020B0403020202020204" pitchFamily="34" charset="0"/>
+                <a:ea typeface="Helvetica Neue Thin" panose="020B0403020202020204" pitchFamily="34" charset="0"/>
+              </a:rPr>
+              <a:t>Time</a:t>
+            </a:r>
+          </a:p>
+          <a:p>
+            <a:pPr marL="342900" indent="-342900">
+              <a:buAutoNum type="arabicParenBoth"/>
+            </a:pPr>
+            <a:r>
+              <a:rPr lang="en-US" sz="1400" dirty="0">
+                <a:latin typeface="Helvetica Neue Thin" panose="020B0403020202020204" pitchFamily="34" charset="0"/>
+                <a:ea typeface="Helvetica Neue Thin" panose="020B0403020202020204" pitchFamily="34" charset="0"/>
+              </a:rPr>
+              <a:t>Depth</a:t>
+            </a:r>
+          </a:p>
+          <a:p>
+            <a:r>
+              <a:rPr lang="en-US" sz="1400" dirty="0">
+                <a:latin typeface="Helvetica Neue Thin" panose="020B0403020202020204" pitchFamily="34" charset="0"/>
+                <a:ea typeface="Helvetica Neue Thin" panose="020B0403020202020204" pitchFamily="34" charset="0"/>
+              </a:rPr>
+              <a:t>Keeps a TODO queue of states to explore. If the TODO queue is empty before bounds are hit, then stop exploration and go back to Cubicle. </a:t>
+            </a:r>
+          </a:p>
+          <a:p>
+            <a:r>
+              <a:rPr lang="en-US" sz="1400" dirty="0">
+                <a:latin typeface="Helvetica Neue Thin" panose="020B0403020202020204" pitchFamily="34" charset="0"/>
+                <a:ea typeface="Helvetica Neue Thin" panose="020B0403020202020204" pitchFamily="34" charset="0"/>
+              </a:rPr>
+              <a:t>If TODO isn’t empty, then:</a:t>
+            </a:r>
+          </a:p>
+          <a:p>
+            <a:pPr marL="342900" indent="-342900">
+              <a:buAutoNum type="arabicParenBoth"/>
+            </a:pPr>
+            <a:r>
+              <a:rPr lang="en-US" sz="1400" dirty="0">
+                <a:latin typeface="Helvetica Neue Thin" panose="020B0403020202020204" pitchFamily="34" charset="0"/>
+                <a:ea typeface="Helvetica Neue Thin" panose="020B0403020202020204" pitchFamily="34" charset="0"/>
+              </a:rPr>
+              <a:t>Take remaining nodes [blue], add them to REMAINING set</a:t>
+            </a:r>
+          </a:p>
+          <a:p>
+            <a:pPr marL="342900" indent="-342900">
+              <a:buAutoNum type="arabicParenBoth"/>
+            </a:pPr>
+            <a:r>
+              <a:rPr lang="en-US" sz="1400" dirty="0">
+                <a:latin typeface="Helvetica Neue Thin" panose="020B0403020202020204" pitchFamily="34" charset="0"/>
+                <a:ea typeface="Helvetica Neue Thin" panose="020B0403020202020204" pitchFamily="34" charset="0"/>
+              </a:rPr>
+              <a:t>While not Empty(REMAINING) do </a:t>
+            </a:r>
+          </a:p>
+          <a:p>
+            <a:pPr marL="857250" lvl="1" indent="-400050">
+              <a:buFont typeface="+mj-lt"/>
+              <a:buAutoNum type="romanUcPeriod"/>
+            </a:pPr>
+            <a:r>
+              <a:rPr lang="en-US" sz="1400" dirty="0">
+                <a:latin typeface="Helvetica Neue Thin" panose="020B0403020202020204" pitchFamily="34" charset="0"/>
+                <a:ea typeface="Helvetica Neue Thin" panose="020B0403020202020204" pitchFamily="34" charset="0"/>
+              </a:rPr>
+              <a:t>Pick a random node </a:t>
+            </a:r>
+          </a:p>
+          <a:p>
+            <a:pPr marL="857250" lvl="1" indent="-400050">
+              <a:buFont typeface="+mj-lt"/>
+              <a:buAutoNum type="romanUcPeriod"/>
+            </a:pPr>
+            <a:r>
+              <a:rPr lang="en-US" sz="1400" dirty="0">
+                <a:latin typeface="Helvetica Neue Thin" panose="020B0403020202020204" pitchFamily="34" charset="0"/>
+                <a:ea typeface="Helvetica Neue Thin" panose="020B0403020202020204" pitchFamily="34" charset="0"/>
+              </a:rPr>
+              <a:t>Pick an exploration method</a:t>
+            </a:r>
+          </a:p>
+          <a:p>
+            <a:pPr marL="857250" lvl="1" indent="-400050">
+              <a:buFont typeface="+mj-lt"/>
+              <a:buAutoNum type="romanUcPeriod"/>
+            </a:pPr>
+            <a:r>
+              <a:rPr lang="en-US" sz="1400" dirty="0">
+                <a:latin typeface="Helvetica Neue Thin" panose="020B0403020202020204" pitchFamily="34" charset="0"/>
+                <a:ea typeface="Helvetica Neue Thin" panose="020B0403020202020204" pitchFamily="34" charset="0"/>
+              </a:rPr>
+              <a:t>Apply the method to the node, get new states</a:t>
+            </a:r>
+          </a:p>
+          <a:p>
+            <a:pPr marL="857250" lvl="1" indent="-400050">
+              <a:buFont typeface="+mj-lt"/>
+              <a:buAutoNum type="romanUcPeriod"/>
+            </a:pPr>
+            <a:r>
+              <a:rPr lang="en-US" sz="1400" dirty="0">
+                <a:latin typeface="Helvetica Neue Thin" panose="020B0403020202020204" pitchFamily="34" charset="0"/>
+                <a:ea typeface="Helvetica Neue Thin" panose="020B0403020202020204" pitchFamily="34" charset="0"/>
+              </a:rPr>
+              <a:t>Add new states to REMAINING </a:t>
+            </a:r>
+          </a:p>
+          <a:p>
+            <a:pPr marL="857250" lvl="1" indent="-400050">
+              <a:buFont typeface="+mj-lt"/>
+              <a:buAutoNum type="romanUcPeriod"/>
+            </a:pPr>
+            <a:endParaRPr lang="en-US" sz="1400" dirty="0">
+              <a:latin typeface="Helvetica Neue Thin" panose="020B0403020202020204" pitchFamily="34" charset="0"/>
+              <a:ea typeface="Helvetica Neue Thin" panose="020B0403020202020204" pitchFamily="34" charset="0"/>
+            </a:endParaRPr>
+          </a:p>
+          <a:p>
+            <a:pPr marL="857250" lvl="1" indent="-400050">
+              <a:buFont typeface="+mj-lt"/>
+              <a:buAutoNum type="romanUcPeriod"/>
+            </a:pPr>
+            <a:endParaRPr lang="en-US" sz="1400" dirty="0">
+              <a:latin typeface="Helvetica Neue Thin" panose="020B0403020202020204" pitchFamily="34" charset="0"/>
+              <a:ea typeface="Helvetica Neue Thin" panose="020B0403020202020204" pitchFamily="34" charset="0"/>
+            </a:endParaRPr>
+          </a:p>
+          <a:p>
+            <a:r>
+              <a:rPr lang="en-US" sz="1400" dirty="0">
+                <a:latin typeface="Helvetica Neue Thin" panose="020B0403020202020204" pitchFamily="34" charset="0"/>
+                <a:ea typeface="Helvetica Neue Thin" panose="020B0403020202020204" pitchFamily="34" charset="0"/>
+              </a:rPr>
+              <a:t>EXPLORATION METHODS:</a:t>
+            </a:r>
+          </a:p>
+          <a:p>
+            <a:pPr marL="342900" indent="-342900">
+              <a:buFont typeface="Wingdings" pitchFamily="2" charset="2"/>
+              <a:buAutoNum type="arabicParenBoth"/>
+            </a:pPr>
+            <a:r>
+              <a:rPr lang="en-US" sz="1400" dirty="0">
+                <a:latin typeface="Helvetica Neue Thin" panose="020B0403020202020204" pitchFamily="34" charset="0"/>
+                <a:ea typeface="Helvetica Neue Thin" panose="020B0403020202020204" pitchFamily="34" charset="0"/>
+              </a:rPr>
+              <a:t>Pure random: pick a depth, and then take that many steps forward [excluding deadlock]</a:t>
+            </a:r>
+          </a:p>
+          <a:p>
+            <a:pPr marL="342900" indent="-342900">
+              <a:buAutoNum type="arabicParenBoth"/>
+            </a:pPr>
+            <a:r>
+              <a:rPr lang="en-US" sz="1400" dirty="0">
+                <a:latin typeface="Helvetica Neue Thin" panose="020B0403020202020204" pitchFamily="34" charset="0"/>
+                <a:ea typeface="Helvetica Neue Thin" panose="020B0403020202020204" pitchFamily="34" charset="0"/>
+              </a:rPr>
+              <a:t>Entropy: pick a depth, take steps according to who maximizes randomness </a:t>
+            </a:r>
+          </a:p>
+          <a:p>
+            <a:pPr marL="342900" indent="-342900">
+              <a:buAutoNum type="arabicParenBoth"/>
+            </a:pPr>
+            <a:r>
+              <a:rPr lang="en-US" sz="1400" dirty="0">
+                <a:latin typeface="Helvetica Neue Thin" panose="020B0403020202020204" pitchFamily="34" charset="0"/>
+                <a:ea typeface="Helvetica Neue Thin" panose="020B0403020202020204" pitchFamily="34" charset="0"/>
+              </a:rPr>
+              <a:t>Smart: pick by grading potential steps:</a:t>
+            </a:r>
+          </a:p>
+          <a:p>
+            <a:pPr marL="800100" lvl="1" indent="-342900">
+              <a:buAutoNum type="arabicParenBoth"/>
+            </a:pPr>
+            <a:r>
+              <a:rPr lang="en-US" sz="1400" dirty="0">
+                <a:latin typeface="Helvetica Neue Thin" panose="020B0403020202020204" pitchFamily="34" charset="0"/>
+                <a:ea typeface="Helvetica Neue Thin" panose="020B0403020202020204" pitchFamily="34" charset="0"/>
+              </a:rPr>
+              <a:t>Never visited states, never seen transitions, never taken exits</a:t>
+            </a:r>
+          </a:p>
+          <a:p>
+            <a:pPr marL="342900" indent="-342900">
+              <a:buAutoNum type="arabicParenBoth"/>
+            </a:pPr>
+            <a:r>
+              <a:rPr lang="en-US" sz="1400" dirty="0">
+                <a:latin typeface="Helvetica Neue Thin" panose="020B0403020202020204" pitchFamily="34" charset="0"/>
+                <a:ea typeface="Helvetica Neue Thin" panose="020B0403020202020204" pitchFamily="34" charset="0"/>
+              </a:rPr>
+              <a:t>BFS from that node for a limited # of seconds</a:t>
+            </a:r>
+          </a:p>
+          <a:p>
+            <a:pPr marL="342900" indent="-342900">
+              <a:buAutoNum type="arabicParenBoth"/>
+            </a:pPr>
+            <a:r>
+              <a:rPr lang="en-US" sz="1400" dirty="0">
+                <a:latin typeface="Helvetica Neue Thin" panose="020B0403020202020204" pitchFamily="34" charset="0"/>
+                <a:ea typeface="Helvetica Neue Thin" panose="020B0403020202020204" pitchFamily="34" charset="0"/>
+              </a:rPr>
+              <a:t>One step using a transition that’s never been taken from current node</a:t>
+            </a:r>
+          </a:p>
+        </p:txBody>
+      </p:sp>
+      <p:sp>
+        <p:nvSpPr>
+          <p:cNvPr id="14" name="Oval 13">
+            <a:extLst>
+              <a:ext uri="{FF2B5EF4-FFF2-40B4-BE49-F238E27FC236}">
+                <a16:creationId xmlns:a16="http://schemas.microsoft.com/office/drawing/2014/main" id="{0F086C6F-E4BC-054A-E7C6-D9A018E1A6EB}"/>
+              </a:ext>
+            </a:extLst>
+          </p:cNvPr>
+          <p:cNvSpPr/>
+          <p:nvPr/>
+        </p:nvSpPr>
+        <p:spPr>
+          <a:xfrm>
+            <a:off x="1564820" y="1609822"/>
+            <a:ext cx="152398" cy="152398"/>
+          </a:xfrm>
+          <a:prstGeom prst="ellipse">
+            <a:avLst/>
+          </a:prstGeom>
+        </p:spPr>
+        <p:style>
+          <a:lnRef idx="2">
+            <a:schemeClr val="accent1">
+              <a:shade val="50000"/>
+            </a:schemeClr>
+          </a:lnRef>
+          <a:fillRef idx="1">
+            <a:schemeClr val="accent1"/>
+          </a:fillRef>
+          <a:effectRef idx="0">
+            <a:schemeClr val="accent1"/>
+          </a:effectRef>
+          <a:fontRef idx="minor">
+            <a:schemeClr val="lt1"/>
+          </a:fontRef>
+        </p:style>
+        <p:txBody>
+          <a:bodyPr rtlCol="0" anchor="ctr"/>
+          <a:lstStyle/>
+          <a:p>
+            <a:pPr algn="ctr"/>
+            <a:endParaRPr lang="en-FR"/>
+          </a:p>
+        </p:txBody>
+      </p:sp>
+      <p:sp>
+        <p:nvSpPr>
+          <p:cNvPr id="15" name="Oval 14">
+            <a:extLst>
+              <a:ext uri="{FF2B5EF4-FFF2-40B4-BE49-F238E27FC236}">
+                <a16:creationId xmlns:a16="http://schemas.microsoft.com/office/drawing/2014/main" id="{1D37B3F6-94CB-0D28-1E44-D779CF42B63F}"/>
+              </a:ext>
+            </a:extLst>
+          </p:cNvPr>
+          <p:cNvSpPr/>
+          <p:nvPr/>
+        </p:nvSpPr>
+        <p:spPr>
+          <a:xfrm>
+            <a:off x="1730825" y="1609822"/>
+            <a:ext cx="152398" cy="152398"/>
+          </a:xfrm>
+          <a:prstGeom prst="ellipse">
+            <a:avLst/>
+          </a:prstGeom>
+        </p:spPr>
+        <p:style>
+          <a:lnRef idx="2">
+            <a:schemeClr val="accent1">
+              <a:shade val="50000"/>
+            </a:schemeClr>
+          </a:lnRef>
+          <a:fillRef idx="1">
+            <a:schemeClr val="accent1"/>
+          </a:fillRef>
+          <a:effectRef idx="0">
+            <a:schemeClr val="accent1"/>
+          </a:effectRef>
+          <a:fontRef idx="minor">
+            <a:schemeClr val="lt1"/>
+          </a:fontRef>
+        </p:style>
+        <p:txBody>
+          <a:bodyPr rtlCol="0" anchor="ctr"/>
+          <a:lstStyle/>
+          <a:p>
+            <a:pPr algn="ctr"/>
+            <a:endParaRPr lang="en-FR"/>
+          </a:p>
+        </p:txBody>
+      </p:sp>
+      <p:sp>
+        <p:nvSpPr>
+          <p:cNvPr id="16" name="Oval 15">
+            <a:extLst>
+              <a:ext uri="{FF2B5EF4-FFF2-40B4-BE49-F238E27FC236}">
+                <a16:creationId xmlns:a16="http://schemas.microsoft.com/office/drawing/2014/main" id="{3CACFE30-E4D1-9821-26F4-D042E1111642}"/>
+              </a:ext>
+            </a:extLst>
+          </p:cNvPr>
+          <p:cNvSpPr/>
+          <p:nvPr/>
+        </p:nvSpPr>
+        <p:spPr>
+          <a:xfrm>
+            <a:off x="1896830" y="1609822"/>
+            <a:ext cx="152398" cy="152398"/>
+          </a:xfrm>
+          <a:prstGeom prst="ellipse">
+            <a:avLst/>
+          </a:prstGeom>
+        </p:spPr>
+        <p:style>
+          <a:lnRef idx="2">
+            <a:schemeClr val="accent1">
+              <a:shade val="50000"/>
+            </a:schemeClr>
+          </a:lnRef>
+          <a:fillRef idx="1">
+            <a:schemeClr val="accent1"/>
+          </a:fillRef>
+          <a:effectRef idx="0">
+            <a:schemeClr val="accent1"/>
+          </a:effectRef>
+          <a:fontRef idx="minor">
+            <a:schemeClr val="lt1"/>
+          </a:fontRef>
+        </p:style>
+        <p:txBody>
+          <a:bodyPr rtlCol="0" anchor="ctr"/>
+          <a:lstStyle/>
+          <a:p>
+            <a:pPr algn="ctr"/>
+            <a:endParaRPr lang="en-FR"/>
+          </a:p>
+        </p:txBody>
+      </p:sp>
+      <p:sp>
+        <p:nvSpPr>
+          <p:cNvPr id="17" name="Oval 16">
+            <a:extLst>
+              <a:ext uri="{FF2B5EF4-FFF2-40B4-BE49-F238E27FC236}">
+                <a16:creationId xmlns:a16="http://schemas.microsoft.com/office/drawing/2014/main" id="{C805076F-1D70-D242-87B6-48B5BF255C6D}"/>
+              </a:ext>
+            </a:extLst>
+          </p:cNvPr>
+          <p:cNvSpPr/>
+          <p:nvPr/>
+        </p:nvSpPr>
+        <p:spPr>
+          <a:xfrm>
+            <a:off x="2062835" y="1609822"/>
+            <a:ext cx="152398" cy="152398"/>
+          </a:xfrm>
+          <a:prstGeom prst="ellipse">
+            <a:avLst/>
+          </a:prstGeom>
+        </p:spPr>
+        <p:style>
+          <a:lnRef idx="2">
+            <a:schemeClr val="accent1">
+              <a:shade val="50000"/>
+            </a:schemeClr>
+          </a:lnRef>
+          <a:fillRef idx="1">
+            <a:schemeClr val="accent1"/>
+          </a:fillRef>
+          <a:effectRef idx="0">
+            <a:schemeClr val="accent1"/>
+          </a:effectRef>
+          <a:fontRef idx="minor">
+            <a:schemeClr val="lt1"/>
+          </a:fontRef>
+        </p:style>
+        <p:txBody>
+          <a:bodyPr rtlCol="0" anchor="ctr"/>
+          <a:lstStyle/>
+          <a:p>
+            <a:pPr algn="ctr"/>
+            <a:endParaRPr lang="en-FR"/>
+          </a:p>
+        </p:txBody>
+      </p:sp>
+      <p:sp>
+        <p:nvSpPr>
+          <p:cNvPr id="18" name="Oval 17">
+            <a:extLst>
+              <a:ext uri="{FF2B5EF4-FFF2-40B4-BE49-F238E27FC236}">
+                <a16:creationId xmlns:a16="http://schemas.microsoft.com/office/drawing/2014/main" id="{9C64F3DD-29D3-917D-22D3-89FC47A9F2C2}"/>
+              </a:ext>
+            </a:extLst>
+          </p:cNvPr>
+          <p:cNvSpPr/>
+          <p:nvPr/>
+        </p:nvSpPr>
+        <p:spPr>
+          <a:xfrm>
+            <a:off x="2228840" y="1609822"/>
+            <a:ext cx="152398" cy="152398"/>
+          </a:xfrm>
+          <a:prstGeom prst="ellipse">
+            <a:avLst/>
+          </a:prstGeom>
+        </p:spPr>
+        <p:style>
+          <a:lnRef idx="2">
+            <a:schemeClr val="accent1">
+              <a:shade val="50000"/>
+            </a:schemeClr>
+          </a:lnRef>
+          <a:fillRef idx="1">
+            <a:schemeClr val="accent1"/>
+          </a:fillRef>
+          <a:effectRef idx="0">
+            <a:schemeClr val="accent1"/>
+          </a:effectRef>
+          <a:fontRef idx="minor">
+            <a:schemeClr val="lt1"/>
+          </a:fontRef>
+        </p:style>
+        <p:txBody>
+          <a:bodyPr rtlCol="0" anchor="ctr"/>
+          <a:lstStyle/>
+          <a:p>
+            <a:pPr algn="ctr"/>
+            <a:endParaRPr lang="en-FR"/>
+          </a:p>
+        </p:txBody>
+      </p:sp>
+      <p:sp>
+        <p:nvSpPr>
+          <p:cNvPr id="19" name="Oval 18">
+            <a:extLst>
+              <a:ext uri="{FF2B5EF4-FFF2-40B4-BE49-F238E27FC236}">
+                <a16:creationId xmlns:a16="http://schemas.microsoft.com/office/drawing/2014/main" id="{1C99D6A1-0F84-D1A0-81C7-0098A205F17A}"/>
+              </a:ext>
+            </a:extLst>
+          </p:cNvPr>
+          <p:cNvSpPr/>
+          <p:nvPr/>
+        </p:nvSpPr>
+        <p:spPr>
+          <a:xfrm>
+            <a:off x="2394845" y="1609822"/>
+            <a:ext cx="152398" cy="152398"/>
+          </a:xfrm>
+          <a:prstGeom prst="ellipse">
+            <a:avLst/>
+          </a:prstGeom>
+        </p:spPr>
+        <p:style>
+          <a:lnRef idx="2">
+            <a:schemeClr val="accent1">
+              <a:shade val="50000"/>
+            </a:schemeClr>
+          </a:lnRef>
+          <a:fillRef idx="1">
+            <a:schemeClr val="accent1"/>
+          </a:fillRef>
+          <a:effectRef idx="0">
+            <a:schemeClr val="accent1"/>
+          </a:effectRef>
+          <a:fontRef idx="minor">
+            <a:schemeClr val="lt1"/>
+          </a:fontRef>
+        </p:style>
+        <p:txBody>
+          <a:bodyPr rtlCol="0" anchor="ctr"/>
+          <a:lstStyle/>
+          <a:p>
+            <a:pPr algn="ctr"/>
+            <a:endParaRPr lang="en-FR"/>
+          </a:p>
+        </p:txBody>
+      </p:sp>
+      <p:sp>
+        <p:nvSpPr>
+          <p:cNvPr id="20" name="Oval 19">
+            <a:extLst>
+              <a:ext uri="{FF2B5EF4-FFF2-40B4-BE49-F238E27FC236}">
+                <a16:creationId xmlns:a16="http://schemas.microsoft.com/office/drawing/2014/main" id="{518E5ABA-E706-4BBD-41A1-2CA5DFBABA12}"/>
+              </a:ext>
+            </a:extLst>
+          </p:cNvPr>
+          <p:cNvSpPr/>
+          <p:nvPr/>
+        </p:nvSpPr>
+        <p:spPr>
+          <a:xfrm>
+            <a:off x="2560850" y="1609822"/>
+            <a:ext cx="152398" cy="152398"/>
+          </a:xfrm>
+          <a:prstGeom prst="ellipse">
+            <a:avLst/>
+          </a:prstGeom>
+        </p:spPr>
+        <p:style>
+          <a:lnRef idx="2">
+            <a:schemeClr val="accent1">
+              <a:shade val="50000"/>
+            </a:schemeClr>
+          </a:lnRef>
+          <a:fillRef idx="1">
+            <a:schemeClr val="accent1"/>
+          </a:fillRef>
+          <a:effectRef idx="0">
+            <a:schemeClr val="accent1"/>
+          </a:effectRef>
+          <a:fontRef idx="minor">
+            <a:schemeClr val="lt1"/>
+          </a:fontRef>
+        </p:style>
+        <p:txBody>
+          <a:bodyPr rtlCol="0" anchor="ctr"/>
+          <a:lstStyle/>
+          <a:p>
+            <a:pPr algn="ctr"/>
+            <a:endParaRPr lang="en-FR"/>
+          </a:p>
+        </p:txBody>
+      </p:sp>
+      <p:sp>
+        <p:nvSpPr>
+          <p:cNvPr id="21" name="Oval 20">
+            <a:extLst>
+              <a:ext uri="{FF2B5EF4-FFF2-40B4-BE49-F238E27FC236}">
+                <a16:creationId xmlns:a16="http://schemas.microsoft.com/office/drawing/2014/main" id="{890072AD-AD10-E5CE-CE29-025694F04BC7}"/>
+              </a:ext>
+            </a:extLst>
+          </p:cNvPr>
+          <p:cNvSpPr/>
+          <p:nvPr/>
+        </p:nvSpPr>
+        <p:spPr>
+          <a:xfrm>
+            <a:off x="2726855" y="1609822"/>
+            <a:ext cx="152398" cy="152398"/>
+          </a:xfrm>
+          <a:prstGeom prst="ellipse">
+            <a:avLst/>
+          </a:prstGeom>
+        </p:spPr>
+        <p:style>
+          <a:lnRef idx="2">
+            <a:schemeClr val="accent1">
+              <a:shade val="50000"/>
+            </a:schemeClr>
+          </a:lnRef>
+          <a:fillRef idx="1">
+            <a:schemeClr val="accent1"/>
+          </a:fillRef>
+          <a:effectRef idx="0">
+            <a:schemeClr val="accent1"/>
+          </a:effectRef>
+          <a:fontRef idx="minor">
+            <a:schemeClr val="lt1"/>
+          </a:fontRef>
+        </p:style>
+        <p:txBody>
+          <a:bodyPr rtlCol="0" anchor="ctr"/>
+          <a:lstStyle/>
+          <a:p>
+            <a:pPr algn="ctr"/>
+            <a:endParaRPr lang="en-FR"/>
+          </a:p>
+        </p:txBody>
+      </p:sp>
+      <p:sp>
+        <p:nvSpPr>
+          <p:cNvPr id="22" name="Oval 21">
+            <a:extLst>
+              <a:ext uri="{FF2B5EF4-FFF2-40B4-BE49-F238E27FC236}">
+                <a16:creationId xmlns:a16="http://schemas.microsoft.com/office/drawing/2014/main" id="{AFDB5869-E238-37C6-E96C-BA76E5CE11F2}"/>
+              </a:ext>
+            </a:extLst>
+          </p:cNvPr>
+          <p:cNvSpPr/>
+          <p:nvPr/>
+        </p:nvSpPr>
+        <p:spPr>
+          <a:xfrm>
+            <a:off x="1447796" y="1939018"/>
+            <a:ext cx="152398" cy="152398"/>
+          </a:xfrm>
+          <a:prstGeom prst="ellipse">
+            <a:avLst/>
+          </a:prstGeom>
+        </p:spPr>
+        <p:style>
+          <a:lnRef idx="2">
+            <a:schemeClr val="accent1">
+              <a:shade val="50000"/>
+            </a:schemeClr>
+          </a:lnRef>
+          <a:fillRef idx="1">
+            <a:schemeClr val="accent1"/>
+          </a:fillRef>
+          <a:effectRef idx="0">
+            <a:schemeClr val="accent1"/>
+          </a:effectRef>
+          <a:fontRef idx="minor">
+            <a:schemeClr val="lt1"/>
+          </a:fontRef>
+        </p:style>
+        <p:txBody>
+          <a:bodyPr rtlCol="0" anchor="ctr"/>
+          <a:lstStyle/>
+          <a:p>
+            <a:pPr algn="ctr"/>
+            <a:endParaRPr lang="en-FR"/>
+          </a:p>
+        </p:txBody>
+      </p:sp>
+      <p:sp>
+        <p:nvSpPr>
+          <p:cNvPr id="24" name="Oval 23">
+            <a:extLst>
+              <a:ext uri="{FF2B5EF4-FFF2-40B4-BE49-F238E27FC236}">
+                <a16:creationId xmlns:a16="http://schemas.microsoft.com/office/drawing/2014/main" id="{C29FC7BF-55B2-0012-B896-21AFF26EBE94}"/>
+              </a:ext>
+            </a:extLst>
+          </p:cNvPr>
+          <p:cNvSpPr/>
+          <p:nvPr/>
+        </p:nvSpPr>
+        <p:spPr>
+          <a:xfrm>
+            <a:off x="1543042" y="2285755"/>
+            <a:ext cx="152398" cy="152398"/>
+          </a:xfrm>
+          <a:prstGeom prst="ellipse">
+            <a:avLst/>
+          </a:prstGeom>
+        </p:spPr>
+        <p:style>
+          <a:lnRef idx="2">
+            <a:schemeClr val="accent1">
+              <a:shade val="50000"/>
+            </a:schemeClr>
+          </a:lnRef>
+          <a:fillRef idx="1">
+            <a:schemeClr val="accent1"/>
+          </a:fillRef>
+          <a:effectRef idx="0">
+            <a:schemeClr val="accent1"/>
+          </a:effectRef>
+          <a:fontRef idx="minor">
+            <a:schemeClr val="lt1"/>
+          </a:fontRef>
+        </p:style>
+        <p:txBody>
+          <a:bodyPr rtlCol="0" anchor="ctr"/>
+          <a:lstStyle/>
+          <a:p>
+            <a:pPr algn="ctr"/>
+            <a:endParaRPr lang="en-FR"/>
+          </a:p>
+        </p:txBody>
+      </p:sp>
+      <p:sp>
+        <p:nvSpPr>
+          <p:cNvPr id="25" name="Oval 24">
+            <a:extLst>
+              <a:ext uri="{FF2B5EF4-FFF2-40B4-BE49-F238E27FC236}">
+                <a16:creationId xmlns:a16="http://schemas.microsoft.com/office/drawing/2014/main" id="{5E934C0A-334D-BDC3-E108-D79F6261EB51}"/>
+              </a:ext>
+            </a:extLst>
+          </p:cNvPr>
+          <p:cNvSpPr/>
+          <p:nvPr/>
+        </p:nvSpPr>
+        <p:spPr>
+          <a:xfrm>
+            <a:off x="1371597" y="2708692"/>
+            <a:ext cx="152398" cy="152398"/>
+          </a:xfrm>
+          <a:prstGeom prst="ellipse">
+            <a:avLst/>
+          </a:prstGeom>
+        </p:spPr>
+        <p:style>
+          <a:lnRef idx="2">
+            <a:schemeClr val="accent1">
+              <a:shade val="50000"/>
+            </a:schemeClr>
+          </a:lnRef>
+          <a:fillRef idx="1">
+            <a:schemeClr val="accent1"/>
+          </a:fillRef>
+          <a:effectRef idx="0">
+            <a:schemeClr val="accent1"/>
+          </a:effectRef>
+          <a:fontRef idx="minor">
+            <a:schemeClr val="lt1"/>
+          </a:fontRef>
+        </p:style>
+        <p:txBody>
+          <a:bodyPr rtlCol="0" anchor="ctr"/>
+          <a:lstStyle/>
+          <a:p>
+            <a:pPr algn="ctr"/>
+            <a:endParaRPr lang="en-FR"/>
+          </a:p>
+        </p:txBody>
+      </p:sp>
+      <p:sp>
+        <p:nvSpPr>
+          <p:cNvPr id="26" name="Oval 25">
+            <a:extLst>
+              <a:ext uri="{FF2B5EF4-FFF2-40B4-BE49-F238E27FC236}">
+                <a16:creationId xmlns:a16="http://schemas.microsoft.com/office/drawing/2014/main" id="{1F3DA730-B1CB-3B34-D2F5-3B00505878BB}"/>
+              </a:ext>
+            </a:extLst>
+          </p:cNvPr>
+          <p:cNvSpPr/>
+          <p:nvPr/>
+        </p:nvSpPr>
+        <p:spPr>
+          <a:xfrm>
+            <a:off x="1200152" y="3131629"/>
+            <a:ext cx="152398" cy="152398"/>
+          </a:xfrm>
+          <a:prstGeom prst="ellipse">
+            <a:avLst/>
+          </a:prstGeom>
+        </p:spPr>
+        <p:style>
+          <a:lnRef idx="2">
+            <a:schemeClr val="accent1">
+              <a:shade val="50000"/>
+            </a:schemeClr>
+          </a:lnRef>
+          <a:fillRef idx="1">
+            <a:schemeClr val="accent1"/>
+          </a:fillRef>
+          <a:effectRef idx="0">
+            <a:schemeClr val="accent1"/>
+          </a:effectRef>
+          <a:fontRef idx="minor">
+            <a:schemeClr val="lt1"/>
+          </a:fontRef>
+        </p:style>
+        <p:txBody>
+          <a:bodyPr rtlCol="0" anchor="ctr"/>
+          <a:lstStyle/>
+          <a:p>
+            <a:pPr algn="ctr"/>
+            <a:endParaRPr lang="en-FR"/>
+          </a:p>
+        </p:txBody>
+      </p:sp>
+      <p:cxnSp>
+        <p:nvCxnSpPr>
+          <p:cNvPr id="28" name="Curved Connector 27">
+            <a:extLst>
+              <a:ext uri="{FF2B5EF4-FFF2-40B4-BE49-F238E27FC236}">
+                <a16:creationId xmlns:a16="http://schemas.microsoft.com/office/drawing/2014/main" id="{25579731-B952-5022-4148-31B24CF7F4F5}"/>
+              </a:ext>
+            </a:extLst>
+          </p:cNvPr>
+          <p:cNvCxnSpPr>
+            <a:stCxn id="14" idx="4"/>
+            <a:endCxn id="22" idx="0"/>
+          </p:cNvCxnSpPr>
+          <p:nvPr/>
+        </p:nvCxnSpPr>
+        <p:spPr>
+          <a:xfrm rot="5400000">
+            <a:off x="1494108" y="1792107"/>
+            <a:ext cx="176798" cy="117024"/>
+          </a:xfrm>
+          <a:prstGeom prst="curvedConnector3">
+            <a:avLst/>
+          </a:prstGeom>
+        </p:spPr>
+        <p:style>
+          <a:lnRef idx="1">
+            <a:schemeClr val="accent1"/>
+          </a:lnRef>
+          <a:fillRef idx="0">
+            <a:schemeClr val="accent1"/>
+          </a:fillRef>
+          <a:effectRef idx="0">
+            <a:schemeClr val="accent1"/>
+          </a:effectRef>
+          <a:fontRef idx="minor">
+            <a:schemeClr val="tx1"/>
+          </a:fontRef>
+        </p:style>
+      </p:cxnSp>
+      <p:cxnSp>
+        <p:nvCxnSpPr>
+          <p:cNvPr id="29" name="Curved Connector 28">
+            <a:extLst>
+              <a:ext uri="{FF2B5EF4-FFF2-40B4-BE49-F238E27FC236}">
+                <a16:creationId xmlns:a16="http://schemas.microsoft.com/office/drawing/2014/main" id="{06FDCD35-BE94-DDC5-71C1-0E447F470A9C}"/>
+              </a:ext>
+            </a:extLst>
+          </p:cNvPr>
+          <p:cNvCxnSpPr>
+            <a:cxnSpLocks/>
+            <a:stCxn id="22" idx="4"/>
+            <a:endCxn id="24" idx="1"/>
+          </p:cNvCxnSpPr>
+          <p:nvPr/>
+        </p:nvCxnSpPr>
+        <p:spPr>
+          <a:xfrm rot="16200000" flipH="1">
+            <a:off x="1436349" y="2179061"/>
+            <a:ext cx="216657" cy="41365"/>
+          </a:xfrm>
+          <a:prstGeom prst="curvedConnector3">
+            <a:avLst>
+              <a:gd name="adj1" fmla="val 50000"/>
+            </a:avLst>
+          </a:prstGeom>
+        </p:spPr>
+        <p:style>
+          <a:lnRef idx="1">
+            <a:schemeClr val="accent1"/>
+          </a:lnRef>
+          <a:fillRef idx="0">
+            <a:schemeClr val="accent1"/>
+          </a:fillRef>
+          <a:effectRef idx="0">
+            <a:schemeClr val="accent1"/>
+          </a:effectRef>
+          <a:fontRef idx="minor">
+            <a:schemeClr val="tx1"/>
+          </a:fontRef>
+        </p:style>
+      </p:cxnSp>
+      <p:cxnSp>
+        <p:nvCxnSpPr>
+          <p:cNvPr id="32" name="Curved Connector 31">
+            <a:extLst>
+              <a:ext uri="{FF2B5EF4-FFF2-40B4-BE49-F238E27FC236}">
+                <a16:creationId xmlns:a16="http://schemas.microsoft.com/office/drawing/2014/main" id="{48E7741E-A55C-55CA-6AD2-696A8C9566B2}"/>
+              </a:ext>
+            </a:extLst>
+          </p:cNvPr>
+          <p:cNvCxnSpPr>
+            <a:cxnSpLocks/>
+            <a:stCxn id="24" idx="5"/>
+            <a:endCxn id="25" idx="6"/>
+          </p:cNvCxnSpPr>
+          <p:nvPr/>
+        </p:nvCxnSpPr>
+        <p:spPr>
+          <a:xfrm rot="5400000">
+            <a:off x="1414031" y="2525800"/>
+            <a:ext cx="369056" cy="149127"/>
+          </a:xfrm>
+          <a:prstGeom prst="curvedConnector2">
+            <a:avLst/>
+          </a:prstGeom>
+        </p:spPr>
+        <p:style>
+          <a:lnRef idx="1">
+            <a:schemeClr val="accent1"/>
+          </a:lnRef>
+          <a:fillRef idx="0">
+            <a:schemeClr val="accent1"/>
+          </a:fillRef>
+          <a:effectRef idx="0">
+            <a:schemeClr val="accent1"/>
+          </a:effectRef>
+          <a:fontRef idx="minor">
+            <a:schemeClr val="tx1"/>
+          </a:fontRef>
+        </p:style>
+      </p:cxnSp>
+      <p:cxnSp>
+        <p:nvCxnSpPr>
+          <p:cNvPr id="35" name="Curved Connector 34">
+            <a:extLst>
+              <a:ext uri="{FF2B5EF4-FFF2-40B4-BE49-F238E27FC236}">
+                <a16:creationId xmlns:a16="http://schemas.microsoft.com/office/drawing/2014/main" id="{1E3C1B44-BB5D-5A51-3C4F-996956B69BF1}"/>
+              </a:ext>
+            </a:extLst>
+          </p:cNvPr>
+          <p:cNvCxnSpPr>
+            <a:cxnSpLocks/>
+            <a:stCxn id="25" idx="4"/>
+            <a:endCxn id="26" idx="0"/>
+          </p:cNvCxnSpPr>
+          <p:nvPr/>
+        </p:nvCxnSpPr>
+        <p:spPr>
+          <a:xfrm rot="5400000">
+            <a:off x="1226805" y="2910637"/>
+            <a:ext cx="270539" cy="171445"/>
+          </a:xfrm>
+          <a:prstGeom prst="curvedConnector3">
+            <a:avLst>
+              <a:gd name="adj1" fmla="val 50000"/>
+            </a:avLst>
+          </a:prstGeom>
+        </p:spPr>
+        <p:style>
+          <a:lnRef idx="1">
+            <a:schemeClr val="accent1"/>
+          </a:lnRef>
+          <a:fillRef idx="0">
+            <a:schemeClr val="accent1"/>
+          </a:fillRef>
+          <a:effectRef idx="0">
+            <a:schemeClr val="accent1"/>
+          </a:effectRef>
+          <a:fontRef idx="minor">
+            <a:schemeClr val="tx1"/>
+          </a:fontRef>
+        </p:style>
+      </p:cxnSp>
+      <p:sp>
+        <p:nvSpPr>
+          <p:cNvPr id="38" name="Oval 37">
+            <a:extLst>
+              <a:ext uri="{FF2B5EF4-FFF2-40B4-BE49-F238E27FC236}">
+                <a16:creationId xmlns:a16="http://schemas.microsoft.com/office/drawing/2014/main" id="{016465FE-5B20-D644-510A-B65C9D2F23BB}"/>
+              </a:ext>
+            </a:extLst>
+          </p:cNvPr>
+          <p:cNvSpPr/>
+          <p:nvPr/>
+        </p:nvSpPr>
+        <p:spPr>
+          <a:xfrm>
+            <a:off x="2571721" y="1931173"/>
+            <a:ext cx="152398" cy="152398"/>
+          </a:xfrm>
+          <a:prstGeom prst="ellipse">
+            <a:avLst/>
+          </a:prstGeom>
+        </p:spPr>
+        <p:style>
+          <a:lnRef idx="2">
+            <a:schemeClr val="accent1">
+              <a:shade val="50000"/>
+            </a:schemeClr>
+          </a:lnRef>
+          <a:fillRef idx="1">
+            <a:schemeClr val="accent1"/>
+          </a:fillRef>
+          <a:effectRef idx="0">
+            <a:schemeClr val="accent1"/>
+          </a:effectRef>
+          <a:fontRef idx="minor">
+            <a:schemeClr val="lt1"/>
+          </a:fontRef>
+        </p:style>
+        <p:txBody>
+          <a:bodyPr rtlCol="0" anchor="ctr"/>
+          <a:lstStyle/>
+          <a:p>
+            <a:pPr algn="ctr"/>
+            <a:endParaRPr lang="en-FR"/>
+          </a:p>
+        </p:txBody>
+      </p:sp>
+      <p:sp>
+        <p:nvSpPr>
+          <p:cNvPr id="39" name="Oval 38">
+            <a:extLst>
+              <a:ext uri="{FF2B5EF4-FFF2-40B4-BE49-F238E27FC236}">
+                <a16:creationId xmlns:a16="http://schemas.microsoft.com/office/drawing/2014/main" id="{BFCE3ED9-FC41-E31C-84D4-0A927745DFAD}"/>
+              </a:ext>
+            </a:extLst>
+          </p:cNvPr>
+          <p:cNvSpPr/>
+          <p:nvPr/>
+        </p:nvSpPr>
+        <p:spPr>
+          <a:xfrm>
+            <a:off x="2631606" y="2252525"/>
+            <a:ext cx="152398" cy="152398"/>
+          </a:xfrm>
+          <a:prstGeom prst="ellipse">
+            <a:avLst/>
+          </a:prstGeom>
+        </p:spPr>
+        <p:style>
+          <a:lnRef idx="2">
+            <a:schemeClr val="accent1">
+              <a:shade val="50000"/>
+            </a:schemeClr>
+          </a:lnRef>
+          <a:fillRef idx="1">
+            <a:schemeClr val="accent1"/>
+          </a:fillRef>
+          <a:effectRef idx="0">
+            <a:schemeClr val="accent1"/>
+          </a:effectRef>
+          <a:fontRef idx="minor">
+            <a:schemeClr val="lt1"/>
+          </a:fontRef>
+        </p:style>
+        <p:txBody>
+          <a:bodyPr rtlCol="0" anchor="ctr"/>
+          <a:lstStyle/>
+          <a:p>
+            <a:pPr algn="ctr"/>
+            <a:endParaRPr lang="en-FR"/>
+          </a:p>
+        </p:txBody>
+      </p:sp>
+      <p:sp>
+        <p:nvSpPr>
+          <p:cNvPr id="40" name="Oval 39">
+            <a:extLst>
+              <a:ext uri="{FF2B5EF4-FFF2-40B4-BE49-F238E27FC236}">
+                <a16:creationId xmlns:a16="http://schemas.microsoft.com/office/drawing/2014/main" id="{E6F662CA-961E-B8D7-7A6E-FEC8B782AD1A}"/>
+              </a:ext>
+            </a:extLst>
+          </p:cNvPr>
+          <p:cNvSpPr/>
+          <p:nvPr/>
+        </p:nvSpPr>
+        <p:spPr>
+          <a:xfrm>
+            <a:off x="2547243" y="2773210"/>
+            <a:ext cx="152398" cy="152398"/>
+          </a:xfrm>
+          <a:prstGeom prst="ellipse">
+            <a:avLst/>
+          </a:prstGeom>
+        </p:spPr>
+        <p:style>
+          <a:lnRef idx="2">
+            <a:schemeClr val="accent1">
+              <a:shade val="50000"/>
+            </a:schemeClr>
+          </a:lnRef>
+          <a:fillRef idx="1">
+            <a:schemeClr val="accent1"/>
+          </a:fillRef>
+          <a:effectRef idx="0">
+            <a:schemeClr val="accent1"/>
+          </a:effectRef>
+          <a:fontRef idx="minor">
+            <a:schemeClr val="lt1"/>
+          </a:fontRef>
+        </p:style>
+        <p:txBody>
+          <a:bodyPr rtlCol="0" anchor="ctr"/>
+          <a:lstStyle/>
+          <a:p>
+            <a:pPr algn="ctr"/>
+            <a:endParaRPr lang="en-FR"/>
+          </a:p>
+        </p:txBody>
+      </p:sp>
+      <p:sp>
+        <p:nvSpPr>
+          <p:cNvPr id="41" name="Oval 40">
+            <a:extLst>
+              <a:ext uri="{FF2B5EF4-FFF2-40B4-BE49-F238E27FC236}">
+                <a16:creationId xmlns:a16="http://schemas.microsoft.com/office/drawing/2014/main" id="{8641E8E2-CCBE-4656-9FD7-FB435DFC6911}"/>
+              </a:ext>
+            </a:extLst>
+          </p:cNvPr>
+          <p:cNvSpPr/>
+          <p:nvPr/>
+        </p:nvSpPr>
+        <p:spPr>
+          <a:xfrm>
+            <a:off x="2574457" y="3163305"/>
+            <a:ext cx="152398" cy="152398"/>
+          </a:xfrm>
+          <a:prstGeom prst="ellipse">
+            <a:avLst/>
+          </a:prstGeom>
+        </p:spPr>
+        <p:style>
+          <a:lnRef idx="2">
+            <a:schemeClr val="accent1">
+              <a:shade val="50000"/>
+            </a:schemeClr>
+          </a:lnRef>
+          <a:fillRef idx="1">
+            <a:schemeClr val="accent1"/>
+          </a:fillRef>
+          <a:effectRef idx="0">
+            <a:schemeClr val="accent1"/>
+          </a:effectRef>
+          <a:fontRef idx="minor">
+            <a:schemeClr val="lt1"/>
+          </a:fontRef>
+        </p:style>
+        <p:txBody>
+          <a:bodyPr rtlCol="0" anchor="ctr"/>
+          <a:lstStyle/>
+          <a:p>
+            <a:pPr algn="ctr"/>
+            <a:endParaRPr lang="en-FR"/>
+          </a:p>
+        </p:txBody>
+      </p:sp>
+      <p:cxnSp>
+        <p:nvCxnSpPr>
+          <p:cNvPr id="42" name="Curved Connector 41">
+            <a:extLst>
+              <a:ext uri="{FF2B5EF4-FFF2-40B4-BE49-F238E27FC236}">
+                <a16:creationId xmlns:a16="http://schemas.microsoft.com/office/drawing/2014/main" id="{7AA3A89A-3558-0774-1C46-2438B47ECCAB}"/>
+              </a:ext>
+            </a:extLst>
+          </p:cNvPr>
+          <p:cNvCxnSpPr>
+            <a:cxnSpLocks/>
+            <a:stCxn id="38" idx="4"/>
+            <a:endCxn id="39" idx="1"/>
+          </p:cNvCxnSpPr>
+          <p:nvPr/>
+        </p:nvCxnSpPr>
+        <p:spPr>
+          <a:xfrm rot="16200000" flipH="1">
+            <a:off x="2555286" y="2176205"/>
+            <a:ext cx="191272" cy="6004"/>
+          </a:xfrm>
+          <a:prstGeom prst="curvedConnector3">
+            <a:avLst>
+              <a:gd name="adj1" fmla="val 50000"/>
+            </a:avLst>
+          </a:prstGeom>
+        </p:spPr>
+        <p:style>
+          <a:lnRef idx="1">
+            <a:schemeClr val="accent1"/>
+          </a:lnRef>
+          <a:fillRef idx="0">
+            <a:schemeClr val="accent1"/>
+          </a:fillRef>
+          <a:effectRef idx="0">
+            <a:schemeClr val="accent1"/>
+          </a:effectRef>
+          <a:fontRef idx="minor">
+            <a:schemeClr val="tx1"/>
+          </a:fontRef>
+        </p:style>
+      </p:cxnSp>
+      <p:cxnSp>
+        <p:nvCxnSpPr>
+          <p:cNvPr id="43" name="Curved Connector 42">
+            <a:extLst>
+              <a:ext uri="{FF2B5EF4-FFF2-40B4-BE49-F238E27FC236}">
+                <a16:creationId xmlns:a16="http://schemas.microsoft.com/office/drawing/2014/main" id="{C8D2BE57-775B-58D5-E2C2-DFADA7CB446E}"/>
+              </a:ext>
+            </a:extLst>
+          </p:cNvPr>
+          <p:cNvCxnSpPr>
+            <a:cxnSpLocks/>
+            <a:stCxn id="39" idx="5"/>
+            <a:endCxn id="40" idx="6"/>
+          </p:cNvCxnSpPr>
+          <p:nvPr/>
+        </p:nvCxnSpPr>
+        <p:spPr>
+          <a:xfrm rot="5400000">
+            <a:off x="2497262" y="2584985"/>
+            <a:ext cx="466804" cy="62045"/>
+          </a:xfrm>
+          <a:prstGeom prst="curvedConnector2">
+            <a:avLst/>
+          </a:prstGeom>
+        </p:spPr>
+        <p:style>
+          <a:lnRef idx="1">
+            <a:schemeClr val="accent1"/>
+          </a:lnRef>
+          <a:fillRef idx="0">
+            <a:schemeClr val="accent1"/>
+          </a:fillRef>
+          <a:effectRef idx="0">
+            <a:schemeClr val="accent1"/>
+          </a:effectRef>
+          <a:fontRef idx="minor">
+            <a:schemeClr val="tx1"/>
+          </a:fontRef>
+        </p:style>
+      </p:cxnSp>
+      <p:cxnSp>
+        <p:nvCxnSpPr>
+          <p:cNvPr id="44" name="Curved Connector 43">
+            <a:extLst>
+              <a:ext uri="{FF2B5EF4-FFF2-40B4-BE49-F238E27FC236}">
+                <a16:creationId xmlns:a16="http://schemas.microsoft.com/office/drawing/2014/main" id="{31A91048-A2A2-1DE9-F924-A956F5896313}"/>
+              </a:ext>
+            </a:extLst>
+          </p:cNvPr>
+          <p:cNvCxnSpPr>
+            <a:cxnSpLocks/>
+            <a:stCxn id="40" idx="4"/>
+            <a:endCxn id="41" idx="0"/>
+          </p:cNvCxnSpPr>
+          <p:nvPr/>
+        </p:nvCxnSpPr>
+        <p:spPr>
+          <a:xfrm rot="16200000" flipH="1">
+            <a:off x="2518201" y="3030849"/>
+            <a:ext cx="237697" cy="27214"/>
+          </a:xfrm>
+          <a:prstGeom prst="curvedConnector3">
+            <a:avLst>
+              <a:gd name="adj1" fmla="val 50000"/>
+            </a:avLst>
+          </a:prstGeom>
+        </p:spPr>
+        <p:style>
+          <a:lnRef idx="1">
+            <a:schemeClr val="accent1"/>
+          </a:lnRef>
+          <a:fillRef idx="0">
+            <a:schemeClr val="accent1"/>
+          </a:fillRef>
+          <a:effectRef idx="0">
+            <a:schemeClr val="accent1"/>
+          </a:effectRef>
+          <a:fontRef idx="minor">
+            <a:schemeClr val="tx1"/>
+          </a:fontRef>
+        </p:style>
+      </p:cxnSp>
+      <p:cxnSp>
+        <p:nvCxnSpPr>
+          <p:cNvPr id="45" name="Curved Connector 44">
+            <a:extLst>
+              <a:ext uri="{FF2B5EF4-FFF2-40B4-BE49-F238E27FC236}">
+                <a16:creationId xmlns:a16="http://schemas.microsoft.com/office/drawing/2014/main" id="{052A3235-C3F4-F7C6-537F-6FC9E5B48912}"/>
+              </a:ext>
+            </a:extLst>
+          </p:cNvPr>
+          <p:cNvCxnSpPr>
+            <a:cxnSpLocks/>
+            <a:stCxn id="19" idx="4"/>
+            <a:endCxn id="38" idx="7"/>
+          </p:cNvCxnSpPr>
+          <p:nvPr/>
+        </p:nvCxnSpPr>
+        <p:spPr>
+          <a:xfrm rot="16200000" flipH="1">
+            <a:off x="2490787" y="1742476"/>
+            <a:ext cx="191271" cy="230757"/>
+          </a:xfrm>
+          <a:prstGeom prst="curvedConnector3">
+            <a:avLst>
+              <a:gd name="adj1" fmla="val 50000"/>
+            </a:avLst>
+          </a:prstGeom>
+        </p:spPr>
+        <p:style>
+          <a:lnRef idx="1">
+            <a:schemeClr val="accent1"/>
+          </a:lnRef>
+          <a:fillRef idx="0">
+            <a:schemeClr val="accent1"/>
+          </a:fillRef>
+          <a:effectRef idx="0">
+            <a:schemeClr val="accent1"/>
+          </a:effectRef>
+          <a:fontRef idx="minor">
+            <a:schemeClr val="tx1"/>
+          </a:fontRef>
+        </p:style>
+      </p:cxnSp>
+      <p:sp>
+        <p:nvSpPr>
+          <p:cNvPr id="58" name="Oval 57">
+            <a:extLst>
+              <a:ext uri="{FF2B5EF4-FFF2-40B4-BE49-F238E27FC236}">
+                <a16:creationId xmlns:a16="http://schemas.microsoft.com/office/drawing/2014/main" id="{8C7FC361-1BA0-62F3-8B36-E9377E03A720}"/>
+              </a:ext>
+            </a:extLst>
+          </p:cNvPr>
+          <p:cNvSpPr/>
+          <p:nvPr/>
+        </p:nvSpPr>
+        <p:spPr>
+          <a:xfrm>
+            <a:off x="1393914" y="3500686"/>
+            <a:ext cx="152398" cy="152398"/>
+          </a:xfrm>
+          <a:prstGeom prst="ellipse">
+            <a:avLst/>
+          </a:prstGeom>
+        </p:spPr>
+        <p:style>
+          <a:lnRef idx="2">
+            <a:schemeClr val="accent1">
+              <a:shade val="50000"/>
+            </a:schemeClr>
+          </a:lnRef>
+          <a:fillRef idx="1">
+            <a:schemeClr val="accent1"/>
+          </a:fillRef>
+          <a:effectRef idx="0">
+            <a:schemeClr val="accent1"/>
+          </a:effectRef>
+          <a:fontRef idx="minor">
+            <a:schemeClr val="lt1"/>
+          </a:fontRef>
+        </p:style>
+        <p:txBody>
+          <a:bodyPr rtlCol="0" anchor="ctr"/>
+          <a:lstStyle/>
+          <a:p>
+            <a:pPr algn="ctr"/>
+            <a:endParaRPr lang="en-FR"/>
+          </a:p>
+        </p:txBody>
+      </p:sp>
+      <p:sp>
+        <p:nvSpPr>
+          <p:cNvPr id="59" name="Oval 58">
+            <a:extLst>
+              <a:ext uri="{FF2B5EF4-FFF2-40B4-BE49-F238E27FC236}">
+                <a16:creationId xmlns:a16="http://schemas.microsoft.com/office/drawing/2014/main" id="{672E5974-5687-41BF-C416-83433E09F75C}"/>
+              </a:ext>
+            </a:extLst>
+          </p:cNvPr>
+          <p:cNvSpPr/>
+          <p:nvPr/>
+        </p:nvSpPr>
+        <p:spPr>
+          <a:xfrm>
+            <a:off x="1309552" y="3877392"/>
+            <a:ext cx="152398" cy="152398"/>
+          </a:xfrm>
+          <a:prstGeom prst="ellipse">
+            <a:avLst/>
+          </a:prstGeom>
+        </p:spPr>
+        <p:style>
+          <a:lnRef idx="2">
+            <a:schemeClr val="accent1">
+              <a:shade val="50000"/>
+            </a:schemeClr>
+          </a:lnRef>
+          <a:fillRef idx="1">
+            <a:schemeClr val="accent1"/>
+          </a:fillRef>
+          <a:effectRef idx="0">
+            <a:schemeClr val="accent1"/>
+          </a:effectRef>
+          <a:fontRef idx="minor">
+            <a:schemeClr val="lt1"/>
+          </a:fontRef>
+        </p:style>
+        <p:txBody>
+          <a:bodyPr rtlCol="0" anchor="ctr"/>
+          <a:lstStyle/>
+          <a:p>
+            <a:pPr algn="ctr"/>
+            <a:endParaRPr lang="en-FR"/>
+          </a:p>
+        </p:txBody>
+      </p:sp>
+      <p:sp>
+        <p:nvSpPr>
+          <p:cNvPr id="60" name="Oval 59">
+            <a:extLst>
+              <a:ext uri="{FF2B5EF4-FFF2-40B4-BE49-F238E27FC236}">
+                <a16:creationId xmlns:a16="http://schemas.microsoft.com/office/drawing/2014/main" id="{7413E29D-275D-AA1C-3811-F11776C088EA}"/>
+              </a:ext>
+            </a:extLst>
+          </p:cNvPr>
+          <p:cNvSpPr/>
+          <p:nvPr/>
+        </p:nvSpPr>
+        <p:spPr>
+          <a:xfrm>
+            <a:off x="1336765" y="4411466"/>
+            <a:ext cx="152398" cy="152398"/>
+          </a:xfrm>
+          <a:prstGeom prst="ellipse">
+            <a:avLst/>
+          </a:prstGeom>
+        </p:spPr>
+        <p:style>
+          <a:lnRef idx="2">
+            <a:schemeClr val="accent1">
+              <a:shade val="50000"/>
+            </a:schemeClr>
+          </a:lnRef>
+          <a:fillRef idx="1">
+            <a:schemeClr val="accent1"/>
+          </a:fillRef>
+          <a:effectRef idx="0">
+            <a:schemeClr val="accent1"/>
+          </a:effectRef>
+          <a:fontRef idx="minor">
+            <a:schemeClr val="lt1"/>
+          </a:fontRef>
+        </p:style>
+        <p:txBody>
+          <a:bodyPr rtlCol="0" anchor="ctr"/>
+          <a:lstStyle/>
+          <a:p>
+            <a:pPr algn="ctr"/>
+            <a:endParaRPr lang="en-FR"/>
+          </a:p>
+        </p:txBody>
+      </p:sp>
+      <p:cxnSp>
+        <p:nvCxnSpPr>
+          <p:cNvPr id="62" name="Curved Connector 61">
+            <a:extLst>
+              <a:ext uri="{FF2B5EF4-FFF2-40B4-BE49-F238E27FC236}">
+                <a16:creationId xmlns:a16="http://schemas.microsoft.com/office/drawing/2014/main" id="{CFEE777F-0F38-D0ED-C073-BF66F40F2E52}"/>
+              </a:ext>
+            </a:extLst>
+          </p:cNvPr>
+          <p:cNvCxnSpPr>
+            <a:cxnSpLocks/>
+            <a:stCxn id="58" idx="5"/>
+            <a:endCxn id="59" idx="6"/>
+          </p:cNvCxnSpPr>
+          <p:nvPr/>
+        </p:nvCxnSpPr>
+        <p:spPr>
+          <a:xfrm rot="5400000">
+            <a:off x="1331560" y="3761156"/>
+            <a:ext cx="322825" cy="62044"/>
+          </a:xfrm>
+          <a:prstGeom prst="curvedConnector2">
+            <a:avLst/>
+          </a:prstGeom>
+        </p:spPr>
+        <p:style>
+          <a:lnRef idx="1">
+            <a:schemeClr val="accent1"/>
+          </a:lnRef>
+          <a:fillRef idx="0">
+            <a:schemeClr val="accent1"/>
+          </a:fillRef>
+          <a:effectRef idx="0">
+            <a:schemeClr val="accent1"/>
+          </a:effectRef>
+          <a:fontRef idx="minor">
+            <a:schemeClr val="tx1"/>
+          </a:fontRef>
+        </p:style>
+      </p:cxnSp>
+      <p:cxnSp>
+        <p:nvCxnSpPr>
+          <p:cNvPr id="63" name="Curved Connector 62">
+            <a:extLst>
+              <a:ext uri="{FF2B5EF4-FFF2-40B4-BE49-F238E27FC236}">
+                <a16:creationId xmlns:a16="http://schemas.microsoft.com/office/drawing/2014/main" id="{658AA948-5243-D3FD-4B83-4492A0FE0B2E}"/>
+              </a:ext>
+            </a:extLst>
+          </p:cNvPr>
+          <p:cNvCxnSpPr>
+            <a:cxnSpLocks/>
+            <a:stCxn id="59" idx="4"/>
+            <a:endCxn id="60" idx="0"/>
+          </p:cNvCxnSpPr>
+          <p:nvPr/>
+        </p:nvCxnSpPr>
+        <p:spPr>
+          <a:xfrm rot="16200000" flipH="1">
+            <a:off x="1208519" y="4207021"/>
+            <a:ext cx="381676" cy="27213"/>
+          </a:xfrm>
+          <a:prstGeom prst="curvedConnector3">
+            <a:avLst>
+              <a:gd name="adj1" fmla="val 50000"/>
+            </a:avLst>
+          </a:prstGeom>
+        </p:spPr>
+        <p:style>
+          <a:lnRef idx="1">
+            <a:schemeClr val="accent1"/>
+          </a:lnRef>
+          <a:fillRef idx="0">
+            <a:schemeClr val="accent1"/>
+          </a:fillRef>
+          <a:effectRef idx="0">
+            <a:schemeClr val="accent1"/>
+          </a:effectRef>
+          <a:fontRef idx="minor">
+            <a:schemeClr val="tx1"/>
+          </a:fontRef>
+        </p:style>
+      </p:cxnSp>
+    </p:spTree>
+    <p:extLst>
+      <p:ext uri="{BB962C8B-B14F-4D97-AF65-F5344CB8AC3E}">
+        <p14:creationId xmlns:p14="http://schemas.microsoft.com/office/powerpoint/2010/main" val="187302745"/>
+      </p:ext>
+    </p:extLst>
+  </p:cSld>
+  <p:clrMapOvr>
+    <a:masterClrMapping/>
+  </p:clrMapOvr>
+</p:sld>
+</file>
+
+<file path=ppt/slides/slide43.xml><?xml version="1.0" encoding="utf-8"?>
 <p:sld xmlns:a="http://schemas.openxmlformats.org/drawingml/2006/main" xmlns:r="http://schemas.openxmlformats.org/officeDocument/2006/relationships" xmlns:p="http://schemas.openxmlformats.org/presentationml/2006/main" show="0">
   <p:cSld>
     <p:spTree>
@@ -23400,7 +25261,7 @@
           <a:p>
             <a:fld id="{4A936E34-E911-F947-B710-F12161D09F63}" type="slidenum">
               <a:rPr lang="en-FR" smtClean="0"/>
-              <a:t>42</a:t>
+              <a:t>43</a:t>
             </a:fld>
             <a:endParaRPr lang="en-FR"/>
           </a:p>
